--- a/Documents/Presentation/ProjectPresentation-JamesPage.pptx
+++ b/Documents/Presentation/ProjectPresentation-JamesPage.pptx
@@ -4,6 +4,9 @@
   <p:sldMasterIdLst>
     <p:sldMasterId id="2147483683" r:id="rId1"/>
   </p:sldMasterIdLst>
+  <p:notesMasterIdLst>
+    <p:notesMasterId r:id="rId19"/>
+  </p:notesMasterIdLst>
   <p:sldIdLst>
     <p:sldId id="256" r:id="rId2"/>
     <p:sldId id="257" r:id="rId3"/>
@@ -1068,6 +1071,1132 @@
 </cs:chartStyle>
 </file>
 
+<file path=ppt/notesMasters/notesMaster1.xml><?xml version="1.0" encoding="utf-8"?>
+<p:notesMaster xmlns:a="http://schemas.openxmlformats.org/drawingml/2006/main" xmlns:r="http://schemas.openxmlformats.org/officeDocument/2006/relationships" xmlns:p="http://schemas.openxmlformats.org/presentationml/2006/main">
+  <p:cSld>
+    <p:bg>
+      <p:bgRef idx="1001">
+        <a:schemeClr val="bg1"/>
+      </p:bgRef>
+    </p:bg>
+    <p:spTree>
+      <p:nvGrpSpPr>
+        <p:cNvPr id="1" name=""/>
+        <p:cNvGrpSpPr/>
+        <p:nvPr/>
+      </p:nvGrpSpPr>
+      <p:grpSpPr>
+        <a:xfrm>
+          <a:off x="0" y="0"/>
+          <a:ext cx="0" cy="0"/>
+          <a:chOff x="0" y="0"/>
+          <a:chExt cx="0" cy="0"/>
+        </a:xfrm>
+      </p:grpSpPr>
+      <p:sp>
+        <p:nvSpPr>
+          <p:cNvPr id="2" name="Header Placeholder 1"/>
+          <p:cNvSpPr>
+            <a:spLocks noGrp="1"/>
+          </p:cNvSpPr>
+          <p:nvPr>
+            <p:ph type="hdr" sz="quarter"/>
+          </p:nvPr>
+        </p:nvSpPr>
+        <p:spPr>
+          <a:xfrm>
+            <a:off x="0" y="0"/>
+            <a:ext cx="2971800" cy="458788"/>
+          </a:xfrm>
+          <a:prstGeom prst="rect">
+            <a:avLst/>
+          </a:prstGeom>
+        </p:spPr>
+        <p:txBody>
+          <a:bodyPr vert="horz" lIns="91440" tIns="45720" rIns="91440" bIns="45720" rtlCol="0"/>
+          <a:lstStyle>
+            <a:lvl1pPr algn="l">
+              <a:defRPr sz="1200"/>
+            </a:lvl1pPr>
+          </a:lstStyle>
+          <a:p>
+            <a:endParaRPr lang="en-GB"/>
+          </a:p>
+        </p:txBody>
+      </p:sp>
+      <p:sp>
+        <p:nvSpPr>
+          <p:cNvPr id="3" name="Date Placeholder 2"/>
+          <p:cNvSpPr>
+            <a:spLocks noGrp="1"/>
+          </p:cNvSpPr>
+          <p:nvPr>
+            <p:ph type="dt" idx="1"/>
+          </p:nvPr>
+        </p:nvSpPr>
+        <p:spPr>
+          <a:xfrm>
+            <a:off x="3884613" y="0"/>
+            <a:ext cx="2971800" cy="458788"/>
+          </a:xfrm>
+          <a:prstGeom prst="rect">
+            <a:avLst/>
+          </a:prstGeom>
+        </p:spPr>
+        <p:txBody>
+          <a:bodyPr vert="horz" lIns="91440" tIns="45720" rIns="91440" bIns="45720" rtlCol="0"/>
+          <a:lstStyle>
+            <a:lvl1pPr algn="r">
+              <a:defRPr sz="1200"/>
+            </a:lvl1pPr>
+          </a:lstStyle>
+          <a:p>
+            <a:fld id="{A1BFB9FD-B402-4273-80A1-3D46777046D3}" type="datetimeFigureOut">
+              <a:rPr lang="en-GB" smtClean="0"/>
+              <a:t>06/03/2022</a:t>
+            </a:fld>
+            <a:endParaRPr lang="en-GB"/>
+          </a:p>
+        </p:txBody>
+      </p:sp>
+      <p:sp>
+        <p:nvSpPr>
+          <p:cNvPr id="4" name="Slide Image Placeholder 3"/>
+          <p:cNvSpPr>
+            <a:spLocks noGrp="1" noRot="1" noChangeAspect="1"/>
+          </p:cNvSpPr>
+          <p:nvPr>
+            <p:ph type="sldImg" idx="2"/>
+          </p:nvPr>
+        </p:nvSpPr>
+        <p:spPr>
+          <a:xfrm>
+            <a:off x="685800" y="1143000"/>
+            <a:ext cx="5486400" cy="3086100"/>
+          </a:xfrm>
+          <a:prstGeom prst="rect">
+            <a:avLst/>
+          </a:prstGeom>
+          <a:noFill/>
+          <a:ln w="12700">
+            <a:solidFill>
+              <a:prstClr val="black"/>
+            </a:solidFill>
+          </a:ln>
+        </p:spPr>
+        <p:txBody>
+          <a:bodyPr vert="horz" lIns="91440" tIns="45720" rIns="91440" bIns="45720" rtlCol="0" anchor="ctr"/>
+          <a:lstStyle/>
+          <a:p>
+            <a:endParaRPr lang="en-GB"/>
+          </a:p>
+        </p:txBody>
+      </p:sp>
+      <p:sp>
+        <p:nvSpPr>
+          <p:cNvPr id="5" name="Notes Placeholder 4"/>
+          <p:cNvSpPr>
+            <a:spLocks noGrp="1"/>
+          </p:cNvSpPr>
+          <p:nvPr>
+            <p:ph type="body" sz="quarter" idx="3"/>
+          </p:nvPr>
+        </p:nvSpPr>
+        <p:spPr>
+          <a:xfrm>
+            <a:off x="685800" y="4400550"/>
+            <a:ext cx="5486400" cy="3600450"/>
+          </a:xfrm>
+          <a:prstGeom prst="rect">
+            <a:avLst/>
+          </a:prstGeom>
+        </p:spPr>
+        <p:txBody>
+          <a:bodyPr vert="horz" lIns="91440" tIns="45720" rIns="91440" bIns="45720" rtlCol="0"/>
+          <a:lstStyle/>
+          <a:p>
+            <a:pPr lvl="0"/>
+            <a:r>
+              <a:rPr lang="en-US"/>
+              <a:t>Click to edit Master text styles</a:t>
+            </a:r>
+          </a:p>
+          <a:p>
+            <a:pPr lvl="1"/>
+            <a:r>
+              <a:rPr lang="en-US"/>
+              <a:t>Second level</a:t>
+            </a:r>
+          </a:p>
+          <a:p>
+            <a:pPr lvl="2"/>
+            <a:r>
+              <a:rPr lang="en-US"/>
+              <a:t>Third level</a:t>
+            </a:r>
+          </a:p>
+          <a:p>
+            <a:pPr lvl="3"/>
+            <a:r>
+              <a:rPr lang="en-US"/>
+              <a:t>Fourth level</a:t>
+            </a:r>
+          </a:p>
+          <a:p>
+            <a:pPr lvl="4"/>
+            <a:r>
+              <a:rPr lang="en-US"/>
+              <a:t>Fifth level</a:t>
+            </a:r>
+            <a:endParaRPr lang="en-GB"/>
+          </a:p>
+        </p:txBody>
+      </p:sp>
+      <p:sp>
+        <p:nvSpPr>
+          <p:cNvPr id="6" name="Footer Placeholder 5"/>
+          <p:cNvSpPr>
+            <a:spLocks noGrp="1"/>
+          </p:cNvSpPr>
+          <p:nvPr>
+            <p:ph type="ftr" sz="quarter" idx="4"/>
+          </p:nvPr>
+        </p:nvSpPr>
+        <p:spPr>
+          <a:xfrm>
+            <a:off x="0" y="8685213"/>
+            <a:ext cx="2971800" cy="458787"/>
+          </a:xfrm>
+          <a:prstGeom prst="rect">
+            <a:avLst/>
+          </a:prstGeom>
+        </p:spPr>
+        <p:txBody>
+          <a:bodyPr vert="horz" lIns="91440" tIns="45720" rIns="91440" bIns="45720" rtlCol="0" anchor="b"/>
+          <a:lstStyle>
+            <a:lvl1pPr algn="l">
+              <a:defRPr sz="1200"/>
+            </a:lvl1pPr>
+          </a:lstStyle>
+          <a:p>
+            <a:endParaRPr lang="en-GB"/>
+          </a:p>
+        </p:txBody>
+      </p:sp>
+      <p:sp>
+        <p:nvSpPr>
+          <p:cNvPr id="7" name="Slide Number Placeholder 6"/>
+          <p:cNvSpPr>
+            <a:spLocks noGrp="1"/>
+          </p:cNvSpPr>
+          <p:nvPr>
+            <p:ph type="sldNum" sz="quarter" idx="5"/>
+          </p:nvPr>
+        </p:nvSpPr>
+        <p:spPr>
+          <a:xfrm>
+            <a:off x="3884613" y="8685213"/>
+            <a:ext cx="2971800" cy="458787"/>
+          </a:xfrm>
+          <a:prstGeom prst="rect">
+            <a:avLst/>
+          </a:prstGeom>
+        </p:spPr>
+        <p:txBody>
+          <a:bodyPr vert="horz" lIns="91440" tIns="45720" rIns="91440" bIns="45720" rtlCol="0" anchor="b"/>
+          <a:lstStyle>
+            <a:lvl1pPr algn="r">
+              <a:defRPr sz="1200"/>
+            </a:lvl1pPr>
+          </a:lstStyle>
+          <a:p>
+            <a:fld id="{AE1E6FC1-D58F-4ADF-996C-03FDE935E6CA}" type="slidenum">
+              <a:rPr lang="en-GB" smtClean="0"/>
+              <a:t>‹#›</a:t>
+            </a:fld>
+            <a:endParaRPr lang="en-GB"/>
+          </a:p>
+        </p:txBody>
+      </p:sp>
+    </p:spTree>
+    <p:extLst>
+      <p:ext uri="{BB962C8B-B14F-4D97-AF65-F5344CB8AC3E}">
+        <p14:creationId xmlns:p14="http://schemas.microsoft.com/office/powerpoint/2010/main" val="1015844074"/>
+      </p:ext>
+    </p:extLst>
+  </p:cSld>
+  <p:clrMap bg1="lt1" tx1="dk1" bg2="lt2" tx2="dk2" accent1="accent1" accent2="accent2" accent3="accent3" accent4="accent4" accent5="accent5" accent6="accent6" hlink="hlink" folHlink="folHlink"/>
+  <p:notesStyle>
+    <a:lvl1pPr marL="0" algn="l" defTabSz="914400" rtl="0" eaLnBrk="1" latinLnBrk="0" hangingPunct="1">
+      <a:defRPr sz="1200" kern="1200">
+        <a:solidFill>
+          <a:schemeClr val="tx1"/>
+        </a:solidFill>
+        <a:latin typeface="+mn-lt"/>
+        <a:ea typeface="+mn-ea"/>
+        <a:cs typeface="+mn-cs"/>
+      </a:defRPr>
+    </a:lvl1pPr>
+    <a:lvl2pPr marL="457200" algn="l" defTabSz="914400" rtl="0" eaLnBrk="1" latinLnBrk="0" hangingPunct="1">
+      <a:defRPr sz="1200" kern="1200">
+        <a:solidFill>
+          <a:schemeClr val="tx1"/>
+        </a:solidFill>
+        <a:latin typeface="+mn-lt"/>
+        <a:ea typeface="+mn-ea"/>
+        <a:cs typeface="+mn-cs"/>
+      </a:defRPr>
+    </a:lvl2pPr>
+    <a:lvl3pPr marL="914400" algn="l" defTabSz="914400" rtl="0" eaLnBrk="1" latinLnBrk="0" hangingPunct="1">
+      <a:defRPr sz="1200" kern="1200">
+        <a:solidFill>
+          <a:schemeClr val="tx1"/>
+        </a:solidFill>
+        <a:latin typeface="+mn-lt"/>
+        <a:ea typeface="+mn-ea"/>
+        <a:cs typeface="+mn-cs"/>
+      </a:defRPr>
+    </a:lvl3pPr>
+    <a:lvl4pPr marL="1371600" algn="l" defTabSz="914400" rtl="0" eaLnBrk="1" latinLnBrk="0" hangingPunct="1">
+      <a:defRPr sz="1200" kern="1200">
+        <a:solidFill>
+          <a:schemeClr val="tx1"/>
+        </a:solidFill>
+        <a:latin typeface="+mn-lt"/>
+        <a:ea typeface="+mn-ea"/>
+        <a:cs typeface="+mn-cs"/>
+      </a:defRPr>
+    </a:lvl4pPr>
+    <a:lvl5pPr marL="1828800" algn="l" defTabSz="914400" rtl="0" eaLnBrk="1" latinLnBrk="0" hangingPunct="1">
+      <a:defRPr sz="1200" kern="1200">
+        <a:solidFill>
+          <a:schemeClr val="tx1"/>
+        </a:solidFill>
+        <a:latin typeface="+mn-lt"/>
+        <a:ea typeface="+mn-ea"/>
+        <a:cs typeface="+mn-cs"/>
+      </a:defRPr>
+    </a:lvl5pPr>
+    <a:lvl6pPr marL="2286000" algn="l" defTabSz="914400" rtl="0" eaLnBrk="1" latinLnBrk="0" hangingPunct="1">
+      <a:defRPr sz="1200" kern="1200">
+        <a:solidFill>
+          <a:schemeClr val="tx1"/>
+        </a:solidFill>
+        <a:latin typeface="+mn-lt"/>
+        <a:ea typeface="+mn-ea"/>
+        <a:cs typeface="+mn-cs"/>
+      </a:defRPr>
+    </a:lvl6pPr>
+    <a:lvl7pPr marL="2743200" algn="l" defTabSz="914400" rtl="0" eaLnBrk="1" latinLnBrk="0" hangingPunct="1">
+      <a:defRPr sz="1200" kern="1200">
+        <a:solidFill>
+          <a:schemeClr val="tx1"/>
+        </a:solidFill>
+        <a:latin typeface="+mn-lt"/>
+        <a:ea typeface="+mn-ea"/>
+        <a:cs typeface="+mn-cs"/>
+      </a:defRPr>
+    </a:lvl7pPr>
+    <a:lvl8pPr marL="3200400" algn="l" defTabSz="914400" rtl="0" eaLnBrk="1" latinLnBrk="0" hangingPunct="1">
+      <a:defRPr sz="1200" kern="1200">
+        <a:solidFill>
+          <a:schemeClr val="tx1"/>
+        </a:solidFill>
+        <a:latin typeface="+mn-lt"/>
+        <a:ea typeface="+mn-ea"/>
+        <a:cs typeface="+mn-cs"/>
+      </a:defRPr>
+    </a:lvl8pPr>
+    <a:lvl9pPr marL="3657600" algn="l" defTabSz="914400" rtl="0" eaLnBrk="1" latinLnBrk="0" hangingPunct="1">
+      <a:defRPr sz="1200" kern="1200">
+        <a:solidFill>
+          <a:schemeClr val="tx1"/>
+        </a:solidFill>
+        <a:latin typeface="+mn-lt"/>
+        <a:ea typeface="+mn-ea"/>
+        <a:cs typeface="+mn-cs"/>
+      </a:defRPr>
+    </a:lvl9pPr>
+  </p:notesStyle>
+</p:notesMaster>
+</file>
+
+<file path=ppt/notesSlides/notesSlide1.xml><?xml version="1.0" encoding="utf-8"?>
+<p:notes xmlns:a="http://schemas.openxmlformats.org/drawingml/2006/main" xmlns:r="http://schemas.openxmlformats.org/officeDocument/2006/relationships" xmlns:p="http://schemas.openxmlformats.org/presentationml/2006/main">
+  <p:cSld>
+    <p:spTree>
+      <p:nvGrpSpPr>
+        <p:cNvPr id="1" name=""/>
+        <p:cNvGrpSpPr/>
+        <p:nvPr/>
+      </p:nvGrpSpPr>
+      <p:grpSpPr>
+        <a:xfrm>
+          <a:off x="0" y="0"/>
+          <a:ext cx="0" cy="0"/>
+          <a:chOff x="0" y="0"/>
+          <a:chExt cx="0" cy="0"/>
+        </a:xfrm>
+      </p:grpSpPr>
+      <p:sp>
+        <p:nvSpPr>
+          <p:cNvPr id="2" name="Slide Image Placeholder 1"/>
+          <p:cNvSpPr>
+            <a:spLocks noGrp="1" noRot="1" noChangeAspect="1"/>
+          </p:cNvSpPr>
+          <p:nvPr>
+            <p:ph type="sldImg"/>
+          </p:nvPr>
+        </p:nvSpPr>
+        <p:spPr/>
+      </p:sp>
+      <p:sp>
+        <p:nvSpPr>
+          <p:cNvPr id="3" name="Notes Placeholder 2"/>
+          <p:cNvSpPr>
+            <a:spLocks noGrp="1"/>
+          </p:cNvSpPr>
+          <p:nvPr>
+            <p:ph type="body" idx="1"/>
+          </p:nvPr>
+        </p:nvSpPr>
+        <p:spPr/>
+        <p:txBody>
+          <a:bodyPr/>
+          <a:lstStyle/>
+          <a:p>
+            <a:pPr>
+              <a:lnSpc>
+                <a:spcPct val="100000"/>
+              </a:lnSpc>
+            </a:pPr>
+            <a:r>
+              <a:rPr lang="en-GB" sz="1200" dirty="0"/>
+              <a:t>Due to this uncertainty in output, the decision of where to allocate a budget of new energy sources can be difficult.</a:t>
+            </a:r>
+          </a:p>
+          <a:p>
+            <a:pPr>
+              <a:lnSpc>
+                <a:spcPct val="100000"/>
+              </a:lnSpc>
+            </a:pPr>
+            <a:r>
+              <a:rPr lang="en-GB" sz="1200" dirty="0"/>
+              <a:t>On top of this, when considering a country wide scale the number of potential candidate locations can be huge leading to another problem – how do you make an efficient decision balancing a range of factors?</a:t>
+            </a:r>
+          </a:p>
+          <a:p>
+            <a:pPr>
+              <a:lnSpc>
+                <a:spcPct val="100000"/>
+              </a:lnSpc>
+            </a:pPr>
+            <a:r>
+              <a:rPr lang="en-GB" sz="1200" dirty="0"/>
+              <a:t>This project is proposing  an AI based approach to tackle both the problem of uncertainty and scale of allocating a budget for new energy sources across the UK.</a:t>
+            </a:r>
+          </a:p>
+          <a:p>
+            <a:endParaRPr lang="en-GB" dirty="0"/>
+          </a:p>
+        </p:txBody>
+      </p:sp>
+      <p:sp>
+        <p:nvSpPr>
+          <p:cNvPr id="4" name="Slide Number Placeholder 3"/>
+          <p:cNvSpPr>
+            <a:spLocks noGrp="1"/>
+          </p:cNvSpPr>
+          <p:nvPr>
+            <p:ph type="sldNum" sz="quarter" idx="5"/>
+          </p:nvPr>
+        </p:nvSpPr>
+        <p:spPr/>
+        <p:txBody>
+          <a:bodyPr/>
+          <a:lstStyle/>
+          <a:p>
+            <a:fld id="{AE1E6FC1-D58F-4ADF-996C-03FDE935E6CA}" type="slidenum">
+              <a:rPr lang="en-GB" smtClean="0"/>
+              <a:t>3</a:t>
+            </a:fld>
+            <a:endParaRPr lang="en-GB"/>
+          </a:p>
+        </p:txBody>
+      </p:sp>
+    </p:spTree>
+    <p:extLst>
+      <p:ext uri="{BB962C8B-B14F-4D97-AF65-F5344CB8AC3E}">
+        <p14:creationId xmlns:p14="http://schemas.microsoft.com/office/powerpoint/2010/main" val="2653629050"/>
+      </p:ext>
+    </p:extLst>
+  </p:cSld>
+  <p:clrMapOvr>
+    <a:masterClrMapping/>
+  </p:clrMapOvr>
+</p:notes>
+</file>
+
+<file path=ppt/notesSlides/notesSlide2.xml><?xml version="1.0" encoding="utf-8"?>
+<p:notes xmlns:a="http://schemas.openxmlformats.org/drawingml/2006/main" xmlns:r="http://schemas.openxmlformats.org/officeDocument/2006/relationships" xmlns:p="http://schemas.openxmlformats.org/presentationml/2006/main">
+  <p:cSld>
+    <p:spTree>
+      <p:nvGrpSpPr>
+        <p:cNvPr id="1" name=""/>
+        <p:cNvGrpSpPr/>
+        <p:nvPr/>
+      </p:nvGrpSpPr>
+      <p:grpSpPr>
+        <a:xfrm>
+          <a:off x="0" y="0"/>
+          <a:ext cx="0" cy="0"/>
+          <a:chOff x="0" y="0"/>
+          <a:chExt cx="0" cy="0"/>
+        </a:xfrm>
+      </p:grpSpPr>
+      <p:sp>
+        <p:nvSpPr>
+          <p:cNvPr id="2" name="Slide Image Placeholder 1"/>
+          <p:cNvSpPr>
+            <a:spLocks noGrp="1" noRot="1" noChangeAspect="1"/>
+          </p:cNvSpPr>
+          <p:nvPr>
+            <p:ph type="sldImg"/>
+          </p:nvPr>
+        </p:nvSpPr>
+        <p:spPr/>
+      </p:sp>
+      <p:sp>
+        <p:nvSpPr>
+          <p:cNvPr id="3" name="Notes Placeholder 2"/>
+          <p:cNvSpPr>
+            <a:spLocks noGrp="1"/>
+          </p:cNvSpPr>
+          <p:nvPr>
+            <p:ph type="body" idx="1"/>
+          </p:nvPr>
+        </p:nvSpPr>
+        <p:spPr/>
+        <p:txBody>
+          <a:bodyPr/>
+          <a:lstStyle/>
+          <a:p>
+            <a:pPr marL="0" marR="0" lvl="0" indent="0" algn="l" defTabSz="914400" rtl="0" eaLnBrk="1" fontAlgn="auto" latinLnBrk="0" hangingPunct="1">
+              <a:lnSpc>
+                <a:spcPct val="100000"/>
+              </a:lnSpc>
+              <a:spcBef>
+                <a:spcPts val="0"/>
+              </a:spcBef>
+              <a:spcAft>
+                <a:spcPts val="0"/>
+              </a:spcAft>
+              <a:buClrTx/>
+              <a:buSzTx/>
+              <a:buFontTx/>
+              <a:buNone/>
+              <a:tabLst/>
+              <a:defRPr/>
+            </a:pPr>
+            <a:r>
+              <a:rPr lang="en-US" dirty="0"/>
+              <a:t>Before beginning this project, we required some initial information to base our decisions upon. </a:t>
+            </a:r>
+          </a:p>
+          <a:p>
+            <a:r>
+              <a:rPr lang="en-GB" dirty="0"/>
+              <a:t>Sources – We found that the main candidates are Wind, Solar and Tidal</a:t>
+            </a:r>
+          </a:p>
+          <a:p>
+            <a:r>
+              <a:rPr lang="en-GB" dirty="0"/>
+              <a:t>Factors – </a:t>
+            </a:r>
+          </a:p>
+          <a:p>
+            <a:r>
+              <a:rPr lang="en-GB" dirty="0"/>
+              <a:t>Costs – We found that cost per MW at a large scale was best in Wind Turbines and that the main costs apart from purchasing costs came from land rental and connection costs </a:t>
+            </a:r>
+            <a:r>
+              <a:rPr lang="en-GB" dirty="0" err="1"/>
+              <a:t>wchic</a:t>
+            </a:r>
+            <a:r>
+              <a:rPr lang="en-GB" dirty="0"/>
+              <a:t> would vary per location</a:t>
+            </a:r>
+          </a:p>
+          <a:p>
+            <a:r>
+              <a:rPr lang="en-GB" dirty="0"/>
+              <a:t>Location suitability – For wind power the intuitive best location would be somewhere with constantly high winds, however being close to infrastructure may be something to consider</a:t>
+            </a:r>
+          </a:p>
+          <a:p>
+            <a:r>
+              <a:rPr lang="en-GB" dirty="0"/>
+              <a:t>Data – Visual Crossing and </a:t>
+            </a:r>
+            <a:r>
+              <a:rPr lang="en-GB" dirty="0" err="1"/>
+              <a:t>Nationgrid</a:t>
+            </a:r>
+            <a:r>
+              <a:rPr lang="en-GB" dirty="0"/>
+              <a:t> balancing mechanisms</a:t>
+            </a:r>
+          </a:p>
+        </p:txBody>
+      </p:sp>
+      <p:sp>
+        <p:nvSpPr>
+          <p:cNvPr id="4" name="Slide Number Placeholder 3"/>
+          <p:cNvSpPr>
+            <a:spLocks noGrp="1"/>
+          </p:cNvSpPr>
+          <p:nvPr>
+            <p:ph type="sldNum" sz="quarter" idx="5"/>
+          </p:nvPr>
+        </p:nvSpPr>
+        <p:spPr/>
+        <p:txBody>
+          <a:bodyPr/>
+          <a:lstStyle/>
+          <a:p>
+            <a:fld id="{AE1E6FC1-D58F-4ADF-996C-03FDE935E6CA}" type="slidenum">
+              <a:rPr lang="en-GB" smtClean="0"/>
+              <a:t>4</a:t>
+            </a:fld>
+            <a:endParaRPr lang="en-GB"/>
+          </a:p>
+        </p:txBody>
+      </p:sp>
+    </p:spTree>
+    <p:extLst>
+      <p:ext uri="{BB962C8B-B14F-4D97-AF65-F5344CB8AC3E}">
+        <p14:creationId xmlns:p14="http://schemas.microsoft.com/office/powerpoint/2010/main" val="487015591"/>
+      </p:ext>
+    </p:extLst>
+  </p:cSld>
+  <p:clrMapOvr>
+    <a:masterClrMapping/>
+  </p:clrMapOvr>
+</p:notes>
+</file>
+
+<file path=ppt/notesSlides/notesSlide3.xml><?xml version="1.0" encoding="utf-8"?>
+<p:notes xmlns:a="http://schemas.openxmlformats.org/drawingml/2006/main" xmlns:r="http://schemas.openxmlformats.org/officeDocument/2006/relationships" xmlns:p="http://schemas.openxmlformats.org/presentationml/2006/main">
+  <p:cSld>
+    <p:spTree>
+      <p:nvGrpSpPr>
+        <p:cNvPr id="1" name=""/>
+        <p:cNvGrpSpPr/>
+        <p:nvPr/>
+      </p:nvGrpSpPr>
+      <p:grpSpPr>
+        <a:xfrm>
+          <a:off x="0" y="0"/>
+          <a:ext cx="0" cy="0"/>
+          <a:chOff x="0" y="0"/>
+          <a:chExt cx="0" cy="0"/>
+        </a:xfrm>
+      </p:grpSpPr>
+      <p:sp>
+        <p:nvSpPr>
+          <p:cNvPr id="2" name="Slide Image Placeholder 1"/>
+          <p:cNvSpPr>
+            <a:spLocks noGrp="1" noRot="1" noChangeAspect="1"/>
+          </p:cNvSpPr>
+          <p:nvPr>
+            <p:ph type="sldImg"/>
+          </p:nvPr>
+        </p:nvSpPr>
+        <p:spPr/>
+      </p:sp>
+      <p:sp>
+        <p:nvSpPr>
+          <p:cNvPr id="3" name="Notes Placeholder 2"/>
+          <p:cNvSpPr>
+            <a:spLocks noGrp="1"/>
+          </p:cNvSpPr>
+          <p:nvPr>
+            <p:ph type="body" idx="1"/>
+          </p:nvPr>
+        </p:nvSpPr>
+        <p:spPr/>
+        <p:txBody>
+          <a:bodyPr/>
+          <a:lstStyle/>
+          <a:p>
+            <a:pPr>
+              <a:lnSpc>
+                <a:spcPct val="100000"/>
+              </a:lnSpc>
+            </a:pPr>
+            <a:r>
+              <a:rPr lang="en-US" sz="1500" dirty="0"/>
+              <a:t>Based upon background research, to keep the project feasible we narrowed the scope to focus on specific areas:</a:t>
+            </a:r>
+          </a:p>
+          <a:p>
+            <a:pPr marL="571500" lvl="1" indent="-342900">
+              <a:lnSpc>
+                <a:spcPct val="100000"/>
+              </a:lnSpc>
+              <a:buFont typeface="Courier New" panose="02070309020205020404" pitchFamily="49" charset="0"/>
+              <a:buChar char="o"/>
+            </a:pPr>
+            <a:r>
+              <a:rPr lang="en-GB" sz="1500" dirty="0"/>
+              <a:t>Consider only the allocation of a budget of Wind Turbines as they are more location dependent than alternatives such as solar and much more suitable for large scale use.</a:t>
+            </a:r>
+          </a:p>
+          <a:p>
+            <a:pPr marL="571500" lvl="1" indent="-342900">
+              <a:lnSpc>
+                <a:spcPct val="100000"/>
+              </a:lnSpc>
+              <a:buFont typeface="Courier New" panose="02070309020205020404" pitchFamily="49" charset="0"/>
+              <a:buChar char="o"/>
+            </a:pPr>
+            <a:r>
+              <a:rPr lang="en-GB" sz="1500" dirty="0"/>
+              <a:t>Limit to onshore wind farm allocation as comprehensive weather information (for a training set) is not as readily available for locations out at sea.</a:t>
+            </a:r>
+          </a:p>
+          <a:p>
+            <a:pPr marL="571500" lvl="1" indent="-342900">
+              <a:lnSpc>
+                <a:spcPct val="100000"/>
+              </a:lnSpc>
+              <a:buFont typeface="Courier New" panose="02070309020205020404" pitchFamily="49" charset="0"/>
+              <a:buChar char="o"/>
+            </a:pPr>
+            <a:r>
+              <a:rPr lang="en-GB" sz="1500" dirty="0"/>
+              <a:t>Initially demonstrate allocation to locations with pre-existing windfarms as location eligibility introduces large amounts of complexity with construction permits and such.</a:t>
+            </a:r>
+          </a:p>
+          <a:p>
+            <a:pPr lvl="1">
+              <a:lnSpc>
+                <a:spcPct val="100000"/>
+              </a:lnSpc>
+            </a:pPr>
+            <a:r>
+              <a:rPr lang="en-GB" sz="1500" dirty="0"/>
+              <a:t>We believe these limitations will still allow us to demonstrate a proof of concept that can be expanded to more general cases in future work.</a:t>
+            </a:r>
+          </a:p>
+        </p:txBody>
+      </p:sp>
+      <p:sp>
+        <p:nvSpPr>
+          <p:cNvPr id="4" name="Slide Number Placeholder 3"/>
+          <p:cNvSpPr>
+            <a:spLocks noGrp="1"/>
+          </p:cNvSpPr>
+          <p:nvPr>
+            <p:ph type="sldNum" sz="quarter" idx="5"/>
+          </p:nvPr>
+        </p:nvSpPr>
+        <p:spPr/>
+        <p:txBody>
+          <a:bodyPr/>
+          <a:lstStyle/>
+          <a:p>
+            <a:fld id="{AE1E6FC1-D58F-4ADF-996C-03FDE935E6CA}" type="slidenum">
+              <a:rPr lang="en-GB" smtClean="0"/>
+              <a:t>5</a:t>
+            </a:fld>
+            <a:endParaRPr lang="en-GB"/>
+          </a:p>
+        </p:txBody>
+      </p:sp>
+    </p:spTree>
+    <p:extLst>
+      <p:ext uri="{BB962C8B-B14F-4D97-AF65-F5344CB8AC3E}">
+        <p14:creationId xmlns:p14="http://schemas.microsoft.com/office/powerpoint/2010/main" val="1729451242"/>
+      </p:ext>
+    </p:extLst>
+  </p:cSld>
+  <p:clrMapOvr>
+    <a:masterClrMapping/>
+  </p:clrMapOvr>
+</p:notes>
+</file>
+
+<file path=ppt/notesSlides/notesSlide4.xml><?xml version="1.0" encoding="utf-8"?>
+<p:notes xmlns:a="http://schemas.openxmlformats.org/drawingml/2006/main" xmlns:r="http://schemas.openxmlformats.org/officeDocument/2006/relationships" xmlns:p="http://schemas.openxmlformats.org/presentationml/2006/main">
+  <p:cSld>
+    <p:spTree>
+      <p:nvGrpSpPr>
+        <p:cNvPr id="1" name=""/>
+        <p:cNvGrpSpPr/>
+        <p:nvPr/>
+      </p:nvGrpSpPr>
+      <p:grpSpPr>
+        <a:xfrm>
+          <a:off x="0" y="0"/>
+          <a:ext cx="0" cy="0"/>
+          <a:chOff x="0" y="0"/>
+          <a:chExt cx="0" cy="0"/>
+        </a:xfrm>
+      </p:grpSpPr>
+      <p:sp>
+        <p:nvSpPr>
+          <p:cNvPr id="2" name="Slide Image Placeholder 1"/>
+          <p:cNvSpPr>
+            <a:spLocks noGrp="1" noRot="1" noChangeAspect="1"/>
+          </p:cNvSpPr>
+          <p:nvPr>
+            <p:ph type="sldImg"/>
+          </p:nvPr>
+        </p:nvSpPr>
+        <p:spPr/>
+      </p:sp>
+      <p:sp>
+        <p:nvSpPr>
+          <p:cNvPr id="3" name="Notes Placeholder 2"/>
+          <p:cNvSpPr>
+            <a:spLocks noGrp="1"/>
+          </p:cNvSpPr>
+          <p:nvPr>
+            <p:ph type="body" idx="1"/>
+          </p:nvPr>
+        </p:nvSpPr>
+        <p:spPr/>
+        <p:txBody>
+          <a:bodyPr/>
+          <a:lstStyle/>
+          <a:p>
+            <a:pPr>
+              <a:lnSpc>
+                <a:spcPct val="100000"/>
+              </a:lnSpc>
+            </a:pPr>
+            <a:r>
+              <a:rPr lang="en-US" sz="1600" dirty="0"/>
+              <a:t>Our approach can be broken up into three sections:</a:t>
+            </a:r>
+          </a:p>
+          <a:p>
+            <a:pPr marL="685800" lvl="1" indent="-457200">
+              <a:lnSpc>
+                <a:spcPct val="100000"/>
+              </a:lnSpc>
+              <a:buFont typeface="+mj-lt"/>
+              <a:buAutoNum type="arabicPeriod"/>
+            </a:pPr>
+            <a:r>
+              <a:rPr lang="en-US" sz="1600" dirty="0"/>
+              <a:t>Training a general wind turbine generation model based upon predicted or recorded weather features.</a:t>
+            </a:r>
+          </a:p>
+          <a:p>
+            <a:pPr marL="685800" lvl="1" indent="-457200">
+              <a:lnSpc>
+                <a:spcPct val="100000"/>
+              </a:lnSpc>
+              <a:buFont typeface="+mj-lt"/>
+              <a:buAutoNum type="arabicPeriod"/>
+            </a:pPr>
+            <a:endParaRPr lang="en-US" sz="1600" dirty="0"/>
+          </a:p>
+          <a:p>
+            <a:pPr marL="685800" lvl="1" indent="-457200">
+              <a:lnSpc>
+                <a:spcPct val="100000"/>
+              </a:lnSpc>
+              <a:buFont typeface="+mj-lt"/>
+              <a:buAutoNum type="arabicPeriod"/>
+            </a:pPr>
+            <a:r>
+              <a:rPr lang="en-GB" sz="1600" dirty="0"/>
+              <a:t>For each of our locations, producing a statistical model of the weather (based off long term past weather information) allowing us to produce a sample of ‘expected’ for each location.</a:t>
+            </a:r>
+          </a:p>
+          <a:p>
+            <a:pPr marL="685800" lvl="1" indent="-457200">
+              <a:lnSpc>
+                <a:spcPct val="100000"/>
+              </a:lnSpc>
+              <a:buFont typeface="+mj-lt"/>
+              <a:buAutoNum type="arabicPeriod"/>
+            </a:pPr>
+            <a:endParaRPr lang="en-GB" sz="1600" dirty="0"/>
+          </a:p>
+          <a:p>
+            <a:pPr marL="685800" lvl="1" indent="-457200">
+              <a:lnSpc>
+                <a:spcPct val="100000"/>
+              </a:lnSpc>
+              <a:buFont typeface="+mj-lt"/>
+              <a:buAutoNum type="arabicPeriod"/>
+            </a:pPr>
+            <a:r>
+              <a:rPr lang="en-GB" sz="1600" dirty="0"/>
+              <a:t>Using the above two steps to calculate the performance of a given allocation, and to search for an allocation that will maximise a set of performance objectives.</a:t>
+            </a:r>
+          </a:p>
+          <a:p>
+            <a:endParaRPr lang="en-GB" dirty="0"/>
+          </a:p>
+        </p:txBody>
+      </p:sp>
+      <p:sp>
+        <p:nvSpPr>
+          <p:cNvPr id="4" name="Slide Number Placeholder 3"/>
+          <p:cNvSpPr>
+            <a:spLocks noGrp="1"/>
+          </p:cNvSpPr>
+          <p:nvPr>
+            <p:ph type="sldNum" sz="quarter" idx="5"/>
+          </p:nvPr>
+        </p:nvSpPr>
+        <p:spPr/>
+        <p:txBody>
+          <a:bodyPr/>
+          <a:lstStyle/>
+          <a:p>
+            <a:fld id="{AE1E6FC1-D58F-4ADF-996C-03FDE935E6CA}" type="slidenum">
+              <a:rPr lang="en-GB" smtClean="0"/>
+              <a:t>6</a:t>
+            </a:fld>
+            <a:endParaRPr lang="en-GB"/>
+          </a:p>
+        </p:txBody>
+      </p:sp>
+    </p:spTree>
+    <p:extLst>
+      <p:ext uri="{BB962C8B-B14F-4D97-AF65-F5344CB8AC3E}">
+        <p14:creationId xmlns:p14="http://schemas.microsoft.com/office/powerpoint/2010/main" val="3169448245"/>
+      </p:ext>
+    </p:extLst>
+  </p:cSld>
+  <p:clrMapOvr>
+    <a:masterClrMapping/>
+  </p:clrMapOvr>
+</p:notes>
+</file>
+
+<file path=ppt/notesSlides/notesSlide5.xml><?xml version="1.0" encoding="utf-8"?>
+<p:notes xmlns:a="http://schemas.openxmlformats.org/drawingml/2006/main" xmlns:r="http://schemas.openxmlformats.org/officeDocument/2006/relationships" xmlns:p="http://schemas.openxmlformats.org/presentationml/2006/main">
+  <p:cSld>
+    <p:spTree>
+      <p:nvGrpSpPr>
+        <p:cNvPr id="1" name=""/>
+        <p:cNvGrpSpPr/>
+        <p:nvPr/>
+      </p:nvGrpSpPr>
+      <p:grpSpPr>
+        <a:xfrm>
+          <a:off x="0" y="0"/>
+          <a:ext cx="0" cy="0"/>
+          <a:chOff x="0" y="0"/>
+          <a:chExt cx="0" cy="0"/>
+        </a:xfrm>
+      </p:grpSpPr>
+      <p:sp>
+        <p:nvSpPr>
+          <p:cNvPr id="2" name="Slide Image Placeholder 1"/>
+          <p:cNvSpPr>
+            <a:spLocks noGrp="1" noRot="1" noChangeAspect="1"/>
+          </p:cNvSpPr>
+          <p:nvPr>
+            <p:ph type="sldImg"/>
+          </p:nvPr>
+        </p:nvSpPr>
+        <p:spPr/>
+      </p:sp>
+      <p:sp>
+        <p:nvSpPr>
+          <p:cNvPr id="3" name="Notes Placeholder 2"/>
+          <p:cNvSpPr>
+            <a:spLocks noGrp="1"/>
+          </p:cNvSpPr>
+          <p:nvPr>
+            <p:ph type="body" idx="1"/>
+          </p:nvPr>
+        </p:nvSpPr>
+        <p:spPr/>
+        <p:txBody>
+          <a:bodyPr/>
+          <a:lstStyle/>
+          <a:p>
+            <a:pPr>
+              <a:lnSpc>
+                <a:spcPct val="100000"/>
+              </a:lnSpc>
+            </a:pPr>
+            <a:r>
+              <a:rPr lang="en-US" sz="1200" dirty="0"/>
+              <a:t>The main requirements for location candidacy here was the availability of data to form a training and testing set.</a:t>
+            </a:r>
+          </a:p>
+          <a:p>
+            <a:pPr>
+              <a:lnSpc>
+                <a:spcPct val="100000"/>
+              </a:lnSpc>
+            </a:pPr>
+            <a:r>
+              <a:rPr lang="en-US" sz="1200" dirty="0"/>
+              <a:t>We pulled from a dataset on the National Grid ESO data website, giving us a list of unique IDs for UK wind farms. </a:t>
+            </a:r>
+          </a:p>
+          <a:p>
+            <a:pPr>
+              <a:lnSpc>
+                <a:spcPct val="100000"/>
+              </a:lnSpc>
+            </a:pPr>
+            <a:r>
+              <a:rPr lang="en-US" sz="1200" dirty="0"/>
+              <a:t>This then underwent a couple of cuts removing offshore wind farms, and any locations where past generation data was not consistently available leaving us with the following locations.</a:t>
+            </a:r>
+          </a:p>
+          <a:p>
+            <a:pPr>
+              <a:lnSpc>
+                <a:spcPct val="100000"/>
+              </a:lnSpc>
+            </a:pPr>
+            <a:r>
+              <a:rPr lang="en-US" sz="1200" dirty="0"/>
+              <a:t>Coincidentally they are all located in Scotland which adds another constraint to our investigation.</a:t>
+            </a:r>
+            <a:endParaRPr lang="en-GB" sz="1200" dirty="0"/>
+          </a:p>
+          <a:p>
+            <a:endParaRPr lang="en-GB" dirty="0"/>
+          </a:p>
+        </p:txBody>
+      </p:sp>
+      <p:sp>
+        <p:nvSpPr>
+          <p:cNvPr id="4" name="Slide Number Placeholder 3"/>
+          <p:cNvSpPr>
+            <a:spLocks noGrp="1"/>
+          </p:cNvSpPr>
+          <p:nvPr>
+            <p:ph type="sldNum" sz="quarter" idx="5"/>
+          </p:nvPr>
+        </p:nvSpPr>
+        <p:spPr/>
+        <p:txBody>
+          <a:bodyPr/>
+          <a:lstStyle/>
+          <a:p>
+            <a:fld id="{AE1E6FC1-D58F-4ADF-996C-03FDE935E6CA}" type="slidenum">
+              <a:rPr lang="en-GB" smtClean="0"/>
+              <a:t>7</a:t>
+            </a:fld>
+            <a:endParaRPr lang="en-GB"/>
+          </a:p>
+        </p:txBody>
+      </p:sp>
+    </p:spTree>
+    <p:extLst>
+      <p:ext uri="{BB962C8B-B14F-4D97-AF65-F5344CB8AC3E}">
+        <p14:creationId xmlns:p14="http://schemas.microsoft.com/office/powerpoint/2010/main" val="2139718740"/>
+      </p:ext>
+    </p:extLst>
+  </p:cSld>
+  <p:clrMapOvr>
+    <a:masterClrMapping/>
+  </p:clrMapOvr>
+</p:notes>
+</file>
+
+<file path=ppt/notesSlides/notesSlide6.xml><?xml version="1.0" encoding="utf-8"?>
+<p:notes xmlns:a="http://schemas.openxmlformats.org/drawingml/2006/main" xmlns:r="http://schemas.openxmlformats.org/officeDocument/2006/relationships" xmlns:p="http://schemas.openxmlformats.org/presentationml/2006/main">
+  <p:cSld>
+    <p:spTree>
+      <p:nvGrpSpPr>
+        <p:cNvPr id="1" name=""/>
+        <p:cNvGrpSpPr/>
+        <p:nvPr/>
+      </p:nvGrpSpPr>
+      <p:grpSpPr>
+        <a:xfrm>
+          <a:off x="0" y="0"/>
+          <a:ext cx="0" cy="0"/>
+          <a:chOff x="0" y="0"/>
+          <a:chExt cx="0" cy="0"/>
+        </a:xfrm>
+      </p:grpSpPr>
+      <p:sp>
+        <p:nvSpPr>
+          <p:cNvPr id="2" name="Slide Image Placeholder 1"/>
+          <p:cNvSpPr>
+            <a:spLocks noGrp="1" noRot="1" noChangeAspect="1"/>
+          </p:cNvSpPr>
+          <p:nvPr>
+            <p:ph type="sldImg"/>
+          </p:nvPr>
+        </p:nvSpPr>
+        <p:spPr/>
+      </p:sp>
+      <p:sp>
+        <p:nvSpPr>
+          <p:cNvPr id="3" name="Notes Placeholder 2"/>
+          <p:cNvSpPr>
+            <a:spLocks noGrp="1"/>
+          </p:cNvSpPr>
+          <p:nvPr>
+            <p:ph type="body" idx="1"/>
+          </p:nvPr>
+        </p:nvSpPr>
+        <p:spPr/>
+        <p:txBody>
+          <a:bodyPr/>
+          <a:lstStyle/>
+          <a:p>
+            <a:endParaRPr lang="en-GB" dirty="0"/>
+          </a:p>
+        </p:txBody>
+      </p:sp>
+      <p:sp>
+        <p:nvSpPr>
+          <p:cNvPr id="4" name="Slide Number Placeholder 3"/>
+          <p:cNvSpPr>
+            <a:spLocks noGrp="1"/>
+          </p:cNvSpPr>
+          <p:nvPr>
+            <p:ph type="sldNum" sz="quarter" idx="5"/>
+          </p:nvPr>
+        </p:nvSpPr>
+        <p:spPr/>
+        <p:txBody>
+          <a:bodyPr/>
+          <a:lstStyle/>
+          <a:p>
+            <a:fld id="{AE1E6FC1-D58F-4ADF-996C-03FDE935E6CA}" type="slidenum">
+              <a:rPr lang="en-GB" smtClean="0"/>
+              <a:t>10</a:t>
+            </a:fld>
+            <a:endParaRPr lang="en-GB"/>
+          </a:p>
+        </p:txBody>
+      </p:sp>
+    </p:spTree>
+    <p:extLst>
+      <p:ext uri="{BB962C8B-B14F-4D97-AF65-F5344CB8AC3E}">
+        <p14:creationId xmlns:p14="http://schemas.microsoft.com/office/powerpoint/2010/main" val="3574678701"/>
+      </p:ext>
+    </p:extLst>
+  </p:cSld>
+  <p:clrMapOvr>
+    <a:masterClrMapping/>
+  </p:clrMapOvr>
+</p:notes>
+</file>
+
 <file path=ppt/slideLayouts/slideLayout1.xml><?xml version="1.0" encoding="utf-8"?>
 <p:sldLayout xmlns:a="http://schemas.openxmlformats.org/drawingml/2006/main" xmlns:r="http://schemas.openxmlformats.org/officeDocument/2006/relationships" xmlns:p="http://schemas.openxmlformats.org/presentationml/2006/main" showMasterSp="0" type="title" preserve="1">
   <p:cSld name="Title Slide">
@@ -1325,7 +2454,7 @@
           <a:p>
             <a:fld id="{3341EE12-F28E-4B03-A404-A8FCAE0F6316}" type="datetime1">
               <a:rPr lang="en-US" smtClean="0"/>
-              <a:t>3/2/2022</a:t>
+              <a:t>3/6/2022</a:t>
             </a:fld>
             <a:endParaRPr lang="en-US" dirty="0"/>
           </a:p>
@@ -1610,7 +2739,7 @@
           <a:p>
             <a:fld id="{B68B8189-0D9C-48A6-9FA3-862227B094CE}" type="datetime1">
               <a:rPr lang="en-US" smtClean="0"/>
-              <a:t>3/2/2022</a:t>
+              <a:t>3/6/2022</a:t>
             </a:fld>
             <a:endParaRPr lang="en-US"/>
           </a:p>
@@ -1974,7 +3103,7 @@
           <a:p>
             <a:fld id="{26ADDCAE-6443-42C3-9C19-F95985500186}" type="datetime1">
               <a:rPr lang="en-US" smtClean="0"/>
-              <a:t>3/2/2022</a:t>
+              <a:t>3/6/2022</a:t>
             </a:fld>
             <a:endParaRPr lang="en-US" dirty="0"/>
           </a:p>
@@ -2236,7 +3365,7 @@
           <a:p>
             <a:fld id="{1962799E-EB8E-4038-8063-81BB57C732D4}" type="datetime1">
               <a:rPr lang="en-US" smtClean="0"/>
-              <a:t>3/2/2022</a:t>
+              <a:t>3/6/2022</a:t>
             </a:fld>
             <a:endParaRPr lang="en-US"/>
           </a:p>
@@ -2666,7 +3795,7 @@
           <a:p>
             <a:fld id="{217A73C3-B243-44D3-809D-EF8FDFBD85D4}" type="datetime1">
               <a:rPr lang="en-US" smtClean="0"/>
-              <a:t>3/2/2022</a:t>
+              <a:t>3/6/2022</a:t>
             </a:fld>
             <a:endParaRPr lang="en-US" dirty="0"/>
           </a:p>
@@ -2997,7 +4126,7 @@
           <a:p>
             <a:fld id="{C9B6D3E3-28E2-4380-A113-67698215C5F8}" type="datetime1">
               <a:rPr lang="en-US" smtClean="0"/>
-              <a:t>3/2/2022</a:t>
+              <a:t>3/6/2022</a:t>
             </a:fld>
             <a:endParaRPr lang="en-US" dirty="0"/>
           </a:p>
@@ -3430,7 +4559,7 @@
           <a:p>
             <a:fld id="{A9EFCB61-04AD-47C9-BF79-2BD8B9CEC07A}" type="datetime1">
               <a:rPr lang="en-US" smtClean="0"/>
-              <a:t>3/2/2022</a:t>
+              <a:t>3/6/2022</a:t>
             </a:fld>
             <a:endParaRPr lang="en-US" dirty="0"/>
           </a:p>
@@ -3582,7 +4711,7 @@
           <a:p>
             <a:fld id="{A4535E0C-D585-492F-8146-7493F4086301}" type="datetime1">
               <a:rPr lang="en-US" smtClean="0"/>
-              <a:t>3/2/2022</a:t>
+              <a:t>3/6/2022</a:t>
             </a:fld>
             <a:endParaRPr lang="en-US"/>
           </a:p>
@@ -3745,7 +4874,7 @@
           <a:p>
             <a:fld id="{8CE48390-48B5-49AB-B019-A7C8FB8C31F6}" type="datetime1">
               <a:rPr lang="en-US" smtClean="0"/>
-              <a:t>3/2/2022</a:t>
+              <a:t>3/6/2022</a:t>
             </a:fld>
             <a:endParaRPr lang="en-US"/>
           </a:p>
@@ -4274,7 +5403,7 @@
           <a:p>
             <a:fld id="{962E767E-8A14-4E70-91B9-2101CBC4D7BD}" type="datetime1">
               <a:rPr lang="en-US" smtClean="0"/>
-              <a:t>3/2/2022</a:t>
+              <a:t>3/6/2022</a:t>
             </a:fld>
             <a:endParaRPr lang="en-US" dirty="0"/>
           </a:p>
@@ -4795,7 +5924,7 @@
           <a:p>
             <a:fld id="{01AF0C4B-5A4A-45CA-ABEC-10F107160D33}" type="datetime1">
               <a:rPr lang="en-US" smtClean="0"/>
-              <a:t>3/2/2022</a:t>
+              <a:t>3/6/2022</a:t>
             </a:fld>
             <a:endParaRPr lang="en-US" dirty="0"/>
           </a:p>
@@ -5345,7 +6474,7 @@
           <a:p>
             <a:fld id="{6989806E-8E94-473C-AEE7-BE6F15F85533}" type="datetime1">
               <a:rPr lang="en-US" smtClean="0"/>
-              <a:t>3/2/2022</a:t>
+              <a:t>3/6/2022</a:t>
             </a:fld>
             <a:endParaRPr lang="en-US" dirty="0"/>
           </a:p>
@@ -6629,7 +7758,7 @@
           <p:nvPr/>
         </p:nvPicPr>
         <p:blipFill rotWithShape="1">
-          <a:blip r:embed="rId2">
+          <a:blip r:embed="rId3">
             <a:extLst>
               <a:ext uri="{28A0092B-C50C-407E-A947-70E740481C1C}">
                 <a14:useLocalDpi xmlns:a14="http://schemas.microsoft.com/office/drawing/2010/main" val="0"/>
@@ -10477,36 +11606,48 @@
         </p:spPr>
         <p:txBody>
           <a:bodyPr>
-            <a:normAutofit/>
+            <a:normAutofit fontScale="92500"/>
           </a:bodyPr>
           <a:lstStyle/>
           <a:p>
-            <a:r>
-              <a:rPr lang="en-US" dirty="0"/>
+            <a:pPr marL="457200" indent="-457200">
+              <a:buFont typeface="Courier New" panose="02070309020205020404" pitchFamily="49" charset="0"/>
+              <a:buChar char="o"/>
+            </a:pPr>
+            <a:r>
+              <a:rPr lang="en-US" sz="2800" dirty="0"/>
               <a:t>The climate crisis is ever increasing the focus on renewable energy sources around the world.</a:t>
             </a:r>
           </a:p>
           <a:p>
-            <a:r>
-              <a:rPr lang="en-US" dirty="0"/>
+            <a:pPr marL="457200" indent="-457200">
+              <a:buFont typeface="Courier New" panose="02070309020205020404" pitchFamily="49" charset="0"/>
+              <a:buChar char="o"/>
+            </a:pPr>
+            <a:r>
+              <a:rPr lang="en-US" sz="2800" dirty="0"/>
               <a:t>However, many of the prevalent renewable energy sources (e.g. wind and solar) are reliant on an inconsistent factor, the weather.</a:t>
             </a:r>
           </a:p>
           <a:p>
-            <a:r>
-              <a:rPr lang="en-GB" dirty="0"/>
-              <a:t>In the UK, the average load factor (percentage of overall capacity output) per year of onshore wind is 26.46% in 2019, with performing better at 40.4% </a:t>
-            </a:r>
-            <a:r>
-              <a:rPr lang="en-GB" sz="1800" i="1" dirty="0"/>
+            <a:pPr marL="457200" indent="-457200">
+              <a:buFont typeface="Courier New" panose="02070309020205020404" pitchFamily="49" charset="0"/>
+              <a:buChar char="o"/>
+            </a:pPr>
+            <a:r>
+              <a:rPr lang="en-GB" sz="2800" dirty="0"/>
+              <a:t>In the UK, the average load factor per year of onshore wind is 26.46% in 2019, with performing better at 40.4% </a:t>
+            </a:r>
+            <a:r>
+              <a:rPr lang="en-GB" sz="2400" i="1" dirty="0"/>
               <a:t>(</a:t>
             </a:r>
             <a:r>
-              <a:rPr lang="en-GB" sz="1800" i="1" dirty="0" err="1"/>
+              <a:rPr lang="en-GB" sz="2400" i="1" dirty="0" err="1"/>
               <a:t>Jaganmohan</a:t>
             </a:r>
             <a:r>
-              <a:rPr lang="en-GB" sz="1800" i="1" dirty="0"/>
+              <a:rPr lang="en-GB" sz="2400" i="1" dirty="0"/>
               <a:t>, 2019)</a:t>
             </a:r>
           </a:p>
@@ -10690,7 +11831,7 @@
           <p:nvPr/>
         </p:nvPicPr>
         <p:blipFill rotWithShape="1">
-          <a:blip r:embed="rId2">
+          <a:blip r:embed="rId3">
             <a:extLst>
               <a:ext uri="{28A0092B-C50C-407E-A947-70E740481C1C}">
                 <a14:useLocalDpi xmlns:a14="http://schemas.microsoft.com/office/drawing/2010/main" val="0"/>
@@ -10702,7 +11843,7 @@
         </p:blipFill>
         <p:spPr>
           <a:xfrm>
-            <a:off x="20" y="-2"/>
+            <a:off x="0" y="-2"/>
             <a:ext cx="4845848" cy="6858002"/>
           </a:xfrm>
           <a:prstGeom prst="rect">
@@ -10837,19 +11978,42 @@
         </p:spPr>
         <p:txBody>
           <a:bodyPr>
-            <a:normAutofit/>
+            <a:normAutofit fontScale="92500" lnSpcReduction="20000"/>
           </a:bodyPr>
           <a:lstStyle/>
+          <a:p>
+            <a:pPr marL="285750" indent="-285750">
+              <a:lnSpc>
+                <a:spcPct val="100000"/>
+              </a:lnSpc>
+              <a:buFont typeface="Courier New" panose="02070309020205020404" pitchFamily="49" charset="0"/>
+              <a:buChar char="o"/>
+            </a:pPr>
+            <a:r>
+              <a:rPr lang="en-GB" sz="2400" dirty="0"/>
+              <a:t>Uncertainty of weather – hard to know where will perform best</a:t>
+            </a:r>
+          </a:p>
+          <a:p>
+            <a:pPr marL="285750" indent="-285750">
+              <a:lnSpc>
+                <a:spcPct val="100000"/>
+              </a:lnSpc>
+              <a:buFont typeface="Courier New" panose="02070309020205020404" pitchFamily="49" charset="0"/>
+              <a:buChar char="o"/>
+            </a:pPr>
+            <a:r>
+              <a:rPr lang="en-GB" sz="2400" dirty="0"/>
+              <a:t>Large scale – how do you make an efficient decision balancing a range of factors?</a:t>
+            </a:r>
+          </a:p>
           <a:p>
             <a:pPr>
               <a:lnSpc>
                 <a:spcPct val="100000"/>
               </a:lnSpc>
             </a:pPr>
-            <a:r>
-              <a:rPr lang="en-GB" sz="1500"/>
-              <a:t>Due to this uncertainty in output, the decision of where to allocate a budget of new energy sources can be difficult.</a:t>
-            </a:r>
+            <a:endParaRPr lang="en-GB" sz="1800" dirty="0"/>
           </a:p>
           <a:p>
             <a:pPr>
@@ -10858,19 +12022,8 @@
               </a:lnSpc>
             </a:pPr>
             <a:r>
-              <a:rPr lang="en-GB" sz="1500"/>
-              <a:t>On top of this, when considering a country wide scale the number of potential candidate locations can be huge leading to another problem – how do you make an efficient decision balancing a range of factors?</a:t>
-            </a:r>
-          </a:p>
-          <a:p>
-            <a:pPr>
-              <a:lnSpc>
-                <a:spcPct val="100000"/>
-              </a:lnSpc>
-            </a:pPr>
-            <a:r>
-              <a:rPr lang="en-GB" sz="1500"/>
-              <a:t>This project is proposing  an AI based approach to tackle both the problem of uncertainty and scale of allocating a budget for new energy sources across the UK.</a:t>
+              <a:rPr lang="en-GB" dirty="0"/>
+              <a:t>We will be proposing a system to tackle these issues by using AI techniques.</a:t>
             </a:r>
           </a:p>
         </p:txBody>
@@ -11211,8 +12364,8 @@
         </p:nvSpPr>
         <p:spPr>
           <a:xfrm>
-            <a:off x="761802" y="858984"/>
-            <a:ext cx="4661777" cy="4782026"/>
+            <a:off x="717111" y="1371820"/>
+            <a:ext cx="4661777" cy="4114360"/>
           </a:xfrm>
         </p:spPr>
         <p:txBody>
@@ -11221,24 +12374,12 @@
           </a:bodyPr>
           <a:lstStyle/>
           <a:p>
-            <a:r>
-              <a:rPr lang="en-US" dirty="0"/>
-              <a:t>Before beginning this project, we required some initial information to base our decisions upon. </a:t>
-            </a:r>
-          </a:p>
-          <a:p>
-            <a:r>
-              <a:rPr lang="en-US" dirty="0"/>
-              <a:t>Mainly:</a:t>
-            </a:r>
-          </a:p>
-          <a:p>
             <a:pPr marL="571500" lvl="1" indent="-342900">
               <a:buFont typeface="Courier New" panose="02070309020205020404" pitchFamily="49" charset="0"/>
               <a:buChar char="o"/>
             </a:pPr>
             <a:r>
-              <a:rPr lang="en-GB" dirty="0"/>
+              <a:rPr lang="en-GB" sz="2400" dirty="0"/>
               <a:t>Types of renewable sources to investigate,</a:t>
             </a:r>
           </a:p>
@@ -11248,7 +12389,7 @@
               <a:buChar char="o"/>
             </a:pPr>
             <a:r>
-              <a:rPr lang="en-GB" dirty="0"/>
+              <a:rPr lang="en-GB" sz="2400" dirty="0"/>
               <a:t>Factors affecting different generation types,</a:t>
             </a:r>
           </a:p>
@@ -11258,7 +12399,7 @@
               <a:buChar char="o"/>
             </a:pPr>
             <a:r>
-              <a:rPr lang="en-GB" dirty="0"/>
+              <a:rPr lang="en-GB" sz="2400" dirty="0"/>
               <a:t>Costs,</a:t>
             </a:r>
           </a:p>
@@ -11268,7 +12409,7 @@
               <a:buChar char="o"/>
             </a:pPr>
             <a:r>
-              <a:rPr lang="en-GB" dirty="0"/>
+              <a:rPr lang="en-GB" sz="2400" dirty="0"/>
               <a:t>Location suitability,</a:t>
             </a:r>
           </a:p>
@@ -11278,16 +12419,9 @@
               <a:buChar char="o"/>
             </a:pPr>
             <a:r>
-              <a:rPr lang="en-GB" dirty="0"/>
+              <a:rPr lang="en-GB" sz="2400" dirty="0"/>
               <a:t>Where to source data from</a:t>
             </a:r>
-          </a:p>
-          <a:p>
-            <a:pPr marL="571500" lvl="1" indent="-342900">
-              <a:buFont typeface="Courier New" panose="02070309020205020404" pitchFamily="49" charset="0"/>
-              <a:buChar char="o"/>
-            </a:pPr>
-            <a:endParaRPr lang="en-GB" dirty="0"/>
           </a:p>
         </p:txBody>
       </p:sp>
@@ -11383,10 +12517,10 @@
       </p:grpSpPr>
       <p:sp useBgFill="1">
         <p:nvSpPr>
-          <p:cNvPr id="21" name="Slide Background">
+          <p:cNvPr id="28" name="Slide Background">
             <a:extLst>
               <a:ext uri="{FF2B5EF4-FFF2-40B4-BE49-F238E27FC236}">
-                <a16:creationId xmlns:a16="http://schemas.microsoft.com/office/drawing/2014/main" id="{37CFBADB-6B9A-4FC9-992B-80E06E885BB5}"/>
+                <a16:creationId xmlns:a16="http://schemas.microsoft.com/office/drawing/2014/main" id="{8452FFB1-9B1F-4CA7-981E-ECF6DA0D019A}"/>
               </a:ext>
               <a:ext uri="{C183D7F6-B498-43B3-948B-1728B52AA6E4}">
                 <adec:decorative xmlns:adec="http://schemas.microsoft.com/office/drawing/2017/decorative" val="1"/>
@@ -11404,10 +12538,10 @@
             </p:extLst>
           </p:nvPr>
         </p:nvSpPr>
-        <p:spPr>
+        <p:spPr bwMode="white">
           <a:xfrm>
-            <a:off x="0" y="0"/>
-            <a:ext cx="12192000" cy="6858000"/>
+            <a:off x="-1" y="0"/>
+            <a:ext cx="12191999" cy="6858000"/>
           </a:xfrm>
           <a:prstGeom prst="rect">
             <a:avLst/>
@@ -11434,19 +12568,149 @@
         </p:style>
         <p:txBody>
           <a:bodyPr rtlCol="0" anchor="ctr"/>
-          <a:lstStyle/>
+          <a:lstStyle>
+            <a:defPPr>
+              <a:defRPr lang="en-US"/>
+            </a:defPPr>
+            <a:lvl1pPr marL="0" algn="l" defTabSz="914400" rtl="0" eaLnBrk="1" latinLnBrk="0" hangingPunct="1">
+              <a:defRPr sz="1800" kern="1200">
+                <a:solidFill>
+                  <a:schemeClr val="lt1"/>
+                </a:solidFill>
+                <a:latin typeface="+mn-lt"/>
+                <a:ea typeface="+mn-ea"/>
+                <a:cs typeface="+mn-cs"/>
+              </a:defRPr>
+            </a:lvl1pPr>
+            <a:lvl2pPr marL="457200" algn="l" defTabSz="914400" rtl="0" eaLnBrk="1" latinLnBrk="0" hangingPunct="1">
+              <a:defRPr sz="1800" kern="1200">
+                <a:solidFill>
+                  <a:schemeClr val="lt1"/>
+                </a:solidFill>
+                <a:latin typeface="+mn-lt"/>
+                <a:ea typeface="+mn-ea"/>
+                <a:cs typeface="+mn-cs"/>
+              </a:defRPr>
+            </a:lvl2pPr>
+            <a:lvl3pPr marL="914400" algn="l" defTabSz="914400" rtl="0" eaLnBrk="1" latinLnBrk="0" hangingPunct="1">
+              <a:defRPr sz="1800" kern="1200">
+                <a:solidFill>
+                  <a:schemeClr val="lt1"/>
+                </a:solidFill>
+                <a:latin typeface="+mn-lt"/>
+                <a:ea typeface="+mn-ea"/>
+                <a:cs typeface="+mn-cs"/>
+              </a:defRPr>
+            </a:lvl3pPr>
+            <a:lvl4pPr marL="1371600" algn="l" defTabSz="914400" rtl="0" eaLnBrk="1" latinLnBrk="0" hangingPunct="1">
+              <a:defRPr sz="1800" kern="1200">
+                <a:solidFill>
+                  <a:schemeClr val="lt1"/>
+                </a:solidFill>
+                <a:latin typeface="+mn-lt"/>
+                <a:ea typeface="+mn-ea"/>
+                <a:cs typeface="+mn-cs"/>
+              </a:defRPr>
+            </a:lvl4pPr>
+            <a:lvl5pPr marL="1828800" algn="l" defTabSz="914400" rtl="0" eaLnBrk="1" latinLnBrk="0" hangingPunct="1">
+              <a:defRPr sz="1800" kern="1200">
+                <a:solidFill>
+                  <a:schemeClr val="lt1"/>
+                </a:solidFill>
+                <a:latin typeface="+mn-lt"/>
+                <a:ea typeface="+mn-ea"/>
+                <a:cs typeface="+mn-cs"/>
+              </a:defRPr>
+            </a:lvl5pPr>
+            <a:lvl6pPr marL="2286000" algn="l" defTabSz="914400" rtl="0" eaLnBrk="1" latinLnBrk="0" hangingPunct="1">
+              <a:defRPr sz="1800" kern="1200">
+                <a:solidFill>
+                  <a:schemeClr val="lt1"/>
+                </a:solidFill>
+                <a:latin typeface="+mn-lt"/>
+                <a:ea typeface="+mn-ea"/>
+                <a:cs typeface="+mn-cs"/>
+              </a:defRPr>
+            </a:lvl6pPr>
+            <a:lvl7pPr marL="2743200" algn="l" defTabSz="914400" rtl="0" eaLnBrk="1" latinLnBrk="0" hangingPunct="1">
+              <a:defRPr sz="1800" kern="1200">
+                <a:solidFill>
+                  <a:schemeClr val="lt1"/>
+                </a:solidFill>
+                <a:latin typeface="+mn-lt"/>
+                <a:ea typeface="+mn-ea"/>
+                <a:cs typeface="+mn-cs"/>
+              </a:defRPr>
+            </a:lvl7pPr>
+            <a:lvl8pPr marL="3200400" algn="l" defTabSz="914400" rtl="0" eaLnBrk="1" latinLnBrk="0" hangingPunct="1">
+              <a:defRPr sz="1800" kern="1200">
+                <a:solidFill>
+                  <a:schemeClr val="lt1"/>
+                </a:solidFill>
+                <a:latin typeface="+mn-lt"/>
+                <a:ea typeface="+mn-ea"/>
+                <a:cs typeface="+mn-cs"/>
+              </a:defRPr>
+            </a:lvl8pPr>
+            <a:lvl9pPr marL="3657600" algn="l" defTabSz="914400" rtl="0" eaLnBrk="1" latinLnBrk="0" hangingPunct="1">
+              <a:defRPr sz="1800" kern="1200">
+                <a:solidFill>
+                  <a:schemeClr val="lt1"/>
+                </a:solidFill>
+                <a:latin typeface="+mn-lt"/>
+                <a:ea typeface="+mn-ea"/>
+                <a:cs typeface="+mn-cs"/>
+              </a:defRPr>
+            </a:lvl9pPr>
+          </a:lstStyle>
           <a:p>
             <a:pPr algn="ctr"/>
             <a:endParaRPr lang="en-US"/>
+          </a:p>
+        </p:txBody>
+      </p:sp>
+      <p:sp>
+        <p:nvSpPr>
+          <p:cNvPr id="2" name="Title 1">
+            <a:extLst>
+              <a:ext uri="{FF2B5EF4-FFF2-40B4-BE49-F238E27FC236}">
+                <a16:creationId xmlns:a16="http://schemas.microsoft.com/office/drawing/2014/main" id="{10BBA182-635A-4414-AB42-082E55C5F01C}"/>
+              </a:ext>
+            </a:extLst>
+          </p:cNvPr>
+          <p:cNvSpPr>
+            <a:spLocks noGrp="1"/>
+          </p:cNvSpPr>
+          <p:nvPr>
+            <p:ph type="title"/>
+          </p:nvPr>
+        </p:nvSpPr>
+        <p:spPr>
+          <a:xfrm>
+            <a:off x="6735890" y="858982"/>
+            <a:ext cx="4310743" cy="2129878"/>
+          </a:xfrm>
+        </p:spPr>
+        <p:txBody>
+          <a:bodyPr>
+            <a:normAutofit/>
+          </a:bodyPr>
+          <a:lstStyle/>
+          <a:p>
+            <a:r>
+              <a:rPr lang="en-US"/>
+              <a:t>Constraints &amp; Scope Restrictions</a:t>
+            </a:r>
+            <a:endParaRPr lang="en-GB" dirty="0"/>
           </a:p>
         </p:txBody>
       </p:sp>
       <p:sp useBgFill="1">
         <p:nvSpPr>
-          <p:cNvPr id="22" name="Rectangle 9">
+          <p:cNvPr id="30" name="Rectangle 29">
             <a:extLst>
               <a:ext uri="{FF2B5EF4-FFF2-40B4-BE49-F238E27FC236}">
-                <a16:creationId xmlns:a16="http://schemas.microsoft.com/office/drawing/2014/main" id="{F55C4355-A815-4111-AD5F-EA3D520B6733}"/>
+                <a16:creationId xmlns:a16="http://schemas.microsoft.com/office/drawing/2014/main" id="{27F42CDF-174D-40A8-A28A-ED886E4FE041}"/>
               </a:ext>
               <a:ext uri="{C183D7F6-B498-43B3-948B-1728B52AA6E4}">
                 <adec:decorative xmlns:adec="http://schemas.microsoft.com/office/drawing/2017/decorative" val="1"/>
@@ -11467,68 +12731,7 @@
         <p:spPr>
           <a:xfrm>
             <a:off x="0" y="0"/>
-            <a:ext cx="11144310" cy="6858000"/>
-          </a:xfrm>
-          <a:prstGeom prst="rect">
-            <a:avLst/>
-          </a:prstGeom>
-          <a:ln>
-            <a:noFill/>
-          </a:ln>
-          <a:effectLst/>
-        </p:spPr>
-        <p:style>
-          <a:lnRef idx="2">
-            <a:schemeClr val="accent1">
-              <a:shade val="50000"/>
-            </a:schemeClr>
-          </a:lnRef>
-          <a:fillRef idx="1">
-            <a:schemeClr val="accent1"/>
-          </a:fillRef>
-          <a:effectRef idx="0">
-            <a:schemeClr val="accent1"/>
-          </a:effectRef>
-          <a:fontRef idx="minor">
-            <a:schemeClr val="lt1"/>
-          </a:fontRef>
-        </p:style>
-        <p:txBody>
-          <a:bodyPr rtlCol="0" anchor="ctr"/>
-          <a:lstStyle/>
-          <a:p>
-            <a:pPr algn="ctr"/>
-            <a:endParaRPr lang="en-US"/>
-          </a:p>
-        </p:txBody>
-      </p:sp>
-      <p:sp useBgFill="1">
-        <p:nvSpPr>
-          <p:cNvPr id="23" name="Rectangle 11">
-            <a:extLst>
-              <a:ext uri="{FF2B5EF4-FFF2-40B4-BE49-F238E27FC236}">
-                <a16:creationId xmlns:a16="http://schemas.microsoft.com/office/drawing/2014/main" id="{603A6265-E10C-4B85-9C20-E75FCAF9CC63}"/>
-              </a:ext>
-              <a:ext uri="{C183D7F6-B498-43B3-948B-1728B52AA6E4}">
-                <adec:decorative xmlns:adec="http://schemas.microsoft.com/office/drawing/2017/decorative" val="1"/>
-              </a:ext>
-            </a:extLst>
-          </p:cNvPr>
-          <p:cNvSpPr>
-            <a:spLocks noGrp="1" noRot="1" noChangeAspect="1" noMove="1" noResize="1" noEditPoints="1" noAdjustHandles="1" noChangeArrowheads="1" noChangeShapeType="1" noTextEdit="1"/>
-          </p:cNvSpPr>
-          <p:nvPr>
-            <p:extLst>
-              <p:ext uri="{386F3935-93C4-4BCD-93E2-E3B085C9AB24}">
-                <p16:designElem xmlns:p16="http://schemas.microsoft.com/office/powerpoint/2015/main" val="1"/>
-              </p:ext>
-            </p:extLst>
-          </p:nvPr>
-        </p:nvSpPr>
-        <p:spPr>
-          <a:xfrm>
-            <a:off x="0" y="-2"/>
-            <a:ext cx="11144310" cy="2544415"/>
+            <a:ext cx="6131652" cy="6858000"/>
           </a:xfrm>
           <a:prstGeom prst="rect">
             <a:avLst/>
@@ -11537,9 +12740,9 @@
             <a:noFill/>
           </a:ln>
           <a:effectLst>
-            <a:outerShdw blurRad="139700" dist="88900" dir="5460000" sx="97000" sy="97000" algn="t" rotWithShape="0">
+            <a:outerShdw blurRad="635000" dist="254000" dir="4320000" sx="90000" sy="90000" algn="t" rotWithShape="0">
               <a:srgbClr val="000000">
-                <a:alpha val="20000"/>
+                <a:alpha val="30000"/>
               </a:srgbClr>
             </a:outerShdw>
           </a:effectLst>
@@ -11565,46 +12768,45 @@
           <a:lstStyle/>
           <a:p>
             <a:pPr algn="ctr"/>
-            <a:endParaRPr lang="en-US" dirty="0"/>
+            <a:endParaRPr lang="en-US"/>
           </a:p>
         </p:txBody>
       </p:sp>
-      <p:sp>
-        <p:nvSpPr>
-          <p:cNvPr id="2" name="Title 1">
+      <p:pic>
+        <p:nvPicPr>
+          <p:cNvPr id="5" name="Picture 4" descr="Map&#10;&#10;Description automatically generated">
             <a:extLst>
               <a:ext uri="{FF2B5EF4-FFF2-40B4-BE49-F238E27FC236}">
-                <a16:creationId xmlns:a16="http://schemas.microsoft.com/office/drawing/2014/main" id="{10BBA182-635A-4414-AB42-082E55C5F01C}"/>
+                <a16:creationId xmlns:a16="http://schemas.microsoft.com/office/drawing/2014/main" id="{69BB60A8-764D-4030-A90B-3772731FEA28}"/>
               </a:ext>
             </a:extLst>
           </p:cNvPr>
-          <p:cNvSpPr>
-            <a:spLocks noGrp="1"/>
-          </p:cNvSpPr>
-          <p:nvPr>
-            <p:ph type="title"/>
-          </p:nvPr>
-        </p:nvSpPr>
+          <p:cNvPicPr>
+            <a:picLocks noChangeAspect="1"/>
+          </p:cNvPicPr>
+          <p:nvPr/>
+        </p:nvPicPr>
+        <p:blipFill rotWithShape="1">
+          <a:blip r:embed="rId3">
+            <a:extLst>
+              <a:ext uri="{28A0092B-C50C-407E-A947-70E740481C1C}">
+                <a14:useLocalDpi xmlns:a14="http://schemas.microsoft.com/office/drawing/2010/main" val="0"/>
+              </a:ext>
+            </a:extLst>
+          </a:blip>
+          <a:srcRect r="13590"/>
+          <a:stretch/>
+        </p:blipFill>
         <p:spPr>
           <a:xfrm>
-            <a:off x="761801" y="858982"/>
-            <a:ext cx="9589765" cy="1432273"/>
+            <a:off x="462372" y="1476093"/>
+            <a:ext cx="5206908" cy="3916782"/>
           </a:xfrm>
+          <a:prstGeom prst="rect">
+            <a:avLst/>
+          </a:prstGeom>
         </p:spPr>
-        <p:txBody>
-          <a:bodyPr>
-            <a:normAutofit/>
-          </a:bodyPr>
-          <a:lstStyle/>
-          <a:p>
-            <a:r>
-              <a:rPr lang="en-US" dirty="0"/>
-              <a:t>Constraints &amp; Scope Restrictions</a:t>
-            </a:r>
-            <a:endParaRPr lang="en-GB" dirty="0"/>
-          </a:p>
-        </p:txBody>
-      </p:sp>
+      </p:pic>
       <p:sp>
         <p:nvSpPr>
           <p:cNvPr id="3" name="Content Placeholder 2">
@@ -11623,8 +12825,8 @@
         </p:nvSpPr>
         <p:spPr>
           <a:xfrm>
-            <a:off x="761800" y="2980525"/>
-            <a:ext cx="9590349" cy="3031390"/>
+            <a:off x="6735890" y="3467499"/>
+            <a:ext cx="4296697" cy="2544416"/>
           </a:xfrm>
         </p:spPr>
         <p:txBody>
@@ -11633,14 +12835,42 @@
           </a:bodyPr>
           <a:lstStyle/>
           <a:p>
-            <a:pPr>
+            <a:pPr marL="342900" indent="-342900">
               <a:lnSpc>
                 <a:spcPct val="100000"/>
               </a:lnSpc>
+              <a:buFont typeface="Courier New" panose="02070309020205020404" pitchFamily="49" charset="0"/>
+              <a:buChar char="o"/>
             </a:pPr>
             <a:r>
-              <a:rPr lang="en-US" sz="1500"/>
-              <a:t>Based upon background research, to keep the project feasible we narrowed the scope to focus on specific areas:</a:t>
+              <a:rPr lang="en-GB" sz="1700"/>
+              <a:t>Focus on allocation of Wind turbines</a:t>
+            </a:r>
+          </a:p>
+          <a:p>
+            <a:pPr marL="342900" indent="-342900">
+              <a:lnSpc>
+                <a:spcPct val="100000"/>
+              </a:lnSpc>
+              <a:buFont typeface="Courier New" panose="02070309020205020404" pitchFamily="49" charset="0"/>
+              <a:buChar char="o"/>
+            </a:pPr>
+            <a:r>
+              <a:rPr lang="en-GB" sz="1700"/>
+              <a:t>Limit this to onshore wind farms due to data accessibility</a:t>
+            </a:r>
+          </a:p>
+          <a:p>
+            <a:pPr marL="342900" indent="-342900">
+              <a:lnSpc>
+                <a:spcPct val="100000"/>
+              </a:lnSpc>
+              <a:buFont typeface="Courier New" panose="02070309020205020404" pitchFamily="49" charset="0"/>
+              <a:buChar char="o"/>
+            </a:pPr>
+            <a:r>
+              <a:rPr lang="en-GB" sz="1700"/>
+              <a:t>Initial locations sourced from pre-existing wind farms - reducing complexity </a:t>
             </a:r>
           </a:p>
           <a:p>
@@ -11651,63 +12881,13 @@
               <a:buFont typeface="Courier New" panose="02070309020205020404" pitchFamily="49" charset="0"/>
               <a:buChar char="o"/>
             </a:pPr>
-            <a:r>
-              <a:rPr lang="en-GB" sz="1500"/>
-              <a:t>Consider only the allocation of a budget of Wind Turbines as they are more location dependent than alternatives such as solar and much more suitable for large scale use.</a:t>
-            </a:r>
-          </a:p>
-          <a:p>
-            <a:pPr marL="571500" lvl="1" indent="-342900">
-              <a:lnSpc>
-                <a:spcPct val="100000"/>
-              </a:lnSpc>
-              <a:buFont typeface="Courier New" panose="02070309020205020404" pitchFamily="49" charset="0"/>
-              <a:buChar char="o"/>
-            </a:pPr>
-            <a:r>
-              <a:rPr lang="en-GB" sz="1500"/>
-              <a:t>Limit to onshore wind farm allocation as comprehensive weather information (for a training set) is not as readily available for locations out at sea.</a:t>
-            </a:r>
-          </a:p>
-          <a:p>
-            <a:pPr marL="571500" lvl="1" indent="-342900">
-              <a:lnSpc>
-                <a:spcPct val="100000"/>
-              </a:lnSpc>
-              <a:buFont typeface="Courier New" panose="02070309020205020404" pitchFamily="49" charset="0"/>
-              <a:buChar char="o"/>
-            </a:pPr>
-            <a:r>
-              <a:rPr lang="en-GB" sz="1500"/>
-              <a:t>Initially demonstrate allocation to locations with pre-existing windfarms as location eligibility introduces large amounts of complexity with construction permits and such.</a:t>
-            </a:r>
-          </a:p>
-          <a:p>
-            <a:pPr lvl="1">
-              <a:lnSpc>
-                <a:spcPct val="100000"/>
-              </a:lnSpc>
-            </a:pPr>
-            <a:r>
-              <a:rPr lang="en-GB" sz="1500"/>
-              <a:t>We believe these limitations will still allow us to demonstrate a proof of concept that can be expanded to more general cases in future work.</a:t>
-            </a:r>
-          </a:p>
-          <a:p>
-            <a:pPr marL="571500" lvl="1" indent="-342900">
-              <a:lnSpc>
-                <a:spcPct val="100000"/>
-              </a:lnSpc>
-              <a:buFont typeface="Courier New" panose="02070309020205020404" pitchFamily="49" charset="0"/>
-              <a:buChar char="o"/>
-            </a:pPr>
-            <a:endParaRPr lang="en-GB" sz="1500"/>
+            <a:endParaRPr lang="en-GB" sz="1700"/>
           </a:p>
         </p:txBody>
       </p:sp>
       <p:cxnSp>
         <p:nvCxnSpPr>
-          <p:cNvPr id="14" name="Straight Connector 13">
+          <p:cNvPr id="32" name="Straight Connector 31">
             <a:extLst>
               <a:ext uri="{FF2B5EF4-FFF2-40B4-BE49-F238E27FC236}">
                 <a16:creationId xmlns:a16="http://schemas.microsoft.com/office/drawing/2014/main" id="{61FF92BA-874E-408A-BFAD-416A7FFE5976}"/>
@@ -11870,7 +13050,7 @@
           <p:nvPr/>
         </p:nvPicPr>
         <p:blipFill rotWithShape="1">
-          <a:blip r:embed="rId2"/>
+          <a:blip r:embed="rId3"/>
           <a:srcRect t="9333"/>
           <a:stretch/>
         </p:blipFill>
@@ -11980,7 +13160,7 @@
           <a:lstStyle/>
           <a:p>
             <a:r>
-              <a:rPr lang="en-US"/>
+              <a:rPr lang="en-US" dirty="0"/>
               <a:t>Solution Overview</a:t>
             </a:r>
             <a:endParaRPr lang="en-GB" dirty="0"/>
@@ -12011,20 +13191,9 @@
         </p:spPr>
         <p:txBody>
           <a:bodyPr anchor="ctr">
-            <a:normAutofit fontScale="92500"/>
+            <a:normAutofit/>
           </a:bodyPr>
           <a:lstStyle/>
-          <a:p>
-            <a:pPr>
-              <a:lnSpc>
-                <a:spcPct val="100000"/>
-              </a:lnSpc>
-            </a:pPr>
-            <a:r>
-              <a:rPr lang="en-US" sz="1600" dirty="0"/>
-              <a:t>Our approach can be broken up into three sections:</a:t>
-            </a:r>
-          </a:p>
           <a:p>
             <a:pPr marL="685800" lvl="1" indent="-457200">
               <a:lnSpc>
@@ -12034,8 +13203,8 @@
               <a:buAutoNum type="arabicPeriod"/>
             </a:pPr>
             <a:r>
-              <a:rPr lang="en-US" sz="1600" dirty="0"/>
-              <a:t>Training a general wind turbine generation model based upon predicted or recorded weather features.</a:t>
+              <a:rPr lang="en-US" dirty="0"/>
+              <a:t>Training an output prediction model</a:t>
             </a:r>
           </a:p>
           <a:p>
@@ -12046,7 +13215,7 @@
               <a:buFont typeface="+mj-lt"/>
               <a:buAutoNum type="arabicPeriod"/>
             </a:pPr>
-            <a:endParaRPr lang="en-US" sz="1600" dirty="0"/>
+            <a:endParaRPr lang="en-US" dirty="0"/>
           </a:p>
           <a:p>
             <a:pPr marL="685800" lvl="1" indent="-457200">
@@ -12057,8 +13226,8 @@
               <a:buAutoNum type="arabicPeriod"/>
             </a:pPr>
             <a:r>
-              <a:rPr lang="en-GB" sz="1600" dirty="0"/>
-              <a:t>For each of our locations, producing a statistical model of the weather (based off long term past weather information) allowing us to produce a sample of ‘expected’ for each location.</a:t>
+              <a:rPr lang="en-GB" dirty="0"/>
+              <a:t>Model the “expected weather” based on past data</a:t>
             </a:r>
           </a:p>
           <a:p>
@@ -12069,7 +13238,7 @@
               <a:buFont typeface="+mj-lt"/>
               <a:buAutoNum type="arabicPeriod"/>
             </a:pPr>
-            <a:endParaRPr lang="en-GB" sz="1600" dirty="0"/>
+            <a:endParaRPr lang="en-GB" dirty="0"/>
           </a:p>
           <a:p>
             <a:pPr marL="685800" lvl="1" indent="-457200">
@@ -12080,8 +13249,8 @@
               <a:buAutoNum type="arabicPeriod"/>
             </a:pPr>
             <a:r>
-              <a:rPr lang="en-GB" sz="1600" dirty="0"/>
-              <a:t>Using the above two steps to calculate the performance of a given allocation, and to search for an allocation that will maximise a set of performance objectives.</a:t>
+              <a:rPr lang="en-GB" dirty="0"/>
+              <a:t>Use previous steps to inform allocation algorithm to find “optimal allocation”</a:t>
             </a:r>
           </a:p>
         </p:txBody>
@@ -12154,6 +13323,14 @@
 <file path=ppt/slides/slide7.xml><?xml version="1.0" encoding="utf-8"?>
 <p:sld xmlns:a="http://schemas.openxmlformats.org/drawingml/2006/main" xmlns:r="http://schemas.openxmlformats.org/officeDocument/2006/relationships" xmlns:p="http://schemas.openxmlformats.org/presentationml/2006/main">
   <p:cSld>
+    <p:bg>
+      <p:bgPr>
+        <a:solidFill>
+          <a:schemeClr val="bg1"/>
+        </a:solidFill>
+        <a:effectLst/>
+      </p:bgPr>
+    </p:bg>
     <p:spTree>
       <p:nvGrpSpPr>
         <p:cNvPr id="1" name=""/>
@@ -12168,6 +13345,386 @@
           <a:chExt cx="0" cy="0"/>
         </a:xfrm>
       </p:grpSpPr>
+      <p:sp useBgFill="1">
+        <p:nvSpPr>
+          <p:cNvPr id="16" name="Slide Background">
+            <a:extLst>
+              <a:ext uri="{FF2B5EF4-FFF2-40B4-BE49-F238E27FC236}">
+                <a16:creationId xmlns:a16="http://schemas.microsoft.com/office/drawing/2014/main" id="{7DE220E6-BA55-4F04-B3C4-F4985F3E77AF}"/>
+              </a:ext>
+              <a:ext uri="{C183D7F6-B498-43B3-948B-1728B52AA6E4}">
+                <adec:decorative xmlns:adec="http://schemas.microsoft.com/office/drawing/2017/decorative" val="1"/>
+              </a:ext>
+            </a:extLst>
+          </p:cNvPr>
+          <p:cNvSpPr>
+            <a:spLocks noGrp="1" noRot="1" noChangeAspect="1" noMove="1" noResize="1" noEditPoints="1" noAdjustHandles="1" noChangeArrowheads="1" noChangeShapeType="1" noTextEdit="1"/>
+          </p:cNvSpPr>
+          <p:nvPr>
+            <p:extLst>
+              <p:ext uri="{386F3935-93C4-4BCD-93E2-E3B085C9AB24}">
+                <p16:designElem xmlns:p16="http://schemas.microsoft.com/office/powerpoint/2015/main" val="1"/>
+              </p:ext>
+            </p:extLst>
+          </p:nvPr>
+        </p:nvSpPr>
+        <p:spPr bwMode="white">
+          <a:xfrm>
+            <a:off x="-1" y="0"/>
+            <a:ext cx="12191999" cy="6858000"/>
+          </a:xfrm>
+          <a:prstGeom prst="rect">
+            <a:avLst/>
+          </a:prstGeom>
+          <a:ln>
+            <a:noFill/>
+          </a:ln>
+        </p:spPr>
+        <p:style>
+          <a:lnRef idx="2">
+            <a:schemeClr val="accent1">
+              <a:shade val="50000"/>
+            </a:schemeClr>
+          </a:lnRef>
+          <a:fillRef idx="1">
+            <a:schemeClr val="accent1"/>
+          </a:fillRef>
+          <a:effectRef idx="0">
+            <a:schemeClr val="accent1"/>
+          </a:effectRef>
+          <a:fontRef idx="minor">
+            <a:schemeClr val="lt1"/>
+          </a:fontRef>
+        </p:style>
+        <p:txBody>
+          <a:bodyPr rtlCol="0" anchor="ctr"/>
+          <a:lstStyle>
+            <a:defPPr>
+              <a:defRPr lang="en-US"/>
+            </a:defPPr>
+            <a:lvl1pPr marL="0" algn="l" defTabSz="914400" rtl="0" eaLnBrk="1" latinLnBrk="0" hangingPunct="1">
+              <a:defRPr sz="1800" kern="1200">
+                <a:solidFill>
+                  <a:schemeClr val="lt1"/>
+                </a:solidFill>
+                <a:latin typeface="+mn-lt"/>
+                <a:ea typeface="+mn-ea"/>
+                <a:cs typeface="+mn-cs"/>
+              </a:defRPr>
+            </a:lvl1pPr>
+            <a:lvl2pPr marL="457200" algn="l" defTabSz="914400" rtl="0" eaLnBrk="1" latinLnBrk="0" hangingPunct="1">
+              <a:defRPr sz="1800" kern="1200">
+                <a:solidFill>
+                  <a:schemeClr val="lt1"/>
+                </a:solidFill>
+                <a:latin typeface="+mn-lt"/>
+                <a:ea typeface="+mn-ea"/>
+                <a:cs typeface="+mn-cs"/>
+              </a:defRPr>
+            </a:lvl2pPr>
+            <a:lvl3pPr marL="914400" algn="l" defTabSz="914400" rtl="0" eaLnBrk="1" latinLnBrk="0" hangingPunct="1">
+              <a:defRPr sz="1800" kern="1200">
+                <a:solidFill>
+                  <a:schemeClr val="lt1"/>
+                </a:solidFill>
+                <a:latin typeface="+mn-lt"/>
+                <a:ea typeface="+mn-ea"/>
+                <a:cs typeface="+mn-cs"/>
+              </a:defRPr>
+            </a:lvl3pPr>
+            <a:lvl4pPr marL="1371600" algn="l" defTabSz="914400" rtl="0" eaLnBrk="1" latinLnBrk="0" hangingPunct="1">
+              <a:defRPr sz="1800" kern="1200">
+                <a:solidFill>
+                  <a:schemeClr val="lt1"/>
+                </a:solidFill>
+                <a:latin typeface="+mn-lt"/>
+                <a:ea typeface="+mn-ea"/>
+                <a:cs typeface="+mn-cs"/>
+              </a:defRPr>
+            </a:lvl4pPr>
+            <a:lvl5pPr marL="1828800" algn="l" defTabSz="914400" rtl="0" eaLnBrk="1" latinLnBrk="0" hangingPunct="1">
+              <a:defRPr sz="1800" kern="1200">
+                <a:solidFill>
+                  <a:schemeClr val="lt1"/>
+                </a:solidFill>
+                <a:latin typeface="+mn-lt"/>
+                <a:ea typeface="+mn-ea"/>
+                <a:cs typeface="+mn-cs"/>
+              </a:defRPr>
+            </a:lvl5pPr>
+            <a:lvl6pPr marL="2286000" algn="l" defTabSz="914400" rtl="0" eaLnBrk="1" latinLnBrk="0" hangingPunct="1">
+              <a:defRPr sz="1800" kern="1200">
+                <a:solidFill>
+                  <a:schemeClr val="lt1"/>
+                </a:solidFill>
+                <a:latin typeface="+mn-lt"/>
+                <a:ea typeface="+mn-ea"/>
+                <a:cs typeface="+mn-cs"/>
+              </a:defRPr>
+            </a:lvl6pPr>
+            <a:lvl7pPr marL="2743200" algn="l" defTabSz="914400" rtl="0" eaLnBrk="1" latinLnBrk="0" hangingPunct="1">
+              <a:defRPr sz="1800" kern="1200">
+                <a:solidFill>
+                  <a:schemeClr val="lt1"/>
+                </a:solidFill>
+                <a:latin typeface="+mn-lt"/>
+                <a:ea typeface="+mn-ea"/>
+                <a:cs typeface="+mn-cs"/>
+              </a:defRPr>
+            </a:lvl7pPr>
+            <a:lvl8pPr marL="3200400" algn="l" defTabSz="914400" rtl="0" eaLnBrk="1" latinLnBrk="0" hangingPunct="1">
+              <a:defRPr sz="1800" kern="1200">
+                <a:solidFill>
+                  <a:schemeClr val="lt1"/>
+                </a:solidFill>
+                <a:latin typeface="+mn-lt"/>
+                <a:ea typeface="+mn-ea"/>
+                <a:cs typeface="+mn-cs"/>
+              </a:defRPr>
+            </a:lvl8pPr>
+            <a:lvl9pPr marL="3657600" algn="l" defTabSz="914400" rtl="0" eaLnBrk="1" latinLnBrk="0" hangingPunct="1">
+              <a:defRPr sz="1800" kern="1200">
+                <a:solidFill>
+                  <a:schemeClr val="lt1"/>
+                </a:solidFill>
+                <a:latin typeface="+mn-lt"/>
+                <a:ea typeface="+mn-ea"/>
+                <a:cs typeface="+mn-cs"/>
+              </a:defRPr>
+            </a:lvl9pPr>
+          </a:lstStyle>
+          <a:p>
+            <a:pPr algn="ctr"/>
+            <a:endParaRPr lang="en-US"/>
+          </a:p>
+        </p:txBody>
+      </p:sp>
+      <p:sp>
+        <p:nvSpPr>
+          <p:cNvPr id="17" name="tint">
+            <a:extLst>
+              <a:ext uri="{FF2B5EF4-FFF2-40B4-BE49-F238E27FC236}">
+                <a16:creationId xmlns:a16="http://schemas.microsoft.com/office/drawing/2014/main" id="{5AE190BC-D2FD-433E-AB89-0DF68EFD6D09}"/>
+              </a:ext>
+              <a:ext uri="{C183D7F6-B498-43B3-948B-1728B52AA6E4}">
+                <adec:decorative xmlns:adec="http://schemas.microsoft.com/office/drawing/2017/decorative" val="1"/>
+              </a:ext>
+            </a:extLst>
+          </p:cNvPr>
+          <p:cNvSpPr>
+            <a:spLocks noGrp="1" noRot="1" noChangeAspect="1" noMove="1" noResize="1" noEditPoints="1" noAdjustHandles="1" noChangeArrowheads="1" noChangeShapeType="1" noTextEdit="1"/>
+          </p:cNvSpPr>
+          <p:nvPr>
+            <p:extLst>
+              <p:ext uri="{386F3935-93C4-4BCD-93E2-E3B085C9AB24}">
+                <p16:designElem xmlns:p16="http://schemas.microsoft.com/office/powerpoint/2015/main" val="1"/>
+              </p:ext>
+            </p:extLst>
+          </p:nvPr>
+        </p:nvSpPr>
+        <p:spPr>
+          <a:xfrm>
+            <a:off x="11145644" y="0"/>
+            <a:ext cx="1046356" cy="6858000"/>
+          </a:xfrm>
+          <a:prstGeom prst="rect">
+            <a:avLst/>
+          </a:prstGeom>
+          <a:solidFill>
+            <a:schemeClr val="bg2">
+              <a:alpha val="40000"/>
+            </a:schemeClr>
+          </a:solidFill>
+          <a:ln>
+            <a:noFill/>
+          </a:ln>
+        </p:spPr>
+        <p:style>
+          <a:lnRef idx="2">
+            <a:schemeClr val="accent1">
+              <a:shade val="50000"/>
+            </a:schemeClr>
+          </a:lnRef>
+          <a:fillRef idx="1">
+            <a:schemeClr val="accent1"/>
+          </a:fillRef>
+          <a:effectRef idx="0">
+            <a:schemeClr val="accent1"/>
+          </a:effectRef>
+          <a:fontRef idx="minor">
+            <a:schemeClr val="lt1"/>
+          </a:fontRef>
+        </p:style>
+        <p:txBody>
+          <a:bodyPr rtlCol="0" anchor="ctr"/>
+          <a:lstStyle>
+            <a:defPPr>
+              <a:defRPr lang="en-US"/>
+            </a:defPPr>
+            <a:lvl1pPr marL="0" algn="l" defTabSz="914400" rtl="0" eaLnBrk="1" latinLnBrk="0" hangingPunct="1">
+              <a:defRPr sz="1800" kern="1200">
+                <a:solidFill>
+                  <a:schemeClr val="lt1"/>
+                </a:solidFill>
+                <a:latin typeface="+mn-lt"/>
+                <a:ea typeface="+mn-ea"/>
+                <a:cs typeface="+mn-cs"/>
+              </a:defRPr>
+            </a:lvl1pPr>
+            <a:lvl2pPr marL="457200" algn="l" defTabSz="914400" rtl="0" eaLnBrk="1" latinLnBrk="0" hangingPunct="1">
+              <a:defRPr sz="1800" kern="1200">
+                <a:solidFill>
+                  <a:schemeClr val="lt1"/>
+                </a:solidFill>
+                <a:latin typeface="+mn-lt"/>
+                <a:ea typeface="+mn-ea"/>
+                <a:cs typeface="+mn-cs"/>
+              </a:defRPr>
+            </a:lvl2pPr>
+            <a:lvl3pPr marL="914400" algn="l" defTabSz="914400" rtl="0" eaLnBrk="1" latinLnBrk="0" hangingPunct="1">
+              <a:defRPr sz="1800" kern="1200">
+                <a:solidFill>
+                  <a:schemeClr val="lt1"/>
+                </a:solidFill>
+                <a:latin typeface="+mn-lt"/>
+                <a:ea typeface="+mn-ea"/>
+                <a:cs typeface="+mn-cs"/>
+              </a:defRPr>
+            </a:lvl3pPr>
+            <a:lvl4pPr marL="1371600" algn="l" defTabSz="914400" rtl="0" eaLnBrk="1" latinLnBrk="0" hangingPunct="1">
+              <a:defRPr sz="1800" kern="1200">
+                <a:solidFill>
+                  <a:schemeClr val="lt1"/>
+                </a:solidFill>
+                <a:latin typeface="+mn-lt"/>
+                <a:ea typeface="+mn-ea"/>
+                <a:cs typeface="+mn-cs"/>
+              </a:defRPr>
+            </a:lvl4pPr>
+            <a:lvl5pPr marL="1828800" algn="l" defTabSz="914400" rtl="0" eaLnBrk="1" latinLnBrk="0" hangingPunct="1">
+              <a:defRPr sz="1800" kern="1200">
+                <a:solidFill>
+                  <a:schemeClr val="lt1"/>
+                </a:solidFill>
+                <a:latin typeface="+mn-lt"/>
+                <a:ea typeface="+mn-ea"/>
+                <a:cs typeface="+mn-cs"/>
+              </a:defRPr>
+            </a:lvl5pPr>
+            <a:lvl6pPr marL="2286000" algn="l" defTabSz="914400" rtl="0" eaLnBrk="1" latinLnBrk="0" hangingPunct="1">
+              <a:defRPr sz="1800" kern="1200">
+                <a:solidFill>
+                  <a:schemeClr val="lt1"/>
+                </a:solidFill>
+                <a:latin typeface="+mn-lt"/>
+                <a:ea typeface="+mn-ea"/>
+                <a:cs typeface="+mn-cs"/>
+              </a:defRPr>
+            </a:lvl6pPr>
+            <a:lvl7pPr marL="2743200" algn="l" defTabSz="914400" rtl="0" eaLnBrk="1" latinLnBrk="0" hangingPunct="1">
+              <a:defRPr sz="1800" kern="1200">
+                <a:solidFill>
+                  <a:schemeClr val="lt1"/>
+                </a:solidFill>
+                <a:latin typeface="+mn-lt"/>
+                <a:ea typeface="+mn-ea"/>
+                <a:cs typeface="+mn-cs"/>
+              </a:defRPr>
+            </a:lvl7pPr>
+            <a:lvl8pPr marL="3200400" algn="l" defTabSz="914400" rtl="0" eaLnBrk="1" latinLnBrk="0" hangingPunct="1">
+              <a:defRPr sz="1800" kern="1200">
+                <a:solidFill>
+                  <a:schemeClr val="lt1"/>
+                </a:solidFill>
+                <a:latin typeface="+mn-lt"/>
+                <a:ea typeface="+mn-ea"/>
+                <a:cs typeface="+mn-cs"/>
+              </a:defRPr>
+            </a:lvl8pPr>
+            <a:lvl9pPr marL="3657600" algn="l" defTabSz="914400" rtl="0" eaLnBrk="1" latinLnBrk="0" hangingPunct="1">
+              <a:defRPr sz="1800" kern="1200">
+                <a:solidFill>
+                  <a:schemeClr val="lt1"/>
+                </a:solidFill>
+                <a:latin typeface="+mn-lt"/>
+                <a:ea typeface="+mn-ea"/>
+                <a:cs typeface="+mn-cs"/>
+              </a:defRPr>
+            </a:lvl9pPr>
+          </a:lstStyle>
+          <a:p>
+            <a:pPr algn="ctr"/>
+            <a:endParaRPr lang="en-US" dirty="0"/>
+          </a:p>
+        </p:txBody>
+      </p:sp>
+      <p:sp useBgFill="1">
+        <p:nvSpPr>
+          <p:cNvPr id="18" name="Rectangle 12">
+            <a:extLst>
+              <a:ext uri="{FF2B5EF4-FFF2-40B4-BE49-F238E27FC236}">
+                <a16:creationId xmlns:a16="http://schemas.microsoft.com/office/drawing/2014/main" id="{43E8FEA2-54EE-4F84-B5DB-A055A7D805EE}"/>
+              </a:ext>
+              <a:ext uri="{C183D7F6-B498-43B3-948B-1728B52AA6E4}">
+                <adec:decorative xmlns:adec="http://schemas.microsoft.com/office/drawing/2017/decorative" val="1"/>
+              </a:ext>
+            </a:extLst>
+          </p:cNvPr>
+          <p:cNvSpPr>
+            <a:spLocks noGrp="1" noRot="1" noChangeAspect="1" noMove="1" noResize="1" noEditPoints="1" noAdjustHandles="1" noChangeArrowheads="1" noChangeShapeType="1" noTextEdit="1"/>
+          </p:cNvSpPr>
+          <p:nvPr>
+            <p:extLst>
+              <p:ext uri="{386F3935-93C4-4BCD-93E2-E3B085C9AB24}">
+                <p16:designElem xmlns:p16="http://schemas.microsoft.com/office/powerpoint/2015/main" val="1"/>
+              </p:ext>
+            </p:extLst>
+          </p:nvPr>
+        </p:nvSpPr>
+        <p:spPr>
+          <a:xfrm>
+            <a:off x="6376864" y="0"/>
+            <a:ext cx="5815134" cy="6858000"/>
+          </a:xfrm>
+          <a:prstGeom prst="rect">
+            <a:avLst/>
+          </a:prstGeom>
+          <a:ln>
+            <a:noFill/>
+          </a:ln>
+          <a:effectLst>
+            <a:outerShdw blurRad="508000" dist="190500" dir="5460000" sx="90000" sy="90000" algn="t" rotWithShape="0">
+              <a:srgbClr val="000000">
+                <a:alpha val="30000"/>
+              </a:srgbClr>
+            </a:outerShdw>
+          </a:effectLst>
+        </p:spPr>
+        <p:style>
+          <a:lnRef idx="2">
+            <a:schemeClr val="accent1">
+              <a:shade val="50000"/>
+            </a:schemeClr>
+          </a:lnRef>
+          <a:fillRef idx="1">
+            <a:schemeClr val="accent1"/>
+          </a:fillRef>
+          <a:effectRef idx="0">
+            <a:schemeClr val="accent1"/>
+          </a:effectRef>
+          <a:fontRef idx="minor">
+            <a:schemeClr val="lt1"/>
+          </a:fontRef>
+        </p:style>
+        <p:txBody>
+          <a:bodyPr rtlCol="0" anchor="ctr"/>
+          <a:lstStyle/>
+          <a:p>
+            <a:pPr algn="ctr"/>
+            <a:endParaRPr lang="en-US"/>
+          </a:p>
+        </p:txBody>
+      </p:sp>
       <p:sp>
         <p:nvSpPr>
           <p:cNvPr id="2" name="Title 1">
@@ -12184,16 +13741,23 @@
             <p:ph type="title"/>
           </p:nvPr>
         </p:nvSpPr>
-        <p:spPr/>
+        <p:spPr>
+          <a:xfrm>
+            <a:off x="6788582" y="858983"/>
+            <a:ext cx="3968783" cy="2021378"/>
+          </a:xfrm>
+        </p:spPr>
         <p:txBody>
-          <a:bodyPr/>
+          <a:bodyPr>
+            <a:normAutofit/>
+          </a:bodyPr>
           <a:lstStyle/>
           <a:p>
             <a:r>
-              <a:rPr lang="en-US" dirty="0"/>
+              <a:rPr lang="en-US" sz="4800"/>
               <a:t>Location Selection</a:t>
             </a:r>
-            <a:endParaRPr lang="en-GB" dirty="0"/>
+            <a:endParaRPr lang="en-GB" sz="4800"/>
           </a:p>
         </p:txBody>
       </p:sp>
@@ -12215,42 +13779,4937 @@
         </p:nvSpPr>
         <p:spPr>
           <a:xfrm>
-            <a:off x="761799" y="2750126"/>
-            <a:ext cx="6233361" cy="3261789"/>
+            <a:off x="6788582" y="3282696"/>
+            <a:ext cx="3968783" cy="2957383"/>
           </a:xfrm>
         </p:spPr>
         <p:txBody>
-          <a:bodyPr>
-            <a:normAutofit fontScale="85000" lnSpcReduction="20000"/>
+          <a:bodyPr anchor="ctr">
+            <a:normAutofit/>
           </a:bodyPr>
           <a:lstStyle/>
           <a:p>
-            <a:r>
-              <a:rPr lang="en-US" dirty="0"/>
-              <a:t>The main requirements for location candidacy here was the availability of data to form a training and testing set.</a:t>
-            </a:r>
-          </a:p>
-          <a:p>
-            <a:r>
-              <a:rPr lang="en-US" dirty="0"/>
-              <a:t>We pulled from a dataset on the National Grid ESO data website, giving us a list of unique IDs for UK wind farms. </a:t>
-            </a:r>
-          </a:p>
-          <a:p>
-            <a:r>
-              <a:rPr lang="en-US" dirty="0"/>
-              <a:t>This then underwent a couple of cuts removing offshore wind farms, and any locations where past generation data was not consistently available leaving us with the following locations.</a:t>
-            </a:r>
-          </a:p>
-          <a:p>
-            <a:r>
-              <a:rPr lang="en-US" dirty="0"/>
-              <a:t>Coincidentally they are all located in Scotland which adds another constraint to our investigation.</a:t>
-            </a:r>
-            <a:endParaRPr lang="en-GB" dirty="0"/>
+            <a:pPr marL="285750" indent="-285750">
+              <a:lnSpc>
+                <a:spcPct val="100000"/>
+              </a:lnSpc>
+              <a:buFont typeface="Courier New" panose="02070309020205020404" pitchFamily="49" charset="0"/>
+              <a:buChar char="o"/>
+            </a:pPr>
+            <a:r>
+              <a:rPr lang="en-GB" sz="1800" dirty="0"/>
+              <a:t>Initial location set based upon data availability.</a:t>
+            </a:r>
+          </a:p>
+          <a:p>
+            <a:pPr marL="285750" indent="-285750">
+              <a:lnSpc>
+                <a:spcPct val="100000"/>
+              </a:lnSpc>
+              <a:buFont typeface="Courier New" panose="02070309020205020404" pitchFamily="49" charset="0"/>
+              <a:buChar char="o"/>
+            </a:pPr>
+            <a:r>
+              <a:rPr lang="en-GB" sz="1800" dirty="0"/>
+              <a:t>Refined to remove offshore windfarms, and locations with inconsistent data availability.</a:t>
+            </a:r>
+          </a:p>
+          <a:p>
+            <a:pPr marL="285750" indent="-285750">
+              <a:lnSpc>
+                <a:spcPct val="100000"/>
+              </a:lnSpc>
+              <a:buFont typeface="Courier New" panose="02070309020205020404" pitchFamily="49" charset="0"/>
+              <a:buChar char="o"/>
+            </a:pPr>
+            <a:r>
+              <a:rPr lang="en-GB" sz="1800" dirty="0"/>
+              <a:t>Dataset based upon limited to Scotland as seen in prior visualisation</a:t>
+            </a:r>
           </a:p>
         </p:txBody>
       </p:sp>
+      <p:cxnSp>
+        <p:nvCxnSpPr>
+          <p:cNvPr id="15" name="Straight Connector 14">
+            <a:extLst>
+              <a:ext uri="{FF2B5EF4-FFF2-40B4-BE49-F238E27FC236}">
+                <a16:creationId xmlns:a16="http://schemas.microsoft.com/office/drawing/2014/main" id="{E58B1629-F209-47B0-BA59-6BD937DBB08F}"/>
+              </a:ext>
+              <a:ext uri="{C183D7F6-B498-43B3-948B-1728B52AA6E4}">
+                <adec:decorative xmlns:adec="http://schemas.microsoft.com/office/drawing/2017/decorative" val="1"/>
+              </a:ext>
+            </a:extLst>
+          </p:cNvPr>
+          <p:cNvCxnSpPr>
+            <a:cxnSpLocks noGrp="1" noRot="1" noChangeAspect="1" noMove="1" noResize="1" noEditPoints="1" noAdjustHandles="1" noChangeArrowheads="1" noChangeShapeType="1"/>
+          </p:cNvCxnSpPr>
+          <p:nvPr>
+            <p:extLst>
+              <p:ext uri="{386F3935-93C4-4BCD-93E2-E3B085C9AB24}">
+                <p16:designElem xmlns:p16="http://schemas.microsoft.com/office/powerpoint/2015/main" val="1"/>
+              </p:ext>
+            </p:extLst>
+          </p:nvPr>
+        </p:nvCxnSpPr>
+        <p:spPr>
+          <a:xfrm>
+            <a:off x="11668155" y="5641010"/>
+            <a:ext cx="0" cy="599069"/>
+          </a:xfrm>
+          <a:prstGeom prst="line">
+            <a:avLst/>
+          </a:prstGeom>
+          <a:ln w="38100">
+            <a:solidFill>
+              <a:schemeClr val="tx1"/>
+            </a:solidFill>
+          </a:ln>
+        </p:spPr>
+        <p:style>
+          <a:lnRef idx="1">
+            <a:schemeClr val="accent1"/>
+          </a:lnRef>
+          <a:fillRef idx="0">
+            <a:schemeClr val="accent1"/>
+          </a:fillRef>
+          <a:effectRef idx="0">
+            <a:schemeClr val="accent1"/>
+          </a:effectRef>
+          <a:fontRef idx="minor">
+            <a:schemeClr val="tx1"/>
+          </a:fontRef>
+        </p:style>
+      </p:cxnSp>
+      <p:graphicFrame>
+        <p:nvGraphicFramePr>
+          <p:cNvPr id="4" name="Table 3">
+            <a:extLst>
+              <a:ext uri="{FF2B5EF4-FFF2-40B4-BE49-F238E27FC236}">
+                <a16:creationId xmlns:a16="http://schemas.microsoft.com/office/drawing/2014/main" id="{F535F708-D6FE-45EC-984D-9EFA00E1AC86}"/>
+              </a:ext>
+            </a:extLst>
+          </p:cNvPr>
+          <p:cNvGraphicFramePr>
+            <a:graphicFrameLocks noGrp="1"/>
+          </p:cNvGraphicFramePr>
+          <p:nvPr>
+            <p:extLst>
+              <p:ext uri="{D42A27DB-BD31-4B8C-83A1-F6EECF244321}">
+                <p14:modId xmlns:p14="http://schemas.microsoft.com/office/powerpoint/2010/main" val="3044218025"/>
+              </p:ext>
+            </p:extLst>
+          </p:nvPr>
+        </p:nvGraphicFramePr>
+        <p:xfrm>
+          <a:off x="761367" y="1454434"/>
+          <a:ext cx="4950257" cy="3949133"/>
+        </p:xfrm>
+        <a:graphic>
+          <a:graphicData uri="http://schemas.openxmlformats.org/drawingml/2006/table">
+            <a:tbl>
+              <a:tblPr firstRow="1" bandRow="1">
+                <a:noFill/>
+              </a:tblPr>
+              <a:tblGrid>
+                <a:gridCol w="903131">
+                  <a:extLst>
+                    <a:ext uri="{9D8B030D-6E8A-4147-A177-3AD203B41FA5}">
+                      <a16:colId xmlns:a16="http://schemas.microsoft.com/office/drawing/2014/main" val="1264791975"/>
+                    </a:ext>
+                  </a:extLst>
+                </a:gridCol>
+                <a:gridCol w="1199277">
+                  <a:extLst>
+                    <a:ext uri="{9D8B030D-6E8A-4147-A177-3AD203B41FA5}">
+                      <a16:colId xmlns:a16="http://schemas.microsoft.com/office/drawing/2014/main" val="2128359561"/>
+                    </a:ext>
+                  </a:extLst>
+                </a:gridCol>
+                <a:gridCol w="986310">
+                  <a:extLst>
+                    <a:ext uri="{9D8B030D-6E8A-4147-A177-3AD203B41FA5}">
+                      <a16:colId xmlns:a16="http://schemas.microsoft.com/office/drawing/2014/main" val="3202895079"/>
+                    </a:ext>
+                  </a:extLst>
+                </a:gridCol>
+                <a:gridCol w="967057">
+                  <a:extLst>
+                    <a:ext uri="{9D8B030D-6E8A-4147-A177-3AD203B41FA5}">
+                      <a16:colId xmlns:a16="http://schemas.microsoft.com/office/drawing/2014/main" val="1904437657"/>
+                    </a:ext>
+                  </a:extLst>
+                </a:gridCol>
+                <a:gridCol w="894482">
+                  <a:extLst>
+                    <a:ext uri="{9D8B030D-6E8A-4147-A177-3AD203B41FA5}">
+                      <a16:colId xmlns:a16="http://schemas.microsoft.com/office/drawing/2014/main" val="3939732992"/>
+                    </a:ext>
+                  </a:extLst>
+                </a:gridCol>
+              </a:tblGrid>
+              <a:tr h="246821">
+                <a:tc>
+                  <a:txBody>
+                    <a:bodyPr/>
+                    <a:lstStyle/>
+                    <a:p>
+                      <a:pPr algn="l" fontAlgn="b"/>
+                      <a:r>
+                        <a:rPr lang="en-GB" sz="800" b="0" i="0" u="none" strike="noStrike">
+                          <a:solidFill>
+                            <a:schemeClr val="tx1">
+                              <a:lumMod val="75000"/>
+                              <a:lumOff val="25000"/>
+                            </a:schemeClr>
+                          </a:solidFill>
+                          <a:effectLst/>
+                          <a:latin typeface="Calibri" panose="020F0502020204030204" pitchFamily="34" charset="0"/>
+                        </a:rPr>
+                        <a:t>BMU_ID</a:t>
+                      </a:r>
+                    </a:p>
+                  </a:txBody>
+                  <a:tcPr marL="96414" marR="57849" marT="57849" marB="57849" anchor="b">
+                    <a:lnL w="12700" cmpd="sng">
+                      <a:noFill/>
+                      <a:prstDash val="solid"/>
+                    </a:lnL>
+                    <a:lnR w="12700" cmpd="sng">
+                      <a:noFill/>
+                      <a:prstDash val="solid"/>
+                    </a:lnR>
+                    <a:lnT w="19050" cap="flat" cmpd="sng" algn="ctr">
+                      <a:solidFill>
+                        <a:srgbClr val="8F9A9D">
+                          <a:alpha val="60000"/>
+                        </a:srgbClr>
+                      </a:solidFill>
+                      <a:prstDash val="solid"/>
+                    </a:lnT>
+                    <a:lnB w="12700" cmpd="sng">
+                      <a:noFill/>
+                      <a:prstDash val="solid"/>
+                    </a:lnB>
+                    <a:noFill/>
+                  </a:tcPr>
+                </a:tc>
+                <a:tc>
+                  <a:txBody>
+                    <a:bodyPr/>
+                    <a:lstStyle/>
+                    <a:p>
+                      <a:pPr algn="l" fontAlgn="b"/>
+                      <a:r>
+                        <a:rPr lang="en-GB" sz="800" b="0" i="0" u="none" strike="noStrike" dirty="0">
+                          <a:solidFill>
+                            <a:schemeClr val="tx1">
+                              <a:lumMod val="75000"/>
+                              <a:lumOff val="25000"/>
+                            </a:schemeClr>
+                          </a:solidFill>
+                          <a:effectLst/>
+                          <a:latin typeface="Calibri" panose="020F0502020204030204" pitchFamily="34" charset="0"/>
+                        </a:rPr>
+                        <a:t>Name</a:t>
+                      </a:r>
+                    </a:p>
+                  </a:txBody>
+                  <a:tcPr marL="96414" marR="57849" marT="57849" marB="57849" anchor="b">
+                    <a:lnL w="12700" cmpd="sng">
+                      <a:noFill/>
+                      <a:prstDash val="solid"/>
+                    </a:lnL>
+                    <a:lnR w="12700" cmpd="sng">
+                      <a:noFill/>
+                      <a:prstDash val="solid"/>
+                    </a:lnR>
+                    <a:lnT w="19050" cap="flat" cmpd="sng" algn="ctr">
+                      <a:solidFill>
+                        <a:srgbClr val="8F9A9D">
+                          <a:alpha val="60000"/>
+                        </a:srgbClr>
+                      </a:solidFill>
+                      <a:prstDash val="solid"/>
+                    </a:lnT>
+                    <a:lnB w="12700" cmpd="sng">
+                      <a:noFill/>
+                      <a:prstDash val="solid"/>
+                    </a:lnB>
+                    <a:noFill/>
+                  </a:tcPr>
+                </a:tc>
+                <a:tc>
+                  <a:txBody>
+                    <a:bodyPr/>
+                    <a:lstStyle/>
+                    <a:p>
+                      <a:pPr algn="l" fontAlgn="b"/>
+                      <a:r>
+                        <a:rPr lang="en-GB" sz="800" b="0" i="0" u="none" strike="noStrike" dirty="0">
+                          <a:solidFill>
+                            <a:schemeClr val="tx1">
+                              <a:lumMod val="75000"/>
+                              <a:lumOff val="25000"/>
+                            </a:schemeClr>
+                          </a:solidFill>
+                          <a:effectLst/>
+                          <a:latin typeface="Calibri" panose="020F0502020204030204" pitchFamily="34" charset="0"/>
+                        </a:rPr>
+                        <a:t>Latitude</a:t>
+                      </a:r>
+                    </a:p>
+                  </a:txBody>
+                  <a:tcPr marL="96414" marR="57849" marT="57849" marB="57849" anchor="b">
+                    <a:lnL w="12700" cmpd="sng">
+                      <a:noFill/>
+                      <a:prstDash val="solid"/>
+                    </a:lnL>
+                    <a:lnR w="12700" cmpd="sng">
+                      <a:noFill/>
+                      <a:prstDash val="solid"/>
+                    </a:lnR>
+                    <a:lnT w="19050" cap="flat" cmpd="sng" algn="ctr">
+                      <a:solidFill>
+                        <a:srgbClr val="8F9A9D">
+                          <a:alpha val="60000"/>
+                        </a:srgbClr>
+                      </a:solidFill>
+                      <a:prstDash val="solid"/>
+                    </a:lnT>
+                    <a:lnB w="12700" cmpd="sng">
+                      <a:noFill/>
+                      <a:prstDash val="solid"/>
+                    </a:lnB>
+                    <a:noFill/>
+                  </a:tcPr>
+                </a:tc>
+                <a:tc>
+                  <a:txBody>
+                    <a:bodyPr/>
+                    <a:lstStyle/>
+                    <a:p>
+                      <a:pPr algn="l" fontAlgn="b"/>
+                      <a:r>
+                        <a:rPr lang="en-GB" sz="800" b="0" i="0" u="none" strike="noStrike" dirty="0">
+                          <a:solidFill>
+                            <a:schemeClr val="tx1">
+                              <a:lumMod val="75000"/>
+                              <a:lumOff val="25000"/>
+                            </a:schemeClr>
+                          </a:solidFill>
+                          <a:effectLst/>
+                          <a:latin typeface="Calibri" panose="020F0502020204030204" pitchFamily="34" charset="0"/>
+                        </a:rPr>
+                        <a:t>Longitude</a:t>
+                      </a:r>
+                    </a:p>
+                  </a:txBody>
+                  <a:tcPr marL="96414" marR="57849" marT="57849" marB="57849" anchor="b">
+                    <a:lnL w="12700" cmpd="sng">
+                      <a:noFill/>
+                      <a:prstDash val="solid"/>
+                    </a:lnL>
+                    <a:lnR w="12700" cmpd="sng">
+                      <a:noFill/>
+                      <a:prstDash val="solid"/>
+                    </a:lnR>
+                    <a:lnT w="19050" cap="flat" cmpd="sng" algn="ctr">
+                      <a:solidFill>
+                        <a:srgbClr val="8F9A9D">
+                          <a:alpha val="60000"/>
+                        </a:srgbClr>
+                      </a:solidFill>
+                      <a:prstDash val="solid"/>
+                    </a:lnT>
+                    <a:lnB w="12700" cmpd="sng">
+                      <a:noFill/>
+                      <a:prstDash val="solid"/>
+                    </a:lnB>
+                    <a:noFill/>
+                  </a:tcPr>
+                </a:tc>
+                <a:tc>
+                  <a:txBody>
+                    <a:bodyPr/>
+                    <a:lstStyle/>
+                    <a:p>
+                      <a:pPr algn="l" fontAlgn="b"/>
+                      <a:r>
+                        <a:rPr lang="en-GB" sz="800" b="0" i="0" u="none" strike="noStrike" dirty="0">
+                          <a:solidFill>
+                            <a:schemeClr val="tx1">
+                              <a:lumMod val="75000"/>
+                              <a:lumOff val="25000"/>
+                            </a:schemeClr>
+                          </a:solidFill>
+                          <a:effectLst/>
+                          <a:latin typeface="Calibri" panose="020F0502020204030204" pitchFamily="34" charset="0"/>
+                        </a:rPr>
+                        <a:t>Capacity (MW)</a:t>
+                      </a:r>
+                    </a:p>
+                  </a:txBody>
+                  <a:tcPr marL="96414" marR="57849" marT="57849" marB="57849" anchor="b">
+                    <a:lnL w="12700" cmpd="sng">
+                      <a:noFill/>
+                      <a:prstDash val="solid"/>
+                    </a:lnL>
+                    <a:lnR w="12700" cmpd="sng">
+                      <a:noFill/>
+                      <a:prstDash val="solid"/>
+                    </a:lnR>
+                    <a:lnT w="19050" cap="flat" cmpd="sng" algn="ctr">
+                      <a:solidFill>
+                        <a:srgbClr val="8F9A9D">
+                          <a:alpha val="60000"/>
+                        </a:srgbClr>
+                      </a:solidFill>
+                      <a:prstDash val="solid"/>
+                    </a:lnT>
+                    <a:lnB w="12700" cmpd="sng">
+                      <a:noFill/>
+                      <a:prstDash val="solid"/>
+                    </a:lnB>
+                    <a:noFill/>
+                  </a:tcPr>
+                </a:tc>
+                <a:extLst>
+                  <a:ext uri="{0D108BD9-81ED-4DB2-BD59-A6C34878D82A}">
+                    <a16:rowId xmlns:a16="http://schemas.microsoft.com/office/drawing/2014/main" val="3956222957"/>
+                  </a:ext>
+                </a:extLst>
+              </a:tr>
+              <a:tr h="205684">
+                <a:tc>
+                  <a:txBody>
+                    <a:bodyPr/>
+                    <a:lstStyle/>
+                    <a:p>
+                      <a:pPr algn="l" fontAlgn="b"/>
+                      <a:r>
+                        <a:rPr lang="en-GB" sz="600" b="0" i="0" u="none" strike="noStrike">
+                          <a:solidFill>
+                            <a:schemeClr val="tx1">
+                              <a:lumMod val="75000"/>
+                              <a:lumOff val="25000"/>
+                            </a:schemeClr>
+                          </a:solidFill>
+                          <a:effectLst/>
+                          <a:latin typeface="Calibri" panose="020F0502020204030204" pitchFamily="34" charset="0"/>
+                        </a:rPr>
+                        <a:t>ABRTW-1</a:t>
+                      </a:r>
+                    </a:p>
+                  </a:txBody>
+                  <a:tcPr marL="96414" marR="50135" marT="50135" marB="50135" anchor="b">
+                    <a:lnL w="12700" cmpd="sng">
+                      <a:noFill/>
+                      <a:prstDash val="solid"/>
+                    </a:lnL>
+                    <a:lnR w="12700" cmpd="sng">
+                      <a:noFill/>
+                      <a:prstDash val="solid"/>
+                    </a:lnR>
+                    <a:lnT w="12700" cmpd="sng">
+                      <a:noFill/>
+                      <a:prstDash val="solid"/>
+                    </a:lnT>
+                    <a:lnB w="19050" cap="flat" cmpd="sng" algn="ctr">
+                      <a:solidFill>
+                        <a:srgbClr val="FFFFFF"/>
+                      </a:solidFill>
+                      <a:prstDash val="solid"/>
+                    </a:lnB>
+                    <a:solidFill>
+                      <a:srgbClr val="B4BCBE">
+                        <a:alpha val="34902"/>
+                      </a:srgbClr>
+                    </a:solidFill>
+                  </a:tcPr>
+                </a:tc>
+                <a:tc>
+                  <a:txBody>
+                    <a:bodyPr/>
+                    <a:lstStyle/>
+                    <a:p>
+                      <a:pPr algn="l" fontAlgn="b"/>
+                      <a:r>
+                        <a:rPr lang="en-GB" sz="600" b="0" i="0" u="none" strike="noStrike">
+                          <a:solidFill>
+                            <a:schemeClr val="tx1">
+                              <a:lumMod val="75000"/>
+                              <a:lumOff val="25000"/>
+                            </a:schemeClr>
+                          </a:solidFill>
+                          <a:effectLst/>
+                          <a:latin typeface="Calibri" panose="020F0502020204030204" pitchFamily="34" charset="0"/>
+                        </a:rPr>
+                        <a:t>Auchrobert Wind Farm</a:t>
+                      </a:r>
+                    </a:p>
+                  </a:txBody>
+                  <a:tcPr marL="96414" marR="50135" marT="50135" marB="50135" anchor="b">
+                    <a:lnL w="12700" cmpd="sng">
+                      <a:noFill/>
+                      <a:prstDash val="solid"/>
+                    </a:lnL>
+                    <a:lnR w="12700" cmpd="sng">
+                      <a:noFill/>
+                      <a:prstDash val="solid"/>
+                    </a:lnR>
+                    <a:lnT w="12700" cmpd="sng">
+                      <a:noFill/>
+                      <a:prstDash val="solid"/>
+                    </a:lnT>
+                    <a:lnB w="19050" cap="flat" cmpd="sng" algn="ctr">
+                      <a:solidFill>
+                        <a:srgbClr val="FFFFFF"/>
+                      </a:solidFill>
+                      <a:prstDash val="solid"/>
+                    </a:lnB>
+                    <a:solidFill>
+                      <a:srgbClr val="B4BCBE">
+                        <a:alpha val="34902"/>
+                      </a:srgbClr>
+                    </a:solidFill>
+                  </a:tcPr>
+                </a:tc>
+                <a:tc>
+                  <a:txBody>
+                    <a:bodyPr/>
+                    <a:lstStyle/>
+                    <a:p>
+                      <a:pPr algn="r" fontAlgn="b"/>
+                      <a:r>
+                        <a:rPr lang="en-GB" sz="600" b="0" i="0" u="none" strike="noStrike">
+                          <a:solidFill>
+                            <a:schemeClr val="tx1">
+                              <a:lumMod val="75000"/>
+                              <a:lumOff val="25000"/>
+                            </a:schemeClr>
+                          </a:solidFill>
+                          <a:effectLst/>
+                          <a:latin typeface="Calibri" panose="020F0502020204030204" pitchFamily="34" charset="0"/>
+                        </a:rPr>
+                        <a:t>55.6105574</a:t>
+                      </a:r>
+                    </a:p>
+                  </a:txBody>
+                  <a:tcPr marL="96414" marR="50135" marT="50135" marB="50135" anchor="b">
+                    <a:lnL w="12700" cmpd="sng">
+                      <a:noFill/>
+                      <a:prstDash val="solid"/>
+                    </a:lnL>
+                    <a:lnR w="12700" cmpd="sng">
+                      <a:noFill/>
+                      <a:prstDash val="solid"/>
+                    </a:lnR>
+                    <a:lnT w="12700" cmpd="sng">
+                      <a:noFill/>
+                      <a:prstDash val="solid"/>
+                    </a:lnT>
+                    <a:lnB w="19050" cap="flat" cmpd="sng" algn="ctr">
+                      <a:solidFill>
+                        <a:srgbClr val="FFFFFF"/>
+                      </a:solidFill>
+                      <a:prstDash val="solid"/>
+                    </a:lnB>
+                    <a:solidFill>
+                      <a:srgbClr val="B4BCBE">
+                        <a:alpha val="34902"/>
+                      </a:srgbClr>
+                    </a:solidFill>
+                  </a:tcPr>
+                </a:tc>
+                <a:tc>
+                  <a:txBody>
+                    <a:bodyPr/>
+                    <a:lstStyle/>
+                    <a:p>
+                      <a:pPr algn="r" fontAlgn="b"/>
+                      <a:r>
+                        <a:rPr lang="en-GB" sz="600" b="0" i="0" u="none" strike="noStrike">
+                          <a:solidFill>
+                            <a:schemeClr val="tx1">
+                              <a:lumMod val="75000"/>
+                              <a:lumOff val="25000"/>
+                            </a:schemeClr>
+                          </a:solidFill>
+                          <a:effectLst/>
+                          <a:latin typeface="Calibri" panose="020F0502020204030204" pitchFamily="34" charset="0"/>
+                        </a:rPr>
+                        <a:t>-4.01538</a:t>
+                      </a:r>
+                    </a:p>
+                  </a:txBody>
+                  <a:tcPr marL="96414" marR="50135" marT="50135" marB="50135" anchor="b">
+                    <a:lnL w="12700" cmpd="sng">
+                      <a:noFill/>
+                      <a:prstDash val="solid"/>
+                    </a:lnL>
+                    <a:lnR w="12700" cmpd="sng">
+                      <a:noFill/>
+                      <a:prstDash val="solid"/>
+                    </a:lnR>
+                    <a:lnT w="12700" cmpd="sng">
+                      <a:noFill/>
+                      <a:prstDash val="solid"/>
+                    </a:lnT>
+                    <a:lnB w="19050" cap="flat" cmpd="sng" algn="ctr">
+                      <a:solidFill>
+                        <a:srgbClr val="FFFFFF"/>
+                      </a:solidFill>
+                      <a:prstDash val="solid"/>
+                    </a:lnB>
+                    <a:solidFill>
+                      <a:srgbClr val="B4BCBE">
+                        <a:alpha val="34902"/>
+                      </a:srgbClr>
+                    </a:solidFill>
+                  </a:tcPr>
+                </a:tc>
+                <a:tc>
+                  <a:txBody>
+                    <a:bodyPr/>
+                    <a:lstStyle/>
+                    <a:p>
+                      <a:pPr algn="r" fontAlgn="b"/>
+                      <a:r>
+                        <a:rPr lang="en-GB" sz="600" b="0" i="0" u="none" strike="noStrike">
+                          <a:solidFill>
+                            <a:schemeClr val="tx1">
+                              <a:lumMod val="75000"/>
+                              <a:lumOff val="25000"/>
+                            </a:schemeClr>
+                          </a:solidFill>
+                          <a:effectLst/>
+                          <a:latin typeface="Calibri" panose="020F0502020204030204" pitchFamily="34" charset="0"/>
+                        </a:rPr>
+                        <a:t>36</a:t>
+                      </a:r>
+                    </a:p>
+                  </a:txBody>
+                  <a:tcPr marL="96414" marR="50135" marT="50135" marB="50135" anchor="b">
+                    <a:lnL w="12700" cmpd="sng">
+                      <a:noFill/>
+                      <a:prstDash val="solid"/>
+                    </a:lnL>
+                    <a:lnR w="12700" cmpd="sng">
+                      <a:noFill/>
+                      <a:prstDash val="solid"/>
+                    </a:lnR>
+                    <a:lnT w="12700" cmpd="sng">
+                      <a:noFill/>
+                      <a:prstDash val="solid"/>
+                    </a:lnT>
+                    <a:lnB w="19050" cap="flat" cmpd="sng" algn="ctr">
+                      <a:solidFill>
+                        <a:srgbClr val="FFFFFF"/>
+                      </a:solidFill>
+                      <a:prstDash val="solid"/>
+                    </a:lnB>
+                    <a:solidFill>
+                      <a:srgbClr val="B4BCBE">
+                        <a:alpha val="34902"/>
+                      </a:srgbClr>
+                    </a:solidFill>
+                  </a:tcPr>
+                </a:tc>
+                <a:extLst>
+                  <a:ext uri="{0D108BD9-81ED-4DB2-BD59-A6C34878D82A}">
+                    <a16:rowId xmlns:a16="http://schemas.microsoft.com/office/drawing/2014/main" val="502379323"/>
+                  </a:ext>
+                </a:extLst>
+              </a:tr>
+              <a:tr h="205684">
+                <a:tc>
+                  <a:txBody>
+                    <a:bodyPr/>
+                    <a:lstStyle/>
+                    <a:p>
+                      <a:pPr algn="l" fontAlgn="b"/>
+                      <a:r>
+                        <a:rPr lang="en-GB" sz="600" b="0" i="0" u="none" strike="noStrike">
+                          <a:solidFill>
+                            <a:schemeClr val="tx1">
+                              <a:lumMod val="75000"/>
+                              <a:lumOff val="25000"/>
+                            </a:schemeClr>
+                          </a:solidFill>
+                          <a:effectLst/>
+                          <a:latin typeface="Calibri" panose="020F0502020204030204" pitchFamily="34" charset="0"/>
+                        </a:rPr>
+                        <a:t>ACHRW-1</a:t>
+                      </a:r>
+                    </a:p>
+                  </a:txBody>
+                  <a:tcPr marL="96414" marR="50135" marT="50135" marB="50135" anchor="b">
+                    <a:lnL w="12700" cmpd="sng">
+                      <a:noFill/>
+                      <a:prstDash val="solid"/>
+                    </a:lnL>
+                    <a:lnR w="12700" cmpd="sng">
+                      <a:noFill/>
+                      <a:prstDash val="solid"/>
+                    </a:lnR>
+                    <a:lnT w="19050" cap="flat" cmpd="sng" algn="ctr">
+                      <a:solidFill>
+                        <a:srgbClr val="FFFFFF"/>
+                      </a:solidFill>
+                      <a:prstDash val="solid"/>
+                    </a:lnT>
+                    <a:lnB w="19050" cap="flat" cmpd="sng" algn="ctr">
+                      <a:solidFill>
+                        <a:srgbClr val="FFFFFF"/>
+                      </a:solidFill>
+                      <a:prstDash val="solid"/>
+                    </a:lnB>
+                    <a:solidFill>
+                      <a:srgbClr val="B4BCBE">
+                        <a:alpha val="34902"/>
+                      </a:srgbClr>
+                    </a:solidFill>
+                  </a:tcPr>
+                </a:tc>
+                <a:tc>
+                  <a:txBody>
+                    <a:bodyPr/>
+                    <a:lstStyle/>
+                    <a:p>
+                      <a:pPr algn="l" fontAlgn="b"/>
+                      <a:r>
+                        <a:rPr lang="en-GB" sz="600" b="0" i="0" u="none" strike="noStrike">
+                          <a:solidFill>
+                            <a:schemeClr val="tx1">
+                              <a:lumMod val="75000"/>
+                              <a:lumOff val="25000"/>
+                            </a:schemeClr>
+                          </a:solidFill>
+                          <a:effectLst/>
+                          <a:latin typeface="Calibri" panose="020F0502020204030204" pitchFamily="34" charset="0"/>
+                        </a:rPr>
+                        <a:t>AChruach Wind Farm</a:t>
+                      </a:r>
+                    </a:p>
+                  </a:txBody>
+                  <a:tcPr marL="96414" marR="50135" marT="50135" marB="50135" anchor="b">
+                    <a:lnL w="12700" cmpd="sng">
+                      <a:noFill/>
+                      <a:prstDash val="solid"/>
+                    </a:lnL>
+                    <a:lnR w="12700" cmpd="sng">
+                      <a:noFill/>
+                      <a:prstDash val="solid"/>
+                    </a:lnR>
+                    <a:lnT w="19050" cap="flat" cmpd="sng" algn="ctr">
+                      <a:solidFill>
+                        <a:srgbClr val="FFFFFF"/>
+                      </a:solidFill>
+                      <a:prstDash val="solid"/>
+                    </a:lnT>
+                    <a:lnB w="19050" cap="flat" cmpd="sng" algn="ctr">
+                      <a:solidFill>
+                        <a:srgbClr val="FFFFFF"/>
+                      </a:solidFill>
+                      <a:prstDash val="solid"/>
+                    </a:lnB>
+                    <a:solidFill>
+                      <a:srgbClr val="B4BCBE">
+                        <a:alpha val="34902"/>
+                      </a:srgbClr>
+                    </a:solidFill>
+                  </a:tcPr>
+                </a:tc>
+                <a:tc>
+                  <a:txBody>
+                    <a:bodyPr/>
+                    <a:lstStyle/>
+                    <a:p>
+                      <a:pPr algn="r" fontAlgn="b"/>
+                      <a:r>
+                        <a:rPr lang="en-GB" sz="600" b="0" i="0" u="none" strike="noStrike" dirty="0">
+                          <a:solidFill>
+                            <a:schemeClr val="tx1">
+                              <a:lumMod val="75000"/>
+                              <a:lumOff val="25000"/>
+                            </a:schemeClr>
+                          </a:solidFill>
+                          <a:effectLst/>
+                          <a:latin typeface="Calibri" panose="020F0502020204030204" pitchFamily="34" charset="0"/>
+                        </a:rPr>
+                        <a:t>56.1269712</a:t>
+                      </a:r>
+                    </a:p>
+                  </a:txBody>
+                  <a:tcPr marL="96414" marR="50135" marT="50135" marB="50135" anchor="b">
+                    <a:lnL w="12700" cmpd="sng">
+                      <a:noFill/>
+                      <a:prstDash val="solid"/>
+                    </a:lnL>
+                    <a:lnR w="12700" cmpd="sng">
+                      <a:noFill/>
+                      <a:prstDash val="solid"/>
+                    </a:lnR>
+                    <a:lnT w="19050" cap="flat" cmpd="sng" algn="ctr">
+                      <a:solidFill>
+                        <a:srgbClr val="FFFFFF"/>
+                      </a:solidFill>
+                      <a:prstDash val="solid"/>
+                    </a:lnT>
+                    <a:lnB w="19050" cap="flat" cmpd="sng" algn="ctr">
+                      <a:solidFill>
+                        <a:srgbClr val="FFFFFF"/>
+                      </a:solidFill>
+                      <a:prstDash val="solid"/>
+                    </a:lnB>
+                    <a:solidFill>
+                      <a:srgbClr val="B4BCBE">
+                        <a:alpha val="34902"/>
+                      </a:srgbClr>
+                    </a:solidFill>
+                  </a:tcPr>
+                </a:tc>
+                <a:tc>
+                  <a:txBody>
+                    <a:bodyPr/>
+                    <a:lstStyle/>
+                    <a:p>
+                      <a:pPr algn="r" fontAlgn="b"/>
+                      <a:r>
+                        <a:rPr lang="en-GB" sz="600" b="0" i="0" u="none" strike="noStrike">
+                          <a:solidFill>
+                            <a:schemeClr val="tx1">
+                              <a:lumMod val="75000"/>
+                              <a:lumOff val="25000"/>
+                            </a:schemeClr>
+                          </a:solidFill>
+                          <a:effectLst/>
+                          <a:latin typeface="Calibri" panose="020F0502020204030204" pitchFamily="34" charset="0"/>
+                        </a:rPr>
+                        <a:t>-5.34324</a:t>
+                      </a:r>
+                    </a:p>
+                  </a:txBody>
+                  <a:tcPr marL="96414" marR="50135" marT="50135" marB="50135" anchor="b">
+                    <a:lnL w="12700" cmpd="sng">
+                      <a:noFill/>
+                      <a:prstDash val="solid"/>
+                    </a:lnL>
+                    <a:lnR w="12700" cmpd="sng">
+                      <a:noFill/>
+                      <a:prstDash val="solid"/>
+                    </a:lnR>
+                    <a:lnT w="19050" cap="flat" cmpd="sng" algn="ctr">
+                      <a:solidFill>
+                        <a:srgbClr val="FFFFFF"/>
+                      </a:solidFill>
+                      <a:prstDash val="solid"/>
+                    </a:lnT>
+                    <a:lnB w="19050" cap="flat" cmpd="sng" algn="ctr">
+                      <a:solidFill>
+                        <a:srgbClr val="FFFFFF"/>
+                      </a:solidFill>
+                      <a:prstDash val="solid"/>
+                    </a:lnB>
+                    <a:solidFill>
+                      <a:srgbClr val="B4BCBE">
+                        <a:alpha val="34902"/>
+                      </a:srgbClr>
+                    </a:solidFill>
+                  </a:tcPr>
+                </a:tc>
+                <a:tc>
+                  <a:txBody>
+                    <a:bodyPr/>
+                    <a:lstStyle/>
+                    <a:p>
+                      <a:pPr algn="r" fontAlgn="b"/>
+                      <a:r>
+                        <a:rPr lang="en-GB" sz="600" b="0" i="0" u="none" strike="noStrike">
+                          <a:solidFill>
+                            <a:schemeClr val="tx1">
+                              <a:lumMod val="75000"/>
+                              <a:lumOff val="25000"/>
+                            </a:schemeClr>
+                          </a:solidFill>
+                          <a:effectLst/>
+                          <a:latin typeface="Calibri" panose="020F0502020204030204" pitchFamily="34" charset="0"/>
+                        </a:rPr>
+                        <a:t>42.6</a:t>
+                      </a:r>
+                    </a:p>
+                  </a:txBody>
+                  <a:tcPr marL="96414" marR="50135" marT="50135" marB="50135" anchor="b">
+                    <a:lnL w="12700" cmpd="sng">
+                      <a:noFill/>
+                      <a:prstDash val="solid"/>
+                    </a:lnL>
+                    <a:lnR w="12700" cmpd="sng">
+                      <a:noFill/>
+                      <a:prstDash val="solid"/>
+                    </a:lnR>
+                    <a:lnT w="19050" cap="flat" cmpd="sng" algn="ctr">
+                      <a:solidFill>
+                        <a:srgbClr val="FFFFFF"/>
+                      </a:solidFill>
+                      <a:prstDash val="solid"/>
+                    </a:lnT>
+                    <a:lnB w="19050" cap="flat" cmpd="sng" algn="ctr">
+                      <a:solidFill>
+                        <a:srgbClr val="FFFFFF"/>
+                      </a:solidFill>
+                      <a:prstDash val="solid"/>
+                    </a:lnB>
+                    <a:solidFill>
+                      <a:srgbClr val="B4BCBE">
+                        <a:alpha val="34902"/>
+                      </a:srgbClr>
+                    </a:solidFill>
+                  </a:tcPr>
+                </a:tc>
+                <a:extLst>
+                  <a:ext uri="{0D108BD9-81ED-4DB2-BD59-A6C34878D82A}">
+                    <a16:rowId xmlns:a16="http://schemas.microsoft.com/office/drawing/2014/main" val="3144448822"/>
+                  </a:ext>
+                </a:extLst>
+              </a:tr>
+              <a:tr h="205684">
+                <a:tc>
+                  <a:txBody>
+                    <a:bodyPr/>
+                    <a:lstStyle/>
+                    <a:p>
+                      <a:pPr algn="l" fontAlgn="b"/>
+                      <a:r>
+                        <a:rPr lang="en-GB" sz="600" b="0" i="0" u="none" strike="noStrike">
+                          <a:solidFill>
+                            <a:schemeClr val="tx1">
+                              <a:lumMod val="75000"/>
+                              <a:lumOff val="25000"/>
+                            </a:schemeClr>
+                          </a:solidFill>
+                          <a:effectLst/>
+                          <a:latin typeface="Calibri" panose="020F0502020204030204" pitchFamily="34" charset="0"/>
+                        </a:rPr>
+                        <a:t>AKGLW-2</a:t>
+                      </a:r>
+                    </a:p>
+                  </a:txBody>
+                  <a:tcPr marL="96414" marR="50135" marT="50135" marB="50135" anchor="b">
+                    <a:lnL w="12700" cmpd="sng">
+                      <a:noFill/>
+                      <a:prstDash val="solid"/>
+                    </a:lnL>
+                    <a:lnR w="12700" cmpd="sng">
+                      <a:noFill/>
+                      <a:prstDash val="solid"/>
+                    </a:lnR>
+                    <a:lnT w="19050" cap="flat" cmpd="sng" algn="ctr">
+                      <a:solidFill>
+                        <a:srgbClr val="FFFFFF"/>
+                      </a:solidFill>
+                      <a:prstDash val="solid"/>
+                    </a:lnT>
+                    <a:lnB w="19050" cap="flat" cmpd="sng" algn="ctr">
+                      <a:solidFill>
+                        <a:srgbClr val="FFFFFF"/>
+                      </a:solidFill>
+                      <a:prstDash val="solid"/>
+                    </a:lnB>
+                    <a:solidFill>
+                      <a:srgbClr val="B4BCBE">
+                        <a:alpha val="34902"/>
+                      </a:srgbClr>
+                    </a:solidFill>
+                  </a:tcPr>
+                </a:tc>
+                <a:tc>
+                  <a:txBody>
+                    <a:bodyPr/>
+                    <a:lstStyle/>
+                    <a:p>
+                      <a:pPr algn="l" fontAlgn="b"/>
+                      <a:r>
+                        <a:rPr lang="en-GB" sz="600" b="0" i="0" u="none" strike="noStrike">
+                          <a:solidFill>
+                            <a:schemeClr val="tx1">
+                              <a:lumMod val="75000"/>
+                              <a:lumOff val="25000"/>
+                            </a:schemeClr>
+                          </a:solidFill>
+                          <a:effectLst/>
+                          <a:latin typeface="Calibri" panose="020F0502020204030204" pitchFamily="34" charset="0"/>
+                        </a:rPr>
+                        <a:t>AIKENGALL II</a:t>
+                      </a:r>
+                    </a:p>
+                  </a:txBody>
+                  <a:tcPr marL="96414" marR="50135" marT="50135" marB="50135" anchor="b">
+                    <a:lnL w="12700" cmpd="sng">
+                      <a:noFill/>
+                      <a:prstDash val="solid"/>
+                    </a:lnL>
+                    <a:lnR w="12700" cmpd="sng">
+                      <a:noFill/>
+                      <a:prstDash val="solid"/>
+                    </a:lnR>
+                    <a:lnT w="19050" cap="flat" cmpd="sng" algn="ctr">
+                      <a:solidFill>
+                        <a:srgbClr val="FFFFFF"/>
+                      </a:solidFill>
+                      <a:prstDash val="solid"/>
+                    </a:lnT>
+                    <a:lnB w="19050" cap="flat" cmpd="sng" algn="ctr">
+                      <a:solidFill>
+                        <a:srgbClr val="FFFFFF"/>
+                      </a:solidFill>
+                      <a:prstDash val="solid"/>
+                    </a:lnB>
+                    <a:solidFill>
+                      <a:srgbClr val="B4BCBE">
+                        <a:alpha val="34902"/>
+                      </a:srgbClr>
+                    </a:solidFill>
+                  </a:tcPr>
+                </a:tc>
+                <a:tc>
+                  <a:txBody>
+                    <a:bodyPr/>
+                    <a:lstStyle/>
+                    <a:p>
+                      <a:pPr algn="r" fontAlgn="b"/>
+                      <a:r>
+                        <a:rPr lang="en-GB" sz="600" b="0" i="0" u="none" strike="noStrike">
+                          <a:solidFill>
+                            <a:schemeClr val="tx1">
+                              <a:lumMod val="75000"/>
+                              <a:lumOff val="25000"/>
+                            </a:schemeClr>
+                          </a:solidFill>
+                          <a:effectLst/>
+                          <a:latin typeface="Calibri" panose="020F0502020204030204" pitchFamily="34" charset="0"/>
+                        </a:rPr>
+                        <a:t>55.9150047</a:t>
+                      </a:r>
+                    </a:p>
+                  </a:txBody>
+                  <a:tcPr marL="96414" marR="50135" marT="50135" marB="50135" anchor="b">
+                    <a:lnL w="12700" cmpd="sng">
+                      <a:noFill/>
+                      <a:prstDash val="solid"/>
+                    </a:lnL>
+                    <a:lnR w="12700" cmpd="sng">
+                      <a:noFill/>
+                      <a:prstDash val="solid"/>
+                    </a:lnR>
+                    <a:lnT w="19050" cap="flat" cmpd="sng" algn="ctr">
+                      <a:solidFill>
+                        <a:srgbClr val="FFFFFF"/>
+                      </a:solidFill>
+                      <a:prstDash val="solid"/>
+                    </a:lnT>
+                    <a:lnB w="19050" cap="flat" cmpd="sng" algn="ctr">
+                      <a:solidFill>
+                        <a:srgbClr val="FFFFFF"/>
+                      </a:solidFill>
+                      <a:prstDash val="solid"/>
+                    </a:lnB>
+                    <a:solidFill>
+                      <a:srgbClr val="B4BCBE">
+                        <a:alpha val="34902"/>
+                      </a:srgbClr>
+                    </a:solidFill>
+                  </a:tcPr>
+                </a:tc>
+                <a:tc>
+                  <a:txBody>
+                    <a:bodyPr/>
+                    <a:lstStyle/>
+                    <a:p>
+                      <a:pPr algn="r" fontAlgn="b"/>
+                      <a:r>
+                        <a:rPr lang="en-GB" sz="600" b="0" i="0" u="none" strike="noStrike">
+                          <a:solidFill>
+                            <a:schemeClr val="tx1">
+                              <a:lumMod val="75000"/>
+                              <a:lumOff val="25000"/>
+                            </a:schemeClr>
+                          </a:solidFill>
+                          <a:effectLst/>
+                          <a:latin typeface="Calibri" panose="020F0502020204030204" pitchFamily="34" charset="0"/>
+                        </a:rPr>
+                        <a:t>-2.49688</a:t>
+                      </a:r>
+                    </a:p>
+                  </a:txBody>
+                  <a:tcPr marL="96414" marR="50135" marT="50135" marB="50135" anchor="b">
+                    <a:lnL w="12700" cmpd="sng">
+                      <a:noFill/>
+                      <a:prstDash val="solid"/>
+                    </a:lnL>
+                    <a:lnR w="12700" cmpd="sng">
+                      <a:noFill/>
+                      <a:prstDash val="solid"/>
+                    </a:lnR>
+                    <a:lnT w="19050" cap="flat" cmpd="sng" algn="ctr">
+                      <a:solidFill>
+                        <a:srgbClr val="FFFFFF"/>
+                      </a:solidFill>
+                      <a:prstDash val="solid"/>
+                    </a:lnT>
+                    <a:lnB w="19050" cap="flat" cmpd="sng" algn="ctr">
+                      <a:solidFill>
+                        <a:srgbClr val="FFFFFF"/>
+                      </a:solidFill>
+                      <a:prstDash val="solid"/>
+                    </a:lnB>
+                    <a:solidFill>
+                      <a:srgbClr val="B4BCBE">
+                        <a:alpha val="34902"/>
+                      </a:srgbClr>
+                    </a:solidFill>
+                  </a:tcPr>
+                </a:tc>
+                <a:tc>
+                  <a:txBody>
+                    <a:bodyPr/>
+                    <a:lstStyle/>
+                    <a:p>
+                      <a:pPr algn="r" fontAlgn="b"/>
+                      <a:r>
+                        <a:rPr lang="en-GB" sz="600" b="0" i="0" u="none" strike="noStrike">
+                          <a:solidFill>
+                            <a:schemeClr val="tx1">
+                              <a:lumMod val="75000"/>
+                              <a:lumOff val="25000"/>
+                            </a:schemeClr>
+                          </a:solidFill>
+                          <a:effectLst/>
+                          <a:latin typeface="Calibri" panose="020F0502020204030204" pitchFamily="34" charset="0"/>
+                        </a:rPr>
+                        <a:t>63.84</a:t>
+                      </a:r>
+                    </a:p>
+                  </a:txBody>
+                  <a:tcPr marL="96414" marR="50135" marT="50135" marB="50135" anchor="b">
+                    <a:lnL w="12700" cmpd="sng">
+                      <a:noFill/>
+                      <a:prstDash val="solid"/>
+                    </a:lnL>
+                    <a:lnR w="12700" cmpd="sng">
+                      <a:noFill/>
+                      <a:prstDash val="solid"/>
+                    </a:lnR>
+                    <a:lnT w="19050" cap="flat" cmpd="sng" algn="ctr">
+                      <a:solidFill>
+                        <a:srgbClr val="FFFFFF"/>
+                      </a:solidFill>
+                      <a:prstDash val="solid"/>
+                    </a:lnT>
+                    <a:lnB w="19050" cap="flat" cmpd="sng" algn="ctr">
+                      <a:solidFill>
+                        <a:srgbClr val="FFFFFF"/>
+                      </a:solidFill>
+                      <a:prstDash val="solid"/>
+                    </a:lnB>
+                    <a:solidFill>
+                      <a:srgbClr val="B4BCBE">
+                        <a:alpha val="34902"/>
+                      </a:srgbClr>
+                    </a:solidFill>
+                  </a:tcPr>
+                </a:tc>
+                <a:extLst>
+                  <a:ext uri="{0D108BD9-81ED-4DB2-BD59-A6C34878D82A}">
+                    <a16:rowId xmlns:a16="http://schemas.microsoft.com/office/drawing/2014/main" val="1121459073"/>
+                  </a:ext>
+                </a:extLst>
+              </a:tr>
+              <a:tr h="205684">
+                <a:tc>
+                  <a:txBody>
+                    <a:bodyPr/>
+                    <a:lstStyle/>
+                    <a:p>
+                      <a:pPr algn="l" fontAlgn="b"/>
+                      <a:r>
+                        <a:rPr lang="en-GB" sz="600" b="0" i="0" u="none" strike="noStrike">
+                          <a:solidFill>
+                            <a:schemeClr val="tx1">
+                              <a:lumMod val="75000"/>
+                              <a:lumOff val="25000"/>
+                            </a:schemeClr>
+                          </a:solidFill>
+                          <a:effectLst/>
+                          <a:latin typeface="Calibri" panose="020F0502020204030204" pitchFamily="34" charset="0"/>
+                        </a:rPr>
+                        <a:t>ANSUW-1</a:t>
+                      </a:r>
+                    </a:p>
+                  </a:txBody>
+                  <a:tcPr marL="96414" marR="50135" marT="50135" marB="50135" anchor="b">
+                    <a:lnL w="12700" cmpd="sng">
+                      <a:noFill/>
+                      <a:prstDash val="solid"/>
+                    </a:lnL>
+                    <a:lnR w="12700" cmpd="sng">
+                      <a:noFill/>
+                      <a:prstDash val="solid"/>
+                    </a:lnR>
+                    <a:lnT w="19050" cap="flat" cmpd="sng" algn="ctr">
+                      <a:solidFill>
+                        <a:srgbClr val="FFFFFF"/>
+                      </a:solidFill>
+                      <a:prstDash val="solid"/>
+                    </a:lnT>
+                    <a:lnB w="19050" cap="flat" cmpd="sng" algn="ctr">
+                      <a:solidFill>
+                        <a:srgbClr val="FFFFFF"/>
+                      </a:solidFill>
+                      <a:prstDash val="solid"/>
+                    </a:lnB>
+                    <a:solidFill>
+                      <a:srgbClr val="B4BCBE">
+                        <a:alpha val="34902"/>
+                      </a:srgbClr>
+                    </a:solidFill>
+                  </a:tcPr>
+                </a:tc>
+                <a:tc>
+                  <a:txBody>
+                    <a:bodyPr/>
+                    <a:lstStyle/>
+                    <a:p>
+                      <a:pPr algn="l" fontAlgn="b"/>
+                      <a:r>
+                        <a:rPr lang="en-GB" sz="600" b="0" i="0" u="none" strike="noStrike">
+                          <a:solidFill>
+                            <a:schemeClr val="tx1">
+                              <a:lumMod val="75000"/>
+                              <a:lumOff val="25000"/>
+                            </a:schemeClr>
+                          </a:solidFill>
+                          <a:effectLst/>
+                          <a:latin typeface="Calibri" panose="020F0502020204030204" pitchFamily="34" charset="0"/>
+                        </a:rPr>
+                        <a:t>An Suidhe 1</a:t>
+                      </a:r>
+                    </a:p>
+                  </a:txBody>
+                  <a:tcPr marL="96414" marR="50135" marT="50135" marB="50135" anchor="b">
+                    <a:lnL w="12700" cmpd="sng">
+                      <a:noFill/>
+                      <a:prstDash val="solid"/>
+                    </a:lnL>
+                    <a:lnR w="12700" cmpd="sng">
+                      <a:noFill/>
+                      <a:prstDash val="solid"/>
+                    </a:lnR>
+                    <a:lnT w="19050" cap="flat" cmpd="sng" algn="ctr">
+                      <a:solidFill>
+                        <a:srgbClr val="FFFFFF"/>
+                      </a:solidFill>
+                      <a:prstDash val="solid"/>
+                    </a:lnT>
+                    <a:lnB w="19050" cap="flat" cmpd="sng" algn="ctr">
+                      <a:solidFill>
+                        <a:srgbClr val="FFFFFF"/>
+                      </a:solidFill>
+                      <a:prstDash val="solid"/>
+                    </a:lnB>
+                    <a:solidFill>
+                      <a:srgbClr val="B4BCBE">
+                        <a:alpha val="34902"/>
+                      </a:srgbClr>
+                    </a:solidFill>
+                  </a:tcPr>
+                </a:tc>
+                <a:tc>
+                  <a:txBody>
+                    <a:bodyPr/>
+                    <a:lstStyle/>
+                    <a:p>
+                      <a:pPr algn="r" fontAlgn="b"/>
+                      <a:r>
+                        <a:rPr lang="en-GB" sz="600" b="0" i="0" u="none" strike="noStrike">
+                          <a:solidFill>
+                            <a:schemeClr val="tx1">
+                              <a:lumMod val="75000"/>
+                              <a:lumOff val="25000"/>
+                            </a:schemeClr>
+                          </a:solidFill>
+                          <a:effectLst/>
+                          <a:latin typeface="Calibri" panose="020F0502020204030204" pitchFamily="34" charset="0"/>
+                        </a:rPr>
+                        <a:t>56.224051</a:t>
+                      </a:r>
+                    </a:p>
+                  </a:txBody>
+                  <a:tcPr marL="96414" marR="50135" marT="50135" marB="50135" anchor="b">
+                    <a:lnL w="12700" cmpd="sng">
+                      <a:noFill/>
+                      <a:prstDash val="solid"/>
+                    </a:lnL>
+                    <a:lnR w="12700" cmpd="sng">
+                      <a:noFill/>
+                      <a:prstDash val="solid"/>
+                    </a:lnR>
+                    <a:lnT w="19050" cap="flat" cmpd="sng" algn="ctr">
+                      <a:solidFill>
+                        <a:srgbClr val="FFFFFF"/>
+                      </a:solidFill>
+                      <a:prstDash val="solid"/>
+                    </a:lnT>
+                    <a:lnB w="19050" cap="flat" cmpd="sng" algn="ctr">
+                      <a:solidFill>
+                        <a:srgbClr val="FFFFFF"/>
+                      </a:solidFill>
+                      <a:prstDash val="solid"/>
+                    </a:lnB>
+                    <a:solidFill>
+                      <a:srgbClr val="B4BCBE">
+                        <a:alpha val="34902"/>
+                      </a:srgbClr>
+                    </a:solidFill>
+                  </a:tcPr>
+                </a:tc>
+                <a:tc>
+                  <a:txBody>
+                    <a:bodyPr/>
+                    <a:lstStyle/>
+                    <a:p>
+                      <a:pPr algn="r" fontAlgn="b"/>
+                      <a:r>
+                        <a:rPr lang="en-GB" sz="600" b="0" i="0" u="none" strike="noStrike">
+                          <a:solidFill>
+                            <a:schemeClr val="tx1">
+                              <a:lumMod val="75000"/>
+                              <a:lumOff val="25000"/>
+                            </a:schemeClr>
+                          </a:solidFill>
+                          <a:effectLst/>
+                          <a:latin typeface="Calibri" panose="020F0502020204030204" pitchFamily="34" charset="0"/>
+                        </a:rPr>
+                        <a:t>-5.21301</a:t>
+                      </a:r>
+                    </a:p>
+                  </a:txBody>
+                  <a:tcPr marL="96414" marR="50135" marT="50135" marB="50135" anchor="b">
+                    <a:lnL w="12700" cmpd="sng">
+                      <a:noFill/>
+                      <a:prstDash val="solid"/>
+                    </a:lnL>
+                    <a:lnR w="12700" cmpd="sng">
+                      <a:noFill/>
+                      <a:prstDash val="solid"/>
+                    </a:lnR>
+                    <a:lnT w="19050" cap="flat" cmpd="sng" algn="ctr">
+                      <a:solidFill>
+                        <a:srgbClr val="FFFFFF"/>
+                      </a:solidFill>
+                      <a:prstDash val="solid"/>
+                    </a:lnT>
+                    <a:lnB w="19050" cap="flat" cmpd="sng" algn="ctr">
+                      <a:solidFill>
+                        <a:srgbClr val="FFFFFF"/>
+                      </a:solidFill>
+                      <a:prstDash val="solid"/>
+                    </a:lnB>
+                    <a:solidFill>
+                      <a:srgbClr val="B4BCBE">
+                        <a:alpha val="34902"/>
+                      </a:srgbClr>
+                    </a:solidFill>
+                  </a:tcPr>
+                </a:tc>
+                <a:tc>
+                  <a:txBody>
+                    <a:bodyPr/>
+                    <a:lstStyle/>
+                    <a:p>
+                      <a:pPr algn="r" fontAlgn="b"/>
+                      <a:r>
+                        <a:rPr lang="en-GB" sz="600" b="0" i="0" u="none" strike="noStrike">
+                          <a:solidFill>
+                            <a:schemeClr val="tx1">
+                              <a:lumMod val="75000"/>
+                              <a:lumOff val="25000"/>
+                            </a:schemeClr>
+                          </a:solidFill>
+                          <a:effectLst/>
+                          <a:latin typeface="Calibri" panose="020F0502020204030204" pitchFamily="34" charset="0"/>
+                        </a:rPr>
+                        <a:t>19.36</a:t>
+                      </a:r>
+                    </a:p>
+                  </a:txBody>
+                  <a:tcPr marL="96414" marR="50135" marT="50135" marB="50135" anchor="b">
+                    <a:lnL w="12700" cmpd="sng">
+                      <a:noFill/>
+                      <a:prstDash val="solid"/>
+                    </a:lnL>
+                    <a:lnR w="12700" cmpd="sng">
+                      <a:noFill/>
+                      <a:prstDash val="solid"/>
+                    </a:lnR>
+                    <a:lnT w="19050" cap="flat" cmpd="sng" algn="ctr">
+                      <a:solidFill>
+                        <a:srgbClr val="FFFFFF"/>
+                      </a:solidFill>
+                      <a:prstDash val="solid"/>
+                    </a:lnT>
+                    <a:lnB w="19050" cap="flat" cmpd="sng" algn="ctr">
+                      <a:solidFill>
+                        <a:srgbClr val="FFFFFF"/>
+                      </a:solidFill>
+                      <a:prstDash val="solid"/>
+                    </a:lnB>
+                    <a:solidFill>
+                      <a:srgbClr val="B4BCBE">
+                        <a:alpha val="34902"/>
+                      </a:srgbClr>
+                    </a:solidFill>
+                  </a:tcPr>
+                </a:tc>
+                <a:extLst>
+                  <a:ext uri="{0D108BD9-81ED-4DB2-BD59-A6C34878D82A}">
+                    <a16:rowId xmlns:a16="http://schemas.microsoft.com/office/drawing/2014/main" val="2451562571"/>
+                  </a:ext>
+                </a:extLst>
+              </a:tr>
+              <a:tr h="205684">
+                <a:tc>
+                  <a:txBody>
+                    <a:bodyPr/>
+                    <a:lstStyle/>
+                    <a:p>
+                      <a:pPr algn="l" fontAlgn="b"/>
+                      <a:r>
+                        <a:rPr lang="en-GB" sz="600" b="0" i="0" u="none" strike="noStrike">
+                          <a:solidFill>
+                            <a:schemeClr val="tx1">
+                              <a:lumMod val="75000"/>
+                              <a:lumOff val="25000"/>
+                            </a:schemeClr>
+                          </a:solidFill>
+                          <a:effectLst/>
+                          <a:latin typeface="Calibri" panose="020F0502020204030204" pitchFamily="34" charset="0"/>
+                        </a:rPr>
+                        <a:t>ARCHW-1</a:t>
+                      </a:r>
+                    </a:p>
+                  </a:txBody>
+                  <a:tcPr marL="96414" marR="50135" marT="50135" marB="50135" anchor="b">
+                    <a:lnL w="12700" cmpd="sng">
+                      <a:noFill/>
+                      <a:prstDash val="solid"/>
+                    </a:lnL>
+                    <a:lnR w="12700" cmpd="sng">
+                      <a:noFill/>
+                      <a:prstDash val="solid"/>
+                    </a:lnR>
+                    <a:lnT w="19050" cap="flat" cmpd="sng" algn="ctr">
+                      <a:solidFill>
+                        <a:srgbClr val="FFFFFF"/>
+                      </a:solidFill>
+                      <a:prstDash val="solid"/>
+                    </a:lnT>
+                    <a:lnB w="19050" cap="flat" cmpd="sng" algn="ctr">
+                      <a:solidFill>
+                        <a:srgbClr val="FFFFFF"/>
+                      </a:solidFill>
+                      <a:prstDash val="solid"/>
+                    </a:lnB>
+                    <a:solidFill>
+                      <a:srgbClr val="B4BCBE">
+                        <a:alpha val="34902"/>
+                      </a:srgbClr>
+                    </a:solidFill>
+                  </a:tcPr>
+                </a:tc>
+                <a:tc>
+                  <a:txBody>
+                    <a:bodyPr/>
+                    <a:lstStyle/>
+                    <a:p>
+                      <a:pPr algn="l" fontAlgn="b"/>
+                      <a:r>
+                        <a:rPr lang="en-GB" sz="600" b="0" i="0" u="none" strike="noStrike">
+                          <a:solidFill>
+                            <a:schemeClr val="tx1">
+                              <a:lumMod val="75000"/>
+                              <a:lumOff val="25000"/>
+                            </a:schemeClr>
+                          </a:solidFill>
+                          <a:effectLst/>
+                          <a:latin typeface="Calibri" panose="020F0502020204030204" pitchFamily="34" charset="0"/>
+                        </a:rPr>
+                        <a:t>Arecleoch Wind Farm</a:t>
+                      </a:r>
+                    </a:p>
+                  </a:txBody>
+                  <a:tcPr marL="96414" marR="50135" marT="50135" marB="50135" anchor="b">
+                    <a:lnL w="12700" cmpd="sng">
+                      <a:noFill/>
+                      <a:prstDash val="solid"/>
+                    </a:lnL>
+                    <a:lnR w="12700" cmpd="sng">
+                      <a:noFill/>
+                      <a:prstDash val="solid"/>
+                    </a:lnR>
+                    <a:lnT w="19050" cap="flat" cmpd="sng" algn="ctr">
+                      <a:solidFill>
+                        <a:srgbClr val="FFFFFF"/>
+                      </a:solidFill>
+                      <a:prstDash val="solid"/>
+                    </a:lnT>
+                    <a:lnB w="19050" cap="flat" cmpd="sng" algn="ctr">
+                      <a:solidFill>
+                        <a:srgbClr val="FFFFFF"/>
+                      </a:solidFill>
+                      <a:prstDash val="solid"/>
+                    </a:lnB>
+                    <a:solidFill>
+                      <a:srgbClr val="B4BCBE">
+                        <a:alpha val="34902"/>
+                      </a:srgbClr>
+                    </a:solidFill>
+                  </a:tcPr>
+                </a:tc>
+                <a:tc>
+                  <a:txBody>
+                    <a:bodyPr/>
+                    <a:lstStyle/>
+                    <a:p>
+                      <a:pPr algn="r" fontAlgn="b"/>
+                      <a:r>
+                        <a:rPr lang="en-GB" sz="600" b="0" i="0" u="none" strike="noStrike">
+                          <a:solidFill>
+                            <a:schemeClr val="tx1">
+                              <a:lumMod val="75000"/>
+                              <a:lumOff val="25000"/>
+                            </a:schemeClr>
+                          </a:solidFill>
+                          <a:effectLst/>
+                          <a:latin typeface="Calibri" panose="020F0502020204030204" pitchFamily="34" charset="0"/>
+                        </a:rPr>
+                        <a:t>55.0416812</a:t>
+                      </a:r>
+                    </a:p>
+                  </a:txBody>
+                  <a:tcPr marL="96414" marR="50135" marT="50135" marB="50135" anchor="b">
+                    <a:lnL w="12700" cmpd="sng">
+                      <a:noFill/>
+                      <a:prstDash val="solid"/>
+                    </a:lnL>
+                    <a:lnR w="12700" cmpd="sng">
+                      <a:noFill/>
+                      <a:prstDash val="solid"/>
+                    </a:lnR>
+                    <a:lnT w="19050" cap="flat" cmpd="sng" algn="ctr">
+                      <a:solidFill>
+                        <a:srgbClr val="FFFFFF"/>
+                      </a:solidFill>
+                      <a:prstDash val="solid"/>
+                    </a:lnT>
+                    <a:lnB w="19050" cap="flat" cmpd="sng" algn="ctr">
+                      <a:solidFill>
+                        <a:srgbClr val="FFFFFF"/>
+                      </a:solidFill>
+                      <a:prstDash val="solid"/>
+                    </a:lnB>
+                    <a:solidFill>
+                      <a:srgbClr val="B4BCBE">
+                        <a:alpha val="34902"/>
+                      </a:srgbClr>
+                    </a:solidFill>
+                  </a:tcPr>
+                </a:tc>
+                <a:tc>
+                  <a:txBody>
+                    <a:bodyPr/>
+                    <a:lstStyle/>
+                    <a:p>
+                      <a:pPr algn="r" fontAlgn="b"/>
+                      <a:r>
+                        <a:rPr lang="en-GB" sz="600" b="0" i="0" u="none" strike="noStrike">
+                          <a:solidFill>
+                            <a:schemeClr val="tx1">
+                              <a:lumMod val="75000"/>
+                              <a:lumOff val="25000"/>
+                            </a:schemeClr>
+                          </a:solidFill>
+                          <a:effectLst/>
+                          <a:latin typeface="Calibri" panose="020F0502020204030204" pitchFamily="34" charset="0"/>
+                        </a:rPr>
+                        <a:t>-4.77074</a:t>
+                      </a:r>
+                    </a:p>
+                  </a:txBody>
+                  <a:tcPr marL="96414" marR="50135" marT="50135" marB="50135" anchor="b">
+                    <a:lnL w="12700" cmpd="sng">
+                      <a:noFill/>
+                      <a:prstDash val="solid"/>
+                    </a:lnL>
+                    <a:lnR w="12700" cmpd="sng">
+                      <a:noFill/>
+                      <a:prstDash val="solid"/>
+                    </a:lnR>
+                    <a:lnT w="19050" cap="flat" cmpd="sng" algn="ctr">
+                      <a:solidFill>
+                        <a:srgbClr val="FFFFFF"/>
+                      </a:solidFill>
+                      <a:prstDash val="solid"/>
+                    </a:lnT>
+                    <a:lnB w="19050" cap="flat" cmpd="sng" algn="ctr">
+                      <a:solidFill>
+                        <a:srgbClr val="FFFFFF"/>
+                      </a:solidFill>
+                      <a:prstDash val="solid"/>
+                    </a:lnB>
+                    <a:solidFill>
+                      <a:srgbClr val="B4BCBE">
+                        <a:alpha val="34902"/>
+                      </a:srgbClr>
+                    </a:solidFill>
+                  </a:tcPr>
+                </a:tc>
+                <a:tc>
+                  <a:txBody>
+                    <a:bodyPr/>
+                    <a:lstStyle/>
+                    <a:p>
+                      <a:pPr algn="r" fontAlgn="b"/>
+                      <a:r>
+                        <a:rPr lang="en-GB" sz="600" b="0" i="0" u="none" strike="noStrike">
+                          <a:solidFill>
+                            <a:schemeClr val="tx1">
+                              <a:lumMod val="75000"/>
+                              <a:lumOff val="25000"/>
+                            </a:schemeClr>
+                          </a:solidFill>
+                          <a:effectLst/>
+                          <a:latin typeface="Calibri" panose="020F0502020204030204" pitchFamily="34" charset="0"/>
+                        </a:rPr>
+                        <a:t>120</a:t>
+                      </a:r>
+                    </a:p>
+                  </a:txBody>
+                  <a:tcPr marL="96414" marR="50135" marT="50135" marB="50135" anchor="b">
+                    <a:lnL w="12700" cmpd="sng">
+                      <a:noFill/>
+                      <a:prstDash val="solid"/>
+                    </a:lnL>
+                    <a:lnR w="12700" cmpd="sng">
+                      <a:noFill/>
+                      <a:prstDash val="solid"/>
+                    </a:lnR>
+                    <a:lnT w="19050" cap="flat" cmpd="sng" algn="ctr">
+                      <a:solidFill>
+                        <a:srgbClr val="FFFFFF"/>
+                      </a:solidFill>
+                      <a:prstDash val="solid"/>
+                    </a:lnT>
+                    <a:lnB w="19050" cap="flat" cmpd="sng" algn="ctr">
+                      <a:solidFill>
+                        <a:srgbClr val="FFFFFF"/>
+                      </a:solidFill>
+                      <a:prstDash val="solid"/>
+                    </a:lnB>
+                    <a:solidFill>
+                      <a:srgbClr val="B4BCBE">
+                        <a:alpha val="34902"/>
+                      </a:srgbClr>
+                    </a:solidFill>
+                  </a:tcPr>
+                </a:tc>
+                <a:extLst>
+                  <a:ext uri="{0D108BD9-81ED-4DB2-BD59-A6C34878D82A}">
+                    <a16:rowId xmlns:a16="http://schemas.microsoft.com/office/drawing/2014/main" val="3821896335"/>
+                  </a:ext>
+                </a:extLst>
+              </a:tr>
+              <a:tr h="205684">
+                <a:tc>
+                  <a:txBody>
+                    <a:bodyPr/>
+                    <a:lstStyle/>
+                    <a:p>
+                      <a:pPr algn="l" fontAlgn="b"/>
+                      <a:r>
+                        <a:rPr lang="en-GB" sz="600" b="0" i="0" u="none" strike="noStrike">
+                          <a:solidFill>
+                            <a:schemeClr val="tx1">
+                              <a:lumMod val="75000"/>
+                              <a:lumOff val="25000"/>
+                            </a:schemeClr>
+                          </a:solidFill>
+                          <a:effectLst/>
+                          <a:latin typeface="Calibri" panose="020F0502020204030204" pitchFamily="34" charset="0"/>
+                        </a:rPr>
+                        <a:t>BEINW-1</a:t>
+                      </a:r>
+                    </a:p>
+                  </a:txBody>
+                  <a:tcPr marL="96414" marR="50135" marT="50135" marB="50135" anchor="b">
+                    <a:lnL w="12700" cmpd="sng">
+                      <a:noFill/>
+                      <a:prstDash val="solid"/>
+                    </a:lnL>
+                    <a:lnR w="12700" cmpd="sng">
+                      <a:noFill/>
+                      <a:prstDash val="solid"/>
+                    </a:lnR>
+                    <a:lnT w="19050" cap="flat" cmpd="sng" algn="ctr">
+                      <a:solidFill>
+                        <a:srgbClr val="FFFFFF"/>
+                      </a:solidFill>
+                      <a:prstDash val="solid"/>
+                    </a:lnT>
+                    <a:lnB w="19050" cap="flat" cmpd="sng" algn="ctr">
+                      <a:solidFill>
+                        <a:srgbClr val="FFFFFF"/>
+                      </a:solidFill>
+                      <a:prstDash val="solid"/>
+                    </a:lnB>
+                    <a:solidFill>
+                      <a:srgbClr val="B4BCBE">
+                        <a:alpha val="34902"/>
+                      </a:srgbClr>
+                    </a:solidFill>
+                  </a:tcPr>
+                </a:tc>
+                <a:tc>
+                  <a:txBody>
+                    <a:bodyPr/>
+                    <a:lstStyle/>
+                    <a:p>
+                      <a:pPr algn="l" fontAlgn="b"/>
+                      <a:r>
+                        <a:rPr lang="en-GB" sz="600" b="0" i="0" u="none" strike="noStrike">
+                          <a:solidFill>
+                            <a:schemeClr val="tx1">
+                              <a:lumMod val="75000"/>
+                              <a:lumOff val="25000"/>
+                            </a:schemeClr>
+                          </a:solidFill>
+                          <a:effectLst/>
+                          <a:latin typeface="Calibri" panose="020F0502020204030204" pitchFamily="34" charset="0"/>
+                        </a:rPr>
+                        <a:t>Beinneun Wind farm</a:t>
+                      </a:r>
+                    </a:p>
+                  </a:txBody>
+                  <a:tcPr marL="96414" marR="50135" marT="50135" marB="50135" anchor="b">
+                    <a:lnL w="12700" cmpd="sng">
+                      <a:noFill/>
+                      <a:prstDash val="solid"/>
+                    </a:lnL>
+                    <a:lnR w="12700" cmpd="sng">
+                      <a:noFill/>
+                      <a:prstDash val="solid"/>
+                    </a:lnR>
+                    <a:lnT w="19050" cap="flat" cmpd="sng" algn="ctr">
+                      <a:solidFill>
+                        <a:srgbClr val="FFFFFF"/>
+                      </a:solidFill>
+                      <a:prstDash val="solid"/>
+                    </a:lnT>
+                    <a:lnB w="19050" cap="flat" cmpd="sng" algn="ctr">
+                      <a:solidFill>
+                        <a:srgbClr val="FFFFFF"/>
+                      </a:solidFill>
+                      <a:prstDash val="solid"/>
+                    </a:lnB>
+                    <a:solidFill>
+                      <a:srgbClr val="B4BCBE">
+                        <a:alpha val="34902"/>
+                      </a:srgbClr>
+                    </a:solidFill>
+                  </a:tcPr>
+                </a:tc>
+                <a:tc>
+                  <a:txBody>
+                    <a:bodyPr/>
+                    <a:lstStyle/>
+                    <a:p>
+                      <a:pPr algn="r" fontAlgn="b"/>
+                      <a:r>
+                        <a:rPr lang="en-GB" sz="600" b="0" i="0" u="none" strike="noStrike">
+                          <a:solidFill>
+                            <a:schemeClr val="tx1">
+                              <a:lumMod val="75000"/>
+                              <a:lumOff val="25000"/>
+                            </a:schemeClr>
+                          </a:solidFill>
+                          <a:effectLst/>
+                          <a:latin typeface="Calibri" panose="020F0502020204030204" pitchFamily="34" charset="0"/>
+                        </a:rPr>
+                        <a:t>57.17827288</a:t>
+                      </a:r>
+                    </a:p>
+                  </a:txBody>
+                  <a:tcPr marL="96414" marR="50135" marT="50135" marB="50135" anchor="b">
+                    <a:lnL w="12700" cmpd="sng">
+                      <a:noFill/>
+                      <a:prstDash val="solid"/>
+                    </a:lnL>
+                    <a:lnR w="12700" cmpd="sng">
+                      <a:noFill/>
+                      <a:prstDash val="solid"/>
+                    </a:lnR>
+                    <a:lnT w="19050" cap="flat" cmpd="sng" algn="ctr">
+                      <a:solidFill>
+                        <a:srgbClr val="FFFFFF"/>
+                      </a:solidFill>
+                      <a:prstDash val="solid"/>
+                    </a:lnT>
+                    <a:lnB w="19050" cap="flat" cmpd="sng" algn="ctr">
+                      <a:solidFill>
+                        <a:srgbClr val="FFFFFF"/>
+                      </a:solidFill>
+                      <a:prstDash val="solid"/>
+                    </a:lnB>
+                    <a:solidFill>
+                      <a:srgbClr val="B4BCBE">
+                        <a:alpha val="34902"/>
+                      </a:srgbClr>
+                    </a:solidFill>
+                  </a:tcPr>
+                </a:tc>
+                <a:tc>
+                  <a:txBody>
+                    <a:bodyPr/>
+                    <a:lstStyle/>
+                    <a:p>
+                      <a:pPr algn="r" fontAlgn="b"/>
+                      <a:r>
+                        <a:rPr lang="en-GB" sz="600" b="0" i="0" u="none" strike="noStrike">
+                          <a:solidFill>
+                            <a:schemeClr val="tx1">
+                              <a:lumMod val="75000"/>
+                              <a:lumOff val="25000"/>
+                            </a:schemeClr>
+                          </a:solidFill>
+                          <a:effectLst/>
+                          <a:latin typeface="Calibri" panose="020F0502020204030204" pitchFamily="34" charset="0"/>
+                        </a:rPr>
+                        <a:t>-4.82109</a:t>
+                      </a:r>
+                    </a:p>
+                  </a:txBody>
+                  <a:tcPr marL="96414" marR="50135" marT="50135" marB="50135" anchor="b">
+                    <a:lnL w="12700" cmpd="sng">
+                      <a:noFill/>
+                      <a:prstDash val="solid"/>
+                    </a:lnL>
+                    <a:lnR w="12700" cmpd="sng">
+                      <a:noFill/>
+                      <a:prstDash val="solid"/>
+                    </a:lnR>
+                    <a:lnT w="19050" cap="flat" cmpd="sng" algn="ctr">
+                      <a:solidFill>
+                        <a:srgbClr val="FFFFFF"/>
+                      </a:solidFill>
+                      <a:prstDash val="solid"/>
+                    </a:lnT>
+                    <a:lnB w="19050" cap="flat" cmpd="sng" algn="ctr">
+                      <a:solidFill>
+                        <a:srgbClr val="FFFFFF"/>
+                      </a:solidFill>
+                      <a:prstDash val="solid"/>
+                    </a:lnB>
+                    <a:solidFill>
+                      <a:srgbClr val="B4BCBE">
+                        <a:alpha val="34902"/>
+                      </a:srgbClr>
+                    </a:solidFill>
+                  </a:tcPr>
+                </a:tc>
+                <a:tc>
+                  <a:txBody>
+                    <a:bodyPr/>
+                    <a:lstStyle/>
+                    <a:p>
+                      <a:pPr algn="r" fontAlgn="b"/>
+                      <a:r>
+                        <a:rPr lang="en-GB" sz="600" b="0" i="0" u="none" strike="noStrike">
+                          <a:solidFill>
+                            <a:schemeClr val="tx1">
+                              <a:lumMod val="75000"/>
+                              <a:lumOff val="25000"/>
+                            </a:schemeClr>
+                          </a:solidFill>
+                          <a:effectLst/>
+                          <a:latin typeface="Calibri" panose="020F0502020204030204" pitchFamily="34" charset="0"/>
+                        </a:rPr>
+                        <a:t>108.8</a:t>
+                      </a:r>
+                    </a:p>
+                  </a:txBody>
+                  <a:tcPr marL="96414" marR="50135" marT="50135" marB="50135" anchor="b">
+                    <a:lnL w="12700" cmpd="sng">
+                      <a:noFill/>
+                      <a:prstDash val="solid"/>
+                    </a:lnL>
+                    <a:lnR w="12700" cmpd="sng">
+                      <a:noFill/>
+                      <a:prstDash val="solid"/>
+                    </a:lnR>
+                    <a:lnT w="19050" cap="flat" cmpd="sng" algn="ctr">
+                      <a:solidFill>
+                        <a:srgbClr val="FFFFFF"/>
+                      </a:solidFill>
+                      <a:prstDash val="solid"/>
+                    </a:lnT>
+                    <a:lnB w="19050" cap="flat" cmpd="sng" algn="ctr">
+                      <a:solidFill>
+                        <a:srgbClr val="FFFFFF"/>
+                      </a:solidFill>
+                      <a:prstDash val="solid"/>
+                    </a:lnB>
+                    <a:solidFill>
+                      <a:srgbClr val="B4BCBE">
+                        <a:alpha val="34902"/>
+                      </a:srgbClr>
+                    </a:solidFill>
+                  </a:tcPr>
+                </a:tc>
+                <a:extLst>
+                  <a:ext uri="{0D108BD9-81ED-4DB2-BD59-A6C34878D82A}">
+                    <a16:rowId xmlns:a16="http://schemas.microsoft.com/office/drawing/2014/main" val="2878837519"/>
+                  </a:ext>
+                </a:extLst>
+              </a:tr>
+              <a:tr h="205684">
+                <a:tc>
+                  <a:txBody>
+                    <a:bodyPr/>
+                    <a:lstStyle/>
+                    <a:p>
+                      <a:pPr algn="l" fontAlgn="b"/>
+                      <a:r>
+                        <a:rPr lang="en-GB" sz="600" b="0" i="0" u="none" strike="noStrike">
+                          <a:solidFill>
+                            <a:schemeClr val="tx1">
+                              <a:lumMod val="75000"/>
+                              <a:lumOff val="25000"/>
+                            </a:schemeClr>
+                          </a:solidFill>
+                          <a:effectLst/>
+                          <a:latin typeface="Calibri" panose="020F0502020204030204" pitchFamily="34" charset="0"/>
+                        </a:rPr>
+                        <a:t>BETHW-1</a:t>
+                      </a:r>
+                    </a:p>
+                  </a:txBody>
+                  <a:tcPr marL="96414" marR="50135" marT="50135" marB="50135" anchor="b">
+                    <a:lnL w="12700" cmpd="sng">
+                      <a:noFill/>
+                      <a:prstDash val="solid"/>
+                    </a:lnL>
+                    <a:lnR w="12700" cmpd="sng">
+                      <a:noFill/>
+                      <a:prstDash val="solid"/>
+                    </a:lnR>
+                    <a:lnT w="19050" cap="flat" cmpd="sng" algn="ctr">
+                      <a:solidFill>
+                        <a:srgbClr val="FFFFFF"/>
+                      </a:solidFill>
+                      <a:prstDash val="solid"/>
+                    </a:lnT>
+                    <a:lnB w="19050" cap="flat" cmpd="sng" algn="ctr">
+                      <a:solidFill>
+                        <a:srgbClr val="FFFFFF"/>
+                      </a:solidFill>
+                      <a:prstDash val="solid"/>
+                    </a:lnB>
+                    <a:solidFill>
+                      <a:srgbClr val="B4BCBE">
+                        <a:alpha val="34902"/>
+                      </a:srgbClr>
+                    </a:solidFill>
+                  </a:tcPr>
+                </a:tc>
+                <a:tc>
+                  <a:txBody>
+                    <a:bodyPr/>
+                    <a:lstStyle/>
+                    <a:p>
+                      <a:pPr algn="l" fontAlgn="b"/>
+                      <a:r>
+                        <a:rPr lang="en-GB" sz="600" b="0" i="0" u="none" strike="noStrike">
+                          <a:solidFill>
+                            <a:schemeClr val="tx1">
+                              <a:lumMod val="75000"/>
+                              <a:lumOff val="25000"/>
+                            </a:schemeClr>
+                          </a:solidFill>
+                          <a:effectLst/>
+                          <a:latin typeface="Calibri" panose="020F0502020204030204" pitchFamily="34" charset="0"/>
+                        </a:rPr>
+                        <a:t>Beinn Tharsuinn</a:t>
+                      </a:r>
+                    </a:p>
+                  </a:txBody>
+                  <a:tcPr marL="96414" marR="50135" marT="50135" marB="50135" anchor="b">
+                    <a:lnL w="12700" cmpd="sng">
+                      <a:noFill/>
+                      <a:prstDash val="solid"/>
+                    </a:lnL>
+                    <a:lnR w="12700" cmpd="sng">
+                      <a:noFill/>
+                      <a:prstDash val="solid"/>
+                    </a:lnR>
+                    <a:lnT w="19050" cap="flat" cmpd="sng" algn="ctr">
+                      <a:solidFill>
+                        <a:srgbClr val="FFFFFF"/>
+                      </a:solidFill>
+                      <a:prstDash val="solid"/>
+                    </a:lnT>
+                    <a:lnB w="19050" cap="flat" cmpd="sng" algn="ctr">
+                      <a:solidFill>
+                        <a:srgbClr val="FFFFFF"/>
+                      </a:solidFill>
+                      <a:prstDash val="solid"/>
+                    </a:lnB>
+                    <a:solidFill>
+                      <a:srgbClr val="B4BCBE">
+                        <a:alpha val="34902"/>
+                      </a:srgbClr>
+                    </a:solidFill>
+                  </a:tcPr>
+                </a:tc>
+                <a:tc>
+                  <a:txBody>
+                    <a:bodyPr/>
+                    <a:lstStyle/>
+                    <a:p>
+                      <a:pPr algn="r" fontAlgn="b"/>
+                      <a:r>
+                        <a:rPr lang="en-GB" sz="600" b="0" i="0" u="none" strike="noStrike">
+                          <a:solidFill>
+                            <a:schemeClr val="tx1">
+                              <a:lumMod val="75000"/>
+                              <a:lumOff val="25000"/>
+                            </a:schemeClr>
+                          </a:solidFill>
+                          <a:effectLst/>
+                          <a:latin typeface="Calibri" panose="020F0502020204030204" pitchFamily="34" charset="0"/>
+                        </a:rPr>
+                        <a:t>57.80099228</a:t>
+                      </a:r>
+                    </a:p>
+                  </a:txBody>
+                  <a:tcPr marL="96414" marR="50135" marT="50135" marB="50135" anchor="b">
+                    <a:lnL w="12700" cmpd="sng">
+                      <a:noFill/>
+                      <a:prstDash val="solid"/>
+                    </a:lnL>
+                    <a:lnR w="12700" cmpd="sng">
+                      <a:noFill/>
+                      <a:prstDash val="solid"/>
+                    </a:lnR>
+                    <a:lnT w="19050" cap="flat" cmpd="sng" algn="ctr">
+                      <a:solidFill>
+                        <a:srgbClr val="FFFFFF"/>
+                      </a:solidFill>
+                      <a:prstDash val="solid"/>
+                    </a:lnT>
+                    <a:lnB w="19050" cap="flat" cmpd="sng" algn="ctr">
+                      <a:solidFill>
+                        <a:srgbClr val="FFFFFF"/>
+                      </a:solidFill>
+                      <a:prstDash val="solid"/>
+                    </a:lnB>
+                    <a:solidFill>
+                      <a:srgbClr val="B4BCBE">
+                        <a:alpha val="34902"/>
+                      </a:srgbClr>
+                    </a:solidFill>
+                  </a:tcPr>
+                </a:tc>
+                <a:tc>
+                  <a:txBody>
+                    <a:bodyPr/>
+                    <a:lstStyle/>
+                    <a:p>
+                      <a:pPr algn="r" fontAlgn="b"/>
+                      <a:r>
+                        <a:rPr lang="en-GB" sz="600" b="0" i="0" u="none" strike="noStrike">
+                          <a:solidFill>
+                            <a:schemeClr val="tx1">
+                              <a:lumMod val="75000"/>
+                              <a:lumOff val="25000"/>
+                            </a:schemeClr>
+                          </a:solidFill>
+                          <a:effectLst/>
+                          <a:latin typeface="Calibri" panose="020F0502020204030204" pitchFamily="34" charset="0"/>
+                        </a:rPr>
+                        <a:t>-4.33468</a:t>
+                      </a:r>
+                    </a:p>
+                  </a:txBody>
+                  <a:tcPr marL="96414" marR="50135" marT="50135" marB="50135" anchor="b">
+                    <a:lnL w="12700" cmpd="sng">
+                      <a:noFill/>
+                      <a:prstDash val="solid"/>
+                    </a:lnL>
+                    <a:lnR w="12700" cmpd="sng">
+                      <a:noFill/>
+                      <a:prstDash val="solid"/>
+                    </a:lnR>
+                    <a:lnT w="19050" cap="flat" cmpd="sng" algn="ctr">
+                      <a:solidFill>
+                        <a:srgbClr val="FFFFFF"/>
+                      </a:solidFill>
+                      <a:prstDash val="solid"/>
+                    </a:lnT>
+                    <a:lnB w="19050" cap="flat" cmpd="sng" algn="ctr">
+                      <a:solidFill>
+                        <a:srgbClr val="FFFFFF"/>
+                      </a:solidFill>
+                      <a:prstDash val="solid"/>
+                    </a:lnB>
+                    <a:solidFill>
+                      <a:srgbClr val="B4BCBE">
+                        <a:alpha val="34902"/>
+                      </a:srgbClr>
+                    </a:solidFill>
+                  </a:tcPr>
+                </a:tc>
+                <a:tc>
+                  <a:txBody>
+                    <a:bodyPr/>
+                    <a:lstStyle/>
+                    <a:p>
+                      <a:pPr algn="r" fontAlgn="b"/>
+                      <a:r>
+                        <a:rPr lang="en-GB" sz="600" b="0" i="0" u="none" strike="noStrike">
+                          <a:solidFill>
+                            <a:schemeClr val="tx1">
+                              <a:lumMod val="75000"/>
+                              <a:lumOff val="25000"/>
+                            </a:schemeClr>
+                          </a:solidFill>
+                          <a:effectLst/>
+                          <a:latin typeface="Calibri" panose="020F0502020204030204" pitchFamily="34" charset="0"/>
+                        </a:rPr>
+                        <a:t>29.75</a:t>
+                      </a:r>
+                    </a:p>
+                  </a:txBody>
+                  <a:tcPr marL="96414" marR="50135" marT="50135" marB="50135" anchor="b">
+                    <a:lnL w="12700" cmpd="sng">
+                      <a:noFill/>
+                      <a:prstDash val="solid"/>
+                    </a:lnL>
+                    <a:lnR w="12700" cmpd="sng">
+                      <a:noFill/>
+                      <a:prstDash val="solid"/>
+                    </a:lnR>
+                    <a:lnT w="19050" cap="flat" cmpd="sng" algn="ctr">
+                      <a:solidFill>
+                        <a:srgbClr val="FFFFFF"/>
+                      </a:solidFill>
+                      <a:prstDash val="solid"/>
+                    </a:lnT>
+                    <a:lnB w="19050" cap="flat" cmpd="sng" algn="ctr">
+                      <a:solidFill>
+                        <a:srgbClr val="FFFFFF"/>
+                      </a:solidFill>
+                      <a:prstDash val="solid"/>
+                    </a:lnB>
+                    <a:solidFill>
+                      <a:srgbClr val="B4BCBE">
+                        <a:alpha val="34902"/>
+                      </a:srgbClr>
+                    </a:solidFill>
+                  </a:tcPr>
+                </a:tc>
+                <a:extLst>
+                  <a:ext uri="{0D108BD9-81ED-4DB2-BD59-A6C34878D82A}">
+                    <a16:rowId xmlns:a16="http://schemas.microsoft.com/office/drawing/2014/main" val="3234891940"/>
+                  </a:ext>
+                </a:extLst>
+              </a:tr>
+              <a:tr h="205684">
+                <a:tc>
+                  <a:txBody>
+                    <a:bodyPr/>
+                    <a:lstStyle/>
+                    <a:p>
+                      <a:pPr algn="l" fontAlgn="b"/>
+                      <a:r>
+                        <a:rPr lang="en-GB" sz="600" b="0" i="0" u="none" strike="noStrike">
+                          <a:solidFill>
+                            <a:schemeClr val="tx1">
+                              <a:lumMod val="75000"/>
+                              <a:lumOff val="25000"/>
+                            </a:schemeClr>
+                          </a:solidFill>
+                          <a:effectLst/>
+                          <a:latin typeface="Calibri" panose="020F0502020204030204" pitchFamily="34" charset="0"/>
+                        </a:rPr>
+                        <a:t>BHLAW-1</a:t>
+                      </a:r>
+                    </a:p>
+                  </a:txBody>
+                  <a:tcPr marL="96414" marR="50135" marT="50135" marB="50135" anchor="b">
+                    <a:lnL w="12700" cmpd="sng">
+                      <a:noFill/>
+                      <a:prstDash val="solid"/>
+                    </a:lnL>
+                    <a:lnR w="12700" cmpd="sng">
+                      <a:noFill/>
+                      <a:prstDash val="solid"/>
+                    </a:lnR>
+                    <a:lnT w="19050" cap="flat" cmpd="sng" algn="ctr">
+                      <a:solidFill>
+                        <a:srgbClr val="FFFFFF"/>
+                      </a:solidFill>
+                      <a:prstDash val="solid"/>
+                    </a:lnT>
+                    <a:lnB w="19050" cap="flat" cmpd="sng" algn="ctr">
+                      <a:solidFill>
+                        <a:srgbClr val="FFFFFF"/>
+                      </a:solidFill>
+                      <a:prstDash val="solid"/>
+                    </a:lnB>
+                    <a:solidFill>
+                      <a:srgbClr val="B4BCBE">
+                        <a:alpha val="34902"/>
+                      </a:srgbClr>
+                    </a:solidFill>
+                  </a:tcPr>
+                </a:tc>
+                <a:tc>
+                  <a:txBody>
+                    <a:bodyPr/>
+                    <a:lstStyle/>
+                    <a:p>
+                      <a:pPr algn="l" fontAlgn="b"/>
+                      <a:r>
+                        <a:rPr lang="en-GB" sz="600" b="0" i="0" u="none" strike="noStrike">
+                          <a:solidFill>
+                            <a:schemeClr val="tx1">
+                              <a:lumMod val="75000"/>
+                              <a:lumOff val="25000"/>
+                            </a:schemeClr>
+                          </a:solidFill>
+                          <a:effectLst/>
+                          <a:latin typeface="Calibri" panose="020F0502020204030204" pitchFamily="34" charset="0"/>
+                        </a:rPr>
+                        <a:t>Bhlaraidh Windfarm 1</a:t>
+                      </a:r>
+                    </a:p>
+                  </a:txBody>
+                  <a:tcPr marL="96414" marR="50135" marT="50135" marB="50135" anchor="b">
+                    <a:lnL w="12700" cmpd="sng">
+                      <a:noFill/>
+                      <a:prstDash val="solid"/>
+                    </a:lnL>
+                    <a:lnR w="12700" cmpd="sng">
+                      <a:noFill/>
+                      <a:prstDash val="solid"/>
+                    </a:lnR>
+                    <a:lnT w="19050" cap="flat" cmpd="sng" algn="ctr">
+                      <a:solidFill>
+                        <a:srgbClr val="FFFFFF"/>
+                      </a:solidFill>
+                      <a:prstDash val="solid"/>
+                    </a:lnT>
+                    <a:lnB w="19050" cap="flat" cmpd="sng" algn="ctr">
+                      <a:solidFill>
+                        <a:srgbClr val="FFFFFF"/>
+                      </a:solidFill>
+                      <a:prstDash val="solid"/>
+                    </a:lnB>
+                    <a:solidFill>
+                      <a:srgbClr val="B4BCBE">
+                        <a:alpha val="34902"/>
+                      </a:srgbClr>
+                    </a:solidFill>
+                  </a:tcPr>
+                </a:tc>
+                <a:tc>
+                  <a:txBody>
+                    <a:bodyPr/>
+                    <a:lstStyle/>
+                    <a:p>
+                      <a:pPr algn="r" fontAlgn="b"/>
+                      <a:r>
+                        <a:rPr lang="en-GB" sz="600" b="0" i="0" u="none" strike="noStrike">
+                          <a:solidFill>
+                            <a:schemeClr val="tx1">
+                              <a:lumMod val="75000"/>
+                              <a:lumOff val="25000"/>
+                            </a:schemeClr>
+                          </a:solidFill>
+                          <a:effectLst/>
+                          <a:latin typeface="Calibri" panose="020F0502020204030204" pitchFamily="34" charset="0"/>
+                        </a:rPr>
+                        <a:t>57.23963581</a:t>
+                      </a:r>
+                    </a:p>
+                  </a:txBody>
+                  <a:tcPr marL="96414" marR="50135" marT="50135" marB="50135" anchor="b">
+                    <a:lnL w="12700" cmpd="sng">
+                      <a:noFill/>
+                      <a:prstDash val="solid"/>
+                    </a:lnL>
+                    <a:lnR w="12700" cmpd="sng">
+                      <a:noFill/>
+                      <a:prstDash val="solid"/>
+                    </a:lnR>
+                    <a:lnT w="19050" cap="flat" cmpd="sng" algn="ctr">
+                      <a:solidFill>
+                        <a:srgbClr val="FFFFFF"/>
+                      </a:solidFill>
+                      <a:prstDash val="solid"/>
+                    </a:lnT>
+                    <a:lnB w="19050" cap="flat" cmpd="sng" algn="ctr">
+                      <a:solidFill>
+                        <a:srgbClr val="FFFFFF"/>
+                      </a:solidFill>
+                      <a:prstDash val="solid"/>
+                    </a:lnB>
+                    <a:solidFill>
+                      <a:srgbClr val="B4BCBE">
+                        <a:alpha val="34902"/>
+                      </a:srgbClr>
+                    </a:solidFill>
+                  </a:tcPr>
+                </a:tc>
+                <a:tc>
+                  <a:txBody>
+                    <a:bodyPr/>
+                    <a:lstStyle/>
+                    <a:p>
+                      <a:pPr algn="r" fontAlgn="b"/>
+                      <a:r>
+                        <a:rPr lang="en-GB" sz="600" b="0" i="0" u="none" strike="noStrike">
+                          <a:solidFill>
+                            <a:schemeClr val="tx1">
+                              <a:lumMod val="75000"/>
+                              <a:lumOff val="25000"/>
+                            </a:schemeClr>
+                          </a:solidFill>
+                          <a:effectLst/>
+                          <a:latin typeface="Calibri" panose="020F0502020204030204" pitchFamily="34" charset="0"/>
+                        </a:rPr>
+                        <a:t>-4.69546</a:t>
+                      </a:r>
+                    </a:p>
+                  </a:txBody>
+                  <a:tcPr marL="96414" marR="50135" marT="50135" marB="50135" anchor="b">
+                    <a:lnL w="12700" cmpd="sng">
+                      <a:noFill/>
+                      <a:prstDash val="solid"/>
+                    </a:lnL>
+                    <a:lnR w="12700" cmpd="sng">
+                      <a:noFill/>
+                      <a:prstDash val="solid"/>
+                    </a:lnR>
+                    <a:lnT w="19050" cap="flat" cmpd="sng" algn="ctr">
+                      <a:solidFill>
+                        <a:srgbClr val="FFFFFF"/>
+                      </a:solidFill>
+                      <a:prstDash val="solid"/>
+                    </a:lnT>
+                    <a:lnB w="19050" cap="flat" cmpd="sng" algn="ctr">
+                      <a:solidFill>
+                        <a:srgbClr val="FFFFFF"/>
+                      </a:solidFill>
+                      <a:prstDash val="solid"/>
+                    </a:lnB>
+                    <a:solidFill>
+                      <a:srgbClr val="B4BCBE">
+                        <a:alpha val="34902"/>
+                      </a:srgbClr>
+                    </a:solidFill>
+                  </a:tcPr>
+                </a:tc>
+                <a:tc>
+                  <a:txBody>
+                    <a:bodyPr/>
+                    <a:lstStyle/>
+                    <a:p>
+                      <a:pPr algn="r" fontAlgn="b"/>
+                      <a:r>
+                        <a:rPr lang="en-GB" sz="600" b="0" i="0" u="none" strike="noStrike">
+                          <a:solidFill>
+                            <a:schemeClr val="tx1">
+                              <a:lumMod val="75000"/>
+                              <a:lumOff val="25000"/>
+                            </a:schemeClr>
+                          </a:solidFill>
+                          <a:effectLst/>
+                          <a:latin typeface="Calibri" panose="020F0502020204030204" pitchFamily="34" charset="0"/>
+                        </a:rPr>
+                        <a:t>108</a:t>
+                      </a:r>
+                    </a:p>
+                  </a:txBody>
+                  <a:tcPr marL="96414" marR="50135" marT="50135" marB="50135" anchor="b">
+                    <a:lnL w="12700" cmpd="sng">
+                      <a:noFill/>
+                      <a:prstDash val="solid"/>
+                    </a:lnL>
+                    <a:lnR w="12700" cmpd="sng">
+                      <a:noFill/>
+                      <a:prstDash val="solid"/>
+                    </a:lnR>
+                    <a:lnT w="19050" cap="flat" cmpd="sng" algn="ctr">
+                      <a:solidFill>
+                        <a:srgbClr val="FFFFFF"/>
+                      </a:solidFill>
+                      <a:prstDash val="solid"/>
+                    </a:lnT>
+                    <a:lnB w="19050" cap="flat" cmpd="sng" algn="ctr">
+                      <a:solidFill>
+                        <a:srgbClr val="FFFFFF"/>
+                      </a:solidFill>
+                      <a:prstDash val="solid"/>
+                    </a:lnB>
+                    <a:solidFill>
+                      <a:srgbClr val="B4BCBE">
+                        <a:alpha val="34902"/>
+                      </a:srgbClr>
+                    </a:solidFill>
+                  </a:tcPr>
+                </a:tc>
+                <a:extLst>
+                  <a:ext uri="{0D108BD9-81ED-4DB2-BD59-A6C34878D82A}">
+                    <a16:rowId xmlns:a16="http://schemas.microsoft.com/office/drawing/2014/main" val="988332791"/>
+                  </a:ext>
+                </a:extLst>
+              </a:tr>
+              <a:tr h="205684">
+                <a:tc>
+                  <a:txBody>
+                    <a:bodyPr/>
+                    <a:lstStyle/>
+                    <a:p>
+                      <a:pPr algn="l" fontAlgn="b"/>
+                      <a:r>
+                        <a:rPr lang="en-GB" sz="600" b="0" i="0" u="none" strike="noStrike">
+                          <a:solidFill>
+                            <a:schemeClr val="tx1">
+                              <a:lumMod val="75000"/>
+                              <a:lumOff val="25000"/>
+                            </a:schemeClr>
+                          </a:solidFill>
+                          <a:effectLst/>
+                          <a:latin typeface="Calibri" panose="020F0502020204030204" pitchFamily="34" charset="0"/>
+                        </a:rPr>
+                        <a:t>BLKWW-1</a:t>
+                      </a:r>
+                    </a:p>
+                  </a:txBody>
+                  <a:tcPr marL="96414" marR="50135" marT="50135" marB="50135" anchor="b">
+                    <a:lnL w="12700" cmpd="sng">
+                      <a:noFill/>
+                      <a:prstDash val="solid"/>
+                    </a:lnL>
+                    <a:lnR w="12700" cmpd="sng">
+                      <a:noFill/>
+                      <a:prstDash val="solid"/>
+                    </a:lnR>
+                    <a:lnT w="19050" cap="flat" cmpd="sng" algn="ctr">
+                      <a:solidFill>
+                        <a:srgbClr val="FFFFFF"/>
+                      </a:solidFill>
+                      <a:prstDash val="solid"/>
+                    </a:lnT>
+                    <a:lnB w="19050" cap="flat" cmpd="sng" algn="ctr">
+                      <a:solidFill>
+                        <a:srgbClr val="FFFFFF"/>
+                      </a:solidFill>
+                      <a:prstDash val="solid"/>
+                    </a:lnB>
+                    <a:solidFill>
+                      <a:srgbClr val="B4BCBE">
+                        <a:alpha val="34902"/>
+                      </a:srgbClr>
+                    </a:solidFill>
+                  </a:tcPr>
+                </a:tc>
+                <a:tc>
+                  <a:txBody>
+                    <a:bodyPr/>
+                    <a:lstStyle/>
+                    <a:p>
+                      <a:pPr algn="l" fontAlgn="b"/>
+                      <a:r>
+                        <a:rPr lang="en-GB" sz="600" b="0" i="0" u="none" strike="noStrike">
+                          <a:solidFill>
+                            <a:schemeClr val="tx1">
+                              <a:lumMod val="75000"/>
+                              <a:lumOff val="25000"/>
+                            </a:schemeClr>
+                          </a:solidFill>
+                          <a:effectLst/>
+                          <a:latin typeface="Calibri" panose="020F0502020204030204" pitchFamily="34" charset="0"/>
+                        </a:rPr>
+                        <a:t>Blackcraig Windfarm</a:t>
+                      </a:r>
+                    </a:p>
+                  </a:txBody>
+                  <a:tcPr marL="96414" marR="50135" marT="50135" marB="50135" anchor="b">
+                    <a:lnL w="12700" cmpd="sng">
+                      <a:noFill/>
+                      <a:prstDash val="solid"/>
+                    </a:lnL>
+                    <a:lnR w="12700" cmpd="sng">
+                      <a:noFill/>
+                      <a:prstDash val="solid"/>
+                    </a:lnR>
+                    <a:lnT w="19050" cap="flat" cmpd="sng" algn="ctr">
+                      <a:solidFill>
+                        <a:srgbClr val="FFFFFF"/>
+                      </a:solidFill>
+                      <a:prstDash val="solid"/>
+                    </a:lnT>
+                    <a:lnB w="19050" cap="flat" cmpd="sng" algn="ctr">
+                      <a:solidFill>
+                        <a:srgbClr val="FFFFFF"/>
+                      </a:solidFill>
+                      <a:prstDash val="solid"/>
+                    </a:lnB>
+                    <a:solidFill>
+                      <a:srgbClr val="B4BCBE">
+                        <a:alpha val="34902"/>
+                      </a:srgbClr>
+                    </a:solidFill>
+                  </a:tcPr>
+                </a:tc>
+                <a:tc>
+                  <a:txBody>
+                    <a:bodyPr/>
+                    <a:lstStyle/>
+                    <a:p>
+                      <a:pPr algn="r" fontAlgn="b"/>
+                      <a:r>
+                        <a:rPr lang="en-GB" sz="600" b="0" i="0" u="none" strike="noStrike">
+                          <a:solidFill>
+                            <a:schemeClr val="tx1">
+                              <a:lumMod val="75000"/>
+                              <a:lumOff val="25000"/>
+                            </a:schemeClr>
+                          </a:solidFill>
+                          <a:effectLst/>
+                          <a:latin typeface="Calibri" panose="020F0502020204030204" pitchFamily="34" charset="0"/>
+                        </a:rPr>
+                        <a:t>55.1170696</a:t>
+                      </a:r>
+                    </a:p>
+                  </a:txBody>
+                  <a:tcPr marL="96414" marR="50135" marT="50135" marB="50135" anchor="b">
+                    <a:lnL w="12700" cmpd="sng">
+                      <a:noFill/>
+                      <a:prstDash val="solid"/>
+                    </a:lnL>
+                    <a:lnR w="12700" cmpd="sng">
+                      <a:noFill/>
+                      <a:prstDash val="solid"/>
+                    </a:lnR>
+                    <a:lnT w="19050" cap="flat" cmpd="sng" algn="ctr">
+                      <a:solidFill>
+                        <a:srgbClr val="FFFFFF"/>
+                      </a:solidFill>
+                      <a:prstDash val="solid"/>
+                    </a:lnT>
+                    <a:lnB w="19050" cap="flat" cmpd="sng" algn="ctr">
+                      <a:solidFill>
+                        <a:srgbClr val="FFFFFF"/>
+                      </a:solidFill>
+                      <a:prstDash val="solid"/>
+                    </a:lnB>
+                    <a:solidFill>
+                      <a:srgbClr val="B4BCBE">
+                        <a:alpha val="34902"/>
+                      </a:srgbClr>
+                    </a:solidFill>
+                  </a:tcPr>
+                </a:tc>
+                <a:tc>
+                  <a:txBody>
+                    <a:bodyPr/>
+                    <a:lstStyle/>
+                    <a:p>
+                      <a:pPr algn="r" fontAlgn="b"/>
+                      <a:r>
+                        <a:rPr lang="en-GB" sz="600" b="0" i="0" u="none" strike="noStrike">
+                          <a:solidFill>
+                            <a:schemeClr val="tx1">
+                              <a:lumMod val="75000"/>
+                              <a:lumOff val="25000"/>
+                            </a:schemeClr>
+                          </a:solidFill>
+                          <a:effectLst/>
+                          <a:latin typeface="Calibri" panose="020F0502020204030204" pitchFamily="34" charset="0"/>
+                        </a:rPr>
+                        <a:t>-4.03614</a:t>
+                      </a:r>
+                    </a:p>
+                  </a:txBody>
+                  <a:tcPr marL="96414" marR="50135" marT="50135" marB="50135" anchor="b">
+                    <a:lnL w="12700" cmpd="sng">
+                      <a:noFill/>
+                      <a:prstDash val="solid"/>
+                    </a:lnL>
+                    <a:lnR w="12700" cmpd="sng">
+                      <a:noFill/>
+                      <a:prstDash val="solid"/>
+                    </a:lnR>
+                    <a:lnT w="19050" cap="flat" cmpd="sng" algn="ctr">
+                      <a:solidFill>
+                        <a:srgbClr val="FFFFFF"/>
+                      </a:solidFill>
+                      <a:prstDash val="solid"/>
+                    </a:lnT>
+                    <a:lnB w="19050" cap="flat" cmpd="sng" algn="ctr">
+                      <a:solidFill>
+                        <a:srgbClr val="FFFFFF"/>
+                      </a:solidFill>
+                      <a:prstDash val="solid"/>
+                    </a:lnB>
+                    <a:solidFill>
+                      <a:srgbClr val="B4BCBE">
+                        <a:alpha val="34902"/>
+                      </a:srgbClr>
+                    </a:solidFill>
+                  </a:tcPr>
+                </a:tc>
+                <a:tc>
+                  <a:txBody>
+                    <a:bodyPr/>
+                    <a:lstStyle/>
+                    <a:p>
+                      <a:pPr algn="r" fontAlgn="b"/>
+                      <a:r>
+                        <a:rPr lang="en-GB" sz="600" b="0" i="0" u="none" strike="noStrike">
+                          <a:solidFill>
+                            <a:schemeClr val="tx1">
+                              <a:lumMod val="75000"/>
+                              <a:lumOff val="25000"/>
+                            </a:schemeClr>
+                          </a:solidFill>
+                          <a:effectLst/>
+                          <a:latin typeface="Calibri" panose="020F0502020204030204" pitchFamily="34" charset="0"/>
+                        </a:rPr>
+                        <a:t>52.9</a:t>
+                      </a:r>
+                    </a:p>
+                  </a:txBody>
+                  <a:tcPr marL="96414" marR="50135" marT="50135" marB="50135" anchor="b">
+                    <a:lnL w="12700" cmpd="sng">
+                      <a:noFill/>
+                      <a:prstDash val="solid"/>
+                    </a:lnL>
+                    <a:lnR w="12700" cmpd="sng">
+                      <a:noFill/>
+                      <a:prstDash val="solid"/>
+                    </a:lnR>
+                    <a:lnT w="19050" cap="flat" cmpd="sng" algn="ctr">
+                      <a:solidFill>
+                        <a:srgbClr val="FFFFFF"/>
+                      </a:solidFill>
+                      <a:prstDash val="solid"/>
+                    </a:lnT>
+                    <a:lnB w="19050" cap="flat" cmpd="sng" algn="ctr">
+                      <a:solidFill>
+                        <a:srgbClr val="FFFFFF"/>
+                      </a:solidFill>
+                      <a:prstDash val="solid"/>
+                    </a:lnB>
+                    <a:solidFill>
+                      <a:srgbClr val="B4BCBE">
+                        <a:alpha val="34902"/>
+                      </a:srgbClr>
+                    </a:solidFill>
+                  </a:tcPr>
+                </a:tc>
+                <a:extLst>
+                  <a:ext uri="{0D108BD9-81ED-4DB2-BD59-A6C34878D82A}">
+                    <a16:rowId xmlns:a16="http://schemas.microsoft.com/office/drawing/2014/main" val="1003764988"/>
+                  </a:ext>
+                </a:extLst>
+              </a:tr>
+              <a:tr h="205684">
+                <a:tc>
+                  <a:txBody>
+                    <a:bodyPr/>
+                    <a:lstStyle/>
+                    <a:p>
+                      <a:pPr algn="l" fontAlgn="b"/>
+                      <a:r>
+                        <a:rPr lang="en-GB" sz="600" b="0" i="0" u="none" strike="noStrike">
+                          <a:solidFill>
+                            <a:schemeClr val="tx1">
+                              <a:lumMod val="75000"/>
+                              <a:lumOff val="25000"/>
+                            </a:schemeClr>
+                          </a:solidFill>
+                          <a:effectLst/>
+                          <a:latin typeface="Calibri" panose="020F0502020204030204" pitchFamily="34" charset="0"/>
+                        </a:rPr>
+                        <a:t>BLLA-1</a:t>
+                      </a:r>
+                    </a:p>
+                  </a:txBody>
+                  <a:tcPr marL="96414" marR="50135" marT="50135" marB="50135" anchor="b">
+                    <a:lnL w="12700" cmpd="sng">
+                      <a:noFill/>
+                      <a:prstDash val="solid"/>
+                    </a:lnL>
+                    <a:lnR w="12700" cmpd="sng">
+                      <a:noFill/>
+                      <a:prstDash val="solid"/>
+                    </a:lnR>
+                    <a:lnT w="19050" cap="flat" cmpd="sng" algn="ctr">
+                      <a:solidFill>
+                        <a:srgbClr val="FFFFFF"/>
+                      </a:solidFill>
+                      <a:prstDash val="solid"/>
+                    </a:lnT>
+                    <a:lnB w="19050" cap="flat" cmpd="sng" algn="ctr">
+                      <a:solidFill>
+                        <a:srgbClr val="FFFFFF"/>
+                      </a:solidFill>
+                      <a:prstDash val="solid"/>
+                    </a:lnB>
+                    <a:solidFill>
+                      <a:srgbClr val="B4BCBE">
+                        <a:alpha val="34902"/>
+                      </a:srgbClr>
+                    </a:solidFill>
+                  </a:tcPr>
+                </a:tc>
+                <a:tc>
+                  <a:txBody>
+                    <a:bodyPr/>
+                    <a:lstStyle/>
+                    <a:p>
+                      <a:pPr algn="l" fontAlgn="b"/>
+                      <a:r>
+                        <a:rPr lang="en-GB" sz="600" b="0" i="0" u="none" strike="noStrike">
+                          <a:solidFill>
+                            <a:schemeClr val="tx1">
+                              <a:lumMod val="75000"/>
+                              <a:lumOff val="25000"/>
+                            </a:schemeClr>
+                          </a:solidFill>
+                          <a:effectLst/>
+                          <a:latin typeface="Calibri" panose="020F0502020204030204" pitchFamily="34" charset="0"/>
+                        </a:rPr>
+                        <a:t>Black Law Wind Farm 1</a:t>
+                      </a:r>
+                    </a:p>
+                  </a:txBody>
+                  <a:tcPr marL="96414" marR="50135" marT="50135" marB="50135" anchor="b">
+                    <a:lnL w="12700" cmpd="sng">
+                      <a:noFill/>
+                      <a:prstDash val="solid"/>
+                    </a:lnL>
+                    <a:lnR w="12700" cmpd="sng">
+                      <a:noFill/>
+                      <a:prstDash val="solid"/>
+                    </a:lnR>
+                    <a:lnT w="19050" cap="flat" cmpd="sng" algn="ctr">
+                      <a:solidFill>
+                        <a:srgbClr val="FFFFFF"/>
+                      </a:solidFill>
+                      <a:prstDash val="solid"/>
+                    </a:lnT>
+                    <a:lnB w="19050" cap="flat" cmpd="sng" algn="ctr">
+                      <a:solidFill>
+                        <a:srgbClr val="FFFFFF"/>
+                      </a:solidFill>
+                      <a:prstDash val="solid"/>
+                    </a:lnB>
+                    <a:solidFill>
+                      <a:srgbClr val="B4BCBE">
+                        <a:alpha val="34902"/>
+                      </a:srgbClr>
+                    </a:solidFill>
+                  </a:tcPr>
+                </a:tc>
+                <a:tc>
+                  <a:txBody>
+                    <a:bodyPr/>
+                    <a:lstStyle/>
+                    <a:p>
+                      <a:pPr algn="r" fontAlgn="b"/>
+                      <a:r>
+                        <a:rPr lang="en-GB" sz="600" b="0" i="0" u="none" strike="noStrike">
+                          <a:solidFill>
+                            <a:schemeClr val="tx1">
+                              <a:lumMod val="75000"/>
+                              <a:lumOff val="25000"/>
+                            </a:schemeClr>
+                          </a:solidFill>
+                          <a:effectLst/>
+                          <a:latin typeface="Calibri" panose="020F0502020204030204" pitchFamily="34" charset="0"/>
+                        </a:rPr>
+                        <a:t>55.78118772</a:t>
+                      </a:r>
+                    </a:p>
+                  </a:txBody>
+                  <a:tcPr marL="96414" marR="50135" marT="50135" marB="50135" anchor="b">
+                    <a:lnL w="12700" cmpd="sng">
+                      <a:noFill/>
+                      <a:prstDash val="solid"/>
+                    </a:lnL>
+                    <a:lnR w="12700" cmpd="sng">
+                      <a:noFill/>
+                      <a:prstDash val="solid"/>
+                    </a:lnR>
+                    <a:lnT w="19050" cap="flat" cmpd="sng" algn="ctr">
+                      <a:solidFill>
+                        <a:srgbClr val="FFFFFF"/>
+                      </a:solidFill>
+                      <a:prstDash val="solid"/>
+                    </a:lnT>
+                    <a:lnB w="19050" cap="flat" cmpd="sng" algn="ctr">
+                      <a:solidFill>
+                        <a:srgbClr val="FFFFFF"/>
+                      </a:solidFill>
+                      <a:prstDash val="solid"/>
+                    </a:lnB>
+                    <a:solidFill>
+                      <a:srgbClr val="B4BCBE">
+                        <a:alpha val="34902"/>
+                      </a:srgbClr>
+                    </a:solidFill>
+                  </a:tcPr>
+                </a:tc>
+                <a:tc>
+                  <a:txBody>
+                    <a:bodyPr/>
+                    <a:lstStyle/>
+                    <a:p>
+                      <a:pPr algn="r" fontAlgn="b"/>
+                      <a:r>
+                        <a:rPr lang="en-GB" sz="600" b="0" i="0" u="none" strike="noStrike">
+                          <a:solidFill>
+                            <a:schemeClr val="tx1">
+                              <a:lumMod val="75000"/>
+                              <a:lumOff val="25000"/>
+                            </a:schemeClr>
+                          </a:solidFill>
+                          <a:effectLst/>
+                          <a:latin typeface="Calibri" panose="020F0502020204030204" pitchFamily="34" charset="0"/>
+                        </a:rPr>
+                        <a:t>-3.76792</a:t>
+                      </a:r>
+                    </a:p>
+                  </a:txBody>
+                  <a:tcPr marL="96414" marR="50135" marT="50135" marB="50135" anchor="b">
+                    <a:lnL w="12700" cmpd="sng">
+                      <a:noFill/>
+                      <a:prstDash val="solid"/>
+                    </a:lnL>
+                    <a:lnR w="12700" cmpd="sng">
+                      <a:noFill/>
+                      <a:prstDash val="solid"/>
+                    </a:lnR>
+                    <a:lnT w="19050" cap="flat" cmpd="sng" algn="ctr">
+                      <a:solidFill>
+                        <a:srgbClr val="FFFFFF"/>
+                      </a:solidFill>
+                      <a:prstDash val="solid"/>
+                    </a:lnT>
+                    <a:lnB w="19050" cap="flat" cmpd="sng" algn="ctr">
+                      <a:solidFill>
+                        <a:srgbClr val="FFFFFF"/>
+                      </a:solidFill>
+                      <a:prstDash val="solid"/>
+                    </a:lnB>
+                    <a:solidFill>
+                      <a:srgbClr val="B4BCBE">
+                        <a:alpha val="34902"/>
+                      </a:srgbClr>
+                    </a:solidFill>
+                  </a:tcPr>
+                </a:tc>
+                <a:tc>
+                  <a:txBody>
+                    <a:bodyPr/>
+                    <a:lstStyle/>
+                    <a:p>
+                      <a:pPr algn="r" fontAlgn="b"/>
+                      <a:r>
+                        <a:rPr lang="en-GB" sz="600" b="0" i="0" u="none" strike="noStrike">
+                          <a:solidFill>
+                            <a:schemeClr val="tx1">
+                              <a:lumMod val="75000"/>
+                              <a:lumOff val="25000"/>
+                            </a:schemeClr>
+                          </a:solidFill>
+                          <a:effectLst/>
+                          <a:latin typeface="Calibri" panose="020F0502020204030204" pitchFamily="34" charset="0"/>
+                        </a:rPr>
+                        <a:t>96</a:t>
+                      </a:r>
+                    </a:p>
+                  </a:txBody>
+                  <a:tcPr marL="96414" marR="50135" marT="50135" marB="50135" anchor="b">
+                    <a:lnL w="12700" cmpd="sng">
+                      <a:noFill/>
+                      <a:prstDash val="solid"/>
+                    </a:lnL>
+                    <a:lnR w="12700" cmpd="sng">
+                      <a:noFill/>
+                      <a:prstDash val="solid"/>
+                    </a:lnR>
+                    <a:lnT w="19050" cap="flat" cmpd="sng" algn="ctr">
+                      <a:solidFill>
+                        <a:srgbClr val="FFFFFF"/>
+                      </a:solidFill>
+                      <a:prstDash val="solid"/>
+                    </a:lnT>
+                    <a:lnB w="19050" cap="flat" cmpd="sng" algn="ctr">
+                      <a:solidFill>
+                        <a:srgbClr val="FFFFFF"/>
+                      </a:solidFill>
+                      <a:prstDash val="solid"/>
+                    </a:lnB>
+                    <a:solidFill>
+                      <a:srgbClr val="B4BCBE">
+                        <a:alpha val="34902"/>
+                      </a:srgbClr>
+                    </a:solidFill>
+                  </a:tcPr>
+                </a:tc>
+                <a:extLst>
+                  <a:ext uri="{0D108BD9-81ED-4DB2-BD59-A6C34878D82A}">
+                    <a16:rowId xmlns:a16="http://schemas.microsoft.com/office/drawing/2014/main" val="3961744041"/>
+                  </a:ext>
+                </a:extLst>
+              </a:tr>
+              <a:tr h="205684">
+                <a:tc>
+                  <a:txBody>
+                    <a:bodyPr/>
+                    <a:lstStyle/>
+                    <a:p>
+                      <a:pPr algn="l" fontAlgn="b"/>
+                      <a:r>
+                        <a:rPr lang="en-GB" sz="600" b="0" i="0" u="none" strike="noStrike">
+                          <a:solidFill>
+                            <a:schemeClr val="tx1">
+                              <a:lumMod val="75000"/>
+                              <a:lumOff val="25000"/>
+                            </a:schemeClr>
+                          </a:solidFill>
+                          <a:effectLst/>
+                          <a:latin typeface="Calibri" panose="020F0502020204030204" pitchFamily="34" charset="0"/>
+                        </a:rPr>
+                        <a:t>BLLA-2</a:t>
+                      </a:r>
+                    </a:p>
+                  </a:txBody>
+                  <a:tcPr marL="96414" marR="50135" marT="50135" marB="50135" anchor="b">
+                    <a:lnL w="12700" cmpd="sng">
+                      <a:noFill/>
+                      <a:prstDash val="solid"/>
+                    </a:lnL>
+                    <a:lnR w="12700" cmpd="sng">
+                      <a:noFill/>
+                      <a:prstDash val="solid"/>
+                    </a:lnR>
+                    <a:lnT w="19050" cap="flat" cmpd="sng" algn="ctr">
+                      <a:solidFill>
+                        <a:srgbClr val="FFFFFF"/>
+                      </a:solidFill>
+                      <a:prstDash val="solid"/>
+                    </a:lnT>
+                    <a:lnB w="19050" cap="flat" cmpd="sng" algn="ctr">
+                      <a:solidFill>
+                        <a:srgbClr val="FFFFFF"/>
+                      </a:solidFill>
+                      <a:prstDash val="solid"/>
+                    </a:lnB>
+                    <a:solidFill>
+                      <a:srgbClr val="B4BCBE">
+                        <a:alpha val="34902"/>
+                      </a:srgbClr>
+                    </a:solidFill>
+                  </a:tcPr>
+                </a:tc>
+                <a:tc>
+                  <a:txBody>
+                    <a:bodyPr/>
+                    <a:lstStyle/>
+                    <a:p>
+                      <a:pPr algn="l" fontAlgn="b"/>
+                      <a:r>
+                        <a:rPr lang="en-GB" sz="600" b="0" i="0" u="none" strike="noStrike">
+                          <a:solidFill>
+                            <a:schemeClr val="tx1">
+                              <a:lumMod val="75000"/>
+                              <a:lumOff val="25000"/>
+                            </a:schemeClr>
+                          </a:solidFill>
+                          <a:effectLst/>
+                          <a:latin typeface="Calibri" panose="020F0502020204030204" pitchFamily="34" charset="0"/>
+                        </a:rPr>
+                        <a:t>Black Law Wind Farm Extension</a:t>
+                      </a:r>
+                    </a:p>
+                  </a:txBody>
+                  <a:tcPr marL="96414" marR="50135" marT="50135" marB="50135" anchor="b">
+                    <a:lnL w="12700" cmpd="sng">
+                      <a:noFill/>
+                      <a:prstDash val="solid"/>
+                    </a:lnL>
+                    <a:lnR w="12700" cmpd="sng">
+                      <a:noFill/>
+                      <a:prstDash val="solid"/>
+                    </a:lnR>
+                    <a:lnT w="19050" cap="flat" cmpd="sng" algn="ctr">
+                      <a:solidFill>
+                        <a:srgbClr val="FFFFFF"/>
+                      </a:solidFill>
+                      <a:prstDash val="solid"/>
+                    </a:lnT>
+                    <a:lnB w="19050" cap="flat" cmpd="sng" algn="ctr">
+                      <a:solidFill>
+                        <a:srgbClr val="FFFFFF"/>
+                      </a:solidFill>
+                      <a:prstDash val="solid"/>
+                    </a:lnB>
+                    <a:solidFill>
+                      <a:srgbClr val="B4BCBE">
+                        <a:alpha val="34902"/>
+                      </a:srgbClr>
+                    </a:solidFill>
+                  </a:tcPr>
+                </a:tc>
+                <a:tc>
+                  <a:txBody>
+                    <a:bodyPr/>
+                    <a:lstStyle/>
+                    <a:p>
+                      <a:pPr algn="r" fontAlgn="b"/>
+                      <a:r>
+                        <a:rPr lang="en-GB" sz="600" b="0" i="0" u="none" strike="noStrike">
+                          <a:solidFill>
+                            <a:schemeClr val="tx1">
+                              <a:lumMod val="75000"/>
+                              <a:lumOff val="25000"/>
+                            </a:schemeClr>
+                          </a:solidFill>
+                          <a:effectLst/>
+                          <a:latin typeface="Calibri" panose="020F0502020204030204" pitchFamily="34" charset="0"/>
+                        </a:rPr>
+                        <a:t>55.78118772</a:t>
+                      </a:r>
+                    </a:p>
+                  </a:txBody>
+                  <a:tcPr marL="96414" marR="50135" marT="50135" marB="50135" anchor="b">
+                    <a:lnL w="12700" cmpd="sng">
+                      <a:noFill/>
+                      <a:prstDash val="solid"/>
+                    </a:lnL>
+                    <a:lnR w="12700" cmpd="sng">
+                      <a:noFill/>
+                      <a:prstDash val="solid"/>
+                    </a:lnR>
+                    <a:lnT w="19050" cap="flat" cmpd="sng" algn="ctr">
+                      <a:solidFill>
+                        <a:srgbClr val="FFFFFF"/>
+                      </a:solidFill>
+                      <a:prstDash val="solid"/>
+                    </a:lnT>
+                    <a:lnB w="19050" cap="flat" cmpd="sng" algn="ctr">
+                      <a:solidFill>
+                        <a:srgbClr val="FFFFFF"/>
+                      </a:solidFill>
+                      <a:prstDash val="solid"/>
+                    </a:lnB>
+                    <a:solidFill>
+                      <a:srgbClr val="B4BCBE">
+                        <a:alpha val="34902"/>
+                      </a:srgbClr>
+                    </a:solidFill>
+                  </a:tcPr>
+                </a:tc>
+                <a:tc>
+                  <a:txBody>
+                    <a:bodyPr/>
+                    <a:lstStyle/>
+                    <a:p>
+                      <a:pPr algn="r" fontAlgn="b"/>
+                      <a:r>
+                        <a:rPr lang="en-GB" sz="600" b="0" i="0" u="none" strike="noStrike">
+                          <a:solidFill>
+                            <a:schemeClr val="tx1">
+                              <a:lumMod val="75000"/>
+                              <a:lumOff val="25000"/>
+                            </a:schemeClr>
+                          </a:solidFill>
+                          <a:effectLst/>
+                          <a:latin typeface="Calibri" panose="020F0502020204030204" pitchFamily="34" charset="0"/>
+                        </a:rPr>
+                        <a:t>-3.76792</a:t>
+                      </a:r>
+                    </a:p>
+                  </a:txBody>
+                  <a:tcPr marL="96414" marR="50135" marT="50135" marB="50135" anchor="b">
+                    <a:lnL w="12700" cmpd="sng">
+                      <a:noFill/>
+                      <a:prstDash val="solid"/>
+                    </a:lnL>
+                    <a:lnR w="12700" cmpd="sng">
+                      <a:noFill/>
+                      <a:prstDash val="solid"/>
+                    </a:lnR>
+                    <a:lnT w="19050" cap="flat" cmpd="sng" algn="ctr">
+                      <a:solidFill>
+                        <a:srgbClr val="FFFFFF"/>
+                      </a:solidFill>
+                      <a:prstDash val="solid"/>
+                    </a:lnT>
+                    <a:lnB w="19050" cap="flat" cmpd="sng" algn="ctr">
+                      <a:solidFill>
+                        <a:srgbClr val="FFFFFF"/>
+                      </a:solidFill>
+                      <a:prstDash val="solid"/>
+                    </a:lnB>
+                    <a:solidFill>
+                      <a:srgbClr val="B4BCBE">
+                        <a:alpha val="34902"/>
+                      </a:srgbClr>
+                    </a:solidFill>
+                  </a:tcPr>
+                </a:tc>
+                <a:tc>
+                  <a:txBody>
+                    <a:bodyPr/>
+                    <a:lstStyle/>
+                    <a:p>
+                      <a:pPr algn="r" fontAlgn="b"/>
+                      <a:r>
+                        <a:rPr lang="en-GB" sz="600" b="0" i="0" u="none" strike="noStrike">
+                          <a:solidFill>
+                            <a:schemeClr val="tx1">
+                              <a:lumMod val="75000"/>
+                              <a:lumOff val="25000"/>
+                            </a:schemeClr>
+                          </a:solidFill>
+                          <a:effectLst/>
+                          <a:latin typeface="Calibri" panose="020F0502020204030204" pitchFamily="34" charset="0"/>
+                        </a:rPr>
+                        <a:t>69</a:t>
+                      </a:r>
+                    </a:p>
+                  </a:txBody>
+                  <a:tcPr marL="96414" marR="50135" marT="50135" marB="50135" anchor="b">
+                    <a:lnL w="12700" cmpd="sng">
+                      <a:noFill/>
+                      <a:prstDash val="solid"/>
+                    </a:lnL>
+                    <a:lnR w="12700" cmpd="sng">
+                      <a:noFill/>
+                      <a:prstDash val="solid"/>
+                    </a:lnR>
+                    <a:lnT w="19050" cap="flat" cmpd="sng" algn="ctr">
+                      <a:solidFill>
+                        <a:srgbClr val="FFFFFF"/>
+                      </a:solidFill>
+                      <a:prstDash val="solid"/>
+                    </a:lnT>
+                    <a:lnB w="19050" cap="flat" cmpd="sng" algn="ctr">
+                      <a:solidFill>
+                        <a:srgbClr val="FFFFFF"/>
+                      </a:solidFill>
+                      <a:prstDash val="solid"/>
+                    </a:lnB>
+                    <a:solidFill>
+                      <a:srgbClr val="B4BCBE">
+                        <a:alpha val="34902"/>
+                      </a:srgbClr>
+                    </a:solidFill>
+                  </a:tcPr>
+                </a:tc>
+                <a:extLst>
+                  <a:ext uri="{0D108BD9-81ED-4DB2-BD59-A6C34878D82A}">
+                    <a16:rowId xmlns:a16="http://schemas.microsoft.com/office/drawing/2014/main" val="1944202767"/>
+                  </a:ext>
+                </a:extLst>
+              </a:tr>
+              <a:tr h="205684">
+                <a:tc>
+                  <a:txBody>
+                    <a:bodyPr/>
+                    <a:lstStyle/>
+                    <a:p>
+                      <a:pPr algn="l" fontAlgn="b"/>
+                      <a:r>
+                        <a:rPr lang="en-GB" sz="600" b="0" i="0" u="none" strike="noStrike">
+                          <a:solidFill>
+                            <a:schemeClr val="tx1">
+                              <a:lumMod val="75000"/>
+                              <a:lumOff val="25000"/>
+                            </a:schemeClr>
+                          </a:solidFill>
+                          <a:effectLst/>
+                          <a:latin typeface="Calibri" panose="020F0502020204030204" pitchFamily="34" charset="0"/>
+                        </a:rPr>
+                        <a:t>BNWKW-1</a:t>
+                      </a:r>
+                    </a:p>
+                  </a:txBody>
+                  <a:tcPr marL="96414" marR="50135" marT="50135" marB="50135" anchor="b">
+                    <a:lnL w="12700" cmpd="sng">
+                      <a:noFill/>
+                      <a:prstDash val="solid"/>
+                    </a:lnL>
+                    <a:lnR w="12700" cmpd="sng">
+                      <a:noFill/>
+                      <a:prstDash val="solid"/>
+                    </a:lnR>
+                    <a:lnT w="19050" cap="flat" cmpd="sng" algn="ctr">
+                      <a:solidFill>
+                        <a:srgbClr val="FFFFFF"/>
+                      </a:solidFill>
+                      <a:prstDash val="solid"/>
+                    </a:lnT>
+                    <a:lnB w="19050" cap="flat" cmpd="sng" algn="ctr">
+                      <a:solidFill>
+                        <a:srgbClr val="FFFFFF"/>
+                      </a:solidFill>
+                      <a:prstDash val="solid"/>
+                    </a:lnB>
+                    <a:solidFill>
+                      <a:srgbClr val="B4BCBE">
+                        <a:alpha val="34902"/>
+                      </a:srgbClr>
+                    </a:solidFill>
+                  </a:tcPr>
+                </a:tc>
+                <a:tc>
+                  <a:txBody>
+                    <a:bodyPr/>
+                    <a:lstStyle/>
+                    <a:p>
+                      <a:pPr algn="l" fontAlgn="b"/>
+                      <a:r>
+                        <a:rPr lang="en-GB" sz="600" b="0" i="0" u="none" strike="noStrike">
+                          <a:solidFill>
+                            <a:schemeClr val="tx1">
+                              <a:lumMod val="75000"/>
+                              <a:lumOff val="25000"/>
+                            </a:schemeClr>
+                          </a:solidFill>
+                          <a:effectLst/>
+                          <a:latin typeface="Calibri" panose="020F0502020204030204" pitchFamily="34" charset="0"/>
+                        </a:rPr>
+                        <a:t>Burn of Whilk Windfarm</a:t>
+                      </a:r>
+                    </a:p>
+                  </a:txBody>
+                  <a:tcPr marL="96414" marR="50135" marT="50135" marB="50135" anchor="b">
+                    <a:lnL w="12700" cmpd="sng">
+                      <a:noFill/>
+                      <a:prstDash val="solid"/>
+                    </a:lnL>
+                    <a:lnR w="12700" cmpd="sng">
+                      <a:noFill/>
+                      <a:prstDash val="solid"/>
+                    </a:lnR>
+                    <a:lnT w="19050" cap="flat" cmpd="sng" algn="ctr">
+                      <a:solidFill>
+                        <a:srgbClr val="FFFFFF"/>
+                      </a:solidFill>
+                      <a:prstDash val="solid"/>
+                    </a:lnT>
+                    <a:lnB w="19050" cap="flat" cmpd="sng" algn="ctr">
+                      <a:solidFill>
+                        <a:srgbClr val="FFFFFF"/>
+                      </a:solidFill>
+                      <a:prstDash val="solid"/>
+                    </a:lnB>
+                    <a:solidFill>
+                      <a:srgbClr val="B4BCBE">
+                        <a:alpha val="34902"/>
+                      </a:srgbClr>
+                    </a:solidFill>
+                  </a:tcPr>
+                </a:tc>
+                <a:tc>
+                  <a:txBody>
+                    <a:bodyPr/>
+                    <a:lstStyle/>
+                    <a:p>
+                      <a:pPr algn="r" fontAlgn="b"/>
+                      <a:r>
+                        <a:rPr lang="en-GB" sz="600" b="0" i="0" u="none" strike="noStrike">
+                          <a:solidFill>
+                            <a:schemeClr val="tx1">
+                              <a:lumMod val="75000"/>
+                              <a:lumOff val="25000"/>
+                            </a:schemeClr>
+                          </a:solidFill>
+                          <a:effectLst/>
+                          <a:latin typeface="Calibri" panose="020F0502020204030204" pitchFamily="34" charset="0"/>
+                        </a:rPr>
+                        <a:t>58.3545735</a:t>
+                      </a:r>
+                    </a:p>
+                  </a:txBody>
+                  <a:tcPr marL="96414" marR="50135" marT="50135" marB="50135" anchor="b">
+                    <a:lnL w="12700" cmpd="sng">
+                      <a:noFill/>
+                      <a:prstDash val="solid"/>
+                    </a:lnL>
+                    <a:lnR w="12700" cmpd="sng">
+                      <a:noFill/>
+                      <a:prstDash val="solid"/>
+                    </a:lnR>
+                    <a:lnT w="19050" cap="flat" cmpd="sng" algn="ctr">
+                      <a:solidFill>
+                        <a:srgbClr val="FFFFFF"/>
+                      </a:solidFill>
+                      <a:prstDash val="solid"/>
+                    </a:lnT>
+                    <a:lnB w="19050" cap="flat" cmpd="sng" algn="ctr">
+                      <a:solidFill>
+                        <a:srgbClr val="FFFFFF"/>
+                      </a:solidFill>
+                      <a:prstDash val="solid"/>
+                    </a:lnB>
+                    <a:solidFill>
+                      <a:srgbClr val="B4BCBE">
+                        <a:alpha val="34902"/>
+                      </a:srgbClr>
+                    </a:solidFill>
+                  </a:tcPr>
+                </a:tc>
+                <a:tc>
+                  <a:txBody>
+                    <a:bodyPr/>
+                    <a:lstStyle/>
+                    <a:p>
+                      <a:pPr algn="r" fontAlgn="b"/>
+                      <a:r>
+                        <a:rPr lang="en-GB" sz="600" b="0" i="0" u="none" strike="noStrike">
+                          <a:solidFill>
+                            <a:schemeClr val="tx1">
+                              <a:lumMod val="75000"/>
+                              <a:lumOff val="25000"/>
+                            </a:schemeClr>
+                          </a:solidFill>
+                          <a:effectLst/>
+                          <a:latin typeface="Calibri" panose="020F0502020204030204" pitchFamily="34" charset="0"/>
+                        </a:rPr>
+                        <a:t>-3.21659</a:t>
+                      </a:r>
+                    </a:p>
+                  </a:txBody>
+                  <a:tcPr marL="96414" marR="50135" marT="50135" marB="50135" anchor="b">
+                    <a:lnL w="12700" cmpd="sng">
+                      <a:noFill/>
+                      <a:prstDash val="solid"/>
+                    </a:lnL>
+                    <a:lnR w="12700" cmpd="sng">
+                      <a:noFill/>
+                      <a:prstDash val="solid"/>
+                    </a:lnR>
+                    <a:lnT w="19050" cap="flat" cmpd="sng" algn="ctr">
+                      <a:solidFill>
+                        <a:srgbClr val="FFFFFF"/>
+                      </a:solidFill>
+                      <a:prstDash val="solid"/>
+                    </a:lnT>
+                    <a:lnB w="19050" cap="flat" cmpd="sng" algn="ctr">
+                      <a:solidFill>
+                        <a:srgbClr val="FFFFFF"/>
+                      </a:solidFill>
+                      <a:prstDash val="solid"/>
+                    </a:lnB>
+                    <a:solidFill>
+                      <a:srgbClr val="B4BCBE">
+                        <a:alpha val="34902"/>
+                      </a:srgbClr>
+                    </a:solidFill>
+                  </a:tcPr>
+                </a:tc>
+                <a:tc>
+                  <a:txBody>
+                    <a:bodyPr/>
+                    <a:lstStyle/>
+                    <a:p>
+                      <a:pPr algn="r" fontAlgn="b"/>
+                      <a:r>
+                        <a:rPr lang="en-GB" sz="600" b="0" i="0" u="none" strike="noStrike">
+                          <a:solidFill>
+                            <a:schemeClr val="tx1">
+                              <a:lumMod val="75000"/>
+                              <a:lumOff val="25000"/>
+                            </a:schemeClr>
+                          </a:solidFill>
+                          <a:effectLst/>
+                          <a:latin typeface="Calibri" panose="020F0502020204030204" pitchFamily="34" charset="0"/>
+                        </a:rPr>
+                        <a:t>22.5</a:t>
+                      </a:r>
+                    </a:p>
+                  </a:txBody>
+                  <a:tcPr marL="96414" marR="50135" marT="50135" marB="50135" anchor="b">
+                    <a:lnL w="12700" cmpd="sng">
+                      <a:noFill/>
+                      <a:prstDash val="solid"/>
+                    </a:lnL>
+                    <a:lnR w="12700" cmpd="sng">
+                      <a:noFill/>
+                      <a:prstDash val="solid"/>
+                    </a:lnR>
+                    <a:lnT w="19050" cap="flat" cmpd="sng" algn="ctr">
+                      <a:solidFill>
+                        <a:srgbClr val="FFFFFF"/>
+                      </a:solidFill>
+                      <a:prstDash val="solid"/>
+                    </a:lnT>
+                    <a:lnB w="19050" cap="flat" cmpd="sng" algn="ctr">
+                      <a:solidFill>
+                        <a:srgbClr val="FFFFFF"/>
+                      </a:solidFill>
+                      <a:prstDash val="solid"/>
+                    </a:lnB>
+                    <a:solidFill>
+                      <a:srgbClr val="B4BCBE">
+                        <a:alpha val="34902"/>
+                      </a:srgbClr>
+                    </a:solidFill>
+                  </a:tcPr>
+                </a:tc>
+                <a:extLst>
+                  <a:ext uri="{0D108BD9-81ED-4DB2-BD59-A6C34878D82A}">
+                    <a16:rowId xmlns:a16="http://schemas.microsoft.com/office/drawing/2014/main" val="2209560632"/>
+                  </a:ext>
+                </a:extLst>
+              </a:tr>
+              <a:tr h="205684">
+                <a:tc>
+                  <a:txBody>
+                    <a:bodyPr/>
+                    <a:lstStyle/>
+                    <a:p>
+                      <a:pPr algn="l" fontAlgn="b"/>
+                      <a:r>
+                        <a:rPr lang="en-GB" sz="600" b="0" i="0" u="none" strike="noStrike">
+                          <a:solidFill>
+                            <a:schemeClr val="tx1">
+                              <a:lumMod val="75000"/>
+                              <a:lumOff val="25000"/>
+                            </a:schemeClr>
+                          </a:solidFill>
+                          <a:effectLst/>
+                          <a:latin typeface="Calibri" panose="020F0502020204030204" pitchFamily="34" charset="0"/>
+                        </a:rPr>
+                        <a:t>BRYBW-1</a:t>
+                      </a:r>
+                    </a:p>
+                  </a:txBody>
+                  <a:tcPr marL="96414" marR="50135" marT="50135" marB="50135" anchor="b">
+                    <a:lnL w="12700" cmpd="sng">
+                      <a:noFill/>
+                      <a:prstDash val="solid"/>
+                    </a:lnL>
+                    <a:lnR w="12700" cmpd="sng">
+                      <a:noFill/>
+                      <a:prstDash val="solid"/>
+                    </a:lnR>
+                    <a:lnT w="19050" cap="flat" cmpd="sng" algn="ctr">
+                      <a:solidFill>
+                        <a:srgbClr val="FFFFFF"/>
+                      </a:solidFill>
+                      <a:prstDash val="solid"/>
+                    </a:lnT>
+                    <a:lnB w="19050" cap="flat" cmpd="sng" algn="ctr">
+                      <a:solidFill>
+                        <a:srgbClr val="FFFFFF"/>
+                      </a:solidFill>
+                      <a:prstDash val="solid"/>
+                    </a:lnB>
+                    <a:solidFill>
+                      <a:srgbClr val="B4BCBE">
+                        <a:alpha val="34902"/>
+                      </a:srgbClr>
+                    </a:solidFill>
+                  </a:tcPr>
+                </a:tc>
+                <a:tc>
+                  <a:txBody>
+                    <a:bodyPr/>
+                    <a:lstStyle/>
+                    <a:p>
+                      <a:pPr algn="l" fontAlgn="b"/>
+                      <a:r>
+                        <a:rPr lang="en-GB" sz="600" b="0" i="0" u="none" strike="noStrike">
+                          <a:solidFill>
+                            <a:schemeClr val="tx1">
+                              <a:lumMod val="75000"/>
+                              <a:lumOff val="25000"/>
+                            </a:schemeClr>
+                          </a:solidFill>
+                          <a:effectLst/>
+                          <a:latin typeface="Calibri" panose="020F0502020204030204" pitchFamily="34" charset="0"/>
+                        </a:rPr>
+                        <a:t>Berry Burn Wind Farm</a:t>
+                      </a:r>
+                    </a:p>
+                  </a:txBody>
+                  <a:tcPr marL="96414" marR="50135" marT="50135" marB="50135" anchor="b">
+                    <a:lnL w="12700" cmpd="sng">
+                      <a:noFill/>
+                      <a:prstDash val="solid"/>
+                    </a:lnL>
+                    <a:lnR w="12700" cmpd="sng">
+                      <a:noFill/>
+                      <a:prstDash val="solid"/>
+                    </a:lnR>
+                    <a:lnT w="19050" cap="flat" cmpd="sng" algn="ctr">
+                      <a:solidFill>
+                        <a:srgbClr val="FFFFFF"/>
+                      </a:solidFill>
+                      <a:prstDash val="solid"/>
+                    </a:lnT>
+                    <a:lnB w="19050" cap="flat" cmpd="sng" algn="ctr">
+                      <a:solidFill>
+                        <a:srgbClr val="FFFFFF"/>
+                      </a:solidFill>
+                      <a:prstDash val="solid"/>
+                    </a:lnB>
+                    <a:solidFill>
+                      <a:srgbClr val="B4BCBE">
+                        <a:alpha val="34902"/>
+                      </a:srgbClr>
+                    </a:solidFill>
+                  </a:tcPr>
+                </a:tc>
+                <a:tc>
+                  <a:txBody>
+                    <a:bodyPr/>
+                    <a:lstStyle/>
+                    <a:p>
+                      <a:pPr algn="r" fontAlgn="b"/>
+                      <a:r>
+                        <a:rPr lang="en-GB" sz="600" b="0" i="0" u="none" strike="noStrike">
+                          <a:solidFill>
+                            <a:schemeClr val="tx1">
+                              <a:lumMod val="75000"/>
+                              <a:lumOff val="25000"/>
+                            </a:schemeClr>
+                          </a:solidFill>
+                          <a:effectLst/>
+                          <a:latin typeface="Calibri" panose="020F0502020204030204" pitchFamily="34" charset="0"/>
+                        </a:rPr>
+                        <a:t>57.48729382</a:t>
+                      </a:r>
+                    </a:p>
+                  </a:txBody>
+                  <a:tcPr marL="96414" marR="50135" marT="50135" marB="50135" anchor="b">
+                    <a:lnL w="12700" cmpd="sng">
+                      <a:noFill/>
+                      <a:prstDash val="solid"/>
+                    </a:lnL>
+                    <a:lnR w="12700" cmpd="sng">
+                      <a:noFill/>
+                      <a:prstDash val="solid"/>
+                    </a:lnR>
+                    <a:lnT w="19050" cap="flat" cmpd="sng" algn="ctr">
+                      <a:solidFill>
+                        <a:srgbClr val="FFFFFF"/>
+                      </a:solidFill>
+                      <a:prstDash val="solid"/>
+                    </a:lnT>
+                    <a:lnB w="19050" cap="flat" cmpd="sng" algn="ctr">
+                      <a:solidFill>
+                        <a:srgbClr val="FFFFFF"/>
+                      </a:solidFill>
+                      <a:prstDash val="solid"/>
+                    </a:lnB>
+                    <a:solidFill>
+                      <a:srgbClr val="B4BCBE">
+                        <a:alpha val="34902"/>
+                      </a:srgbClr>
+                    </a:solidFill>
+                  </a:tcPr>
+                </a:tc>
+                <a:tc>
+                  <a:txBody>
+                    <a:bodyPr/>
+                    <a:lstStyle/>
+                    <a:p>
+                      <a:pPr algn="r" fontAlgn="b"/>
+                      <a:r>
+                        <a:rPr lang="en-GB" sz="600" b="0" i="0" u="none" strike="noStrike">
+                          <a:solidFill>
+                            <a:schemeClr val="tx1">
+                              <a:lumMod val="75000"/>
+                              <a:lumOff val="25000"/>
+                            </a:schemeClr>
+                          </a:solidFill>
+                          <a:effectLst/>
+                          <a:latin typeface="Calibri" panose="020F0502020204030204" pitchFamily="34" charset="0"/>
+                        </a:rPr>
+                        <a:t>-3.54668</a:t>
+                      </a:r>
+                    </a:p>
+                  </a:txBody>
+                  <a:tcPr marL="96414" marR="50135" marT="50135" marB="50135" anchor="b">
+                    <a:lnL w="12700" cmpd="sng">
+                      <a:noFill/>
+                      <a:prstDash val="solid"/>
+                    </a:lnL>
+                    <a:lnR w="12700" cmpd="sng">
+                      <a:noFill/>
+                      <a:prstDash val="solid"/>
+                    </a:lnR>
+                    <a:lnT w="19050" cap="flat" cmpd="sng" algn="ctr">
+                      <a:solidFill>
+                        <a:srgbClr val="FFFFFF"/>
+                      </a:solidFill>
+                      <a:prstDash val="solid"/>
+                    </a:lnT>
+                    <a:lnB w="19050" cap="flat" cmpd="sng" algn="ctr">
+                      <a:solidFill>
+                        <a:srgbClr val="FFFFFF"/>
+                      </a:solidFill>
+                      <a:prstDash val="solid"/>
+                    </a:lnB>
+                    <a:solidFill>
+                      <a:srgbClr val="B4BCBE">
+                        <a:alpha val="34902"/>
+                      </a:srgbClr>
+                    </a:solidFill>
+                  </a:tcPr>
+                </a:tc>
+                <a:tc>
+                  <a:txBody>
+                    <a:bodyPr/>
+                    <a:lstStyle/>
+                    <a:p>
+                      <a:pPr algn="r" fontAlgn="b"/>
+                      <a:r>
+                        <a:rPr lang="en-GB" sz="600" b="0" i="0" u="none" strike="noStrike">
+                          <a:solidFill>
+                            <a:schemeClr val="tx1">
+                              <a:lumMod val="75000"/>
+                              <a:lumOff val="25000"/>
+                            </a:schemeClr>
+                          </a:solidFill>
+                          <a:effectLst/>
+                          <a:latin typeface="Calibri" panose="020F0502020204030204" pitchFamily="34" charset="0"/>
+                        </a:rPr>
+                        <a:t>66.7</a:t>
+                      </a:r>
+                    </a:p>
+                  </a:txBody>
+                  <a:tcPr marL="96414" marR="50135" marT="50135" marB="50135" anchor="b">
+                    <a:lnL w="12700" cmpd="sng">
+                      <a:noFill/>
+                      <a:prstDash val="solid"/>
+                    </a:lnL>
+                    <a:lnR w="12700" cmpd="sng">
+                      <a:noFill/>
+                      <a:prstDash val="solid"/>
+                    </a:lnR>
+                    <a:lnT w="19050" cap="flat" cmpd="sng" algn="ctr">
+                      <a:solidFill>
+                        <a:srgbClr val="FFFFFF"/>
+                      </a:solidFill>
+                      <a:prstDash val="solid"/>
+                    </a:lnT>
+                    <a:lnB w="19050" cap="flat" cmpd="sng" algn="ctr">
+                      <a:solidFill>
+                        <a:srgbClr val="FFFFFF"/>
+                      </a:solidFill>
+                      <a:prstDash val="solid"/>
+                    </a:lnB>
+                    <a:solidFill>
+                      <a:srgbClr val="B4BCBE">
+                        <a:alpha val="34902"/>
+                      </a:srgbClr>
+                    </a:solidFill>
+                  </a:tcPr>
+                </a:tc>
+                <a:extLst>
+                  <a:ext uri="{0D108BD9-81ED-4DB2-BD59-A6C34878D82A}">
+                    <a16:rowId xmlns:a16="http://schemas.microsoft.com/office/drawing/2014/main" val="3901436362"/>
+                  </a:ext>
+                </a:extLst>
+              </a:tr>
+              <a:tr h="205684">
+                <a:tc>
+                  <a:txBody>
+                    <a:bodyPr/>
+                    <a:lstStyle/>
+                    <a:p>
+                      <a:pPr algn="l" fontAlgn="b"/>
+                      <a:r>
+                        <a:rPr lang="en-GB" sz="600" b="0" i="0" u="none" strike="noStrike">
+                          <a:solidFill>
+                            <a:schemeClr val="tx1">
+                              <a:lumMod val="75000"/>
+                              <a:lumOff val="25000"/>
+                            </a:schemeClr>
+                          </a:solidFill>
+                          <a:effectLst/>
+                          <a:latin typeface="Calibri" panose="020F0502020204030204" pitchFamily="34" charset="0"/>
+                        </a:rPr>
+                        <a:t>BTUIW-2</a:t>
+                      </a:r>
+                    </a:p>
+                  </a:txBody>
+                  <a:tcPr marL="96414" marR="50135" marT="50135" marB="50135" anchor="b">
+                    <a:lnL w="12700" cmpd="sng">
+                      <a:noFill/>
+                      <a:prstDash val="solid"/>
+                    </a:lnL>
+                    <a:lnR w="12700" cmpd="sng">
+                      <a:noFill/>
+                      <a:prstDash val="solid"/>
+                    </a:lnR>
+                    <a:lnT w="19050" cap="flat" cmpd="sng" algn="ctr">
+                      <a:solidFill>
+                        <a:srgbClr val="FFFFFF"/>
+                      </a:solidFill>
+                      <a:prstDash val="solid"/>
+                    </a:lnT>
+                    <a:lnB w="19050" cap="flat" cmpd="sng" algn="ctr">
+                      <a:solidFill>
+                        <a:srgbClr val="FFFFFF"/>
+                      </a:solidFill>
+                      <a:prstDash val="solid"/>
+                    </a:lnB>
+                    <a:solidFill>
+                      <a:srgbClr val="B4BCBE">
+                        <a:alpha val="34902"/>
+                      </a:srgbClr>
+                    </a:solidFill>
+                  </a:tcPr>
+                </a:tc>
+                <a:tc>
+                  <a:txBody>
+                    <a:bodyPr/>
+                    <a:lstStyle/>
+                    <a:p>
+                      <a:pPr algn="l" fontAlgn="b"/>
+                      <a:r>
+                        <a:rPr lang="en-GB" sz="600" b="0" i="0" u="none" strike="noStrike">
+                          <a:solidFill>
+                            <a:schemeClr val="tx1">
+                              <a:lumMod val="75000"/>
+                              <a:lumOff val="25000"/>
+                            </a:schemeClr>
+                          </a:solidFill>
+                          <a:effectLst/>
+                          <a:latin typeface="Calibri" panose="020F0502020204030204" pitchFamily="34" charset="0"/>
+                        </a:rPr>
+                        <a:t>Beinn An Tuirc 2</a:t>
+                      </a:r>
+                    </a:p>
+                  </a:txBody>
+                  <a:tcPr marL="96414" marR="50135" marT="50135" marB="50135" anchor="b">
+                    <a:lnL w="12700" cmpd="sng">
+                      <a:noFill/>
+                      <a:prstDash val="solid"/>
+                    </a:lnL>
+                    <a:lnR w="12700" cmpd="sng">
+                      <a:noFill/>
+                      <a:prstDash val="solid"/>
+                    </a:lnR>
+                    <a:lnT w="19050" cap="flat" cmpd="sng" algn="ctr">
+                      <a:solidFill>
+                        <a:srgbClr val="FFFFFF"/>
+                      </a:solidFill>
+                      <a:prstDash val="solid"/>
+                    </a:lnT>
+                    <a:lnB w="19050" cap="flat" cmpd="sng" algn="ctr">
+                      <a:solidFill>
+                        <a:srgbClr val="FFFFFF"/>
+                      </a:solidFill>
+                      <a:prstDash val="solid"/>
+                    </a:lnB>
+                    <a:solidFill>
+                      <a:srgbClr val="B4BCBE">
+                        <a:alpha val="34902"/>
+                      </a:srgbClr>
+                    </a:solidFill>
+                  </a:tcPr>
+                </a:tc>
+                <a:tc>
+                  <a:txBody>
+                    <a:bodyPr/>
+                    <a:lstStyle/>
+                    <a:p>
+                      <a:pPr algn="r" fontAlgn="b"/>
+                      <a:r>
+                        <a:rPr lang="en-GB" sz="600" b="0" i="0" u="none" strike="noStrike">
+                          <a:solidFill>
+                            <a:schemeClr val="tx1">
+                              <a:lumMod val="75000"/>
+                              <a:lumOff val="25000"/>
+                            </a:schemeClr>
+                          </a:solidFill>
+                          <a:effectLst/>
+                          <a:latin typeface="Calibri" panose="020F0502020204030204" pitchFamily="34" charset="0"/>
+                        </a:rPr>
+                        <a:t>55.5603353</a:t>
+                      </a:r>
+                    </a:p>
+                  </a:txBody>
+                  <a:tcPr marL="96414" marR="50135" marT="50135" marB="50135" anchor="b">
+                    <a:lnL w="12700" cmpd="sng">
+                      <a:noFill/>
+                      <a:prstDash val="solid"/>
+                    </a:lnL>
+                    <a:lnR w="12700" cmpd="sng">
+                      <a:noFill/>
+                      <a:prstDash val="solid"/>
+                    </a:lnR>
+                    <a:lnT w="19050" cap="flat" cmpd="sng" algn="ctr">
+                      <a:solidFill>
+                        <a:srgbClr val="FFFFFF"/>
+                      </a:solidFill>
+                      <a:prstDash val="solid"/>
+                    </a:lnT>
+                    <a:lnB w="19050" cap="flat" cmpd="sng" algn="ctr">
+                      <a:solidFill>
+                        <a:srgbClr val="FFFFFF"/>
+                      </a:solidFill>
+                      <a:prstDash val="solid"/>
+                    </a:lnB>
+                    <a:solidFill>
+                      <a:srgbClr val="B4BCBE">
+                        <a:alpha val="34902"/>
+                      </a:srgbClr>
+                    </a:solidFill>
+                  </a:tcPr>
+                </a:tc>
+                <a:tc>
+                  <a:txBody>
+                    <a:bodyPr/>
+                    <a:lstStyle/>
+                    <a:p>
+                      <a:pPr algn="r" fontAlgn="b"/>
+                      <a:r>
+                        <a:rPr lang="en-GB" sz="600" b="0" i="0" u="none" strike="noStrike">
+                          <a:solidFill>
+                            <a:schemeClr val="tx1">
+                              <a:lumMod val="75000"/>
+                              <a:lumOff val="25000"/>
+                            </a:schemeClr>
+                          </a:solidFill>
+                          <a:effectLst/>
+                          <a:latin typeface="Calibri" panose="020F0502020204030204" pitchFamily="34" charset="0"/>
+                        </a:rPr>
+                        <a:t>-5.5887</a:t>
+                      </a:r>
+                    </a:p>
+                  </a:txBody>
+                  <a:tcPr marL="96414" marR="50135" marT="50135" marB="50135" anchor="b">
+                    <a:lnL w="12700" cmpd="sng">
+                      <a:noFill/>
+                      <a:prstDash val="solid"/>
+                    </a:lnL>
+                    <a:lnR w="12700" cmpd="sng">
+                      <a:noFill/>
+                      <a:prstDash val="solid"/>
+                    </a:lnR>
+                    <a:lnT w="19050" cap="flat" cmpd="sng" algn="ctr">
+                      <a:solidFill>
+                        <a:srgbClr val="FFFFFF"/>
+                      </a:solidFill>
+                      <a:prstDash val="solid"/>
+                    </a:lnT>
+                    <a:lnB w="19050" cap="flat" cmpd="sng" algn="ctr">
+                      <a:solidFill>
+                        <a:srgbClr val="FFFFFF"/>
+                      </a:solidFill>
+                      <a:prstDash val="solid"/>
+                    </a:lnB>
+                    <a:solidFill>
+                      <a:srgbClr val="B4BCBE">
+                        <a:alpha val="34902"/>
+                      </a:srgbClr>
+                    </a:solidFill>
+                  </a:tcPr>
+                </a:tc>
+                <a:tc>
+                  <a:txBody>
+                    <a:bodyPr/>
+                    <a:lstStyle/>
+                    <a:p>
+                      <a:pPr algn="r" fontAlgn="b"/>
+                      <a:r>
+                        <a:rPr lang="en-GB" sz="600" b="0" i="0" u="none" strike="noStrike">
+                          <a:solidFill>
+                            <a:schemeClr val="tx1">
+                              <a:lumMod val="75000"/>
+                              <a:lumOff val="25000"/>
+                            </a:schemeClr>
+                          </a:solidFill>
+                          <a:effectLst/>
+                          <a:latin typeface="Calibri" panose="020F0502020204030204" pitchFamily="34" charset="0"/>
+                        </a:rPr>
+                        <a:t>43.7</a:t>
+                      </a:r>
+                    </a:p>
+                  </a:txBody>
+                  <a:tcPr marL="96414" marR="50135" marT="50135" marB="50135" anchor="b">
+                    <a:lnL w="12700" cmpd="sng">
+                      <a:noFill/>
+                      <a:prstDash val="solid"/>
+                    </a:lnL>
+                    <a:lnR w="12700" cmpd="sng">
+                      <a:noFill/>
+                      <a:prstDash val="solid"/>
+                    </a:lnR>
+                    <a:lnT w="19050" cap="flat" cmpd="sng" algn="ctr">
+                      <a:solidFill>
+                        <a:srgbClr val="FFFFFF"/>
+                      </a:solidFill>
+                      <a:prstDash val="solid"/>
+                    </a:lnT>
+                    <a:lnB w="19050" cap="flat" cmpd="sng" algn="ctr">
+                      <a:solidFill>
+                        <a:srgbClr val="FFFFFF"/>
+                      </a:solidFill>
+                      <a:prstDash val="solid"/>
+                    </a:lnB>
+                    <a:solidFill>
+                      <a:srgbClr val="B4BCBE">
+                        <a:alpha val="34902"/>
+                      </a:srgbClr>
+                    </a:solidFill>
+                  </a:tcPr>
+                </a:tc>
+                <a:extLst>
+                  <a:ext uri="{0D108BD9-81ED-4DB2-BD59-A6C34878D82A}">
+                    <a16:rowId xmlns:a16="http://schemas.microsoft.com/office/drawing/2014/main" val="2027091641"/>
+                  </a:ext>
+                </a:extLst>
+              </a:tr>
+              <a:tr h="205684">
+                <a:tc>
+                  <a:txBody>
+                    <a:bodyPr/>
+                    <a:lstStyle/>
+                    <a:p>
+                      <a:pPr algn="l" fontAlgn="b"/>
+                      <a:r>
+                        <a:rPr lang="en-GB" sz="600" b="0" i="0" u="none" strike="noStrike">
+                          <a:solidFill>
+                            <a:schemeClr val="tx1">
+                              <a:lumMod val="75000"/>
+                              <a:lumOff val="25000"/>
+                            </a:schemeClr>
+                          </a:solidFill>
+                          <a:effectLst/>
+                          <a:latin typeface="Calibri" panose="020F0502020204030204" pitchFamily="34" charset="0"/>
+                        </a:rPr>
+                        <a:t>CGTHW-1</a:t>
+                      </a:r>
+                    </a:p>
+                  </a:txBody>
+                  <a:tcPr marL="96414" marR="50135" marT="50135" marB="50135" anchor="b">
+                    <a:lnL w="12700" cmpd="sng">
+                      <a:noFill/>
+                      <a:prstDash val="solid"/>
+                    </a:lnL>
+                    <a:lnR w="12700" cmpd="sng">
+                      <a:noFill/>
+                      <a:prstDash val="solid"/>
+                    </a:lnR>
+                    <a:lnT w="19050" cap="flat" cmpd="sng" algn="ctr">
+                      <a:solidFill>
+                        <a:srgbClr val="FFFFFF"/>
+                      </a:solidFill>
+                      <a:prstDash val="solid"/>
+                    </a:lnT>
+                    <a:lnB w="19050" cap="flat" cmpd="sng" algn="ctr">
+                      <a:solidFill>
+                        <a:srgbClr val="FFFFFF"/>
+                      </a:solidFill>
+                      <a:prstDash val="solid"/>
+                    </a:lnB>
+                    <a:solidFill>
+                      <a:srgbClr val="B4BCBE">
+                        <a:alpha val="34902"/>
+                      </a:srgbClr>
+                    </a:solidFill>
+                  </a:tcPr>
+                </a:tc>
+                <a:tc>
+                  <a:txBody>
+                    <a:bodyPr/>
+                    <a:lstStyle/>
+                    <a:p>
+                      <a:pPr algn="l" fontAlgn="b"/>
+                      <a:r>
+                        <a:rPr lang="en-GB" sz="600" b="0" i="0" u="none" strike="noStrike">
+                          <a:solidFill>
+                            <a:schemeClr val="tx1">
+                              <a:lumMod val="75000"/>
+                              <a:lumOff val="25000"/>
+                            </a:schemeClr>
+                          </a:solidFill>
+                          <a:effectLst/>
+                          <a:latin typeface="Calibri" panose="020F0502020204030204" pitchFamily="34" charset="0"/>
+                        </a:rPr>
+                        <a:t>Corriegarth Wind Farm</a:t>
+                      </a:r>
+                    </a:p>
+                  </a:txBody>
+                  <a:tcPr marL="96414" marR="50135" marT="50135" marB="50135" anchor="b">
+                    <a:lnL w="12700" cmpd="sng">
+                      <a:noFill/>
+                      <a:prstDash val="solid"/>
+                    </a:lnL>
+                    <a:lnR w="12700" cmpd="sng">
+                      <a:noFill/>
+                      <a:prstDash val="solid"/>
+                    </a:lnR>
+                    <a:lnT w="19050" cap="flat" cmpd="sng" algn="ctr">
+                      <a:solidFill>
+                        <a:srgbClr val="FFFFFF"/>
+                      </a:solidFill>
+                      <a:prstDash val="solid"/>
+                    </a:lnT>
+                    <a:lnB w="19050" cap="flat" cmpd="sng" algn="ctr">
+                      <a:solidFill>
+                        <a:srgbClr val="FFFFFF"/>
+                      </a:solidFill>
+                      <a:prstDash val="solid"/>
+                    </a:lnB>
+                    <a:solidFill>
+                      <a:srgbClr val="B4BCBE">
+                        <a:alpha val="34902"/>
+                      </a:srgbClr>
+                    </a:solidFill>
+                  </a:tcPr>
+                </a:tc>
+                <a:tc>
+                  <a:txBody>
+                    <a:bodyPr/>
+                    <a:lstStyle/>
+                    <a:p>
+                      <a:pPr algn="r" fontAlgn="b"/>
+                      <a:r>
+                        <a:rPr lang="en-GB" sz="600" b="0" i="0" u="none" strike="noStrike">
+                          <a:solidFill>
+                            <a:schemeClr val="tx1">
+                              <a:lumMod val="75000"/>
+                              <a:lumOff val="25000"/>
+                            </a:schemeClr>
+                          </a:solidFill>
+                          <a:effectLst/>
+                          <a:latin typeface="Calibri" panose="020F0502020204030204" pitchFamily="34" charset="0"/>
+                        </a:rPr>
+                        <a:t>57.18658614</a:t>
+                      </a:r>
+                    </a:p>
+                  </a:txBody>
+                  <a:tcPr marL="96414" marR="50135" marT="50135" marB="50135" anchor="b">
+                    <a:lnL w="12700" cmpd="sng">
+                      <a:noFill/>
+                      <a:prstDash val="solid"/>
+                    </a:lnL>
+                    <a:lnR w="12700" cmpd="sng">
+                      <a:noFill/>
+                      <a:prstDash val="solid"/>
+                    </a:lnR>
+                    <a:lnT w="19050" cap="flat" cmpd="sng" algn="ctr">
+                      <a:solidFill>
+                        <a:srgbClr val="FFFFFF"/>
+                      </a:solidFill>
+                      <a:prstDash val="solid"/>
+                    </a:lnT>
+                    <a:lnB w="19050" cap="flat" cmpd="sng" algn="ctr">
+                      <a:solidFill>
+                        <a:srgbClr val="FFFFFF"/>
+                      </a:solidFill>
+                      <a:prstDash val="solid"/>
+                    </a:lnB>
+                    <a:solidFill>
+                      <a:srgbClr val="B4BCBE">
+                        <a:alpha val="34902"/>
+                      </a:srgbClr>
+                    </a:solidFill>
+                  </a:tcPr>
+                </a:tc>
+                <a:tc>
+                  <a:txBody>
+                    <a:bodyPr/>
+                    <a:lstStyle/>
+                    <a:p>
+                      <a:pPr algn="r" fontAlgn="b"/>
+                      <a:r>
+                        <a:rPr lang="en-GB" sz="600" b="0" i="0" u="none" strike="noStrike">
+                          <a:solidFill>
+                            <a:schemeClr val="tx1">
+                              <a:lumMod val="75000"/>
+                              <a:lumOff val="25000"/>
+                            </a:schemeClr>
+                          </a:solidFill>
+                          <a:effectLst/>
+                          <a:latin typeface="Calibri" panose="020F0502020204030204" pitchFamily="34" charset="0"/>
+                        </a:rPr>
+                        <a:t>-4.36815</a:t>
+                      </a:r>
+                    </a:p>
+                  </a:txBody>
+                  <a:tcPr marL="96414" marR="50135" marT="50135" marB="50135" anchor="b">
+                    <a:lnL w="12700" cmpd="sng">
+                      <a:noFill/>
+                      <a:prstDash val="solid"/>
+                    </a:lnL>
+                    <a:lnR w="12700" cmpd="sng">
+                      <a:noFill/>
+                      <a:prstDash val="solid"/>
+                    </a:lnR>
+                    <a:lnT w="19050" cap="flat" cmpd="sng" algn="ctr">
+                      <a:solidFill>
+                        <a:srgbClr val="FFFFFF"/>
+                      </a:solidFill>
+                      <a:prstDash val="solid"/>
+                    </a:lnT>
+                    <a:lnB w="19050" cap="flat" cmpd="sng" algn="ctr">
+                      <a:solidFill>
+                        <a:srgbClr val="FFFFFF"/>
+                      </a:solidFill>
+                      <a:prstDash val="solid"/>
+                    </a:lnB>
+                    <a:solidFill>
+                      <a:srgbClr val="B4BCBE">
+                        <a:alpha val="34902"/>
+                      </a:srgbClr>
+                    </a:solidFill>
+                  </a:tcPr>
+                </a:tc>
+                <a:tc>
+                  <a:txBody>
+                    <a:bodyPr/>
+                    <a:lstStyle/>
+                    <a:p>
+                      <a:pPr algn="r" fontAlgn="b"/>
+                      <a:r>
+                        <a:rPr lang="en-GB" sz="600" b="0" i="0" u="none" strike="noStrike">
+                          <a:solidFill>
+                            <a:schemeClr val="tx1">
+                              <a:lumMod val="75000"/>
+                              <a:lumOff val="25000"/>
+                            </a:schemeClr>
+                          </a:solidFill>
+                          <a:effectLst/>
+                          <a:latin typeface="Calibri" panose="020F0502020204030204" pitchFamily="34" charset="0"/>
+                        </a:rPr>
+                        <a:t>69</a:t>
+                      </a:r>
+                    </a:p>
+                  </a:txBody>
+                  <a:tcPr marL="96414" marR="50135" marT="50135" marB="50135" anchor="b">
+                    <a:lnL w="12700" cmpd="sng">
+                      <a:noFill/>
+                      <a:prstDash val="solid"/>
+                    </a:lnL>
+                    <a:lnR w="12700" cmpd="sng">
+                      <a:noFill/>
+                      <a:prstDash val="solid"/>
+                    </a:lnR>
+                    <a:lnT w="19050" cap="flat" cmpd="sng" algn="ctr">
+                      <a:solidFill>
+                        <a:srgbClr val="FFFFFF"/>
+                      </a:solidFill>
+                      <a:prstDash val="solid"/>
+                    </a:lnT>
+                    <a:lnB w="19050" cap="flat" cmpd="sng" algn="ctr">
+                      <a:solidFill>
+                        <a:srgbClr val="FFFFFF"/>
+                      </a:solidFill>
+                      <a:prstDash val="solid"/>
+                    </a:lnB>
+                    <a:solidFill>
+                      <a:srgbClr val="B4BCBE">
+                        <a:alpha val="34902"/>
+                      </a:srgbClr>
+                    </a:solidFill>
+                  </a:tcPr>
+                </a:tc>
+                <a:extLst>
+                  <a:ext uri="{0D108BD9-81ED-4DB2-BD59-A6C34878D82A}">
+                    <a16:rowId xmlns:a16="http://schemas.microsoft.com/office/drawing/2014/main" val="192138370"/>
+                  </a:ext>
+                </a:extLst>
+              </a:tr>
+              <a:tr h="205684">
+                <a:tc>
+                  <a:txBody>
+                    <a:bodyPr/>
+                    <a:lstStyle/>
+                    <a:p>
+                      <a:pPr algn="l" fontAlgn="b"/>
+                      <a:r>
+                        <a:rPr lang="en-GB" sz="600" b="0" i="0" u="none" strike="noStrike">
+                          <a:solidFill>
+                            <a:schemeClr val="tx1">
+                              <a:lumMod val="75000"/>
+                              <a:lumOff val="25000"/>
+                            </a:schemeClr>
+                          </a:solidFill>
+                          <a:effectLst/>
+                          <a:latin typeface="Calibri" panose="020F0502020204030204" pitchFamily="34" charset="0"/>
+                        </a:rPr>
+                        <a:t>CLDCW-1</a:t>
+                      </a:r>
+                    </a:p>
+                  </a:txBody>
+                  <a:tcPr marL="96414" marR="50135" marT="50135" marB="50135" anchor="b">
+                    <a:lnL w="12700" cmpd="sng">
+                      <a:noFill/>
+                      <a:prstDash val="solid"/>
+                    </a:lnL>
+                    <a:lnR w="12700" cmpd="sng">
+                      <a:noFill/>
+                      <a:prstDash val="solid"/>
+                    </a:lnR>
+                    <a:lnT w="19050" cap="flat" cmpd="sng" algn="ctr">
+                      <a:solidFill>
+                        <a:srgbClr val="FFFFFF"/>
+                      </a:solidFill>
+                      <a:prstDash val="solid"/>
+                    </a:lnT>
+                    <a:lnB w="19050" cap="flat" cmpd="sng" algn="ctr">
+                      <a:solidFill>
+                        <a:srgbClr val="FFFFFF"/>
+                      </a:solidFill>
+                      <a:prstDash val="solid"/>
+                    </a:lnB>
+                    <a:solidFill>
+                      <a:srgbClr val="B4BCBE">
+                        <a:alpha val="34902"/>
+                      </a:srgbClr>
+                    </a:solidFill>
+                  </a:tcPr>
+                </a:tc>
+                <a:tc>
+                  <a:txBody>
+                    <a:bodyPr/>
+                    <a:lstStyle/>
+                    <a:p>
+                      <a:pPr algn="l" fontAlgn="b"/>
+                      <a:r>
+                        <a:rPr lang="en-GB" sz="600" b="0" i="0" u="none" strike="noStrike">
+                          <a:solidFill>
+                            <a:schemeClr val="tx1">
+                              <a:lumMod val="75000"/>
+                              <a:lumOff val="25000"/>
+                            </a:schemeClr>
+                          </a:solidFill>
+                          <a:effectLst/>
+                          <a:latin typeface="Calibri" panose="020F0502020204030204" pitchFamily="34" charset="0"/>
+                        </a:rPr>
+                        <a:t>Clyde Central Windfarm</a:t>
+                      </a:r>
+                    </a:p>
+                  </a:txBody>
+                  <a:tcPr marL="96414" marR="50135" marT="50135" marB="50135" anchor="b">
+                    <a:lnL w="12700" cmpd="sng">
+                      <a:noFill/>
+                      <a:prstDash val="solid"/>
+                    </a:lnL>
+                    <a:lnR w="12700" cmpd="sng">
+                      <a:noFill/>
+                      <a:prstDash val="solid"/>
+                    </a:lnR>
+                    <a:lnT w="19050" cap="flat" cmpd="sng" algn="ctr">
+                      <a:solidFill>
+                        <a:srgbClr val="FFFFFF"/>
+                      </a:solidFill>
+                      <a:prstDash val="solid"/>
+                    </a:lnT>
+                    <a:lnB w="19050" cap="flat" cmpd="sng" algn="ctr">
+                      <a:solidFill>
+                        <a:srgbClr val="FFFFFF"/>
+                      </a:solidFill>
+                      <a:prstDash val="solid"/>
+                    </a:lnB>
+                    <a:solidFill>
+                      <a:srgbClr val="B4BCBE">
+                        <a:alpha val="34902"/>
+                      </a:srgbClr>
+                    </a:solidFill>
+                  </a:tcPr>
+                </a:tc>
+                <a:tc>
+                  <a:txBody>
+                    <a:bodyPr/>
+                    <a:lstStyle/>
+                    <a:p>
+                      <a:pPr algn="r" fontAlgn="b"/>
+                      <a:r>
+                        <a:rPr lang="en-GB" sz="600" b="0" i="0" u="none" strike="noStrike">
+                          <a:solidFill>
+                            <a:schemeClr val="tx1">
+                              <a:lumMod val="75000"/>
+                              <a:lumOff val="25000"/>
+                            </a:schemeClr>
+                          </a:solidFill>
+                          <a:effectLst/>
+                          <a:latin typeface="Calibri" panose="020F0502020204030204" pitchFamily="34" charset="0"/>
+                        </a:rPr>
+                        <a:t>55.44617453</a:t>
+                      </a:r>
+                    </a:p>
+                  </a:txBody>
+                  <a:tcPr marL="96414" marR="50135" marT="50135" marB="50135" anchor="b">
+                    <a:lnL w="12700" cmpd="sng">
+                      <a:noFill/>
+                      <a:prstDash val="solid"/>
+                    </a:lnL>
+                    <a:lnR w="12700" cmpd="sng">
+                      <a:noFill/>
+                      <a:prstDash val="solid"/>
+                    </a:lnR>
+                    <a:lnT w="19050" cap="flat" cmpd="sng" algn="ctr">
+                      <a:solidFill>
+                        <a:srgbClr val="FFFFFF"/>
+                      </a:solidFill>
+                      <a:prstDash val="solid"/>
+                    </a:lnT>
+                    <a:lnB w="19050" cap="flat" cmpd="sng" algn="ctr">
+                      <a:solidFill>
+                        <a:srgbClr val="FFFFFF"/>
+                      </a:solidFill>
+                      <a:prstDash val="solid"/>
+                    </a:lnB>
+                    <a:solidFill>
+                      <a:srgbClr val="B4BCBE">
+                        <a:alpha val="34902"/>
+                      </a:srgbClr>
+                    </a:solidFill>
+                  </a:tcPr>
+                </a:tc>
+                <a:tc>
+                  <a:txBody>
+                    <a:bodyPr/>
+                    <a:lstStyle/>
+                    <a:p>
+                      <a:pPr algn="r" fontAlgn="b"/>
+                      <a:r>
+                        <a:rPr lang="en-GB" sz="600" b="0" i="0" u="none" strike="noStrike">
+                          <a:solidFill>
+                            <a:schemeClr val="tx1">
+                              <a:lumMod val="75000"/>
+                              <a:lumOff val="25000"/>
+                            </a:schemeClr>
+                          </a:solidFill>
+                          <a:effectLst/>
+                          <a:latin typeface="Calibri" panose="020F0502020204030204" pitchFamily="34" charset="0"/>
+                        </a:rPr>
+                        <a:t>-3.59929</a:t>
+                      </a:r>
+                    </a:p>
+                  </a:txBody>
+                  <a:tcPr marL="96414" marR="50135" marT="50135" marB="50135" anchor="b">
+                    <a:lnL w="12700" cmpd="sng">
+                      <a:noFill/>
+                      <a:prstDash val="solid"/>
+                    </a:lnL>
+                    <a:lnR w="12700" cmpd="sng">
+                      <a:noFill/>
+                      <a:prstDash val="solid"/>
+                    </a:lnR>
+                    <a:lnT w="19050" cap="flat" cmpd="sng" algn="ctr">
+                      <a:solidFill>
+                        <a:srgbClr val="FFFFFF"/>
+                      </a:solidFill>
+                      <a:prstDash val="solid"/>
+                    </a:lnT>
+                    <a:lnB w="19050" cap="flat" cmpd="sng" algn="ctr">
+                      <a:solidFill>
+                        <a:srgbClr val="FFFFFF"/>
+                      </a:solidFill>
+                      <a:prstDash val="solid"/>
+                    </a:lnB>
+                    <a:solidFill>
+                      <a:srgbClr val="B4BCBE">
+                        <a:alpha val="34902"/>
+                      </a:srgbClr>
+                    </a:solidFill>
+                  </a:tcPr>
+                </a:tc>
+                <a:tc>
+                  <a:txBody>
+                    <a:bodyPr/>
+                    <a:lstStyle/>
+                    <a:p>
+                      <a:pPr algn="r" fontAlgn="b"/>
+                      <a:r>
+                        <a:rPr lang="en-GB" sz="600" b="0" i="0" u="none" strike="noStrike">
+                          <a:solidFill>
+                            <a:schemeClr val="tx1">
+                              <a:lumMod val="75000"/>
+                              <a:lumOff val="25000"/>
+                            </a:schemeClr>
+                          </a:solidFill>
+                          <a:effectLst/>
+                          <a:latin typeface="Calibri" panose="020F0502020204030204" pitchFamily="34" charset="0"/>
+                        </a:rPr>
+                        <a:t>112</a:t>
+                      </a:r>
+                    </a:p>
+                  </a:txBody>
+                  <a:tcPr marL="96414" marR="50135" marT="50135" marB="50135" anchor="b">
+                    <a:lnL w="12700" cmpd="sng">
+                      <a:noFill/>
+                      <a:prstDash val="solid"/>
+                    </a:lnL>
+                    <a:lnR w="12700" cmpd="sng">
+                      <a:noFill/>
+                      <a:prstDash val="solid"/>
+                    </a:lnR>
+                    <a:lnT w="19050" cap="flat" cmpd="sng" algn="ctr">
+                      <a:solidFill>
+                        <a:srgbClr val="FFFFFF"/>
+                      </a:solidFill>
+                      <a:prstDash val="solid"/>
+                    </a:lnT>
+                    <a:lnB w="19050" cap="flat" cmpd="sng" algn="ctr">
+                      <a:solidFill>
+                        <a:srgbClr val="FFFFFF"/>
+                      </a:solidFill>
+                      <a:prstDash val="solid"/>
+                    </a:lnB>
+                    <a:solidFill>
+                      <a:srgbClr val="B4BCBE">
+                        <a:alpha val="34902"/>
+                      </a:srgbClr>
+                    </a:solidFill>
+                  </a:tcPr>
+                </a:tc>
+                <a:extLst>
+                  <a:ext uri="{0D108BD9-81ED-4DB2-BD59-A6C34878D82A}">
+                    <a16:rowId xmlns:a16="http://schemas.microsoft.com/office/drawing/2014/main" val="787011241"/>
+                  </a:ext>
+                </a:extLst>
+              </a:tr>
+              <a:tr h="205684">
+                <a:tc>
+                  <a:txBody>
+                    <a:bodyPr/>
+                    <a:lstStyle/>
+                    <a:p>
+                      <a:pPr algn="l" fontAlgn="b"/>
+                      <a:r>
+                        <a:rPr lang="en-GB" sz="600" b="0" i="0" u="none" strike="noStrike">
+                          <a:solidFill>
+                            <a:schemeClr val="tx1">
+                              <a:lumMod val="75000"/>
+                              <a:lumOff val="25000"/>
+                            </a:schemeClr>
+                          </a:solidFill>
+                          <a:effectLst/>
+                          <a:latin typeface="Calibri" panose="020F0502020204030204" pitchFamily="34" charset="0"/>
+                        </a:rPr>
+                        <a:t>CLDNW-1</a:t>
+                      </a:r>
+                    </a:p>
+                  </a:txBody>
+                  <a:tcPr marL="96414" marR="50135" marT="50135" marB="50135" anchor="b">
+                    <a:lnL w="12700" cmpd="sng">
+                      <a:noFill/>
+                      <a:prstDash val="solid"/>
+                    </a:lnL>
+                    <a:lnR w="12700" cmpd="sng">
+                      <a:noFill/>
+                      <a:prstDash val="solid"/>
+                    </a:lnR>
+                    <a:lnT w="19050" cap="flat" cmpd="sng" algn="ctr">
+                      <a:solidFill>
+                        <a:srgbClr val="FFFFFF"/>
+                      </a:solidFill>
+                      <a:prstDash val="solid"/>
+                    </a:lnT>
+                    <a:lnB w="19050" cap="flat" cmpd="sng" algn="ctr">
+                      <a:solidFill>
+                        <a:srgbClr val="FFFFFF"/>
+                      </a:solidFill>
+                      <a:prstDash val="solid"/>
+                    </a:lnB>
+                    <a:solidFill>
+                      <a:srgbClr val="B4BCBE">
+                        <a:alpha val="34902"/>
+                      </a:srgbClr>
+                    </a:solidFill>
+                  </a:tcPr>
+                </a:tc>
+                <a:tc>
+                  <a:txBody>
+                    <a:bodyPr/>
+                    <a:lstStyle/>
+                    <a:p>
+                      <a:pPr algn="l" fontAlgn="b"/>
+                      <a:r>
+                        <a:rPr lang="en-GB" sz="600" b="0" i="0" u="none" strike="noStrike">
+                          <a:solidFill>
+                            <a:schemeClr val="tx1">
+                              <a:lumMod val="75000"/>
+                              <a:lumOff val="25000"/>
+                            </a:schemeClr>
+                          </a:solidFill>
+                          <a:effectLst/>
+                          <a:latin typeface="Calibri" panose="020F0502020204030204" pitchFamily="34" charset="0"/>
+                        </a:rPr>
+                        <a:t>Clyde North Windfarm</a:t>
+                      </a:r>
+                    </a:p>
+                  </a:txBody>
+                  <a:tcPr marL="96414" marR="50135" marT="50135" marB="50135" anchor="b">
+                    <a:lnL w="12700" cmpd="sng">
+                      <a:noFill/>
+                      <a:prstDash val="solid"/>
+                    </a:lnL>
+                    <a:lnR w="12700" cmpd="sng">
+                      <a:noFill/>
+                      <a:prstDash val="solid"/>
+                    </a:lnR>
+                    <a:lnT w="19050" cap="flat" cmpd="sng" algn="ctr">
+                      <a:solidFill>
+                        <a:srgbClr val="FFFFFF"/>
+                      </a:solidFill>
+                      <a:prstDash val="solid"/>
+                    </a:lnT>
+                    <a:lnB w="19050" cap="flat" cmpd="sng" algn="ctr">
+                      <a:solidFill>
+                        <a:srgbClr val="FFFFFF"/>
+                      </a:solidFill>
+                      <a:prstDash val="solid"/>
+                    </a:lnB>
+                    <a:solidFill>
+                      <a:srgbClr val="B4BCBE">
+                        <a:alpha val="34902"/>
+                      </a:srgbClr>
+                    </a:solidFill>
+                  </a:tcPr>
+                </a:tc>
+                <a:tc>
+                  <a:txBody>
+                    <a:bodyPr/>
+                    <a:lstStyle/>
+                    <a:p>
+                      <a:pPr algn="r" fontAlgn="b"/>
+                      <a:r>
+                        <a:rPr lang="en-GB" sz="600" b="0" i="0" u="none" strike="noStrike">
+                          <a:solidFill>
+                            <a:schemeClr val="tx1">
+                              <a:lumMod val="75000"/>
+                              <a:lumOff val="25000"/>
+                            </a:schemeClr>
+                          </a:solidFill>
+                          <a:effectLst/>
+                          <a:latin typeface="Calibri" panose="020F0502020204030204" pitchFamily="34" charset="0"/>
+                        </a:rPr>
+                        <a:t>55.44617453</a:t>
+                      </a:r>
+                    </a:p>
+                  </a:txBody>
+                  <a:tcPr marL="96414" marR="50135" marT="50135" marB="50135" anchor="b">
+                    <a:lnL w="12700" cmpd="sng">
+                      <a:noFill/>
+                      <a:prstDash val="solid"/>
+                    </a:lnL>
+                    <a:lnR w="12700" cmpd="sng">
+                      <a:noFill/>
+                      <a:prstDash val="solid"/>
+                    </a:lnR>
+                    <a:lnT w="19050" cap="flat" cmpd="sng" algn="ctr">
+                      <a:solidFill>
+                        <a:srgbClr val="FFFFFF"/>
+                      </a:solidFill>
+                      <a:prstDash val="solid"/>
+                    </a:lnT>
+                    <a:lnB w="19050" cap="flat" cmpd="sng" algn="ctr">
+                      <a:solidFill>
+                        <a:srgbClr val="FFFFFF"/>
+                      </a:solidFill>
+                      <a:prstDash val="solid"/>
+                    </a:lnB>
+                    <a:solidFill>
+                      <a:srgbClr val="B4BCBE">
+                        <a:alpha val="34902"/>
+                      </a:srgbClr>
+                    </a:solidFill>
+                  </a:tcPr>
+                </a:tc>
+                <a:tc>
+                  <a:txBody>
+                    <a:bodyPr/>
+                    <a:lstStyle/>
+                    <a:p>
+                      <a:pPr algn="r" fontAlgn="b"/>
+                      <a:r>
+                        <a:rPr lang="en-GB" sz="600" b="0" i="0" u="none" strike="noStrike">
+                          <a:solidFill>
+                            <a:schemeClr val="tx1">
+                              <a:lumMod val="75000"/>
+                              <a:lumOff val="25000"/>
+                            </a:schemeClr>
+                          </a:solidFill>
+                          <a:effectLst/>
+                          <a:latin typeface="Calibri" panose="020F0502020204030204" pitchFamily="34" charset="0"/>
+                        </a:rPr>
+                        <a:t>-3.59929</a:t>
+                      </a:r>
+                    </a:p>
+                  </a:txBody>
+                  <a:tcPr marL="96414" marR="50135" marT="50135" marB="50135" anchor="b">
+                    <a:lnL w="12700" cmpd="sng">
+                      <a:noFill/>
+                      <a:prstDash val="solid"/>
+                    </a:lnL>
+                    <a:lnR w="12700" cmpd="sng">
+                      <a:noFill/>
+                      <a:prstDash val="solid"/>
+                    </a:lnR>
+                    <a:lnT w="19050" cap="flat" cmpd="sng" algn="ctr">
+                      <a:solidFill>
+                        <a:srgbClr val="FFFFFF"/>
+                      </a:solidFill>
+                      <a:prstDash val="solid"/>
+                    </a:lnT>
+                    <a:lnB w="19050" cap="flat" cmpd="sng" algn="ctr">
+                      <a:solidFill>
+                        <a:srgbClr val="FFFFFF"/>
+                      </a:solidFill>
+                      <a:prstDash val="solid"/>
+                    </a:lnB>
+                    <a:solidFill>
+                      <a:srgbClr val="B4BCBE">
+                        <a:alpha val="34902"/>
+                      </a:srgbClr>
+                    </a:solidFill>
+                  </a:tcPr>
+                </a:tc>
+                <a:tc>
+                  <a:txBody>
+                    <a:bodyPr/>
+                    <a:lstStyle/>
+                    <a:p>
+                      <a:pPr algn="r" fontAlgn="b"/>
+                      <a:r>
+                        <a:rPr lang="en-GB" sz="600" b="0" i="0" u="none" strike="noStrike">
+                          <a:solidFill>
+                            <a:schemeClr val="tx1">
+                              <a:lumMod val="75000"/>
+                              <a:lumOff val="25000"/>
+                            </a:schemeClr>
+                          </a:solidFill>
+                          <a:effectLst/>
+                          <a:latin typeface="Calibri" panose="020F0502020204030204" pitchFamily="34" charset="0"/>
+                        </a:rPr>
+                        <a:t>108</a:t>
+                      </a:r>
+                    </a:p>
+                  </a:txBody>
+                  <a:tcPr marL="96414" marR="50135" marT="50135" marB="50135" anchor="b">
+                    <a:lnL w="12700" cmpd="sng">
+                      <a:noFill/>
+                      <a:prstDash val="solid"/>
+                    </a:lnL>
+                    <a:lnR w="12700" cmpd="sng">
+                      <a:noFill/>
+                      <a:prstDash val="solid"/>
+                    </a:lnR>
+                    <a:lnT w="19050" cap="flat" cmpd="sng" algn="ctr">
+                      <a:solidFill>
+                        <a:srgbClr val="FFFFFF"/>
+                      </a:solidFill>
+                      <a:prstDash val="solid"/>
+                    </a:lnT>
+                    <a:lnB w="19050" cap="flat" cmpd="sng" algn="ctr">
+                      <a:solidFill>
+                        <a:srgbClr val="FFFFFF"/>
+                      </a:solidFill>
+                      <a:prstDash val="solid"/>
+                    </a:lnB>
+                    <a:solidFill>
+                      <a:srgbClr val="B4BCBE">
+                        <a:alpha val="34902"/>
+                      </a:srgbClr>
+                    </a:solidFill>
+                  </a:tcPr>
+                </a:tc>
+                <a:extLst>
+                  <a:ext uri="{0D108BD9-81ED-4DB2-BD59-A6C34878D82A}">
+                    <a16:rowId xmlns:a16="http://schemas.microsoft.com/office/drawing/2014/main" val="4283466872"/>
+                  </a:ext>
+                </a:extLst>
+              </a:tr>
+              <a:tr h="205684">
+                <a:tc>
+                  <a:txBody>
+                    <a:bodyPr/>
+                    <a:lstStyle/>
+                    <a:p>
+                      <a:pPr algn="l" fontAlgn="b"/>
+                      <a:r>
+                        <a:rPr lang="en-GB" sz="600" b="0" i="0" u="none" strike="noStrike">
+                          <a:solidFill>
+                            <a:schemeClr val="tx1">
+                              <a:lumMod val="75000"/>
+                              <a:lumOff val="25000"/>
+                            </a:schemeClr>
+                          </a:solidFill>
+                          <a:effectLst/>
+                          <a:latin typeface="Calibri" panose="020F0502020204030204" pitchFamily="34" charset="0"/>
+                        </a:rPr>
+                        <a:t>CLDRW-1</a:t>
+                      </a:r>
+                    </a:p>
+                  </a:txBody>
+                  <a:tcPr marL="96414" marR="50135" marT="50135" marB="50135" anchor="b">
+                    <a:lnL w="12700" cmpd="sng">
+                      <a:noFill/>
+                      <a:prstDash val="solid"/>
+                    </a:lnL>
+                    <a:lnR w="12700" cmpd="sng">
+                      <a:noFill/>
+                      <a:prstDash val="solid"/>
+                    </a:lnR>
+                    <a:lnT w="19050" cap="flat" cmpd="sng" algn="ctr">
+                      <a:solidFill>
+                        <a:srgbClr val="FFFFFF"/>
+                      </a:solidFill>
+                      <a:prstDash val="solid"/>
+                    </a:lnT>
+                    <a:lnB w="19050" cap="flat" cmpd="sng" algn="ctr">
+                      <a:solidFill>
+                        <a:srgbClr val="FFFFFF"/>
+                      </a:solidFill>
+                      <a:prstDash val="solid"/>
+                    </a:lnB>
+                    <a:solidFill>
+                      <a:srgbClr val="B4BCBE">
+                        <a:alpha val="34902"/>
+                      </a:srgbClr>
+                    </a:solidFill>
+                  </a:tcPr>
+                </a:tc>
+                <a:tc>
+                  <a:txBody>
+                    <a:bodyPr/>
+                    <a:lstStyle/>
+                    <a:p>
+                      <a:pPr algn="l" fontAlgn="b"/>
+                      <a:r>
+                        <a:rPr lang="en-GB" sz="600" b="0" i="0" u="none" strike="noStrike">
+                          <a:solidFill>
+                            <a:schemeClr val="tx1">
+                              <a:lumMod val="75000"/>
+                              <a:lumOff val="25000"/>
+                            </a:schemeClr>
+                          </a:solidFill>
+                          <a:effectLst/>
+                          <a:latin typeface="Calibri" panose="020F0502020204030204" pitchFamily="34" charset="0"/>
+                        </a:rPr>
+                        <a:t>Clashindarroch Wind Farm</a:t>
+                      </a:r>
+                    </a:p>
+                  </a:txBody>
+                  <a:tcPr marL="96414" marR="50135" marT="50135" marB="50135" anchor="b">
+                    <a:lnL w="12700" cmpd="sng">
+                      <a:noFill/>
+                      <a:prstDash val="solid"/>
+                    </a:lnL>
+                    <a:lnR w="12700" cmpd="sng">
+                      <a:noFill/>
+                      <a:prstDash val="solid"/>
+                    </a:lnR>
+                    <a:lnT w="19050" cap="flat" cmpd="sng" algn="ctr">
+                      <a:solidFill>
+                        <a:srgbClr val="FFFFFF"/>
+                      </a:solidFill>
+                      <a:prstDash val="solid"/>
+                    </a:lnT>
+                    <a:lnB w="19050" cap="flat" cmpd="sng" algn="ctr">
+                      <a:solidFill>
+                        <a:srgbClr val="FFFFFF"/>
+                      </a:solidFill>
+                      <a:prstDash val="solid"/>
+                    </a:lnB>
+                    <a:solidFill>
+                      <a:srgbClr val="B4BCBE">
+                        <a:alpha val="34902"/>
+                      </a:srgbClr>
+                    </a:solidFill>
+                  </a:tcPr>
+                </a:tc>
+                <a:tc>
+                  <a:txBody>
+                    <a:bodyPr/>
+                    <a:lstStyle/>
+                    <a:p>
+                      <a:pPr algn="r" fontAlgn="b"/>
+                      <a:r>
+                        <a:rPr lang="en-GB" sz="600" b="0" i="0" u="none" strike="noStrike">
+                          <a:solidFill>
+                            <a:schemeClr val="tx1">
+                              <a:lumMod val="75000"/>
+                              <a:lumOff val="25000"/>
+                            </a:schemeClr>
+                          </a:solidFill>
+                          <a:effectLst/>
+                          <a:latin typeface="Calibri" panose="020F0502020204030204" pitchFamily="34" charset="0"/>
+                        </a:rPr>
+                        <a:t>57.36729169</a:t>
+                      </a:r>
+                    </a:p>
+                  </a:txBody>
+                  <a:tcPr marL="96414" marR="50135" marT="50135" marB="50135" anchor="b">
+                    <a:lnL w="12700" cmpd="sng">
+                      <a:noFill/>
+                      <a:prstDash val="solid"/>
+                    </a:lnL>
+                    <a:lnR w="12700" cmpd="sng">
+                      <a:noFill/>
+                      <a:prstDash val="solid"/>
+                    </a:lnR>
+                    <a:lnT w="19050" cap="flat" cmpd="sng" algn="ctr">
+                      <a:solidFill>
+                        <a:srgbClr val="FFFFFF"/>
+                      </a:solidFill>
+                      <a:prstDash val="solid"/>
+                    </a:lnT>
+                    <a:lnB w="19050" cap="flat" cmpd="sng" algn="ctr">
+                      <a:solidFill>
+                        <a:srgbClr val="FFFFFF"/>
+                      </a:solidFill>
+                      <a:prstDash val="solid"/>
+                    </a:lnB>
+                    <a:solidFill>
+                      <a:srgbClr val="B4BCBE">
+                        <a:alpha val="34902"/>
+                      </a:srgbClr>
+                    </a:solidFill>
+                  </a:tcPr>
+                </a:tc>
+                <a:tc>
+                  <a:txBody>
+                    <a:bodyPr/>
+                    <a:lstStyle/>
+                    <a:p>
+                      <a:pPr algn="r" fontAlgn="b"/>
+                      <a:r>
+                        <a:rPr lang="en-GB" sz="600" b="0" i="0" u="none" strike="noStrike">
+                          <a:solidFill>
+                            <a:schemeClr val="tx1">
+                              <a:lumMod val="75000"/>
+                              <a:lumOff val="25000"/>
+                            </a:schemeClr>
+                          </a:solidFill>
+                          <a:effectLst/>
+                          <a:latin typeface="Calibri" panose="020F0502020204030204" pitchFamily="34" charset="0"/>
+                        </a:rPr>
+                        <a:t>-2.96057</a:t>
+                      </a:r>
+                    </a:p>
+                  </a:txBody>
+                  <a:tcPr marL="96414" marR="50135" marT="50135" marB="50135" anchor="b">
+                    <a:lnL w="12700" cmpd="sng">
+                      <a:noFill/>
+                      <a:prstDash val="solid"/>
+                    </a:lnL>
+                    <a:lnR w="12700" cmpd="sng">
+                      <a:noFill/>
+                      <a:prstDash val="solid"/>
+                    </a:lnR>
+                    <a:lnT w="19050" cap="flat" cmpd="sng" algn="ctr">
+                      <a:solidFill>
+                        <a:srgbClr val="FFFFFF"/>
+                      </a:solidFill>
+                      <a:prstDash val="solid"/>
+                    </a:lnT>
+                    <a:lnB w="19050" cap="flat" cmpd="sng" algn="ctr">
+                      <a:solidFill>
+                        <a:srgbClr val="FFFFFF"/>
+                      </a:solidFill>
+                      <a:prstDash val="solid"/>
+                    </a:lnB>
+                    <a:solidFill>
+                      <a:srgbClr val="B4BCBE">
+                        <a:alpha val="34902"/>
+                      </a:srgbClr>
+                    </a:solidFill>
+                  </a:tcPr>
+                </a:tc>
+                <a:tc>
+                  <a:txBody>
+                    <a:bodyPr/>
+                    <a:lstStyle/>
+                    <a:p>
+                      <a:pPr algn="r" fontAlgn="b"/>
+                      <a:r>
+                        <a:rPr lang="en-GB" sz="600" b="0" i="0" u="none" strike="noStrike" dirty="0">
+                          <a:solidFill>
+                            <a:schemeClr val="tx1">
+                              <a:lumMod val="75000"/>
+                              <a:lumOff val="25000"/>
+                            </a:schemeClr>
+                          </a:solidFill>
+                          <a:effectLst/>
+                          <a:latin typeface="Calibri" panose="020F0502020204030204" pitchFamily="34" charset="0"/>
+                        </a:rPr>
+                        <a:t>37</a:t>
+                      </a:r>
+                    </a:p>
+                  </a:txBody>
+                  <a:tcPr marL="96414" marR="50135" marT="50135" marB="50135" anchor="b">
+                    <a:lnL w="12700" cmpd="sng">
+                      <a:noFill/>
+                      <a:prstDash val="solid"/>
+                    </a:lnL>
+                    <a:lnR w="12700" cmpd="sng">
+                      <a:noFill/>
+                      <a:prstDash val="solid"/>
+                    </a:lnR>
+                    <a:lnT w="19050" cap="flat" cmpd="sng" algn="ctr">
+                      <a:solidFill>
+                        <a:srgbClr val="FFFFFF"/>
+                      </a:solidFill>
+                      <a:prstDash val="solid"/>
+                    </a:lnT>
+                    <a:lnB w="19050" cap="flat" cmpd="sng" algn="ctr">
+                      <a:solidFill>
+                        <a:srgbClr val="FFFFFF"/>
+                      </a:solidFill>
+                      <a:prstDash val="solid"/>
+                    </a:lnB>
+                    <a:solidFill>
+                      <a:srgbClr val="B4BCBE">
+                        <a:alpha val="34902"/>
+                      </a:srgbClr>
+                    </a:solidFill>
+                  </a:tcPr>
+                </a:tc>
+                <a:extLst>
+                  <a:ext uri="{0D108BD9-81ED-4DB2-BD59-A6C34878D82A}">
+                    <a16:rowId xmlns:a16="http://schemas.microsoft.com/office/drawing/2014/main" val="847998691"/>
+                  </a:ext>
+                </a:extLst>
+              </a:tr>
+            </a:tbl>
+          </a:graphicData>
+        </a:graphic>
+      </p:graphicFrame>
     </p:spTree>
     <p:extLst>
       <p:ext uri="{BB962C8B-B14F-4D97-AF65-F5344CB8AC3E}">
@@ -12333,12 +18792,14 @@
           </a:xfrm>
         </p:spPr>
         <p:txBody>
-          <a:bodyPr/>
+          <a:bodyPr>
+            <a:normAutofit/>
+          </a:bodyPr>
           <a:lstStyle/>
           <a:p>
             <a:r>
-              <a:rPr lang="en-US" dirty="0"/>
-              <a:t>To train our model we needed a dataset consisting of 2 parts for a large set of points in time:</a:t>
+              <a:rPr lang="en-US" sz="2400" dirty="0"/>
+              <a:t>Needed to build our training set which would consist of:</a:t>
             </a:r>
           </a:p>
           <a:p>
@@ -12347,7 +18808,7 @@
               <a:buChar char="o"/>
             </a:pPr>
             <a:r>
-              <a:rPr lang="en-GB" dirty="0"/>
+              <a:rPr lang="en-GB" sz="2400" dirty="0"/>
               <a:t>Historical Weather data with a range of features</a:t>
             </a:r>
           </a:p>
@@ -12357,7 +18818,7 @@
               <a:buChar char="o"/>
             </a:pPr>
             <a:r>
-              <a:rPr lang="en-GB" dirty="0"/>
+              <a:rPr lang="en-GB" sz="2400" dirty="0"/>
               <a:t>The actual generation of a location compared to its maximum capacity.</a:t>
             </a:r>
           </a:p>
@@ -12366,18 +18827,18 @@
               <a:buFont typeface="Courier New" panose="02070309020205020404" pitchFamily="49" charset="0"/>
               <a:buChar char="o"/>
             </a:pPr>
-            <a:endParaRPr lang="en-GB" dirty="0"/>
+            <a:endParaRPr lang="en-GB" sz="2400" dirty="0"/>
           </a:p>
           <a:p>
             <a:pPr marL="571500" lvl="1" indent="-342900">
               <a:buFont typeface="Courier New" panose="02070309020205020404" pitchFamily="49" charset="0"/>
               <a:buChar char="o"/>
             </a:pPr>
-            <a:endParaRPr lang="en-GB" dirty="0"/>
+            <a:endParaRPr lang="en-GB" sz="2400" dirty="0"/>
           </a:p>
           <a:p>
             <a:pPr lvl="1"/>
-            <a:endParaRPr lang="en-GB" dirty="0"/>
+            <a:endParaRPr lang="en-GB" sz="2400" dirty="0"/>
           </a:p>
         </p:txBody>
       </p:sp>
@@ -12575,15 +19036,18 @@
           <a:p>
             <a:r>
               <a:rPr lang="en-US" dirty="0"/>
-              <a:t>We were able to source these from two locations, VisualCrossing.com and the Elexon </a:t>
+              <a:t>Sourced this from VisualCrossing.com and the Elexon </a:t>
             </a:r>
             <a:r>
               <a:rPr lang="en-GB" dirty="0"/>
-              <a:t>Balancing Mechanism Reporting Service. Giving us access to historical records at 30-minute intervals.</a:t>
-            </a:r>
-          </a:p>
-          <a:p>
-            <a:endParaRPr lang="en-GB" dirty="0"/>
+              <a:t>Balancing Mechanism Reporting Service.</a:t>
+            </a:r>
+          </a:p>
+          <a:p>
+            <a:r>
+              <a:rPr lang="en-GB" dirty="0"/>
+              <a:t>Each had long term historical records at up to 15-minute resolutions.</a:t>
+            </a:r>
           </a:p>
           <a:p>
             <a:pPr lvl="1"/>
@@ -19404,4 +25868,299 @@
     </a:ext>
   </a:extLst>
 </a:theme>
+</file>
+
+<file path=ppt/theme/theme2.xml><?xml version="1.0" encoding="utf-8"?>
+<a:theme xmlns:a="http://schemas.openxmlformats.org/drawingml/2006/main" name="Office Theme">
+  <a:themeElements>
+    <a:clrScheme name="Office">
+      <a:dk1>
+        <a:sysClr val="windowText" lastClr="000000"/>
+      </a:dk1>
+      <a:lt1>
+        <a:sysClr val="window" lastClr="FFFFFF"/>
+      </a:lt1>
+      <a:dk2>
+        <a:srgbClr val="44546A"/>
+      </a:dk2>
+      <a:lt2>
+        <a:srgbClr val="E7E6E6"/>
+      </a:lt2>
+      <a:accent1>
+        <a:srgbClr val="4472C4"/>
+      </a:accent1>
+      <a:accent2>
+        <a:srgbClr val="ED7D31"/>
+      </a:accent2>
+      <a:accent3>
+        <a:srgbClr val="A5A5A5"/>
+      </a:accent3>
+      <a:accent4>
+        <a:srgbClr val="FFC000"/>
+      </a:accent4>
+      <a:accent5>
+        <a:srgbClr val="5B9BD5"/>
+      </a:accent5>
+      <a:accent6>
+        <a:srgbClr val="70AD47"/>
+      </a:accent6>
+      <a:hlink>
+        <a:srgbClr val="0563C1"/>
+      </a:hlink>
+      <a:folHlink>
+        <a:srgbClr val="954F72"/>
+      </a:folHlink>
+    </a:clrScheme>
+    <a:fontScheme name="Office">
+      <a:majorFont>
+        <a:latin typeface="Calibri Light" panose="020F0302020204030204"/>
+        <a:ea typeface=""/>
+        <a:cs typeface=""/>
+        <a:font script="Jpan" typeface="游ゴシック Light"/>
+        <a:font script="Hang" typeface="맑은 고딕"/>
+        <a:font script="Hans" typeface="等线 Light"/>
+        <a:font script="Hant" typeface="新細明體"/>
+        <a:font script="Arab" typeface="Times New Roman"/>
+        <a:font script="Hebr" typeface="Times New Roman"/>
+        <a:font script="Thai" typeface="Angsana New"/>
+        <a:font script="Ethi" typeface="Nyala"/>
+        <a:font script="Beng" typeface="Vrinda"/>
+        <a:font script="Gujr" typeface="Shruti"/>
+        <a:font script="Khmr" typeface="MoolBoran"/>
+        <a:font script="Knda" typeface="Tunga"/>
+        <a:font script="Guru" typeface="Raavi"/>
+        <a:font script="Cans" typeface="Euphemia"/>
+        <a:font script="Cher" typeface="Plantagenet Cherokee"/>
+        <a:font script="Yiii" typeface="Microsoft Yi Baiti"/>
+        <a:font script="Tibt" typeface="Microsoft Himalaya"/>
+        <a:font script="Thaa" typeface="MV Boli"/>
+        <a:font script="Deva" typeface="Mangal"/>
+        <a:font script="Telu" typeface="Gautami"/>
+        <a:font script="Taml" typeface="Latha"/>
+        <a:font script="Syrc" typeface="Estrangelo Edessa"/>
+        <a:font script="Orya" typeface="Kalinga"/>
+        <a:font script="Mlym" typeface="Kartika"/>
+        <a:font script="Laoo" typeface="DokChampa"/>
+        <a:font script="Sinh" typeface="Iskoola Pota"/>
+        <a:font script="Mong" typeface="Mongolian Baiti"/>
+        <a:font script="Viet" typeface="Times New Roman"/>
+        <a:font script="Uigh" typeface="Microsoft Uighur"/>
+        <a:font script="Geor" typeface="Sylfaen"/>
+        <a:font script="Armn" typeface="Arial"/>
+        <a:font script="Bugi" typeface="Leelawadee UI"/>
+        <a:font script="Bopo" typeface="Microsoft JhengHei"/>
+        <a:font script="Java" typeface="Javanese Text"/>
+        <a:font script="Lisu" typeface="Segoe UI"/>
+        <a:font script="Mymr" typeface="Myanmar Text"/>
+        <a:font script="Nkoo" typeface="Ebrima"/>
+        <a:font script="Olck" typeface="Nirmala UI"/>
+        <a:font script="Osma" typeface="Ebrima"/>
+        <a:font script="Phag" typeface="Phagspa"/>
+        <a:font script="Syrn" typeface="Estrangelo Edessa"/>
+        <a:font script="Syrj" typeface="Estrangelo Edessa"/>
+        <a:font script="Syre" typeface="Estrangelo Edessa"/>
+        <a:font script="Sora" typeface="Nirmala UI"/>
+        <a:font script="Tale" typeface="Microsoft Tai Le"/>
+        <a:font script="Talu" typeface="Microsoft New Tai Lue"/>
+        <a:font script="Tfng" typeface="Ebrima"/>
+      </a:majorFont>
+      <a:minorFont>
+        <a:latin typeface="Calibri" panose="020F0502020204030204"/>
+        <a:ea typeface=""/>
+        <a:cs typeface=""/>
+        <a:font script="Jpan" typeface="游ゴシック"/>
+        <a:font script="Hang" typeface="맑은 고딕"/>
+        <a:font script="Hans" typeface="等线"/>
+        <a:font script="Hant" typeface="新細明體"/>
+        <a:font script="Arab" typeface="Arial"/>
+        <a:font script="Hebr" typeface="Arial"/>
+        <a:font script="Thai" typeface="Cordia New"/>
+        <a:font script="Ethi" typeface="Nyala"/>
+        <a:font script="Beng" typeface="Vrinda"/>
+        <a:font script="Gujr" typeface="Shruti"/>
+        <a:font script="Khmr" typeface="DaunPenh"/>
+        <a:font script="Knda" typeface="Tunga"/>
+        <a:font script="Guru" typeface="Raavi"/>
+        <a:font script="Cans" typeface="Euphemia"/>
+        <a:font script="Cher" typeface="Plantagenet Cherokee"/>
+        <a:font script="Yiii" typeface="Microsoft Yi Baiti"/>
+        <a:font script="Tibt" typeface="Microsoft Himalaya"/>
+        <a:font script="Thaa" typeface="MV Boli"/>
+        <a:font script="Deva" typeface="Mangal"/>
+        <a:font script="Telu" typeface="Gautami"/>
+        <a:font script="Taml" typeface="Latha"/>
+        <a:font script="Syrc" typeface="Estrangelo Edessa"/>
+        <a:font script="Orya" typeface="Kalinga"/>
+        <a:font script="Mlym" typeface="Kartika"/>
+        <a:font script="Laoo" typeface="DokChampa"/>
+        <a:font script="Sinh" typeface="Iskoola Pota"/>
+        <a:font script="Mong" typeface="Mongolian Baiti"/>
+        <a:font script="Viet" typeface="Arial"/>
+        <a:font script="Uigh" typeface="Microsoft Uighur"/>
+        <a:font script="Geor" typeface="Sylfaen"/>
+        <a:font script="Armn" typeface="Arial"/>
+        <a:font script="Bugi" typeface="Leelawadee UI"/>
+        <a:font script="Bopo" typeface="Microsoft JhengHei"/>
+        <a:font script="Java" typeface="Javanese Text"/>
+        <a:font script="Lisu" typeface="Segoe UI"/>
+        <a:font script="Mymr" typeface="Myanmar Text"/>
+        <a:font script="Nkoo" typeface="Ebrima"/>
+        <a:font script="Olck" typeface="Nirmala UI"/>
+        <a:font script="Osma" typeface="Ebrima"/>
+        <a:font script="Phag" typeface="Phagspa"/>
+        <a:font script="Syrn" typeface="Estrangelo Edessa"/>
+        <a:font script="Syrj" typeface="Estrangelo Edessa"/>
+        <a:font script="Syre" typeface="Estrangelo Edessa"/>
+        <a:font script="Sora" typeface="Nirmala UI"/>
+        <a:font script="Tale" typeface="Microsoft Tai Le"/>
+        <a:font script="Talu" typeface="Microsoft New Tai Lue"/>
+        <a:font script="Tfng" typeface="Ebrima"/>
+      </a:minorFont>
+    </a:fontScheme>
+    <a:fmtScheme name="Office">
+      <a:fillStyleLst>
+        <a:solidFill>
+          <a:schemeClr val="phClr"/>
+        </a:solidFill>
+        <a:gradFill rotWithShape="1">
+          <a:gsLst>
+            <a:gs pos="0">
+              <a:schemeClr val="phClr">
+                <a:lumMod val="110000"/>
+                <a:satMod val="105000"/>
+                <a:tint val="67000"/>
+              </a:schemeClr>
+            </a:gs>
+            <a:gs pos="50000">
+              <a:schemeClr val="phClr">
+                <a:lumMod val="105000"/>
+                <a:satMod val="103000"/>
+                <a:tint val="73000"/>
+              </a:schemeClr>
+            </a:gs>
+            <a:gs pos="100000">
+              <a:schemeClr val="phClr">
+                <a:lumMod val="105000"/>
+                <a:satMod val="109000"/>
+                <a:tint val="81000"/>
+              </a:schemeClr>
+            </a:gs>
+          </a:gsLst>
+          <a:lin ang="5400000" scaled="0"/>
+        </a:gradFill>
+        <a:gradFill rotWithShape="1">
+          <a:gsLst>
+            <a:gs pos="0">
+              <a:schemeClr val="phClr">
+                <a:satMod val="103000"/>
+                <a:lumMod val="102000"/>
+                <a:tint val="94000"/>
+              </a:schemeClr>
+            </a:gs>
+            <a:gs pos="50000">
+              <a:schemeClr val="phClr">
+                <a:satMod val="110000"/>
+                <a:lumMod val="100000"/>
+                <a:shade val="100000"/>
+              </a:schemeClr>
+            </a:gs>
+            <a:gs pos="100000">
+              <a:schemeClr val="phClr">
+                <a:lumMod val="99000"/>
+                <a:satMod val="120000"/>
+                <a:shade val="78000"/>
+              </a:schemeClr>
+            </a:gs>
+          </a:gsLst>
+          <a:lin ang="5400000" scaled="0"/>
+        </a:gradFill>
+      </a:fillStyleLst>
+      <a:lnStyleLst>
+        <a:ln w="6350" cap="flat" cmpd="sng" algn="ctr">
+          <a:solidFill>
+            <a:schemeClr val="phClr"/>
+          </a:solidFill>
+          <a:prstDash val="solid"/>
+          <a:miter lim="800000"/>
+        </a:ln>
+        <a:ln w="12700" cap="flat" cmpd="sng" algn="ctr">
+          <a:solidFill>
+            <a:schemeClr val="phClr"/>
+          </a:solidFill>
+          <a:prstDash val="solid"/>
+          <a:miter lim="800000"/>
+        </a:ln>
+        <a:ln w="19050" cap="flat" cmpd="sng" algn="ctr">
+          <a:solidFill>
+            <a:schemeClr val="phClr"/>
+          </a:solidFill>
+          <a:prstDash val="solid"/>
+          <a:miter lim="800000"/>
+        </a:ln>
+      </a:lnStyleLst>
+      <a:effectStyleLst>
+        <a:effectStyle>
+          <a:effectLst/>
+        </a:effectStyle>
+        <a:effectStyle>
+          <a:effectLst/>
+        </a:effectStyle>
+        <a:effectStyle>
+          <a:effectLst>
+            <a:outerShdw blurRad="57150" dist="19050" dir="5400000" algn="ctr" rotWithShape="0">
+              <a:srgbClr val="000000">
+                <a:alpha val="63000"/>
+              </a:srgbClr>
+            </a:outerShdw>
+          </a:effectLst>
+        </a:effectStyle>
+      </a:effectStyleLst>
+      <a:bgFillStyleLst>
+        <a:solidFill>
+          <a:schemeClr val="phClr"/>
+        </a:solidFill>
+        <a:solidFill>
+          <a:schemeClr val="phClr">
+            <a:tint val="95000"/>
+            <a:satMod val="170000"/>
+          </a:schemeClr>
+        </a:solidFill>
+        <a:gradFill rotWithShape="1">
+          <a:gsLst>
+            <a:gs pos="0">
+              <a:schemeClr val="phClr">
+                <a:tint val="93000"/>
+                <a:satMod val="150000"/>
+                <a:shade val="98000"/>
+                <a:lumMod val="102000"/>
+              </a:schemeClr>
+            </a:gs>
+            <a:gs pos="50000">
+              <a:schemeClr val="phClr">
+                <a:tint val="98000"/>
+                <a:satMod val="130000"/>
+                <a:shade val="90000"/>
+                <a:lumMod val="103000"/>
+              </a:schemeClr>
+            </a:gs>
+            <a:gs pos="100000">
+              <a:schemeClr val="phClr">
+                <a:shade val="63000"/>
+                <a:satMod val="120000"/>
+              </a:schemeClr>
+            </a:gs>
+          </a:gsLst>
+          <a:lin ang="5400000" scaled="0"/>
+        </a:gradFill>
+      </a:bgFillStyleLst>
+    </a:fmtScheme>
+  </a:themeElements>
+  <a:objectDefaults/>
+  <a:extraClrSchemeLst/>
+  <a:extLst>
+    <a:ext uri="{05A4C25C-085E-4340-85A3-A5531E510DB2}">
+      <thm15:themeFamily xmlns:thm15="http://schemas.microsoft.com/office/thememl/2012/main" name="Office Theme" id="{62F939B6-93AF-4DB8-9C6B-D6C7DFDC589F}" vid="{4A3C46E8-61CC-4603-A589-7422A47A8E4A}"/>
+    </a:ext>
+  </a:extLst>
+</a:theme>
 </file>
--- a/Documents/Presentation/ProjectPresentation-JamesPage.pptx
+++ b/Documents/Presentation/ProjectPresentation-JamesPage.pptx
@@ -1071,6 +1071,3536 @@
 </cs:chartStyle>
 </file>
 
+<file path=ppt/diagrams/colors1.xml><?xml version="1.0" encoding="utf-8"?>
+<dgm:colorsDef xmlns:dgm="http://schemas.openxmlformats.org/drawingml/2006/diagram" xmlns:a="http://schemas.openxmlformats.org/drawingml/2006/main" uniqueId="urn:microsoft.com/office/officeart/2018/5/colors/Iconchunking_neutralbg_colorful1">
+  <dgm:title val=""/>
+  <dgm:desc val=""/>
+  <dgm:catLst>
+    <dgm:cat type="colorful" pri="10100"/>
+  </dgm:catLst>
+  <dgm:styleLbl name="node0">
+    <dgm:fillClrLst meth="repeat">
+      <a:schemeClr val="accent1"/>
+    </dgm:fillClrLst>
+    <dgm:linClrLst meth="repeat">
+      <a:schemeClr val="lt1"/>
+    </dgm:linClrLst>
+    <dgm:effectClrLst/>
+    <dgm:txLinClrLst/>
+    <dgm:txFillClrLst/>
+    <dgm:txEffectClrLst/>
+  </dgm:styleLbl>
+  <dgm:styleLbl name="node1">
+    <dgm:fillClrLst meth="repeat">
+      <a:schemeClr val="accent2"/>
+      <a:schemeClr val="accent3"/>
+      <a:schemeClr val="accent4"/>
+      <a:schemeClr val="accent5"/>
+      <a:schemeClr val="accent6"/>
+    </dgm:fillClrLst>
+    <dgm:linClrLst meth="repeat">
+      <a:schemeClr val="lt1">
+        <a:alpha val="0"/>
+      </a:schemeClr>
+    </dgm:linClrLst>
+    <dgm:effectClrLst/>
+    <dgm:txLinClrLst/>
+    <dgm:txFillClrLst/>
+    <dgm:txEffectClrLst/>
+  </dgm:styleLbl>
+  <dgm:styleLbl name="alignNode1">
+    <dgm:fillClrLst meth="repeat">
+      <a:schemeClr val="accent2"/>
+      <a:schemeClr val="accent3"/>
+      <a:schemeClr val="accent4"/>
+      <a:schemeClr val="accent5"/>
+      <a:schemeClr val="accent6"/>
+    </dgm:fillClrLst>
+    <dgm:linClrLst meth="repeat">
+      <a:schemeClr val="accent2"/>
+      <a:schemeClr val="accent3"/>
+      <a:schemeClr val="accent4"/>
+      <a:schemeClr val="accent5"/>
+      <a:schemeClr val="accent6"/>
+    </dgm:linClrLst>
+    <dgm:effectClrLst/>
+    <dgm:txLinClrLst/>
+    <dgm:txFillClrLst/>
+    <dgm:txEffectClrLst/>
+  </dgm:styleLbl>
+  <dgm:styleLbl name="lnNode1">
+    <dgm:fillClrLst meth="repeat">
+      <a:schemeClr val="accent2"/>
+      <a:schemeClr val="accent3"/>
+      <a:schemeClr val="accent4"/>
+      <a:schemeClr val="accent5"/>
+      <a:schemeClr val="accent6"/>
+    </dgm:fillClrLst>
+    <dgm:linClrLst meth="repeat">
+      <a:schemeClr val="lt1"/>
+    </dgm:linClrLst>
+    <dgm:effectClrLst/>
+    <dgm:txLinClrLst/>
+    <dgm:txFillClrLst/>
+    <dgm:txEffectClrLst/>
+  </dgm:styleLbl>
+  <dgm:styleLbl name="vennNode1">
+    <dgm:fillClrLst meth="repeat">
+      <a:schemeClr val="accent2">
+        <a:alpha val="50000"/>
+      </a:schemeClr>
+      <a:schemeClr val="accent3">
+        <a:alpha val="50000"/>
+      </a:schemeClr>
+      <a:schemeClr val="accent4">
+        <a:alpha val="50000"/>
+      </a:schemeClr>
+      <a:schemeClr val="accent5">
+        <a:alpha val="50000"/>
+      </a:schemeClr>
+      <a:schemeClr val="accent6">
+        <a:alpha val="50000"/>
+      </a:schemeClr>
+    </dgm:fillClrLst>
+    <dgm:linClrLst meth="repeat">
+      <a:schemeClr val="lt1"/>
+    </dgm:linClrLst>
+    <dgm:effectClrLst/>
+    <dgm:txLinClrLst/>
+    <dgm:txFillClrLst/>
+    <dgm:txEffectClrLst/>
+  </dgm:styleLbl>
+  <dgm:styleLbl name="node2">
+    <dgm:fillClrLst>
+      <a:schemeClr val="accent2"/>
+    </dgm:fillClrLst>
+    <dgm:linClrLst meth="repeat">
+      <a:schemeClr val="lt1"/>
+    </dgm:linClrLst>
+    <dgm:effectClrLst/>
+    <dgm:txLinClrLst/>
+    <dgm:txFillClrLst/>
+    <dgm:txEffectClrLst/>
+  </dgm:styleLbl>
+  <dgm:styleLbl name="node3">
+    <dgm:fillClrLst>
+      <a:schemeClr val="accent3"/>
+    </dgm:fillClrLst>
+    <dgm:linClrLst meth="repeat">
+      <a:schemeClr val="lt1"/>
+    </dgm:linClrLst>
+    <dgm:effectClrLst/>
+    <dgm:txLinClrLst/>
+    <dgm:txFillClrLst/>
+    <dgm:txEffectClrLst/>
+  </dgm:styleLbl>
+  <dgm:styleLbl name="node4">
+    <dgm:fillClrLst>
+      <a:schemeClr val="accent4"/>
+    </dgm:fillClrLst>
+    <dgm:linClrLst meth="repeat">
+      <a:schemeClr val="lt1"/>
+    </dgm:linClrLst>
+    <dgm:effectClrLst/>
+    <dgm:txLinClrLst/>
+    <dgm:txFillClrLst/>
+    <dgm:txEffectClrLst/>
+  </dgm:styleLbl>
+  <dgm:styleLbl name="fgImgPlace1">
+    <dgm:fillClrLst meth="repeat">
+      <a:schemeClr val="accent2">
+        <a:tint val="50000"/>
+      </a:schemeClr>
+      <a:schemeClr val="accent3">
+        <a:tint val="50000"/>
+      </a:schemeClr>
+      <a:schemeClr val="accent4">
+        <a:tint val="50000"/>
+      </a:schemeClr>
+      <a:schemeClr val="accent5">
+        <a:tint val="50000"/>
+      </a:schemeClr>
+      <a:schemeClr val="accent6">
+        <a:tint val="50000"/>
+      </a:schemeClr>
+    </dgm:fillClrLst>
+    <dgm:linClrLst meth="repeat">
+      <a:schemeClr val="lt1"/>
+    </dgm:linClrLst>
+    <dgm:effectClrLst/>
+    <dgm:txLinClrLst/>
+    <dgm:txFillClrLst meth="repeat">
+      <a:schemeClr val="lt1"/>
+    </dgm:txFillClrLst>
+    <dgm:txEffectClrLst/>
+  </dgm:styleLbl>
+  <dgm:styleLbl name="alignImgPlace1">
+    <dgm:fillClrLst>
+      <a:schemeClr val="accent1">
+        <a:tint val="50000"/>
+      </a:schemeClr>
+      <a:schemeClr val="accent2">
+        <a:tint val="20000"/>
+      </a:schemeClr>
+    </dgm:fillClrLst>
+    <dgm:linClrLst meth="repeat">
+      <a:schemeClr val="lt1"/>
+    </dgm:linClrLst>
+    <dgm:effectClrLst/>
+    <dgm:txLinClrLst/>
+    <dgm:txFillClrLst meth="repeat">
+      <a:schemeClr val="lt1"/>
+    </dgm:txFillClrLst>
+    <dgm:txEffectClrLst/>
+  </dgm:styleLbl>
+  <dgm:styleLbl name="bgImgPlace1">
+    <dgm:fillClrLst>
+      <a:schemeClr val="accent1">
+        <a:tint val="50000"/>
+      </a:schemeClr>
+      <a:schemeClr val="accent2">
+        <a:tint val="20000"/>
+      </a:schemeClr>
+    </dgm:fillClrLst>
+    <dgm:linClrLst meth="repeat">
+      <a:schemeClr val="lt1"/>
+    </dgm:linClrLst>
+    <dgm:effectClrLst/>
+    <dgm:txLinClrLst/>
+    <dgm:txFillClrLst meth="repeat">
+      <a:schemeClr val="lt1"/>
+    </dgm:txFillClrLst>
+    <dgm:txEffectClrLst/>
+  </dgm:styleLbl>
+  <dgm:styleLbl name="sibTrans2D1">
+    <dgm:fillClrLst meth="repeat">
+      <a:schemeClr val="accent2"/>
+      <a:schemeClr val="accent3"/>
+      <a:schemeClr val="accent4"/>
+      <a:schemeClr val="accent5"/>
+      <a:schemeClr val="accent6"/>
+    </dgm:fillClrLst>
+    <dgm:linClrLst meth="cycle">
+      <a:schemeClr val="lt1"/>
+    </dgm:linClrLst>
+    <dgm:effectClrLst/>
+    <dgm:txLinClrLst/>
+    <dgm:txFillClrLst/>
+    <dgm:txEffectClrLst/>
+  </dgm:styleLbl>
+  <dgm:styleLbl name="fgSibTrans2D1">
+    <dgm:fillClrLst meth="repeat">
+      <a:schemeClr val="accent2"/>
+      <a:schemeClr val="accent3"/>
+      <a:schemeClr val="accent4"/>
+      <a:schemeClr val="accent5"/>
+      <a:schemeClr val="accent6"/>
+    </dgm:fillClrLst>
+    <dgm:linClrLst meth="cycle">
+      <a:schemeClr val="lt1"/>
+    </dgm:linClrLst>
+    <dgm:effectClrLst/>
+    <dgm:txLinClrLst/>
+    <dgm:txFillClrLst meth="repeat">
+      <a:schemeClr val="lt1"/>
+    </dgm:txFillClrLst>
+    <dgm:txEffectClrLst/>
+  </dgm:styleLbl>
+  <dgm:styleLbl name="bgSibTrans2D1">
+    <dgm:fillClrLst meth="repeat">
+      <a:schemeClr val="accent2"/>
+      <a:schemeClr val="accent3"/>
+      <a:schemeClr val="accent4"/>
+      <a:schemeClr val="accent5"/>
+      <a:schemeClr val="accent6"/>
+    </dgm:fillClrLst>
+    <dgm:linClrLst meth="cycle">
+      <a:schemeClr val="lt1"/>
+    </dgm:linClrLst>
+    <dgm:effectClrLst/>
+    <dgm:txLinClrLst/>
+    <dgm:txFillClrLst meth="repeat">
+      <a:schemeClr val="lt1"/>
+    </dgm:txFillClrLst>
+    <dgm:txEffectClrLst/>
+  </dgm:styleLbl>
+  <dgm:styleLbl name="sibTrans1D1">
+    <dgm:fillClrLst meth="repeat">
+      <a:schemeClr val="accent2"/>
+      <a:schemeClr val="accent3"/>
+      <a:schemeClr val="accent4"/>
+      <a:schemeClr val="accent5"/>
+      <a:schemeClr val="accent6"/>
+    </dgm:fillClrLst>
+    <dgm:linClrLst meth="repeat">
+      <a:schemeClr val="accent2"/>
+      <a:schemeClr val="accent3"/>
+      <a:schemeClr val="accent4"/>
+      <a:schemeClr val="accent5"/>
+      <a:schemeClr val="accent6"/>
+    </dgm:linClrLst>
+    <dgm:effectClrLst/>
+    <dgm:txLinClrLst/>
+    <dgm:txFillClrLst meth="repeat">
+      <a:schemeClr val="tx1"/>
+    </dgm:txFillClrLst>
+    <dgm:txEffectClrLst/>
+  </dgm:styleLbl>
+  <dgm:styleLbl name="callout">
+    <dgm:fillClrLst meth="repeat">
+      <a:schemeClr val="accent2"/>
+    </dgm:fillClrLst>
+    <dgm:linClrLst meth="repeat">
+      <a:schemeClr val="accent2">
+        <a:tint val="50000"/>
+      </a:schemeClr>
+    </dgm:linClrLst>
+    <dgm:effectClrLst/>
+    <dgm:txLinClrLst/>
+    <dgm:txFillClrLst meth="repeat">
+      <a:schemeClr val="tx1"/>
+    </dgm:txFillClrLst>
+    <dgm:txEffectClrLst/>
+  </dgm:styleLbl>
+  <dgm:styleLbl name="asst0">
+    <dgm:fillClrLst meth="repeat">
+      <a:schemeClr val="accent1"/>
+    </dgm:fillClrLst>
+    <dgm:linClrLst meth="repeat">
+      <a:schemeClr val="lt1"/>
+    </dgm:linClrLst>
+    <dgm:effectClrLst/>
+    <dgm:txLinClrLst/>
+    <dgm:txFillClrLst/>
+    <dgm:txEffectClrLst/>
+  </dgm:styleLbl>
+  <dgm:styleLbl name="asst1">
+    <dgm:fillClrLst meth="repeat">
+      <a:schemeClr val="accent2"/>
+    </dgm:fillClrLst>
+    <dgm:linClrLst meth="repeat">
+      <a:schemeClr val="lt1"/>
+    </dgm:linClrLst>
+    <dgm:effectClrLst/>
+    <dgm:txLinClrLst/>
+    <dgm:txFillClrLst/>
+    <dgm:txEffectClrLst/>
+  </dgm:styleLbl>
+  <dgm:styleLbl name="asst2">
+    <dgm:fillClrLst>
+      <a:schemeClr val="accent3"/>
+    </dgm:fillClrLst>
+    <dgm:linClrLst meth="repeat">
+      <a:schemeClr val="lt1"/>
+    </dgm:linClrLst>
+    <dgm:effectClrLst/>
+    <dgm:txLinClrLst/>
+    <dgm:txFillClrLst/>
+    <dgm:txEffectClrLst/>
+  </dgm:styleLbl>
+  <dgm:styleLbl name="asst3">
+    <dgm:fillClrLst>
+      <a:schemeClr val="accent4"/>
+    </dgm:fillClrLst>
+    <dgm:linClrLst meth="repeat">
+      <a:schemeClr val="lt1"/>
+    </dgm:linClrLst>
+    <dgm:effectClrLst/>
+    <dgm:txLinClrLst/>
+    <dgm:txFillClrLst/>
+    <dgm:txEffectClrLst/>
+  </dgm:styleLbl>
+  <dgm:styleLbl name="asst4">
+    <dgm:fillClrLst>
+      <a:schemeClr val="accent5"/>
+    </dgm:fillClrLst>
+    <dgm:linClrLst meth="repeat">
+      <a:schemeClr val="lt1"/>
+    </dgm:linClrLst>
+    <dgm:effectClrLst/>
+    <dgm:txLinClrLst/>
+    <dgm:txFillClrLst/>
+    <dgm:txEffectClrLst/>
+  </dgm:styleLbl>
+  <dgm:styleLbl name="parChTrans2D1">
+    <dgm:fillClrLst meth="repeat">
+      <a:schemeClr val="accent2"/>
+    </dgm:fillClrLst>
+    <dgm:linClrLst meth="repeat">
+      <a:schemeClr val="lt1"/>
+    </dgm:linClrLst>
+    <dgm:effectClrLst/>
+    <dgm:txLinClrLst/>
+    <dgm:txFillClrLst meth="repeat">
+      <a:schemeClr val="lt1"/>
+    </dgm:txFillClrLst>
+    <dgm:txEffectClrLst/>
+  </dgm:styleLbl>
+  <dgm:styleLbl name="parChTrans2D2">
+    <dgm:fillClrLst meth="repeat">
+      <a:schemeClr val="accent3"/>
+    </dgm:fillClrLst>
+    <dgm:linClrLst meth="repeat">
+      <a:schemeClr val="lt1"/>
+    </dgm:linClrLst>
+    <dgm:effectClrLst/>
+    <dgm:txLinClrLst/>
+    <dgm:txFillClrLst/>
+    <dgm:txEffectClrLst/>
+  </dgm:styleLbl>
+  <dgm:styleLbl name="parChTrans2D3">
+    <dgm:fillClrLst meth="repeat">
+      <a:schemeClr val="accent4"/>
+    </dgm:fillClrLst>
+    <dgm:linClrLst meth="repeat">
+      <a:schemeClr val="lt1"/>
+    </dgm:linClrLst>
+    <dgm:effectClrLst/>
+    <dgm:txLinClrLst/>
+    <dgm:txFillClrLst/>
+    <dgm:txEffectClrLst/>
+  </dgm:styleLbl>
+  <dgm:styleLbl name="parChTrans2D4">
+    <dgm:fillClrLst meth="repeat">
+      <a:schemeClr val="accent5"/>
+    </dgm:fillClrLst>
+    <dgm:linClrLst meth="repeat">
+      <a:schemeClr val="lt1"/>
+    </dgm:linClrLst>
+    <dgm:effectClrLst/>
+    <dgm:txLinClrLst/>
+    <dgm:txFillClrLst meth="repeat">
+      <a:schemeClr val="lt1"/>
+    </dgm:txFillClrLst>
+    <dgm:txEffectClrLst/>
+  </dgm:styleLbl>
+  <dgm:styleLbl name="parChTrans1D1">
+    <dgm:fillClrLst meth="repeat">
+      <a:schemeClr val="accent2"/>
+    </dgm:fillClrLst>
+    <dgm:linClrLst meth="repeat">
+      <a:schemeClr val="accent1"/>
+    </dgm:linClrLst>
+    <dgm:effectClrLst/>
+    <dgm:txLinClrLst/>
+    <dgm:txFillClrLst meth="repeat">
+      <a:schemeClr val="tx1"/>
+    </dgm:txFillClrLst>
+    <dgm:txEffectClrLst/>
+  </dgm:styleLbl>
+  <dgm:styleLbl name="parChTrans1D2">
+    <dgm:fillClrLst meth="repeat">
+      <a:schemeClr val="accent3">
+        <a:tint val="90000"/>
+      </a:schemeClr>
+    </dgm:fillClrLst>
+    <dgm:linClrLst meth="repeat">
+      <a:schemeClr val="accent2"/>
+    </dgm:linClrLst>
+    <dgm:effectClrLst/>
+    <dgm:txLinClrLst/>
+    <dgm:txFillClrLst meth="repeat">
+      <a:schemeClr val="tx1"/>
+    </dgm:txFillClrLst>
+    <dgm:txEffectClrLst/>
+  </dgm:styleLbl>
+  <dgm:styleLbl name="parChTrans1D3">
+    <dgm:fillClrLst meth="repeat">
+      <a:schemeClr val="accent4">
+        <a:tint val="70000"/>
+      </a:schemeClr>
+    </dgm:fillClrLst>
+    <dgm:linClrLst meth="repeat">
+      <a:schemeClr val="accent3"/>
+    </dgm:linClrLst>
+    <dgm:effectClrLst/>
+    <dgm:txLinClrLst/>
+    <dgm:txFillClrLst meth="repeat">
+      <a:schemeClr val="tx1"/>
+    </dgm:txFillClrLst>
+    <dgm:txEffectClrLst/>
+  </dgm:styleLbl>
+  <dgm:styleLbl name="parChTrans1D4">
+    <dgm:fillClrLst meth="repeat">
+      <a:schemeClr val="accent5">
+        <a:tint val="50000"/>
+      </a:schemeClr>
+    </dgm:fillClrLst>
+    <dgm:linClrLst meth="repeat">
+      <a:schemeClr val="accent4"/>
+    </dgm:linClrLst>
+    <dgm:effectClrLst/>
+    <dgm:txLinClrLst/>
+    <dgm:txFillClrLst meth="repeat">
+      <a:schemeClr val="tx1"/>
+    </dgm:txFillClrLst>
+    <dgm:txEffectClrLst/>
+  </dgm:styleLbl>
+  <dgm:styleLbl name="fgAcc1">
+    <dgm:fillClrLst meth="repeat">
+      <a:schemeClr val="lt1">
+        <a:alpha val="90000"/>
+      </a:schemeClr>
+    </dgm:fillClrLst>
+    <dgm:linClrLst meth="repeat">
+      <a:schemeClr val="accent2"/>
+      <a:schemeClr val="accent3"/>
+      <a:schemeClr val="accent4"/>
+      <a:schemeClr val="accent5"/>
+      <a:schemeClr val="accent6"/>
+    </dgm:linClrLst>
+    <dgm:effectClrLst/>
+    <dgm:txLinClrLst/>
+    <dgm:txFillClrLst meth="repeat">
+      <a:schemeClr val="dk1"/>
+    </dgm:txFillClrLst>
+    <dgm:txEffectClrLst/>
+  </dgm:styleLbl>
+  <dgm:styleLbl name="conFgAcc1">
+    <dgm:fillClrLst meth="repeat">
+      <a:schemeClr val="lt1">
+        <a:alpha val="90000"/>
+      </a:schemeClr>
+    </dgm:fillClrLst>
+    <dgm:linClrLst meth="repeat">
+      <a:schemeClr val="accent2"/>
+      <a:schemeClr val="accent3"/>
+      <a:schemeClr val="accent4"/>
+      <a:schemeClr val="accent5"/>
+      <a:schemeClr val="accent6"/>
+    </dgm:linClrLst>
+    <dgm:effectClrLst/>
+    <dgm:txLinClrLst/>
+    <dgm:txFillClrLst meth="repeat">
+      <a:schemeClr val="dk1"/>
+    </dgm:txFillClrLst>
+    <dgm:txEffectClrLst/>
+  </dgm:styleLbl>
+  <dgm:styleLbl name="alignAcc1">
+    <dgm:fillClrLst meth="repeat">
+      <a:schemeClr val="lt1">
+        <a:alpha val="90000"/>
+      </a:schemeClr>
+    </dgm:fillClrLst>
+    <dgm:linClrLst meth="repeat">
+      <a:schemeClr val="accent2"/>
+      <a:schemeClr val="accent3"/>
+      <a:schemeClr val="accent4"/>
+      <a:schemeClr val="accent5"/>
+      <a:schemeClr val="accent6"/>
+    </dgm:linClrLst>
+    <dgm:effectClrLst/>
+    <dgm:txLinClrLst/>
+    <dgm:txFillClrLst meth="repeat">
+      <a:schemeClr val="dk1"/>
+    </dgm:txFillClrLst>
+    <dgm:txEffectClrLst/>
+  </dgm:styleLbl>
+  <dgm:styleLbl name="trAlignAcc1">
+    <dgm:fillClrLst meth="repeat">
+      <a:schemeClr val="lt1">
+        <a:alpha val="40000"/>
+      </a:schemeClr>
+    </dgm:fillClrLst>
+    <dgm:linClrLst meth="repeat">
+      <a:schemeClr val="accent1"/>
+    </dgm:linClrLst>
+    <dgm:effectClrLst/>
+    <dgm:txLinClrLst/>
+    <dgm:txFillClrLst meth="repeat">
+      <a:schemeClr val="dk1"/>
+    </dgm:txFillClrLst>
+    <dgm:txEffectClrLst/>
+  </dgm:styleLbl>
+  <dgm:styleLbl name="bgAcc1">
+    <dgm:fillClrLst meth="repeat">
+      <a:schemeClr val="lt1">
+        <a:alpha val="90000"/>
+      </a:schemeClr>
+    </dgm:fillClrLst>
+    <dgm:linClrLst meth="repeat">
+      <a:schemeClr val="accent2"/>
+      <a:schemeClr val="accent3"/>
+      <a:schemeClr val="accent4"/>
+      <a:schemeClr val="accent5"/>
+      <a:schemeClr val="accent6"/>
+    </dgm:linClrLst>
+    <dgm:effectClrLst/>
+    <dgm:txLinClrLst/>
+    <dgm:txFillClrLst meth="repeat">
+      <a:schemeClr val="dk1"/>
+    </dgm:txFillClrLst>
+    <dgm:txEffectClrLst/>
+  </dgm:styleLbl>
+  <dgm:styleLbl name="solidFgAcc1">
+    <dgm:fillClrLst meth="repeat">
+      <a:schemeClr val="lt1"/>
+    </dgm:fillClrLst>
+    <dgm:linClrLst meth="repeat">
+      <a:schemeClr val="accent2"/>
+      <a:schemeClr val="accent3"/>
+      <a:schemeClr val="accent4"/>
+      <a:schemeClr val="accent5"/>
+      <a:schemeClr val="accent6"/>
+    </dgm:linClrLst>
+    <dgm:effectClrLst/>
+    <dgm:txLinClrLst/>
+    <dgm:txFillClrLst meth="repeat">
+      <a:schemeClr val="dk1"/>
+    </dgm:txFillClrLst>
+    <dgm:txEffectClrLst/>
+  </dgm:styleLbl>
+  <dgm:styleLbl name="solidAlignAcc1">
+    <dgm:fillClrLst meth="repeat">
+      <a:schemeClr val="lt1"/>
+    </dgm:fillClrLst>
+    <dgm:linClrLst meth="repeat">
+      <a:schemeClr val="accent2"/>
+      <a:schemeClr val="accent3"/>
+      <a:schemeClr val="accent4"/>
+      <a:schemeClr val="accent5"/>
+      <a:schemeClr val="accent6"/>
+    </dgm:linClrLst>
+    <dgm:effectClrLst/>
+    <dgm:txLinClrLst/>
+    <dgm:txFillClrLst meth="repeat">
+      <a:schemeClr val="dk1"/>
+    </dgm:txFillClrLst>
+    <dgm:txEffectClrLst/>
+  </dgm:styleLbl>
+  <dgm:styleLbl name="solidBgAcc1">
+    <dgm:fillClrLst meth="repeat">
+      <a:schemeClr val="lt1"/>
+    </dgm:fillClrLst>
+    <dgm:linClrLst meth="repeat">
+      <a:schemeClr val="accent2"/>
+      <a:schemeClr val="accent3"/>
+      <a:schemeClr val="accent4"/>
+      <a:schemeClr val="accent5"/>
+      <a:schemeClr val="accent6"/>
+    </dgm:linClrLst>
+    <dgm:effectClrLst/>
+    <dgm:txLinClrLst/>
+    <dgm:txFillClrLst meth="repeat">
+      <a:schemeClr val="dk1"/>
+    </dgm:txFillClrLst>
+    <dgm:txEffectClrLst/>
+  </dgm:styleLbl>
+  <dgm:styleLbl name="fgAccFollowNode1">
+    <dgm:fillClrLst meth="repeat">
+      <a:schemeClr val="accent2">
+        <a:tint val="40000"/>
+        <a:alpha val="90000"/>
+      </a:schemeClr>
+      <a:schemeClr val="accent3">
+        <a:tint val="40000"/>
+        <a:alpha val="90000"/>
+      </a:schemeClr>
+      <a:schemeClr val="accent4">
+        <a:tint val="40000"/>
+        <a:alpha val="90000"/>
+      </a:schemeClr>
+      <a:schemeClr val="accent5">
+        <a:tint val="40000"/>
+        <a:alpha val="90000"/>
+      </a:schemeClr>
+      <a:schemeClr val="accent6">
+        <a:tint val="40000"/>
+        <a:alpha val="90000"/>
+      </a:schemeClr>
+    </dgm:fillClrLst>
+    <dgm:linClrLst meth="repeat">
+      <a:schemeClr val="accent2">
+        <a:tint val="40000"/>
+        <a:alpha val="90000"/>
+      </a:schemeClr>
+      <a:schemeClr val="accent3">
+        <a:tint val="40000"/>
+        <a:alpha val="90000"/>
+      </a:schemeClr>
+      <a:schemeClr val="accent4">
+        <a:tint val="40000"/>
+        <a:alpha val="90000"/>
+      </a:schemeClr>
+      <a:schemeClr val="accent5">
+        <a:tint val="40000"/>
+        <a:alpha val="90000"/>
+      </a:schemeClr>
+      <a:schemeClr val="accent6">
+        <a:tint val="40000"/>
+        <a:alpha val="90000"/>
+      </a:schemeClr>
+    </dgm:linClrLst>
+    <dgm:effectClrLst/>
+    <dgm:txLinClrLst/>
+    <dgm:txFillClrLst meth="repeat">
+      <a:schemeClr val="dk1"/>
+    </dgm:txFillClrLst>
+    <dgm:txEffectClrLst/>
+  </dgm:styleLbl>
+  <dgm:styleLbl name="alignAccFollowNode1">
+    <dgm:fillClrLst meth="repeat">
+      <a:schemeClr val="accent2">
+        <a:tint val="40000"/>
+        <a:alpha val="90000"/>
+      </a:schemeClr>
+      <a:schemeClr val="accent3">
+        <a:tint val="40000"/>
+        <a:alpha val="90000"/>
+      </a:schemeClr>
+      <a:schemeClr val="accent4">
+        <a:tint val="40000"/>
+        <a:alpha val="90000"/>
+      </a:schemeClr>
+      <a:schemeClr val="accent5">
+        <a:tint val="40000"/>
+        <a:alpha val="90000"/>
+      </a:schemeClr>
+      <a:schemeClr val="accent6">
+        <a:tint val="40000"/>
+        <a:alpha val="90000"/>
+      </a:schemeClr>
+    </dgm:fillClrLst>
+    <dgm:linClrLst meth="repeat">
+      <a:schemeClr val="accent2">
+        <a:tint val="40000"/>
+        <a:alpha val="90000"/>
+      </a:schemeClr>
+      <a:schemeClr val="accent3">
+        <a:tint val="40000"/>
+        <a:alpha val="90000"/>
+      </a:schemeClr>
+      <a:schemeClr val="accent4">
+        <a:tint val="40000"/>
+        <a:alpha val="90000"/>
+      </a:schemeClr>
+      <a:schemeClr val="accent5">
+        <a:tint val="40000"/>
+        <a:alpha val="90000"/>
+      </a:schemeClr>
+      <a:schemeClr val="accent6">
+        <a:tint val="40000"/>
+        <a:alpha val="90000"/>
+      </a:schemeClr>
+    </dgm:linClrLst>
+    <dgm:effectClrLst/>
+    <dgm:txLinClrLst/>
+    <dgm:txFillClrLst meth="repeat">
+      <a:schemeClr val="dk1"/>
+    </dgm:txFillClrLst>
+    <dgm:txEffectClrLst/>
+  </dgm:styleLbl>
+  <dgm:styleLbl name="bgAccFollowNode1">
+    <dgm:fillClrLst meth="repeat">
+      <a:schemeClr val="accent2">
+        <a:tint val="40000"/>
+        <a:alpha val="90000"/>
+      </a:schemeClr>
+      <a:schemeClr val="accent3">
+        <a:tint val="40000"/>
+        <a:alpha val="90000"/>
+      </a:schemeClr>
+      <a:schemeClr val="accent4">
+        <a:tint val="40000"/>
+        <a:alpha val="90000"/>
+      </a:schemeClr>
+      <a:schemeClr val="accent5">
+        <a:tint val="40000"/>
+        <a:alpha val="90000"/>
+      </a:schemeClr>
+      <a:schemeClr val="accent6">
+        <a:tint val="40000"/>
+        <a:alpha val="90000"/>
+      </a:schemeClr>
+    </dgm:fillClrLst>
+    <dgm:linClrLst meth="repeat">
+      <a:schemeClr val="accent2">
+        <a:tint val="40000"/>
+        <a:alpha val="90000"/>
+      </a:schemeClr>
+      <a:schemeClr val="accent3">
+        <a:tint val="40000"/>
+        <a:alpha val="90000"/>
+      </a:schemeClr>
+      <a:schemeClr val="accent4">
+        <a:tint val="40000"/>
+        <a:alpha val="90000"/>
+      </a:schemeClr>
+      <a:schemeClr val="accent5">
+        <a:tint val="40000"/>
+        <a:alpha val="90000"/>
+      </a:schemeClr>
+      <a:schemeClr val="accent6">
+        <a:tint val="40000"/>
+        <a:alpha val="90000"/>
+      </a:schemeClr>
+    </dgm:linClrLst>
+    <dgm:effectClrLst/>
+    <dgm:txLinClrLst/>
+    <dgm:txFillClrLst meth="repeat">
+      <a:schemeClr val="dk1"/>
+    </dgm:txFillClrLst>
+    <dgm:txEffectClrLst/>
+  </dgm:styleLbl>
+  <dgm:styleLbl name="fgAcc0">
+    <dgm:fillClrLst meth="repeat">
+      <a:schemeClr val="lt1">
+        <a:alpha val="90000"/>
+      </a:schemeClr>
+    </dgm:fillClrLst>
+    <dgm:linClrLst>
+      <a:schemeClr val="accent1"/>
+    </dgm:linClrLst>
+    <dgm:effectClrLst/>
+    <dgm:txLinClrLst/>
+    <dgm:txFillClrLst meth="repeat">
+      <a:schemeClr val="dk1"/>
+    </dgm:txFillClrLst>
+    <dgm:txEffectClrLst/>
+  </dgm:styleLbl>
+  <dgm:styleLbl name="fgAcc2">
+    <dgm:fillClrLst meth="repeat">
+      <a:schemeClr val="lt1">
+        <a:alpha val="90000"/>
+      </a:schemeClr>
+    </dgm:fillClrLst>
+    <dgm:linClrLst>
+      <a:schemeClr val="accent2"/>
+    </dgm:linClrLst>
+    <dgm:effectClrLst/>
+    <dgm:txLinClrLst/>
+    <dgm:txFillClrLst meth="repeat">
+      <a:schemeClr val="dk1"/>
+    </dgm:txFillClrLst>
+    <dgm:txEffectClrLst/>
+  </dgm:styleLbl>
+  <dgm:styleLbl name="fgAcc3">
+    <dgm:fillClrLst meth="repeat">
+      <a:schemeClr val="lt1">
+        <a:alpha val="90000"/>
+      </a:schemeClr>
+    </dgm:fillClrLst>
+    <dgm:linClrLst>
+      <a:schemeClr val="accent3"/>
+    </dgm:linClrLst>
+    <dgm:effectClrLst/>
+    <dgm:txLinClrLst/>
+    <dgm:txFillClrLst meth="repeat">
+      <a:schemeClr val="dk1"/>
+    </dgm:txFillClrLst>
+    <dgm:txEffectClrLst/>
+  </dgm:styleLbl>
+  <dgm:styleLbl name="fgAcc4">
+    <dgm:fillClrLst meth="repeat">
+      <a:schemeClr val="lt1">
+        <a:alpha val="90000"/>
+      </a:schemeClr>
+    </dgm:fillClrLst>
+    <dgm:linClrLst>
+      <a:schemeClr val="accent4"/>
+    </dgm:linClrLst>
+    <dgm:effectClrLst/>
+    <dgm:txLinClrLst/>
+    <dgm:txFillClrLst meth="repeat">
+      <a:schemeClr val="dk1"/>
+    </dgm:txFillClrLst>
+    <dgm:txEffectClrLst/>
+  </dgm:styleLbl>
+  <dgm:styleLbl name="bgShp">
+    <dgm:fillClrLst meth="repeat">
+      <a:schemeClr val="bg1">
+        <a:lumMod val="95000"/>
+      </a:schemeClr>
+    </dgm:fillClrLst>
+    <dgm:linClrLst meth="repeat">
+      <a:schemeClr val="dk1"/>
+    </dgm:linClrLst>
+    <dgm:effectClrLst/>
+    <dgm:txLinClrLst/>
+    <dgm:txFillClrLst meth="repeat">
+      <a:schemeClr val="dk1"/>
+    </dgm:txFillClrLst>
+    <dgm:txEffectClrLst/>
+  </dgm:styleLbl>
+  <dgm:styleLbl name="dkBgShp">
+    <dgm:fillClrLst meth="repeat">
+      <a:schemeClr val="accent2">
+        <a:shade val="90000"/>
+      </a:schemeClr>
+    </dgm:fillClrLst>
+    <dgm:linClrLst meth="repeat">
+      <a:schemeClr val="dk1"/>
+    </dgm:linClrLst>
+    <dgm:effectClrLst/>
+    <dgm:txLinClrLst/>
+    <dgm:txFillClrLst meth="repeat">
+      <a:schemeClr val="lt1"/>
+    </dgm:txFillClrLst>
+    <dgm:txEffectClrLst/>
+  </dgm:styleLbl>
+  <dgm:styleLbl name="trBgShp">
+    <dgm:fillClrLst meth="repeat">
+      <a:schemeClr val="accent1">
+        <a:tint val="50000"/>
+        <a:alpha val="40000"/>
+      </a:schemeClr>
+    </dgm:fillClrLst>
+    <dgm:linClrLst meth="repeat">
+      <a:schemeClr val="accent2"/>
+    </dgm:linClrLst>
+    <dgm:effectClrLst/>
+    <dgm:txLinClrLst/>
+    <dgm:txFillClrLst meth="repeat">
+      <a:schemeClr val="lt1"/>
+    </dgm:txFillClrLst>
+    <dgm:txEffectClrLst/>
+  </dgm:styleLbl>
+  <dgm:styleLbl name="fgShp">
+    <dgm:fillClrLst meth="repeat">
+      <a:schemeClr val="accent2">
+        <a:tint val="40000"/>
+      </a:schemeClr>
+    </dgm:fillClrLst>
+    <dgm:linClrLst meth="repeat">
+      <a:schemeClr val="lt1"/>
+    </dgm:linClrLst>
+    <dgm:effectClrLst/>
+    <dgm:txLinClrLst/>
+    <dgm:txFillClrLst meth="repeat">
+      <a:schemeClr val="dk1"/>
+    </dgm:txFillClrLst>
+    <dgm:txEffectClrLst/>
+  </dgm:styleLbl>
+  <dgm:styleLbl name="revTx">
+    <dgm:fillClrLst meth="repeat">
+      <a:schemeClr val="lt1">
+        <a:alpha val="0"/>
+      </a:schemeClr>
+    </dgm:fillClrLst>
+    <dgm:linClrLst meth="repeat">
+      <a:schemeClr val="dk1">
+        <a:alpha val="0"/>
+      </a:schemeClr>
+    </dgm:linClrLst>
+    <dgm:effectClrLst/>
+    <dgm:txLinClrLst/>
+    <dgm:txFillClrLst meth="repeat">
+      <a:schemeClr val="tx1"/>
+    </dgm:txFillClrLst>
+    <dgm:txEffectClrLst/>
+  </dgm:styleLbl>
+</dgm:colorsDef>
+</file>
+
+<file path=ppt/diagrams/data1.xml><?xml version="1.0" encoding="utf-8"?>
+<dgm:dataModel xmlns:dgm="http://schemas.openxmlformats.org/drawingml/2006/diagram" xmlns:a="http://schemas.openxmlformats.org/drawingml/2006/main">
+  <dgm:ptLst>
+    <dgm:pt modelId="{2AE54BD4-0EE2-4201-BAED-37554F68E9B6}" type="doc">
+      <dgm:prSet loTypeId="urn:microsoft.com/office/officeart/2018/2/layout/IconVerticalSolidList" loCatId="icon" qsTypeId="urn:microsoft.com/office/officeart/2005/8/quickstyle/simple1" qsCatId="simple" csTypeId="urn:microsoft.com/office/officeart/2018/5/colors/Iconchunking_neutralbg_colorful1" csCatId="colorful" phldr="1"/>
+      <dgm:spPr/>
+      <dgm:t>
+        <a:bodyPr/>
+        <a:lstStyle/>
+        <a:p>
+          <a:endParaRPr lang="en-US"/>
+        </a:p>
+      </dgm:t>
+    </dgm:pt>
+    <dgm:pt modelId="{B952FC9C-3CC7-4B0C-903B-86DC032CE711}">
+      <dgm:prSet/>
+      <dgm:spPr/>
+      <dgm:t>
+        <a:bodyPr/>
+        <a:lstStyle/>
+        <a:p>
+          <a:r>
+            <a:rPr lang="en-US"/>
+            <a:t>Main issue with a genetic approach is time.</a:t>
+          </a:r>
+        </a:p>
+      </dgm:t>
+    </dgm:pt>
+    <dgm:pt modelId="{FC313C1C-2434-4EE3-82F4-BBCB3590F373}" type="parTrans" cxnId="{CB2F5E1E-3763-48FA-8C7A-D2704D46000F}">
+      <dgm:prSet/>
+      <dgm:spPr/>
+      <dgm:t>
+        <a:bodyPr/>
+        <a:lstStyle/>
+        <a:p>
+          <a:endParaRPr lang="en-US"/>
+        </a:p>
+      </dgm:t>
+    </dgm:pt>
+    <dgm:pt modelId="{AA7D2B84-244F-4C28-A319-2A146479CA89}" type="sibTrans" cxnId="{CB2F5E1E-3763-48FA-8C7A-D2704D46000F}">
+      <dgm:prSet/>
+      <dgm:spPr/>
+      <dgm:t>
+        <a:bodyPr/>
+        <a:lstStyle/>
+        <a:p>
+          <a:endParaRPr lang="en-US"/>
+        </a:p>
+      </dgm:t>
+    </dgm:pt>
+    <dgm:pt modelId="{81309742-384A-42EE-BDC7-FC5DDDEAA5A7}">
+      <dgm:prSet/>
+      <dgm:spPr/>
+      <dgm:t>
+        <a:bodyPr/>
+        <a:lstStyle/>
+        <a:p>
+          <a:r>
+            <a:rPr lang="en-US"/>
+            <a:t>Large numbers of iterations and testing a range of starting states combine to long run time requirement.</a:t>
+          </a:r>
+        </a:p>
+      </dgm:t>
+    </dgm:pt>
+    <dgm:pt modelId="{55B018EA-F761-4AF3-B166-0E88D346B311}" type="parTrans" cxnId="{A8C154D7-4012-45F0-B1D1-7671E167F4D8}">
+      <dgm:prSet/>
+      <dgm:spPr/>
+      <dgm:t>
+        <a:bodyPr/>
+        <a:lstStyle/>
+        <a:p>
+          <a:endParaRPr lang="en-US"/>
+        </a:p>
+      </dgm:t>
+    </dgm:pt>
+    <dgm:pt modelId="{B49CB45B-C9D6-441E-AC96-D59C10142478}" type="sibTrans" cxnId="{A8C154D7-4012-45F0-B1D1-7671E167F4D8}">
+      <dgm:prSet/>
+      <dgm:spPr/>
+      <dgm:t>
+        <a:bodyPr/>
+        <a:lstStyle/>
+        <a:p>
+          <a:endParaRPr lang="en-US"/>
+        </a:p>
+      </dgm:t>
+    </dgm:pt>
+    <dgm:pt modelId="{B7F6F13D-F994-4F9C-B21A-8CE106891120}">
+      <dgm:prSet/>
+      <dgm:spPr/>
+      <dgm:t>
+        <a:bodyPr/>
+        <a:lstStyle/>
+        <a:p>
+          <a:r>
+            <a:rPr lang="en-US"/>
+            <a:t>By running search in batches can find “best” allocation for an allotted time.</a:t>
+          </a:r>
+        </a:p>
+      </dgm:t>
+    </dgm:pt>
+    <dgm:pt modelId="{64589AE0-95C5-4E34-86AE-E9DF210B3D2E}" type="parTrans" cxnId="{3268753A-D017-45C2-9F3D-07E68A4DCDAA}">
+      <dgm:prSet/>
+      <dgm:spPr/>
+      <dgm:t>
+        <a:bodyPr/>
+        <a:lstStyle/>
+        <a:p>
+          <a:endParaRPr lang="en-US"/>
+        </a:p>
+      </dgm:t>
+    </dgm:pt>
+    <dgm:pt modelId="{71B27F92-AA5A-4F0F-9804-0689767275C0}" type="sibTrans" cxnId="{3268753A-D017-45C2-9F3D-07E68A4DCDAA}">
+      <dgm:prSet/>
+      <dgm:spPr/>
+      <dgm:t>
+        <a:bodyPr/>
+        <a:lstStyle/>
+        <a:p>
+          <a:endParaRPr lang="en-US"/>
+        </a:p>
+      </dgm:t>
+    </dgm:pt>
+    <dgm:pt modelId="{CFA04629-5335-46C7-AC45-A1BB2AC0A3E0}">
+      <dgm:prSet/>
+      <dgm:spPr/>
+      <dgm:t>
+        <a:bodyPr/>
+        <a:lstStyle/>
+        <a:p>
+          <a:r>
+            <a:rPr lang="en-US"/>
+            <a:t>Project is not time critical so can accept this trade off.</a:t>
+          </a:r>
+        </a:p>
+      </dgm:t>
+    </dgm:pt>
+    <dgm:pt modelId="{44372C73-2B99-4431-AB9B-E027C8F80454}" type="parTrans" cxnId="{84B7FFA8-92FA-4E3C-AA37-62B005671272}">
+      <dgm:prSet/>
+      <dgm:spPr/>
+      <dgm:t>
+        <a:bodyPr/>
+        <a:lstStyle/>
+        <a:p>
+          <a:endParaRPr lang="en-US"/>
+        </a:p>
+      </dgm:t>
+    </dgm:pt>
+    <dgm:pt modelId="{D589570B-0911-4ABA-BA65-BCF871E8B2C8}" type="sibTrans" cxnId="{84B7FFA8-92FA-4E3C-AA37-62B005671272}">
+      <dgm:prSet/>
+      <dgm:spPr/>
+      <dgm:t>
+        <a:bodyPr/>
+        <a:lstStyle/>
+        <a:p>
+          <a:endParaRPr lang="en-US"/>
+        </a:p>
+      </dgm:t>
+    </dgm:pt>
+    <dgm:pt modelId="{899E8354-8070-4FEA-8254-077021E99038}">
+      <dgm:prSet/>
+      <dgm:spPr/>
+      <dgm:t>
+        <a:bodyPr/>
+        <a:lstStyle/>
+        <a:p>
+          <a:r>
+            <a:rPr lang="en-US"/>
+            <a:t>Potential performance improvements to be had by searching batches in parallel in future work.</a:t>
+          </a:r>
+        </a:p>
+      </dgm:t>
+    </dgm:pt>
+    <dgm:pt modelId="{CC7FDD88-E43C-4CDB-B5E7-C5ED6FC5355C}" type="parTrans" cxnId="{08233362-329B-47AA-9BBE-E4BD3C57D5D3}">
+      <dgm:prSet/>
+      <dgm:spPr/>
+      <dgm:t>
+        <a:bodyPr/>
+        <a:lstStyle/>
+        <a:p>
+          <a:endParaRPr lang="en-US"/>
+        </a:p>
+      </dgm:t>
+    </dgm:pt>
+    <dgm:pt modelId="{58E054C2-8E35-4BB8-8186-007686C794CD}" type="sibTrans" cxnId="{08233362-329B-47AA-9BBE-E4BD3C57D5D3}">
+      <dgm:prSet/>
+      <dgm:spPr/>
+      <dgm:t>
+        <a:bodyPr/>
+        <a:lstStyle/>
+        <a:p>
+          <a:endParaRPr lang="en-US"/>
+        </a:p>
+      </dgm:t>
+    </dgm:pt>
+    <dgm:pt modelId="{A6F14D07-5EBE-445C-8E2C-5CE33E0EDE41}" type="pres">
+      <dgm:prSet presAssocID="{2AE54BD4-0EE2-4201-BAED-37554F68E9B6}" presName="root" presStyleCnt="0">
+        <dgm:presLayoutVars>
+          <dgm:dir/>
+          <dgm:resizeHandles val="exact"/>
+        </dgm:presLayoutVars>
+      </dgm:prSet>
+      <dgm:spPr/>
+    </dgm:pt>
+    <dgm:pt modelId="{4527FF7D-B606-4463-B571-A546A2AB6096}" type="pres">
+      <dgm:prSet presAssocID="{B952FC9C-3CC7-4B0C-903B-86DC032CE711}" presName="compNode" presStyleCnt="0"/>
+      <dgm:spPr/>
+    </dgm:pt>
+    <dgm:pt modelId="{CB1C4B89-2ED3-4AEC-9B62-F142D6CE19C9}" type="pres">
+      <dgm:prSet presAssocID="{B952FC9C-3CC7-4B0C-903B-86DC032CE711}" presName="bgRect" presStyleLbl="bgShp" presStyleIdx="0" presStyleCnt="5"/>
+      <dgm:spPr/>
+    </dgm:pt>
+    <dgm:pt modelId="{28E51C73-6E89-461A-96B6-A194CB494951}" type="pres">
+      <dgm:prSet presAssocID="{B952FC9C-3CC7-4B0C-903B-86DC032CE711}" presName="iconRect" presStyleLbl="node1" presStyleIdx="0" presStyleCnt="5"/>
+      <dgm:spPr>
+        <a:blipFill>
+          <a:blip xmlns:r="http://schemas.openxmlformats.org/officeDocument/2006/relationships" r:embed="rId1">
+            <a:extLst>
+              <a:ext uri="{28A0092B-C50C-407E-A947-70E740481C1C}">
+                <a14:useLocalDpi xmlns:a14="http://schemas.microsoft.com/office/drawing/2010/main" val="0"/>
+              </a:ext>
+              <a:ext uri="{96DAC541-7B7A-43D3-8B79-37D633B846F1}">
+                <asvg:svgBlip xmlns:asvg="http://schemas.microsoft.com/office/drawing/2016/SVG/main" r:embed="rId2"/>
+              </a:ext>
+            </a:extLst>
+          </a:blip>
+          <a:stretch>
+            <a:fillRect/>
+          </a:stretch>
+        </a:blipFill>
+        <a:ln>
+          <a:noFill/>
+        </a:ln>
+      </dgm:spPr>
+      <dgm:extLst>
+        <a:ext uri="{E40237B7-FDA0-4F09-8148-C483321AD2D9}">
+          <dgm14:cNvPr xmlns:dgm14="http://schemas.microsoft.com/office/drawing/2010/diagram" id="0" name="" descr="DNA"/>
+        </a:ext>
+      </dgm:extLst>
+    </dgm:pt>
+    <dgm:pt modelId="{9E0C8FE5-E19E-4F15-91E0-AE4B6FC029BB}" type="pres">
+      <dgm:prSet presAssocID="{B952FC9C-3CC7-4B0C-903B-86DC032CE711}" presName="spaceRect" presStyleCnt="0"/>
+      <dgm:spPr/>
+    </dgm:pt>
+    <dgm:pt modelId="{7F43099D-A9DD-41FA-80C8-54835AE50816}" type="pres">
+      <dgm:prSet presAssocID="{B952FC9C-3CC7-4B0C-903B-86DC032CE711}" presName="parTx" presStyleLbl="revTx" presStyleIdx="0" presStyleCnt="5">
+        <dgm:presLayoutVars>
+          <dgm:chMax val="0"/>
+          <dgm:chPref val="0"/>
+        </dgm:presLayoutVars>
+      </dgm:prSet>
+      <dgm:spPr/>
+    </dgm:pt>
+    <dgm:pt modelId="{AA6972CA-E60E-47D1-B55F-66BE68BCF894}" type="pres">
+      <dgm:prSet presAssocID="{AA7D2B84-244F-4C28-A319-2A146479CA89}" presName="sibTrans" presStyleCnt="0"/>
+      <dgm:spPr/>
+    </dgm:pt>
+    <dgm:pt modelId="{986CC6AC-52E7-4511-9AF4-B3DF23D9A05E}" type="pres">
+      <dgm:prSet presAssocID="{81309742-384A-42EE-BDC7-FC5DDDEAA5A7}" presName="compNode" presStyleCnt="0"/>
+      <dgm:spPr/>
+    </dgm:pt>
+    <dgm:pt modelId="{F33DB60E-1C6D-43D3-B033-E1BD222F83B0}" type="pres">
+      <dgm:prSet presAssocID="{81309742-384A-42EE-BDC7-FC5DDDEAA5A7}" presName="bgRect" presStyleLbl="bgShp" presStyleIdx="1" presStyleCnt="5"/>
+      <dgm:spPr/>
+    </dgm:pt>
+    <dgm:pt modelId="{B578B6E1-5024-476C-AF34-36AB0ED31C2C}" type="pres">
+      <dgm:prSet presAssocID="{81309742-384A-42EE-BDC7-FC5DDDEAA5A7}" presName="iconRect" presStyleLbl="node1" presStyleIdx="1" presStyleCnt="5"/>
+      <dgm:spPr>
+        <a:blipFill>
+          <a:blip xmlns:r="http://schemas.openxmlformats.org/officeDocument/2006/relationships" r:embed="rId3">
+            <a:extLst>
+              <a:ext uri="{96DAC541-7B7A-43D3-8B79-37D633B846F1}">
+                <asvg:svgBlip xmlns:asvg="http://schemas.microsoft.com/office/drawing/2016/SVG/main" r:embed="rId4"/>
+              </a:ext>
+            </a:extLst>
+          </a:blip>
+          <a:srcRect/>
+          <a:stretch>
+            <a:fillRect/>
+          </a:stretch>
+        </a:blipFill>
+        <a:ln>
+          <a:noFill/>
+        </a:ln>
+      </dgm:spPr>
+      <dgm:extLst>
+        <a:ext uri="{E40237B7-FDA0-4F09-8148-C483321AD2D9}">
+          <dgm14:cNvPr xmlns:dgm14="http://schemas.microsoft.com/office/drawing/2010/diagram" id="0" name="" descr="Arrow circle with solid fill"/>
+        </a:ext>
+      </dgm:extLst>
+    </dgm:pt>
+    <dgm:pt modelId="{66CD610B-CBAC-4E27-BD72-3176C4AB51C9}" type="pres">
+      <dgm:prSet presAssocID="{81309742-384A-42EE-BDC7-FC5DDDEAA5A7}" presName="spaceRect" presStyleCnt="0"/>
+      <dgm:spPr/>
+    </dgm:pt>
+    <dgm:pt modelId="{7BC9E3CF-E2CA-4CA2-8AA6-10B0C431B063}" type="pres">
+      <dgm:prSet presAssocID="{81309742-384A-42EE-BDC7-FC5DDDEAA5A7}" presName="parTx" presStyleLbl="revTx" presStyleIdx="1" presStyleCnt="5">
+        <dgm:presLayoutVars>
+          <dgm:chMax val="0"/>
+          <dgm:chPref val="0"/>
+        </dgm:presLayoutVars>
+      </dgm:prSet>
+      <dgm:spPr/>
+    </dgm:pt>
+    <dgm:pt modelId="{4252ECF0-4568-46B7-A9EF-717FB7082499}" type="pres">
+      <dgm:prSet presAssocID="{B49CB45B-C9D6-441E-AC96-D59C10142478}" presName="sibTrans" presStyleCnt="0"/>
+      <dgm:spPr/>
+    </dgm:pt>
+    <dgm:pt modelId="{1F8266DF-029A-487D-9B00-F3344170EF23}" type="pres">
+      <dgm:prSet presAssocID="{B7F6F13D-F994-4F9C-B21A-8CE106891120}" presName="compNode" presStyleCnt="0"/>
+      <dgm:spPr/>
+    </dgm:pt>
+    <dgm:pt modelId="{B8DEA582-FE04-4381-AE17-DD5D402F73D2}" type="pres">
+      <dgm:prSet presAssocID="{B7F6F13D-F994-4F9C-B21A-8CE106891120}" presName="bgRect" presStyleLbl="bgShp" presStyleIdx="2" presStyleCnt="5"/>
+      <dgm:spPr/>
+    </dgm:pt>
+    <dgm:pt modelId="{FF095778-4898-4F5B-A5EF-438E20EF48E8}" type="pres">
+      <dgm:prSet presAssocID="{B7F6F13D-F994-4F9C-B21A-8CE106891120}" presName="iconRect" presStyleLbl="node1" presStyleIdx="2" presStyleCnt="5"/>
+      <dgm:spPr>
+        <a:blipFill>
+          <a:blip xmlns:r="http://schemas.openxmlformats.org/officeDocument/2006/relationships" r:embed="rId5">
+            <a:extLst>
+              <a:ext uri="{28A0092B-C50C-407E-A947-70E740481C1C}">
+                <a14:useLocalDpi xmlns:a14="http://schemas.microsoft.com/office/drawing/2010/main" val="0"/>
+              </a:ext>
+              <a:ext uri="{96DAC541-7B7A-43D3-8B79-37D633B846F1}">
+                <asvg:svgBlip xmlns:asvg="http://schemas.microsoft.com/office/drawing/2016/SVG/main" r:embed="rId6"/>
+              </a:ext>
+            </a:extLst>
+          </a:blip>
+          <a:stretch>
+            <a:fillRect/>
+          </a:stretch>
+        </a:blipFill>
+        <a:ln>
+          <a:noFill/>
+        </a:ln>
+      </dgm:spPr>
+      <dgm:extLst>
+        <a:ext uri="{E40237B7-FDA0-4F09-8148-C483321AD2D9}">
+          <dgm14:cNvPr xmlns:dgm14="http://schemas.microsoft.com/office/drawing/2010/diagram" id="0" name="" descr="Target Audience"/>
+        </a:ext>
+      </dgm:extLst>
+    </dgm:pt>
+    <dgm:pt modelId="{31133C71-31B5-42C3-8D39-1B46642E09A2}" type="pres">
+      <dgm:prSet presAssocID="{B7F6F13D-F994-4F9C-B21A-8CE106891120}" presName="spaceRect" presStyleCnt="0"/>
+      <dgm:spPr/>
+    </dgm:pt>
+    <dgm:pt modelId="{F415ED17-04A3-4CEF-A7A6-7F5EC1F45548}" type="pres">
+      <dgm:prSet presAssocID="{B7F6F13D-F994-4F9C-B21A-8CE106891120}" presName="parTx" presStyleLbl="revTx" presStyleIdx="2" presStyleCnt="5">
+        <dgm:presLayoutVars>
+          <dgm:chMax val="0"/>
+          <dgm:chPref val="0"/>
+        </dgm:presLayoutVars>
+      </dgm:prSet>
+      <dgm:spPr/>
+    </dgm:pt>
+    <dgm:pt modelId="{D0F3BB40-942A-49CB-81EC-BB9A47156955}" type="pres">
+      <dgm:prSet presAssocID="{71B27F92-AA5A-4F0F-9804-0689767275C0}" presName="sibTrans" presStyleCnt="0"/>
+      <dgm:spPr/>
+    </dgm:pt>
+    <dgm:pt modelId="{65A653F2-548C-46F2-93C4-B4C786DC68BC}" type="pres">
+      <dgm:prSet presAssocID="{CFA04629-5335-46C7-AC45-A1BB2AC0A3E0}" presName="compNode" presStyleCnt="0"/>
+      <dgm:spPr/>
+    </dgm:pt>
+    <dgm:pt modelId="{522F5B26-CD21-402E-A6A2-AE944E906BEF}" type="pres">
+      <dgm:prSet presAssocID="{CFA04629-5335-46C7-AC45-A1BB2AC0A3E0}" presName="bgRect" presStyleLbl="bgShp" presStyleIdx="3" presStyleCnt="5"/>
+      <dgm:spPr/>
+    </dgm:pt>
+    <dgm:pt modelId="{E86FEF68-3F82-40B0-A10E-EBD67FAE1045}" type="pres">
+      <dgm:prSet presAssocID="{CFA04629-5335-46C7-AC45-A1BB2AC0A3E0}" presName="iconRect" presStyleLbl="node1" presStyleIdx="3" presStyleCnt="5"/>
+      <dgm:spPr>
+        <a:blipFill>
+          <a:blip xmlns:r="http://schemas.openxmlformats.org/officeDocument/2006/relationships" r:embed="rId7">
+            <a:extLst>
+              <a:ext uri="{28A0092B-C50C-407E-A947-70E740481C1C}">
+                <a14:useLocalDpi xmlns:a14="http://schemas.microsoft.com/office/drawing/2010/main" val="0"/>
+              </a:ext>
+              <a:ext uri="{96DAC541-7B7A-43D3-8B79-37D633B846F1}">
+                <asvg:svgBlip xmlns:asvg="http://schemas.microsoft.com/office/drawing/2016/SVG/main" r:embed="rId8"/>
+              </a:ext>
+            </a:extLst>
+          </a:blip>
+          <a:stretch>
+            <a:fillRect/>
+          </a:stretch>
+        </a:blipFill>
+        <a:ln>
+          <a:noFill/>
+        </a:ln>
+      </dgm:spPr>
+      <dgm:extLst>
+        <a:ext uri="{E40237B7-FDA0-4F09-8148-C483321AD2D9}">
+          <dgm14:cNvPr xmlns:dgm14="http://schemas.microsoft.com/office/drawing/2010/diagram" id="0" name="" descr="Hourglass"/>
+        </a:ext>
+      </dgm:extLst>
+    </dgm:pt>
+    <dgm:pt modelId="{1D91128B-3205-48E3-8D00-B19532C20AD3}" type="pres">
+      <dgm:prSet presAssocID="{CFA04629-5335-46C7-AC45-A1BB2AC0A3E0}" presName="spaceRect" presStyleCnt="0"/>
+      <dgm:spPr/>
+    </dgm:pt>
+    <dgm:pt modelId="{3F427710-C941-48C5-921B-DBADB846FBAB}" type="pres">
+      <dgm:prSet presAssocID="{CFA04629-5335-46C7-AC45-A1BB2AC0A3E0}" presName="parTx" presStyleLbl="revTx" presStyleIdx="3" presStyleCnt="5">
+        <dgm:presLayoutVars>
+          <dgm:chMax val="0"/>
+          <dgm:chPref val="0"/>
+        </dgm:presLayoutVars>
+      </dgm:prSet>
+      <dgm:spPr/>
+    </dgm:pt>
+    <dgm:pt modelId="{570188E3-37A0-47E7-B934-A3A65D8A9E6F}" type="pres">
+      <dgm:prSet presAssocID="{D589570B-0911-4ABA-BA65-BCF871E8B2C8}" presName="sibTrans" presStyleCnt="0"/>
+      <dgm:spPr/>
+    </dgm:pt>
+    <dgm:pt modelId="{B51CBC40-8B50-4650-BDC3-0575FEDA800E}" type="pres">
+      <dgm:prSet presAssocID="{899E8354-8070-4FEA-8254-077021E99038}" presName="compNode" presStyleCnt="0"/>
+      <dgm:spPr/>
+    </dgm:pt>
+    <dgm:pt modelId="{4809123B-CBB6-4FD6-82C2-5EF92AD81B29}" type="pres">
+      <dgm:prSet presAssocID="{899E8354-8070-4FEA-8254-077021E99038}" presName="bgRect" presStyleLbl="bgShp" presStyleIdx="4" presStyleCnt="5"/>
+      <dgm:spPr/>
+    </dgm:pt>
+    <dgm:pt modelId="{6C96E127-89B4-4F90-AB87-86CF3E3B0076}" type="pres">
+      <dgm:prSet presAssocID="{899E8354-8070-4FEA-8254-077021E99038}" presName="iconRect" presStyleLbl="node1" presStyleIdx="4" presStyleCnt="5"/>
+      <dgm:spPr>
+        <a:blipFill>
+          <a:blip xmlns:r="http://schemas.openxmlformats.org/officeDocument/2006/relationships" r:embed="rId9">
+            <a:extLst>
+              <a:ext uri="{96DAC541-7B7A-43D3-8B79-37D633B846F1}">
+                <asvg:svgBlip xmlns:asvg="http://schemas.microsoft.com/office/drawing/2016/SVG/main" r:embed="rId10"/>
+              </a:ext>
+            </a:extLst>
+          </a:blip>
+          <a:srcRect/>
+          <a:stretch>
+            <a:fillRect/>
+          </a:stretch>
+        </a:blipFill>
+        <a:ln>
+          <a:noFill/>
+        </a:ln>
+      </dgm:spPr>
+      <dgm:extLst>
+        <a:ext uri="{E40237B7-FDA0-4F09-8148-C483321AD2D9}">
+          <dgm14:cNvPr xmlns:dgm14="http://schemas.microsoft.com/office/drawing/2010/diagram" id="0" name="" descr="Flowchart with solid fill"/>
+        </a:ext>
+      </dgm:extLst>
+    </dgm:pt>
+    <dgm:pt modelId="{ABA42FD4-1562-4369-ACC1-13A0F9FF4574}" type="pres">
+      <dgm:prSet presAssocID="{899E8354-8070-4FEA-8254-077021E99038}" presName="spaceRect" presStyleCnt="0"/>
+      <dgm:spPr/>
+    </dgm:pt>
+    <dgm:pt modelId="{C14E6DC9-0AA5-4232-91C6-9A46D5EAA7FC}" type="pres">
+      <dgm:prSet presAssocID="{899E8354-8070-4FEA-8254-077021E99038}" presName="parTx" presStyleLbl="revTx" presStyleIdx="4" presStyleCnt="5">
+        <dgm:presLayoutVars>
+          <dgm:chMax val="0"/>
+          <dgm:chPref val="0"/>
+        </dgm:presLayoutVars>
+      </dgm:prSet>
+      <dgm:spPr/>
+    </dgm:pt>
+  </dgm:ptLst>
+  <dgm:cxnLst>
+    <dgm:cxn modelId="{269F4715-BD19-4A60-997E-43FA56390F08}" type="presOf" srcId="{B7F6F13D-F994-4F9C-B21A-8CE106891120}" destId="{F415ED17-04A3-4CEF-A7A6-7F5EC1F45548}" srcOrd="0" destOrd="0" presId="urn:microsoft.com/office/officeart/2018/2/layout/IconVerticalSolidList"/>
+    <dgm:cxn modelId="{CB2F5E1E-3763-48FA-8C7A-D2704D46000F}" srcId="{2AE54BD4-0EE2-4201-BAED-37554F68E9B6}" destId="{B952FC9C-3CC7-4B0C-903B-86DC032CE711}" srcOrd="0" destOrd="0" parTransId="{FC313C1C-2434-4EE3-82F4-BBCB3590F373}" sibTransId="{AA7D2B84-244F-4C28-A319-2A146479CA89}"/>
+    <dgm:cxn modelId="{3268753A-D017-45C2-9F3D-07E68A4DCDAA}" srcId="{2AE54BD4-0EE2-4201-BAED-37554F68E9B6}" destId="{B7F6F13D-F994-4F9C-B21A-8CE106891120}" srcOrd="2" destOrd="0" parTransId="{64589AE0-95C5-4E34-86AE-E9DF210B3D2E}" sibTransId="{71B27F92-AA5A-4F0F-9804-0689767275C0}"/>
+    <dgm:cxn modelId="{08233362-329B-47AA-9BBE-E4BD3C57D5D3}" srcId="{2AE54BD4-0EE2-4201-BAED-37554F68E9B6}" destId="{899E8354-8070-4FEA-8254-077021E99038}" srcOrd="4" destOrd="0" parTransId="{CC7FDD88-E43C-4CDB-B5E7-C5ED6FC5355C}" sibTransId="{58E054C2-8E35-4BB8-8186-007686C794CD}"/>
+    <dgm:cxn modelId="{40A49865-7BD0-4B44-99C5-1A78A49CC471}" type="presOf" srcId="{B952FC9C-3CC7-4B0C-903B-86DC032CE711}" destId="{7F43099D-A9DD-41FA-80C8-54835AE50816}" srcOrd="0" destOrd="0" presId="urn:microsoft.com/office/officeart/2018/2/layout/IconVerticalSolidList"/>
+    <dgm:cxn modelId="{B8D1F78A-ABAE-46C3-93E5-167E8A9A4B25}" type="presOf" srcId="{81309742-384A-42EE-BDC7-FC5DDDEAA5A7}" destId="{7BC9E3CF-E2CA-4CA2-8AA6-10B0C431B063}" srcOrd="0" destOrd="0" presId="urn:microsoft.com/office/officeart/2018/2/layout/IconVerticalSolidList"/>
+    <dgm:cxn modelId="{33691AA5-8B48-414A-9D0F-4884F286DD59}" type="presOf" srcId="{899E8354-8070-4FEA-8254-077021E99038}" destId="{C14E6DC9-0AA5-4232-91C6-9A46D5EAA7FC}" srcOrd="0" destOrd="0" presId="urn:microsoft.com/office/officeart/2018/2/layout/IconVerticalSolidList"/>
+    <dgm:cxn modelId="{84B7FFA8-92FA-4E3C-AA37-62B005671272}" srcId="{2AE54BD4-0EE2-4201-BAED-37554F68E9B6}" destId="{CFA04629-5335-46C7-AC45-A1BB2AC0A3E0}" srcOrd="3" destOrd="0" parTransId="{44372C73-2B99-4431-AB9B-E027C8F80454}" sibTransId="{D589570B-0911-4ABA-BA65-BCF871E8B2C8}"/>
+    <dgm:cxn modelId="{89A6CCB9-6B7A-42E8-9E34-C7EDE81D495E}" type="presOf" srcId="{CFA04629-5335-46C7-AC45-A1BB2AC0A3E0}" destId="{3F427710-C941-48C5-921B-DBADB846FBAB}" srcOrd="0" destOrd="0" presId="urn:microsoft.com/office/officeart/2018/2/layout/IconVerticalSolidList"/>
+    <dgm:cxn modelId="{A8C154D7-4012-45F0-B1D1-7671E167F4D8}" srcId="{2AE54BD4-0EE2-4201-BAED-37554F68E9B6}" destId="{81309742-384A-42EE-BDC7-FC5DDDEAA5A7}" srcOrd="1" destOrd="0" parTransId="{55B018EA-F761-4AF3-B166-0E88D346B311}" sibTransId="{B49CB45B-C9D6-441E-AC96-D59C10142478}"/>
+    <dgm:cxn modelId="{897EDDEB-082B-4A6D-B503-DA3BD2846F64}" type="presOf" srcId="{2AE54BD4-0EE2-4201-BAED-37554F68E9B6}" destId="{A6F14D07-5EBE-445C-8E2C-5CE33E0EDE41}" srcOrd="0" destOrd="0" presId="urn:microsoft.com/office/officeart/2018/2/layout/IconVerticalSolidList"/>
+    <dgm:cxn modelId="{B14F4C90-4260-4E6D-A393-E24F31AED92D}" type="presParOf" srcId="{A6F14D07-5EBE-445C-8E2C-5CE33E0EDE41}" destId="{4527FF7D-B606-4463-B571-A546A2AB6096}" srcOrd="0" destOrd="0" presId="urn:microsoft.com/office/officeart/2018/2/layout/IconVerticalSolidList"/>
+    <dgm:cxn modelId="{FD8F9A92-DD38-4468-866B-DF79BA556B56}" type="presParOf" srcId="{4527FF7D-B606-4463-B571-A546A2AB6096}" destId="{CB1C4B89-2ED3-4AEC-9B62-F142D6CE19C9}" srcOrd="0" destOrd="0" presId="urn:microsoft.com/office/officeart/2018/2/layout/IconVerticalSolidList"/>
+    <dgm:cxn modelId="{6459C1CF-3290-4A2B-BEF1-C85166F4B05E}" type="presParOf" srcId="{4527FF7D-B606-4463-B571-A546A2AB6096}" destId="{28E51C73-6E89-461A-96B6-A194CB494951}" srcOrd="1" destOrd="0" presId="urn:microsoft.com/office/officeart/2018/2/layout/IconVerticalSolidList"/>
+    <dgm:cxn modelId="{E914A8F6-1D49-4BF4-BBE4-216750E29490}" type="presParOf" srcId="{4527FF7D-B606-4463-B571-A546A2AB6096}" destId="{9E0C8FE5-E19E-4F15-91E0-AE4B6FC029BB}" srcOrd="2" destOrd="0" presId="urn:microsoft.com/office/officeart/2018/2/layout/IconVerticalSolidList"/>
+    <dgm:cxn modelId="{543AEBDE-42F4-455D-B688-921CADFE880B}" type="presParOf" srcId="{4527FF7D-B606-4463-B571-A546A2AB6096}" destId="{7F43099D-A9DD-41FA-80C8-54835AE50816}" srcOrd="3" destOrd="0" presId="urn:microsoft.com/office/officeart/2018/2/layout/IconVerticalSolidList"/>
+    <dgm:cxn modelId="{03F7A300-3DDB-4591-A8C1-ECD8F51535BC}" type="presParOf" srcId="{A6F14D07-5EBE-445C-8E2C-5CE33E0EDE41}" destId="{AA6972CA-E60E-47D1-B55F-66BE68BCF894}" srcOrd="1" destOrd="0" presId="urn:microsoft.com/office/officeart/2018/2/layout/IconVerticalSolidList"/>
+    <dgm:cxn modelId="{E5E7E65F-4A12-4A68-AF5C-8A3F08FD3427}" type="presParOf" srcId="{A6F14D07-5EBE-445C-8E2C-5CE33E0EDE41}" destId="{986CC6AC-52E7-4511-9AF4-B3DF23D9A05E}" srcOrd="2" destOrd="0" presId="urn:microsoft.com/office/officeart/2018/2/layout/IconVerticalSolidList"/>
+    <dgm:cxn modelId="{CD473233-926A-456F-B22C-8EC036ACCA02}" type="presParOf" srcId="{986CC6AC-52E7-4511-9AF4-B3DF23D9A05E}" destId="{F33DB60E-1C6D-43D3-B033-E1BD222F83B0}" srcOrd="0" destOrd="0" presId="urn:microsoft.com/office/officeart/2018/2/layout/IconVerticalSolidList"/>
+    <dgm:cxn modelId="{241797B8-C470-4191-80D5-EA0AE2134634}" type="presParOf" srcId="{986CC6AC-52E7-4511-9AF4-B3DF23D9A05E}" destId="{B578B6E1-5024-476C-AF34-36AB0ED31C2C}" srcOrd="1" destOrd="0" presId="urn:microsoft.com/office/officeart/2018/2/layout/IconVerticalSolidList"/>
+    <dgm:cxn modelId="{32727C4E-3CB2-4128-8AE6-97141D665094}" type="presParOf" srcId="{986CC6AC-52E7-4511-9AF4-B3DF23D9A05E}" destId="{66CD610B-CBAC-4E27-BD72-3176C4AB51C9}" srcOrd="2" destOrd="0" presId="urn:microsoft.com/office/officeart/2018/2/layout/IconVerticalSolidList"/>
+    <dgm:cxn modelId="{068B321A-8A73-4E6F-BC64-07352AC9E4F0}" type="presParOf" srcId="{986CC6AC-52E7-4511-9AF4-B3DF23D9A05E}" destId="{7BC9E3CF-E2CA-4CA2-8AA6-10B0C431B063}" srcOrd="3" destOrd="0" presId="urn:microsoft.com/office/officeart/2018/2/layout/IconVerticalSolidList"/>
+    <dgm:cxn modelId="{03ECDB10-464A-4A02-9F43-057BC97FDD8A}" type="presParOf" srcId="{A6F14D07-5EBE-445C-8E2C-5CE33E0EDE41}" destId="{4252ECF0-4568-46B7-A9EF-717FB7082499}" srcOrd="3" destOrd="0" presId="urn:microsoft.com/office/officeart/2018/2/layout/IconVerticalSolidList"/>
+    <dgm:cxn modelId="{A44883B9-0A74-42D9-B04E-C9B683F9CD23}" type="presParOf" srcId="{A6F14D07-5EBE-445C-8E2C-5CE33E0EDE41}" destId="{1F8266DF-029A-487D-9B00-F3344170EF23}" srcOrd="4" destOrd="0" presId="urn:microsoft.com/office/officeart/2018/2/layout/IconVerticalSolidList"/>
+    <dgm:cxn modelId="{6BD83A05-4D78-4935-9F1C-9B4D5B9D8543}" type="presParOf" srcId="{1F8266DF-029A-487D-9B00-F3344170EF23}" destId="{B8DEA582-FE04-4381-AE17-DD5D402F73D2}" srcOrd="0" destOrd="0" presId="urn:microsoft.com/office/officeart/2018/2/layout/IconVerticalSolidList"/>
+    <dgm:cxn modelId="{FB790244-6B1A-4641-B504-0067271B57A2}" type="presParOf" srcId="{1F8266DF-029A-487D-9B00-F3344170EF23}" destId="{FF095778-4898-4F5B-A5EF-438E20EF48E8}" srcOrd="1" destOrd="0" presId="urn:microsoft.com/office/officeart/2018/2/layout/IconVerticalSolidList"/>
+    <dgm:cxn modelId="{931FD635-33FF-4DF0-9880-6AFDA4D0525C}" type="presParOf" srcId="{1F8266DF-029A-487D-9B00-F3344170EF23}" destId="{31133C71-31B5-42C3-8D39-1B46642E09A2}" srcOrd="2" destOrd="0" presId="urn:microsoft.com/office/officeart/2018/2/layout/IconVerticalSolidList"/>
+    <dgm:cxn modelId="{161B1326-740C-4F75-B206-02F2221CD6A8}" type="presParOf" srcId="{1F8266DF-029A-487D-9B00-F3344170EF23}" destId="{F415ED17-04A3-4CEF-A7A6-7F5EC1F45548}" srcOrd="3" destOrd="0" presId="urn:microsoft.com/office/officeart/2018/2/layout/IconVerticalSolidList"/>
+    <dgm:cxn modelId="{D95EE06C-5B87-46C0-97D4-497C27974DCD}" type="presParOf" srcId="{A6F14D07-5EBE-445C-8E2C-5CE33E0EDE41}" destId="{D0F3BB40-942A-49CB-81EC-BB9A47156955}" srcOrd="5" destOrd="0" presId="urn:microsoft.com/office/officeart/2018/2/layout/IconVerticalSolidList"/>
+    <dgm:cxn modelId="{CEB78136-30D9-4B91-841E-41D5DDB81CE5}" type="presParOf" srcId="{A6F14D07-5EBE-445C-8E2C-5CE33E0EDE41}" destId="{65A653F2-548C-46F2-93C4-B4C786DC68BC}" srcOrd="6" destOrd="0" presId="urn:microsoft.com/office/officeart/2018/2/layout/IconVerticalSolidList"/>
+    <dgm:cxn modelId="{6C1E4E3D-F8B4-4195-AE37-4E534D1F2BDC}" type="presParOf" srcId="{65A653F2-548C-46F2-93C4-B4C786DC68BC}" destId="{522F5B26-CD21-402E-A6A2-AE944E906BEF}" srcOrd="0" destOrd="0" presId="urn:microsoft.com/office/officeart/2018/2/layout/IconVerticalSolidList"/>
+    <dgm:cxn modelId="{C24CD970-F8CE-49EE-A4D1-913DA0E2ECFD}" type="presParOf" srcId="{65A653F2-548C-46F2-93C4-B4C786DC68BC}" destId="{E86FEF68-3F82-40B0-A10E-EBD67FAE1045}" srcOrd="1" destOrd="0" presId="urn:microsoft.com/office/officeart/2018/2/layout/IconVerticalSolidList"/>
+    <dgm:cxn modelId="{5F61EE7C-DD22-45DD-ACBC-E17977DE667A}" type="presParOf" srcId="{65A653F2-548C-46F2-93C4-B4C786DC68BC}" destId="{1D91128B-3205-48E3-8D00-B19532C20AD3}" srcOrd="2" destOrd="0" presId="urn:microsoft.com/office/officeart/2018/2/layout/IconVerticalSolidList"/>
+    <dgm:cxn modelId="{05C34895-E524-4C47-A847-01CC6D11E162}" type="presParOf" srcId="{65A653F2-548C-46F2-93C4-B4C786DC68BC}" destId="{3F427710-C941-48C5-921B-DBADB846FBAB}" srcOrd="3" destOrd="0" presId="urn:microsoft.com/office/officeart/2018/2/layout/IconVerticalSolidList"/>
+    <dgm:cxn modelId="{A1B1BE7D-1D43-463C-B438-CBE83FCD4037}" type="presParOf" srcId="{A6F14D07-5EBE-445C-8E2C-5CE33E0EDE41}" destId="{570188E3-37A0-47E7-B934-A3A65D8A9E6F}" srcOrd="7" destOrd="0" presId="urn:microsoft.com/office/officeart/2018/2/layout/IconVerticalSolidList"/>
+    <dgm:cxn modelId="{E68666C8-BE64-48EC-8455-49CB63EFEF6E}" type="presParOf" srcId="{A6F14D07-5EBE-445C-8E2C-5CE33E0EDE41}" destId="{B51CBC40-8B50-4650-BDC3-0575FEDA800E}" srcOrd="8" destOrd="0" presId="urn:microsoft.com/office/officeart/2018/2/layout/IconVerticalSolidList"/>
+    <dgm:cxn modelId="{768AA62D-51C3-4857-BB54-8D4D03599887}" type="presParOf" srcId="{B51CBC40-8B50-4650-BDC3-0575FEDA800E}" destId="{4809123B-CBB6-4FD6-82C2-5EF92AD81B29}" srcOrd="0" destOrd="0" presId="urn:microsoft.com/office/officeart/2018/2/layout/IconVerticalSolidList"/>
+    <dgm:cxn modelId="{4EBFD689-4AD6-4D91-A29C-274C0DECB25D}" type="presParOf" srcId="{B51CBC40-8B50-4650-BDC3-0575FEDA800E}" destId="{6C96E127-89B4-4F90-AB87-86CF3E3B0076}" srcOrd="1" destOrd="0" presId="urn:microsoft.com/office/officeart/2018/2/layout/IconVerticalSolidList"/>
+    <dgm:cxn modelId="{517F9669-A2E5-4F24-9E39-E142F9D5EBC2}" type="presParOf" srcId="{B51CBC40-8B50-4650-BDC3-0575FEDA800E}" destId="{ABA42FD4-1562-4369-ACC1-13A0F9FF4574}" srcOrd="2" destOrd="0" presId="urn:microsoft.com/office/officeart/2018/2/layout/IconVerticalSolidList"/>
+    <dgm:cxn modelId="{F4A69F8E-8C77-4CE9-AB9D-FA25CEA83FB2}" type="presParOf" srcId="{B51CBC40-8B50-4650-BDC3-0575FEDA800E}" destId="{C14E6DC9-0AA5-4232-91C6-9A46D5EAA7FC}" srcOrd="3" destOrd="0" presId="urn:microsoft.com/office/officeart/2018/2/layout/IconVerticalSolidList"/>
+  </dgm:cxnLst>
+  <dgm:bg/>
+  <dgm:whole/>
+  <dgm:extLst>
+    <a:ext uri="http://schemas.microsoft.com/office/drawing/2008/diagram">
+      <dsp:dataModelExt xmlns:dsp="http://schemas.microsoft.com/office/drawing/2008/diagram" relId="rId6" minVer="http://schemas.openxmlformats.org/drawingml/2006/diagram"/>
+    </a:ext>
+  </dgm:extLst>
+</dgm:dataModel>
+</file>
+
+<file path=ppt/diagrams/drawing1.xml><?xml version="1.0" encoding="utf-8"?>
+<dsp:drawing xmlns:dgm="http://schemas.openxmlformats.org/drawingml/2006/diagram" xmlns:dsp="http://schemas.microsoft.com/office/drawing/2008/diagram" xmlns:a="http://schemas.openxmlformats.org/drawingml/2006/main">
+  <dsp:spTree>
+    <dsp:nvGrpSpPr>
+      <dsp:cNvPr id="0" name=""/>
+      <dsp:cNvGrpSpPr/>
+    </dsp:nvGrpSpPr>
+    <dsp:grpSpPr/>
+    <dsp:sp modelId="{CB1C4B89-2ED3-4AEC-9B62-F142D6CE19C9}">
+      <dsp:nvSpPr>
+        <dsp:cNvPr id="0" name=""/>
+        <dsp:cNvSpPr/>
+      </dsp:nvSpPr>
+      <dsp:spPr>
+        <a:xfrm>
+          <a:off x="0" y="4405"/>
+          <a:ext cx="6055450" cy="938324"/>
+        </a:xfrm>
+        <a:prstGeom prst="roundRect">
+          <a:avLst>
+            <a:gd name="adj" fmla="val 10000"/>
+          </a:avLst>
+        </a:prstGeom>
+        <a:solidFill>
+          <a:schemeClr val="bg1">
+            <a:lumMod val="95000"/>
+            <a:hueOff val="0"/>
+            <a:satOff val="0"/>
+            <a:lumOff val="0"/>
+            <a:alphaOff val="0"/>
+          </a:schemeClr>
+        </a:solidFill>
+        <a:ln>
+          <a:noFill/>
+        </a:ln>
+        <a:effectLst/>
+      </dsp:spPr>
+      <dsp:style>
+        <a:lnRef idx="0">
+          <a:scrgbClr r="0" g="0" b="0"/>
+        </a:lnRef>
+        <a:fillRef idx="1">
+          <a:scrgbClr r="0" g="0" b="0"/>
+        </a:fillRef>
+        <a:effectRef idx="0">
+          <a:scrgbClr r="0" g="0" b="0"/>
+        </a:effectRef>
+        <a:fontRef idx="minor"/>
+      </dsp:style>
+    </dsp:sp>
+    <dsp:sp modelId="{28E51C73-6E89-461A-96B6-A194CB494951}">
+      <dsp:nvSpPr>
+        <dsp:cNvPr id="0" name=""/>
+        <dsp:cNvSpPr/>
+      </dsp:nvSpPr>
+      <dsp:spPr>
+        <a:xfrm>
+          <a:off x="283843" y="215528"/>
+          <a:ext cx="516078" cy="516078"/>
+        </a:xfrm>
+        <a:prstGeom prst="rect">
+          <a:avLst/>
+        </a:prstGeom>
+        <a:blipFill>
+          <a:blip xmlns:r="http://schemas.openxmlformats.org/officeDocument/2006/relationships" r:embed="rId1">
+            <a:extLst>
+              <a:ext uri="{28A0092B-C50C-407E-A947-70E740481C1C}">
+                <a14:useLocalDpi xmlns:a14="http://schemas.microsoft.com/office/drawing/2010/main" val="0"/>
+              </a:ext>
+              <a:ext uri="{96DAC541-7B7A-43D3-8B79-37D633B846F1}">
+                <asvg:svgBlip xmlns:asvg="http://schemas.microsoft.com/office/drawing/2016/SVG/main" r:embed="rId2"/>
+              </a:ext>
+            </a:extLst>
+          </a:blip>
+          <a:stretch>
+            <a:fillRect/>
+          </a:stretch>
+        </a:blipFill>
+        <a:ln w="12700" cap="flat" cmpd="sng" algn="ctr">
+          <a:noFill/>
+          <a:prstDash val="solid"/>
+          <a:miter lim="800000"/>
+        </a:ln>
+        <a:effectLst/>
+      </dsp:spPr>
+      <dsp:style>
+        <a:lnRef idx="2">
+          <a:scrgbClr r="0" g="0" b="0"/>
+        </a:lnRef>
+        <a:fillRef idx="1">
+          <a:scrgbClr r="0" g="0" b="0"/>
+        </a:fillRef>
+        <a:effectRef idx="0">
+          <a:scrgbClr r="0" g="0" b="0"/>
+        </a:effectRef>
+        <a:fontRef idx="minor">
+          <a:schemeClr val="lt1"/>
+        </a:fontRef>
+      </dsp:style>
+    </dsp:sp>
+    <dsp:sp modelId="{7F43099D-A9DD-41FA-80C8-54835AE50816}">
+      <dsp:nvSpPr>
+        <dsp:cNvPr id="0" name=""/>
+        <dsp:cNvSpPr/>
+      </dsp:nvSpPr>
+      <dsp:spPr>
+        <a:xfrm>
+          <a:off x="1083764" y="4405"/>
+          <a:ext cx="4971685" cy="938324"/>
+        </a:xfrm>
+        <a:prstGeom prst="rect">
+          <a:avLst/>
+        </a:prstGeom>
+        <a:noFill/>
+        <a:ln>
+          <a:noFill/>
+        </a:ln>
+        <a:effectLst/>
+      </dsp:spPr>
+      <dsp:style>
+        <a:lnRef idx="0">
+          <a:scrgbClr r="0" g="0" b="0"/>
+        </a:lnRef>
+        <a:fillRef idx="0">
+          <a:scrgbClr r="0" g="0" b="0"/>
+        </a:fillRef>
+        <a:effectRef idx="0">
+          <a:scrgbClr r="0" g="0" b="0"/>
+        </a:effectRef>
+        <a:fontRef idx="minor"/>
+      </dsp:style>
+      <dsp:txBody>
+        <a:bodyPr spcFirstLastPara="0" vert="horz" wrap="square" lIns="99306" tIns="99306" rIns="99306" bIns="99306" numCol="1" spcCol="1270" anchor="ctr" anchorCtr="0">
+          <a:noAutofit/>
+        </a:bodyPr>
+        <a:lstStyle/>
+        <a:p>
+          <a:pPr marL="0" lvl="0" indent="0" algn="l" defTabSz="755650">
+            <a:lnSpc>
+              <a:spcPct val="90000"/>
+            </a:lnSpc>
+            <a:spcBef>
+              <a:spcPct val="0"/>
+            </a:spcBef>
+            <a:spcAft>
+              <a:spcPct val="35000"/>
+            </a:spcAft>
+            <a:buNone/>
+          </a:pPr>
+          <a:r>
+            <a:rPr lang="en-US" sz="1700" kern="1200"/>
+            <a:t>Main issue with a genetic approach is time.</a:t>
+          </a:r>
+        </a:p>
+      </dsp:txBody>
+      <dsp:txXfrm>
+        <a:off x="1083764" y="4405"/>
+        <a:ext cx="4971685" cy="938324"/>
+      </dsp:txXfrm>
+    </dsp:sp>
+    <dsp:sp modelId="{F33DB60E-1C6D-43D3-B033-E1BD222F83B0}">
+      <dsp:nvSpPr>
+        <dsp:cNvPr id="0" name=""/>
+        <dsp:cNvSpPr/>
+      </dsp:nvSpPr>
+      <dsp:spPr>
+        <a:xfrm>
+          <a:off x="0" y="1177310"/>
+          <a:ext cx="6055450" cy="938324"/>
+        </a:xfrm>
+        <a:prstGeom prst="roundRect">
+          <a:avLst>
+            <a:gd name="adj" fmla="val 10000"/>
+          </a:avLst>
+        </a:prstGeom>
+        <a:solidFill>
+          <a:schemeClr val="bg1">
+            <a:lumMod val="95000"/>
+            <a:hueOff val="0"/>
+            <a:satOff val="0"/>
+            <a:lumOff val="0"/>
+            <a:alphaOff val="0"/>
+          </a:schemeClr>
+        </a:solidFill>
+        <a:ln>
+          <a:noFill/>
+        </a:ln>
+        <a:effectLst/>
+      </dsp:spPr>
+      <dsp:style>
+        <a:lnRef idx="0">
+          <a:scrgbClr r="0" g="0" b="0"/>
+        </a:lnRef>
+        <a:fillRef idx="1">
+          <a:scrgbClr r="0" g="0" b="0"/>
+        </a:fillRef>
+        <a:effectRef idx="0">
+          <a:scrgbClr r="0" g="0" b="0"/>
+        </a:effectRef>
+        <a:fontRef idx="minor"/>
+      </dsp:style>
+    </dsp:sp>
+    <dsp:sp modelId="{B578B6E1-5024-476C-AF34-36AB0ED31C2C}">
+      <dsp:nvSpPr>
+        <dsp:cNvPr id="0" name=""/>
+        <dsp:cNvSpPr/>
+      </dsp:nvSpPr>
+      <dsp:spPr>
+        <a:xfrm>
+          <a:off x="283843" y="1388433"/>
+          <a:ext cx="516078" cy="516078"/>
+        </a:xfrm>
+        <a:prstGeom prst="rect">
+          <a:avLst/>
+        </a:prstGeom>
+        <a:blipFill>
+          <a:blip xmlns:r="http://schemas.openxmlformats.org/officeDocument/2006/relationships" r:embed="rId3">
+            <a:extLst>
+              <a:ext uri="{96DAC541-7B7A-43D3-8B79-37D633B846F1}">
+                <asvg:svgBlip xmlns:asvg="http://schemas.microsoft.com/office/drawing/2016/SVG/main" r:embed="rId4"/>
+              </a:ext>
+            </a:extLst>
+          </a:blip>
+          <a:srcRect/>
+          <a:stretch>
+            <a:fillRect/>
+          </a:stretch>
+        </a:blipFill>
+        <a:ln w="12700" cap="flat" cmpd="sng" algn="ctr">
+          <a:noFill/>
+          <a:prstDash val="solid"/>
+          <a:miter lim="800000"/>
+        </a:ln>
+        <a:effectLst/>
+      </dsp:spPr>
+      <dsp:style>
+        <a:lnRef idx="2">
+          <a:scrgbClr r="0" g="0" b="0"/>
+        </a:lnRef>
+        <a:fillRef idx="1">
+          <a:scrgbClr r="0" g="0" b="0"/>
+        </a:fillRef>
+        <a:effectRef idx="0">
+          <a:scrgbClr r="0" g="0" b="0"/>
+        </a:effectRef>
+        <a:fontRef idx="minor">
+          <a:schemeClr val="lt1"/>
+        </a:fontRef>
+      </dsp:style>
+    </dsp:sp>
+    <dsp:sp modelId="{7BC9E3CF-E2CA-4CA2-8AA6-10B0C431B063}">
+      <dsp:nvSpPr>
+        <dsp:cNvPr id="0" name=""/>
+        <dsp:cNvSpPr/>
+      </dsp:nvSpPr>
+      <dsp:spPr>
+        <a:xfrm>
+          <a:off x="1083764" y="1177310"/>
+          <a:ext cx="4971685" cy="938324"/>
+        </a:xfrm>
+        <a:prstGeom prst="rect">
+          <a:avLst/>
+        </a:prstGeom>
+        <a:noFill/>
+        <a:ln>
+          <a:noFill/>
+        </a:ln>
+        <a:effectLst/>
+      </dsp:spPr>
+      <dsp:style>
+        <a:lnRef idx="0">
+          <a:scrgbClr r="0" g="0" b="0"/>
+        </a:lnRef>
+        <a:fillRef idx="0">
+          <a:scrgbClr r="0" g="0" b="0"/>
+        </a:fillRef>
+        <a:effectRef idx="0">
+          <a:scrgbClr r="0" g="0" b="0"/>
+        </a:effectRef>
+        <a:fontRef idx="minor"/>
+      </dsp:style>
+      <dsp:txBody>
+        <a:bodyPr spcFirstLastPara="0" vert="horz" wrap="square" lIns="99306" tIns="99306" rIns="99306" bIns="99306" numCol="1" spcCol="1270" anchor="ctr" anchorCtr="0">
+          <a:noAutofit/>
+        </a:bodyPr>
+        <a:lstStyle/>
+        <a:p>
+          <a:pPr marL="0" lvl="0" indent="0" algn="l" defTabSz="755650">
+            <a:lnSpc>
+              <a:spcPct val="90000"/>
+            </a:lnSpc>
+            <a:spcBef>
+              <a:spcPct val="0"/>
+            </a:spcBef>
+            <a:spcAft>
+              <a:spcPct val="35000"/>
+            </a:spcAft>
+            <a:buNone/>
+          </a:pPr>
+          <a:r>
+            <a:rPr lang="en-US" sz="1700" kern="1200"/>
+            <a:t>Large numbers of iterations and testing a range of starting states combine to long run time requirement.</a:t>
+          </a:r>
+        </a:p>
+      </dsp:txBody>
+      <dsp:txXfrm>
+        <a:off x="1083764" y="1177310"/>
+        <a:ext cx="4971685" cy="938324"/>
+      </dsp:txXfrm>
+    </dsp:sp>
+    <dsp:sp modelId="{B8DEA582-FE04-4381-AE17-DD5D402F73D2}">
+      <dsp:nvSpPr>
+        <dsp:cNvPr id="0" name=""/>
+        <dsp:cNvSpPr/>
+      </dsp:nvSpPr>
+      <dsp:spPr>
+        <a:xfrm>
+          <a:off x="0" y="2350215"/>
+          <a:ext cx="6055450" cy="938324"/>
+        </a:xfrm>
+        <a:prstGeom prst="roundRect">
+          <a:avLst>
+            <a:gd name="adj" fmla="val 10000"/>
+          </a:avLst>
+        </a:prstGeom>
+        <a:solidFill>
+          <a:schemeClr val="bg1">
+            <a:lumMod val="95000"/>
+            <a:hueOff val="0"/>
+            <a:satOff val="0"/>
+            <a:lumOff val="0"/>
+            <a:alphaOff val="0"/>
+          </a:schemeClr>
+        </a:solidFill>
+        <a:ln>
+          <a:noFill/>
+        </a:ln>
+        <a:effectLst/>
+      </dsp:spPr>
+      <dsp:style>
+        <a:lnRef idx="0">
+          <a:scrgbClr r="0" g="0" b="0"/>
+        </a:lnRef>
+        <a:fillRef idx="1">
+          <a:scrgbClr r="0" g="0" b="0"/>
+        </a:fillRef>
+        <a:effectRef idx="0">
+          <a:scrgbClr r="0" g="0" b="0"/>
+        </a:effectRef>
+        <a:fontRef idx="minor"/>
+      </dsp:style>
+    </dsp:sp>
+    <dsp:sp modelId="{FF095778-4898-4F5B-A5EF-438E20EF48E8}">
+      <dsp:nvSpPr>
+        <dsp:cNvPr id="0" name=""/>
+        <dsp:cNvSpPr/>
+      </dsp:nvSpPr>
+      <dsp:spPr>
+        <a:xfrm>
+          <a:off x="283843" y="2561338"/>
+          <a:ext cx="516078" cy="516078"/>
+        </a:xfrm>
+        <a:prstGeom prst="rect">
+          <a:avLst/>
+        </a:prstGeom>
+        <a:blipFill>
+          <a:blip xmlns:r="http://schemas.openxmlformats.org/officeDocument/2006/relationships" r:embed="rId5">
+            <a:extLst>
+              <a:ext uri="{28A0092B-C50C-407E-A947-70E740481C1C}">
+                <a14:useLocalDpi xmlns:a14="http://schemas.microsoft.com/office/drawing/2010/main" val="0"/>
+              </a:ext>
+              <a:ext uri="{96DAC541-7B7A-43D3-8B79-37D633B846F1}">
+                <asvg:svgBlip xmlns:asvg="http://schemas.microsoft.com/office/drawing/2016/SVG/main" r:embed="rId6"/>
+              </a:ext>
+            </a:extLst>
+          </a:blip>
+          <a:stretch>
+            <a:fillRect/>
+          </a:stretch>
+        </a:blipFill>
+        <a:ln w="12700" cap="flat" cmpd="sng" algn="ctr">
+          <a:noFill/>
+          <a:prstDash val="solid"/>
+          <a:miter lim="800000"/>
+        </a:ln>
+        <a:effectLst/>
+      </dsp:spPr>
+      <dsp:style>
+        <a:lnRef idx="2">
+          <a:scrgbClr r="0" g="0" b="0"/>
+        </a:lnRef>
+        <a:fillRef idx="1">
+          <a:scrgbClr r="0" g="0" b="0"/>
+        </a:fillRef>
+        <a:effectRef idx="0">
+          <a:scrgbClr r="0" g="0" b="0"/>
+        </a:effectRef>
+        <a:fontRef idx="minor">
+          <a:schemeClr val="lt1"/>
+        </a:fontRef>
+      </dsp:style>
+    </dsp:sp>
+    <dsp:sp modelId="{F415ED17-04A3-4CEF-A7A6-7F5EC1F45548}">
+      <dsp:nvSpPr>
+        <dsp:cNvPr id="0" name=""/>
+        <dsp:cNvSpPr/>
+      </dsp:nvSpPr>
+      <dsp:spPr>
+        <a:xfrm>
+          <a:off x="1083764" y="2350215"/>
+          <a:ext cx="4971685" cy="938324"/>
+        </a:xfrm>
+        <a:prstGeom prst="rect">
+          <a:avLst/>
+        </a:prstGeom>
+        <a:noFill/>
+        <a:ln>
+          <a:noFill/>
+        </a:ln>
+        <a:effectLst/>
+      </dsp:spPr>
+      <dsp:style>
+        <a:lnRef idx="0">
+          <a:scrgbClr r="0" g="0" b="0"/>
+        </a:lnRef>
+        <a:fillRef idx="0">
+          <a:scrgbClr r="0" g="0" b="0"/>
+        </a:fillRef>
+        <a:effectRef idx="0">
+          <a:scrgbClr r="0" g="0" b="0"/>
+        </a:effectRef>
+        <a:fontRef idx="minor"/>
+      </dsp:style>
+      <dsp:txBody>
+        <a:bodyPr spcFirstLastPara="0" vert="horz" wrap="square" lIns="99306" tIns="99306" rIns="99306" bIns="99306" numCol="1" spcCol="1270" anchor="ctr" anchorCtr="0">
+          <a:noAutofit/>
+        </a:bodyPr>
+        <a:lstStyle/>
+        <a:p>
+          <a:pPr marL="0" lvl="0" indent="0" algn="l" defTabSz="755650">
+            <a:lnSpc>
+              <a:spcPct val="90000"/>
+            </a:lnSpc>
+            <a:spcBef>
+              <a:spcPct val="0"/>
+            </a:spcBef>
+            <a:spcAft>
+              <a:spcPct val="35000"/>
+            </a:spcAft>
+            <a:buNone/>
+          </a:pPr>
+          <a:r>
+            <a:rPr lang="en-US" sz="1700" kern="1200"/>
+            <a:t>By running search in batches can find “best” allocation for an allotted time.</a:t>
+          </a:r>
+        </a:p>
+      </dsp:txBody>
+      <dsp:txXfrm>
+        <a:off x="1083764" y="2350215"/>
+        <a:ext cx="4971685" cy="938324"/>
+      </dsp:txXfrm>
+    </dsp:sp>
+    <dsp:sp modelId="{522F5B26-CD21-402E-A6A2-AE944E906BEF}">
+      <dsp:nvSpPr>
+        <dsp:cNvPr id="0" name=""/>
+        <dsp:cNvSpPr/>
+      </dsp:nvSpPr>
+      <dsp:spPr>
+        <a:xfrm>
+          <a:off x="0" y="3523120"/>
+          <a:ext cx="6055450" cy="938324"/>
+        </a:xfrm>
+        <a:prstGeom prst="roundRect">
+          <a:avLst>
+            <a:gd name="adj" fmla="val 10000"/>
+          </a:avLst>
+        </a:prstGeom>
+        <a:solidFill>
+          <a:schemeClr val="bg1">
+            <a:lumMod val="95000"/>
+            <a:hueOff val="0"/>
+            <a:satOff val="0"/>
+            <a:lumOff val="0"/>
+            <a:alphaOff val="0"/>
+          </a:schemeClr>
+        </a:solidFill>
+        <a:ln>
+          <a:noFill/>
+        </a:ln>
+        <a:effectLst/>
+      </dsp:spPr>
+      <dsp:style>
+        <a:lnRef idx="0">
+          <a:scrgbClr r="0" g="0" b="0"/>
+        </a:lnRef>
+        <a:fillRef idx="1">
+          <a:scrgbClr r="0" g="0" b="0"/>
+        </a:fillRef>
+        <a:effectRef idx="0">
+          <a:scrgbClr r="0" g="0" b="0"/>
+        </a:effectRef>
+        <a:fontRef idx="minor"/>
+      </dsp:style>
+    </dsp:sp>
+    <dsp:sp modelId="{E86FEF68-3F82-40B0-A10E-EBD67FAE1045}">
+      <dsp:nvSpPr>
+        <dsp:cNvPr id="0" name=""/>
+        <dsp:cNvSpPr/>
+      </dsp:nvSpPr>
+      <dsp:spPr>
+        <a:xfrm>
+          <a:off x="283843" y="3734243"/>
+          <a:ext cx="516078" cy="516078"/>
+        </a:xfrm>
+        <a:prstGeom prst="rect">
+          <a:avLst/>
+        </a:prstGeom>
+        <a:blipFill>
+          <a:blip xmlns:r="http://schemas.openxmlformats.org/officeDocument/2006/relationships" r:embed="rId7">
+            <a:extLst>
+              <a:ext uri="{28A0092B-C50C-407E-A947-70E740481C1C}">
+                <a14:useLocalDpi xmlns:a14="http://schemas.microsoft.com/office/drawing/2010/main" val="0"/>
+              </a:ext>
+              <a:ext uri="{96DAC541-7B7A-43D3-8B79-37D633B846F1}">
+                <asvg:svgBlip xmlns:asvg="http://schemas.microsoft.com/office/drawing/2016/SVG/main" r:embed="rId8"/>
+              </a:ext>
+            </a:extLst>
+          </a:blip>
+          <a:stretch>
+            <a:fillRect/>
+          </a:stretch>
+        </a:blipFill>
+        <a:ln w="12700" cap="flat" cmpd="sng" algn="ctr">
+          <a:noFill/>
+          <a:prstDash val="solid"/>
+          <a:miter lim="800000"/>
+        </a:ln>
+        <a:effectLst/>
+      </dsp:spPr>
+      <dsp:style>
+        <a:lnRef idx="2">
+          <a:scrgbClr r="0" g="0" b="0"/>
+        </a:lnRef>
+        <a:fillRef idx="1">
+          <a:scrgbClr r="0" g="0" b="0"/>
+        </a:fillRef>
+        <a:effectRef idx="0">
+          <a:scrgbClr r="0" g="0" b="0"/>
+        </a:effectRef>
+        <a:fontRef idx="minor">
+          <a:schemeClr val="lt1"/>
+        </a:fontRef>
+      </dsp:style>
+    </dsp:sp>
+    <dsp:sp modelId="{3F427710-C941-48C5-921B-DBADB846FBAB}">
+      <dsp:nvSpPr>
+        <dsp:cNvPr id="0" name=""/>
+        <dsp:cNvSpPr/>
+      </dsp:nvSpPr>
+      <dsp:spPr>
+        <a:xfrm>
+          <a:off x="1083764" y="3523120"/>
+          <a:ext cx="4971685" cy="938324"/>
+        </a:xfrm>
+        <a:prstGeom prst="rect">
+          <a:avLst/>
+        </a:prstGeom>
+        <a:noFill/>
+        <a:ln>
+          <a:noFill/>
+        </a:ln>
+        <a:effectLst/>
+      </dsp:spPr>
+      <dsp:style>
+        <a:lnRef idx="0">
+          <a:scrgbClr r="0" g="0" b="0"/>
+        </a:lnRef>
+        <a:fillRef idx="0">
+          <a:scrgbClr r="0" g="0" b="0"/>
+        </a:fillRef>
+        <a:effectRef idx="0">
+          <a:scrgbClr r="0" g="0" b="0"/>
+        </a:effectRef>
+        <a:fontRef idx="minor"/>
+      </dsp:style>
+      <dsp:txBody>
+        <a:bodyPr spcFirstLastPara="0" vert="horz" wrap="square" lIns="99306" tIns="99306" rIns="99306" bIns="99306" numCol="1" spcCol="1270" anchor="ctr" anchorCtr="0">
+          <a:noAutofit/>
+        </a:bodyPr>
+        <a:lstStyle/>
+        <a:p>
+          <a:pPr marL="0" lvl="0" indent="0" algn="l" defTabSz="755650">
+            <a:lnSpc>
+              <a:spcPct val="90000"/>
+            </a:lnSpc>
+            <a:spcBef>
+              <a:spcPct val="0"/>
+            </a:spcBef>
+            <a:spcAft>
+              <a:spcPct val="35000"/>
+            </a:spcAft>
+            <a:buNone/>
+          </a:pPr>
+          <a:r>
+            <a:rPr lang="en-US" sz="1700" kern="1200"/>
+            <a:t>Project is not time critical so can accept this trade off.</a:t>
+          </a:r>
+        </a:p>
+      </dsp:txBody>
+      <dsp:txXfrm>
+        <a:off x="1083764" y="3523120"/>
+        <a:ext cx="4971685" cy="938324"/>
+      </dsp:txXfrm>
+    </dsp:sp>
+    <dsp:sp modelId="{4809123B-CBB6-4FD6-82C2-5EF92AD81B29}">
+      <dsp:nvSpPr>
+        <dsp:cNvPr id="0" name=""/>
+        <dsp:cNvSpPr/>
+      </dsp:nvSpPr>
+      <dsp:spPr>
+        <a:xfrm>
+          <a:off x="0" y="4696025"/>
+          <a:ext cx="6055450" cy="938324"/>
+        </a:xfrm>
+        <a:prstGeom prst="roundRect">
+          <a:avLst>
+            <a:gd name="adj" fmla="val 10000"/>
+          </a:avLst>
+        </a:prstGeom>
+        <a:solidFill>
+          <a:schemeClr val="bg1">
+            <a:lumMod val="95000"/>
+            <a:hueOff val="0"/>
+            <a:satOff val="0"/>
+            <a:lumOff val="0"/>
+            <a:alphaOff val="0"/>
+          </a:schemeClr>
+        </a:solidFill>
+        <a:ln>
+          <a:noFill/>
+        </a:ln>
+        <a:effectLst/>
+      </dsp:spPr>
+      <dsp:style>
+        <a:lnRef idx="0">
+          <a:scrgbClr r="0" g="0" b="0"/>
+        </a:lnRef>
+        <a:fillRef idx="1">
+          <a:scrgbClr r="0" g="0" b="0"/>
+        </a:fillRef>
+        <a:effectRef idx="0">
+          <a:scrgbClr r="0" g="0" b="0"/>
+        </a:effectRef>
+        <a:fontRef idx="minor"/>
+      </dsp:style>
+    </dsp:sp>
+    <dsp:sp modelId="{6C96E127-89B4-4F90-AB87-86CF3E3B0076}">
+      <dsp:nvSpPr>
+        <dsp:cNvPr id="0" name=""/>
+        <dsp:cNvSpPr/>
+      </dsp:nvSpPr>
+      <dsp:spPr>
+        <a:xfrm>
+          <a:off x="283843" y="4907148"/>
+          <a:ext cx="516078" cy="516078"/>
+        </a:xfrm>
+        <a:prstGeom prst="rect">
+          <a:avLst/>
+        </a:prstGeom>
+        <a:blipFill>
+          <a:blip xmlns:r="http://schemas.openxmlformats.org/officeDocument/2006/relationships" r:embed="rId9">
+            <a:extLst>
+              <a:ext uri="{96DAC541-7B7A-43D3-8B79-37D633B846F1}">
+                <asvg:svgBlip xmlns:asvg="http://schemas.microsoft.com/office/drawing/2016/SVG/main" r:embed="rId10"/>
+              </a:ext>
+            </a:extLst>
+          </a:blip>
+          <a:srcRect/>
+          <a:stretch>
+            <a:fillRect/>
+          </a:stretch>
+        </a:blipFill>
+        <a:ln w="12700" cap="flat" cmpd="sng" algn="ctr">
+          <a:noFill/>
+          <a:prstDash val="solid"/>
+          <a:miter lim="800000"/>
+        </a:ln>
+        <a:effectLst/>
+      </dsp:spPr>
+      <dsp:style>
+        <a:lnRef idx="2">
+          <a:scrgbClr r="0" g="0" b="0"/>
+        </a:lnRef>
+        <a:fillRef idx="1">
+          <a:scrgbClr r="0" g="0" b="0"/>
+        </a:fillRef>
+        <a:effectRef idx="0">
+          <a:scrgbClr r="0" g="0" b="0"/>
+        </a:effectRef>
+        <a:fontRef idx="minor">
+          <a:schemeClr val="lt1"/>
+        </a:fontRef>
+      </dsp:style>
+    </dsp:sp>
+    <dsp:sp modelId="{C14E6DC9-0AA5-4232-91C6-9A46D5EAA7FC}">
+      <dsp:nvSpPr>
+        <dsp:cNvPr id="0" name=""/>
+        <dsp:cNvSpPr/>
+      </dsp:nvSpPr>
+      <dsp:spPr>
+        <a:xfrm>
+          <a:off x="1083764" y="4696025"/>
+          <a:ext cx="4971685" cy="938324"/>
+        </a:xfrm>
+        <a:prstGeom prst="rect">
+          <a:avLst/>
+        </a:prstGeom>
+        <a:noFill/>
+        <a:ln>
+          <a:noFill/>
+        </a:ln>
+        <a:effectLst/>
+      </dsp:spPr>
+      <dsp:style>
+        <a:lnRef idx="0">
+          <a:scrgbClr r="0" g="0" b="0"/>
+        </a:lnRef>
+        <a:fillRef idx="0">
+          <a:scrgbClr r="0" g="0" b="0"/>
+        </a:fillRef>
+        <a:effectRef idx="0">
+          <a:scrgbClr r="0" g="0" b="0"/>
+        </a:effectRef>
+        <a:fontRef idx="minor"/>
+      </dsp:style>
+      <dsp:txBody>
+        <a:bodyPr spcFirstLastPara="0" vert="horz" wrap="square" lIns="99306" tIns="99306" rIns="99306" bIns="99306" numCol="1" spcCol="1270" anchor="ctr" anchorCtr="0">
+          <a:noAutofit/>
+        </a:bodyPr>
+        <a:lstStyle/>
+        <a:p>
+          <a:pPr marL="0" lvl="0" indent="0" algn="l" defTabSz="755650">
+            <a:lnSpc>
+              <a:spcPct val="90000"/>
+            </a:lnSpc>
+            <a:spcBef>
+              <a:spcPct val="0"/>
+            </a:spcBef>
+            <a:spcAft>
+              <a:spcPct val="35000"/>
+            </a:spcAft>
+            <a:buNone/>
+          </a:pPr>
+          <a:r>
+            <a:rPr lang="en-US" sz="1700" kern="1200"/>
+            <a:t>Potential performance improvements to be had by searching batches in parallel in future work.</a:t>
+          </a:r>
+        </a:p>
+      </dsp:txBody>
+      <dsp:txXfrm>
+        <a:off x="1083764" y="4696025"/>
+        <a:ext cx="4971685" cy="938324"/>
+      </dsp:txXfrm>
+    </dsp:sp>
+  </dsp:spTree>
+</dsp:drawing>
+</file>
+
+<file path=ppt/diagrams/layout1.xml><?xml version="1.0" encoding="utf-8"?>
+<dgm:layoutDef xmlns:dgm="http://schemas.openxmlformats.org/drawingml/2006/diagram" xmlns:a="http://schemas.openxmlformats.org/drawingml/2006/main" uniqueId="urn:microsoft.com/office/officeart/2018/2/layout/IconVerticalSolidList">
+  <dgm:title val="Icon Vertical Solid List"/>
+  <dgm:desc val="Use to show a series of visuals from top to bottom with Level 1 or Level 1 and Level 2 text grouped in a shape. Works best with icons or small pictures with lengthier descriptions."/>
+  <dgm:catLst>
+    <dgm:cat type="icon" pri="500"/>
+  </dgm:catLst>
+  <dgm:sampData useDef="1">
+    <dgm:dataModel>
+      <dgm:ptLst/>
+      <dgm:bg/>
+      <dgm:whole/>
+    </dgm:dataModel>
+  </dgm:sampData>
+  <dgm:styleData useDef="1">
+    <dgm:dataModel>
+      <dgm:ptLst/>
+      <dgm:bg/>
+      <dgm:whole/>
+    </dgm:dataModel>
+  </dgm:styleData>
+  <dgm:clrData useDef="1">
+    <dgm:dataModel>
+      <dgm:ptLst/>
+      <dgm:bg/>
+      <dgm:whole/>
+    </dgm:dataModel>
+  </dgm:clrData>
+  <dgm:layoutNode name="root">
+    <dgm:varLst>
+      <dgm:dir/>
+      <dgm:resizeHandles val="exact"/>
+    </dgm:varLst>
+    <dgm:choose name="Name0">
+      <dgm:if name="Name1" axis="self" func="var" arg="dir" op="equ" val="norm">
+        <dgm:alg type="lin">
+          <dgm:param type="linDir" val="fromT"/>
+          <dgm:param type="nodeHorzAlign" val="l"/>
+        </dgm:alg>
+      </dgm:if>
+      <dgm:else name="Name2">
+        <dgm:alg type="lin">
+          <dgm:param type="linDir" val="fromT"/>
+          <dgm:param type="nodeHorzAlign" val="r"/>
+        </dgm:alg>
+      </dgm:else>
+    </dgm:choose>
+    <dgm:shape xmlns:r="http://schemas.openxmlformats.org/officeDocument/2006/relationships" r:blip="">
+      <dgm:adjLst/>
+    </dgm:shape>
+    <dgm:presOf/>
+    <dgm:choose name="Name3">
+      <dgm:if name="Name4" axis="ch" ptType="node" func="cnt" op="lte" val="3">
+        <dgm:constrLst>
+          <dgm:constr type="h" for="ch" forName="compNode" refType="h" fact="0.3"/>
+          <dgm:constr type="w" for="ch" forName="compNode" refType="w"/>
+          <dgm:constr type="h" for="ch" forName="sibTrans" refType="h" refFor="ch" refForName="compNode" fact="0.25"/>
+          <dgm:constr type="primFontSz" for="des" forName="parTx" val="25"/>
+          <dgm:constr type="primFontSz" for="des" forName="desTx" refType="primFontSz" refFor="des" refForName="parTx" op="lte" fact="0.75"/>
+          <dgm:constr type="h" for="des" forName="compNode" op="equ"/>
+          <dgm:constr type="h" for="des" forName="bgRect" op="equ"/>
+          <dgm:constr type="h" for="des" forName="iconRect" op="equ"/>
+          <dgm:constr type="w" for="des" forName="iconRect" op="equ"/>
+          <dgm:constr type="h" for="des" forName="spaceRect" op="equ"/>
+          <dgm:constr type="h" for="des" forName="parTx" op="equ"/>
+          <dgm:constr type="h" for="des" forName="desTx" op="equ"/>
+        </dgm:constrLst>
+      </dgm:if>
+      <dgm:if name="Name5" axis="ch" ptType="node" func="cnt" op="lte" val="4">
+        <dgm:constrLst>
+          <dgm:constr type="h" for="ch" forName="compNode" refType="h" fact="0.3"/>
+          <dgm:constr type="w" for="ch" forName="compNode" refType="w"/>
+          <dgm:constr type="h" for="ch" forName="sibTrans" refType="h" refFor="ch" refForName="compNode" fact="0.25"/>
+          <dgm:constr type="primFontSz" for="des" forName="parTx" val="22"/>
+          <dgm:constr type="primFontSz" for="des" forName="desTx" refType="primFontSz" refFor="des" refForName="parTx" op="lte" fact="0.75"/>
+          <dgm:constr type="h" for="des" forName="compNode" op="equ"/>
+          <dgm:constr type="h" for="des" forName="bgRect" op="equ"/>
+          <dgm:constr type="h" for="des" forName="iconRect" op="equ"/>
+          <dgm:constr type="w" for="des" forName="iconRect" op="equ"/>
+          <dgm:constr type="h" for="des" forName="spaceRect" op="equ"/>
+          <dgm:constr type="h" for="des" forName="parTx" op="equ"/>
+          <dgm:constr type="h" for="des" forName="desTx" op="equ"/>
+        </dgm:constrLst>
+      </dgm:if>
+      <dgm:if name="Name6" axis="ch" ptType="node" func="cnt" op="lte" val="6">
+        <dgm:constrLst>
+          <dgm:constr type="h" for="ch" forName="compNode" refType="h" fact="0.3"/>
+          <dgm:constr type="w" for="ch" forName="compNode" refType="w"/>
+          <dgm:constr type="h" for="ch" forName="sibTrans" refType="h" refFor="ch" refForName="compNode" fact="0.25"/>
+          <dgm:constr type="primFontSz" for="des" forName="parTx" val="19"/>
+          <dgm:constr type="primFontSz" for="des" forName="desTx" refType="primFontSz" refFor="des" refForName="parTx" op="lte" fact="0.75"/>
+          <dgm:constr type="h" for="des" forName="compNode" op="equ"/>
+          <dgm:constr type="h" for="des" forName="bgRect" op="equ"/>
+          <dgm:constr type="h" for="des" forName="iconRect" op="equ"/>
+          <dgm:constr type="w" for="des" forName="iconRect" op="equ"/>
+          <dgm:constr type="h" for="des" forName="spaceRect" op="equ"/>
+          <dgm:constr type="h" for="des" forName="parTx" op="equ"/>
+          <dgm:constr type="h" for="des" forName="desTx" op="equ"/>
+        </dgm:constrLst>
+      </dgm:if>
+      <dgm:else name="Name7">
+        <dgm:constrLst>
+          <dgm:constr type="h" for="ch" forName="compNode" refType="h" fact="0.3"/>
+          <dgm:constr type="w" for="ch" forName="compNode" refType="w"/>
+          <dgm:constr type="h" for="ch" forName="sibTrans" refType="h" refFor="ch" refForName="compNode" fact="0.25"/>
+          <dgm:constr type="primFontSz" for="des" forName="parTx" val="16"/>
+          <dgm:constr type="primFontSz" for="des" forName="desTx" refType="primFontSz" refFor="des" refForName="parTx" op="lte" fact="0.75"/>
+          <dgm:constr type="h" for="des" forName="compNode" op="equ"/>
+          <dgm:constr type="h" for="des" forName="bgRect" op="equ"/>
+          <dgm:constr type="h" for="des" forName="iconRect" op="equ"/>
+          <dgm:constr type="w" for="des" forName="iconRect" op="equ"/>
+          <dgm:constr type="h" for="des" forName="spaceRect" op="equ"/>
+          <dgm:constr type="h" for="des" forName="parTx" op="equ"/>
+          <dgm:constr type="h" for="des" forName="desTx" op="equ"/>
+        </dgm:constrLst>
+      </dgm:else>
+    </dgm:choose>
+    <dgm:ruleLst>
+      <dgm:rule type="h" for="ch" forName="compNode" val="0" fact="NaN" max="NaN"/>
+    </dgm:ruleLst>
+    <dgm:forEach name="Name8" axis="ch" ptType="node">
+      <dgm:layoutNode name="compNode">
+        <dgm:alg type="composite"/>
+        <dgm:shape xmlns:r="http://schemas.openxmlformats.org/officeDocument/2006/relationships" r:blip="">
+          <dgm:adjLst/>
+        </dgm:shape>
+        <dgm:presOf axis="self"/>
+        <dgm:choose name="Name9">
+          <dgm:if name="Name10" axis="ch" ptType="node" func="cnt" op="gte" val="1">
+            <dgm:constrLst>
+              <dgm:constr type="w" for="ch" forName="bgRect" refType="w"/>
+              <dgm:constr type="h" for="ch" forName="bgRect" refType="h"/>
+              <dgm:constr type="l" for="ch" forName="bgRect"/>
+              <dgm:constr type="t" for="ch" forName="bgRect"/>
+              <dgm:constr type="h" for="ch" forName="iconRect" refType="h" fact="0.55"/>
+              <dgm:constr type="w" for="ch" forName="iconRect" refType="h" refFor="ch" refForName="iconRect"/>
+              <dgm:constr type="l" for="ch" forName="iconRect" refType="h" refFor="ch" refForName="iconRect" fact="0.55"/>
+              <dgm:constr type="ctrY" for="ch" forName="iconRect" refType="ctrY" refFor="ch" refForName="bgRect"/>
+              <dgm:constr type="w" for="ch" forName="spaceRect" refType="l" refFor="ch" refForName="iconRect"/>
+              <dgm:constr type="h" for="ch" forName="spaceRect" refType="h"/>
+              <dgm:constr type="l" for="ch" forName="spaceRect" refType="r" refFor="ch" refForName="iconRect"/>
+              <dgm:constr type="t" for="ch" forName="spaceRect"/>
+              <dgm:constr type="w" for="ch" forName="parTx" refType="w" fact="0.45"/>
+              <dgm:constr type="h" for="ch" forName="parTx" refType="h"/>
+              <dgm:constr type="l" for="ch" forName="parTx" refType="r" refFor="ch" refForName="spaceRect"/>
+              <dgm:constr type="t" for="ch" forName="parTx"/>
+              <dgm:constr type="h" for="ch" forName="desTx" refType="h"/>
+              <dgm:constr type="l" for="ch" forName="desTx" refType="r" refFor="ch" refForName="parTx"/>
+              <dgm:constr type="t" for="ch" forName="desTx"/>
+            </dgm:constrLst>
+          </dgm:if>
+          <dgm:else name="Name11">
+            <dgm:constrLst>
+              <dgm:constr type="w" for="ch" forName="bgRect" refType="w"/>
+              <dgm:constr type="h" for="ch" forName="bgRect" refType="h"/>
+              <dgm:constr type="l" for="ch" forName="bgRect"/>
+              <dgm:constr type="t" for="ch" forName="bgRect"/>
+              <dgm:constr type="h" for="ch" forName="iconRect" refType="h" fact="0.55"/>
+              <dgm:constr type="w" for="ch" forName="iconRect" refType="h" refFor="ch" refForName="iconRect"/>
+              <dgm:constr type="l" for="ch" forName="iconRect" refType="h" refFor="ch" refForName="iconRect" fact="0.55"/>
+              <dgm:constr type="ctrY" for="ch" forName="iconRect" refType="ctrY" refFor="ch" refForName="bgRect"/>
+              <dgm:constr type="w" for="ch" forName="spaceRect" refType="l" refFor="ch" refForName="iconRect"/>
+              <dgm:constr type="h" for="ch" forName="spaceRect" refType="h"/>
+              <dgm:constr type="l" for="ch" forName="spaceRect" refType="r" refFor="ch" refForName="iconRect"/>
+              <dgm:constr type="t" for="ch" forName="spaceRect"/>
+              <dgm:constr type="h" for="ch" forName="parTx" refType="h"/>
+              <dgm:constr type="l" for="ch" forName="parTx" refType="r" refFor="ch" refForName="spaceRect"/>
+              <dgm:constr type="t" for="ch" forName="parTx"/>
+            </dgm:constrLst>
+          </dgm:else>
+        </dgm:choose>
+        <dgm:ruleLst>
+          <dgm:rule type="h" val="INF" fact="NaN" max="NaN"/>
+        </dgm:ruleLst>
+        <dgm:layoutNode name="bgRect" styleLbl="bgShp">
+          <dgm:alg type="sp"/>
+          <dgm:shape xmlns:r="http://schemas.openxmlformats.org/officeDocument/2006/relationships" type="roundRect" r:blip="">
+            <dgm:adjLst>
+              <dgm:adj idx="1" val="0.1"/>
+            </dgm:adjLst>
+          </dgm:shape>
+          <dgm:presOf/>
+          <dgm:constrLst/>
+          <dgm:ruleLst/>
+        </dgm:layoutNode>
+        <dgm:layoutNode name="iconRect" styleLbl="node1">
+          <dgm:alg type="sp"/>
+          <dgm:shape xmlns:r="http://schemas.openxmlformats.org/officeDocument/2006/relationships" type="rect" r:blip="" blipPhldr="1">
+            <dgm:adjLst/>
+          </dgm:shape>
+          <dgm:presOf/>
+          <dgm:constrLst/>
+          <dgm:ruleLst/>
+        </dgm:layoutNode>
+        <dgm:layoutNode name="spaceRect">
+          <dgm:alg type="sp"/>
+          <dgm:shape xmlns:r="http://schemas.openxmlformats.org/officeDocument/2006/relationships" r:blip="">
+            <dgm:adjLst/>
+          </dgm:shape>
+          <dgm:presOf/>
+          <dgm:constrLst/>
+          <dgm:ruleLst/>
+        </dgm:layoutNode>
+        <dgm:layoutNode name="parTx" styleLbl="revTx">
+          <dgm:varLst>
+            <dgm:chMax val="0"/>
+            <dgm:chPref val="0"/>
+          </dgm:varLst>
+          <dgm:alg type="tx">
+            <dgm:param type="txAnchorVert" val="mid"/>
+            <dgm:param type="parTxLTRAlign" val="l"/>
+            <dgm:param type="shpTxLTRAlignCh" val="l"/>
+            <dgm:param type="parTxRTLAlign" val="r"/>
+            <dgm:param type="shpTxRTLAlignCh" val="r"/>
+          </dgm:alg>
+          <dgm:shape xmlns:r="http://schemas.openxmlformats.org/officeDocument/2006/relationships" type="rect" r:blip="">
+            <dgm:adjLst/>
+          </dgm:shape>
+          <dgm:presOf axis="self" ptType="node"/>
+          <dgm:constrLst>
+            <dgm:constr type="lMarg" refType="h" fact="0.3"/>
+            <dgm:constr type="rMarg" refType="h" fact="0.3"/>
+            <dgm:constr type="tMarg" refType="h" fact="0.3"/>
+            <dgm:constr type="bMarg" refType="h" fact="0.3"/>
+          </dgm:constrLst>
+          <dgm:ruleLst>
+            <dgm:rule type="primFontSz" val="14" fact="NaN" max="NaN"/>
+            <dgm:rule type="h" val="INF" fact="NaN" max="NaN"/>
+          </dgm:ruleLst>
+        </dgm:layoutNode>
+        <dgm:choose name="Name12">
+          <dgm:if name="Name13" axis="ch" ptType="node" func="cnt" op="gte" val="1">
+            <dgm:layoutNode name="desTx" styleLbl="revTx">
+              <dgm:varLst/>
+              <dgm:alg type="tx">
+                <dgm:param type="txAnchorVertCh" val="mid"/>
+                <dgm:param type="parTxLTRAlign" val="l"/>
+                <dgm:param type="shpTxLTRAlignCh" val="l"/>
+                <dgm:param type="parTxRTLAlign" val="r"/>
+                <dgm:param type="shpTxRTLAlignCh" val="r"/>
+                <dgm:param type="stBulletLvl" val="0"/>
+              </dgm:alg>
+              <dgm:shape xmlns:r="http://schemas.openxmlformats.org/officeDocument/2006/relationships" type="rect" r:blip="">
+                <dgm:adjLst/>
+              </dgm:shape>
+              <dgm:presOf axis="des" ptType="node"/>
+              <dgm:constrLst>
+                <dgm:constr type="primFontSz" val="18"/>
+                <dgm:constr type="secFontSz" refType="primFontSz"/>
+                <dgm:constr type="lMarg" refType="h" fact="0.3"/>
+                <dgm:constr type="rMarg" refType="h" fact="0.3"/>
+                <dgm:constr type="tMarg" refType="h" fact="0.3"/>
+                <dgm:constr type="bMarg" refType="h" fact="0.3"/>
+              </dgm:constrLst>
+              <dgm:ruleLst>
+                <dgm:rule type="primFontSz" val="11" fact="NaN" max="NaN"/>
+              </dgm:ruleLst>
+            </dgm:layoutNode>
+          </dgm:if>
+          <dgm:else name="Name14"/>
+        </dgm:choose>
+      </dgm:layoutNode>
+      <dgm:forEach name="Name15" axis="followSib" ptType="sibTrans" cnt="1">
+        <dgm:layoutNode name="sibTrans">
+          <dgm:alg type="sp"/>
+          <dgm:shape xmlns:r="http://schemas.openxmlformats.org/officeDocument/2006/relationships" r:blip="">
+            <dgm:adjLst/>
+          </dgm:shape>
+          <dgm:presOf axis="self"/>
+          <dgm:constrLst/>
+          <dgm:ruleLst/>
+        </dgm:layoutNode>
+      </dgm:forEach>
+    </dgm:forEach>
+  </dgm:layoutNode>
+  <dgm:extLst>
+    <a:ext uri="{68A01E43-0DF5-4B5B-8FA6-DAF915123BFB}">
+      <dgm1612:lstStyle xmlns:dgm1612="http://schemas.microsoft.com/office/drawing/2016/12/diagram">
+        <a:lvl1pPr>
+          <a:lnSpc>
+            <a:spcPct val="100000"/>
+          </a:lnSpc>
+        </a:lvl1pPr>
+        <a:lvl2pPr>
+          <a:lnSpc>
+            <a:spcPct val="100000"/>
+          </a:lnSpc>
+        </a:lvl2pPr>
+      </dgm1612:lstStyle>
+    </a:ext>
+  </dgm:extLst>
+</dgm:layoutDef>
+</file>
+
+<file path=ppt/diagrams/quickStyle1.xml><?xml version="1.0" encoding="utf-8"?>
+<dgm:styleDef xmlns:dgm="http://schemas.openxmlformats.org/drawingml/2006/diagram" xmlns:a="http://schemas.openxmlformats.org/drawingml/2006/main" uniqueId="urn:microsoft.com/office/officeart/2005/8/quickstyle/simple1">
+  <dgm:title val=""/>
+  <dgm:desc val=""/>
+  <dgm:catLst>
+    <dgm:cat type="simple" pri="10100"/>
+  </dgm:catLst>
+  <dgm:scene3d>
+    <a:camera prst="orthographicFront"/>
+    <a:lightRig rig="threePt" dir="t"/>
+  </dgm:scene3d>
+  <dgm:styleLbl name="node0">
+    <dgm:scene3d>
+      <a:camera prst="orthographicFront"/>
+      <a:lightRig rig="threePt" dir="t"/>
+    </dgm:scene3d>
+    <dgm:sp3d/>
+    <dgm:txPr/>
+    <dgm:style>
+      <a:lnRef idx="2">
+        <a:scrgbClr r="0" g="0" b="0"/>
+      </a:lnRef>
+      <a:fillRef idx="1">
+        <a:scrgbClr r="0" g="0" b="0"/>
+      </a:fillRef>
+      <a:effectRef idx="0">
+        <a:scrgbClr r="0" g="0" b="0"/>
+      </a:effectRef>
+      <a:fontRef idx="minor">
+        <a:schemeClr val="lt1"/>
+      </a:fontRef>
+    </dgm:style>
+  </dgm:styleLbl>
+  <dgm:styleLbl name="lnNode1">
+    <dgm:scene3d>
+      <a:camera prst="orthographicFront"/>
+      <a:lightRig rig="threePt" dir="t"/>
+    </dgm:scene3d>
+    <dgm:sp3d/>
+    <dgm:txPr/>
+    <dgm:style>
+      <a:lnRef idx="2">
+        <a:scrgbClr r="0" g="0" b="0"/>
+      </a:lnRef>
+      <a:fillRef idx="1">
+        <a:scrgbClr r="0" g="0" b="0"/>
+      </a:fillRef>
+      <a:effectRef idx="0">
+        <a:scrgbClr r="0" g="0" b="0"/>
+      </a:effectRef>
+      <a:fontRef idx="minor">
+        <a:schemeClr val="lt1"/>
+      </a:fontRef>
+    </dgm:style>
+  </dgm:styleLbl>
+  <dgm:styleLbl name="vennNode1">
+    <dgm:scene3d>
+      <a:camera prst="orthographicFront"/>
+      <a:lightRig rig="threePt" dir="t"/>
+    </dgm:scene3d>
+    <dgm:sp3d/>
+    <dgm:txPr/>
+    <dgm:style>
+      <a:lnRef idx="2">
+        <a:scrgbClr r="0" g="0" b="0"/>
+      </a:lnRef>
+      <a:fillRef idx="1">
+        <a:scrgbClr r="0" g="0" b="0"/>
+      </a:fillRef>
+      <a:effectRef idx="0">
+        <a:scrgbClr r="0" g="0" b="0"/>
+      </a:effectRef>
+      <a:fontRef idx="minor">
+        <a:schemeClr val="tx1"/>
+      </a:fontRef>
+    </dgm:style>
+  </dgm:styleLbl>
+  <dgm:styleLbl name="alignNode1">
+    <dgm:scene3d>
+      <a:camera prst="orthographicFront"/>
+      <a:lightRig rig="threePt" dir="t"/>
+    </dgm:scene3d>
+    <dgm:sp3d/>
+    <dgm:txPr/>
+    <dgm:style>
+      <a:lnRef idx="2">
+        <a:scrgbClr r="0" g="0" b="0"/>
+      </a:lnRef>
+      <a:fillRef idx="1">
+        <a:scrgbClr r="0" g="0" b="0"/>
+      </a:fillRef>
+      <a:effectRef idx="0">
+        <a:scrgbClr r="0" g="0" b="0"/>
+      </a:effectRef>
+      <a:fontRef idx="minor">
+        <a:schemeClr val="lt1"/>
+      </a:fontRef>
+    </dgm:style>
+  </dgm:styleLbl>
+  <dgm:styleLbl name="node1">
+    <dgm:scene3d>
+      <a:camera prst="orthographicFront"/>
+      <a:lightRig rig="threePt" dir="t"/>
+    </dgm:scene3d>
+    <dgm:sp3d/>
+    <dgm:txPr/>
+    <dgm:style>
+      <a:lnRef idx="2">
+        <a:scrgbClr r="0" g="0" b="0"/>
+      </a:lnRef>
+      <a:fillRef idx="1">
+        <a:scrgbClr r="0" g="0" b="0"/>
+      </a:fillRef>
+      <a:effectRef idx="0">
+        <a:scrgbClr r="0" g="0" b="0"/>
+      </a:effectRef>
+      <a:fontRef idx="minor">
+        <a:schemeClr val="lt1"/>
+      </a:fontRef>
+    </dgm:style>
+  </dgm:styleLbl>
+  <dgm:styleLbl name="node2">
+    <dgm:scene3d>
+      <a:camera prst="orthographicFront"/>
+      <a:lightRig rig="threePt" dir="t"/>
+    </dgm:scene3d>
+    <dgm:sp3d/>
+    <dgm:txPr/>
+    <dgm:style>
+      <a:lnRef idx="2">
+        <a:scrgbClr r="0" g="0" b="0"/>
+      </a:lnRef>
+      <a:fillRef idx="1">
+        <a:scrgbClr r="0" g="0" b="0"/>
+      </a:fillRef>
+      <a:effectRef idx="0">
+        <a:scrgbClr r="0" g="0" b="0"/>
+      </a:effectRef>
+      <a:fontRef idx="minor">
+        <a:schemeClr val="lt1"/>
+      </a:fontRef>
+    </dgm:style>
+  </dgm:styleLbl>
+  <dgm:styleLbl name="node3">
+    <dgm:scene3d>
+      <a:camera prst="orthographicFront"/>
+      <a:lightRig rig="threePt" dir="t"/>
+    </dgm:scene3d>
+    <dgm:sp3d/>
+    <dgm:txPr/>
+    <dgm:style>
+      <a:lnRef idx="2">
+        <a:scrgbClr r="0" g="0" b="0"/>
+      </a:lnRef>
+      <a:fillRef idx="1">
+        <a:scrgbClr r="0" g="0" b="0"/>
+      </a:fillRef>
+      <a:effectRef idx="0">
+        <a:scrgbClr r="0" g="0" b="0"/>
+      </a:effectRef>
+      <a:fontRef idx="minor">
+        <a:schemeClr val="lt1"/>
+      </a:fontRef>
+    </dgm:style>
+  </dgm:styleLbl>
+  <dgm:styleLbl name="node4">
+    <dgm:scene3d>
+      <a:camera prst="orthographicFront"/>
+      <a:lightRig rig="threePt" dir="t"/>
+    </dgm:scene3d>
+    <dgm:sp3d/>
+    <dgm:txPr/>
+    <dgm:style>
+      <a:lnRef idx="2">
+        <a:scrgbClr r="0" g="0" b="0"/>
+      </a:lnRef>
+      <a:fillRef idx="1">
+        <a:scrgbClr r="0" g="0" b="0"/>
+      </a:fillRef>
+      <a:effectRef idx="0">
+        <a:scrgbClr r="0" g="0" b="0"/>
+      </a:effectRef>
+      <a:fontRef idx="minor">
+        <a:schemeClr val="lt1"/>
+      </a:fontRef>
+    </dgm:style>
+  </dgm:styleLbl>
+  <dgm:styleLbl name="fgImgPlace1">
+    <dgm:scene3d>
+      <a:camera prst="orthographicFront"/>
+      <a:lightRig rig="threePt" dir="t"/>
+    </dgm:scene3d>
+    <dgm:sp3d/>
+    <dgm:txPr/>
+    <dgm:style>
+      <a:lnRef idx="2">
+        <a:scrgbClr r="0" g="0" b="0"/>
+      </a:lnRef>
+      <a:fillRef idx="1">
+        <a:scrgbClr r="0" g="0" b="0"/>
+      </a:fillRef>
+      <a:effectRef idx="0">
+        <a:scrgbClr r="0" g="0" b="0"/>
+      </a:effectRef>
+      <a:fontRef idx="minor"/>
+    </dgm:style>
+  </dgm:styleLbl>
+  <dgm:styleLbl name="alignImgPlace1">
+    <dgm:scene3d>
+      <a:camera prst="orthographicFront"/>
+      <a:lightRig rig="threePt" dir="t"/>
+    </dgm:scene3d>
+    <dgm:sp3d/>
+    <dgm:txPr/>
+    <dgm:style>
+      <a:lnRef idx="2">
+        <a:scrgbClr r="0" g="0" b="0"/>
+      </a:lnRef>
+      <a:fillRef idx="1">
+        <a:scrgbClr r="0" g="0" b="0"/>
+      </a:fillRef>
+      <a:effectRef idx="0">
+        <a:scrgbClr r="0" g="0" b="0"/>
+      </a:effectRef>
+      <a:fontRef idx="minor"/>
+    </dgm:style>
+  </dgm:styleLbl>
+  <dgm:styleLbl name="bgImgPlace1">
+    <dgm:scene3d>
+      <a:camera prst="orthographicFront"/>
+      <a:lightRig rig="threePt" dir="t"/>
+    </dgm:scene3d>
+    <dgm:sp3d/>
+    <dgm:txPr/>
+    <dgm:style>
+      <a:lnRef idx="2">
+        <a:scrgbClr r="0" g="0" b="0"/>
+      </a:lnRef>
+      <a:fillRef idx="1">
+        <a:scrgbClr r="0" g="0" b="0"/>
+      </a:fillRef>
+      <a:effectRef idx="0">
+        <a:scrgbClr r="0" g="0" b="0"/>
+      </a:effectRef>
+      <a:fontRef idx="minor"/>
+    </dgm:style>
+  </dgm:styleLbl>
+  <dgm:styleLbl name="sibTrans2D1">
+    <dgm:scene3d>
+      <a:camera prst="orthographicFront"/>
+      <a:lightRig rig="threePt" dir="t"/>
+    </dgm:scene3d>
+    <dgm:sp3d/>
+    <dgm:txPr/>
+    <dgm:style>
+      <a:lnRef idx="0">
+        <a:scrgbClr r="0" g="0" b="0"/>
+      </a:lnRef>
+      <a:fillRef idx="1">
+        <a:scrgbClr r="0" g="0" b="0"/>
+      </a:fillRef>
+      <a:effectRef idx="0">
+        <a:scrgbClr r="0" g="0" b="0"/>
+      </a:effectRef>
+      <a:fontRef idx="minor">
+        <a:schemeClr val="lt1"/>
+      </a:fontRef>
+    </dgm:style>
+  </dgm:styleLbl>
+  <dgm:styleLbl name="fgSibTrans2D1">
+    <dgm:scene3d>
+      <a:camera prst="orthographicFront"/>
+      <a:lightRig rig="threePt" dir="t"/>
+    </dgm:scene3d>
+    <dgm:sp3d/>
+    <dgm:txPr/>
+    <dgm:style>
+      <a:lnRef idx="0">
+        <a:scrgbClr r="0" g="0" b="0"/>
+      </a:lnRef>
+      <a:fillRef idx="1">
+        <a:scrgbClr r="0" g="0" b="0"/>
+      </a:fillRef>
+      <a:effectRef idx="0">
+        <a:scrgbClr r="0" g="0" b="0"/>
+      </a:effectRef>
+      <a:fontRef idx="minor">
+        <a:schemeClr val="lt1"/>
+      </a:fontRef>
+    </dgm:style>
+  </dgm:styleLbl>
+  <dgm:styleLbl name="bgSibTrans2D1">
+    <dgm:scene3d>
+      <a:camera prst="orthographicFront"/>
+      <a:lightRig rig="threePt" dir="t"/>
+    </dgm:scene3d>
+    <dgm:sp3d/>
+    <dgm:txPr/>
+    <dgm:style>
+      <a:lnRef idx="0">
+        <a:scrgbClr r="0" g="0" b="0"/>
+      </a:lnRef>
+      <a:fillRef idx="1">
+        <a:scrgbClr r="0" g="0" b="0"/>
+      </a:fillRef>
+      <a:effectRef idx="0">
+        <a:scrgbClr r="0" g="0" b="0"/>
+      </a:effectRef>
+      <a:fontRef idx="minor">
+        <a:schemeClr val="lt1"/>
+      </a:fontRef>
+    </dgm:style>
+  </dgm:styleLbl>
+  <dgm:styleLbl name="sibTrans1D1">
+    <dgm:scene3d>
+      <a:camera prst="orthographicFront"/>
+      <a:lightRig rig="threePt" dir="t"/>
+    </dgm:scene3d>
+    <dgm:sp3d/>
+    <dgm:txPr/>
+    <dgm:style>
+      <a:lnRef idx="1">
+        <a:scrgbClr r="0" g="0" b="0"/>
+      </a:lnRef>
+      <a:fillRef idx="0">
+        <a:scrgbClr r="0" g="0" b="0"/>
+      </a:fillRef>
+      <a:effectRef idx="0">
+        <a:scrgbClr r="0" g="0" b="0"/>
+      </a:effectRef>
+      <a:fontRef idx="minor"/>
+    </dgm:style>
+  </dgm:styleLbl>
+  <dgm:styleLbl name="callout">
+    <dgm:scene3d>
+      <a:camera prst="orthographicFront"/>
+      <a:lightRig rig="threePt" dir="t"/>
+    </dgm:scene3d>
+    <dgm:sp3d/>
+    <dgm:txPr/>
+    <dgm:style>
+      <a:lnRef idx="2">
+        <a:scrgbClr r="0" g="0" b="0"/>
+      </a:lnRef>
+      <a:fillRef idx="1">
+        <a:scrgbClr r="0" g="0" b="0"/>
+      </a:fillRef>
+      <a:effectRef idx="0">
+        <a:scrgbClr r="0" g="0" b="0"/>
+      </a:effectRef>
+      <a:fontRef idx="minor"/>
+    </dgm:style>
+  </dgm:styleLbl>
+  <dgm:styleLbl name="asst0">
+    <dgm:scene3d>
+      <a:camera prst="orthographicFront"/>
+      <a:lightRig rig="threePt" dir="t"/>
+    </dgm:scene3d>
+    <dgm:sp3d/>
+    <dgm:txPr/>
+    <dgm:style>
+      <a:lnRef idx="2">
+        <a:scrgbClr r="0" g="0" b="0"/>
+      </a:lnRef>
+      <a:fillRef idx="1">
+        <a:scrgbClr r="0" g="0" b="0"/>
+      </a:fillRef>
+      <a:effectRef idx="0">
+        <a:scrgbClr r="0" g="0" b="0"/>
+      </a:effectRef>
+      <a:fontRef idx="minor">
+        <a:schemeClr val="lt1"/>
+      </a:fontRef>
+    </dgm:style>
+  </dgm:styleLbl>
+  <dgm:styleLbl name="asst1">
+    <dgm:scene3d>
+      <a:camera prst="orthographicFront"/>
+      <a:lightRig rig="threePt" dir="t"/>
+    </dgm:scene3d>
+    <dgm:sp3d/>
+    <dgm:txPr/>
+    <dgm:style>
+      <a:lnRef idx="2">
+        <a:scrgbClr r="0" g="0" b="0"/>
+      </a:lnRef>
+      <a:fillRef idx="1">
+        <a:scrgbClr r="0" g="0" b="0"/>
+      </a:fillRef>
+      <a:effectRef idx="0">
+        <a:scrgbClr r="0" g="0" b="0"/>
+      </a:effectRef>
+      <a:fontRef idx="minor">
+        <a:schemeClr val="lt1"/>
+      </a:fontRef>
+    </dgm:style>
+  </dgm:styleLbl>
+  <dgm:styleLbl name="asst2">
+    <dgm:scene3d>
+      <a:camera prst="orthographicFront"/>
+      <a:lightRig rig="threePt" dir="t"/>
+    </dgm:scene3d>
+    <dgm:sp3d/>
+    <dgm:txPr/>
+    <dgm:style>
+      <a:lnRef idx="2">
+        <a:scrgbClr r="0" g="0" b="0"/>
+      </a:lnRef>
+      <a:fillRef idx="1">
+        <a:scrgbClr r="0" g="0" b="0"/>
+      </a:fillRef>
+      <a:effectRef idx="0">
+        <a:scrgbClr r="0" g="0" b="0"/>
+      </a:effectRef>
+      <a:fontRef idx="minor">
+        <a:schemeClr val="lt1"/>
+      </a:fontRef>
+    </dgm:style>
+  </dgm:styleLbl>
+  <dgm:styleLbl name="asst3">
+    <dgm:scene3d>
+      <a:camera prst="orthographicFront"/>
+      <a:lightRig rig="threePt" dir="t"/>
+    </dgm:scene3d>
+    <dgm:sp3d/>
+    <dgm:txPr/>
+    <dgm:style>
+      <a:lnRef idx="2">
+        <a:scrgbClr r="0" g="0" b="0"/>
+      </a:lnRef>
+      <a:fillRef idx="1">
+        <a:scrgbClr r="0" g="0" b="0"/>
+      </a:fillRef>
+      <a:effectRef idx="0">
+        <a:scrgbClr r="0" g="0" b="0"/>
+      </a:effectRef>
+      <a:fontRef idx="minor">
+        <a:schemeClr val="lt1"/>
+      </a:fontRef>
+    </dgm:style>
+  </dgm:styleLbl>
+  <dgm:styleLbl name="asst4">
+    <dgm:scene3d>
+      <a:camera prst="orthographicFront"/>
+      <a:lightRig rig="threePt" dir="t"/>
+    </dgm:scene3d>
+    <dgm:sp3d/>
+    <dgm:txPr/>
+    <dgm:style>
+      <a:lnRef idx="2">
+        <a:scrgbClr r="0" g="0" b="0"/>
+      </a:lnRef>
+      <a:fillRef idx="1">
+        <a:scrgbClr r="0" g="0" b="0"/>
+      </a:fillRef>
+      <a:effectRef idx="0">
+        <a:scrgbClr r="0" g="0" b="0"/>
+      </a:effectRef>
+      <a:fontRef idx="minor">
+        <a:schemeClr val="lt1"/>
+      </a:fontRef>
+    </dgm:style>
+  </dgm:styleLbl>
+  <dgm:styleLbl name="parChTrans2D1">
+    <dgm:scene3d>
+      <a:camera prst="orthographicFront"/>
+      <a:lightRig rig="threePt" dir="t"/>
+    </dgm:scene3d>
+    <dgm:sp3d/>
+    <dgm:txPr/>
+    <dgm:style>
+      <a:lnRef idx="2">
+        <a:scrgbClr r="0" g="0" b="0"/>
+      </a:lnRef>
+      <a:fillRef idx="1">
+        <a:scrgbClr r="0" g="0" b="0"/>
+      </a:fillRef>
+      <a:effectRef idx="0">
+        <a:scrgbClr r="0" g="0" b="0"/>
+      </a:effectRef>
+      <a:fontRef idx="minor">
+        <a:schemeClr val="lt1"/>
+      </a:fontRef>
+    </dgm:style>
+  </dgm:styleLbl>
+  <dgm:styleLbl name="parChTrans2D2">
+    <dgm:scene3d>
+      <a:camera prst="orthographicFront"/>
+      <a:lightRig rig="threePt" dir="t"/>
+    </dgm:scene3d>
+    <dgm:sp3d/>
+    <dgm:txPr/>
+    <dgm:style>
+      <a:lnRef idx="2">
+        <a:scrgbClr r="0" g="0" b="0"/>
+      </a:lnRef>
+      <a:fillRef idx="1">
+        <a:scrgbClr r="0" g="0" b="0"/>
+      </a:fillRef>
+      <a:effectRef idx="0">
+        <a:scrgbClr r="0" g="0" b="0"/>
+      </a:effectRef>
+      <a:fontRef idx="minor">
+        <a:schemeClr val="lt1"/>
+      </a:fontRef>
+    </dgm:style>
+  </dgm:styleLbl>
+  <dgm:styleLbl name="parChTrans2D3">
+    <dgm:scene3d>
+      <a:camera prst="orthographicFront"/>
+      <a:lightRig rig="threePt" dir="t"/>
+    </dgm:scene3d>
+    <dgm:sp3d/>
+    <dgm:txPr/>
+    <dgm:style>
+      <a:lnRef idx="2">
+        <a:scrgbClr r="0" g="0" b="0"/>
+      </a:lnRef>
+      <a:fillRef idx="1">
+        <a:scrgbClr r="0" g="0" b="0"/>
+      </a:fillRef>
+      <a:effectRef idx="0">
+        <a:scrgbClr r="0" g="0" b="0"/>
+      </a:effectRef>
+      <a:fontRef idx="minor">
+        <a:schemeClr val="lt1"/>
+      </a:fontRef>
+    </dgm:style>
+  </dgm:styleLbl>
+  <dgm:styleLbl name="parChTrans2D4">
+    <dgm:scene3d>
+      <a:camera prst="orthographicFront"/>
+      <a:lightRig rig="threePt" dir="t"/>
+    </dgm:scene3d>
+    <dgm:sp3d/>
+    <dgm:txPr/>
+    <dgm:style>
+      <a:lnRef idx="2">
+        <a:scrgbClr r="0" g="0" b="0"/>
+      </a:lnRef>
+      <a:fillRef idx="1">
+        <a:scrgbClr r="0" g="0" b="0"/>
+      </a:fillRef>
+      <a:effectRef idx="0">
+        <a:scrgbClr r="0" g="0" b="0"/>
+      </a:effectRef>
+      <a:fontRef idx="minor">
+        <a:schemeClr val="lt1"/>
+      </a:fontRef>
+    </dgm:style>
+  </dgm:styleLbl>
+  <dgm:styleLbl name="parChTrans1D1">
+    <dgm:scene3d>
+      <a:camera prst="orthographicFront"/>
+      <a:lightRig rig="threePt" dir="t"/>
+    </dgm:scene3d>
+    <dgm:sp3d/>
+    <dgm:txPr/>
+    <dgm:style>
+      <a:lnRef idx="2">
+        <a:scrgbClr r="0" g="0" b="0"/>
+      </a:lnRef>
+      <a:fillRef idx="0">
+        <a:scrgbClr r="0" g="0" b="0"/>
+      </a:fillRef>
+      <a:effectRef idx="0">
+        <a:scrgbClr r="0" g="0" b="0"/>
+      </a:effectRef>
+      <a:fontRef idx="minor"/>
+    </dgm:style>
+  </dgm:styleLbl>
+  <dgm:styleLbl name="parChTrans1D2">
+    <dgm:scene3d>
+      <a:camera prst="orthographicFront"/>
+      <a:lightRig rig="threePt" dir="t"/>
+    </dgm:scene3d>
+    <dgm:sp3d/>
+    <dgm:txPr/>
+    <dgm:style>
+      <a:lnRef idx="2">
+        <a:scrgbClr r="0" g="0" b="0"/>
+      </a:lnRef>
+      <a:fillRef idx="0">
+        <a:scrgbClr r="0" g="0" b="0"/>
+      </a:fillRef>
+      <a:effectRef idx="0">
+        <a:scrgbClr r="0" g="0" b="0"/>
+      </a:effectRef>
+      <a:fontRef idx="minor"/>
+    </dgm:style>
+  </dgm:styleLbl>
+  <dgm:styleLbl name="parChTrans1D3">
+    <dgm:scene3d>
+      <a:camera prst="orthographicFront"/>
+      <a:lightRig rig="threePt" dir="t"/>
+    </dgm:scene3d>
+    <dgm:sp3d/>
+    <dgm:txPr/>
+    <dgm:style>
+      <a:lnRef idx="2">
+        <a:scrgbClr r="0" g="0" b="0"/>
+      </a:lnRef>
+      <a:fillRef idx="0">
+        <a:scrgbClr r="0" g="0" b="0"/>
+      </a:fillRef>
+      <a:effectRef idx="0">
+        <a:scrgbClr r="0" g="0" b="0"/>
+      </a:effectRef>
+      <a:fontRef idx="minor"/>
+    </dgm:style>
+  </dgm:styleLbl>
+  <dgm:styleLbl name="parChTrans1D4">
+    <dgm:scene3d>
+      <a:camera prst="orthographicFront"/>
+      <a:lightRig rig="threePt" dir="t"/>
+    </dgm:scene3d>
+    <dgm:sp3d/>
+    <dgm:txPr/>
+    <dgm:style>
+      <a:lnRef idx="2">
+        <a:scrgbClr r="0" g="0" b="0"/>
+      </a:lnRef>
+      <a:fillRef idx="0">
+        <a:scrgbClr r="0" g="0" b="0"/>
+      </a:fillRef>
+      <a:effectRef idx="0">
+        <a:scrgbClr r="0" g="0" b="0"/>
+      </a:effectRef>
+      <a:fontRef idx="minor"/>
+    </dgm:style>
+  </dgm:styleLbl>
+  <dgm:styleLbl name="fgAcc1">
+    <dgm:scene3d>
+      <a:camera prst="orthographicFront"/>
+      <a:lightRig rig="threePt" dir="t"/>
+    </dgm:scene3d>
+    <dgm:sp3d/>
+    <dgm:txPr/>
+    <dgm:style>
+      <a:lnRef idx="2">
+        <a:scrgbClr r="0" g="0" b="0"/>
+      </a:lnRef>
+      <a:fillRef idx="1">
+        <a:scrgbClr r="0" g="0" b="0"/>
+      </a:fillRef>
+      <a:effectRef idx="0">
+        <a:scrgbClr r="0" g="0" b="0"/>
+      </a:effectRef>
+      <a:fontRef idx="minor"/>
+    </dgm:style>
+  </dgm:styleLbl>
+  <dgm:styleLbl name="conFgAcc1">
+    <dgm:scene3d>
+      <a:camera prst="orthographicFront"/>
+      <a:lightRig rig="threePt" dir="t"/>
+    </dgm:scene3d>
+    <dgm:sp3d/>
+    <dgm:txPr/>
+    <dgm:style>
+      <a:lnRef idx="2">
+        <a:scrgbClr r="0" g="0" b="0"/>
+      </a:lnRef>
+      <a:fillRef idx="1">
+        <a:scrgbClr r="0" g="0" b="0"/>
+      </a:fillRef>
+      <a:effectRef idx="0">
+        <a:scrgbClr r="0" g="0" b="0"/>
+      </a:effectRef>
+      <a:fontRef idx="minor"/>
+    </dgm:style>
+  </dgm:styleLbl>
+  <dgm:styleLbl name="alignAcc1">
+    <dgm:scene3d>
+      <a:camera prst="orthographicFront"/>
+      <a:lightRig rig="threePt" dir="t"/>
+    </dgm:scene3d>
+    <dgm:sp3d/>
+    <dgm:txPr/>
+    <dgm:style>
+      <a:lnRef idx="2">
+        <a:scrgbClr r="0" g="0" b="0"/>
+      </a:lnRef>
+      <a:fillRef idx="1">
+        <a:scrgbClr r="0" g="0" b="0"/>
+      </a:fillRef>
+      <a:effectRef idx="0">
+        <a:scrgbClr r="0" g="0" b="0"/>
+      </a:effectRef>
+      <a:fontRef idx="minor"/>
+    </dgm:style>
+  </dgm:styleLbl>
+  <dgm:styleLbl name="trAlignAcc1">
+    <dgm:scene3d>
+      <a:camera prst="orthographicFront"/>
+      <a:lightRig rig="threePt" dir="t"/>
+    </dgm:scene3d>
+    <dgm:sp3d/>
+    <dgm:txPr/>
+    <dgm:style>
+      <a:lnRef idx="1">
+        <a:scrgbClr r="0" g="0" b="0"/>
+      </a:lnRef>
+      <a:fillRef idx="1">
+        <a:scrgbClr r="0" g="0" b="0"/>
+      </a:fillRef>
+      <a:effectRef idx="0">
+        <a:scrgbClr r="0" g="0" b="0"/>
+      </a:effectRef>
+      <a:fontRef idx="minor"/>
+    </dgm:style>
+  </dgm:styleLbl>
+  <dgm:styleLbl name="bgAcc1">
+    <dgm:scene3d>
+      <a:camera prst="orthographicFront"/>
+      <a:lightRig rig="threePt" dir="t"/>
+    </dgm:scene3d>
+    <dgm:sp3d/>
+    <dgm:txPr/>
+    <dgm:style>
+      <a:lnRef idx="2">
+        <a:scrgbClr r="0" g="0" b="0"/>
+      </a:lnRef>
+      <a:fillRef idx="1">
+        <a:scrgbClr r="0" g="0" b="0"/>
+      </a:fillRef>
+      <a:effectRef idx="0">
+        <a:scrgbClr r="0" g="0" b="0"/>
+      </a:effectRef>
+      <a:fontRef idx="minor"/>
+    </dgm:style>
+  </dgm:styleLbl>
+  <dgm:styleLbl name="solidFgAcc1">
+    <dgm:scene3d>
+      <a:camera prst="orthographicFront"/>
+      <a:lightRig rig="threePt" dir="t"/>
+    </dgm:scene3d>
+    <dgm:sp3d/>
+    <dgm:txPr/>
+    <dgm:style>
+      <a:lnRef idx="2">
+        <a:scrgbClr r="0" g="0" b="0"/>
+      </a:lnRef>
+      <a:fillRef idx="1">
+        <a:scrgbClr r="0" g="0" b="0"/>
+      </a:fillRef>
+      <a:effectRef idx="0">
+        <a:scrgbClr r="0" g="0" b="0"/>
+      </a:effectRef>
+      <a:fontRef idx="minor"/>
+    </dgm:style>
+  </dgm:styleLbl>
+  <dgm:styleLbl name="solidAlignAcc1">
+    <dgm:scene3d>
+      <a:camera prst="orthographicFront"/>
+      <a:lightRig rig="threePt" dir="t"/>
+    </dgm:scene3d>
+    <dgm:sp3d/>
+    <dgm:txPr/>
+    <dgm:style>
+      <a:lnRef idx="2">
+        <a:scrgbClr r="0" g="0" b="0"/>
+      </a:lnRef>
+      <a:fillRef idx="1">
+        <a:scrgbClr r="0" g="0" b="0"/>
+      </a:fillRef>
+      <a:effectRef idx="0">
+        <a:scrgbClr r="0" g="0" b="0"/>
+      </a:effectRef>
+      <a:fontRef idx="minor"/>
+    </dgm:style>
+  </dgm:styleLbl>
+  <dgm:styleLbl name="solidBgAcc1">
+    <dgm:scene3d>
+      <a:camera prst="orthographicFront"/>
+      <a:lightRig rig="threePt" dir="t"/>
+    </dgm:scene3d>
+    <dgm:sp3d/>
+    <dgm:txPr/>
+    <dgm:style>
+      <a:lnRef idx="2">
+        <a:scrgbClr r="0" g="0" b="0"/>
+      </a:lnRef>
+      <a:fillRef idx="1">
+        <a:scrgbClr r="0" g="0" b="0"/>
+      </a:fillRef>
+      <a:effectRef idx="0">
+        <a:scrgbClr r="0" g="0" b="0"/>
+      </a:effectRef>
+      <a:fontRef idx="minor"/>
+    </dgm:style>
+  </dgm:styleLbl>
+  <dgm:styleLbl name="fgAccFollowNode1">
+    <dgm:scene3d>
+      <a:camera prst="orthographicFront"/>
+      <a:lightRig rig="threePt" dir="t"/>
+    </dgm:scene3d>
+    <dgm:sp3d/>
+    <dgm:txPr/>
+    <dgm:style>
+      <a:lnRef idx="2">
+        <a:scrgbClr r="0" g="0" b="0"/>
+      </a:lnRef>
+      <a:fillRef idx="1">
+        <a:scrgbClr r="0" g="0" b="0"/>
+      </a:fillRef>
+      <a:effectRef idx="0">
+        <a:scrgbClr r="0" g="0" b="0"/>
+      </a:effectRef>
+      <a:fontRef idx="minor"/>
+    </dgm:style>
+  </dgm:styleLbl>
+  <dgm:styleLbl name="alignAccFollowNode1">
+    <dgm:scene3d>
+      <a:camera prst="orthographicFront"/>
+      <a:lightRig rig="threePt" dir="t"/>
+    </dgm:scene3d>
+    <dgm:sp3d/>
+    <dgm:txPr/>
+    <dgm:style>
+      <a:lnRef idx="2">
+        <a:scrgbClr r="0" g="0" b="0"/>
+      </a:lnRef>
+      <a:fillRef idx="1">
+        <a:scrgbClr r="0" g="0" b="0"/>
+      </a:fillRef>
+      <a:effectRef idx="0">
+        <a:scrgbClr r="0" g="0" b="0"/>
+      </a:effectRef>
+      <a:fontRef idx="minor"/>
+    </dgm:style>
+  </dgm:styleLbl>
+  <dgm:styleLbl name="bgAccFollowNode1">
+    <dgm:scene3d>
+      <a:camera prst="orthographicFront"/>
+      <a:lightRig rig="threePt" dir="t"/>
+    </dgm:scene3d>
+    <dgm:sp3d/>
+    <dgm:txPr/>
+    <dgm:style>
+      <a:lnRef idx="2">
+        <a:scrgbClr r="0" g="0" b="0"/>
+      </a:lnRef>
+      <a:fillRef idx="1">
+        <a:scrgbClr r="0" g="0" b="0"/>
+      </a:fillRef>
+      <a:effectRef idx="0">
+        <a:scrgbClr r="0" g="0" b="0"/>
+      </a:effectRef>
+      <a:fontRef idx="minor"/>
+    </dgm:style>
+  </dgm:styleLbl>
+  <dgm:styleLbl name="fgAcc0">
+    <dgm:scene3d>
+      <a:camera prst="orthographicFront"/>
+      <a:lightRig rig="threePt" dir="t"/>
+    </dgm:scene3d>
+    <dgm:sp3d/>
+    <dgm:txPr/>
+    <dgm:style>
+      <a:lnRef idx="2">
+        <a:scrgbClr r="0" g="0" b="0"/>
+      </a:lnRef>
+      <a:fillRef idx="1">
+        <a:scrgbClr r="0" g="0" b="0"/>
+      </a:fillRef>
+      <a:effectRef idx="0">
+        <a:scrgbClr r="0" g="0" b="0"/>
+      </a:effectRef>
+      <a:fontRef idx="minor"/>
+    </dgm:style>
+  </dgm:styleLbl>
+  <dgm:styleLbl name="fgAcc2">
+    <dgm:scene3d>
+      <a:camera prst="orthographicFront"/>
+      <a:lightRig rig="threePt" dir="t"/>
+    </dgm:scene3d>
+    <dgm:sp3d/>
+    <dgm:txPr/>
+    <dgm:style>
+      <a:lnRef idx="2">
+        <a:scrgbClr r="0" g="0" b="0"/>
+      </a:lnRef>
+      <a:fillRef idx="1">
+        <a:scrgbClr r="0" g="0" b="0"/>
+      </a:fillRef>
+      <a:effectRef idx="0">
+        <a:scrgbClr r="0" g="0" b="0"/>
+      </a:effectRef>
+      <a:fontRef idx="minor"/>
+    </dgm:style>
+  </dgm:styleLbl>
+  <dgm:styleLbl name="fgAcc3">
+    <dgm:scene3d>
+      <a:camera prst="orthographicFront"/>
+      <a:lightRig rig="threePt" dir="t"/>
+    </dgm:scene3d>
+    <dgm:sp3d/>
+    <dgm:txPr/>
+    <dgm:style>
+      <a:lnRef idx="2">
+        <a:scrgbClr r="0" g="0" b="0"/>
+      </a:lnRef>
+      <a:fillRef idx="1">
+        <a:scrgbClr r="0" g="0" b="0"/>
+      </a:fillRef>
+      <a:effectRef idx="0">
+        <a:scrgbClr r="0" g="0" b="0"/>
+      </a:effectRef>
+      <a:fontRef idx="minor"/>
+    </dgm:style>
+  </dgm:styleLbl>
+  <dgm:styleLbl name="fgAcc4">
+    <dgm:scene3d>
+      <a:camera prst="orthographicFront"/>
+      <a:lightRig rig="threePt" dir="t"/>
+    </dgm:scene3d>
+    <dgm:sp3d/>
+    <dgm:txPr/>
+    <dgm:style>
+      <a:lnRef idx="2">
+        <a:scrgbClr r="0" g="0" b="0"/>
+      </a:lnRef>
+      <a:fillRef idx="1">
+        <a:scrgbClr r="0" g="0" b="0"/>
+      </a:fillRef>
+      <a:effectRef idx="0">
+        <a:scrgbClr r="0" g="0" b="0"/>
+      </a:effectRef>
+      <a:fontRef idx="minor"/>
+    </dgm:style>
+  </dgm:styleLbl>
+  <dgm:styleLbl name="bgShp">
+    <dgm:scene3d>
+      <a:camera prst="orthographicFront"/>
+      <a:lightRig rig="threePt" dir="t"/>
+    </dgm:scene3d>
+    <dgm:sp3d/>
+    <dgm:txPr/>
+    <dgm:style>
+      <a:lnRef idx="0">
+        <a:scrgbClr r="0" g="0" b="0"/>
+      </a:lnRef>
+      <a:fillRef idx="1">
+        <a:scrgbClr r="0" g="0" b="0"/>
+      </a:fillRef>
+      <a:effectRef idx="0">
+        <a:scrgbClr r="0" g="0" b="0"/>
+      </a:effectRef>
+      <a:fontRef idx="minor"/>
+    </dgm:style>
+  </dgm:styleLbl>
+  <dgm:styleLbl name="dkBgShp">
+    <dgm:scene3d>
+      <a:camera prst="orthographicFront"/>
+      <a:lightRig rig="threePt" dir="t"/>
+    </dgm:scene3d>
+    <dgm:sp3d/>
+    <dgm:txPr/>
+    <dgm:style>
+      <a:lnRef idx="0">
+        <a:scrgbClr r="0" g="0" b="0"/>
+      </a:lnRef>
+      <a:fillRef idx="1">
+        <a:scrgbClr r="0" g="0" b="0"/>
+      </a:fillRef>
+      <a:effectRef idx="0">
+        <a:scrgbClr r="0" g="0" b="0"/>
+      </a:effectRef>
+      <a:fontRef idx="minor"/>
+    </dgm:style>
+  </dgm:styleLbl>
+  <dgm:styleLbl name="trBgShp">
+    <dgm:scene3d>
+      <a:camera prst="orthographicFront"/>
+      <a:lightRig rig="threePt" dir="t"/>
+    </dgm:scene3d>
+    <dgm:sp3d/>
+    <dgm:txPr/>
+    <dgm:style>
+      <a:lnRef idx="0">
+        <a:scrgbClr r="0" g="0" b="0"/>
+      </a:lnRef>
+      <a:fillRef idx="1">
+        <a:scrgbClr r="0" g="0" b="0"/>
+      </a:fillRef>
+      <a:effectRef idx="0">
+        <a:scrgbClr r="0" g="0" b="0"/>
+      </a:effectRef>
+      <a:fontRef idx="minor"/>
+    </dgm:style>
+  </dgm:styleLbl>
+  <dgm:styleLbl name="fgShp">
+    <dgm:scene3d>
+      <a:camera prst="orthographicFront"/>
+      <a:lightRig rig="threePt" dir="t"/>
+    </dgm:scene3d>
+    <dgm:sp3d/>
+    <dgm:txPr/>
+    <dgm:style>
+      <a:lnRef idx="2">
+        <a:scrgbClr r="0" g="0" b="0"/>
+      </a:lnRef>
+      <a:fillRef idx="1">
+        <a:scrgbClr r="0" g="0" b="0"/>
+      </a:fillRef>
+      <a:effectRef idx="0">
+        <a:scrgbClr r="0" g="0" b="0"/>
+      </a:effectRef>
+      <a:fontRef idx="minor"/>
+    </dgm:style>
+  </dgm:styleLbl>
+  <dgm:styleLbl name="revTx">
+    <dgm:scene3d>
+      <a:camera prst="orthographicFront"/>
+      <a:lightRig rig="threePt" dir="t"/>
+    </dgm:scene3d>
+    <dgm:sp3d/>
+    <dgm:txPr/>
+    <dgm:style>
+      <a:lnRef idx="0">
+        <a:scrgbClr r="0" g="0" b="0"/>
+      </a:lnRef>
+      <a:fillRef idx="0">
+        <a:scrgbClr r="0" g="0" b="0"/>
+      </a:fillRef>
+      <a:effectRef idx="0">
+        <a:scrgbClr r="0" g="0" b="0"/>
+      </a:effectRef>
+      <a:fontRef idx="minor"/>
+    </dgm:style>
+  </dgm:styleLbl>
+</dgm:styleDef>
+</file>
+
 <file path=ppt/notesMasters/notesMaster1.xml><?xml version="1.0" encoding="utf-8"?>
 <p:notesMaster xmlns:a="http://schemas.openxmlformats.org/drawingml/2006/main" xmlns:r="http://schemas.openxmlformats.org/officeDocument/2006/relationships" xmlns:p="http://schemas.openxmlformats.org/presentationml/2006/main">
   <p:cSld>
@@ -2188,6 +5718,365 @@
     <p:extLst>
       <p:ext uri="{BB962C8B-B14F-4D97-AF65-F5344CB8AC3E}">
         <p14:creationId xmlns:p14="http://schemas.microsoft.com/office/powerpoint/2010/main" val="3574678701"/>
+      </p:ext>
+    </p:extLst>
+  </p:cSld>
+  <p:clrMapOvr>
+    <a:masterClrMapping/>
+  </p:clrMapOvr>
+</p:notes>
+</file>
+
+<file path=ppt/notesSlides/notesSlide7.xml><?xml version="1.0" encoding="utf-8"?>
+<p:notes xmlns:a="http://schemas.openxmlformats.org/drawingml/2006/main" xmlns:r="http://schemas.openxmlformats.org/officeDocument/2006/relationships" xmlns:p="http://schemas.openxmlformats.org/presentationml/2006/main">
+  <p:cSld>
+    <p:spTree>
+      <p:nvGrpSpPr>
+        <p:cNvPr id="1" name=""/>
+        <p:cNvGrpSpPr/>
+        <p:nvPr/>
+      </p:nvGrpSpPr>
+      <p:grpSpPr>
+        <a:xfrm>
+          <a:off x="0" y="0"/>
+          <a:ext cx="0" cy="0"/>
+          <a:chOff x="0" y="0"/>
+          <a:chExt cx="0" cy="0"/>
+        </a:xfrm>
+      </p:grpSpPr>
+      <p:sp>
+        <p:nvSpPr>
+          <p:cNvPr id="2" name="Slide Image Placeholder 1"/>
+          <p:cNvSpPr>
+            <a:spLocks noGrp="1" noRot="1" noChangeAspect="1"/>
+          </p:cNvSpPr>
+          <p:nvPr>
+            <p:ph type="sldImg"/>
+          </p:nvPr>
+        </p:nvSpPr>
+        <p:spPr/>
+      </p:sp>
+      <p:sp>
+        <p:nvSpPr>
+          <p:cNvPr id="3" name="Notes Placeholder 2"/>
+          <p:cNvSpPr>
+            <a:spLocks noGrp="1"/>
+          </p:cNvSpPr>
+          <p:nvPr>
+            <p:ph type="body" idx="1"/>
+          </p:nvPr>
+        </p:nvSpPr>
+        <p:spPr/>
+        <p:txBody>
+          <a:bodyPr/>
+          <a:lstStyle/>
+          <a:p>
+            <a:r>
+              <a:rPr lang="en-US" dirty="0"/>
+              <a:t>Due to the uncertain aspects of the weather, we expect quite a variation in the no matter the allocation.</a:t>
+            </a:r>
+          </a:p>
+          <a:p>
+            <a:r>
+              <a:rPr lang="en-US" dirty="0"/>
+              <a:t>In an ideal world we want to find an allocation that </a:t>
+            </a:r>
+            <a:r>
+              <a:rPr lang="en-US" dirty="0" err="1"/>
+              <a:t>maximises</a:t>
+            </a:r>
+            <a:r>
+              <a:rPr lang="en-US" dirty="0"/>
+              <a:t> the mean output of our proposed new wind turbines (ideally improving on the current average load factor) while also </a:t>
+            </a:r>
+            <a:r>
+              <a:rPr lang="en-US" dirty="0" err="1"/>
+              <a:t>minimising</a:t>
+            </a:r>
+            <a:r>
+              <a:rPr lang="en-US" dirty="0"/>
+              <a:t> the variance in the outputs.</a:t>
+            </a:r>
+          </a:p>
+          <a:p>
+            <a:r>
+              <a:rPr lang="en-GB" dirty="0"/>
+              <a:t>To do this we could combine these values as a weighted sum and use it as a performance heuristic for a searching algorithm.</a:t>
+            </a:r>
+          </a:p>
+          <a:p>
+            <a:r>
+              <a:rPr lang="en-GB" dirty="0"/>
+              <a:t>This would require us to determine the relative importance of each aspect.</a:t>
+            </a:r>
+          </a:p>
+          <a:p>
+            <a:endParaRPr lang="en-GB" dirty="0"/>
+          </a:p>
+        </p:txBody>
+      </p:sp>
+      <p:sp>
+        <p:nvSpPr>
+          <p:cNvPr id="4" name="Slide Number Placeholder 3"/>
+          <p:cNvSpPr>
+            <a:spLocks noGrp="1"/>
+          </p:cNvSpPr>
+          <p:nvPr>
+            <p:ph type="sldNum" sz="quarter" idx="5"/>
+          </p:nvPr>
+        </p:nvSpPr>
+        <p:spPr/>
+        <p:txBody>
+          <a:bodyPr/>
+          <a:lstStyle/>
+          <a:p>
+            <a:fld id="{AE1E6FC1-D58F-4ADF-996C-03FDE935E6CA}" type="slidenum">
+              <a:rPr lang="en-GB" smtClean="0"/>
+              <a:t>12</a:t>
+            </a:fld>
+            <a:endParaRPr lang="en-GB"/>
+          </a:p>
+        </p:txBody>
+      </p:sp>
+    </p:spTree>
+    <p:extLst>
+      <p:ext uri="{BB962C8B-B14F-4D97-AF65-F5344CB8AC3E}">
+        <p14:creationId xmlns:p14="http://schemas.microsoft.com/office/powerpoint/2010/main" val="466470880"/>
+      </p:ext>
+    </p:extLst>
+  </p:cSld>
+  <p:clrMapOvr>
+    <a:masterClrMapping/>
+  </p:clrMapOvr>
+</p:notes>
+</file>
+
+<file path=ppt/notesSlides/notesSlide8.xml><?xml version="1.0" encoding="utf-8"?>
+<p:notes xmlns:a="http://schemas.openxmlformats.org/drawingml/2006/main" xmlns:r="http://schemas.openxmlformats.org/officeDocument/2006/relationships" xmlns:p="http://schemas.openxmlformats.org/presentationml/2006/main">
+  <p:cSld>
+    <p:spTree>
+      <p:nvGrpSpPr>
+        <p:cNvPr id="1" name=""/>
+        <p:cNvGrpSpPr/>
+        <p:nvPr/>
+      </p:nvGrpSpPr>
+      <p:grpSpPr>
+        <a:xfrm>
+          <a:off x="0" y="0"/>
+          <a:ext cx="0" cy="0"/>
+          <a:chOff x="0" y="0"/>
+          <a:chExt cx="0" cy="0"/>
+        </a:xfrm>
+      </p:grpSpPr>
+      <p:sp>
+        <p:nvSpPr>
+          <p:cNvPr id="2" name="Slide Image Placeholder 1"/>
+          <p:cNvSpPr>
+            <a:spLocks noGrp="1" noRot="1" noChangeAspect="1"/>
+          </p:cNvSpPr>
+          <p:nvPr>
+            <p:ph type="sldImg"/>
+          </p:nvPr>
+        </p:nvSpPr>
+        <p:spPr/>
+      </p:sp>
+      <p:sp>
+        <p:nvSpPr>
+          <p:cNvPr id="3" name="Notes Placeholder 2"/>
+          <p:cNvSpPr>
+            <a:spLocks noGrp="1"/>
+          </p:cNvSpPr>
+          <p:nvPr>
+            <p:ph type="body" idx="1"/>
+          </p:nvPr>
+        </p:nvSpPr>
+        <p:spPr/>
+        <p:txBody>
+          <a:bodyPr/>
+          <a:lstStyle/>
+          <a:p>
+            <a:r>
+              <a:rPr lang="en-US" dirty="0"/>
+              <a:t>An alternate approach is to use a Genetic Algorithm based approach.</a:t>
+            </a:r>
+          </a:p>
+          <a:p>
+            <a:r>
+              <a:rPr lang="en-US" dirty="0"/>
+              <a:t>The NGSA-II algorithm published in 2002 gives a fast search methodology based around ranking its populations based on dominating fronts and crowding distances.</a:t>
+            </a:r>
+          </a:p>
+          <a:p>
+            <a:r>
+              <a:rPr lang="en-GB" dirty="0"/>
+              <a:t>This algorithm is not state of the art anymore with many different improvements being published, but as a baseline it is provenly reliable and showed much room for expansion by slight changes – opening a clear route to performance improvements in future works.</a:t>
+            </a:r>
+          </a:p>
+          <a:p>
+            <a:endParaRPr lang="en-GB" dirty="0"/>
+          </a:p>
+        </p:txBody>
+      </p:sp>
+      <p:sp>
+        <p:nvSpPr>
+          <p:cNvPr id="4" name="Slide Number Placeholder 3"/>
+          <p:cNvSpPr>
+            <a:spLocks noGrp="1"/>
+          </p:cNvSpPr>
+          <p:nvPr>
+            <p:ph type="sldNum" sz="quarter" idx="5"/>
+          </p:nvPr>
+        </p:nvSpPr>
+        <p:spPr/>
+        <p:txBody>
+          <a:bodyPr/>
+          <a:lstStyle/>
+          <a:p>
+            <a:fld id="{AE1E6FC1-D58F-4ADF-996C-03FDE935E6CA}" type="slidenum">
+              <a:rPr lang="en-GB" smtClean="0"/>
+              <a:t>13</a:t>
+            </a:fld>
+            <a:endParaRPr lang="en-GB"/>
+          </a:p>
+        </p:txBody>
+      </p:sp>
+    </p:spTree>
+    <p:extLst>
+      <p:ext uri="{BB962C8B-B14F-4D97-AF65-F5344CB8AC3E}">
+        <p14:creationId xmlns:p14="http://schemas.microsoft.com/office/powerpoint/2010/main" val="1013194740"/>
+      </p:ext>
+    </p:extLst>
+  </p:cSld>
+  <p:clrMapOvr>
+    <a:masterClrMapping/>
+  </p:clrMapOvr>
+</p:notes>
+</file>
+
+<file path=ppt/notesSlides/notesSlide9.xml><?xml version="1.0" encoding="utf-8"?>
+<p:notes xmlns:a="http://schemas.openxmlformats.org/drawingml/2006/main" xmlns:r="http://schemas.openxmlformats.org/officeDocument/2006/relationships" xmlns:p="http://schemas.openxmlformats.org/presentationml/2006/main">
+  <p:cSld>
+    <p:spTree>
+      <p:nvGrpSpPr>
+        <p:cNvPr id="1" name=""/>
+        <p:cNvGrpSpPr/>
+        <p:nvPr/>
+      </p:nvGrpSpPr>
+      <p:grpSpPr>
+        <a:xfrm>
+          <a:off x="0" y="0"/>
+          <a:ext cx="0" cy="0"/>
+          <a:chOff x="0" y="0"/>
+          <a:chExt cx="0" cy="0"/>
+        </a:xfrm>
+      </p:grpSpPr>
+      <p:sp>
+        <p:nvSpPr>
+          <p:cNvPr id="2" name="Slide Image Placeholder 1"/>
+          <p:cNvSpPr>
+            <a:spLocks noGrp="1" noRot="1" noChangeAspect="1"/>
+          </p:cNvSpPr>
+          <p:nvPr>
+            <p:ph type="sldImg"/>
+          </p:nvPr>
+        </p:nvSpPr>
+        <p:spPr/>
+      </p:sp>
+      <p:sp>
+        <p:nvSpPr>
+          <p:cNvPr id="3" name="Notes Placeholder 2"/>
+          <p:cNvSpPr>
+            <a:spLocks noGrp="1"/>
+          </p:cNvSpPr>
+          <p:nvPr>
+            <p:ph type="body" idx="1"/>
+          </p:nvPr>
+        </p:nvSpPr>
+        <p:spPr/>
+        <p:txBody>
+          <a:bodyPr/>
+          <a:lstStyle/>
+          <a:p>
+            <a:pPr>
+              <a:lnSpc>
+                <a:spcPct val="100000"/>
+              </a:lnSpc>
+            </a:pPr>
+            <a:r>
+              <a:rPr lang="en-US" sz="1200" dirty="0"/>
+              <a:t>When testing with a range of initial seeds, we see the algorithm trend towards a higher mean every generation, but usually caps around the 30% load factor.</a:t>
+            </a:r>
+          </a:p>
+          <a:p>
+            <a:pPr>
+              <a:lnSpc>
+                <a:spcPct val="100000"/>
+              </a:lnSpc>
+            </a:pPr>
+            <a:r>
+              <a:rPr lang="en-US" sz="1200" dirty="0"/>
+              <a:t>This is already theoretically an improvement over the average across the UK currently.</a:t>
+            </a:r>
+          </a:p>
+          <a:p>
+            <a:pPr>
+              <a:lnSpc>
+                <a:spcPct val="100000"/>
+              </a:lnSpc>
+            </a:pPr>
+            <a:r>
+              <a:rPr lang="en-US" sz="1200" dirty="0"/>
+              <a:t>However, this value shouldn’t be taken at face value. Throughout the chain of operations, we can find small errors that will likely add to an inaccuracy of this result.</a:t>
+            </a:r>
+          </a:p>
+          <a:p>
+            <a:pPr>
+              <a:lnSpc>
+                <a:spcPct val="100000"/>
+              </a:lnSpc>
+            </a:pPr>
+            <a:endParaRPr lang="en-US" sz="1200" dirty="0"/>
+          </a:p>
+          <a:p>
+            <a:pPr>
+              <a:lnSpc>
+                <a:spcPct val="100000"/>
+              </a:lnSpc>
+            </a:pPr>
+            <a:endParaRPr lang="en-GB" sz="1200" dirty="0"/>
+          </a:p>
+          <a:p>
+            <a:endParaRPr lang="en-GB" dirty="0"/>
+          </a:p>
+        </p:txBody>
+      </p:sp>
+      <p:sp>
+        <p:nvSpPr>
+          <p:cNvPr id="4" name="Slide Number Placeholder 3"/>
+          <p:cNvSpPr>
+            <a:spLocks noGrp="1"/>
+          </p:cNvSpPr>
+          <p:nvPr>
+            <p:ph type="sldNum" sz="quarter" idx="5"/>
+          </p:nvPr>
+        </p:nvSpPr>
+        <p:spPr/>
+        <p:txBody>
+          <a:bodyPr/>
+          <a:lstStyle/>
+          <a:p>
+            <a:fld id="{AE1E6FC1-D58F-4ADF-996C-03FDE935E6CA}" type="slidenum">
+              <a:rPr lang="en-GB" smtClean="0"/>
+              <a:t>15</a:t>
+            </a:fld>
+            <a:endParaRPr lang="en-GB"/>
+          </a:p>
+        </p:txBody>
+      </p:sp>
+    </p:spTree>
+    <p:extLst>
+      <p:ext uri="{BB962C8B-B14F-4D97-AF65-F5344CB8AC3E}">
+        <p14:creationId xmlns:p14="http://schemas.microsoft.com/office/powerpoint/2010/main" val="2874959684"/>
       </p:ext>
     </p:extLst>
   </p:cSld>
@@ -10438,6 +14327,14 @@
 <file path=ppt/slides/slide12.xml><?xml version="1.0" encoding="utf-8"?>
 <p:sld xmlns:a="http://schemas.openxmlformats.org/drawingml/2006/main" xmlns:r="http://schemas.openxmlformats.org/officeDocument/2006/relationships" xmlns:p="http://schemas.openxmlformats.org/presentationml/2006/main">
   <p:cSld>
+    <p:bg>
+      <p:bgPr>
+        <a:solidFill>
+          <a:schemeClr val="bg1"/>
+        </a:solidFill>
+        <a:effectLst/>
+      </p:bgPr>
+    </p:bg>
     <p:spTree>
       <p:nvGrpSpPr>
         <p:cNvPr id="1" name=""/>
@@ -10452,6 +14349,133 @@
           <a:chExt cx="0" cy="0"/>
         </a:xfrm>
       </p:grpSpPr>
+      <p:sp useBgFill="1">
+        <p:nvSpPr>
+          <p:cNvPr id="9" name="Slide Background">
+            <a:extLst>
+              <a:ext uri="{FF2B5EF4-FFF2-40B4-BE49-F238E27FC236}">
+                <a16:creationId xmlns:a16="http://schemas.microsoft.com/office/drawing/2014/main" id="{B210AC1D-4063-4C6E-9528-FA9C4C0C18E6}"/>
+              </a:ext>
+              <a:ext uri="{C183D7F6-B498-43B3-948B-1728B52AA6E4}">
+                <adec:decorative xmlns:adec="http://schemas.microsoft.com/office/drawing/2017/decorative" val="1"/>
+              </a:ext>
+            </a:extLst>
+          </p:cNvPr>
+          <p:cNvSpPr>
+            <a:spLocks noGrp="1" noRot="1" noChangeAspect="1" noMove="1" noResize="1" noEditPoints="1" noAdjustHandles="1" noChangeArrowheads="1" noChangeShapeType="1" noTextEdit="1"/>
+          </p:cNvSpPr>
+          <p:nvPr>
+            <p:extLst>
+              <p:ext uri="{386F3935-93C4-4BCD-93E2-E3B085C9AB24}">
+                <p16:designElem xmlns:p16="http://schemas.microsoft.com/office/powerpoint/2015/main" val="1"/>
+              </p:ext>
+            </p:extLst>
+          </p:nvPr>
+        </p:nvSpPr>
+        <p:spPr>
+          <a:xfrm>
+            <a:off x="0" y="0"/>
+            <a:ext cx="12192000" cy="6858000"/>
+          </a:xfrm>
+          <a:prstGeom prst="rect">
+            <a:avLst/>
+          </a:prstGeom>
+          <a:ln>
+            <a:noFill/>
+          </a:ln>
+        </p:spPr>
+        <p:style>
+          <a:lnRef idx="2">
+            <a:schemeClr val="accent1">
+              <a:shade val="50000"/>
+            </a:schemeClr>
+          </a:lnRef>
+          <a:fillRef idx="1">
+            <a:schemeClr val="accent1"/>
+          </a:fillRef>
+          <a:effectRef idx="0">
+            <a:schemeClr val="accent1"/>
+          </a:effectRef>
+          <a:fontRef idx="minor">
+            <a:schemeClr val="lt1"/>
+          </a:fontRef>
+        </p:style>
+        <p:txBody>
+          <a:bodyPr rtlCol="0" anchor="ctr"/>
+          <a:lstStyle/>
+          <a:p>
+            <a:pPr algn="ctr"/>
+            <a:endParaRPr lang="en-US"/>
+          </a:p>
+        </p:txBody>
+      </p:sp>
+      <p:sp useBgFill="1">
+        <p:nvSpPr>
+          <p:cNvPr id="11" name="Rectangle 10">
+            <a:extLst>
+              <a:ext uri="{FF2B5EF4-FFF2-40B4-BE49-F238E27FC236}">
+                <a16:creationId xmlns:a16="http://schemas.microsoft.com/office/drawing/2014/main" id="{02F8C595-E68C-4306-AED8-DC7826A0A506}"/>
+              </a:ext>
+              <a:ext uri="{C183D7F6-B498-43B3-948B-1728B52AA6E4}">
+                <adec:decorative xmlns:adec="http://schemas.microsoft.com/office/drawing/2017/decorative" val="1"/>
+              </a:ext>
+            </a:extLst>
+          </p:cNvPr>
+          <p:cNvSpPr>
+            <a:spLocks noGrp="1" noRot="1" noChangeAspect="1" noMove="1" noResize="1" noEditPoints="1" noAdjustHandles="1" noChangeArrowheads="1" noChangeShapeType="1" noTextEdit="1"/>
+          </p:cNvSpPr>
+          <p:nvPr>
+            <p:extLst>
+              <p:ext uri="{386F3935-93C4-4BCD-93E2-E3B085C9AB24}">
+                <p16:designElem xmlns:p16="http://schemas.microsoft.com/office/powerpoint/2015/main" val="1"/>
+              </p:ext>
+            </p:extLst>
+          </p:nvPr>
+        </p:nvSpPr>
+        <p:spPr>
+          <a:xfrm>
+            <a:off x="0" y="0"/>
+            <a:ext cx="11144310" cy="6858000"/>
+          </a:xfrm>
+          <a:prstGeom prst="rect">
+            <a:avLst/>
+          </a:prstGeom>
+          <a:ln>
+            <a:noFill/>
+          </a:ln>
+          <a:effectLst>
+            <a:outerShdw blurRad="889000" dist="406400" dir="21540000" sx="90000" sy="90000" algn="t" rotWithShape="0">
+              <a:srgbClr val="000000">
+                <a:alpha val="20000"/>
+              </a:srgbClr>
+            </a:outerShdw>
+          </a:effectLst>
+        </p:spPr>
+        <p:style>
+          <a:lnRef idx="2">
+            <a:schemeClr val="accent1">
+              <a:shade val="50000"/>
+            </a:schemeClr>
+          </a:lnRef>
+          <a:fillRef idx="1">
+            <a:schemeClr val="accent1"/>
+          </a:fillRef>
+          <a:effectRef idx="0">
+            <a:schemeClr val="accent1"/>
+          </a:effectRef>
+          <a:fontRef idx="minor">
+            <a:schemeClr val="lt1"/>
+          </a:fontRef>
+        </p:style>
+        <p:txBody>
+          <a:bodyPr rtlCol="0" anchor="ctr"/>
+          <a:lstStyle/>
+          <a:p>
+            <a:pPr algn="ctr"/>
+            <a:endParaRPr lang="en-US"/>
+          </a:p>
+        </p:txBody>
+      </p:sp>
       <p:sp>
         <p:nvSpPr>
           <p:cNvPr id="2" name="Title 1">
@@ -10468,22 +14492,58 @@
             <p:ph type="title"/>
           </p:nvPr>
         </p:nvSpPr>
-        <p:spPr/>
+        <p:spPr>
+          <a:xfrm>
+            <a:off x="6788582" y="858983"/>
+            <a:ext cx="3968783" cy="2021378"/>
+          </a:xfrm>
+        </p:spPr>
         <p:txBody>
-          <a:bodyPr/>
+          <a:bodyPr>
+            <a:normAutofit/>
+          </a:bodyPr>
           <a:lstStyle/>
           <a:p>
             <a:r>
-              <a:rPr lang="en-US" dirty="0"/>
+              <a:rPr lang="en-US" sz="4800"/>
               <a:t>The Allocation</a:t>
             </a:r>
-            <a:endParaRPr lang="en-GB" dirty="0"/>
+            <a:endParaRPr lang="en-GB" sz="4800"/>
           </a:p>
         </p:txBody>
       </p:sp>
+      <p:pic>
+        <p:nvPicPr>
+          <p:cNvPr id="5" name="Picture 4" descr="Clouds in sky">
+            <a:extLst>
+              <a:ext uri="{FF2B5EF4-FFF2-40B4-BE49-F238E27FC236}">
+                <a16:creationId xmlns:a16="http://schemas.microsoft.com/office/drawing/2014/main" id="{2146E2CA-F4AF-4E8A-B0AC-12F6194C1978}"/>
+              </a:ext>
+            </a:extLst>
+          </p:cNvPr>
+          <p:cNvPicPr>
+            <a:picLocks noChangeAspect="1"/>
+          </p:cNvPicPr>
+          <p:nvPr/>
+        </p:nvPicPr>
+        <p:blipFill rotWithShape="1">
+          <a:blip r:embed="rId3"/>
+          <a:srcRect l="9199" r="21084"/>
+          <a:stretch/>
+        </p:blipFill>
+        <p:spPr>
+          <a:xfrm>
+            <a:off x="-1" y="-2"/>
+            <a:ext cx="6374929" cy="6858002"/>
+          </a:xfrm>
+          <a:prstGeom prst="rect">
+            <a:avLst/>
+          </a:prstGeom>
+        </p:spPr>
+      </p:pic>
       <p:sp>
         <p:nvSpPr>
-          <p:cNvPr id="3" name="Content Placeholder 2">
+          <p:cNvPr id="10" name="Content Placeholder 2">
             <a:extLst>
               <a:ext uri="{FF2B5EF4-FFF2-40B4-BE49-F238E27FC236}">
                 <a16:creationId xmlns:a16="http://schemas.microsoft.com/office/drawing/2014/main" id="{6BF490A8-582B-4D67-8C81-7E3687BAF773}"/>
@@ -10497,54 +14557,131 @@
             <p:ph idx="1"/>
           </p:nvPr>
         </p:nvSpPr>
-        <p:spPr/>
+        <p:spPr>
+          <a:xfrm>
+            <a:off x="6374929" y="2654490"/>
+            <a:ext cx="4796090" cy="3585589"/>
+          </a:xfrm>
+        </p:spPr>
         <p:txBody>
-          <a:bodyPr>
-            <a:normAutofit lnSpcReduction="10000"/>
+          <a:bodyPr anchor="ctr">
+            <a:noAutofit/>
           </a:bodyPr>
           <a:lstStyle/>
           <a:p>
-            <a:r>
-              <a:rPr lang="en-US" dirty="0"/>
-              <a:t>Due to the uncertain aspects of the weather, we expect quite a variation in the no matter the allocation.</a:t>
+            <a:pPr marL="342900" indent="-342900">
+              <a:lnSpc>
+                <a:spcPct val="100000"/>
+              </a:lnSpc>
+              <a:buFont typeface="Courier New" panose="02070309020205020404" pitchFamily="49" charset="0"/>
+              <a:buChar char="o"/>
+            </a:pPr>
+            <a:r>
+              <a:rPr lang="en-US" sz="2000" dirty="0"/>
+              <a:t>As weather is uncertain, no matter our allocation we expect some variation.</a:t>
             </a:r>
           </a:p>
           <a:p>
-            <a:r>
-              <a:rPr lang="en-US" dirty="0"/>
-              <a:t>In an ideal world we want to find an allocation that </a:t>
-            </a:r>
-            <a:r>
-              <a:rPr lang="en-US" dirty="0" err="1"/>
-              <a:t>maximises</a:t>
-            </a:r>
-            <a:r>
-              <a:rPr lang="en-US" dirty="0"/>
-              <a:t> the mean output of our proposed new wind turbines (ideally improving on the current average load factor) while also </a:t>
-            </a:r>
-            <a:r>
-              <a:rPr lang="en-US" dirty="0" err="1"/>
-              <a:t>minimising</a:t>
-            </a:r>
-            <a:r>
-              <a:rPr lang="en-US" dirty="0"/>
-              <a:t> the variance in the outputs.</a:t>
+            <a:pPr marL="342900" indent="-342900">
+              <a:lnSpc>
+                <a:spcPct val="100000"/>
+              </a:lnSpc>
+              <a:buFont typeface="Courier New" panose="02070309020205020404" pitchFamily="49" charset="0"/>
+              <a:buChar char="o"/>
+            </a:pPr>
+            <a:r>
+              <a:rPr lang="en-US" sz="2000" dirty="0"/>
+              <a:t>Ideally want a </a:t>
+            </a:r>
+            <a:r>
+              <a:rPr lang="en-US" sz="2000" dirty="0" err="1"/>
+              <a:t>maximised</a:t>
+            </a:r>
+            <a:r>
+              <a:rPr lang="en-US" sz="2000" dirty="0"/>
+              <a:t> expected output while keeping the variation low.</a:t>
             </a:r>
           </a:p>
           <a:p>
-            <a:r>
-              <a:rPr lang="en-GB" dirty="0"/>
-              <a:t>To do this we could combine these values as a weighted sum and use it as a performance heuristic for a searching algorithm.</a:t>
+            <a:pPr marL="342900" indent="-342900">
+              <a:lnSpc>
+                <a:spcPct val="100000"/>
+              </a:lnSpc>
+              <a:buFont typeface="Courier New" panose="02070309020205020404" pitchFamily="49" charset="0"/>
+              <a:buChar char="o"/>
+            </a:pPr>
+            <a:r>
+              <a:rPr lang="en-GB" sz="2000" dirty="0"/>
+              <a:t>One approach would be a weighted sum as our heuristic value.</a:t>
             </a:r>
           </a:p>
           <a:p>
-            <a:r>
-              <a:rPr lang="en-GB" dirty="0"/>
+            <a:pPr marL="342900" indent="-342900">
+              <a:lnSpc>
+                <a:spcPct val="100000"/>
+              </a:lnSpc>
+              <a:buFont typeface="Courier New" panose="02070309020205020404" pitchFamily="49" charset="0"/>
+              <a:buChar char="o"/>
+            </a:pPr>
+            <a:r>
+              <a:rPr lang="en-GB" sz="2000" dirty="0"/>
               <a:t>This would require us to determine the relative importance of each aspect.</a:t>
             </a:r>
           </a:p>
         </p:txBody>
       </p:sp>
+      <p:cxnSp>
+        <p:nvCxnSpPr>
+          <p:cNvPr id="13" name="Straight Connector 12">
+            <a:extLst>
+              <a:ext uri="{FF2B5EF4-FFF2-40B4-BE49-F238E27FC236}">
+                <a16:creationId xmlns:a16="http://schemas.microsoft.com/office/drawing/2014/main" id="{E58B1629-F209-47B0-BA59-6BD937DBB08F}"/>
+              </a:ext>
+              <a:ext uri="{C183D7F6-B498-43B3-948B-1728B52AA6E4}">
+                <adec:decorative xmlns:adec="http://schemas.microsoft.com/office/drawing/2017/decorative" val="1"/>
+              </a:ext>
+            </a:extLst>
+          </p:cNvPr>
+          <p:cNvCxnSpPr>
+            <a:cxnSpLocks noGrp="1" noRot="1" noChangeAspect="1" noMove="1" noResize="1" noEditPoints="1" noAdjustHandles="1" noChangeArrowheads="1" noChangeShapeType="1"/>
+          </p:cNvCxnSpPr>
+          <p:nvPr>
+            <p:extLst>
+              <p:ext uri="{386F3935-93C4-4BCD-93E2-E3B085C9AB24}">
+                <p16:designElem xmlns:p16="http://schemas.microsoft.com/office/powerpoint/2015/main" val="1"/>
+              </p:ext>
+            </p:extLst>
+          </p:nvPr>
+        </p:nvCxnSpPr>
+        <p:spPr>
+          <a:xfrm>
+            <a:off x="11668155" y="5641010"/>
+            <a:ext cx="0" cy="599069"/>
+          </a:xfrm>
+          <a:prstGeom prst="line">
+            <a:avLst/>
+          </a:prstGeom>
+          <a:ln w="38100">
+            <a:solidFill>
+              <a:schemeClr val="tx1"/>
+            </a:solidFill>
+          </a:ln>
+        </p:spPr>
+        <p:style>
+          <a:lnRef idx="1">
+            <a:schemeClr val="accent1"/>
+          </a:lnRef>
+          <a:fillRef idx="0">
+            <a:schemeClr val="accent1"/>
+          </a:fillRef>
+          <a:effectRef idx="0">
+            <a:schemeClr val="accent1"/>
+          </a:effectRef>
+          <a:fontRef idx="minor">
+            <a:schemeClr val="tx1"/>
+          </a:fontRef>
+        </p:style>
+      </p:cxnSp>
     </p:spTree>
     <p:extLst>
       <p:ext uri="{BB962C8B-B14F-4D97-AF65-F5344CB8AC3E}">
@@ -10561,6 +14698,14 @@
 <file path=ppt/slides/slide13.xml><?xml version="1.0" encoding="utf-8"?>
 <p:sld xmlns:a="http://schemas.openxmlformats.org/drawingml/2006/main" xmlns:r="http://schemas.openxmlformats.org/officeDocument/2006/relationships" xmlns:p="http://schemas.openxmlformats.org/presentationml/2006/main">
   <p:cSld>
+    <p:bg>
+      <p:bgPr>
+        <a:solidFill>
+          <a:schemeClr val="bg1"/>
+        </a:solidFill>
+        <a:effectLst/>
+      </p:bgPr>
+    </p:bg>
     <p:spTree>
       <p:nvGrpSpPr>
         <p:cNvPr id="1" name=""/>
@@ -10575,6 +14720,198 @@
           <a:chExt cx="0" cy="0"/>
         </a:xfrm>
       </p:grpSpPr>
+      <p:sp useBgFill="1">
+        <p:nvSpPr>
+          <p:cNvPr id="8" name="Slide Background">
+            <a:extLst>
+              <a:ext uri="{FF2B5EF4-FFF2-40B4-BE49-F238E27FC236}">
+                <a16:creationId xmlns:a16="http://schemas.microsoft.com/office/drawing/2014/main" id="{540CF837-40E9-46D4-AC1B-0750F339B5E7}"/>
+              </a:ext>
+              <a:ext uri="{C183D7F6-B498-43B3-948B-1728B52AA6E4}">
+                <adec:decorative xmlns:adec="http://schemas.microsoft.com/office/drawing/2017/decorative" val="1"/>
+              </a:ext>
+            </a:extLst>
+          </p:cNvPr>
+          <p:cNvSpPr>
+            <a:spLocks noGrp="1" noRot="1" noChangeAspect="1" noMove="1" noResize="1" noEditPoints="1" noAdjustHandles="1" noChangeArrowheads="1" noChangeShapeType="1" noTextEdit="1"/>
+          </p:cNvSpPr>
+          <p:nvPr>
+            <p:extLst>
+              <p:ext uri="{386F3935-93C4-4BCD-93E2-E3B085C9AB24}">
+                <p16:designElem xmlns:p16="http://schemas.microsoft.com/office/powerpoint/2015/main" val="1"/>
+              </p:ext>
+            </p:extLst>
+          </p:nvPr>
+        </p:nvSpPr>
+        <p:spPr>
+          <a:xfrm>
+            <a:off x="0" y="0"/>
+            <a:ext cx="12192000" cy="6858000"/>
+          </a:xfrm>
+          <a:prstGeom prst="rect">
+            <a:avLst/>
+          </a:prstGeom>
+          <a:ln>
+            <a:noFill/>
+          </a:ln>
+        </p:spPr>
+        <p:style>
+          <a:lnRef idx="2">
+            <a:schemeClr val="accent1">
+              <a:shade val="50000"/>
+            </a:schemeClr>
+          </a:lnRef>
+          <a:fillRef idx="1">
+            <a:schemeClr val="accent1"/>
+          </a:fillRef>
+          <a:effectRef idx="0">
+            <a:schemeClr val="accent1"/>
+          </a:effectRef>
+          <a:fontRef idx="minor">
+            <a:schemeClr val="lt1"/>
+          </a:fontRef>
+        </p:style>
+        <p:txBody>
+          <a:bodyPr rtlCol="0" anchor="ctr"/>
+          <a:lstStyle/>
+          <a:p>
+            <a:pPr algn="ctr"/>
+            <a:endParaRPr lang="en-US"/>
+          </a:p>
+        </p:txBody>
+      </p:sp>
+      <p:sp>
+        <p:nvSpPr>
+          <p:cNvPr id="10" name="tint">
+            <a:extLst>
+              <a:ext uri="{FF2B5EF4-FFF2-40B4-BE49-F238E27FC236}">
+                <a16:creationId xmlns:a16="http://schemas.microsoft.com/office/drawing/2014/main" id="{E325F465-8352-4882-9E30-732D5BDF3D64}"/>
+              </a:ext>
+              <a:ext uri="{C183D7F6-B498-43B3-948B-1728B52AA6E4}">
+                <adec:decorative xmlns:adec="http://schemas.microsoft.com/office/drawing/2017/decorative" val="1"/>
+              </a:ext>
+            </a:extLst>
+          </p:cNvPr>
+          <p:cNvSpPr>
+            <a:spLocks noGrp="1" noRot="1" noChangeAspect="1" noMove="1" noResize="1" noEditPoints="1" noAdjustHandles="1" noChangeArrowheads="1" noChangeShapeType="1" noTextEdit="1"/>
+          </p:cNvSpPr>
+          <p:nvPr>
+            <p:extLst>
+              <p:ext uri="{386F3935-93C4-4BCD-93E2-E3B085C9AB24}">
+                <p16:designElem xmlns:p16="http://schemas.microsoft.com/office/powerpoint/2015/main" val="1"/>
+              </p:ext>
+            </p:extLst>
+          </p:nvPr>
+        </p:nvSpPr>
+        <p:spPr>
+          <a:xfrm>
+            <a:off x="-3048" y="0"/>
+            <a:ext cx="6099047" cy="6858000"/>
+          </a:xfrm>
+          <a:prstGeom prst="rect">
+            <a:avLst/>
+          </a:prstGeom>
+          <a:solidFill>
+            <a:schemeClr val="bg2">
+              <a:alpha val="40000"/>
+            </a:schemeClr>
+          </a:solidFill>
+          <a:ln>
+            <a:noFill/>
+          </a:ln>
+        </p:spPr>
+        <p:style>
+          <a:lnRef idx="2">
+            <a:schemeClr val="accent1">
+              <a:shade val="50000"/>
+            </a:schemeClr>
+          </a:lnRef>
+          <a:fillRef idx="1">
+            <a:schemeClr val="accent1"/>
+          </a:fillRef>
+          <a:effectRef idx="0">
+            <a:schemeClr val="accent1"/>
+          </a:effectRef>
+          <a:fontRef idx="minor">
+            <a:schemeClr val="lt1"/>
+          </a:fontRef>
+        </p:style>
+        <p:txBody>
+          <a:bodyPr rtlCol="0" anchor="ctr"/>
+          <a:lstStyle/>
+          <a:p>
+            <a:pPr algn="ctr"/>
+            <a:endParaRPr lang="en-US" dirty="0"/>
+          </a:p>
+        </p:txBody>
+      </p:sp>
+      <p:sp useBgFill="1">
+        <p:nvSpPr>
+          <p:cNvPr id="12" name="Rectangle 11">
+            <a:extLst>
+              <a:ext uri="{FF2B5EF4-FFF2-40B4-BE49-F238E27FC236}">
+                <a16:creationId xmlns:a16="http://schemas.microsoft.com/office/drawing/2014/main" id="{A031F918-6C2A-4C3F-8785-651FF6135CE8}"/>
+              </a:ext>
+              <a:ext uri="{C183D7F6-B498-43B3-948B-1728B52AA6E4}">
+                <adec:decorative xmlns:adec="http://schemas.microsoft.com/office/drawing/2017/decorative" val="1"/>
+              </a:ext>
+            </a:extLst>
+          </p:cNvPr>
+          <p:cNvSpPr>
+            <a:spLocks noGrp="1" noRot="1" noChangeAspect="1" noMove="1" noResize="1" noEditPoints="1" noAdjustHandles="1" noChangeArrowheads="1" noChangeShapeType="1" noTextEdit="1"/>
+          </p:cNvSpPr>
+          <p:nvPr>
+            <p:extLst>
+              <p:ext uri="{386F3935-93C4-4BCD-93E2-E3B085C9AB24}">
+                <p16:designElem xmlns:p16="http://schemas.microsoft.com/office/powerpoint/2015/main" val="1"/>
+              </p:ext>
+            </p:extLst>
+          </p:nvPr>
+        </p:nvSpPr>
+        <p:spPr>
+          <a:xfrm>
+            <a:off x="6095999" y="0"/>
+            <a:ext cx="6096001" cy="6858000"/>
+          </a:xfrm>
+          <a:prstGeom prst="rect">
+            <a:avLst/>
+          </a:prstGeom>
+          <a:ln>
+            <a:noFill/>
+          </a:ln>
+          <a:effectLst>
+            <a:outerShdw blurRad="635000" dist="254000" dir="7260000" sx="90000" sy="90000" algn="t" rotWithShape="0">
+              <a:srgbClr val="000000">
+                <a:alpha val="30000"/>
+              </a:srgbClr>
+            </a:outerShdw>
+          </a:effectLst>
+        </p:spPr>
+        <p:style>
+          <a:lnRef idx="2">
+            <a:schemeClr val="accent1">
+              <a:shade val="50000"/>
+            </a:schemeClr>
+          </a:lnRef>
+          <a:fillRef idx="1">
+            <a:schemeClr val="accent1"/>
+          </a:fillRef>
+          <a:effectRef idx="0">
+            <a:schemeClr val="accent1"/>
+          </a:effectRef>
+          <a:fontRef idx="minor">
+            <a:schemeClr val="lt1"/>
+          </a:fontRef>
+        </p:style>
+        <p:txBody>
+          <a:bodyPr rtlCol="0" anchor="ctr"/>
+          <a:lstStyle/>
+          <a:p>
+            <a:pPr algn="ctr"/>
+            <a:endParaRPr lang="en-US"/>
+          </a:p>
+        </p:txBody>
+      </p:sp>
       <p:sp>
         <p:nvSpPr>
           <p:cNvPr id="2" name="Title 1">
@@ -10591,14 +14928,21 @@
             <p:ph type="title"/>
           </p:nvPr>
         </p:nvSpPr>
-        <p:spPr/>
+        <p:spPr>
+          <a:xfrm>
+            <a:off x="6456560" y="858983"/>
+            <a:ext cx="4309942" cy="4782027"/>
+          </a:xfrm>
+        </p:spPr>
         <p:txBody>
-          <a:bodyPr/>
+          <a:bodyPr anchor="ctr">
+            <a:normAutofit/>
+          </a:bodyPr>
           <a:lstStyle/>
           <a:p>
             <a:r>
               <a:rPr lang="en-US" dirty="0"/>
-              <a:t>The Allocation – Genetic Algorithms</a:t>
+              <a:t>The Allocation – Genetic Algorithm</a:t>
             </a:r>
             <a:endParaRPr lang="en-GB" dirty="0"/>
           </a:p>
@@ -10620,30 +14964,101 @@
             <p:ph idx="1"/>
           </p:nvPr>
         </p:nvSpPr>
-        <p:spPr/>
+        <p:spPr>
+          <a:xfrm>
+            <a:off x="761802" y="858984"/>
+            <a:ext cx="4661777" cy="4782026"/>
+          </a:xfrm>
+        </p:spPr>
         <p:txBody>
-          <a:bodyPr/>
+          <a:bodyPr anchor="ctr">
+            <a:normAutofit/>
+          </a:bodyPr>
           <a:lstStyle/>
           <a:p>
-            <a:r>
-              <a:rPr lang="en-US" dirty="0"/>
-              <a:t>An alternate approach is to use a Genetic Algorithm based approach.</a:t>
+            <a:pPr marL="342900" indent="-342900">
+              <a:buFont typeface="Courier New" panose="02070309020205020404" pitchFamily="49" charset="0"/>
+              <a:buChar char="o"/>
+            </a:pPr>
+            <a:r>
+              <a:rPr lang="en-US"/>
+              <a:t>Alternative approach using ‘dominating fronts’ and ‘crowding distance’</a:t>
             </a:r>
           </a:p>
           <a:p>
-            <a:r>
-              <a:rPr lang="en-US" dirty="0"/>
-              <a:t>The NGSA-II algorithm published in 2002 gives a fast search methodology based around ranking its populations based on dominating fronts and crowding distances.</a:t>
+            <a:pPr marL="342900" indent="-342900">
+              <a:buFont typeface="Courier New" panose="02070309020205020404" pitchFamily="49" charset="0"/>
+              <a:buChar char="o"/>
+            </a:pPr>
+            <a:r>
+              <a:rPr lang="en-US"/>
+              <a:t>The NGSA-II algorithm is a genetic algorithm using the above approach to search for a set of optimal assignments.</a:t>
             </a:r>
           </a:p>
           <a:p>
-            <a:r>
-              <a:rPr lang="en-GB" dirty="0"/>
-              <a:t>This algorithm is not state of the art anymore with many different improvements being published, but as a baseline it is provenly reliable and showed much room for expansion by slight changes – opening a clear route to performance improvements in future works.</a:t>
+            <a:pPr marL="342900" indent="-342900">
+              <a:buFont typeface="Courier New" panose="02070309020205020404" pitchFamily="49" charset="0"/>
+              <a:buChar char="o"/>
+            </a:pPr>
+            <a:r>
+              <a:rPr lang="en-GB"/>
+              <a:t>Published 2002 – not state of the art but has a proven record and many published improvements that could be implemented in future work where needed.</a:t>
             </a:r>
           </a:p>
         </p:txBody>
       </p:sp>
+      <p:cxnSp>
+        <p:nvCxnSpPr>
+          <p:cNvPr id="14" name="Straight Connector 13">
+            <a:extLst>
+              <a:ext uri="{FF2B5EF4-FFF2-40B4-BE49-F238E27FC236}">
+                <a16:creationId xmlns:a16="http://schemas.microsoft.com/office/drawing/2014/main" id="{E58B1629-F209-47B0-BA59-6BD937DBB08F}"/>
+              </a:ext>
+              <a:ext uri="{C183D7F6-B498-43B3-948B-1728B52AA6E4}">
+                <adec:decorative xmlns:adec="http://schemas.microsoft.com/office/drawing/2017/decorative" val="1"/>
+              </a:ext>
+            </a:extLst>
+          </p:cNvPr>
+          <p:cNvCxnSpPr>
+            <a:cxnSpLocks noGrp="1" noRot="1" noChangeAspect="1" noMove="1" noResize="1" noEditPoints="1" noAdjustHandles="1" noChangeArrowheads="1" noChangeShapeType="1"/>
+          </p:cNvCxnSpPr>
+          <p:nvPr>
+            <p:extLst>
+              <p:ext uri="{386F3935-93C4-4BCD-93E2-E3B085C9AB24}">
+                <p16:designElem xmlns:p16="http://schemas.microsoft.com/office/powerpoint/2015/main" val="1"/>
+              </p:ext>
+            </p:extLst>
+          </p:nvPr>
+        </p:nvCxnSpPr>
+        <p:spPr>
+          <a:xfrm>
+            <a:off x="11668155" y="5641010"/>
+            <a:ext cx="0" cy="599069"/>
+          </a:xfrm>
+          <a:prstGeom prst="line">
+            <a:avLst/>
+          </a:prstGeom>
+          <a:ln w="38100">
+            <a:solidFill>
+              <a:schemeClr val="tx1"/>
+            </a:solidFill>
+          </a:ln>
+        </p:spPr>
+        <p:style>
+          <a:lnRef idx="1">
+            <a:schemeClr val="accent1"/>
+          </a:lnRef>
+          <a:fillRef idx="0">
+            <a:schemeClr val="accent1"/>
+          </a:fillRef>
+          <a:effectRef idx="0">
+            <a:schemeClr val="accent1"/>
+          </a:effectRef>
+          <a:fontRef idx="minor">
+            <a:schemeClr val="tx1"/>
+          </a:fontRef>
+        </p:style>
+      </p:cxnSp>
     </p:spTree>
     <p:extLst>
       <p:ext uri="{BB962C8B-B14F-4D97-AF65-F5344CB8AC3E}">
@@ -10660,6 +15075,14 @@
 <file path=ppt/slides/slide14.xml><?xml version="1.0" encoding="utf-8"?>
 <p:sld xmlns:a="http://schemas.openxmlformats.org/drawingml/2006/main" xmlns:r="http://schemas.openxmlformats.org/officeDocument/2006/relationships" xmlns:p="http://schemas.openxmlformats.org/presentationml/2006/main">
   <p:cSld>
+    <p:bg>
+      <p:bgPr>
+        <a:solidFill>
+          <a:schemeClr val="bg1"/>
+        </a:solidFill>
+        <a:effectLst/>
+      </p:bgPr>
+    </p:bg>
     <p:spTree>
       <p:nvGrpSpPr>
         <p:cNvPr id="1" name=""/>
@@ -10674,6 +15097,66 @@
           <a:chExt cx="0" cy="0"/>
         </a:xfrm>
       </p:grpSpPr>
+      <p:sp useBgFill="1">
+        <p:nvSpPr>
+          <p:cNvPr id="9" name="Slide Background">
+            <a:extLst>
+              <a:ext uri="{FF2B5EF4-FFF2-40B4-BE49-F238E27FC236}">
+                <a16:creationId xmlns:a16="http://schemas.microsoft.com/office/drawing/2014/main" id="{9165109B-7036-4613-93D4-579E77F6EF3C}"/>
+              </a:ext>
+              <a:ext uri="{C183D7F6-B498-43B3-948B-1728B52AA6E4}">
+                <adec:decorative xmlns:adec="http://schemas.microsoft.com/office/drawing/2017/decorative" val="1"/>
+              </a:ext>
+            </a:extLst>
+          </p:cNvPr>
+          <p:cNvSpPr>
+            <a:spLocks noGrp="1" noRot="1" noChangeAspect="1" noMove="1" noResize="1" noEditPoints="1" noAdjustHandles="1" noChangeArrowheads="1" noChangeShapeType="1" noTextEdit="1"/>
+          </p:cNvSpPr>
+          <p:nvPr>
+            <p:extLst>
+              <p:ext uri="{386F3935-93C4-4BCD-93E2-E3B085C9AB24}">
+                <p16:designElem xmlns:p16="http://schemas.microsoft.com/office/powerpoint/2015/main" val="1"/>
+              </p:ext>
+            </p:extLst>
+          </p:nvPr>
+        </p:nvSpPr>
+        <p:spPr>
+          <a:xfrm>
+            <a:off x="0" y="0"/>
+            <a:ext cx="12192000" cy="6858000"/>
+          </a:xfrm>
+          <a:prstGeom prst="rect">
+            <a:avLst/>
+          </a:prstGeom>
+          <a:ln>
+            <a:noFill/>
+          </a:ln>
+        </p:spPr>
+        <p:style>
+          <a:lnRef idx="2">
+            <a:schemeClr val="accent1">
+              <a:shade val="50000"/>
+            </a:schemeClr>
+          </a:lnRef>
+          <a:fillRef idx="1">
+            <a:schemeClr val="accent1"/>
+          </a:fillRef>
+          <a:effectRef idx="0">
+            <a:schemeClr val="accent1"/>
+          </a:effectRef>
+          <a:fontRef idx="minor">
+            <a:schemeClr val="lt1"/>
+          </a:fontRef>
+        </p:style>
+        <p:txBody>
+          <a:bodyPr rtlCol="0" anchor="ctr"/>
+          <a:lstStyle/>
+          <a:p>
+            <a:pPr algn="ctr"/>
+            <a:endParaRPr lang="en-US"/>
+          </a:p>
+        </p:txBody>
+      </p:sp>
       <p:sp>
         <p:nvSpPr>
           <p:cNvPr id="2" name="Title 1">
@@ -10690,9 +15173,16 @@
             <p:ph type="title"/>
           </p:nvPr>
         </p:nvSpPr>
-        <p:spPr/>
+        <p:spPr>
+          <a:xfrm>
+            <a:off x="761802" y="858982"/>
+            <a:ext cx="3451060" cy="5152933"/>
+          </a:xfrm>
+        </p:spPr>
         <p:txBody>
-          <a:bodyPr/>
+          <a:bodyPr>
+            <a:normAutofit/>
+          </a:bodyPr>
           <a:lstStyle/>
           <a:p>
             <a:r>
@@ -10703,46 +15193,156 @@
           </a:p>
         </p:txBody>
       </p:sp>
-      <p:sp>
+      <p:sp useBgFill="1">
         <p:nvSpPr>
-          <p:cNvPr id="3" name="Content Placeholder 2">
+          <p:cNvPr id="11" name="Rectangle 10">
             <a:extLst>
               <a:ext uri="{FF2B5EF4-FFF2-40B4-BE49-F238E27FC236}">
-                <a16:creationId xmlns:a16="http://schemas.microsoft.com/office/drawing/2014/main" id="{7C237B7A-C249-4171-83C8-91C3252B2F2C}"/>
+                <a16:creationId xmlns:a16="http://schemas.microsoft.com/office/drawing/2014/main" id="{43E8FEA2-54EE-4F84-B5DB-A055A7D805EE}"/>
+              </a:ext>
+              <a:ext uri="{C183D7F6-B498-43B3-948B-1728B52AA6E4}">
+                <adec:decorative xmlns:adec="http://schemas.microsoft.com/office/drawing/2017/decorative" val="1"/>
               </a:ext>
             </a:extLst>
           </p:cNvPr>
           <p:cNvSpPr>
-            <a:spLocks noGrp="1"/>
+            <a:spLocks noGrp="1" noRot="1" noChangeAspect="1" noMove="1" noResize="1" noEditPoints="1" noAdjustHandles="1" noChangeArrowheads="1" noChangeShapeType="1" noTextEdit="1"/>
           </p:cNvSpPr>
           <p:nvPr>
-            <p:ph idx="1"/>
+            <p:extLst>
+              <p:ext uri="{386F3935-93C4-4BCD-93E2-E3B085C9AB24}">
+                <p16:designElem xmlns:p16="http://schemas.microsoft.com/office/powerpoint/2015/main" val="1"/>
+              </p:ext>
+            </p:extLst>
           </p:nvPr>
         </p:nvSpPr>
-        <p:spPr/>
+        <p:spPr>
+          <a:xfrm>
+            <a:off x="4736707" y="0"/>
+            <a:ext cx="7455294" cy="6858000"/>
+          </a:xfrm>
+          <a:prstGeom prst="rect">
+            <a:avLst/>
+          </a:prstGeom>
+          <a:ln>
+            <a:noFill/>
+          </a:ln>
+          <a:effectLst>
+            <a:outerShdw blurRad="660400" dist="279400" dir="7980000" sx="92000" sy="92000" algn="t" rotWithShape="0">
+              <a:srgbClr val="000000">
+                <a:alpha val="30000"/>
+              </a:srgbClr>
+            </a:outerShdw>
+          </a:effectLst>
+        </p:spPr>
+        <p:style>
+          <a:lnRef idx="2">
+            <a:schemeClr val="accent1">
+              <a:shade val="50000"/>
+            </a:schemeClr>
+          </a:lnRef>
+          <a:fillRef idx="1">
+            <a:schemeClr val="accent1"/>
+          </a:fillRef>
+          <a:effectRef idx="0">
+            <a:schemeClr val="accent1"/>
+          </a:effectRef>
+          <a:fontRef idx="minor">
+            <a:schemeClr val="lt1"/>
+          </a:fontRef>
+        </p:style>
         <p:txBody>
-          <a:bodyPr/>
+          <a:bodyPr rtlCol="0" anchor="ctr"/>
           <a:lstStyle/>
           <a:p>
-            <a:r>
-              <a:rPr lang="en-US" dirty="0"/>
-              <a:t>There are some trade-offs to make with this approach, namely search time.</a:t>
-            </a:r>
-          </a:p>
-          <a:p>
-            <a:r>
-              <a:rPr lang="en-US" dirty="0"/>
-              <a:t>The time taken to iterate through a 100 generations of a population can be time consuming, but you also need to consider a range of initial random starts as that will impact the search space.</a:t>
-            </a:r>
-          </a:p>
-          <a:p>
-            <a:r>
-              <a:rPr lang="en-US" dirty="0"/>
-              <a:t>Considering this time cost, we do not think this is too much of a price to pay in this context as in most cases this will be ran fully to obtain recommendation irregularly.</a:t>
-            </a:r>
+            <a:pPr algn="ctr"/>
+            <a:endParaRPr lang="en-US"/>
           </a:p>
         </p:txBody>
       </p:sp>
+      <p:cxnSp>
+        <p:nvCxnSpPr>
+          <p:cNvPr id="13" name="Straight Connector 12">
+            <a:extLst>
+              <a:ext uri="{FF2B5EF4-FFF2-40B4-BE49-F238E27FC236}">
+                <a16:creationId xmlns:a16="http://schemas.microsoft.com/office/drawing/2014/main" id="{E58B1629-F209-47B0-BA59-6BD937DBB08F}"/>
+              </a:ext>
+              <a:ext uri="{C183D7F6-B498-43B3-948B-1728B52AA6E4}">
+                <adec:decorative xmlns:adec="http://schemas.microsoft.com/office/drawing/2017/decorative" val="1"/>
+              </a:ext>
+            </a:extLst>
+          </p:cNvPr>
+          <p:cNvCxnSpPr>
+            <a:cxnSpLocks noGrp="1" noRot="1" noChangeAspect="1" noMove="1" noResize="1" noEditPoints="1" noAdjustHandles="1" noChangeArrowheads="1" noChangeShapeType="1"/>
+          </p:cNvCxnSpPr>
+          <p:nvPr>
+            <p:extLst>
+              <p:ext uri="{386F3935-93C4-4BCD-93E2-E3B085C9AB24}">
+                <p16:designElem xmlns:p16="http://schemas.microsoft.com/office/powerpoint/2015/main" val="1"/>
+              </p:ext>
+            </p:extLst>
+          </p:nvPr>
+        </p:nvCxnSpPr>
+        <p:spPr>
+          <a:xfrm>
+            <a:off x="11668155" y="5641010"/>
+            <a:ext cx="0" cy="599069"/>
+          </a:xfrm>
+          <a:prstGeom prst="line">
+            <a:avLst/>
+          </a:prstGeom>
+          <a:ln w="38100">
+            <a:solidFill>
+              <a:schemeClr val="tx1"/>
+            </a:solidFill>
+          </a:ln>
+        </p:spPr>
+        <p:style>
+          <a:lnRef idx="1">
+            <a:schemeClr val="accent1"/>
+          </a:lnRef>
+          <a:fillRef idx="0">
+            <a:schemeClr val="accent1"/>
+          </a:fillRef>
+          <a:effectRef idx="0">
+            <a:schemeClr val="accent1"/>
+          </a:effectRef>
+          <a:fontRef idx="minor">
+            <a:schemeClr val="tx1"/>
+          </a:fontRef>
+        </p:style>
+      </p:cxnSp>
+      <p:graphicFrame>
+        <p:nvGraphicFramePr>
+          <p:cNvPr id="5" name="Content Placeholder 2">
+            <a:extLst>
+              <a:ext uri="{FF2B5EF4-FFF2-40B4-BE49-F238E27FC236}">
+                <a16:creationId xmlns:a16="http://schemas.microsoft.com/office/drawing/2014/main" id="{9D729C7A-BECA-4D34-AB80-61A0A42708E7}"/>
+              </a:ext>
+            </a:extLst>
+          </p:cNvPr>
+          <p:cNvGraphicFramePr>
+            <a:graphicFrameLocks noGrp="1"/>
+          </p:cNvGraphicFramePr>
+          <p:nvPr>
+            <p:ph idx="1"/>
+            <p:extLst>
+              <p:ext uri="{D42A27DB-BD31-4B8C-83A1-F6EECF244321}">
+                <p14:modId xmlns:p14="http://schemas.microsoft.com/office/powerpoint/2010/main" val="1321181217"/>
+              </p:ext>
+            </p:extLst>
+          </p:nvPr>
+        </p:nvGraphicFramePr>
+        <p:xfrm>
+          <a:off x="5088860" y="601324"/>
+          <a:ext cx="6055450" cy="5638755"/>
+        </p:xfrm>
+        <a:graphic>
+          <a:graphicData uri="http://schemas.openxmlformats.org/drawingml/2006/diagram">
+            <dgm:relIds xmlns:dgm="http://schemas.openxmlformats.org/drawingml/2006/diagram" xmlns:r="http://schemas.openxmlformats.org/officeDocument/2006/relationships" r:dm="rId2" r:lo="rId3" r:qs="rId4" r:cs="rId5"/>
+          </a:graphicData>
+        </a:graphic>
+      </p:graphicFrame>
     </p:spTree>
     <p:extLst>
       <p:ext uri="{BB962C8B-B14F-4D97-AF65-F5344CB8AC3E}">
@@ -11076,41 +15676,6 @@
           </a:p>
         </p:txBody>
       </p:sp>
-      <p:pic>
-        <p:nvPicPr>
-          <p:cNvPr id="5" name="Picture 4" descr="Chart, scatter chart&#10;&#10;Description automatically generated">
-            <a:extLst>
-              <a:ext uri="{FF2B5EF4-FFF2-40B4-BE49-F238E27FC236}">
-                <a16:creationId xmlns:a16="http://schemas.microsoft.com/office/drawing/2014/main" id="{1C9D417B-61BE-478F-9106-C5565A29A9D1}"/>
-              </a:ext>
-            </a:extLst>
-          </p:cNvPr>
-          <p:cNvPicPr>
-            <a:picLocks noChangeAspect="1"/>
-          </p:cNvPicPr>
-          <p:nvPr/>
-        </p:nvPicPr>
-        <p:blipFill rotWithShape="1">
-          <a:blip r:embed="rId2">
-            <a:extLst>
-              <a:ext uri="{28A0092B-C50C-407E-A947-70E740481C1C}">
-                <a14:useLocalDpi xmlns:a14="http://schemas.microsoft.com/office/drawing/2010/main" val="0"/>
-              </a:ext>
-            </a:extLst>
-          </a:blip>
-          <a:srcRect l="140" b="2"/>
-          <a:stretch/>
-        </p:blipFill>
-        <p:spPr>
-          <a:xfrm>
-            <a:off x="123054" y="2705101"/>
-            <a:ext cx="7435457" cy="3909116"/>
-          </a:xfrm>
-          <a:prstGeom prst="rect">
-            <a:avLst/>
-          </a:prstGeom>
-        </p:spPr>
-      </p:pic>
       <p:sp>
         <p:nvSpPr>
           <p:cNvPr id="3" name="Content Placeholder 2">
@@ -11129,63 +15694,53 @@
         </p:nvSpPr>
         <p:spPr>
           <a:xfrm>
-            <a:off x="7493270" y="973069"/>
-            <a:ext cx="4575676" cy="2425530"/>
+            <a:off x="4967785" y="619277"/>
+            <a:ext cx="4753746" cy="2731247"/>
           </a:xfrm>
         </p:spPr>
         <p:txBody>
           <a:bodyPr anchor="b">
-            <a:normAutofit/>
+            <a:normAutofit fontScale="92500" lnSpcReduction="20000"/>
           </a:bodyPr>
           <a:lstStyle/>
           <a:p>
-            <a:pPr>
+            <a:pPr marL="342900" indent="-342900">
               <a:lnSpc>
                 <a:spcPct val="100000"/>
               </a:lnSpc>
+              <a:buFont typeface="Courier New" panose="02070309020205020404" pitchFamily="49" charset="0"/>
+              <a:buChar char="o"/>
             </a:pPr>
             <a:r>
-              <a:rPr lang="en-US" sz="1400" dirty="0"/>
-              <a:t>When testing with a range of initial seeds, we see the algorithm trend towards a higher mean every generation, but usually caps around the 30% load factor.</a:t>
+              <a:rPr lang="en-GB" sz="2400" dirty="0"/>
+              <a:t>By saving a history of the evolution process can see how generations improve.</a:t>
             </a:r>
           </a:p>
           <a:p>
-            <a:pPr>
+            <a:pPr marL="342900" indent="-342900">
               <a:lnSpc>
                 <a:spcPct val="100000"/>
               </a:lnSpc>
+              <a:buFont typeface="Courier New" panose="02070309020205020404" pitchFamily="49" charset="0"/>
+              <a:buChar char="o"/>
             </a:pPr>
             <a:r>
-              <a:rPr lang="en-US" sz="1400" dirty="0"/>
-              <a:t>This is already theoretically an improvement over the average across the UK currently.</a:t>
+              <a:rPr lang="en-GB" sz="2400" dirty="0"/>
+              <a:t>Looking at the mean value over time, we see it generally trends up</a:t>
             </a:r>
           </a:p>
           <a:p>
-            <a:pPr>
+            <a:pPr marL="342900" indent="-342900">
               <a:lnSpc>
                 <a:spcPct val="100000"/>
               </a:lnSpc>
+              <a:buFont typeface="Courier New" panose="02070309020205020404" pitchFamily="49" charset="0"/>
+              <a:buChar char="o"/>
             </a:pPr>
             <a:r>
-              <a:rPr lang="en-US" sz="1400" dirty="0"/>
-              <a:t>However, this value shouldn’t be taken at face value. Throughout the chain of operations, we can find small errors that will likely add to an inaccuracy of this result.</a:t>
-            </a:r>
-          </a:p>
-          <a:p>
-            <a:pPr>
-              <a:lnSpc>
-                <a:spcPct val="100000"/>
-              </a:lnSpc>
-            </a:pPr>
-            <a:endParaRPr lang="en-US" sz="1400" dirty="0"/>
-          </a:p>
-          <a:p>
-            <a:pPr>
-              <a:lnSpc>
-                <a:spcPct val="100000"/>
-              </a:lnSpc>
-            </a:pPr>
-            <a:endParaRPr lang="en-GB" sz="1400" dirty="0"/>
+              <a:rPr lang="en-GB" sz="2400" dirty="0"/>
+              <a:t>However some dips illustrate that the algorithm doesn’t prioritise any particular objective.</a:t>
+            </a:r>
           </a:p>
         </p:txBody>
       </p:sp>
@@ -11257,6 +15812,14 @@
 <file path=ppt/slides/slide16.xml><?xml version="1.0" encoding="utf-8"?>
 <p:sld xmlns:a="http://schemas.openxmlformats.org/drawingml/2006/main" xmlns:r="http://schemas.openxmlformats.org/officeDocument/2006/relationships" xmlns:p="http://schemas.openxmlformats.org/presentationml/2006/main">
   <p:cSld>
+    <p:bg>
+      <p:bgPr>
+        <a:solidFill>
+          <a:schemeClr val="bg1"/>
+        </a:solidFill>
+        <a:effectLst/>
+      </p:bgPr>
+    </p:bg>
     <p:spTree>
       <p:nvGrpSpPr>
         <p:cNvPr id="1" name=""/>
@@ -11271,6 +15834,459 @@
           <a:chExt cx="0" cy="0"/>
         </a:xfrm>
       </p:grpSpPr>
+      <p:sp useBgFill="1">
+        <p:nvSpPr>
+          <p:cNvPr id="34" name="Slide Background">
+            <a:extLst>
+              <a:ext uri="{FF2B5EF4-FFF2-40B4-BE49-F238E27FC236}">
+                <a16:creationId xmlns:a16="http://schemas.microsoft.com/office/drawing/2014/main" id="{4FB7B5F4-E689-4ADE-880B-3E310AE762BB}"/>
+              </a:ext>
+              <a:ext uri="{C183D7F6-B498-43B3-948B-1728B52AA6E4}">
+                <adec:decorative xmlns:adec="http://schemas.microsoft.com/office/drawing/2017/decorative" val="1"/>
+              </a:ext>
+            </a:extLst>
+          </p:cNvPr>
+          <p:cNvSpPr>
+            <a:spLocks noGrp="1" noRot="1" noChangeAspect="1" noMove="1" noResize="1" noEditPoints="1" noAdjustHandles="1" noChangeArrowheads="1" noChangeShapeType="1" noTextEdit="1"/>
+          </p:cNvSpPr>
+          <p:nvPr>
+            <p:extLst>
+              <p:ext uri="{386F3935-93C4-4BCD-93E2-E3B085C9AB24}">
+                <p16:designElem xmlns:p16="http://schemas.microsoft.com/office/powerpoint/2015/main" val="1"/>
+              </p:ext>
+            </p:extLst>
+          </p:nvPr>
+        </p:nvSpPr>
+        <p:spPr bwMode="white">
+          <a:xfrm>
+            <a:off x="-1" y="0"/>
+            <a:ext cx="12191999" cy="6858000"/>
+          </a:xfrm>
+          <a:prstGeom prst="rect">
+            <a:avLst/>
+          </a:prstGeom>
+          <a:ln>
+            <a:noFill/>
+          </a:ln>
+        </p:spPr>
+        <p:style>
+          <a:lnRef idx="2">
+            <a:schemeClr val="accent1">
+              <a:shade val="50000"/>
+            </a:schemeClr>
+          </a:lnRef>
+          <a:fillRef idx="1">
+            <a:schemeClr val="accent1"/>
+          </a:fillRef>
+          <a:effectRef idx="0">
+            <a:schemeClr val="accent1"/>
+          </a:effectRef>
+          <a:fontRef idx="minor">
+            <a:schemeClr val="lt1"/>
+          </a:fontRef>
+        </p:style>
+        <p:txBody>
+          <a:bodyPr rtlCol="0" anchor="ctr"/>
+          <a:lstStyle>
+            <a:defPPr>
+              <a:defRPr lang="en-US"/>
+            </a:defPPr>
+            <a:lvl1pPr marL="0" algn="l" defTabSz="914400" rtl="0" eaLnBrk="1" latinLnBrk="0" hangingPunct="1">
+              <a:defRPr sz="1800" kern="1200">
+                <a:solidFill>
+                  <a:schemeClr val="lt1"/>
+                </a:solidFill>
+                <a:latin typeface="+mn-lt"/>
+                <a:ea typeface="+mn-ea"/>
+                <a:cs typeface="+mn-cs"/>
+              </a:defRPr>
+            </a:lvl1pPr>
+            <a:lvl2pPr marL="457200" algn="l" defTabSz="914400" rtl="0" eaLnBrk="1" latinLnBrk="0" hangingPunct="1">
+              <a:defRPr sz="1800" kern="1200">
+                <a:solidFill>
+                  <a:schemeClr val="lt1"/>
+                </a:solidFill>
+                <a:latin typeface="+mn-lt"/>
+                <a:ea typeface="+mn-ea"/>
+                <a:cs typeface="+mn-cs"/>
+              </a:defRPr>
+            </a:lvl2pPr>
+            <a:lvl3pPr marL="914400" algn="l" defTabSz="914400" rtl="0" eaLnBrk="1" latinLnBrk="0" hangingPunct="1">
+              <a:defRPr sz="1800" kern="1200">
+                <a:solidFill>
+                  <a:schemeClr val="lt1"/>
+                </a:solidFill>
+                <a:latin typeface="+mn-lt"/>
+                <a:ea typeface="+mn-ea"/>
+                <a:cs typeface="+mn-cs"/>
+              </a:defRPr>
+            </a:lvl3pPr>
+            <a:lvl4pPr marL="1371600" algn="l" defTabSz="914400" rtl="0" eaLnBrk="1" latinLnBrk="0" hangingPunct="1">
+              <a:defRPr sz="1800" kern="1200">
+                <a:solidFill>
+                  <a:schemeClr val="lt1"/>
+                </a:solidFill>
+                <a:latin typeface="+mn-lt"/>
+                <a:ea typeface="+mn-ea"/>
+                <a:cs typeface="+mn-cs"/>
+              </a:defRPr>
+            </a:lvl4pPr>
+            <a:lvl5pPr marL="1828800" algn="l" defTabSz="914400" rtl="0" eaLnBrk="1" latinLnBrk="0" hangingPunct="1">
+              <a:defRPr sz="1800" kern="1200">
+                <a:solidFill>
+                  <a:schemeClr val="lt1"/>
+                </a:solidFill>
+                <a:latin typeface="+mn-lt"/>
+                <a:ea typeface="+mn-ea"/>
+                <a:cs typeface="+mn-cs"/>
+              </a:defRPr>
+            </a:lvl5pPr>
+            <a:lvl6pPr marL="2286000" algn="l" defTabSz="914400" rtl="0" eaLnBrk="1" latinLnBrk="0" hangingPunct="1">
+              <a:defRPr sz="1800" kern="1200">
+                <a:solidFill>
+                  <a:schemeClr val="lt1"/>
+                </a:solidFill>
+                <a:latin typeface="+mn-lt"/>
+                <a:ea typeface="+mn-ea"/>
+                <a:cs typeface="+mn-cs"/>
+              </a:defRPr>
+            </a:lvl6pPr>
+            <a:lvl7pPr marL="2743200" algn="l" defTabSz="914400" rtl="0" eaLnBrk="1" latinLnBrk="0" hangingPunct="1">
+              <a:defRPr sz="1800" kern="1200">
+                <a:solidFill>
+                  <a:schemeClr val="lt1"/>
+                </a:solidFill>
+                <a:latin typeface="+mn-lt"/>
+                <a:ea typeface="+mn-ea"/>
+                <a:cs typeface="+mn-cs"/>
+              </a:defRPr>
+            </a:lvl7pPr>
+            <a:lvl8pPr marL="3200400" algn="l" defTabSz="914400" rtl="0" eaLnBrk="1" latinLnBrk="0" hangingPunct="1">
+              <a:defRPr sz="1800" kern="1200">
+                <a:solidFill>
+                  <a:schemeClr val="lt1"/>
+                </a:solidFill>
+                <a:latin typeface="+mn-lt"/>
+                <a:ea typeface="+mn-ea"/>
+                <a:cs typeface="+mn-cs"/>
+              </a:defRPr>
+            </a:lvl8pPr>
+            <a:lvl9pPr marL="3657600" algn="l" defTabSz="914400" rtl="0" eaLnBrk="1" latinLnBrk="0" hangingPunct="1">
+              <a:defRPr sz="1800" kern="1200">
+                <a:solidFill>
+                  <a:schemeClr val="lt1"/>
+                </a:solidFill>
+                <a:latin typeface="+mn-lt"/>
+                <a:ea typeface="+mn-ea"/>
+                <a:cs typeface="+mn-cs"/>
+              </a:defRPr>
+            </a:lvl9pPr>
+          </a:lstStyle>
+          <a:p>
+            <a:pPr algn="ctr"/>
+            <a:endParaRPr lang="en-US"/>
+          </a:p>
+        </p:txBody>
+      </p:sp>
+      <p:sp>
+        <p:nvSpPr>
+          <p:cNvPr id="36" name="tint">
+            <a:extLst>
+              <a:ext uri="{FF2B5EF4-FFF2-40B4-BE49-F238E27FC236}">
+                <a16:creationId xmlns:a16="http://schemas.microsoft.com/office/drawing/2014/main" id="{CE25830B-2829-4983-9DD8-DE9692B38D92}"/>
+              </a:ext>
+              <a:ext uri="{C183D7F6-B498-43B3-948B-1728B52AA6E4}">
+                <adec:decorative xmlns:adec="http://schemas.microsoft.com/office/drawing/2017/decorative" val="1"/>
+              </a:ext>
+            </a:extLst>
+          </p:cNvPr>
+          <p:cNvSpPr>
+            <a:spLocks noGrp="1" noRot="1" noChangeAspect="1" noMove="1" noResize="1" noEditPoints="1" noAdjustHandles="1" noChangeArrowheads="1" noChangeShapeType="1" noTextEdit="1"/>
+          </p:cNvSpPr>
+          <p:nvPr>
+            <p:extLst>
+              <p:ext uri="{386F3935-93C4-4BCD-93E2-E3B085C9AB24}">
+                <p16:designElem xmlns:p16="http://schemas.microsoft.com/office/powerpoint/2015/main" val="1"/>
+              </p:ext>
+            </p:extLst>
+          </p:nvPr>
+        </p:nvSpPr>
+        <p:spPr>
+          <a:xfrm>
+            <a:off x="1" y="0"/>
+            <a:ext cx="12191999" cy="6858000"/>
+          </a:xfrm>
+          <a:prstGeom prst="rect">
+            <a:avLst/>
+          </a:prstGeom>
+          <a:solidFill>
+            <a:schemeClr val="bg2">
+              <a:alpha val="40000"/>
+            </a:schemeClr>
+          </a:solidFill>
+          <a:ln>
+            <a:noFill/>
+          </a:ln>
+          <a:effectLst/>
+        </p:spPr>
+        <p:style>
+          <a:lnRef idx="2">
+            <a:schemeClr val="accent1">
+              <a:shade val="50000"/>
+            </a:schemeClr>
+          </a:lnRef>
+          <a:fillRef idx="1">
+            <a:schemeClr val="accent1"/>
+          </a:fillRef>
+          <a:effectRef idx="0">
+            <a:schemeClr val="accent1"/>
+          </a:effectRef>
+          <a:fontRef idx="minor">
+            <a:schemeClr val="lt1"/>
+          </a:fontRef>
+        </p:style>
+        <p:txBody>
+          <a:bodyPr rtlCol="0" anchor="ctr"/>
+          <a:lstStyle>
+            <a:defPPr>
+              <a:defRPr lang="en-US"/>
+            </a:defPPr>
+            <a:lvl1pPr marL="0" algn="l" defTabSz="914400" rtl="0" eaLnBrk="1" latinLnBrk="0" hangingPunct="1">
+              <a:defRPr sz="1800" kern="1200">
+                <a:solidFill>
+                  <a:schemeClr val="lt1"/>
+                </a:solidFill>
+                <a:latin typeface="+mn-lt"/>
+                <a:ea typeface="+mn-ea"/>
+                <a:cs typeface="+mn-cs"/>
+              </a:defRPr>
+            </a:lvl1pPr>
+            <a:lvl2pPr marL="457200" algn="l" defTabSz="914400" rtl="0" eaLnBrk="1" latinLnBrk="0" hangingPunct="1">
+              <a:defRPr sz="1800" kern="1200">
+                <a:solidFill>
+                  <a:schemeClr val="lt1"/>
+                </a:solidFill>
+                <a:latin typeface="+mn-lt"/>
+                <a:ea typeface="+mn-ea"/>
+                <a:cs typeface="+mn-cs"/>
+              </a:defRPr>
+            </a:lvl2pPr>
+            <a:lvl3pPr marL="914400" algn="l" defTabSz="914400" rtl="0" eaLnBrk="1" latinLnBrk="0" hangingPunct="1">
+              <a:defRPr sz="1800" kern="1200">
+                <a:solidFill>
+                  <a:schemeClr val="lt1"/>
+                </a:solidFill>
+                <a:latin typeface="+mn-lt"/>
+                <a:ea typeface="+mn-ea"/>
+                <a:cs typeface="+mn-cs"/>
+              </a:defRPr>
+            </a:lvl3pPr>
+            <a:lvl4pPr marL="1371600" algn="l" defTabSz="914400" rtl="0" eaLnBrk="1" latinLnBrk="0" hangingPunct="1">
+              <a:defRPr sz="1800" kern="1200">
+                <a:solidFill>
+                  <a:schemeClr val="lt1"/>
+                </a:solidFill>
+                <a:latin typeface="+mn-lt"/>
+                <a:ea typeface="+mn-ea"/>
+                <a:cs typeface="+mn-cs"/>
+              </a:defRPr>
+            </a:lvl4pPr>
+            <a:lvl5pPr marL="1828800" algn="l" defTabSz="914400" rtl="0" eaLnBrk="1" latinLnBrk="0" hangingPunct="1">
+              <a:defRPr sz="1800" kern="1200">
+                <a:solidFill>
+                  <a:schemeClr val="lt1"/>
+                </a:solidFill>
+                <a:latin typeface="+mn-lt"/>
+                <a:ea typeface="+mn-ea"/>
+                <a:cs typeface="+mn-cs"/>
+              </a:defRPr>
+            </a:lvl5pPr>
+            <a:lvl6pPr marL="2286000" algn="l" defTabSz="914400" rtl="0" eaLnBrk="1" latinLnBrk="0" hangingPunct="1">
+              <a:defRPr sz="1800" kern="1200">
+                <a:solidFill>
+                  <a:schemeClr val="lt1"/>
+                </a:solidFill>
+                <a:latin typeface="+mn-lt"/>
+                <a:ea typeface="+mn-ea"/>
+                <a:cs typeface="+mn-cs"/>
+              </a:defRPr>
+            </a:lvl6pPr>
+            <a:lvl7pPr marL="2743200" algn="l" defTabSz="914400" rtl="0" eaLnBrk="1" latinLnBrk="0" hangingPunct="1">
+              <a:defRPr sz="1800" kern="1200">
+                <a:solidFill>
+                  <a:schemeClr val="lt1"/>
+                </a:solidFill>
+                <a:latin typeface="+mn-lt"/>
+                <a:ea typeface="+mn-ea"/>
+                <a:cs typeface="+mn-cs"/>
+              </a:defRPr>
+            </a:lvl7pPr>
+            <a:lvl8pPr marL="3200400" algn="l" defTabSz="914400" rtl="0" eaLnBrk="1" latinLnBrk="0" hangingPunct="1">
+              <a:defRPr sz="1800" kern="1200">
+                <a:solidFill>
+                  <a:schemeClr val="lt1"/>
+                </a:solidFill>
+                <a:latin typeface="+mn-lt"/>
+                <a:ea typeface="+mn-ea"/>
+                <a:cs typeface="+mn-cs"/>
+              </a:defRPr>
+            </a:lvl8pPr>
+            <a:lvl9pPr marL="3657600" algn="l" defTabSz="914400" rtl="0" eaLnBrk="1" latinLnBrk="0" hangingPunct="1">
+              <a:defRPr sz="1800" kern="1200">
+                <a:solidFill>
+                  <a:schemeClr val="lt1"/>
+                </a:solidFill>
+                <a:latin typeface="+mn-lt"/>
+                <a:ea typeface="+mn-ea"/>
+                <a:cs typeface="+mn-cs"/>
+              </a:defRPr>
+            </a:lvl9pPr>
+          </a:lstStyle>
+          <a:p>
+            <a:pPr algn="ctr"/>
+            <a:endParaRPr lang="en-US" dirty="0"/>
+          </a:p>
+        </p:txBody>
+      </p:sp>
+      <p:pic>
+        <p:nvPicPr>
+          <p:cNvPr id="29" name="Picture 28" descr="Map&#10;&#10;Description automatically generated">
+            <a:extLst>
+              <a:ext uri="{FF2B5EF4-FFF2-40B4-BE49-F238E27FC236}">
+                <a16:creationId xmlns:a16="http://schemas.microsoft.com/office/drawing/2014/main" id="{B25E3DDA-8F41-4CA1-A1DC-49A5B0173EB4}"/>
+              </a:ext>
+            </a:extLst>
+          </p:cNvPr>
+          <p:cNvPicPr>
+            <a:picLocks noChangeAspect="1"/>
+          </p:cNvPicPr>
+          <p:nvPr/>
+        </p:nvPicPr>
+        <p:blipFill>
+          <a:blip r:embed="rId2">
+            <a:extLst>
+              <a:ext uri="{28A0092B-C50C-407E-A947-70E740481C1C}">
+                <a14:useLocalDpi xmlns:a14="http://schemas.microsoft.com/office/drawing/2010/main" val="0"/>
+              </a:ext>
+            </a:extLst>
+          </a:blip>
+          <a:stretch>
+            <a:fillRect/>
+          </a:stretch>
+        </p:blipFill>
+        <p:spPr>
+          <a:xfrm>
+            <a:off x="898006" y="739638"/>
+            <a:ext cx="4049525" cy="2632192"/>
+          </a:xfrm>
+          <a:prstGeom prst="rect">
+            <a:avLst/>
+          </a:prstGeom>
+        </p:spPr>
+      </p:pic>
+      <p:pic>
+        <p:nvPicPr>
+          <p:cNvPr id="27" name="Picture 26" descr="Map&#10;&#10;Description automatically generated">
+            <a:extLst>
+              <a:ext uri="{FF2B5EF4-FFF2-40B4-BE49-F238E27FC236}">
+                <a16:creationId xmlns:a16="http://schemas.microsoft.com/office/drawing/2014/main" id="{DCBC80EB-19C5-4829-AD22-25A959599DA9}"/>
+              </a:ext>
+            </a:extLst>
+          </p:cNvPr>
+          <p:cNvPicPr>
+            <a:picLocks noChangeAspect="1"/>
+          </p:cNvPicPr>
+          <p:nvPr/>
+        </p:nvPicPr>
+        <p:blipFill>
+          <a:blip r:embed="rId3">
+            <a:extLst>
+              <a:ext uri="{28A0092B-C50C-407E-A947-70E740481C1C}">
+                <a14:useLocalDpi xmlns:a14="http://schemas.microsoft.com/office/drawing/2010/main" val="0"/>
+              </a:ext>
+            </a:extLst>
+          </a:blip>
+          <a:stretch>
+            <a:fillRect/>
+          </a:stretch>
+        </p:blipFill>
+        <p:spPr>
+          <a:xfrm>
+            <a:off x="898006" y="3469572"/>
+            <a:ext cx="4049525" cy="2632192"/>
+          </a:xfrm>
+          <a:prstGeom prst="rect">
+            <a:avLst/>
+          </a:prstGeom>
+        </p:spPr>
+      </p:pic>
+      <p:sp useBgFill="1">
+        <p:nvSpPr>
+          <p:cNvPr id="38" name="Rectangle 37">
+            <a:extLst>
+              <a:ext uri="{FF2B5EF4-FFF2-40B4-BE49-F238E27FC236}">
+                <a16:creationId xmlns:a16="http://schemas.microsoft.com/office/drawing/2014/main" id="{43E8FEA2-54EE-4F84-B5DB-A055A7D805EE}"/>
+              </a:ext>
+              <a:ext uri="{C183D7F6-B498-43B3-948B-1728B52AA6E4}">
+                <adec:decorative xmlns:adec="http://schemas.microsoft.com/office/drawing/2017/decorative" val="1"/>
+              </a:ext>
+            </a:extLst>
+          </p:cNvPr>
+          <p:cNvSpPr>
+            <a:spLocks noGrp="1" noRot="1" noChangeAspect="1" noMove="1" noResize="1" noEditPoints="1" noAdjustHandles="1" noChangeArrowheads="1" noChangeShapeType="1" noTextEdit="1"/>
+          </p:cNvSpPr>
+          <p:nvPr>
+            <p:extLst>
+              <p:ext uri="{386F3935-93C4-4BCD-93E2-E3B085C9AB24}">
+                <p16:designElem xmlns:p16="http://schemas.microsoft.com/office/powerpoint/2015/main" val="1"/>
+              </p:ext>
+            </p:extLst>
+          </p:nvPr>
+        </p:nvSpPr>
+        <p:spPr>
+          <a:xfrm>
+            <a:off x="5719259" y="0"/>
+            <a:ext cx="6472741" cy="6858000"/>
+          </a:xfrm>
+          <a:prstGeom prst="rect">
+            <a:avLst/>
+          </a:prstGeom>
+          <a:ln>
+            <a:noFill/>
+          </a:ln>
+          <a:effectLst>
+            <a:outerShdw blurRad="317500" dist="254000" dir="8580000" sx="90000" sy="90000" algn="t" rotWithShape="0">
+              <a:srgbClr val="000000">
+                <a:alpha val="30000"/>
+              </a:srgbClr>
+            </a:outerShdw>
+          </a:effectLst>
+        </p:spPr>
+        <p:style>
+          <a:lnRef idx="2">
+            <a:schemeClr val="accent1">
+              <a:shade val="50000"/>
+            </a:schemeClr>
+          </a:lnRef>
+          <a:fillRef idx="1">
+            <a:schemeClr val="accent1"/>
+          </a:fillRef>
+          <a:effectRef idx="0">
+            <a:schemeClr val="accent1"/>
+          </a:effectRef>
+          <a:fontRef idx="minor">
+            <a:schemeClr val="lt1"/>
+          </a:fontRef>
+        </p:style>
+        <p:txBody>
+          <a:bodyPr rtlCol="0" anchor="ctr"/>
+          <a:lstStyle/>
+          <a:p>
+            <a:pPr algn="ctr"/>
+            <a:endParaRPr lang="en-US"/>
+          </a:p>
+        </p:txBody>
+      </p:sp>
       <p:sp>
         <p:nvSpPr>
           <p:cNvPr id="2" name="Title 1">
@@ -11287,16 +16303,23 @@
             <p:ph type="title"/>
           </p:nvPr>
         </p:nvSpPr>
-        <p:spPr/>
+        <p:spPr>
+          <a:xfrm>
+            <a:off x="6257178" y="858983"/>
+            <a:ext cx="4429020" cy="2021378"/>
+          </a:xfrm>
+        </p:spPr>
         <p:txBody>
-          <a:bodyPr/>
+          <a:bodyPr>
+            <a:normAutofit/>
+          </a:bodyPr>
           <a:lstStyle/>
           <a:p>
             <a:r>
-              <a:rPr lang="en-US" dirty="0"/>
+              <a:rPr lang="en-US" sz="4800" dirty="0"/>
               <a:t>“The Efficient Allocation”</a:t>
             </a:r>
-            <a:endParaRPr lang="en-GB" dirty="0"/>
+            <a:endParaRPr lang="en-GB" sz="4800" dirty="0"/>
           </a:p>
         </p:txBody>
       </p:sp>
@@ -11318,109 +16341,121 @@
         </p:nvSpPr>
         <p:spPr>
           <a:xfrm>
-            <a:off x="724566" y="2872046"/>
-            <a:ext cx="5227521" cy="3261789"/>
+            <a:off x="6257177" y="2770496"/>
+            <a:ext cx="5036815" cy="3469583"/>
           </a:xfrm>
         </p:spPr>
         <p:txBody>
-          <a:bodyPr>
-            <a:normAutofit fontScale="92500"/>
+          <a:bodyPr anchor="ctr">
+            <a:normAutofit/>
           </a:bodyPr>
           <a:lstStyle/>
           <a:p>
-            <a:r>
-              <a:rPr lang="en-US" dirty="0"/>
-              <a:t>Under the preconditions of our 56 locations being eligible candidates and a proposed budget to allocate a maximum of 50 new turbines across these locations we are returned the following distributions.</a:t>
+            <a:pPr marL="285750" indent="-285750">
+              <a:lnSpc>
+                <a:spcPct val="100000"/>
+              </a:lnSpc>
+              <a:buFont typeface="Courier New" panose="02070309020205020404" pitchFamily="49" charset="0"/>
+              <a:buChar char="o"/>
+            </a:pPr>
+            <a:r>
+              <a:rPr lang="en-GB" sz="2000" dirty="0"/>
+              <a:t>After running a range of seeds we can examine performance and pick the “best”</a:t>
             </a:r>
           </a:p>
           <a:p>
-            <a:r>
-              <a:rPr lang="en-GB" dirty="0"/>
-              <a:t>We can see that the allocations are very sparce with a few locations being allocated a small number of turbines while most get none.</a:t>
+            <a:pPr marL="285750" indent="-285750">
+              <a:lnSpc>
+                <a:spcPct val="100000"/>
+              </a:lnSpc>
+              <a:buFont typeface="Courier New" panose="02070309020205020404" pitchFamily="49" charset="0"/>
+              <a:buChar char="o"/>
+            </a:pPr>
+            <a:r>
+              <a:rPr lang="en-GB" sz="2000" dirty="0"/>
+              <a:t>The found allocation is fairly sparse</a:t>
+            </a:r>
+          </a:p>
+          <a:p>
+            <a:pPr marL="285750" indent="-285750">
+              <a:lnSpc>
+                <a:spcPct val="100000"/>
+              </a:lnSpc>
+              <a:buFont typeface="Courier New" panose="02070309020205020404" pitchFamily="49" charset="0"/>
+              <a:buChar char="o"/>
+            </a:pPr>
+            <a:r>
+              <a:rPr lang="en-GB" sz="2000" dirty="0"/>
+              <a:t>Most of the budget allocated to 3 or 4 locations</a:t>
+            </a:r>
+          </a:p>
+          <a:p>
+            <a:pPr marL="285750" indent="-285750">
+              <a:lnSpc>
+                <a:spcPct val="100000"/>
+              </a:lnSpc>
+              <a:buFont typeface="Courier New" panose="02070309020205020404" pitchFamily="49" charset="0"/>
+              <a:buChar char="o"/>
+            </a:pPr>
+            <a:r>
+              <a:rPr lang="en-GB" sz="2000" dirty="0"/>
+              <a:t>Seems to have favoured coastal locations.</a:t>
             </a:r>
           </a:p>
         </p:txBody>
       </p:sp>
-      <p:sp>
-        <p:nvSpPr>
-          <p:cNvPr id="4" name="Rectangle 3">
+      <p:cxnSp>
+        <p:nvCxnSpPr>
+          <p:cNvPr id="40" name="Straight Connector 39">
             <a:extLst>
               <a:ext uri="{FF2B5EF4-FFF2-40B4-BE49-F238E27FC236}">
-                <a16:creationId xmlns:a16="http://schemas.microsoft.com/office/drawing/2014/main" id="{475A3F43-829A-4A42-BA42-5881E4D52B8D}"/>
+                <a16:creationId xmlns:a16="http://schemas.microsoft.com/office/drawing/2014/main" id="{E58B1629-F209-47B0-BA59-6BD937DBB08F}"/>
+              </a:ext>
+              <a:ext uri="{C183D7F6-B498-43B3-948B-1728B52AA6E4}">
+                <adec:decorative xmlns:adec="http://schemas.microsoft.com/office/drawing/2017/decorative" val="1"/>
               </a:ext>
             </a:extLst>
           </p:cNvPr>
-          <p:cNvSpPr/>
-          <p:nvPr/>
-        </p:nvSpPr>
+          <p:cNvCxnSpPr>
+            <a:cxnSpLocks noGrp="1" noRot="1" noChangeAspect="1" noMove="1" noResize="1" noEditPoints="1" noAdjustHandles="1" noChangeArrowheads="1" noChangeShapeType="1"/>
+          </p:cNvCxnSpPr>
+          <p:nvPr>
+            <p:extLst>
+              <p:ext uri="{386F3935-93C4-4BCD-93E2-E3B085C9AB24}">
+                <p16:designElem xmlns:p16="http://schemas.microsoft.com/office/powerpoint/2015/main" val="1"/>
+              </p:ext>
+            </p:extLst>
+          </p:nvPr>
+        </p:nvCxnSpPr>
         <p:spPr>
           <a:xfrm>
-            <a:off x="6545580" y="2872046"/>
-            <a:ext cx="4785360" cy="3399214"/>
+            <a:off x="11668155" y="5641010"/>
+            <a:ext cx="0" cy="599069"/>
           </a:xfrm>
-          <a:prstGeom prst="rect">
+          <a:prstGeom prst="line">
             <a:avLst/>
           </a:prstGeom>
+          <a:ln w="38100">
+            <a:solidFill>
+              <a:schemeClr val="tx1"/>
+            </a:solidFill>
+          </a:ln>
         </p:spPr>
         <p:style>
-          <a:lnRef idx="2">
-            <a:schemeClr val="dk1"/>
+          <a:lnRef idx="1">
+            <a:schemeClr val="accent1"/>
           </a:lnRef>
-          <a:fillRef idx="1">
-            <a:schemeClr val="lt1"/>
+          <a:fillRef idx="0">
+            <a:schemeClr val="accent1"/>
           </a:fillRef>
           <a:effectRef idx="0">
-            <a:schemeClr val="dk1"/>
+            <a:schemeClr val="accent1"/>
           </a:effectRef>
           <a:fontRef idx="minor">
-            <a:schemeClr val="dk1"/>
+            <a:schemeClr val="tx1"/>
           </a:fontRef>
         </p:style>
-        <p:txBody>
-          <a:bodyPr rtlCol="0" anchor="ctr"/>
-          <a:lstStyle/>
-          <a:p>
-            <a:pPr algn="ctr"/>
-            <a:endParaRPr lang="en-GB"/>
-          </a:p>
-        </p:txBody>
-      </p:sp>
-      <p:sp>
-        <p:nvSpPr>
-          <p:cNvPr id="5" name="TextBox 4">
-            <a:extLst>
-              <a:ext uri="{FF2B5EF4-FFF2-40B4-BE49-F238E27FC236}">
-                <a16:creationId xmlns:a16="http://schemas.microsoft.com/office/drawing/2014/main" id="{F51697FA-558D-4280-94B7-25A37AA7EBA8}"/>
-              </a:ext>
-            </a:extLst>
-          </p:cNvPr>
-          <p:cNvSpPr txBox="1"/>
-          <p:nvPr/>
-        </p:nvSpPr>
-        <p:spPr>
-          <a:xfrm>
-            <a:off x="7947660" y="3924300"/>
-            <a:ext cx="2339340" cy="1200329"/>
-          </a:xfrm>
-          <a:prstGeom prst="rect">
-            <a:avLst/>
-          </a:prstGeom>
-          <a:noFill/>
-        </p:spPr>
-        <p:txBody>
-          <a:bodyPr wrap="square" rtlCol="0">
-            <a:spAutoFit/>
-          </a:bodyPr>
-          <a:lstStyle/>
-          <a:p>
-            <a:r>
-              <a:rPr lang="en-US" dirty="0"/>
-              <a:t>Placeholder – will be filled by a heatmap of locations showing the distributions.</a:t>
-            </a:r>
-            <a:endParaRPr lang="en-GB" dirty="0"/>
-          </a:p>
-        </p:txBody>
-      </p:sp>
+      </p:cxnSp>
     </p:spTree>
     <p:extLst>
       <p:ext uri="{BB962C8B-B14F-4D97-AF65-F5344CB8AC3E}">

--- a/Documents/Presentation/ProjectPresentation-JamesPage.pptx
+++ b/Documents/Presentation/ProjectPresentation-JamesPage.pptx
@@ -1992,6 +1992,788 @@
 </dgm:colorsDef>
 </file>
 
+<file path=ppt/diagrams/colors2.xml><?xml version="1.0" encoding="utf-8"?>
+<dgm:colorsDef xmlns:dgm="http://schemas.openxmlformats.org/drawingml/2006/diagram" xmlns:a="http://schemas.openxmlformats.org/drawingml/2006/main" uniqueId="urn:microsoft.com/office/officeart/2005/8/colors/colorful5">
+  <dgm:title val=""/>
+  <dgm:desc val=""/>
+  <dgm:catLst>
+    <dgm:cat type="colorful" pri="10500"/>
+  </dgm:catLst>
+  <dgm:styleLbl name="node0">
+    <dgm:fillClrLst meth="repeat">
+      <a:schemeClr val="accent4"/>
+    </dgm:fillClrLst>
+    <dgm:linClrLst meth="repeat">
+      <a:schemeClr val="lt1"/>
+    </dgm:linClrLst>
+    <dgm:effectClrLst/>
+    <dgm:txLinClrLst/>
+    <dgm:txFillClrLst/>
+    <dgm:txEffectClrLst/>
+  </dgm:styleLbl>
+  <dgm:styleLbl name="node1">
+    <dgm:fillClrLst>
+      <a:schemeClr val="accent5"/>
+      <a:schemeClr val="accent6"/>
+    </dgm:fillClrLst>
+    <dgm:linClrLst meth="repeat">
+      <a:schemeClr val="lt1"/>
+    </dgm:linClrLst>
+    <dgm:effectClrLst/>
+    <dgm:txLinClrLst/>
+    <dgm:txFillClrLst/>
+    <dgm:txEffectClrLst/>
+  </dgm:styleLbl>
+  <dgm:styleLbl name="alignNode1">
+    <dgm:fillClrLst>
+      <a:schemeClr val="accent5"/>
+      <a:schemeClr val="accent6"/>
+    </dgm:fillClrLst>
+    <dgm:linClrLst>
+      <a:schemeClr val="accent5"/>
+      <a:schemeClr val="accent6"/>
+    </dgm:linClrLst>
+    <dgm:effectClrLst/>
+    <dgm:txLinClrLst/>
+    <dgm:txFillClrLst/>
+    <dgm:txEffectClrLst/>
+  </dgm:styleLbl>
+  <dgm:styleLbl name="lnNode1">
+    <dgm:fillClrLst>
+      <a:schemeClr val="accent5"/>
+      <a:schemeClr val="accent6"/>
+    </dgm:fillClrLst>
+    <dgm:linClrLst meth="repeat">
+      <a:schemeClr val="lt1"/>
+    </dgm:linClrLst>
+    <dgm:effectClrLst/>
+    <dgm:txLinClrLst/>
+    <dgm:txFillClrLst/>
+    <dgm:txEffectClrLst/>
+  </dgm:styleLbl>
+  <dgm:styleLbl name="vennNode1">
+    <dgm:fillClrLst>
+      <a:schemeClr val="accent5">
+        <a:alpha val="50000"/>
+      </a:schemeClr>
+      <a:schemeClr val="accent6">
+        <a:alpha val="50000"/>
+      </a:schemeClr>
+    </dgm:fillClrLst>
+    <dgm:linClrLst meth="repeat">
+      <a:schemeClr val="lt1"/>
+    </dgm:linClrLst>
+    <dgm:effectClrLst/>
+    <dgm:txLinClrLst/>
+    <dgm:txFillClrLst/>
+    <dgm:txEffectClrLst/>
+  </dgm:styleLbl>
+  <dgm:styleLbl name="node2">
+    <dgm:fillClrLst>
+      <a:schemeClr val="accent6"/>
+    </dgm:fillClrLst>
+    <dgm:linClrLst meth="repeat">
+      <a:schemeClr val="lt1"/>
+    </dgm:linClrLst>
+    <dgm:effectClrLst/>
+    <dgm:txLinClrLst/>
+    <dgm:txFillClrLst/>
+    <dgm:txEffectClrLst/>
+  </dgm:styleLbl>
+  <dgm:styleLbl name="node3">
+    <dgm:fillClrLst>
+      <a:schemeClr val="accent1"/>
+    </dgm:fillClrLst>
+    <dgm:linClrLst meth="repeat">
+      <a:schemeClr val="lt1"/>
+    </dgm:linClrLst>
+    <dgm:effectClrLst/>
+    <dgm:txLinClrLst/>
+    <dgm:txFillClrLst/>
+    <dgm:txEffectClrLst/>
+  </dgm:styleLbl>
+  <dgm:styleLbl name="node4">
+    <dgm:fillClrLst>
+      <a:schemeClr val="accent2"/>
+    </dgm:fillClrLst>
+    <dgm:linClrLst meth="repeat">
+      <a:schemeClr val="lt1"/>
+    </dgm:linClrLst>
+    <dgm:effectClrLst/>
+    <dgm:txLinClrLst/>
+    <dgm:txFillClrLst/>
+    <dgm:txEffectClrLst/>
+  </dgm:styleLbl>
+  <dgm:styleLbl name="fgImgPlace1">
+    <dgm:fillClrLst>
+      <a:schemeClr val="accent5">
+        <a:tint val="50000"/>
+      </a:schemeClr>
+      <a:schemeClr val="accent6">
+        <a:tint val="50000"/>
+      </a:schemeClr>
+    </dgm:fillClrLst>
+    <dgm:linClrLst meth="repeat">
+      <a:schemeClr val="lt1"/>
+    </dgm:linClrLst>
+    <dgm:effectClrLst/>
+    <dgm:txLinClrLst/>
+    <dgm:txFillClrLst meth="repeat">
+      <a:schemeClr val="lt1"/>
+    </dgm:txFillClrLst>
+    <dgm:txEffectClrLst/>
+  </dgm:styleLbl>
+  <dgm:styleLbl name="alignImgPlace1">
+    <dgm:fillClrLst>
+      <a:schemeClr val="accent5">
+        <a:tint val="50000"/>
+      </a:schemeClr>
+      <a:schemeClr val="accent6">
+        <a:tint val="20000"/>
+      </a:schemeClr>
+    </dgm:fillClrLst>
+    <dgm:linClrLst meth="repeat">
+      <a:schemeClr val="lt1"/>
+    </dgm:linClrLst>
+    <dgm:effectClrLst/>
+    <dgm:txLinClrLst/>
+    <dgm:txFillClrLst meth="repeat">
+      <a:schemeClr val="lt1"/>
+    </dgm:txFillClrLst>
+    <dgm:txEffectClrLst/>
+  </dgm:styleLbl>
+  <dgm:styleLbl name="bgImgPlace1">
+    <dgm:fillClrLst>
+      <a:schemeClr val="accent5">
+        <a:tint val="50000"/>
+      </a:schemeClr>
+      <a:schemeClr val="accent6">
+        <a:tint val="20000"/>
+      </a:schemeClr>
+    </dgm:fillClrLst>
+    <dgm:linClrLst meth="repeat">
+      <a:schemeClr val="lt1"/>
+    </dgm:linClrLst>
+    <dgm:effectClrLst/>
+    <dgm:txLinClrLst/>
+    <dgm:txFillClrLst meth="repeat">
+      <a:schemeClr val="lt1"/>
+    </dgm:txFillClrLst>
+    <dgm:txEffectClrLst/>
+  </dgm:styleLbl>
+  <dgm:styleLbl name="sibTrans2D1">
+    <dgm:fillClrLst>
+      <a:schemeClr val="accent5"/>
+      <a:schemeClr val="accent6"/>
+    </dgm:fillClrLst>
+    <dgm:linClrLst meth="repeat">
+      <a:schemeClr val="lt1"/>
+    </dgm:linClrLst>
+    <dgm:effectClrLst/>
+    <dgm:txLinClrLst/>
+    <dgm:txFillClrLst/>
+    <dgm:txEffectClrLst/>
+  </dgm:styleLbl>
+  <dgm:styleLbl name="fgSibTrans2D1">
+    <dgm:fillClrLst>
+      <a:schemeClr val="accent5"/>
+      <a:schemeClr val="accent6"/>
+    </dgm:fillClrLst>
+    <dgm:linClrLst meth="repeat">
+      <a:schemeClr val="lt1"/>
+    </dgm:linClrLst>
+    <dgm:effectClrLst/>
+    <dgm:txLinClrLst/>
+    <dgm:txFillClrLst meth="repeat">
+      <a:schemeClr val="lt1"/>
+    </dgm:txFillClrLst>
+    <dgm:txEffectClrLst/>
+  </dgm:styleLbl>
+  <dgm:styleLbl name="bgSibTrans2D1">
+    <dgm:fillClrLst>
+      <a:schemeClr val="accent5"/>
+      <a:schemeClr val="accent6"/>
+    </dgm:fillClrLst>
+    <dgm:linClrLst meth="repeat">
+      <a:schemeClr val="lt1"/>
+    </dgm:linClrLst>
+    <dgm:effectClrLst/>
+    <dgm:txLinClrLst/>
+    <dgm:txFillClrLst meth="repeat">
+      <a:schemeClr val="lt1"/>
+    </dgm:txFillClrLst>
+    <dgm:txEffectClrLst/>
+  </dgm:styleLbl>
+  <dgm:styleLbl name="sibTrans1D1">
+    <dgm:fillClrLst/>
+    <dgm:linClrLst>
+      <a:schemeClr val="accent5"/>
+      <a:schemeClr val="accent6"/>
+    </dgm:linClrLst>
+    <dgm:effectClrLst/>
+    <dgm:txLinClrLst/>
+    <dgm:txFillClrLst meth="repeat">
+      <a:schemeClr val="tx1"/>
+    </dgm:txFillClrLst>
+    <dgm:txEffectClrLst/>
+  </dgm:styleLbl>
+  <dgm:styleLbl name="callout">
+    <dgm:fillClrLst meth="repeat">
+      <a:schemeClr val="accent5"/>
+    </dgm:fillClrLst>
+    <dgm:linClrLst meth="repeat">
+      <a:schemeClr val="accent5">
+        <a:tint val="50000"/>
+      </a:schemeClr>
+    </dgm:linClrLst>
+    <dgm:effectClrLst/>
+    <dgm:txLinClrLst/>
+    <dgm:txFillClrLst meth="repeat">
+      <a:schemeClr val="tx1"/>
+    </dgm:txFillClrLst>
+    <dgm:txEffectClrLst/>
+  </dgm:styleLbl>
+  <dgm:styleLbl name="asst0">
+    <dgm:fillClrLst meth="repeat">
+      <a:schemeClr val="accent5"/>
+    </dgm:fillClrLst>
+    <dgm:linClrLst meth="repeat">
+      <a:schemeClr val="lt1">
+        <a:shade val="80000"/>
+      </a:schemeClr>
+    </dgm:linClrLst>
+    <dgm:effectClrLst/>
+    <dgm:txLinClrLst/>
+    <dgm:txFillClrLst/>
+    <dgm:txEffectClrLst/>
+  </dgm:styleLbl>
+  <dgm:styleLbl name="asst1">
+    <dgm:fillClrLst meth="repeat">
+      <a:schemeClr val="accent6"/>
+    </dgm:fillClrLst>
+    <dgm:linClrLst meth="repeat">
+      <a:schemeClr val="lt1">
+        <a:shade val="80000"/>
+      </a:schemeClr>
+    </dgm:linClrLst>
+    <dgm:effectClrLst/>
+    <dgm:txLinClrLst/>
+    <dgm:txFillClrLst/>
+    <dgm:txEffectClrLst/>
+  </dgm:styleLbl>
+  <dgm:styleLbl name="asst2">
+    <dgm:fillClrLst>
+      <a:schemeClr val="accent1"/>
+    </dgm:fillClrLst>
+    <dgm:linClrLst meth="repeat">
+      <a:schemeClr val="lt1"/>
+    </dgm:linClrLst>
+    <dgm:effectClrLst/>
+    <dgm:txLinClrLst/>
+    <dgm:txFillClrLst/>
+    <dgm:txEffectClrLst/>
+  </dgm:styleLbl>
+  <dgm:styleLbl name="asst3">
+    <dgm:fillClrLst>
+      <a:schemeClr val="accent2"/>
+    </dgm:fillClrLst>
+    <dgm:linClrLst meth="repeat">
+      <a:schemeClr val="lt1"/>
+    </dgm:linClrLst>
+    <dgm:effectClrLst/>
+    <dgm:txLinClrLst/>
+    <dgm:txFillClrLst/>
+    <dgm:txEffectClrLst/>
+  </dgm:styleLbl>
+  <dgm:styleLbl name="asst4">
+    <dgm:fillClrLst>
+      <a:schemeClr val="accent3"/>
+    </dgm:fillClrLst>
+    <dgm:linClrLst meth="repeat">
+      <a:schemeClr val="lt1"/>
+    </dgm:linClrLst>
+    <dgm:effectClrLst/>
+    <dgm:txLinClrLst/>
+    <dgm:txFillClrLst/>
+    <dgm:txEffectClrLst/>
+  </dgm:styleLbl>
+  <dgm:styleLbl name="parChTrans2D1">
+    <dgm:fillClrLst meth="repeat">
+      <a:schemeClr val="accent5"/>
+    </dgm:fillClrLst>
+    <dgm:linClrLst meth="repeat">
+      <a:schemeClr val="lt1"/>
+    </dgm:linClrLst>
+    <dgm:effectClrLst/>
+    <dgm:txLinClrLst/>
+    <dgm:txFillClrLst meth="repeat">
+      <a:schemeClr val="lt1"/>
+    </dgm:txFillClrLst>
+    <dgm:txEffectClrLst/>
+  </dgm:styleLbl>
+  <dgm:styleLbl name="parChTrans2D2">
+    <dgm:fillClrLst meth="repeat">
+      <a:schemeClr val="accent6"/>
+    </dgm:fillClrLst>
+    <dgm:linClrLst meth="repeat">
+      <a:schemeClr val="lt1"/>
+    </dgm:linClrLst>
+    <dgm:effectClrLst/>
+    <dgm:txLinClrLst/>
+    <dgm:txFillClrLst/>
+    <dgm:txEffectClrLst/>
+  </dgm:styleLbl>
+  <dgm:styleLbl name="parChTrans2D3">
+    <dgm:fillClrLst meth="repeat">
+      <a:schemeClr val="accent6"/>
+    </dgm:fillClrLst>
+    <dgm:linClrLst meth="repeat">
+      <a:schemeClr val="lt1"/>
+    </dgm:linClrLst>
+    <dgm:effectClrLst/>
+    <dgm:txLinClrLst/>
+    <dgm:txFillClrLst/>
+    <dgm:txEffectClrLst/>
+  </dgm:styleLbl>
+  <dgm:styleLbl name="parChTrans2D4">
+    <dgm:fillClrLst meth="repeat">
+      <a:schemeClr val="accent1"/>
+    </dgm:fillClrLst>
+    <dgm:linClrLst meth="repeat">
+      <a:schemeClr val="lt1"/>
+    </dgm:linClrLst>
+    <dgm:effectClrLst/>
+    <dgm:txLinClrLst/>
+    <dgm:txFillClrLst meth="repeat">
+      <a:schemeClr val="lt1"/>
+    </dgm:txFillClrLst>
+    <dgm:txEffectClrLst/>
+  </dgm:styleLbl>
+  <dgm:styleLbl name="parChTrans1D1">
+    <dgm:fillClrLst meth="repeat">
+      <a:schemeClr val="accent5"/>
+    </dgm:fillClrLst>
+    <dgm:linClrLst meth="repeat">
+      <a:schemeClr val="accent5"/>
+    </dgm:linClrLst>
+    <dgm:effectClrLst/>
+    <dgm:txLinClrLst/>
+    <dgm:txFillClrLst meth="repeat">
+      <a:schemeClr val="tx1"/>
+    </dgm:txFillClrLst>
+    <dgm:txEffectClrLst/>
+  </dgm:styleLbl>
+  <dgm:styleLbl name="parChTrans1D2">
+    <dgm:fillClrLst meth="repeat">
+      <a:schemeClr val="accent6">
+        <a:tint val="90000"/>
+      </a:schemeClr>
+    </dgm:fillClrLst>
+    <dgm:linClrLst meth="repeat">
+      <a:schemeClr val="accent6"/>
+    </dgm:linClrLst>
+    <dgm:effectClrLst/>
+    <dgm:txLinClrLst/>
+    <dgm:txFillClrLst meth="repeat">
+      <a:schemeClr val="tx1"/>
+    </dgm:txFillClrLst>
+    <dgm:txEffectClrLst/>
+  </dgm:styleLbl>
+  <dgm:styleLbl name="parChTrans1D3">
+    <dgm:fillClrLst meth="repeat">
+      <a:schemeClr val="accent6">
+        <a:tint val="70000"/>
+      </a:schemeClr>
+    </dgm:fillClrLst>
+    <dgm:linClrLst meth="repeat">
+      <a:schemeClr val="accent1"/>
+    </dgm:linClrLst>
+    <dgm:effectClrLst/>
+    <dgm:txLinClrLst/>
+    <dgm:txFillClrLst meth="repeat">
+      <a:schemeClr val="tx1"/>
+    </dgm:txFillClrLst>
+    <dgm:txEffectClrLst/>
+  </dgm:styleLbl>
+  <dgm:styleLbl name="parChTrans1D4">
+    <dgm:fillClrLst meth="repeat">
+      <a:schemeClr val="accent6">
+        <a:tint val="50000"/>
+      </a:schemeClr>
+    </dgm:fillClrLst>
+    <dgm:linClrLst meth="repeat">
+      <a:schemeClr val="accent2"/>
+    </dgm:linClrLst>
+    <dgm:effectClrLst/>
+    <dgm:txLinClrLst/>
+    <dgm:txFillClrLst meth="repeat">
+      <a:schemeClr val="tx1"/>
+    </dgm:txFillClrLst>
+    <dgm:txEffectClrLst/>
+  </dgm:styleLbl>
+  <dgm:styleLbl name="fgAcc1">
+    <dgm:fillClrLst meth="repeat">
+      <a:schemeClr val="lt1">
+        <a:alpha val="90000"/>
+      </a:schemeClr>
+    </dgm:fillClrLst>
+    <dgm:linClrLst>
+      <a:schemeClr val="accent5"/>
+      <a:schemeClr val="accent6"/>
+    </dgm:linClrLst>
+    <dgm:effectClrLst/>
+    <dgm:txLinClrLst/>
+    <dgm:txFillClrLst meth="repeat">
+      <a:schemeClr val="dk1"/>
+    </dgm:txFillClrLst>
+    <dgm:txEffectClrLst/>
+  </dgm:styleLbl>
+  <dgm:styleLbl name="conFgAcc1">
+    <dgm:fillClrLst meth="repeat">
+      <a:schemeClr val="lt1">
+        <a:alpha val="90000"/>
+      </a:schemeClr>
+    </dgm:fillClrLst>
+    <dgm:linClrLst>
+      <a:schemeClr val="accent5"/>
+      <a:schemeClr val="accent6"/>
+    </dgm:linClrLst>
+    <dgm:effectClrLst/>
+    <dgm:txLinClrLst/>
+    <dgm:txFillClrLst meth="repeat">
+      <a:schemeClr val="dk1"/>
+    </dgm:txFillClrLst>
+    <dgm:txEffectClrLst/>
+  </dgm:styleLbl>
+  <dgm:styleLbl name="alignAcc1">
+    <dgm:fillClrLst meth="repeat">
+      <a:schemeClr val="lt1">
+        <a:alpha val="90000"/>
+      </a:schemeClr>
+    </dgm:fillClrLst>
+    <dgm:linClrLst>
+      <a:schemeClr val="accent5"/>
+      <a:schemeClr val="accent6"/>
+    </dgm:linClrLst>
+    <dgm:effectClrLst/>
+    <dgm:txLinClrLst/>
+    <dgm:txFillClrLst meth="repeat">
+      <a:schemeClr val="dk1"/>
+    </dgm:txFillClrLst>
+    <dgm:txEffectClrLst/>
+  </dgm:styleLbl>
+  <dgm:styleLbl name="trAlignAcc1">
+    <dgm:fillClrLst meth="repeat">
+      <a:schemeClr val="lt1">
+        <a:alpha val="40000"/>
+      </a:schemeClr>
+    </dgm:fillClrLst>
+    <dgm:linClrLst meth="repeat">
+      <a:schemeClr val="accent5"/>
+    </dgm:linClrLst>
+    <dgm:effectClrLst/>
+    <dgm:txLinClrLst/>
+    <dgm:txFillClrLst meth="repeat">
+      <a:schemeClr val="dk1"/>
+    </dgm:txFillClrLst>
+    <dgm:txEffectClrLst/>
+  </dgm:styleLbl>
+  <dgm:styleLbl name="bgAcc1">
+    <dgm:fillClrLst meth="repeat">
+      <a:schemeClr val="lt1">
+        <a:alpha val="90000"/>
+      </a:schemeClr>
+    </dgm:fillClrLst>
+    <dgm:linClrLst>
+      <a:schemeClr val="accent5"/>
+      <a:schemeClr val="accent6"/>
+    </dgm:linClrLst>
+    <dgm:effectClrLst/>
+    <dgm:txLinClrLst/>
+    <dgm:txFillClrLst meth="repeat">
+      <a:schemeClr val="dk1"/>
+    </dgm:txFillClrLst>
+    <dgm:txEffectClrLst/>
+  </dgm:styleLbl>
+  <dgm:styleLbl name="solidFgAcc1">
+    <dgm:fillClrLst meth="repeat">
+      <a:schemeClr val="lt1"/>
+    </dgm:fillClrLst>
+    <dgm:linClrLst>
+      <a:schemeClr val="accent5"/>
+      <a:schemeClr val="accent6"/>
+    </dgm:linClrLst>
+    <dgm:effectClrLst/>
+    <dgm:txLinClrLst/>
+    <dgm:txFillClrLst meth="repeat">
+      <a:schemeClr val="dk1"/>
+    </dgm:txFillClrLst>
+    <dgm:txEffectClrLst/>
+  </dgm:styleLbl>
+  <dgm:styleLbl name="solidAlignAcc1">
+    <dgm:fillClrLst meth="repeat">
+      <a:schemeClr val="lt1"/>
+    </dgm:fillClrLst>
+    <dgm:linClrLst>
+      <a:schemeClr val="accent5"/>
+      <a:schemeClr val="accent6"/>
+    </dgm:linClrLst>
+    <dgm:effectClrLst/>
+    <dgm:txLinClrLst/>
+    <dgm:txFillClrLst meth="repeat">
+      <a:schemeClr val="dk1"/>
+    </dgm:txFillClrLst>
+    <dgm:txEffectClrLst/>
+  </dgm:styleLbl>
+  <dgm:styleLbl name="solidBgAcc1">
+    <dgm:fillClrLst meth="repeat">
+      <a:schemeClr val="lt1"/>
+    </dgm:fillClrLst>
+    <dgm:linClrLst>
+      <a:schemeClr val="accent5"/>
+      <a:schemeClr val="accent6"/>
+    </dgm:linClrLst>
+    <dgm:effectClrLst/>
+    <dgm:txLinClrLst/>
+    <dgm:txFillClrLst meth="repeat">
+      <a:schemeClr val="dk1"/>
+    </dgm:txFillClrLst>
+    <dgm:txEffectClrLst/>
+  </dgm:styleLbl>
+  <dgm:styleLbl name="fgAccFollowNode1">
+    <dgm:fillClrLst>
+      <a:schemeClr val="accent5">
+        <a:tint val="40000"/>
+        <a:alpha val="90000"/>
+      </a:schemeClr>
+      <a:schemeClr val="accent6">
+        <a:tint val="40000"/>
+        <a:alpha val="90000"/>
+      </a:schemeClr>
+    </dgm:fillClrLst>
+    <dgm:linClrLst>
+      <a:schemeClr val="accent5">
+        <a:tint val="40000"/>
+        <a:alpha val="90000"/>
+      </a:schemeClr>
+      <a:schemeClr val="accent5">
+        <a:tint val="40000"/>
+        <a:alpha val="90000"/>
+      </a:schemeClr>
+    </dgm:linClrLst>
+    <dgm:effectClrLst/>
+    <dgm:txLinClrLst/>
+    <dgm:txFillClrLst meth="repeat">
+      <a:schemeClr val="dk1"/>
+    </dgm:txFillClrLst>
+    <dgm:txEffectClrLst/>
+  </dgm:styleLbl>
+  <dgm:styleLbl name="alignAccFollowNode1">
+    <dgm:fillClrLst>
+      <a:schemeClr val="accent5">
+        <a:tint val="40000"/>
+        <a:alpha val="90000"/>
+      </a:schemeClr>
+      <a:schemeClr val="accent6">
+        <a:tint val="40000"/>
+        <a:alpha val="90000"/>
+      </a:schemeClr>
+    </dgm:fillClrLst>
+    <dgm:linClrLst>
+      <a:schemeClr val="accent5">
+        <a:tint val="40000"/>
+        <a:alpha val="90000"/>
+      </a:schemeClr>
+      <a:schemeClr val="accent6">
+        <a:tint val="40000"/>
+        <a:alpha val="90000"/>
+      </a:schemeClr>
+    </dgm:linClrLst>
+    <dgm:effectClrLst/>
+    <dgm:txLinClrLst/>
+    <dgm:txFillClrLst meth="repeat">
+      <a:schemeClr val="dk1"/>
+    </dgm:txFillClrLst>
+    <dgm:txEffectClrLst/>
+  </dgm:styleLbl>
+  <dgm:styleLbl name="bgAccFollowNode1">
+    <dgm:fillClrLst>
+      <a:schemeClr val="accent5">
+        <a:tint val="40000"/>
+        <a:alpha val="90000"/>
+      </a:schemeClr>
+      <a:schemeClr val="accent6">
+        <a:tint val="40000"/>
+        <a:alpha val="90000"/>
+      </a:schemeClr>
+    </dgm:fillClrLst>
+    <dgm:linClrLst>
+      <a:schemeClr val="accent5">
+        <a:tint val="40000"/>
+        <a:alpha val="90000"/>
+      </a:schemeClr>
+      <a:schemeClr val="accent6">
+        <a:tint val="40000"/>
+        <a:alpha val="90000"/>
+      </a:schemeClr>
+    </dgm:linClrLst>
+    <dgm:effectClrLst/>
+    <dgm:txLinClrLst/>
+    <dgm:txFillClrLst meth="repeat">
+      <a:schemeClr val="dk1"/>
+    </dgm:txFillClrLst>
+    <dgm:txEffectClrLst/>
+  </dgm:styleLbl>
+  <dgm:styleLbl name="fgAcc0">
+    <dgm:fillClrLst meth="repeat">
+      <a:schemeClr val="lt1">
+        <a:alpha val="90000"/>
+      </a:schemeClr>
+    </dgm:fillClrLst>
+    <dgm:linClrLst>
+      <a:schemeClr val="accent4"/>
+    </dgm:linClrLst>
+    <dgm:effectClrLst/>
+    <dgm:txLinClrLst/>
+    <dgm:txFillClrLst meth="repeat">
+      <a:schemeClr val="dk1"/>
+    </dgm:txFillClrLst>
+    <dgm:txEffectClrLst/>
+  </dgm:styleLbl>
+  <dgm:styleLbl name="fgAcc2">
+    <dgm:fillClrLst meth="repeat">
+      <a:schemeClr val="lt1">
+        <a:alpha val="90000"/>
+      </a:schemeClr>
+    </dgm:fillClrLst>
+    <dgm:linClrLst>
+      <a:schemeClr val="accent6"/>
+    </dgm:linClrLst>
+    <dgm:effectClrLst/>
+    <dgm:txLinClrLst/>
+    <dgm:txFillClrLst meth="repeat">
+      <a:schemeClr val="dk1"/>
+    </dgm:txFillClrLst>
+    <dgm:txEffectClrLst/>
+  </dgm:styleLbl>
+  <dgm:styleLbl name="fgAcc3">
+    <dgm:fillClrLst meth="repeat">
+      <a:schemeClr val="lt1">
+        <a:alpha val="90000"/>
+      </a:schemeClr>
+    </dgm:fillClrLst>
+    <dgm:linClrLst>
+      <a:schemeClr val="accent1"/>
+    </dgm:linClrLst>
+    <dgm:effectClrLst/>
+    <dgm:txLinClrLst/>
+    <dgm:txFillClrLst meth="repeat">
+      <a:schemeClr val="dk1"/>
+    </dgm:txFillClrLst>
+    <dgm:txEffectClrLst/>
+  </dgm:styleLbl>
+  <dgm:styleLbl name="fgAcc4">
+    <dgm:fillClrLst meth="repeat">
+      <a:schemeClr val="lt1">
+        <a:alpha val="90000"/>
+      </a:schemeClr>
+    </dgm:fillClrLst>
+    <dgm:linClrLst>
+      <a:schemeClr val="accent2"/>
+    </dgm:linClrLst>
+    <dgm:effectClrLst/>
+    <dgm:txLinClrLst/>
+    <dgm:txFillClrLst meth="repeat">
+      <a:schemeClr val="dk1"/>
+    </dgm:txFillClrLst>
+    <dgm:txEffectClrLst/>
+  </dgm:styleLbl>
+  <dgm:styleLbl name="bgShp">
+    <dgm:fillClrLst meth="repeat">
+      <a:schemeClr val="accent5">
+        <a:tint val="40000"/>
+      </a:schemeClr>
+    </dgm:fillClrLst>
+    <dgm:linClrLst meth="repeat">
+      <a:schemeClr val="dk1"/>
+    </dgm:linClrLst>
+    <dgm:effectClrLst/>
+    <dgm:txLinClrLst/>
+    <dgm:txFillClrLst meth="repeat">
+      <a:schemeClr val="dk1"/>
+    </dgm:txFillClrLst>
+    <dgm:txEffectClrLst/>
+  </dgm:styleLbl>
+  <dgm:styleLbl name="dkBgShp">
+    <dgm:fillClrLst meth="repeat">
+      <a:schemeClr val="accent5">
+        <a:shade val="90000"/>
+      </a:schemeClr>
+    </dgm:fillClrLst>
+    <dgm:linClrLst meth="repeat">
+      <a:schemeClr val="dk1"/>
+    </dgm:linClrLst>
+    <dgm:effectClrLst/>
+    <dgm:txLinClrLst/>
+    <dgm:txFillClrLst meth="repeat">
+      <a:schemeClr val="lt1"/>
+    </dgm:txFillClrLst>
+    <dgm:txEffectClrLst/>
+  </dgm:styleLbl>
+  <dgm:styleLbl name="trBgShp">
+    <dgm:fillClrLst meth="repeat">
+      <a:schemeClr val="accent5">
+        <a:tint val="50000"/>
+        <a:alpha val="40000"/>
+      </a:schemeClr>
+    </dgm:fillClrLst>
+    <dgm:linClrLst meth="repeat">
+      <a:schemeClr val="accent5"/>
+    </dgm:linClrLst>
+    <dgm:effectClrLst/>
+    <dgm:txLinClrLst/>
+    <dgm:txFillClrLst meth="repeat">
+      <a:schemeClr val="lt1"/>
+    </dgm:txFillClrLst>
+    <dgm:txEffectClrLst/>
+  </dgm:styleLbl>
+  <dgm:styleLbl name="fgShp">
+    <dgm:fillClrLst meth="repeat">
+      <a:schemeClr val="accent5">
+        <a:tint val="40000"/>
+      </a:schemeClr>
+    </dgm:fillClrLst>
+    <dgm:linClrLst meth="repeat">
+      <a:schemeClr val="lt1"/>
+    </dgm:linClrLst>
+    <dgm:effectClrLst/>
+    <dgm:txLinClrLst/>
+    <dgm:txFillClrLst meth="repeat">
+      <a:schemeClr val="dk1"/>
+    </dgm:txFillClrLst>
+    <dgm:txEffectClrLst/>
+  </dgm:styleLbl>
+  <dgm:styleLbl name="revTx">
+    <dgm:fillClrLst meth="repeat">
+      <a:schemeClr val="lt1">
+        <a:alpha val="0"/>
+      </a:schemeClr>
+    </dgm:fillClrLst>
+    <dgm:linClrLst meth="repeat">
+      <a:schemeClr val="dk1">
+        <a:alpha val="0"/>
+      </a:schemeClr>
+    </dgm:linClrLst>
+    <dgm:effectClrLst/>
+    <dgm:txLinClrLst/>
+    <dgm:txFillClrLst meth="repeat">
+      <a:schemeClr val="tx1"/>
+    </dgm:txFillClrLst>
+    <dgm:txEffectClrLst/>
+  </dgm:styleLbl>
+</dgm:colorsDef>
+</file>
+
 <file path=ppt/diagrams/data1.xml><?xml version="1.0" encoding="utf-8"?>
 <dgm:dataModel xmlns:dgm="http://schemas.openxmlformats.org/drawingml/2006/diagram" xmlns:a="http://schemas.openxmlformats.org/drawingml/2006/main">
   <dgm:ptLst>
@@ -2500,6 +3282,311 @@
   <dgm:extLst>
     <a:ext uri="http://schemas.microsoft.com/office/drawing/2008/diagram">
       <dsp:dataModelExt xmlns:dsp="http://schemas.microsoft.com/office/drawing/2008/diagram" relId="rId6" minVer="http://schemas.openxmlformats.org/drawingml/2006/diagram"/>
+    </a:ext>
+  </dgm:extLst>
+</dgm:dataModel>
+</file>
+
+<file path=ppt/diagrams/data2.xml><?xml version="1.0" encoding="utf-8"?>
+<dgm:dataModel xmlns:dgm="http://schemas.openxmlformats.org/drawingml/2006/diagram" xmlns:a="http://schemas.openxmlformats.org/drawingml/2006/main">
+  <dgm:ptLst>
+    <dgm:pt modelId="{5CAFE805-519F-4B15-AACA-F73EFB91BCAF}" type="doc">
+      <dgm:prSet loTypeId="urn:microsoft.com/office/officeart/2008/layout/LinedList" loCatId="list" qsTypeId="urn:microsoft.com/office/officeart/2005/8/quickstyle/simple1" qsCatId="simple" csTypeId="urn:microsoft.com/office/officeart/2005/8/colors/colorful5" csCatId="colorful" phldr="1"/>
+      <dgm:spPr/>
+      <dgm:t>
+        <a:bodyPr/>
+        <a:lstStyle/>
+        <a:p>
+          <a:endParaRPr lang="en-US"/>
+        </a:p>
+      </dgm:t>
+    </dgm:pt>
+    <dgm:pt modelId="{4A076B9D-5005-4BEB-B2FF-051E3AA5AD71}">
+      <dgm:prSet/>
+      <dgm:spPr/>
+      <dgm:t>
+        <a:bodyPr/>
+        <a:lstStyle/>
+        <a:p>
+          <a:endParaRPr lang="en-US" dirty="0"/>
+        </a:p>
+      </dgm:t>
+    </dgm:pt>
+    <dgm:pt modelId="{09CF7EE5-DA1C-48DB-909E-CA3A5362EF33}" type="parTrans" cxnId="{C8E253CD-919D-4AB5-B5B7-2611F17CD2AE}">
+      <dgm:prSet/>
+      <dgm:spPr/>
+      <dgm:t>
+        <a:bodyPr/>
+        <a:lstStyle/>
+        <a:p>
+          <a:endParaRPr lang="en-US"/>
+        </a:p>
+      </dgm:t>
+    </dgm:pt>
+    <dgm:pt modelId="{A9DEF30D-3824-43AB-ACB1-05B7FEBE1541}" type="sibTrans" cxnId="{C8E253CD-919D-4AB5-B5B7-2611F17CD2AE}">
+      <dgm:prSet/>
+      <dgm:spPr/>
+      <dgm:t>
+        <a:bodyPr/>
+        <a:lstStyle/>
+        <a:p>
+          <a:endParaRPr lang="en-US"/>
+        </a:p>
+      </dgm:t>
+    </dgm:pt>
+    <dgm:pt modelId="{097EE64E-6FF3-4FBF-B371-86291E44B00B}">
+      <dgm:prSet/>
+      <dgm:spPr/>
+      <dgm:t>
+        <a:bodyPr/>
+        <a:lstStyle/>
+        <a:p>
+          <a:r>
+            <a:rPr lang="en-GB"/>
+            <a:t>Performance – Multithreading &amp; NGSA-II improvements</a:t>
+          </a:r>
+          <a:endParaRPr lang="en-US"/>
+        </a:p>
+      </dgm:t>
+    </dgm:pt>
+    <dgm:pt modelId="{69D1B1B4-CFB9-46AA-9468-A283ACD6A019}" type="parTrans" cxnId="{AA41F8D8-9028-4327-BB86-AEEB8266246D}">
+      <dgm:prSet/>
+      <dgm:spPr/>
+      <dgm:t>
+        <a:bodyPr/>
+        <a:lstStyle/>
+        <a:p>
+          <a:endParaRPr lang="en-US"/>
+        </a:p>
+      </dgm:t>
+    </dgm:pt>
+    <dgm:pt modelId="{B4363703-FD9C-49E9-9CC3-374F52241886}" type="sibTrans" cxnId="{AA41F8D8-9028-4327-BB86-AEEB8266246D}">
+      <dgm:prSet/>
+      <dgm:spPr/>
+      <dgm:t>
+        <a:bodyPr/>
+        <a:lstStyle/>
+        <a:p>
+          <a:endParaRPr lang="en-US"/>
+        </a:p>
+      </dgm:t>
+    </dgm:pt>
+    <dgm:pt modelId="{8A9CB82F-4174-4DEA-A35C-3338CBAC0638}">
+      <dgm:prSet/>
+      <dgm:spPr/>
+      <dgm:t>
+        <a:bodyPr/>
+        <a:lstStyle/>
+        <a:p>
+          <a:r>
+            <a:rPr lang="en-GB"/>
+            <a:t>Generalisation – Currently trained on a localised dataset and allocates to a fixed set of locations</a:t>
+          </a:r>
+          <a:endParaRPr lang="en-US"/>
+        </a:p>
+      </dgm:t>
+    </dgm:pt>
+    <dgm:pt modelId="{3DCC5D1A-321E-4217-B484-5E8CC23DB0C0}" type="parTrans" cxnId="{3B6D2E83-E342-4FC5-B5CE-72699AFC52A0}">
+      <dgm:prSet/>
+      <dgm:spPr/>
+      <dgm:t>
+        <a:bodyPr/>
+        <a:lstStyle/>
+        <a:p>
+          <a:endParaRPr lang="en-US"/>
+        </a:p>
+      </dgm:t>
+    </dgm:pt>
+    <dgm:pt modelId="{8484B04B-6D09-4C3E-8FC4-F03A0E4A9AFC}" type="sibTrans" cxnId="{3B6D2E83-E342-4FC5-B5CE-72699AFC52A0}">
+      <dgm:prSet/>
+      <dgm:spPr/>
+      <dgm:t>
+        <a:bodyPr/>
+        <a:lstStyle/>
+        <a:p>
+          <a:endParaRPr lang="en-US"/>
+        </a:p>
+      </dgm:t>
+    </dgm:pt>
+    <dgm:pt modelId="{326484FA-77B1-46D4-AA4C-564A0B41E509}">
+      <dgm:prSet/>
+      <dgm:spPr/>
+      <dgm:t>
+        <a:bodyPr/>
+        <a:lstStyle/>
+        <a:p>
+          <a:r>
+            <a:rPr lang="en-GB"/>
+            <a:t>Long Term Prediction – Changing weather could lead to different optimal locations caused by climate change.</a:t>
+          </a:r>
+          <a:endParaRPr lang="en-US"/>
+        </a:p>
+      </dgm:t>
+    </dgm:pt>
+    <dgm:pt modelId="{57F7E173-223C-46D7-9AF0-0874FDAE7FB5}" type="parTrans" cxnId="{36E8CE75-649E-4D88-9DA5-5BFD18EDF24E}">
+      <dgm:prSet/>
+      <dgm:spPr/>
+      <dgm:t>
+        <a:bodyPr/>
+        <a:lstStyle/>
+        <a:p>
+          <a:endParaRPr lang="en-US"/>
+        </a:p>
+      </dgm:t>
+    </dgm:pt>
+    <dgm:pt modelId="{681DE0AE-8319-45B1-AAF0-D6DF080F0934}" type="sibTrans" cxnId="{36E8CE75-649E-4D88-9DA5-5BFD18EDF24E}">
+      <dgm:prSet/>
+      <dgm:spPr/>
+      <dgm:t>
+        <a:bodyPr/>
+        <a:lstStyle/>
+        <a:p>
+          <a:endParaRPr lang="en-US"/>
+        </a:p>
+      </dgm:t>
+    </dgm:pt>
+    <dgm:pt modelId="{5889C9A5-2D23-4610-BFDD-70C205B40FE1}" type="pres">
+      <dgm:prSet presAssocID="{5CAFE805-519F-4B15-AACA-F73EFB91BCAF}" presName="vert0" presStyleCnt="0">
+        <dgm:presLayoutVars>
+          <dgm:dir/>
+          <dgm:animOne val="branch"/>
+          <dgm:animLvl val="lvl"/>
+        </dgm:presLayoutVars>
+      </dgm:prSet>
+      <dgm:spPr/>
+    </dgm:pt>
+    <dgm:pt modelId="{91A2CE6F-EE56-4A1F-9F33-FAE16F3E6B77}" type="pres">
+      <dgm:prSet presAssocID="{4A076B9D-5005-4BEB-B2FF-051E3AA5AD71}" presName="thickLine" presStyleLbl="alignNode1" presStyleIdx="0" presStyleCnt="1"/>
+      <dgm:spPr/>
+    </dgm:pt>
+    <dgm:pt modelId="{D37D5D6E-8A84-4F50-9B6C-32267F4252F5}" type="pres">
+      <dgm:prSet presAssocID="{4A076B9D-5005-4BEB-B2FF-051E3AA5AD71}" presName="horz1" presStyleCnt="0"/>
+      <dgm:spPr/>
+    </dgm:pt>
+    <dgm:pt modelId="{52894082-8E1F-4F3F-9B1E-AC4ABD1AF4F0}" type="pres">
+      <dgm:prSet presAssocID="{4A076B9D-5005-4BEB-B2FF-051E3AA5AD71}" presName="tx1" presStyleLbl="revTx" presStyleIdx="0" presStyleCnt="4" custFlipHor="1" custScaleX="6314"/>
+      <dgm:spPr/>
+    </dgm:pt>
+    <dgm:pt modelId="{6FD4266F-6B82-4890-91FA-56945255A033}" type="pres">
+      <dgm:prSet presAssocID="{4A076B9D-5005-4BEB-B2FF-051E3AA5AD71}" presName="vert1" presStyleCnt="0"/>
+      <dgm:spPr/>
+    </dgm:pt>
+    <dgm:pt modelId="{66CE14B6-B3AF-477D-92C6-84175F44A1D1}" type="pres">
+      <dgm:prSet presAssocID="{097EE64E-6FF3-4FBF-B371-86291E44B00B}" presName="vertSpace2a" presStyleCnt="0"/>
+      <dgm:spPr/>
+    </dgm:pt>
+    <dgm:pt modelId="{63FDBFB3-C0A0-4C9D-B05C-AA88E9967EB2}" type="pres">
+      <dgm:prSet presAssocID="{097EE64E-6FF3-4FBF-B371-86291E44B00B}" presName="horz2" presStyleCnt="0"/>
+      <dgm:spPr/>
+    </dgm:pt>
+    <dgm:pt modelId="{1E19218D-C15A-44AD-B7B6-3EBD7F83274D}" type="pres">
+      <dgm:prSet presAssocID="{097EE64E-6FF3-4FBF-B371-86291E44B00B}" presName="horzSpace2" presStyleCnt="0"/>
+      <dgm:spPr/>
+    </dgm:pt>
+    <dgm:pt modelId="{11355CD5-E3E5-40B7-9D99-2E7F8A591B21}" type="pres">
+      <dgm:prSet presAssocID="{097EE64E-6FF3-4FBF-B371-86291E44B00B}" presName="tx2" presStyleLbl="revTx" presStyleIdx="1" presStyleCnt="4"/>
+      <dgm:spPr/>
+    </dgm:pt>
+    <dgm:pt modelId="{F4737B07-0767-4501-AE67-31EF3EAFFEF7}" type="pres">
+      <dgm:prSet presAssocID="{097EE64E-6FF3-4FBF-B371-86291E44B00B}" presName="vert2" presStyleCnt="0"/>
+      <dgm:spPr/>
+    </dgm:pt>
+    <dgm:pt modelId="{3CA87290-5E0E-4880-B0CD-BF5E5E82C37E}" type="pres">
+      <dgm:prSet presAssocID="{097EE64E-6FF3-4FBF-B371-86291E44B00B}" presName="thinLine2b" presStyleLbl="callout" presStyleIdx="0" presStyleCnt="3"/>
+      <dgm:spPr/>
+    </dgm:pt>
+    <dgm:pt modelId="{3D7CBFBC-452B-43EA-9282-A11DFA1DDC68}" type="pres">
+      <dgm:prSet presAssocID="{097EE64E-6FF3-4FBF-B371-86291E44B00B}" presName="vertSpace2b" presStyleCnt="0"/>
+      <dgm:spPr/>
+    </dgm:pt>
+    <dgm:pt modelId="{2C23C9B8-9E80-4502-B7DC-47688A5D6C2B}" type="pres">
+      <dgm:prSet presAssocID="{8A9CB82F-4174-4DEA-A35C-3338CBAC0638}" presName="horz2" presStyleCnt="0"/>
+      <dgm:spPr/>
+    </dgm:pt>
+    <dgm:pt modelId="{AE18885C-B340-4210-9D95-23271716C843}" type="pres">
+      <dgm:prSet presAssocID="{8A9CB82F-4174-4DEA-A35C-3338CBAC0638}" presName="horzSpace2" presStyleCnt="0"/>
+      <dgm:spPr/>
+    </dgm:pt>
+    <dgm:pt modelId="{E028419A-A9CF-4442-9736-025E6D381C02}" type="pres">
+      <dgm:prSet presAssocID="{8A9CB82F-4174-4DEA-A35C-3338CBAC0638}" presName="tx2" presStyleLbl="revTx" presStyleIdx="2" presStyleCnt="4"/>
+      <dgm:spPr/>
+    </dgm:pt>
+    <dgm:pt modelId="{DC2A558F-B631-402F-8867-49920FD09A9E}" type="pres">
+      <dgm:prSet presAssocID="{8A9CB82F-4174-4DEA-A35C-3338CBAC0638}" presName="vert2" presStyleCnt="0"/>
+      <dgm:spPr/>
+    </dgm:pt>
+    <dgm:pt modelId="{D0AE410E-9AE5-4ECD-B9C0-AAAFBB949CDB}" type="pres">
+      <dgm:prSet presAssocID="{8A9CB82F-4174-4DEA-A35C-3338CBAC0638}" presName="thinLine2b" presStyleLbl="callout" presStyleIdx="1" presStyleCnt="3"/>
+      <dgm:spPr/>
+    </dgm:pt>
+    <dgm:pt modelId="{E38A97E2-8E14-4D45-A542-FD105DC70CBD}" type="pres">
+      <dgm:prSet presAssocID="{8A9CB82F-4174-4DEA-A35C-3338CBAC0638}" presName="vertSpace2b" presStyleCnt="0"/>
+      <dgm:spPr/>
+    </dgm:pt>
+    <dgm:pt modelId="{5954B3CC-92B6-48FE-8F00-90B618FF085B}" type="pres">
+      <dgm:prSet presAssocID="{326484FA-77B1-46D4-AA4C-564A0B41E509}" presName="horz2" presStyleCnt="0"/>
+      <dgm:spPr/>
+    </dgm:pt>
+    <dgm:pt modelId="{BED4A45E-441C-4FE5-880D-1F951F37752C}" type="pres">
+      <dgm:prSet presAssocID="{326484FA-77B1-46D4-AA4C-564A0B41E509}" presName="horzSpace2" presStyleCnt="0"/>
+      <dgm:spPr/>
+    </dgm:pt>
+    <dgm:pt modelId="{71C1A1ED-3367-48EF-B6C5-33A571CBF08C}" type="pres">
+      <dgm:prSet presAssocID="{326484FA-77B1-46D4-AA4C-564A0B41E509}" presName="tx2" presStyleLbl="revTx" presStyleIdx="3" presStyleCnt="4"/>
+      <dgm:spPr/>
+    </dgm:pt>
+    <dgm:pt modelId="{6B766972-A3A9-41B9-97FD-8B10D6106E54}" type="pres">
+      <dgm:prSet presAssocID="{326484FA-77B1-46D4-AA4C-564A0B41E509}" presName="vert2" presStyleCnt="0"/>
+      <dgm:spPr/>
+    </dgm:pt>
+    <dgm:pt modelId="{A3407B6B-290D-4FF8-8E99-70C5517634F7}" type="pres">
+      <dgm:prSet presAssocID="{326484FA-77B1-46D4-AA4C-564A0B41E509}" presName="thinLine2b" presStyleLbl="callout" presStyleIdx="2" presStyleCnt="3"/>
+      <dgm:spPr/>
+    </dgm:pt>
+    <dgm:pt modelId="{4EEA7D47-5306-4C0E-9894-3D912FF64AAF}" type="pres">
+      <dgm:prSet presAssocID="{326484FA-77B1-46D4-AA4C-564A0B41E509}" presName="vertSpace2b" presStyleCnt="0"/>
+      <dgm:spPr/>
+    </dgm:pt>
+  </dgm:ptLst>
+  <dgm:cxnLst>
+    <dgm:cxn modelId="{48A41D0F-B706-4E6C-8238-6486CFBD4AAF}" type="presOf" srcId="{4A076B9D-5005-4BEB-B2FF-051E3AA5AD71}" destId="{52894082-8E1F-4F3F-9B1E-AC4ABD1AF4F0}" srcOrd="0" destOrd="0" presId="urn:microsoft.com/office/officeart/2008/layout/LinedList"/>
+    <dgm:cxn modelId="{1E39326B-E88E-48FF-8335-A6DECD019F2C}" type="presOf" srcId="{097EE64E-6FF3-4FBF-B371-86291E44B00B}" destId="{11355CD5-E3E5-40B7-9D99-2E7F8A591B21}" srcOrd="0" destOrd="0" presId="urn:microsoft.com/office/officeart/2008/layout/LinedList"/>
+    <dgm:cxn modelId="{A17A3671-384D-45D5-925D-06C4B4805085}" type="presOf" srcId="{5CAFE805-519F-4B15-AACA-F73EFB91BCAF}" destId="{5889C9A5-2D23-4610-BFDD-70C205B40FE1}" srcOrd="0" destOrd="0" presId="urn:microsoft.com/office/officeart/2008/layout/LinedList"/>
+    <dgm:cxn modelId="{36E8CE75-649E-4D88-9DA5-5BFD18EDF24E}" srcId="{4A076B9D-5005-4BEB-B2FF-051E3AA5AD71}" destId="{326484FA-77B1-46D4-AA4C-564A0B41E509}" srcOrd="2" destOrd="0" parTransId="{57F7E173-223C-46D7-9AF0-0874FDAE7FB5}" sibTransId="{681DE0AE-8319-45B1-AAF0-D6DF080F0934}"/>
+    <dgm:cxn modelId="{3B6D2E83-E342-4FC5-B5CE-72699AFC52A0}" srcId="{4A076B9D-5005-4BEB-B2FF-051E3AA5AD71}" destId="{8A9CB82F-4174-4DEA-A35C-3338CBAC0638}" srcOrd="1" destOrd="0" parTransId="{3DCC5D1A-321E-4217-B484-5E8CC23DB0C0}" sibTransId="{8484B04B-6D09-4C3E-8FC4-F03A0E4A9AFC}"/>
+    <dgm:cxn modelId="{C8E253CD-919D-4AB5-B5B7-2611F17CD2AE}" srcId="{5CAFE805-519F-4B15-AACA-F73EFB91BCAF}" destId="{4A076B9D-5005-4BEB-B2FF-051E3AA5AD71}" srcOrd="0" destOrd="0" parTransId="{09CF7EE5-DA1C-48DB-909E-CA3A5362EF33}" sibTransId="{A9DEF30D-3824-43AB-ACB1-05B7FEBE1541}"/>
+    <dgm:cxn modelId="{AA41F8D8-9028-4327-BB86-AEEB8266246D}" srcId="{4A076B9D-5005-4BEB-B2FF-051E3AA5AD71}" destId="{097EE64E-6FF3-4FBF-B371-86291E44B00B}" srcOrd="0" destOrd="0" parTransId="{69D1B1B4-CFB9-46AA-9468-A283ACD6A019}" sibTransId="{B4363703-FD9C-49E9-9CC3-374F52241886}"/>
+    <dgm:cxn modelId="{1018FBE5-65AD-47FF-A6D5-12C84995679A}" type="presOf" srcId="{326484FA-77B1-46D4-AA4C-564A0B41E509}" destId="{71C1A1ED-3367-48EF-B6C5-33A571CBF08C}" srcOrd="0" destOrd="0" presId="urn:microsoft.com/office/officeart/2008/layout/LinedList"/>
+    <dgm:cxn modelId="{53B0A8FA-7977-4726-92AA-A09E6B107774}" type="presOf" srcId="{8A9CB82F-4174-4DEA-A35C-3338CBAC0638}" destId="{E028419A-A9CF-4442-9736-025E6D381C02}" srcOrd="0" destOrd="0" presId="urn:microsoft.com/office/officeart/2008/layout/LinedList"/>
+    <dgm:cxn modelId="{05670A54-B263-4C95-868F-FF25FC057900}" type="presParOf" srcId="{5889C9A5-2D23-4610-BFDD-70C205B40FE1}" destId="{91A2CE6F-EE56-4A1F-9F33-FAE16F3E6B77}" srcOrd="0" destOrd="0" presId="urn:microsoft.com/office/officeart/2008/layout/LinedList"/>
+    <dgm:cxn modelId="{24445AD5-38E4-4011-93FC-6B7F4421ABF3}" type="presParOf" srcId="{5889C9A5-2D23-4610-BFDD-70C205B40FE1}" destId="{D37D5D6E-8A84-4F50-9B6C-32267F4252F5}" srcOrd="1" destOrd="0" presId="urn:microsoft.com/office/officeart/2008/layout/LinedList"/>
+    <dgm:cxn modelId="{6206A986-E622-40C0-87BA-02702268DAE2}" type="presParOf" srcId="{D37D5D6E-8A84-4F50-9B6C-32267F4252F5}" destId="{52894082-8E1F-4F3F-9B1E-AC4ABD1AF4F0}" srcOrd="0" destOrd="0" presId="urn:microsoft.com/office/officeart/2008/layout/LinedList"/>
+    <dgm:cxn modelId="{BA12EBE3-0654-4218-9538-85104367E6C8}" type="presParOf" srcId="{D37D5D6E-8A84-4F50-9B6C-32267F4252F5}" destId="{6FD4266F-6B82-4890-91FA-56945255A033}" srcOrd="1" destOrd="0" presId="urn:microsoft.com/office/officeart/2008/layout/LinedList"/>
+    <dgm:cxn modelId="{5C7471D4-07F7-470A-A7D0-259F6C2DB8E4}" type="presParOf" srcId="{6FD4266F-6B82-4890-91FA-56945255A033}" destId="{66CE14B6-B3AF-477D-92C6-84175F44A1D1}" srcOrd="0" destOrd="0" presId="urn:microsoft.com/office/officeart/2008/layout/LinedList"/>
+    <dgm:cxn modelId="{7F1CBFDC-9EDD-4AB9-B68C-8A661AFF7564}" type="presParOf" srcId="{6FD4266F-6B82-4890-91FA-56945255A033}" destId="{63FDBFB3-C0A0-4C9D-B05C-AA88E9967EB2}" srcOrd="1" destOrd="0" presId="urn:microsoft.com/office/officeart/2008/layout/LinedList"/>
+    <dgm:cxn modelId="{F2195E31-3480-4B93-8098-E29188E6C942}" type="presParOf" srcId="{63FDBFB3-C0A0-4C9D-B05C-AA88E9967EB2}" destId="{1E19218D-C15A-44AD-B7B6-3EBD7F83274D}" srcOrd="0" destOrd="0" presId="urn:microsoft.com/office/officeart/2008/layout/LinedList"/>
+    <dgm:cxn modelId="{6D6AA188-80BA-4254-BCF7-5447D7D70A7D}" type="presParOf" srcId="{63FDBFB3-C0A0-4C9D-B05C-AA88E9967EB2}" destId="{11355CD5-E3E5-40B7-9D99-2E7F8A591B21}" srcOrd="1" destOrd="0" presId="urn:microsoft.com/office/officeart/2008/layout/LinedList"/>
+    <dgm:cxn modelId="{E20D1B58-5244-441C-B6B7-0C24BB8957CF}" type="presParOf" srcId="{63FDBFB3-C0A0-4C9D-B05C-AA88E9967EB2}" destId="{F4737B07-0767-4501-AE67-31EF3EAFFEF7}" srcOrd="2" destOrd="0" presId="urn:microsoft.com/office/officeart/2008/layout/LinedList"/>
+    <dgm:cxn modelId="{159464DC-89F2-49E1-913E-1E9E00685EB6}" type="presParOf" srcId="{6FD4266F-6B82-4890-91FA-56945255A033}" destId="{3CA87290-5E0E-4880-B0CD-BF5E5E82C37E}" srcOrd="2" destOrd="0" presId="urn:microsoft.com/office/officeart/2008/layout/LinedList"/>
+    <dgm:cxn modelId="{FCB8C333-32DF-477D-91CA-BF429D18DAE5}" type="presParOf" srcId="{6FD4266F-6B82-4890-91FA-56945255A033}" destId="{3D7CBFBC-452B-43EA-9282-A11DFA1DDC68}" srcOrd="3" destOrd="0" presId="urn:microsoft.com/office/officeart/2008/layout/LinedList"/>
+    <dgm:cxn modelId="{732D971B-F653-4B8D-B63F-8457FB18DDA5}" type="presParOf" srcId="{6FD4266F-6B82-4890-91FA-56945255A033}" destId="{2C23C9B8-9E80-4502-B7DC-47688A5D6C2B}" srcOrd="4" destOrd="0" presId="urn:microsoft.com/office/officeart/2008/layout/LinedList"/>
+    <dgm:cxn modelId="{35F067C4-5779-40C9-B1A4-5EAAFE3C2CB9}" type="presParOf" srcId="{2C23C9B8-9E80-4502-B7DC-47688A5D6C2B}" destId="{AE18885C-B340-4210-9D95-23271716C843}" srcOrd="0" destOrd="0" presId="urn:microsoft.com/office/officeart/2008/layout/LinedList"/>
+    <dgm:cxn modelId="{67E48D71-A0B4-42F8-A4BE-C9BF241FCBFB}" type="presParOf" srcId="{2C23C9B8-9E80-4502-B7DC-47688A5D6C2B}" destId="{E028419A-A9CF-4442-9736-025E6D381C02}" srcOrd="1" destOrd="0" presId="urn:microsoft.com/office/officeart/2008/layout/LinedList"/>
+    <dgm:cxn modelId="{DB5783E4-482A-466F-8CD1-9D15FFD07632}" type="presParOf" srcId="{2C23C9B8-9E80-4502-B7DC-47688A5D6C2B}" destId="{DC2A558F-B631-402F-8867-49920FD09A9E}" srcOrd="2" destOrd="0" presId="urn:microsoft.com/office/officeart/2008/layout/LinedList"/>
+    <dgm:cxn modelId="{56587209-1CDC-4775-93CA-D556214467B5}" type="presParOf" srcId="{6FD4266F-6B82-4890-91FA-56945255A033}" destId="{D0AE410E-9AE5-4ECD-B9C0-AAAFBB949CDB}" srcOrd="5" destOrd="0" presId="urn:microsoft.com/office/officeart/2008/layout/LinedList"/>
+    <dgm:cxn modelId="{B8ADB1A9-DC32-4906-B239-B0AAFB58C619}" type="presParOf" srcId="{6FD4266F-6B82-4890-91FA-56945255A033}" destId="{E38A97E2-8E14-4D45-A542-FD105DC70CBD}" srcOrd="6" destOrd="0" presId="urn:microsoft.com/office/officeart/2008/layout/LinedList"/>
+    <dgm:cxn modelId="{CB0C7154-D2E4-449D-BF3D-54E0B654A4B1}" type="presParOf" srcId="{6FD4266F-6B82-4890-91FA-56945255A033}" destId="{5954B3CC-92B6-48FE-8F00-90B618FF085B}" srcOrd="7" destOrd="0" presId="urn:microsoft.com/office/officeart/2008/layout/LinedList"/>
+    <dgm:cxn modelId="{5746A3F0-18B3-4007-878E-E61942C4DC7B}" type="presParOf" srcId="{5954B3CC-92B6-48FE-8F00-90B618FF085B}" destId="{BED4A45E-441C-4FE5-880D-1F951F37752C}" srcOrd="0" destOrd="0" presId="urn:microsoft.com/office/officeart/2008/layout/LinedList"/>
+    <dgm:cxn modelId="{24B1FF38-5D5E-440A-AD8D-F32BF8E4DCA1}" type="presParOf" srcId="{5954B3CC-92B6-48FE-8F00-90B618FF085B}" destId="{71C1A1ED-3367-48EF-B6C5-33A571CBF08C}" srcOrd="1" destOrd="0" presId="urn:microsoft.com/office/officeart/2008/layout/LinedList"/>
+    <dgm:cxn modelId="{D351A892-A63D-486A-8961-7434C2A5E77A}" type="presParOf" srcId="{5954B3CC-92B6-48FE-8F00-90B618FF085B}" destId="{6B766972-A3A9-41B9-97FD-8B10D6106E54}" srcOrd="2" destOrd="0" presId="urn:microsoft.com/office/officeart/2008/layout/LinedList"/>
+    <dgm:cxn modelId="{E1CF89F7-7647-431D-A552-E0C2F46A5F09}" type="presParOf" srcId="{6FD4266F-6B82-4890-91FA-56945255A033}" destId="{A3407B6B-290D-4FF8-8E99-70C5517634F7}" srcOrd="8" destOrd="0" presId="urn:microsoft.com/office/officeart/2008/layout/LinedList"/>
+    <dgm:cxn modelId="{F30ACA06-126B-4E47-B7D7-12E982D4CEF5}" type="presParOf" srcId="{6FD4266F-6B82-4890-91FA-56945255A033}" destId="{4EEA7D47-5306-4C0E-9894-3D912FF64AAF}" srcOrd="9" destOrd="0" presId="urn:microsoft.com/office/officeart/2008/layout/LinedList"/>
+  </dgm:cxnLst>
+  <dgm:bg/>
+  <dgm:whole/>
+  <dgm:extLst>
+    <a:ext uri="http://schemas.microsoft.com/office/drawing/2008/diagram">
+      <dsp:dataModelExt xmlns:dsp="http://schemas.microsoft.com/office/drawing/2008/diagram" relId="rId7" minVer="http://schemas.openxmlformats.org/drawingml/2006/diagram"/>
     </a:ext>
   </dgm:extLst>
 </dgm:dataModel>
@@ -3273,6 +4360,455 @@
 </dsp:drawing>
 </file>
 
+<file path=ppt/diagrams/drawing2.xml><?xml version="1.0" encoding="utf-8"?>
+<dsp:drawing xmlns:dgm="http://schemas.openxmlformats.org/drawingml/2006/diagram" xmlns:dsp="http://schemas.microsoft.com/office/drawing/2008/diagram" xmlns:a="http://schemas.openxmlformats.org/drawingml/2006/main">
+  <dsp:spTree>
+    <dsp:nvGrpSpPr>
+      <dsp:cNvPr id="0" name=""/>
+      <dsp:cNvGrpSpPr/>
+    </dsp:nvGrpSpPr>
+    <dsp:grpSpPr/>
+    <dsp:sp modelId="{91A2CE6F-EE56-4A1F-9F33-FAE16F3E6B77}">
+      <dsp:nvSpPr>
+        <dsp:cNvPr id="0" name=""/>
+        <dsp:cNvSpPr/>
+      </dsp:nvSpPr>
+      <dsp:spPr>
+        <a:xfrm>
+          <a:off x="0" y="0"/>
+          <a:ext cx="9906000" cy="0"/>
+        </a:xfrm>
+        <a:prstGeom prst="line">
+          <a:avLst/>
+        </a:prstGeom>
+        <a:solidFill>
+          <a:schemeClr val="accent5">
+            <a:hueOff val="0"/>
+            <a:satOff val="0"/>
+            <a:lumOff val="0"/>
+            <a:alphaOff val="0"/>
+          </a:schemeClr>
+        </a:solidFill>
+        <a:ln w="12700" cap="flat" cmpd="sng" algn="ctr">
+          <a:solidFill>
+            <a:schemeClr val="accent5">
+              <a:hueOff val="0"/>
+              <a:satOff val="0"/>
+              <a:lumOff val="0"/>
+              <a:alphaOff val="0"/>
+            </a:schemeClr>
+          </a:solidFill>
+          <a:prstDash val="solid"/>
+          <a:miter lim="800000"/>
+        </a:ln>
+        <a:effectLst/>
+      </dsp:spPr>
+      <dsp:style>
+        <a:lnRef idx="2">
+          <a:scrgbClr r="0" g="0" b="0"/>
+        </a:lnRef>
+        <a:fillRef idx="1">
+          <a:scrgbClr r="0" g="0" b="0"/>
+        </a:fillRef>
+        <a:effectRef idx="0">
+          <a:scrgbClr r="0" g="0" b="0"/>
+        </a:effectRef>
+        <a:fontRef idx="minor">
+          <a:schemeClr val="lt1"/>
+        </a:fontRef>
+      </dsp:style>
+    </dsp:sp>
+    <dsp:sp modelId="{52894082-8E1F-4F3F-9B1E-AC4ABD1AF4F0}">
+      <dsp:nvSpPr>
+        <dsp:cNvPr id="0" name=""/>
+        <dsp:cNvSpPr/>
+      </dsp:nvSpPr>
+      <dsp:spPr>
+        <a:xfrm flipH="1">
+          <a:off x="0" y="0"/>
+          <a:ext cx="125092" cy="4082075"/>
+        </a:xfrm>
+        <a:prstGeom prst="rect">
+          <a:avLst/>
+        </a:prstGeom>
+        <a:noFill/>
+        <a:ln>
+          <a:noFill/>
+        </a:ln>
+        <a:effectLst/>
+      </dsp:spPr>
+      <dsp:style>
+        <a:lnRef idx="0">
+          <a:scrgbClr r="0" g="0" b="0"/>
+        </a:lnRef>
+        <a:fillRef idx="0">
+          <a:scrgbClr r="0" g="0" b="0"/>
+        </a:fillRef>
+        <a:effectRef idx="0">
+          <a:scrgbClr r="0" g="0" b="0"/>
+        </a:effectRef>
+        <a:fontRef idx="minor"/>
+      </dsp:style>
+      <dsp:txBody>
+        <a:bodyPr spcFirstLastPara="0" vert="horz" wrap="square" lIns="247650" tIns="247650" rIns="247650" bIns="247650" numCol="1" spcCol="1270" anchor="t" anchorCtr="0">
+          <a:noAutofit/>
+        </a:bodyPr>
+        <a:lstStyle/>
+        <a:p>
+          <a:pPr marL="0" lvl="0" indent="0" algn="l" defTabSz="2889250">
+            <a:lnSpc>
+              <a:spcPct val="90000"/>
+            </a:lnSpc>
+            <a:spcBef>
+              <a:spcPct val="0"/>
+            </a:spcBef>
+            <a:spcAft>
+              <a:spcPct val="35000"/>
+            </a:spcAft>
+            <a:buNone/>
+          </a:pPr>
+          <a:endParaRPr lang="en-US" sz="6500" kern="1200" dirty="0"/>
+        </a:p>
+      </dsp:txBody>
+      <dsp:txXfrm>
+        <a:off x="0" y="0"/>
+        <a:ext cx="125092" cy="4082075"/>
+      </dsp:txXfrm>
+    </dsp:sp>
+    <dsp:sp modelId="{11355CD5-E3E5-40B7-9D99-2E7F8A591B21}">
+      <dsp:nvSpPr>
+        <dsp:cNvPr id="0" name=""/>
+        <dsp:cNvSpPr/>
+      </dsp:nvSpPr>
+      <dsp:spPr>
+        <a:xfrm>
+          <a:off x="273682" y="63782"/>
+          <a:ext cx="7776210" cy="1275648"/>
+        </a:xfrm>
+        <a:prstGeom prst="rect">
+          <a:avLst/>
+        </a:prstGeom>
+        <a:noFill/>
+        <a:ln>
+          <a:noFill/>
+        </a:ln>
+        <a:effectLst/>
+      </dsp:spPr>
+      <dsp:style>
+        <a:lnRef idx="0">
+          <a:scrgbClr r="0" g="0" b="0"/>
+        </a:lnRef>
+        <a:fillRef idx="0">
+          <a:scrgbClr r="0" g="0" b="0"/>
+        </a:fillRef>
+        <a:effectRef idx="0">
+          <a:scrgbClr r="0" g="0" b="0"/>
+        </a:effectRef>
+        <a:fontRef idx="minor"/>
+      </dsp:style>
+      <dsp:txBody>
+        <a:bodyPr spcFirstLastPara="0" vert="horz" wrap="square" lIns="99060" tIns="99060" rIns="99060" bIns="99060" numCol="1" spcCol="1270" anchor="t" anchorCtr="0">
+          <a:noAutofit/>
+        </a:bodyPr>
+        <a:lstStyle/>
+        <a:p>
+          <a:pPr marL="0" lvl="0" indent="0" algn="l" defTabSz="1155700">
+            <a:lnSpc>
+              <a:spcPct val="90000"/>
+            </a:lnSpc>
+            <a:spcBef>
+              <a:spcPct val="0"/>
+            </a:spcBef>
+            <a:spcAft>
+              <a:spcPct val="35000"/>
+            </a:spcAft>
+            <a:buNone/>
+          </a:pPr>
+          <a:r>
+            <a:rPr lang="en-GB" sz="2600" kern="1200"/>
+            <a:t>Performance – Multithreading &amp; NGSA-II improvements</a:t>
+          </a:r>
+          <a:endParaRPr lang="en-US" sz="2600" kern="1200"/>
+        </a:p>
+      </dsp:txBody>
+      <dsp:txXfrm>
+        <a:off x="273682" y="63782"/>
+        <a:ext cx="7776210" cy="1275648"/>
+      </dsp:txXfrm>
+    </dsp:sp>
+    <dsp:sp modelId="{3CA87290-5E0E-4880-B0CD-BF5E5E82C37E}">
+      <dsp:nvSpPr>
+        <dsp:cNvPr id="0" name=""/>
+        <dsp:cNvSpPr/>
+      </dsp:nvSpPr>
+      <dsp:spPr>
+        <a:xfrm>
+          <a:off x="125092" y="1339430"/>
+          <a:ext cx="7924800" cy="0"/>
+        </a:xfrm>
+        <a:prstGeom prst="line">
+          <a:avLst/>
+        </a:prstGeom>
+        <a:solidFill>
+          <a:schemeClr val="accent5">
+            <a:hueOff val="0"/>
+            <a:satOff val="0"/>
+            <a:lumOff val="0"/>
+            <a:alphaOff val="0"/>
+          </a:schemeClr>
+        </a:solidFill>
+        <a:ln w="12700" cap="flat" cmpd="sng" algn="ctr">
+          <a:solidFill>
+            <a:schemeClr val="accent5">
+              <a:tint val="50000"/>
+              <a:hueOff val="0"/>
+              <a:satOff val="0"/>
+              <a:lumOff val="0"/>
+              <a:alphaOff val="0"/>
+            </a:schemeClr>
+          </a:solidFill>
+          <a:prstDash val="solid"/>
+          <a:miter lim="800000"/>
+        </a:ln>
+        <a:effectLst/>
+      </dsp:spPr>
+      <dsp:style>
+        <a:lnRef idx="2">
+          <a:scrgbClr r="0" g="0" b="0"/>
+        </a:lnRef>
+        <a:fillRef idx="1">
+          <a:scrgbClr r="0" g="0" b="0"/>
+        </a:fillRef>
+        <a:effectRef idx="0">
+          <a:scrgbClr r="0" g="0" b="0"/>
+        </a:effectRef>
+        <a:fontRef idx="minor"/>
+      </dsp:style>
+    </dsp:sp>
+    <dsp:sp modelId="{E028419A-A9CF-4442-9736-025E6D381C02}">
+      <dsp:nvSpPr>
+        <dsp:cNvPr id="0" name=""/>
+        <dsp:cNvSpPr/>
+      </dsp:nvSpPr>
+      <dsp:spPr>
+        <a:xfrm>
+          <a:off x="273682" y="1403213"/>
+          <a:ext cx="7776210" cy="1275648"/>
+        </a:xfrm>
+        <a:prstGeom prst="rect">
+          <a:avLst/>
+        </a:prstGeom>
+        <a:noFill/>
+        <a:ln>
+          <a:noFill/>
+        </a:ln>
+        <a:effectLst/>
+      </dsp:spPr>
+      <dsp:style>
+        <a:lnRef idx="0">
+          <a:scrgbClr r="0" g="0" b="0"/>
+        </a:lnRef>
+        <a:fillRef idx="0">
+          <a:scrgbClr r="0" g="0" b="0"/>
+        </a:fillRef>
+        <a:effectRef idx="0">
+          <a:scrgbClr r="0" g="0" b="0"/>
+        </a:effectRef>
+        <a:fontRef idx="minor"/>
+      </dsp:style>
+      <dsp:txBody>
+        <a:bodyPr spcFirstLastPara="0" vert="horz" wrap="square" lIns="99060" tIns="99060" rIns="99060" bIns="99060" numCol="1" spcCol="1270" anchor="t" anchorCtr="0">
+          <a:noAutofit/>
+        </a:bodyPr>
+        <a:lstStyle/>
+        <a:p>
+          <a:pPr marL="0" lvl="0" indent="0" algn="l" defTabSz="1155700">
+            <a:lnSpc>
+              <a:spcPct val="90000"/>
+            </a:lnSpc>
+            <a:spcBef>
+              <a:spcPct val="0"/>
+            </a:spcBef>
+            <a:spcAft>
+              <a:spcPct val="35000"/>
+            </a:spcAft>
+            <a:buNone/>
+          </a:pPr>
+          <a:r>
+            <a:rPr lang="en-GB" sz="2600" kern="1200"/>
+            <a:t>Generalisation – Currently trained on a localised dataset and allocates to a fixed set of locations</a:t>
+          </a:r>
+          <a:endParaRPr lang="en-US" sz="2600" kern="1200"/>
+        </a:p>
+      </dsp:txBody>
+      <dsp:txXfrm>
+        <a:off x="273682" y="1403213"/>
+        <a:ext cx="7776210" cy="1275648"/>
+      </dsp:txXfrm>
+    </dsp:sp>
+    <dsp:sp modelId="{D0AE410E-9AE5-4ECD-B9C0-AAAFBB949CDB}">
+      <dsp:nvSpPr>
+        <dsp:cNvPr id="0" name=""/>
+        <dsp:cNvSpPr/>
+      </dsp:nvSpPr>
+      <dsp:spPr>
+        <a:xfrm>
+          <a:off x="125092" y="2678861"/>
+          <a:ext cx="7924800" cy="0"/>
+        </a:xfrm>
+        <a:prstGeom prst="line">
+          <a:avLst/>
+        </a:prstGeom>
+        <a:solidFill>
+          <a:schemeClr val="accent5">
+            <a:hueOff val="0"/>
+            <a:satOff val="0"/>
+            <a:lumOff val="0"/>
+            <a:alphaOff val="0"/>
+          </a:schemeClr>
+        </a:solidFill>
+        <a:ln w="12700" cap="flat" cmpd="sng" algn="ctr">
+          <a:solidFill>
+            <a:schemeClr val="accent5">
+              <a:tint val="50000"/>
+              <a:hueOff val="0"/>
+              <a:satOff val="0"/>
+              <a:lumOff val="0"/>
+              <a:alphaOff val="0"/>
+            </a:schemeClr>
+          </a:solidFill>
+          <a:prstDash val="solid"/>
+          <a:miter lim="800000"/>
+        </a:ln>
+        <a:effectLst/>
+      </dsp:spPr>
+      <dsp:style>
+        <a:lnRef idx="2">
+          <a:scrgbClr r="0" g="0" b="0"/>
+        </a:lnRef>
+        <a:fillRef idx="1">
+          <a:scrgbClr r="0" g="0" b="0"/>
+        </a:fillRef>
+        <a:effectRef idx="0">
+          <a:scrgbClr r="0" g="0" b="0"/>
+        </a:effectRef>
+        <a:fontRef idx="minor"/>
+      </dsp:style>
+    </dsp:sp>
+    <dsp:sp modelId="{71C1A1ED-3367-48EF-B6C5-33A571CBF08C}">
+      <dsp:nvSpPr>
+        <dsp:cNvPr id="0" name=""/>
+        <dsp:cNvSpPr/>
+      </dsp:nvSpPr>
+      <dsp:spPr>
+        <a:xfrm>
+          <a:off x="273682" y="2742644"/>
+          <a:ext cx="7776210" cy="1275648"/>
+        </a:xfrm>
+        <a:prstGeom prst="rect">
+          <a:avLst/>
+        </a:prstGeom>
+        <a:noFill/>
+        <a:ln>
+          <a:noFill/>
+        </a:ln>
+        <a:effectLst/>
+      </dsp:spPr>
+      <dsp:style>
+        <a:lnRef idx="0">
+          <a:scrgbClr r="0" g="0" b="0"/>
+        </a:lnRef>
+        <a:fillRef idx="0">
+          <a:scrgbClr r="0" g="0" b="0"/>
+        </a:fillRef>
+        <a:effectRef idx="0">
+          <a:scrgbClr r="0" g="0" b="0"/>
+        </a:effectRef>
+        <a:fontRef idx="minor"/>
+      </dsp:style>
+      <dsp:txBody>
+        <a:bodyPr spcFirstLastPara="0" vert="horz" wrap="square" lIns="99060" tIns="99060" rIns="99060" bIns="99060" numCol="1" spcCol="1270" anchor="t" anchorCtr="0">
+          <a:noAutofit/>
+        </a:bodyPr>
+        <a:lstStyle/>
+        <a:p>
+          <a:pPr marL="0" lvl="0" indent="0" algn="l" defTabSz="1155700">
+            <a:lnSpc>
+              <a:spcPct val="90000"/>
+            </a:lnSpc>
+            <a:spcBef>
+              <a:spcPct val="0"/>
+            </a:spcBef>
+            <a:spcAft>
+              <a:spcPct val="35000"/>
+            </a:spcAft>
+            <a:buNone/>
+          </a:pPr>
+          <a:r>
+            <a:rPr lang="en-GB" sz="2600" kern="1200"/>
+            <a:t>Long Term Prediction – Changing weather could lead to different optimal locations caused by climate change.</a:t>
+          </a:r>
+          <a:endParaRPr lang="en-US" sz="2600" kern="1200"/>
+        </a:p>
+      </dsp:txBody>
+      <dsp:txXfrm>
+        <a:off x="273682" y="2742644"/>
+        <a:ext cx="7776210" cy="1275648"/>
+      </dsp:txXfrm>
+    </dsp:sp>
+    <dsp:sp modelId="{A3407B6B-290D-4FF8-8E99-70C5517634F7}">
+      <dsp:nvSpPr>
+        <dsp:cNvPr id="0" name=""/>
+        <dsp:cNvSpPr/>
+      </dsp:nvSpPr>
+      <dsp:spPr>
+        <a:xfrm>
+          <a:off x="125092" y="4018292"/>
+          <a:ext cx="7924800" cy="0"/>
+        </a:xfrm>
+        <a:prstGeom prst="line">
+          <a:avLst/>
+        </a:prstGeom>
+        <a:solidFill>
+          <a:schemeClr val="accent5">
+            <a:hueOff val="0"/>
+            <a:satOff val="0"/>
+            <a:lumOff val="0"/>
+            <a:alphaOff val="0"/>
+          </a:schemeClr>
+        </a:solidFill>
+        <a:ln w="12700" cap="flat" cmpd="sng" algn="ctr">
+          <a:solidFill>
+            <a:schemeClr val="accent5">
+              <a:tint val="50000"/>
+              <a:hueOff val="0"/>
+              <a:satOff val="0"/>
+              <a:lumOff val="0"/>
+              <a:alphaOff val="0"/>
+            </a:schemeClr>
+          </a:solidFill>
+          <a:prstDash val="solid"/>
+          <a:miter lim="800000"/>
+        </a:ln>
+        <a:effectLst/>
+      </dsp:spPr>
+      <dsp:style>
+        <a:lnRef idx="2">
+          <a:scrgbClr r="0" g="0" b="0"/>
+        </a:lnRef>
+        <a:fillRef idx="1">
+          <a:scrgbClr r="0" g="0" b="0"/>
+        </a:fillRef>
+        <a:effectRef idx="0">
+          <a:scrgbClr r="0" g="0" b="0"/>
+        </a:effectRef>
+        <a:fontRef idx="minor"/>
+      </dsp:style>
+    </dsp:sp>
+  </dsp:spTree>
+</dsp:drawing>
+</file>
+
 <file path=ppt/diagrams/layout1.xml><?xml version="1.0" encoding="utf-8"?>
 <dgm:layoutDef xmlns:dgm="http://schemas.openxmlformats.org/drawingml/2006/diagram" xmlns:a="http://schemas.openxmlformats.org/drawingml/2006/main" uniqueId="urn:microsoft.com/office/officeart/2018/2/layout/IconVerticalSolidList">
   <dgm:title val="Icon Vertical Solid List"/>
@@ -3567,7 +5103,1507 @@
 </dgm:layoutDef>
 </file>
 
+<file path=ppt/diagrams/layout2.xml><?xml version="1.0" encoding="utf-8"?>
+<dgm:layoutDef xmlns:dgm="http://schemas.openxmlformats.org/drawingml/2006/diagram" xmlns:a="http://schemas.openxmlformats.org/drawingml/2006/main" uniqueId="urn:microsoft.com/office/officeart/2008/layout/LinedList">
+  <dgm:title val=""/>
+  <dgm:desc val=""/>
+  <dgm:catLst>
+    <dgm:cat type="hierarchy" pri="8000"/>
+    <dgm:cat type="list" pri="2500"/>
+  </dgm:catLst>
+  <dgm:sampData>
+    <dgm:dataModel>
+      <dgm:ptLst>
+        <dgm:pt modelId="0" type="doc"/>
+        <dgm:pt modelId="1">
+          <dgm:prSet phldr="1"/>
+        </dgm:pt>
+        <dgm:pt modelId="11">
+          <dgm:prSet phldr="1"/>
+        </dgm:pt>
+        <dgm:pt modelId="12">
+          <dgm:prSet phldr="1"/>
+        </dgm:pt>
+        <dgm:pt modelId="13">
+          <dgm:prSet phldr="1"/>
+        </dgm:pt>
+      </dgm:ptLst>
+      <dgm:cxnLst>
+        <dgm:cxn modelId="2" srcId="0" destId="1" srcOrd="0" destOrd="0"/>
+        <dgm:cxn modelId="3" srcId="1" destId="11" srcOrd="0" destOrd="0"/>
+        <dgm:cxn modelId="4" srcId="1" destId="12" srcOrd="1" destOrd="0"/>
+        <dgm:cxn modelId="5" srcId="1" destId="13" srcOrd="2" destOrd="0"/>
+      </dgm:cxnLst>
+      <dgm:bg/>
+      <dgm:whole/>
+    </dgm:dataModel>
+  </dgm:sampData>
+  <dgm:styleData>
+    <dgm:dataModel>
+      <dgm:ptLst>
+        <dgm:pt modelId="0" type="doc"/>
+        <dgm:pt modelId="1">
+          <dgm:prSet phldr="1"/>
+        </dgm:pt>
+        <dgm:pt modelId="11">
+          <dgm:prSet phldr="1"/>
+        </dgm:pt>
+        <dgm:pt modelId="12">
+          <dgm:prSet phldr="1"/>
+        </dgm:pt>
+      </dgm:ptLst>
+      <dgm:cxnLst>
+        <dgm:cxn modelId="2" srcId="0" destId="1" srcOrd="0" destOrd="0"/>
+        <dgm:cxn modelId="3" srcId="1" destId="11" srcOrd="0" destOrd="0"/>
+        <dgm:cxn modelId="4" srcId="1" destId="12" srcOrd="1" destOrd="0"/>
+      </dgm:cxnLst>
+      <dgm:bg/>
+      <dgm:whole/>
+    </dgm:dataModel>
+  </dgm:styleData>
+  <dgm:clrData>
+    <dgm:dataModel>
+      <dgm:ptLst>
+        <dgm:pt modelId="0" type="doc"/>
+        <dgm:pt modelId="1">
+          <dgm:prSet phldr="1"/>
+        </dgm:pt>
+        <dgm:pt modelId="11">
+          <dgm:prSet phldr="1"/>
+        </dgm:pt>
+        <dgm:pt modelId="12">
+          <dgm:prSet phldr="1"/>
+        </dgm:pt>
+      </dgm:ptLst>
+      <dgm:cxnLst>
+        <dgm:cxn modelId="2" srcId="0" destId="1" srcOrd="0" destOrd="0"/>
+        <dgm:cxn modelId="3" srcId="1" destId="11" srcOrd="0" destOrd="0"/>
+        <dgm:cxn modelId="4" srcId="1" destId="12" srcOrd="1" destOrd="0"/>
+      </dgm:cxnLst>
+      <dgm:bg/>
+      <dgm:whole/>
+    </dgm:dataModel>
+  </dgm:clrData>
+  <dgm:layoutNode name="vert0">
+    <dgm:varLst>
+      <dgm:dir/>
+      <dgm:animOne val="branch"/>
+      <dgm:animLvl val="lvl"/>
+    </dgm:varLst>
+    <dgm:choose name="Name0">
+      <dgm:if name="Name1" func="var" arg="dir" op="equ" val="norm">
+        <dgm:alg type="lin">
+          <dgm:param type="linDir" val="fromT"/>
+          <dgm:param type="nodeHorzAlign" val="l"/>
+        </dgm:alg>
+      </dgm:if>
+      <dgm:else name="Name2">
+        <dgm:alg type="lin">
+          <dgm:param type="linDir" val="fromT"/>
+          <dgm:param type="nodeHorzAlign" val="r"/>
+        </dgm:alg>
+      </dgm:else>
+    </dgm:choose>
+    <dgm:shape xmlns:r="http://schemas.openxmlformats.org/officeDocument/2006/relationships" r:blip="">
+      <dgm:adjLst/>
+    </dgm:shape>
+    <dgm:presOf/>
+    <dgm:constrLst>
+      <dgm:constr type="w" for="ch" forName="horz1" refType="w"/>
+      <dgm:constr type="h" for="ch" forName="horz1" refType="h"/>
+      <dgm:constr type="h" for="des" forName="vert1" refType="h"/>
+      <dgm:constr type="h" for="des" forName="tx1" refType="h"/>
+      <dgm:constr type="h" for="des" forName="horz2" refType="h"/>
+      <dgm:constr type="h" for="des" forName="vert2" refType="h"/>
+      <dgm:constr type="h" for="des" forName="horz3" refType="h"/>
+      <dgm:constr type="h" for="des" forName="vert3" refType="h"/>
+      <dgm:constr type="h" for="des" forName="horz4" refType="h"/>
+      <dgm:constr type="h" for="des" ptType="node" refType="h"/>
+      <dgm:constr type="primFontSz" for="des" forName="tx1" op="equ" val="65"/>
+      <dgm:constr type="primFontSz" for="des" forName="tx2" op="equ" val="65"/>
+      <dgm:constr type="primFontSz" for="des" forName="tx3" op="equ" val="65"/>
+      <dgm:constr type="primFontSz" for="des" forName="tx4" op="equ" val="65"/>
+      <dgm:constr type="w" for="des" forName="thickLine" refType="w"/>
+      <dgm:constr type="h" for="des" forName="thickLine"/>
+      <dgm:constr type="h" for="des" forName="thinLine1"/>
+      <dgm:constr type="h" for="des" forName="thinLine2b"/>
+      <dgm:constr type="h" for="des" forName="thinLine3"/>
+      <dgm:constr type="h" for="des" forName="vertSpace2a" refType="h" fact="0.05"/>
+      <dgm:constr type="h" for="des" forName="vertSpace2b" refType="h" refFor="des" refForName="vertSpace2a"/>
+    </dgm:constrLst>
+    <dgm:forEach name="Name3" axis="ch" ptType="node">
+      <dgm:layoutNode name="thickLine" styleLbl="alignNode1">
+        <dgm:alg type="sp"/>
+        <dgm:shape xmlns:r="http://schemas.openxmlformats.org/officeDocument/2006/relationships" type="line" r:blip="">
+          <dgm:adjLst/>
+        </dgm:shape>
+        <dgm:presOf/>
+      </dgm:layoutNode>
+      <dgm:layoutNode name="horz1">
+        <dgm:choose name="Name4">
+          <dgm:if name="Name5" func="var" arg="dir" op="equ" val="norm">
+            <dgm:alg type="lin">
+              <dgm:param type="linDir" val="fromL"/>
+              <dgm:param type="nodeVertAlign" val="t"/>
+            </dgm:alg>
+          </dgm:if>
+          <dgm:else name="Name6">
+            <dgm:alg type="lin">
+              <dgm:param type="linDir" val="fromR"/>
+              <dgm:param type="nodeVertAlign" val="t"/>
+            </dgm:alg>
+          </dgm:else>
+        </dgm:choose>
+        <dgm:shape xmlns:r="http://schemas.openxmlformats.org/officeDocument/2006/relationships" r:blip="">
+          <dgm:adjLst/>
+        </dgm:shape>
+        <dgm:presOf/>
+        <dgm:choose name="Name7">
+          <dgm:if name="Name8" axis="root des" func="maxDepth" op="equ" val="1">
+            <dgm:constrLst>
+              <dgm:constr type="w" for="ch" forName="tx1" refType="w"/>
+            </dgm:constrLst>
+          </dgm:if>
+          <dgm:if name="Name9" axis="root des" func="maxDepth" op="equ" val="2">
+            <dgm:constrLst>
+              <dgm:constr type="w" for="ch" forName="tx1" refType="w" fact="0.2"/>
+              <dgm:constr type="w" for="des" forName="tx2" refType="w" fact="0.785"/>
+              <dgm:constr type="w" for="des" forName="horzSpace2" refType="w" fact="0.015"/>
+              <dgm:constr type="w" for="des" forName="thinLine2b" refType="w" fact="0.8"/>
+            </dgm:constrLst>
+          </dgm:if>
+          <dgm:if name="Name10" axis="root des" func="maxDepth" op="equ" val="3">
+            <dgm:constrLst>
+              <dgm:constr type="w" for="ch" forName="tx1" refType="w" fact="0.2"/>
+              <dgm:constr type="w" for="des" forName="tx2" refType="w" fact="0.385"/>
+              <dgm:constr type="w" for="des" forName="tx3" refType="w" fact="0.385"/>
+              <dgm:constr type="w" for="des" forName="horzSpace2" refType="w" fact="0.015"/>
+              <dgm:constr type="w" for="des" forName="horzSpace3" refType="w" fact="0.015"/>
+              <dgm:constr type="w" for="des" forName="thinLine2b" refType="w" fact="0.8"/>
+              <dgm:constr type="w" for="des" forName="thinLine3" refType="w" fact="0.385"/>
+            </dgm:constrLst>
+          </dgm:if>
+          <dgm:if name="Name11" axis="root des" func="maxDepth" op="gte" val="4">
+            <dgm:constrLst>
+              <dgm:constr type="w" for="ch" forName="tx1" refType="w" fact="0.2"/>
+              <dgm:constr type="w" for="des" forName="tx2" refType="w" fact="0.2516"/>
+              <dgm:constr type="w" for="des" forName="tx3" refType="w" fact="0.2516"/>
+              <dgm:constr type="w" for="des" forName="tx4" refType="w" fact="0.2516"/>
+              <dgm:constr type="w" for="des" forName="horzSpace2" refType="w" fact="0.015"/>
+              <dgm:constr type="w" for="des" forName="horzSpace3" refType="w" fact="0.015"/>
+              <dgm:constr type="w" for="des" forName="horzSpace4" refType="w" fact="0.015"/>
+              <dgm:constr type="w" for="des" forName="thinLine2b" refType="w" fact="0.8"/>
+              <dgm:constr type="w" for="des" forName="thinLine3" refType="w" fact="0.5332"/>
+            </dgm:constrLst>
+          </dgm:if>
+          <dgm:else name="Name12"/>
+        </dgm:choose>
+        <dgm:layoutNode name="tx1" styleLbl="revTx">
+          <dgm:alg type="tx">
+            <dgm:param type="parTxLTRAlign" val="l"/>
+            <dgm:param type="parTxRTLAlign" val="r"/>
+            <dgm:param type="txAnchorVert" val="t"/>
+          </dgm:alg>
+          <dgm:shape xmlns:r="http://schemas.openxmlformats.org/officeDocument/2006/relationships" type="rect" r:blip="">
+            <dgm:adjLst/>
+          </dgm:shape>
+          <dgm:presOf axis="self"/>
+          <dgm:constrLst>
+            <dgm:constr type="tMarg" refType="primFontSz" fact="0.3"/>
+            <dgm:constr type="bMarg" refType="primFontSz" fact="0.3"/>
+            <dgm:constr type="lMarg" refType="primFontSz" fact="0.3"/>
+            <dgm:constr type="rMarg" refType="primFontSz" fact="0.3"/>
+          </dgm:constrLst>
+          <dgm:ruleLst>
+            <dgm:rule type="primFontSz" val="5" fact="NaN" max="NaN"/>
+          </dgm:ruleLst>
+        </dgm:layoutNode>
+        <dgm:layoutNode name="vert1">
+          <dgm:choose name="Name13">
+            <dgm:if name="Name14" func="var" arg="dir" op="equ" val="norm">
+              <dgm:alg type="lin">
+                <dgm:param type="linDir" val="fromT"/>
+                <dgm:param type="nodeHorzAlign" val="l"/>
+              </dgm:alg>
+            </dgm:if>
+            <dgm:else name="Name15">
+              <dgm:alg type="lin">
+                <dgm:param type="linDir" val="fromT"/>
+                <dgm:param type="nodeHorzAlign" val="r"/>
+              </dgm:alg>
+            </dgm:else>
+          </dgm:choose>
+          <dgm:shape xmlns:r="http://schemas.openxmlformats.org/officeDocument/2006/relationships" r:blip="">
+            <dgm:adjLst/>
+          </dgm:shape>
+          <dgm:presOf/>
+          <dgm:forEach name="Name16" axis="ch" ptType="node">
+            <dgm:choose name="Name17">
+              <dgm:if name="Name18" axis="self" ptType="node" func="pos" op="equ" val="1">
+                <dgm:layoutNode name="vertSpace2a">
+                  <dgm:alg type="sp"/>
+                  <dgm:shape xmlns:r="http://schemas.openxmlformats.org/officeDocument/2006/relationships" r:blip="">
+                    <dgm:adjLst/>
+                  </dgm:shape>
+                  <dgm:presOf/>
+                </dgm:layoutNode>
+              </dgm:if>
+              <dgm:else name="Name19"/>
+            </dgm:choose>
+            <dgm:layoutNode name="horz2">
+              <dgm:choose name="Name20">
+                <dgm:if name="Name21" func="var" arg="dir" op="equ" val="norm">
+                  <dgm:alg type="lin">
+                    <dgm:param type="linDir" val="fromL"/>
+                    <dgm:param type="nodeVertAlign" val="t"/>
+                  </dgm:alg>
+                </dgm:if>
+                <dgm:else name="Name22">
+                  <dgm:alg type="lin">
+                    <dgm:param type="linDir" val="fromR"/>
+                    <dgm:param type="nodeVertAlign" val="t"/>
+                  </dgm:alg>
+                </dgm:else>
+              </dgm:choose>
+              <dgm:shape xmlns:r="http://schemas.openxmlformats.org/officeDocument/2006/relationships" r:blip="">
+                <dgm:adjLst/>
+              </dgm:shape>
+              <dgm:presOf/>
+              <dgm:layoutNode name="horzSpace2">
+                <dgm:alg type="sp"/>
+                <dgm:shape xmlns:r="http://schemas.openxmlformats.org/officeDocument/2006/relationships" r:blip="">
+                  <dgm:adjLst/>
+                </dgm:shape>
+                <dgm:presOf/>
+              </dgm:layoutNode>
+              <dgm:layoutNode name="tx2" styleLbl="revTx">
+                <dgm:alg type="tx">
+                  <dgm:param type="parTxLTRAlign" val="l"/>
+                  <dgm:param type="parTxRTLAlign" val="r"/>
+                  <dgm:param type="txAnchorVert" val="t"/>
+                </dgm:alg>
+                <dgm:shape xmlns:r="http://schemas.openxmlformats.org/officeDocument/2006/relationships" type="rect" r:blip="">
+                  <dgm:adjLst/>
+                </dgm:shape>
+                <dgm:presOf axis="self"/>
+                <dgm:constrLst>
+                  <dgm:constr type="tMarg" refType="primFontSz" fact="0.3"/>
+                  <dgm:constr type="bMarg" refType="primFontSz" fact="0.3"/>
+                  <dgm:constr type="lMarg" refType="primFontSz" fact="0.3"/>
+                  <dgm:constr type="rMarg" refType="primFontSz" fact="0.3"/>
+                </dgm:constrLst>
+                <dgm:ruleLst>
+                  <dgm:rule type="primFontSz" val="5" fact="NaN" max="NaN"/>
+                </dgm:ruleLst>
+              </dgm:layoutNode>
+              <dgm:layoutNode name="vert2">
+                <dgm:choose name="Name23">
+                  <dgm:if name="Name24" func="var" arg="dir" op="equ" val="norm">
+                    <dgm:alg type="lin">
+                      <dgm:param type="linDir" val="fromT"/>
+                      <dgm:param type="nodeHorzAlign" val="l"/>
+                    </dgm:alg>
+                  </dgm:if>
+                  <dgm:else name="Name25">
+                    <dgm:alg type="lin">
+                      <dgm:param type="linDir" val="fromT"/>
+                      <dgm:param type="nodeHorzAlign" val="r"/>
+                    </dgm:alg>
+                  </dgm:else>
+                </dgm:choose>
+                <dgm:shape xmlns:r="http://schemas.openxmlformats.org/officeDocument/2006/relationships" r:blip="">
+                  <dgm:adjLst/>
+                </dgm:shape>
+                <dgm:presOf/>
+                <dgm:forEach name="Name26" axis="ch" ptType="node">
+                  <dgm:layoutNode name="horz3">
+                    <dgm:choose name="Name27">
+                      <dgm:if name="Name28" func="var" arg="dir" op="equ" val="norm">
+                        <dgm:alg type="lin">
+                          <dgm:param type="linDir" val="fromL"/>
+                          <dgm:param type="nodeVertAlign" val="t"/>
+                        </dgm:alg>
+                      </dgm:if>
+                      <dgm:else name="Name29">
+                        <dgm:alg type="lin">
+                          <dgm:param type="linDir" val="fromR"/>
+                          <dgm:param type="nodeVertAlign" val="t"/>
+                        </dgm:alg>
+                      </dgm:else>
+                    </dgm:choose>
+                    <dgm:shape xmlns:r="http://schemas.openxmlformats.org/officeDocument/2006/relationships" r:blip="">
+                      <dgm:adjLst/>
+                    </dgm:shape>
+                    <dgm:presOf/>
+                    <dgm:layoutNode name="horzSpace3">
+                      <dgm:alg type="sp"/>
+                      <dgm:shape xmlns:r="http://schemas.openxmlformats.org/officeDocument/2006/relationships" r:blip="">
+                        <dgm:adjLst/>
+                      </dgm:shape>
+                      <dgm:presOf/>
+                    </dgm:layoutNode>
+                    <dgm:layoutNode name="tx3" styleLbl="revTx">
+                      <dgm:alg type="tx">
+                        <dgm:param type="parTxLTRAlign" val="l"/>
+                        <dgm:param type="parTxRTLAlign" val="r"/>
+                        <dgm:param type="txAnchorVert" val="t"/>
+                      </dgm:alg>
+                      <dgm:shape xmlns:r="http://schemas.openxmlformats.org/officeDocument/2006/relationships" type="rect" r:blip="">
+                        <dgm:adjLst/>
+                      </dgm:shape>
+                      <dgm:presOf axis="self"/>
+                      <dgm:constrLst>
+                        <dgm:constr type="tMarg" refType="primFontSz" fact="0.3"/>
+                        <dgm:constr type="bMarg" refType="primFontSz" fact="0.3"/>
+                        <dgm:constr type="lMarg" refType="primFontSz" fact="0.3"/>
+                        <dgm:constr type="rMarg" refType="primFontSz" fact="0.3"/>
+                      </dgm:constrLst>
+                      <dgm:ruleLst>
+                        <dgm:rule type="primFontSz" val="5" fact="NaN" max="NaN"/>
+                      </dgm:ruleLst>
+                    </dgm:layoutNode>
+                    <dgm:layoutNode name="vert3">
+                      <dgm:choose name="Name30">
+                        <dgm:if name="Name31" func="var" arg="dir" op="equ" val="norm">
+                          <dgm:alg type="lin">
+                            <dgm:param type="linDir" val="fromT"/>
+                            <dgm:param type="nodeHorzAlign" val="l"/>
+                          </dgm:alg>
+                        </dgm:if>
+                        <dgm:else name="Name32">
+                          <dgm:alg type="lin">
+                            <dgm:param type="linDir" val="fromT"/>
+                            <dgm:param type="nodeHorzAlign" val="r"/>
+                          </dgm:alg>
+                        </dgm:else>
+                      </dgm:choose>
+                      <dgm:shape xmlns:r="http://schemas.openxmlformats.org/officeDocument/2006/relationships" r:blip="">
+                        <dgm:adjLst/>
+                      </dgm:shape>
+                      <dgm:presOf/>
+                      <dgm:forEach name="Name33" axis="ch" ptType="node">
+                        <dgm:layoutNode name="horz4">
+                          <dgm:choose name="Name34">
+                            <dgm:if name="Name35" func="var" arg="dir" op="equ" val="norm">
+                              <dgm:alg type="lin">
+                                <dgm:param type="linDir" val="fromL"/>
+                                <dgm:param type="nodeVertAlign" val="t"/>
+                              </dgm:alg>
+                            </dgm:if>
+                            <dgm:else name="Name36">
+                              <dgm:alg type="lin">
+                                <dgm:param type="linDir" val="fromR"/>
+                                <dgm:param type="nodeVertAlign" val="t"/>
+                              </dgm:alg>
+                            </dgm:else>
+                          </dgm:choose>
+                          <dgm:shape xmlns:r="http://schemas.openxmlformats.org/officeDocument/2006/relationships" r:blip="">
+                            <dgm:adjLst/>
+                          </dgm:shape>
+                          <dgm:presOf/>
+                          <dgm:layoutNode name="horzSpace4">
+                            <dgm:alg type="sp"/>
+                            <dgm:shape xmlns:r="http://schemas.openxmlformats.org/officeDocument/2006/relationships" r:blip="">
+                              <dgm:adjLst/>
+                            </dgm:shape>
+                            <dgm:presOf/>
+                          </dgm:layoutNode>
+                          <dgm:layoutNode name="tx4" styleLbl="revTx">
+                            <dgm:varLst>
+                              <dgm:bulletEnabled val="1"/>
+                            </dgm:varLst>
+                            <dgm:alg type="tx">
+                              <dgm:param type="parTxLTRAlign" val="l"/>
+                              <dgm:param type="parTxRTLAlign" val="r"/>
+                              <dgm:param type="txAnchorVert" val="t"/>
+                            </dgm:alg>
+                            <dgm:shape xmlns:r="http://schemas.openxmlformats.org/officeDocument/2006/relationships" type="rect" r:blip="">
+                              <dgm:adjLst/>
+                            </dgm:shape>
+                            <dgm:presOf axis="desOrSelf" ptType="node"/>
+                            <dgm:constrLst>
+                              <dgm:constr type="tMarg" refType="primFontSz" fact="0.3"/>
+                              <dgm:constr type="bMarg" refType="primFontSz" fact="0.3"/>
+                              <dgm:constr type="lMarg" refType="primFontSz" fact="0.3"/>
+                              <dgm:constr type="rMarg" refType="primFontSz" fact="0.3"/>
+                            </dgm:constrLst>
+                            <dgm:ruleLst>
+                              <dgm:rule type="primFontSz" val="5" fact="NaN" max="NaN"/>
+                            </dgm:ruleLst>
+                          </dgm:layoutNode>
+                        </dgm:layoutNode>
+                      </dgm:forEach>
+                    </dgm:layoutNode>
+                  </dgm:layoutNode>
+                  <dgm:forEach name="Name37" axis="followSib" ptType="sibTrans" cnt="1">
+                    <dgm:layoutNode name="thinLine3" styleLbl="callout">
+                      <dgm:alg type="sp"/>
+                      <dgm:shape xmlns:r="http://schemas.openxmlformats.org/officeDocument/2006/relationships" type="line" r:blip="">
+                        <dgm:adjLst/>
+                      </dgm:shape>
+                      <dgm:presOf/>
+                    </dgm:layoutNode>
+                  </dgm:forEach>
+                </dgm:forEach>
+              </dgm:layoutNode>
+            </dgm:layoutNode>
+            <dgm:layoutNode name="thinLine2b" styleLbl="callout">
+              <dgm:alg type="sp"/>
+              <dgm:shape xmlns:r="http://schemas.openxmlformats.org/officeDocument/2006/relationships" type="line" r:blip="">
+                <dgm:adjLst/>
+              </dgm:shape>
+              <dgm:presOf/>
+            </dgm:layoutNode>
+            <dgm:layoutNode name="vertSpace2b">
+              <dgm:alg type="sp"/>
+              <dgm:shape xmlns:r="http://schemas.openxmlformats.org/officeDocument/2006/relationships" r:blip="">
+                <dgm:adjLst/>
+              </dgm:shape>
+              <dgm:presOf/>
+            </dgm:layoutNode>
+          </dgm:forEach>
+        </dgm:layoutNode>
+      </dgm:layoutNode>
+    </dgm:forEach>
+  </dgm:layoutNode>
+</dgm:layoutDef>
+</file>
+
 <file path=ppt/diagrams/quickStyle1.xml><?xml version="1.0" encoding="utf-8"?>
+<dgm:styleDef xmlns:dgm="http://schemas.openxmlformats.org/drawingml/2006/diagram" xmlns:a="http://schemas.openxmlformats.org/drawingml/2006/main" uniqueId="urn:microsoft.com/office/officeart/2005/8/quickstyle/simple1">
+  <dgm:title val=""/>
+  <dgm:desc val=""/>
+  <dgm:catLst>
+    <dgm:cat type="simple" pri="10100"/>
+  </dgm:catLst>
+  <dgm:scene3d>
+    <a:camera prst="orthographicFront"/>
+    <a:lightRig rig="threePt" dir="t"/>
+  </dgm:scene3d>
+  <dgm:styleLbl name="node0">
+    <dgm:scene3d>
+      <a:camera prst="orthographicFront"/>
+      <a:lightRig rig="threePt" dir="t"/>
+    </dgm:scene3d>
+    <dgm:sp3d/>
+    <dgm:txPr/>
+    <dgm:style>
+      <a:lnRef idx="2">
+        <a:scrgbClr r="0" g="0" b="0"/>
+      </a:lnRef>
+      <a:fillRef idx="1">
+        <a:scrgbClr r="0" g="0" b="0"/>
+      </a:fillRef>
+      <a:effectRef idx="0">
+        <a:scrgbClr r="0" g="0" b="0"/>
+      </a:effectRef>
+      <a:fontRef idx="minor">
+        <a:schemeClr val="lt1"/>
+      </a:fontRef>
+    </dgm:style>
+  </dgm:styleLbl>
+  <dgm:styleLbl name="lnNode1">
+    <dgm:scene3d>
+      <a:camera prst="orthographicFront"/>
+      <a:lightRig rig="threePt" dir="t"/>
+    </dgm:scene3d>
+    <dgm:sp3d/>
+    <dgm:txPr/>
+    <dgm:style>
+      <a:lnRef idx="2">
+        <a:scrgbClr r="0" g="0" b="0"/>
+      </a:lnRef>
+      <a:fillRef idx="1">
+        <a:scrgbClr r="0" g="0" b="0"/>
+      </a:fillRef>
+      <a:effectRef idx="0">
+        <a:scrgbClr r="0" g="0" b="0"/>
+      </a:effectRef>
+      <a:fontRef idx="minor">
+        <a:schemeClr val="lt1"/>
+      </a:fontRef>
+    </dgm:style>
+  </dgm:styleLbl>
+  <dgm:styleLbl name="vennNode1">
+    <dgm:scene3d>
+      <a:camera prst="orthographicFront"/>
+      <a:lightRig rig="threePt" dir="t"/>
+    </dgm:scene3d>
+    <dgm:sp3d/>
+    <dgm:txPr/>
+    <dgm:style>
+      <a:lnRef idx="2">
+        <a:scrgbClr r="0" g="0" b="0"/>
+      </a:lnRef>
+      <a:fillRef idx="1">
+        <a:scrgbClr r="0" g="0" b="0"/>
+      </a:fillRef>
+      <a:effectRef idx="0">
+        <a:scrgbClr r="0" g="0" b="0"/>
+      </a:effectRef>
+      <a:fontRef idx="minor">
+        <a:schemeClr val="tx1"/>
+      </a:fontRef>
+    </dgm:style>
+  </dgm:styleLbl>
+  <dgm:styleLbl name="alignNode1">
+    <dgm:scene3d>
+      <a:camera prst="orthographicFront"/>
+      <a:lightRig rig="threePt" dir="t"/>
+    </dgm:scene3d>
+    <dgm:sp3d/>
+    <dgm:txPr/>
+    <dgm:style>
+      <a:lnRef idx="2">
+        <a:scrgbClr r="0" g="0" b="0"/>
+      </a:lnRef>
+      <a:fillRef idx="1">
+        <a:scrgbClr r="0" g="0" b="0"/>
+      </a:fillRef>
+      <a:effectRef idx="0">
+        <a:scrgbClr r="0" g="0" b="0"/>
+      </a:effectRef>
+      <a:fontRef idx="minor">
+        <a:schemeClr val="lt1"/>
+      </a:fontRef>
+    </dgm:style>
+  </dgm:styleLbl>
+  <dgm:styleLbl name="node1">
+    <dgm:scene3d>
+      <a:camera prst="orthographicFront"/>
+      <a:lightRig rig="threePt" dir="t"/>
+    </dgm:scene3d>
+    <dgm:sp3d/>
+    <dgm:txPr/>
+    <dgm:style>
+      <a:lnRef idx="2">
+        <a:scrgbClr r="0" g="0" b="0"/>
+      </a:lnRef>
+      <a:fillRef idx="1">
+        <a:scrgbClr r="0" g="0" b="0"/>
+      </a:fillRef>
+      <a:effectRef idx="0">
+        <a:scrgbClr r="0" g="0" b="0"/>
+      </a:effectRef>
+      <a:fontRef idx="minor">
+        <a:schemeClr val="lt1"/>
+      </a:fontRef>
+    </dgm:style>
+  </dgm:styleLbl>
+  <dgm:styleLbl name="node2">
+    <dgm:scene3d>
+      <a:camera prst="orthographicFront"/>
+      <a:lightRig rig="threePt" dir="t"/>
+    </dgm:scene3d>
+    <dgm:sp3d/>
+    <dgm:txPr/>
+    <dgm:style>
+      <a:lnRef idx="2">
+        <a:scrgbClr r="0" g="0" b="0"/>
+      </a:lnRef>
+      <a:fillRef idx="1">
+        <a:scrgbClr r="0" g="0" b="0"/>
+      </a:fillRef>
+      <a:effectRef idx="0">
+        <a:scrgbClr r="0" g="0" b="0"/>
+      </a:effectRef>
+      <a:fontRef idx="minor">
+        <a:schemeClr val="lt1"/>
+      </a:fontRef>
+    </dgm:style>
+  </dgm:styleLbl>
+  <dgm:styleLbl name="node3">
+    <dgm:scene3d>
+      <a:camera prst="orthographicFront"/>
+      <a:lightRig rig="threePt" dir="t"/>
+    </dgm:scene3d>
+    <dgm:sp3d/>
+    <dgm:txPr/>
+    <dgm:style>
+      <a:lnRef idx="2">
+        <a:scrgbClr r="0" g="0" b="0"/>
+      </a:lnRef>
+      <a:fillRef idx="1">
+        <a:scrgbClr r="0" g="0" b="0"/>
+      </a:fillRef>
+      <a:effectRef idx="0">
+        <a:scrgbClr r="0" g="0" b="0"/>
+      </a:effectRef>
+      <a:fontRef idx="minor">
+        <a:schemeClr val="lt1"/>
+      </a:fontRef>
+    </dgm:style>
+  </dgm:styleLbl>
+  <dgm:styleLbl name="node4">
+    <dgm:scene3d>
+      <a:camera prst="orthographicFront"/>
+      <a:lightRig rig="threePt" dir="t"/>
+    </dgm:scene3d>
+    <dgm:sp3d/>
+    <dgm:txPr/>
+    <dgm:style>
+      <a:lnRef idx="2">
+        <a:scrgbClr r="0" g="0" b="0"/>
+      </a:lnRef>
+      <a:fillRef idx="1">
+        <a:scrgbClr r="0" g="0" b="0"/>
+      </a:fillRef>
+      <a:effectRef idx="0">
+        <a:scrgbClr r="0" g="0" b="0"/>
+      </a:effectRef>
+      <a:fontRef idx="minor">
+        <a:schemeClr val="lt1"/>
+      </a:fontRef>
+    </dgm:style>
+  </dgm:styleLbl>
+  <dgm:styleLbl name="fgImgPlace1">
+    <dgm:scene3d>
+      <a:camera prst="orthographicFront"/>
+      <a:lightRig rig="threePt" dir="t"/>
+    </dgm:scene3d>
+    <dgm:sp3d/>
+    <dgm:txPr/>
+    <dgm:style>
+      <a:lnRef idx="2">
+        <a:scrgbClr r="0" g="0" b="0"/>
+      </a:lnRef>
+      <a:fillRef idx="1">
+        <a:scrgbClr r="0" g="0" b="0"/>
+      </a:fillRef>
+      <a:effectRef idx="0">
+        <a:scrgbClr r="0" g="0" b="0"/>
+      </a:effectRef>
+      <a:fontRef idx="minor"/>
+    </dgm:style>
+  </dgm:styleLbl>
+  <dgm:styleLbl name="alignImgPlace1">
+    <dgm:scene3d>
+      <a:camera prst="orthographicFront"/>
+      <a:lightRig rig="threePt" dir="t"/>
+    </dgm:scene3d>
+    <dgm:sp3d/>
+    <dgm:txPr/>
+    <dgm:style>
+      <a:lnRef idx="2">
+        <a:scrgbClr r="0" g="0" b="0"/>
+      </a:lnRef>
+      <a:fillRef idx="1">
+        <a:scrgbClr r="0" g="0" b="0"/>
+      </a:fillRef>
+      <a:effectRef idx="0">
+        <a:scrgbClr r="0" g="0" b="0"/>
+      </a:effectRef>
+      <a:fontRef idx="minor"/>
+    </dgm:style>
+  </dgm:styleLbl>
+  <dgm:styleLbl name="bgImgPlace1">
+    <dgm:scene3d>
+      <a:camera prst="orthographicFront"/>
+      <a:lightRig rig="threePt" dir="t"/>
+    </dgm:scene3d>
+    <dgm:sp3d/>
+    <dgm:txPr/>
+    <dgm:style>
+      <a:lnRef idx="2">
+        <a:scrgbClr r="0" g="0" b="0"/>
+      </a:lnRef>
+      <a:fillRef idx="1">
+        <a:scrgbClr r="0" g="0" b="0"/>
+      </a:fillRef>
+      <a:effectRef idx="0">
+        <a:scrgbClr r="0" g="0" b="0"/>
+      </a:effectRef>
+      <a:fontRef idx="minor"/>
+    </dgm:style>
+  </dgm:styleLbl>
+  <dgm:styleLbl name="sibTrans2D1">
+    <dgm:scene3d>
+      <a:camera prst="orthographicFront"/>
+      <a:lightRig rig="threePt" dir="t"/>
+    </dgm:scene3d>
+    <dgm:sp3d/>
+    <dgm:txPr/>
+    <dgm:style>
+      <a:lnRef idx="0">
+        <a:scrgbClr r="0" g="0" b="0"/>
+      </a:lnRef>
+      <a:fillRef idx="1">
+        <a:scrgbClr r="0" g="0" b="0"/>
+      </a:fillRef>
+      <a:effectRef idx="0">
+        <a:scrgbClr r="0" g="0" b="0"/>
+      </a:effectRef>
+      <a:fontRef idx="minor">
+        <a:schemeClr val="lt1"/>
+      </a:fontRef>
+    </dgm:style>
+  </dgm:styleLbl>
+  <dgm:styleLbl name="fgSibTrans2D1">
+    <dgm:scene3d>
+      <a:camera prst="orthographicFront"/>
+      <a:lightRig rig="threePt" dir="t"/>
+    </dgm:scene3d>
+    <dgm:sp3d/>
+    <dgm:txPr/>
+    <dgm:style>
+      <a:lnRef idx="0">
+        <a:scrgbClr r="0" g="0" b="0"/>
+      </a:lnRef>
+      <a:fillRef idx="1">
+        <a:scrgbClr r="0" g="0" b="0"/>
+      </a:fillRef>
+      <a:effectRef idx="0">
+        <a:scrgbClr r="0" g="0" b="0"/>
+      </a:effectRef>
+      <a:fontRef idx="minor">
+        <a:schemeClr val="lt1"/>
+      </a:fontRef>
+    </dgm:style>
+  </dgm:styleLbl>
+  <dgm:styleLbl name="bgSibTrans2D1">
+    <dgm:scene3d>
+      <a:camera prst="orthographicFront"/>
+      <a:lightRig rig="threePt" dir="t"/>
+    </dgm:scene3d>
+    <dgm:sp3d/>
+    <dgm:txPr/>
+    <dgm:style>
+      <a:lnRef idx="0">
+        <a:scrgbClr r="0" g="0" b="0"/>
+      </a:lnRef>
+      <a:fillRef idx="1">
+        <a:scrgbClr r="0" g="0" b="0"/>
+      </a:fillRef>
+      <a:effectRef idx="0">
+        <a:scrgbClr r="0" g="0" b="0"/>
+      </a:effectRef>
+      <a:fontRef idx="minor">
+        <a:schemeClr val="lt1"/>
+      </a:fontRef>
+    </dgm:style>
+  </dgm:styleLbl>
+  <dgm:styleLbl name="sibTrans1D1">
+    <dgm:scene3d>
+      <a:camera prst="orthographicFront"/>
+      <a:lightRig rig="threePt" dir="t"/>
+    </dgm:scene3d>
+    <dgm:sp3d/>
+    <dgm:txPr/>
+    <dgm:style>
+      <a:lnRef idx="1">
+        <a:scrgbClr r="0" g="0" b="0"/>
+      </a:lnRef>
+      <a:fillRef idx="0">
+        <a:scrgbClr r="0" g="0" b="0"/>
+      </a:fillRef>
+      <a:effectRef idx="0">
+        <a:scrgbClr r="0" g="0" b="0"/>
+      </a:effectRef>
+      <a:fontRef idx="minor"/>
+    </dgm:style>
+  </dgm:styleLbl>
+  <dgm:styleLbl name="callout">
+    <dgm:scene3d>
+      <a:camera prst="orthographicFront"/>
+      <a:lightRig rig="threePt" dir="t"/>
+    </dgm:scene3d>
+    <dgm:sp3d/>
+    <dgm:txPr/>
+    <dgm:style>
+      <a:lnRef idx="2">
+        <a:scrgbClr r="0" g="0" b="0"/>
+      </a:lnRef>
+      <a:fillRef idx="1">
+        <a:scrgbClr r="0" g="0" b="0"/>
+      </a:fillRef>
+      <a:effectRef idx="0">
+        <a:scrgbClr r="0" g="0" b="0"/>
+      </a:effectRef>
+      <a:fontRef idx="minor"/>
+    </dgm:style>
+  </dgm:styleLbl>
+  <dgm:styleLbl name="asst0">
+    <dgm:scene3d>
+      <a:camera prst="orthographicFront"/>
+      <a:lightRig rig="threePt" dir="t"/>
+    </dgm:scene3d>
+    <dgm:sp3d/>
+    <dgm:txPr/>
+    <dgm:style>
+      <a:lnRef idx="2">
+        <a:scrgbClr r="0" g="0" b="0"/>
+      </a:lnRef>
+      <a:fillRef idx="1">
+        <a:scrgbClr r="0" g="0" b="0"/>
+      </a:fillRef>
+      <a:effectRef idx="0">
+        <a:scrgbClr r="0" g="0" b="0"/>
+      </a:effectRef>
+      <a:fontRef idx="minor">
+        <a:schemeClr val="lt1"/>
+      </a:fontRef>
+    </dgm:style>
+  </dgm:styleLbl>
+  <dgm:styleLbl name="asst1">
+    <dgm:scene3d>
+      <a:camera prst="orthographicFront"/>
+      <a:lightRig rig="threePt" dir="t"/>
+    </dgm:scene3d>
+    <dgm:sp3d/>
+    <dgm:txPr/>
+    <dgm:style>
+      <a:lnRef idx="2">
+        <a:scrgbClr r="0" g="0" b="0"/>
+      </a:lnRef>
+      <a:fillRef idx="1">
+        <a:scrgbClr r="0" g="0" b="0"/>
+      </a:fillRef>
+      <a:effectRef idx="0">
+        <a:scrgbClr r="0" g="0" b="0"/>
+      </a:effectRef>
+      <a:fontRef idx="minor">
+        <a:schemeClr val="lt1"/>
+      </a:fontRef>
+    </dgm:style>
+  </dgm:styleLbl>
+  <dgm:styleLbl name="asst2">
+    <dgm:scene3d>
+      <a:camera prst="orthographicFront"/>
+      <a:lightRig rig="threePt" dir="t"/>
+    </dgm:scene3d>
+    <dgm:sp3d/>
+    <dgm:txPr/>
+    <dgm:style>
+      <a:lnRef idx="2">
+        <a:scrgbClr r="0" g="0" b="0"/>
+      </a:lnRef>
+      <a:fillRef idx="1">
+        <a:scrgbClr r="0" g="0" b="0"/>
+      </a:fillRef>
+      <a:effectRef idx="0">
+        <a:scrgbClr r="0" g="0" b="0"/>
+      </a:effectRef>
+      <a:fontRef idx="minor">
+        <a:schemeClr val="lt1"/>
+      </a:fontRef>
+    </dgm:style>
+  </dgm:styleLbl>
+  <dgm:styleLbl name="asst3">
+    <dgm:scene3d>
+      <a:camera prst="orthographicFront"/>
+      <a:lightRig rig="threePt" dir="t"/>
+    </dgm:scene3d>
+    <dgm:sp3d/>
+    <dgm:txPr/>
+    <dgm:style>
+      <a:lnRef idx="2">
+        <a:scrgbClr r="0" g="0" b="0"/>
+      </a:lnRef>
+      <a:fillRef idx="1">
+        <a:scrgbClr r="0" g="0" b="0"/>
+      </a:fillRef>
+      <a:effectRef idx="0">
+        <a:scrgbClr r="0" g="0" b="0"/>
+      </a:effectRef>
+      <a:fontRef idx="minor">
+        <a:schemeClr val="lt1"/>
+      </a:fontRef>
+    </dgm:style>
+  </dgm:styleLbl>
+  <dgm:styleLbl name="asst4">
+    <dgm:scene3d>
+      <a:camera prst="orthographicFront"/>
+      <a:lightRig rig="threePt" dir="t"/>
+    </dgm:scene3d>
+    <dgm:sp3d/>
+    <dgm:txPr/>
+    <dgm:style>
+      <a:lnRef idx="2">
+        <a:scrgbClr r="0" g="0" b="0"/>
+      </a:lnRef>
+      <a:fillRef idx="1">
+        <a:scrgbClr r="0" g="0" b="0"/>
+      </a:fillRef>
+      <a:effectRef idx="0">
+        <a:scrgbClr r="0" g="0" b="0"/>
+      </a:effectRef>
+      <a:fontRef idx="minor">
+        <a:schemeClr val="lt1"/>
+      </a:fontRef>
+    </dgm:style>
+  </dgm:styleLbl>
+  <dgm:styleLbl name="parChTrans2D1">
+    <dgm:scene3d>
+      <a:camera prst="orthographicFront"/>
+      <a:lightRig rig="threePt" dir="t"/>
+    </dgm:scene3d>
+    <dgm:sp3d/>
+    <dgm:txPr/>
+    <dgm:style>
+      <a:lnRef idx="2">
+        <a:scrgbClr r="0" g="0" b="0"/>
+      </a:lnRef>
+      <a:fillRef idx="1">
+        <a:scrgbClr r="0" g="0" b="0"/>
+      </a:fillRef>
+      <a:effectRef idx="0">
+        <a:scrgbClr r="0" g="0" b="0"/>
+      </a:effectRef>
+      <a:fontRef idx="minor">
+        <a:schemeClr val="lt1"/>
+      </a:fontRef>
+    </dgm:style>
+  </dgm:styleLbl>
+  <dgm:styleLbl name="parChTrans2D2">
+    <dgm:scene3d>
+      <a:camera prst="orthographicFront"/>
+      <a:lightRig rig="threePt" dir="t"/>
+    </dgm:scene3d>
+    <dgm:sp3d/>
+    <dgm:txPr/>
+    <dgm:style>
+      <a:lnRef idx="2">
+        <a:scrgbClr r="0" g="0" b="0"/>
+      </a:lnRef>
+      <a:fillRef idx="1">
+        <a:scrgbClr r="0" g="0" b="0"/>
+      </a:fillRef>
+      <a:effectRef idx="0">
+        <a:scrgbClr r="0" g="0" b="0"/>
+      </a:effectRef>
+      <a:fontRef idx="minor">
+        <a:schemeClr val="lt1"/>
+      </a:fontRef>
+    </dgm:style>
+  </dgm:styleLbl>
+  <dgm:styleLbl name="parChTrans2D3">
+    <dgm:scene3d>
+      <a:camera prst="orthographicFront"/>
+      <a:lightRig rig="threePt" dir="t"/>
+    </dgm:scene3d>
+    <dgm:sp3d/>
+    <dgm:txPr/>
+    <dgm:style>
+      <a:lnRef idx="2">
+        <a:scrgbClr r="0" g="0" b="0"/>
+      </a:lnRef>
+      <a:fillRef idx="1">
+        <a:scrgbClr r="0" g="0" b="0"/>
+      </a:fillRef>
+      <a:effectRef idx="0">
+        <a:scrgbClr r="0" g="0" b="0"/>
+      </a:effectRef>
+      <a:fontRef idx="minor">
+        <a:schemeClr val="lt1"/>
+      </a:fontRef>
+    </dgm:style>
+  </dgm:styleLbl>
+  <dgm:styleLbl name="parChTrans2D4">
+    <dgm:scene3d>
+      <a:camera prst="orthographicFront"/>
+      <a:lightRig rig="threePt" dir="t"/>
+    </dgm:scene3d>
+    <dgm:sp3d/>
+    <dgm:txPr/>
+    <dgm:style>
+      <a:lnRef idx="2">
+        <a:scrgbClr r="0" g="0" b="0"/>
+      </a:lnRef>
+      <a:fillRef idx="1">
+        <a:scrgbClr r="0" g="0" b="0"/>
+      </a:fillRef>
+      <a:effectRef idx="0">
+        <a:scrgbClr r="0" g="0" b="0"/>
+      </a:effectRef>
+      <a:fontRef idx="minor">
+        <a:schemeClr val="lt1"/>
+      </a:fontRef>
+    </dgm:style>
+  </dgm:styleLbl>
+  <dgm:styleLbl name="parChTrans1D1">
+    <dgm:scene3d>
+      <a:camera prst="orthographicFront"/>
+      <a:lightRig rig="threePt" dir="t"/>
+    </dgm:scene3d>
+    <dgm:sp3d/>
+    <dgm:txPr/>
+    <dgm:style>
+      <a:lnRef idx="2">
+        <a:scrgbClr r="0" g="0" b="0"/>
+      </a:lnRef>
+      <a:fillRef idx="0">
+        <a:scrgbClr r="0" g="0" b="0"/>
+      </a:fillRef>
+      <a:effectRef idx="0">
+        <a:scrgbClr r="0" g="0" b="0"/>
+      </a:effectRef>
+      <a:fontRef idx="minor"/>
+    </dgm:style>
+  </dgm:styleLbl>
+  <dgm:styleLbl name="parChTrans1D2">
+    <dgm:scene3d>
+      <a:camera prst="orthographicFront"/>
+      <a:lightRig rig="threePt" dir="t"/>
+    </dgm:scene3d>
+    <dgm:sp3d/>
+    <dgm:txPr/>
+    <dgm:style>
+      <a:lnRef idx="2">
+        <a:scrgbClr r="0" g="0" b="0"/>
+      </a:lnRef>
+      <a:fillRef idx="0">
+        <a:scrgbClr r="0" g="0" b="0"/>
+      </a:fillRef>
+      <a:effectRef idx="0">
+        <a:scrgbClr r="0" g="0" b="0"/>
+      </a:effectRef>
+      <a:fontRef idx="minor"/>
+    </dgm:style>
+  </dgm:styleLbl>
+  <dgm:styleLbl name="parChTrans1D3">
+    <dgm:scene3d>
+      <a:camera prst="orthographicFront"/>
+      <a:lightRig rig="threePt" dir="t"/>
+    </dgm:scene3d>
+    <dgm:sp3d/>
+    <dgm:txPr/>
+    <dgm:style>
+      <a:lnRef idx="2">
+        <a:scrgbClr r="0" g="0" b="0"/>
+      </a:lnRef>
+      <a:fillRef idx="0">
+        <a:scrgbClr r="0" g="0" b="0"/>
+      </a:fillRef>
+      <a:effectRef idx="0">
+        <a:scrgbClr r="0" g="0" b="0"/>
+      </a:effectRef>
+      <a:fontRef idx="minor"/>
+    </dgm:style>
+  </dgm:styleLbl>
+  <dgm:styleLbl name="parChTrans1D4">
+    <dgm:scene3d>
+      <a:camera prst="orthographicFront"/>
+      <a:lightRig rig="threePt" dir="t"/>
+    </dgm:scene3d>
+    <dgm:sp3d/>
+    <dgm:txPr/>
+    <dgm:style>
+      <a:lnRef idx="2">
+        <a:scrgbClr r="0" g="0" b="0"/>
+      </a:lnRef>
+      <a:fillRef idx="0">
+        <a:scrgbClr r="0" g="0" b="0"/>
+      </a:fillRef>
+      <a:effectRef idx="0">
+        <a:scrgbClr r="0" g="0" b="0"/>
+      </a:effectRef>
+      <a:fontRef idx="minor"/>
+    </dgm:style>
+  </dgm:styleLbl>
+  <dgm:styleLbl name="fgAcc1">
+    <dgm:scene3d>
+      <a:camera prst="orthographicFront"/>
+      <a:lightRig rig="threePt" dir="t"/>
+    </dgm:scene3d>
+    <dgm:sp3d/>
+    <dgm:txPr/>
+    <dgm:style>
+      <a:lnRef idx="2">
+        <a:scrgbClr r="0" g="0" b="0"/>
+      </a:lnRef>
+      <a:fillRef idx="1">
+        <a:scrgbClr r="0" g="0" b="0"/>
+      </a:fillRef>
+      <a:effectRef idx="0">
+        <a:scrgbClr r="0" g="0" b="0"/>
+      </a:effectRef>
+      <a:fontRef idx="minor"/>
+    </dgm:style>
+  </dgm:styleLbl>
+  <dgm:styleLbl name="conFgAcc1">
+    <dgm:scene3d>
+      <a:camera prst="orthographicFront"/>
+      <a:lightRig rig="threePt" dir="t"/>
+    </dgm:scene3d>
+    <dgm:sp3d/>
+    <dgm:txPr/>
+    <dgm:style>
+      <a:lnRef idx="2">
+        <a:scrgbClr r="0" g="0" b="0"/>
+      </a:lnRef>
+      <a:fillRef idx="1">
+        <a:scrgbClr r="0" g="0" b="0"/>
+      </a:fillRef>
+      <a:effectRef idx="0">
+        <a:scrgbClr r="0" g="0" b="0"/>
+      </a:effectRef>
+      <a:fontRef idx="minor"/>
+    </dgm:style>
+  </dgm:styleLbl>
+  <dgm:styleLbl name="alignAcc1">
+    <dgm:scene3d>
+      <a:camera prst="orthographicFront"/>
+      <a:lightRig rig="threePt" dir="t"/>
+    </dgm:scene3d>
+    <dgm:sp3d/>
+    <dgm:txPr/>
+    <dgm:style>
+      <a:lnRef idx="2">
+        <a:scrgbClr r="0" g="0" b="0"/>
+      </a:lnRef>
+      <a:fillRef idx="1">
+        <a:scrgbClr r="0" g="0" b="0"/>
+      </a:fillRef>
+      <a:effectRef idx="0">
+        <a:scrgbClr r="0" g="0" b="0"/>
+      </a:effectRef>
+      <a:fontRef idx="minor"/>
+    </dgm:style>
+  </dgm:styleLbl>
+  <dgm:styleLbl name="trAlignAcc1">
+    <dgm:scene3d>
+      <a:camera prst="orthographicFront"/>
+      <a:lightRig rig="threePt" dir="t"/>
+    </dgm:scene3d>
+    <dgm:sp3d/>
+    <dgm:txPr/>
+    <dgm:style>
+      <a:lnRef idx="1">
+        <a:scrgbClr r="0" g="0" b="0"/>
+      </a:lnRef>
+      <a:fillRef idx="1">
+        <a:scrgbClr r="0" g="0" b="0"/>
+      </a:fillRef>
+      <a:effectRef idx="0">
+        <a:scrgbClr r="0" g="0" b="0"/>
+      </a:effectRef>
+      <a:fontRef idx="minor"/>
+    </dgm:style>
+  </dgm:styleLbl>
+  <dgm:styleLbl name="bgAcc1">
+    <dgm:scene3d>
+      <a:camera prst="orthographicFront"/>
+      <a:lightRig rig="threePt" dir="t"/>
+    </dgm:scene3d>
+    <dgm:sp3d/>
+    <dgm:txPr/>
+    <dgm:style>
+      <a:lnRef idx="2">
+        <a:scrgbClr r="0" g="0" b="0"/>
+      </a:lnRef>
+      <a:fillRef idx="1">
+        <a:scrgbClr r="0" g="0" b="0"/>
+      </a:fillRef>
+      <a:effectRef idx="0">
+        <a:scrgbClr r="0" g="0" b="0"/>
+      </a:effectRef>
+      <a:fontRef idx="minor"/>
+    </dgm:style>
+  </dgm:styleLbl>
+  <dgm:styleLbl name="solidFgAcc1">
+    <dgm:scene3d>
+      <a:camera prst="orthographicFront"/>
+      <a:lightRig rig="threePt" dir="t"/>
+    </dgm:scene3d>
+    <dgm:sp3d/>
+    <dgm:txPr/>
+    <dgm:style>
+      <a:lnRef idx="2">
+        <a:scrgbClr r="0" g="0" b="0"/>
+      </a:lnRef>
+      <a:fillRef idx="1">
+        <a:scrgbClr r="0" g="0" b="0"/>
+      </a:fillRef>
+      <a:effectRef idx="0">
+        <a:scrgbClr r="0" g="0" b="0"/>
+      </a:effectRef>
+      <a:fontRef idx="minor"/>
+    </dgm:style>
+  </dgm:styleLbl>
+  <dgm:styleLbl name="solidAlignAcc1">
+    <dgm:scene3d>
+      <a:camera prst="orthographicFront"/>
+      <a:lightRig rig="threePt" dir="t"/>
+    </dgm:scene3d>
+    <dgm:sp3d/>
+    <dgm:txPr/>
+    <dgm:style>
+      <a:lnRef idx="2">
+        <a:scrgbClr r="0" g="0" b="0"/>
+      </a:lnRef>
+      <a:fillRef idx="1">
+        <a:scrgbClr r="0" g="0" b="0"/>
+      </a:fillRef>
+      <a:effectRef idx="0">
+        <a:scrgbClr r="0" g="0" b="0"/>
+      </a:effectRef>
+      <a:fontRef idx="minor"/>
+    </dgm:style>
+  </dgm:styleLbl>
+  <dgm:styleLbl name="solidBgAcc1">
+    <dgm:scene3d>
+      <a:camera prst="orthographicFront"/>
+      <a:lightRig rig="threePt" dir="t"/>
+    </dgm:scene3d>
+    <dgm:sp3d/>
+    <dgm:txPr/>
+    <dgm:style>
+      <a:lnRef idx="2">
+        <a:scrgbClr r="0" g="0" b="0"/>
+      </a:lnRef>
+      <a:fillRef idx="1">
+        <a:scrgbClr r="0" g="0" b="0"/>
+      </a:fillRef>
+      <a:effectRef idx="0">
+        <a:scrgbClr r="0" g="0" b="0"/>
+      </a:effectRef>
+      <a:fontRef idx="minor"/>
+    </dgm:style>
+  </dgm:styleLbl>
+  <dgm:styleLbl name="fgAccFollowNode1">
+    <dgm:scene3d>
+      <a:camera prst="orthographicFront"/>
+      <a:lightRig rig="threePt" dir="t"/>
+    </dgm:scene3d>
+    <dgm:sp3d/>
+    <dgm:txPr/>
+    <dgm:style>
+      <a:lnRef idx="2">
+        <a:scrgbClr r="0" g="0" b="0"/>
+      </a:lnRef>
+      <a:fillRef idx="1">
+        <a:scrgbClr r="0" g="0" b="0"/>
+      </a:fillRef>
+      <a:effectRef idx="0">
+        <a:scrgbClr r="0" g="0" b="0"/>
+      </a:effectRef>
+      <a:fontRef idx="minor"/>
+    </dgm:style>
+  </dgm:styleLbl>
+  <dgm:styleLbl name="alignAccFollowNode1">
+    <dgm:scene3d>
+      <a:camera prst="orthographicFront"/>
+      <a:lightRig rig="threePt" dir="t"/>
+    </dgm:scene3d>
+    <dgm:sp3d/>
+    <dgm:txPr/>
+    <dgm:style>
+      <a:lnRef idx="2">
+        <a:scrgbClr r="0" g="0" b="0"/>
+      </a:lnRef>
+      <a:fillRef idx="1">
+        <a:scrgbClr r="0" g="0" b="0"/>
+      </a:fillRef>
+      <a:effectRef idx="0">
+        <a:scrgbClr r="0" g="0" b="0"/>
+      </a:effectRef>
+      <a:fontRef idx="minor"/>
+    </dgm:style>
+  </dgm:styleLbl>
+  <dgm:styleLbl name="bgAccFollowNode1">
+    <dgm:scene3d>
+      <a:camera prst="orthographicFront"/>
+      <a:lightRig rig="threePt" dir="t"/>
+    </dgm:scene3d>
+    <dgm:sp3d/>
+    <dgm:txPr/>
+    <dgm:style>
+      <a:lnRef idx="2">
+        <a:scrgbClr r="0" g="0" b="0"/>
+      </a:lnRef>
+      <a:fillRef idx="1">
+        <a:scrgbClr r="0" g="0" b="0"/>
+      </a:fillRef>
+      <a:effectRef idx="0">
+        <a:scrgbClr r="0" g="0" b="0"/>
+      </a:effectRef>
+      <a:fontRef idx="minor"/>
+    </dgm:style>
+  </dgm:styleLbl>
+  <dgm:styleLbl name="fgAcc0">
+    <dgm:scene3d>
+      <a:camera prst="orthographicFront"/>
+      <a:lightRig rig="threePt" dir="t"/>
+    </dgm:scene3d>
+    <dgm:sp3d/>
+    <dgm:txPr/>
+    <dgm:style>
+      <a:lnRef idx="2">
+        <a:scrgbClr r="0" g="0" b="0"/>
+      </a:lnRef>
+      <a:fillRef idx="1">
+        <a:scrgbClr r="0" g="0" b="0"/>
+      </a:fillRef>
+      <a:effectRef idx="0">
+        <a:scrgbClr r="0" g="0" b="0"/>
+      </a:effectRef>
+      <a:fontRef idx="minor"/>
+    </dgm:style>
+  </dgm:styleLbl>
+  <dgm:styleLbl name="fgAcc2">
+    <dgm:scene3d>
+      <a:camera prst="orthographicFront"/>
+      <a:lightRig rig="threePt" dir="t"/>
+    </dgm:scene3d>
+    <dgm:sp3d/>
+    <dgm:txPr/>
+    <dgm:style>
+      <a:lnRef idx="2">
+        <a:scrgbClr r="0" g="0" b="0"/>
+      </a:lnRef>
+      <a:fillRef idx="1">
+        <a:scrgbClr r="0" g="0" b="0"/>
+      </a:fillRef>
+      <a:effectRef idx="0">
+        <a:scrgbClr r="0" g="0" b="0"/>
+      </a:effectRef>
+      <a:fontRef idx="minor"/>
+    </dgm:style>
+  </dgm:styleLbl>
+  <dgm:styleLbl name="fgAcc3">
+    <dgm:scene3d>
+      <a:camera prst="orthographicFront"/>
+      <a:lightRig rig="threePt" dir="t"/>
+    </dgm:scene3d>
+    <dgm:sp3d/>
+    <dgm:txPr/>
+    <dgm:style>
+      <a:lnRef idx="2">
+        <a:scrgbClr r="0" g="0" b="0"/>
+      </a:lnRef>
+      <a:fillRef idx="1">
+        <a:scrgbClr r="0" g="0" b="0"/>
+      </a:fillRef>
+      <a:effectRef idx="0">
+        <a:scrgbClr r="0" g="0" b="0"/>
+      </a:effectRef>
+      <a:fontRef idx="minor"/>
+    </dgm:style>
+  </dgm:styleLbl>
+  <dgm:styleLbl name="fgAcc4">
+    <dgm:scene3d>
+      <a:camera prst="orthographicFront"/>
+      <a:lightRig rig="threePt" dir="t"/>
+    </dgm:scene3d>
+    <dgm:sp3d/>
+    <dgm:txPr/>
+    <dgm:style>
+      <a:lnRef idx="2">
+        <a:scrgbClr r="0" g="0" b="0"/>
+      </a:lnRef>
+      <a:fillRef idx="1">
+        <a:scrgbClr r="0" g="0" b="0"/>
+      </a:fillRef>
+      <a:effectRef idx="0">
+        <a:scrgbClr r="0" g="0" b="0"/>
+      </a:effectRef>
+      <a:fontRef idx="minor"/>
+    </dgm:style>
+  </dgm:styleLbl>
+  <dgm:styleLbl name="bgShp">
+    <dgm:scene3d>
+      <a:camera prst="orthographicFront"/>
+      <a:lightRig rig="threePt" dir="t"/>
+    </dgm:scene3d>
+    <dgm:sp3d/>
+    <dgm:txPr/>
+    <dgm:style>
+      <a:lnRef idx="0">
+        <a:scrgbClr r="0" g="0" b="0"/>
+      </a:lnRef>
+      <a:fillRef idx="1">
+        <a:scrgbClr r="0" g="0" b="0"/>
+      </a:fillRef>
+      <a:effectRef idx="0">
+        <a:scrgbClr r="0" g="0" b="0"/>
+      </a:effectRef>
+      <a:fontRef idx="minor"/>
+    </dgm:style>
+  </dgm:styleLbl>
+  <dgm:styleLbl name="dkBgShp">
+    <dgm:scene3d>
+      <a:camera prst="orthographicFront"/>
+      <a:lightRig rig="threePt" dir="t"/>
+    </dgm:scene3d>
+    <dgm:sp3d/>
+    <dgm:txPr/>
+    <dgm:style>
+      <a:lnRef idx="0">
+        <a:scrgbClr r="0" g="0" b="0"/>
+      </a:lnRef>
+      <a:fillRef idx="1">
+        <a:scrgbClr r="0" g="0" b="0"/>
+      </a:fillRef>
+      <a:effectRef idx="0">
+        <a:scrgbClr r="0" g="0" b="0"/>
+      </a:effectRef>
+      <a:fontRef idx="minor"/>
+    </dgm:style>
+  </dgm:styleLbl>
+  <dgm:styleLbl name="trBgShp">
+    <dgm:scene3d>
+      <a:camera prst="orthographicFront"/>
+      <a:lightRig rig="threePt" dir="t"/>
+    </dgm:scene3d>
+    <dgm:sp3d/>
+    <dgm:txPr/>
+    <dgm:style>
+      <a:lnRef idx="0">
+        <a:scrgbClr r="0" g="0" b="0"/>
+      </a:lnRef>
+      <a:fillRef idx="1">
+        <a:scrgbClr r="0" g="0" b="0"/>
+      </a:fillRef>
+      <a:effectRef idx="0">
+        <a:scrgbClr r="0" g="0" b="0"/>
+      </a:effectRef>
+      <a:fontRef idx="minor"/>
+    </dgm:style>
+  </dgm:styleLbl>
+  <dgm:styleLbl name="fgShp">
+    <dgm:scene3d>
+      <a:camera prst="orthographicFront"/>
+      <a:lightRig rig="threePt" dir="t"/>
+    </dgm:scene3d>
+    <dgm:sp3d/>
+    <dgm:txPr/>
+    <dgm:style>
+      <a:lnRef idx="2">
+        <a:scrgbClr r="0" g="0" b="0"/>
+      </a:lnRef>
+      <a:fillRef idx="1">
+        <a:scrgbClr r="0" g="0" b="0"/>
+      </a:fillRef>
+      <a:effectRef idx="0">
+        <a:scrgbClr r="0" g="0" b="0"/>
+      </a:effectRef>
+      <a:fontRef idx="minor"/>
+    </dgm:style>
+  </dgm:styleLbl>
+  <dgm:styleLbl name="revTx">
+    <dgm:scene3d>
+      <a:camera prst="orthographicFront"/>
+      <a:lightRig rig="threePt" dir="t"/>
+    </dgm:scene3d>
+    <dgm:sp3d/>
+    <dgm:txPr/>
+    <dgm:style>
+      <a:lnRef idx="0">
+        <a:scrgbClr r="0" g="0" b="0"/>
+      </a:lnRef>
+      <a:fillRef idx="0">
+        <a:scrgbClr r="0" g="0" b="0"/>
+      </a:fillRef>
+      <a:effectRef idx="0">
+        <a:scrgbClr r="0" g="0" b="0"/>
+      </a:effectRef>
+      <a:fontRef idx="minor"/>
+    </dgm:style>
+  </dgm:styleLbl>
+</dgm:styleDef>
+</file>
+
+<file path=ppt/diagrams/quickStyle2.xml><?xml version="1.0" encoding="utf-8"?>
 <dgm:styleDef xmlns:dgm="http://schemas.openxmlformats.org/drawingml/2006/diagram" xmlns:a="http://schemas.openxmlformats.org/drawingml/2006/main" uniqueId="urn:microsoft.com/office/officeart/2005/8/quickstyle/simple1">
   <dgm:title val=""/>
   <dgm:desc val=""/>
@@ -5068,6 +8104,111 @@
 </p:notes>
 </file>
 
+<file path=ppt/notesSlides/notesSlide10.xml><?xml version="1.0" encoding="utf-8"?>
+<p:notes xmlns:a="http://schemas.openxmlformats.org/drawingml/2006/main" xmlns:r="http://schemas.openxmlformats.org/officeDocument/2006/relationships" xmlns:p="http://schemas.openxmlformats.org/presentationml/2006/main">
+  <p:cSld>
+    <p:spTree>
+      <p:nvGrpSpPr>
+        <p:cNvPr id="1" name=""/>
+        <p:cNvGrpSpPr/>
+        <p:nvPr/>
+      </p:nvGrpSpPr>
+      <p:grpSpPr>
+        <a:xfrm>
+          <a:off x="0" y="0"/>
+          <a:ext cx="0" cy="0"/>
+          <a:chOff x="0" y="0"/>
+          <a:chExt cx="0" cy="0"/>
+        </a:xfrm>
+      </p:grpSpPr>
+      <p:sp>
+        <p:nvSpPr>
+          <p:cNvPr id="2" name="Slide Image Placeholder 1"/>
+          <p:cNvSpPr>
+            <a:spLocks noGrp="1" noRot="1" noChangeAspect="1"/>
+          </p:cNvSpPr>
+          <p:nvPr>
+            <p:ph type="sldImg"/>
+          </p:nvPr>
+        </p:nvSpPr>
+        <p:spPr/>
+      </p:sp>
+      <p:sp>
+        <p:nvSpPr>
+          <p:cNvPr id="3" name="Notes Placeholder 2"/>
+          <p:cNvSpPr>
+            <a:spLocks noGrp="1"/>
+          </p:cNvSpPr>
+          <p:nvPr>
+            <p:ph type="body" idx="1"/>
+          </p:nvPr>
+        </p:nvSpPr>
+        <p:spPr/>
+        <p:txBody>
+          <a:bodyPr/>
+          <a:lstStyle/>
+          <a:p>
+            <a:r>
+              <a:rPr lang="en-US" dirty="0"/>
+              <a:t>One of the main extensions I believe would be useful in future would be adjusting the current setup to be more general.</a:t>
+            </a:r>
+          </a:p>
+          <a:p>
+            <a:r>
+              <a:rPr lang="en-US" dirty="0"/>
+              <a:t>Currently we require a backlog of data for each location we want to predict for which can make it more complex to query the system for a new location.</a:t>
+            </a:r>
+          </a:p>
+          <a:p>
+            <a:endParaRPr lang="en-US" dirty="0"/>
+          </a:p>
+          <a:p>
+            <a:r>
+              <a:rPr lang="en-GB" dirty="0"/>
+              <a:t>I would also like to investigate extensions to the NSGA-II algorithm as increasing performance would make this much more scalable for larger location sets.</a:t>
+            </a:r>
+          </a:p>
+          <a:p>
+            <a:endParaRPr lang="en-GB" dirty="0"/>
+          </a:p>
+        </p:txBody>
+      </p:sp>
+      <p:sp>
+        <p:nvSpPr>
+          <p:cNvPr id="4" name="Slide Number Placeholder 3"/>
+          <p:cNvSpPr>
+            <a:spLocks noGrp="1"/>
+          </p:cNvSpPr>
+          <p:nvPr>
+            <p:ph type="sldNum" sz="quarter" idx="5"/>
+          </p:nvPr>
+        </p:nvSpPr>
+        <p:spPr/>
+        <p:txBody>
+          <a:bodyPr/>
+          <a:lstStyle/>
+          <a:p>
+            <a:fld id="{AE1E6FC1-D58F-4ADF-996C-03FDE935E6CA}" type="slidenum">
+              <a:rPr lang="en-GB" smtClean="0"/>
+              <a:t>17</a:t>
+            </a:fld>
+            <a:endParaRPr lang="en-GB"/>
+          </a:p>
+        </p:txBody>
+      </p:sp>
+    </p:spTree>
+    <p:extLst>
+      <p:ext uri="{BB962C8B-B14F-4D97-AF65-F5344CB8AC3E}">
+        <p14:creationId xmlns:p14="http://schemas.microsoft.com/office/powerpoint/2010/main" val="134748728"/>
+      </p:ext>
+    </p:extLst>
+  </p:cSld>
+  <p:clrMapOvr>
+    <a:masterClrMapping/>
+  </p:clrMapOvr>
+</p:notes>
+</file>
+
 <file path=ppt/notesSlides/notesSlide2.xml><?xml version="1.0" encoding="utf-8"?>
 <p:notes xmlns:a="http://schemas.openxmlformats.org/drawingml/2006/main" xmlns:r="http://schemas.openxmlformats.org/officeDocument/2006/relationships" xmlns:p="http://schemas.openxmlformats.org/presentationml/2006/main">
   <p:cSld>
@@ -11036,10 +14177,10 @@
               </a:lnSpc>
             </a:pPr>
             <a:r>
-              <a:rPr lang="en-US" sz="3700"/>
+              <a:rPr lang="en-US" sz="3700" dirty="0"/>
               <a:t>Efficient Allocation of Renewable Energy Sources under Uncertainty in the UK</a:t>
             </a:r>
-            <a:endParaRPr lang="en-GB" sz="3700"/>
+            <a:endParaRPr lang="en-GB" sz="3700" dirty="0"/>
           </a:p>
         </p:txBody>
       </p:sp>
@@ -11134,6 +14275,9 @@
   <p:clrMapOvr>
     <a:masterClrMapping/>
   </p:clrMapOvr>
+  <p:transition spd="slow">
+    <p:push dir="u"/>
+  </p:transition>
   <p:timing>
     <p:tnLst>
       <p:par>
@@ -11739,6 +14883,9 @@
   <p:clrMapOvr>
     <a:masterClrMapping/>
   </p:clrMapOvr>
+  <p:transition spd="slow">
+    <p:push dir="u"/>
+  </p:transition>
 </p:sld>
 </file>
 
@@ -14321,6 +17468,141 @@
   <p:clrMapOvr>
     <a:masterClrMapping/>
   </p:clrMapOvr>
+  <p:transition spd="slow">
+    <p:push dir="u"/>
+  </p:transition>
+  <p:timing>
+    <p:tnLst>
+      <p:par>
+        <p:cTn id="1" dur="indefinite" restart="never" nodeType="tmRoot">
+          <p:childTnLst>
+            <p:seq concurrent="1" nextAc="seek">
+              <p:cTn id="2" dur="indefinite" nodeType="mainSeq">
+                <p:childTnLst>
+                  <p:par>
+                    <p:cTn id="3" fill="hold">
+                      <p:stCondLst>
+                        <p:cond delay="indefinite"/>
+                      </p:stCondLst>
+                      <p:childTnLst>
+                        <p:par>
+                          <p:cTn id="4" fill="hold">
+                            <p:stCondLst>
+                              <p:cond delay="0"/>
+                            </p:stCondLst>
+                            <p:childTnLst>
+                              <p:par>
+                                <p:cTn id="5" presetID="42" presetClass="entr" presetSubtype="0" fill="hold" grpId="0" nodeType="clickEffect">
+                                  <p:stCondLst>
+                                    <p:cond delay="0"/>
+                                  </p:stCondLst>
+                                  <p:childTnLst>
+                                    <p:set>
+                                      <p:cBhvr>
+                                        <p:cTn id="6" dur="1" fill="hold">
+                                          <p:stCondLst>
+                                            <p:cond delay="0"/>
+                                          </p:stCondLst>
+                                        </p:cTn>
+                                        <p:tgtEl>
+                                          <p:spTgt spid="9"/>
+                                        </p:tgtEl>
+                                        <p:attrNameLst>
+                                          <p:attrName>style.visibility</p:attrName>
+                                        </p:attrNameLst>
+                                      </p:cBhvr>
+                                      <p:to>
+                                        <p:strVal val="visible"/>
+                                      </p:to>
+                                    </p:set>
+                                    <p:animEffect transition="in" filter="fade">
+                                      <p:cBhvr>
+                                        <p:cTn id="7" dur="1000"/>
+                                        <p:tgtEl>
+                                          <p:spTgt spid="9"/>
+                                        </p:tgtEl>
+                                      </p:cBhvr>
+                                    </p:animEffect>
+                                    <p:anim calcmode="lin" valueType="num">
+                                      <p:cBhvr>
+                                        <p:cTn id="8" dur="1000" fill="hold"/>
+                                        <p:tgtEl>
+                                          <p:spTgt spid="9"/>
+                                        </p:tgtEl>
+                                        <p:attrNameLst>
+                                          <p:attrName>ppt_x</p:attrName>
+                                        </p:attrNameLst>
+                                      </p:cBhvr>
+                                      <p:tavLst>
+                                        <p:tav tm="0">
+                                          <p:val>
+                                            <p:strVal val="#ppt_x"/>
+                                          </p:val>
+                                        </p:tav>
+                                        <p:tav tm="100000">
+                                          <p:val>
+                                            <p:strVal val="#ppt_x"/>
+                                          </p:val>
+                                        </p:tav>
+                                      </p:tavLst>
+                                    </p:anim>
+                                    <p:anim calcmode="lin" valueType="num">
+                                      <p:cBhvr>
+                                        <p:cTn id="9" dur="1000" fill="hold"/>
+                                        <p:tgtEl>
+                                          <p:spTgt spid="9"/>
+                                        </p:tgtEl>
+                                        <p:attrNameLst>
+                                          <p:attrName>ppt_y</p:attrName>
+                                        </p:attrNameLst>
+                                      </p:cBhvr>
+                                      <p:tavLst>
+                                        <p:tav tm="0">
+                                          <p:val>
+                                            <p:strVal val="#ppt_y+.1"/>
+                                          </p:val>
+                                        </p:tav>
+                                        <p:tav tm="100000">
+                                          <p:val>
+                                            <p:strVal val="#ppt_y"/>
+                                          </p:val>
+                                        </p:tav>
+                                      </p:tavLst>
+                                    </p:anim>
+                                  </p:childTnLst>
+                                </p:cTn>
+                              </p:par>
+                            </p:childTnLst>
+                          </p:cTn>
+                        </p:par>
+                      </p:childTnLst>
+                    </p:cTn>
+                  </p:par>
+                </p:childTnLst>
+              </p:cTn>
+              <p:prevCondLst>
+                <p:cond evt="onPrev" delay="0">
+                  <p:tgtEl>
+                    <p:sldTgt/>
+                  </p:tgtEl>
+                </p:cond>
+              </p:prevCondLst>
+              <p:nextCondLst>
+                <p:cond evt="onNext" delay="0">
+                  <p:tgtEl>
+                    <p:sldTgt/>
+                  </p:tgtEl>
+                </p:cond>
+              </p:nextCondLst>
+            </p:seq>
+          </p:childTnLst>
+        </p:cTn>
+      </p:par>
+    </p:tnLst>
+    <p:bldLst>
+      <p:bldP spid="9" grpId="0" animBg="1"/>
+    </p:bldLst>
+  </p:timing>
 </p:sld>
 </file>
 
@@ -14494,7 +17776,7 @@
         </p:nvSpPr>
         <p:spPr>
           <a:xfrm>
-            <a:off x="6788582" y="858983"/>
+            <a:off x="6788582" y="251657"/>
             <a:ext cx="3968783" cy="2021378"/>
           </a:xfrm>
         </p:spPr>
@@ -14505,10 +17787,10 @@
           <a:lstStyle/>
           <a:p>
             <a:r>
-              <a:rPr lang="en-US" sz="4800"/>
+              <a:rPr lang="en-US" sz="4800" dirty="0"/>
               <a:t>The Allocation</a:t>
             </a:r>
-            <a:endParaRPr lang="en-GB" sz="4800"/>
+            <a:endParaRPr lang="en-GB" sz="4800" dirty="0"/>
           </a:p>
         </p:txBody>
       </p:sp>
@@ -14577,7 +17859,7 @@
               <a:buChar char="o"/>
             </a:pPr>
             <a:r>
-              <a:rPr lang="en-US" sz="2000" dirty="0"/>
+              <a:rPr lang="en-US" dirty="0"/>
               <a:t>As weather is uncertain, no matter our allocation we expect some variation.</a:t>
             </a:r>
           </a:p>
@@ -14590,15 +17872,15 @@
               <a:buChar char="o"/>
             </a:pPr>
             <a:r>
-              <a:rPr lang="en-US" sz="2000" dirty="0"/>
+              <a:rPr lang="en-US" dirty="0"/>
               <a:t>Ideally want a </a:t>
             </a:r>
             <a:r>
-              <a:rPr lang="en-US" sz="2000" dirty="0" err="1"/>
+              <a:rPr lang="en-US" dirty="0" err="1"/>
               <a:t>maximised</a:t>
             </a:r>
             <a:r>
-              <a:rPr lang="en-US" sz="2000" dirty="0"/>
+              <a:rPr lang="en-US" dirty="0"/>
               <a:t> expected output while keeping the variation low.</a:t>
             </a:r>
           </a:p>
@@ -14611,7 +17893,7 @@
               <a:buChar char="o"/>
             </a:pPr>
             <a:r>
-              <a:rPr lang="en-GB" sz="2000" dirty="0"/>
+              <a:rPr lang="en-GB" dirty="0"/>
               <a:t>One approach would be a weighted sum as our heuristic value.</a:t>
             </a:r>
           </a:p>
@@ -14624,7 +17906,7 @@
               <a:buChar char="o"/>
             </a:pPr>
             <a:r>
-              <a:rPr lang="en-GB" sz="2000" dirty="0"/>
+              <a:rPr lang="en-GB" dirty="0"/>
               <a:t>This would require us to determine the relative importance of each aspect.</a:t>
             </a:r>
           </a:p>
@@ -14692,6 +17974,9 @@
   <p:clrMapOvr>
     <a:masterClrMapping/>
   </p:clrMapOvr>
+  <p:transition spd="slow">
+    <p:push dir="u"/>
+  </p:transition>
 </p:sld>
 </file>
 
@@ -15069,6 +18354,9 @@
   <p:clrMapOvr>
     <a:masterClrMapping/>
   </p:clrMapOvr>
+  <p:transition spd="slow">
+    <p:push dir="u"/>
+  </p:transition>
 </p:sld>
 </file>
 
@@ -15353,6 +18641,9 @@
   <p:clrMapOvr>
     <a:masterClrMapping/>
   </p:clrMapOvr>
+  <p:transition spd="slow">
+    <p:push dir="u"/>
+  </p:transition>
 </p:sld>
 </file>
 
@@ -15383,463 +18674,10 @@
       </p:grpSpPr>
       <p:sp useBgFill="1">
         <p:nvSpPr>
-          <p:cNvPr id="30" name="Slide Background">
+          <p:cNvPr id="36" name="Slide Background">
             <a:extLst>
               <a:ext uri="{FF2B5EF4-FFF2-40B4-BE49-F238E27FC236}">
-                <a16:creationId xmlns:a16="http://schemas.microsoft.com/office/drawing/2014/main" id="{1102E982-8BE3-4FBA-ADFD-82E7D10B8C09}"/>
-              </a:ext>
-              <a:ext uri="{C183D7F6-B498-43B3-948B-1728B52AA6E4}">
-                <adec:decorative xmlns:adec="http://schemas.microsoft.com/office/drawing/2017/decorative" val="1"/>
-              </a:ext>
-            </a:extLst>
-          </p:cNvPr>
-          <p:cNvSpPr>
-            <a:spLocks noGrp="1" noRot="1" noChangeAspect="1" noMove="1" noResize="1" noEditPoints="1" noAdjustHandles="1" noChangeArrowheads="1" noChangeShapeType="1" noTextEdit="1"/>
-          </p:cNvSpPr>
-          <p:nvPr>
-            <p:extLst>
-              <p:ext uri="{386F3935-93C4-4BCD-93E2-E3B085C9AB24}">
-                <p16:designElem xmlns:p16="http://schemas.microsoft.com/office/powerpoint/2015/main" val="1"/>
-              </p:ext>
-            </p:extLst>
-          </p:nvPr>
-        </p:nvSpPr>
-        <p:spPr>
-          <a:xfrm>
-            <a:off x="0" y="0"/>
-            <a:ext cx="12192000" cy="6858000"/>
-          </a:xfrm>
-          <a:prstGeom prst="rect">
-            <a:avLst/>
-          </a:prstGeom>
-          <a:ln>
-            <a:noFill/>
-          </a:ln>
-        </p:spPr>
-        <p:style>
-          <a:lnRef idx="2">
-            <a:schemeClr val="accent1">
-              <a:shade val="50000"/>
-            </a:schemeClr>
-          </a:lnRef>
-          <a:fillRef idx="1">
-            <a:schemeClr val="accent1"/>
-          </a:fillRef>
-          <a:effectRef idx="0">
-            <a:schemeClr val="accent1"/>
-          </a:effectRef>
-          <a:fontRef idx="minor">
-            <a:schemeClr val="lt1"/>
-          </a:fontRef>
-        </p:style>
-        <p:txBody>
-          <a:bodyPr rtlCol="0" anchor="ctr"/>
-          <a:lstStyle/>
-          <a:p>
-            <a:pPr algn="ctr"/>
-            <a:endParaRPr lang="en-US"/>
-          </a:p>
-        </p:txBody>
-      </p:sp>
-      <p:sp>
-        <p:nvSpPr>
-          <p:cNvPr id="31" name="tint">
-            <a:extLst>
-              <a:ext uri="{FF2B5EF4-FFF2-40B4-BE49-F238E27FC236}">
-                <a16:creationId xmlns:a16="http://schemas.microsoft.com/office/drawing/2014/main" id="{7F843252-B159-4DA1-BE13-6EC3EF21096B}"/>
-              </a:ext>
-              <a:ext uri="{C183D7F6-B498-43B3-948B-1728B52AA6E4}">
-                <adec:decorative xmlns:adec="http://schemas.microsoft.com/office/drawing/2017/decorative" val="1"/>
-              </a:ext>
-            </a:extLst>
-          </p:cNvPr>
-          <p:cNvSpPr>
-            <a:spLocks noGrp="1" noRot="1" noChangeAspect="1" noMove="1" noResize="1" noEditPoints="1" noAdjustHandles="1" noChangeArrowheads="1" noChangeShapeType="1" noTextEdit="1"/>
-          </p:cNvSpPr>
-          <p:nvPr>
-            <p:extLst>
-              <p:ext uri="{386F3935-93C4-4BCD-93E2-E3B085C9AB24}">
-                <p16:designElem xmlns:p16="http://schemas.microsoft.com/office/powerpoint/2015/main" val="1"/>
-              </p:ext>
-            </p:extLst>
-          </p:nvPr>
-        </p:nvSpPr>
-        <p:spPr>
-          <a:xfrm>
-            <a:off x="-1117" y="0"/>
-            <a:ext cx="12193117" cy="6849700"/>
-          </a:xfrm>
-          <a:prstGeom prst="rect">
-            <a:avLst/>
-          </a:prstGeom>
-          <a:solidFill>
-            <a:schemeClr val="bg2">
-              <a:alpha val="40000"/>
-            </a:schemeClr>
-          </a:solidFill>
-          <a:ln>
-            <a:noFill/>
-          </a:ln>
-        </p:spPr>
-        <p:style>
-          <a:lnRef idx="2">
-            <a:schemeClr val="accent1">
-              <a:shade val="50000"/>
-            </a:schemeClr>
-          </a:lnRef>
-          <a:fillRef idx="1">
-            <a:schemeClr val="accent1"/>
-          </a:fillRef>
-          <a:effectRef idx="0">
-            <a:schemeClr val="accent1"/>
-          </a:effectRef>
-          <a:fontRef idx="minor">
-            <a:schemeClr val="lt1"/>
-          </a:fontRef>
-        </p:style>
-        <p:txBody>
-          <a:bodyPr rtlCol="0" anchor="ctr"/>
-          <a:lstStyle/>
-          <a:p>
-            <a:pPr algn="ctr"/>
-            <a:endParaRPr lang="en-US" dirty="0"/>
-          </a:p>
-        </p:txBody>
-      </p:sp>
-      <p:sp useBgFill="1">
-        <p:nvSpPr>
-          <p:cNvPr id="14" name="Rectangle 13">
-            <a:extLst>
-              <a:ext uri="{FF2B5EF4-FFF2-40B4-BE49-F238E27FC236}">
-                <a16:creationId xmlns:a16="http://schemas.microsoft.com/office/drawing/2014/main" id="{4F2A6A32-9ADF-4DD4-AEA5-0D1FF0F8B490}"/>
-              </a:ext>
-              <a:ext uri="{C183D7F6-B498-43B3-948B-1728B52AA6E4}">
-                <adec:decorative xmlns:adec="http://schemas.microsoft.com/office/drawing/2017/decorative" val="1"/>
-              </a:ext>
-            </a:extLst>
-          </p:cNvPr>
-          <p:cNvSpPr>
-            <a:spLocks noGrp="1" noRot="1" noChangeAspect="1" noMove="1" noResize="1" noEditPoints="1" noAdjustHandles="1" noChangeArrowheads="1" noChangeShapeType="1" noTextEdit="1"/>
-          </p:cNvSpPr>
-          <p:nvPr>
-            <p:extLst>
-              <p:ext uri="{386F3935-93C4-4BCD-93E2-E3B085C9AB24}">
-                <p16:designElem xmlns:p16="http://schemas.microsoft.com/office/powerpoint/2015/main" val="1"/>
-              </p:ext>
-            </p:extLst>
-          </p:nvPr>
-        </p:nvSpPr>
-        <p:spPr>
-          <a:xfrm>
-            <a:off x="6095998" y="0"/>
-            <a:ext cx="6096001" cy="6849700"/>
-          </a:xfrm>
-          <a:prstGeom prst="rect">
-            <a:avLst/>
-          </a:prstGeom>
-          <a:ln>
-            <a:noFill/>
-          </a:ln>
-          <a:effectLst>
-            <a:outerShdw blurRad="596900" dist="317500" dir="8820000" sx="87000" sy="87000" algn="t" rotWithShape="0">
-              <a:schemeClr val="tx1">
-                <a:alpha val="27000"/>
-              </a:schemeClr>
-            </a:outerShdw>
-          </a:effectLst>
-        </p:spPr>
-        <p:style>
-          <a:lnRef idx="2">
-            <a:schemeClr val="accent1">
-              <a:shade val="50000"/>
-            </a:schemeClr>
-          </a:lnRef>
-          <a:fillRef idx="1">
-            <a:schemeClr val="accent1"/>
-          </a:fillRef>
-          <a:effectRef idx="0">
-            <a:schemeClr val="accent1"/>
-          </a:effectRef>
-          <a:fontRef idx="minor">
-            <a:schemeClr val="lt1"/>
-          </a:fontRef>
-        </p:style>
-        <p:txBody>
-          <a:bodyPr rtlCol="0" anchor="ctr"/>
-          <a:lstStyle/>
-          <a:p>
-            <a:pPr algn="ctr"/>
-            <a:endParaRPr lang="en-US"/>
-          </a:p>
-        </p:txBody>
-      </p:sp>
-      <p:sp useBgFill="1">
-        <p:nvSpPr>
-          <p:cNvPr id="16" name="Rectangle 15">
-            <a:extLst>
-              <a:ext uri="{FF2B5EF4-FFF2-40B4-BE49-F238E27FC236}">
-                <a16:creationId xmlns:a16="http://schemas.microsoft.com/office/drawing/2014/main" id="{E82F361B-984A-43B6-AFE8-1F14394284E4}"/>
-              </a:ext>
-              <a:ext uri="{C183D7F6-B498-43B3-948B-1728B52AA6E4}">
-                <adec:decorative xmlns:adec="http://schemas.microsoft.com/office/drawing/2017/decorative" val="1"/>
-              </a:ext>
-            </a:extLst>
-          </p:cNvPr>
-          <p:cNvSpPr>
-            <a:spLocks noGrp="1" noRot="1" noChangeAspect="1" noMove="1" noResize="1" noEditPoints="1" noAdjustHandles="1" noChangeArrowheads="1" noChangeShapeType="1" noTextEdit="1"/>
-          </p:cNvSpPr>
-          <p:nvPr>
-            <p:extLst>
-              <p:ext uri="{386F3935-93C4-4BCD-93E2-E3B085C9AB24}">
-                <p16:designElem xmlns:p16="http://schemas.microsoft.com/office/powerpoint/2015/main" val="1"/>
-              </p:ext>
-            </p:extLst>
-          </p:nvPr>
-        </p:nvSpPr>
-        <p:spPr>
-          <a:xfrm>
-            <a:off x="0" y="8299"/>
-            <a:ext cx="12191999" cy="3390300"/>
-          </a:xfrm>
-          <a:prstGeom prst="rect">
-            <a:avLst/>
-          </a:prstGeom>
-          <a:ln>
-            <a:noFill/>
-          </a:ln>
-          <a:effectLst>
-            <a:outerShdw blurRad="596900" dist="330200" dir="7140000" sx="87000" sy="87000" algn="t" rotWithShape="0">
-              <a:srgbClr val="000000">
-                <a:alpha val="26667"/>
-              </a:srgbClr>
-            </a:outerShdw>
-          </a:effectLst>
-        </p:spPr>
-        <p:style>
-          <a:lnRef idx="2">
-            <a:schemeClr val="accent1">
-              <a:shade val="50000"/>
-            </a:schemeClr>
-          </a:lnRef>
-          <a:fillRef idx="1">
-            <a:schemeClr val="accent1"/>
-          </a:fillRef>
-          <a:effectRef idx="0">
-            <a:schemeClr val="accent1"/>
-          </a:effectRef>
-          <a:fontRef idx="minor">
-            <a:schemeClr val="lt1"/>
-          </a:fontRef>
-        </p:style>
-        <p:txBody>
-          <a:bodyPr rtlCol="0" anchor="ctr"/>
-          <a:lstStyle/>
-          <a:p>
-            <a:pPr algn="ctr"/>
-            <a:endParaRPr lang="en-US" dirty="0"/>
-          </a:p>
-        </p:txBody>
-      </p:sp>
-      <p:sp>
-        <p:nvSpPr>
-          <p:cNvPr id="2" name="Title 1">
-            <a:extLst>
-              <a:ext uri="{FF2B5EF4-FFF2-40B4-BE49-F238E27FC236}">
-                <a16:creationId xmlns:a16="http://schemas.microsoft.com/office/drawing/2014/main" id="{997555AD-1150-47B6-A225-FFD11F6DA85A}"/>
-              </a:ext>
-            </a:extLst>
-          </p:cNvPr>
-          <p:cNvSpPr>
-            <a:spLocks noGrp="1"/>
-          </p:cNvSpPr>
-          <p:nvPr>
-            <p:ph type="title"/>
-          </p:nvPr>
-        </p:nvSpPr>
-        <p:spPr>
-          <a:xfrm>
-            <a:off x="761801" y="858982"/>
-            <a:ext cx="4697303" cy="2185826"/>
-          </a:xfrm>
-        </p:spPr>
-        <p:txBody>
-          <a:bodyPr>
-            <a:normAutofit/>
-          </a:bodyPr>
-          <a:lstStyle/>
-          <a:p>
-            <a:r>
-              <a:rPr lang="en-US" dirty="0"/>
-              <a:t>Results</a:t>
-            </a:r>
-            <a:endParaRPr lang="en-GB" dirty="0"/>
-          </a:p>
-        </p:txBody>
-      </p:sp>
-      <p:sp>
-        <p:nvSpPr>
-          <p:cNvPr id="3" name="Content Placeholder 2">
-            <a:extLst>
-              <a:ext uri="{FF2B5EF4-FFF2-40B4-BE49-F238E27FC236}">
-                <a16:creationId xmlns:a16="http://schemas.microsoft.com/office/drawing/2014/main" id="{9A45326E-A46B-4162-B8AE-03E8F56A275F}"/>
-              </a:ext>
-            </a:extLst>
-          </p:cNvPr>
-          <p:cNvSpPr>
-            <a:spLocks noGrp="1"/>
-          </p:cNvSpPr>
-          <p:nvPr>
-            <p:ph idx="1"/>
-          </p:nvPr>
-        </p:nvSpPr>
-        <p:spPr>
-          <a:xfrm>
-            <a:off x="4967785" y="619277"/>
-            <a:ext cx="4753746" cy="2731247"/>
-          </a:xfrm>
-        </p:spPr>
-        <p:txBody>
-          <a:bodyPr anchor="b">
-            <a:normAutofit fontScale="92500" lnSpcReduction="20000"/>
-          </a:bodyPr>
-          <a:lstStyle/>
-          <a:p>
-            <a:pPr marL="342900" indent="-342900">
-              <a:lnSpc>
-                <a:spcPct val="100000"/>
-              </a:lnSpc>
-              <a:buFont typeface="Courier New" panose="02070309020205020404" pitchFamily="49" charset="0"/>
-              <a:buChar char="o"/>
-            </a:pPr>
-            <a:r>
-              <a:rPr lang="en-GB" sz="2400" dirty="0"/>
-              <a:t>By saving a history of the evolution process can see how generations improve.</a:t>
-            </a:r>
-          </a:p>
-          <a:p>
-            <a:pPr marL="342900" indent="-342900">
-              <a:lnSpc>
-                <a:spcPct val="100000"/>
-              </a:lnSpc>
-              <a:buFont typeface="Courier New" panose="02070309020205020404" pitchFamily="49" charset="0"/>
-              <a:buChar char="o"/>
-            </a:pPr>
-            <a:r>
-              <a:rPr lang="en-GB" sz="2400" dirty="0"/>
-              <a:t>Looking at the mean value over time, we see it generally trends up</a:t>
-            </a:r>
-          </a:p>
-          <a:p>
-            <a:pPr marL="342900" indent="-342900">
-              <a:lnSpc>
-                <a:spcPct val="100000"/>
-              </a:lnSpc>
-              <a:buFont typeface="Courier New" panose="02070309020205020404" pitchFamily="49" charset="0"/>
-              <a:buChar char="o"/>
-            </a:pPr>
-            <a:r>
-              <a:rPr lang="en-GB" sz="2400" dirty="0"/>
-              <a:t>However some dips illustrate that the algorithm doesn’t prioritise any particular objective.</a:t>
-            </a:r>
-          </a:p>
-        </p:txBody>
-      </p:sp>
-      <p:cxnSp>
-        <p:nvCxnSpPr>
-          <p:cNvPr id="18" name="Straight Connector 17">
-            <a:extLst>
-              <a:ext uri="{FF2B5EF4-FFF2-40B4-BE49-F238E27FC236}">
-                <a16:creationId xmlns:a16="http://schemas.microsoft.com/office/drawing/2014/main" id="{61FF92BA-874E-408A-BFAD-416A7FFE5976}"/>
-              </a:ext>
-              <a:ext uri="{C183D7F6-B498-43B3-948B-1728B52AA6E4}">
-                <adec:decorative xmlns:adec="http://schemas.microsoft.com/office/drawing/2017/decorative" val="1"/>
-              </a:ext>
-            </a:extLst>
-          </p:cNvPr>
-          <p:cNvCxnSpPr>
-            <a:cxnSpLocks noGrp="1" noRot="1" noChangeAspect="1" noMove="1" noResize="1" noEditPoints="1" noAdjustHandles="1" noChangeArrowheads="1" noChangeShapeType="1"/>
-          </p:cNvCxnSpPr>
-          <p:nvPr>
-            <p:extLst>
-              <p:ext uri="{386F3935-93C4-4BCD-93E2-E3B085C9AB24}">
-                <p16:designElem xmlns:p16="http://schemas.microsoft.com/office/powerpoint/2015/main" val="1"/>
-              </p:ext>
-            </p:extLst>
-          </p:nvPr>
-        </p:nvCxnSpPr>
-        <p:spPr>
-          <a:xfrm>
-            <a:off x="11668155" y="5641010"/>
-            <a:ext cx="0" cy="599069"/>
-          </a:xfrm>
-          <a:prstGeom prst="line">
-            <a:avLst/>
-          </a:prstGeom>
-          <a:ln w="38100">
-            <a:solidFill>
-              <a:schemeClr val="tx1"/>
-            </a:solidFill>
-          </a:ln>
-        </p:spPr>
-        <p:style>
-          <a:lnRef idx="1">
-            <a:schemeClr val="accent1"/>
-          </a:lnRef>
-          <a:fillRef idx="0">
-            <a:schemeClr val="accent1"/>
-          </a:fillRef>
-          <a:effectRef idx="0">
-            <a:schemeClr val="accent1"/>
-          </a:effectRef>
-          <a:fontRef idx="minor">
-            <a:schemeClr val="tx1"/>
-          </a:fontRef>
-        </p:style>
-      </p:cxnSp>
-    </p:spTree>
-    <p:extLst>
-      <p:ext uri="{BB962C8B-B14F-4D97-AF65-F5344CB8AC3E}">
-        <p14:creationId xmlns:p14="http://schemas.microsoft.com/office/powerpoint/2010/main" val="2601069838"/>
-      </p:ext>
-    </p:extLst>
-  </p:cSld>
-  <p:clrMapOvr>
-    <a:masterClrMapping/>
-  </p:clrMapOvr>
-</p:sld>
-</file>
-
-<file path=ppt/slides/slide16.xml><?xml version="1.0" encoding="utf-8"?>
-<p:sld xmlns:a="http://schemas.openxmlformats.org/drawingml/2006/main" xmlns:r="http://schemas.openxmlformats.org/officeDocument/2006/relationships" xmlns:p="http://schemas.openxmlformats.org/presentationml/2006/main">
-  <p:cSld>
-    <p:bg>
-      <p:bgPr>
-        <a:solidFill>
-          <a:schemeClr val="bg1"/>
-        </a:solidFill>
-        <a:effectLst/>
-      </p:bgPr>
-    </p:bg>
-    <p:spTree>
-      <p:nvGrpSpPr>
-        <p:cNvPr id="1" name=""/>
-        <p:cNvGrpSpPr/>
-        <p:nvPr/>
-      </p:nvGrpSpPr>
-      <p:grpSpPr>
-        <a:xfrm>
-          <a:off x="0" y="0"/>
-          <a:ext cx="0" cy="0"/>
-          <a:chOff x="0" y="0"/>
-          <a:chExt cx="0" cy="0"/>
-        </a:xfrm>
-      </p:grpSpPr>
-      <p:sp useBgFill="1">
-        <p:nvSpPr>
-          <p:cNvPr id="34" name="Slide Background">
-            <a:extLst>
-              <a:ext uri="{FF2B5EF4-FFF2-40B4-BE49-F238E27FC236}">
-                <a16:creationId xmlns:a16="http://schemas.microsoft.com/office/drawing/2014/main" id="{4FB7B5F4-E689-4ADE-880B-3E310AE762BB}"/>
+                <a16:creationId xmlns:a16="http://schemas.microsoft.com/office/drawing/2014/main" id="{10C92917-A828-4B36-95DE-11CA4F9C2335}"/>
               </a:ext>
               <a:ext uri="{C183D7F6-B498-43B3-948B-1728B52AA6E4}">
                 <adec:decorative xmlns:adec="http://schemas.microsoft.com/office/drawing/2017/decorative" val="1"/>
@@ -15988,12 +18826,12 @@
           </a:p>
         </p:txBody>
       </p:sp>
-      <p:sp>
+      <p:sp useBgFill="1">
         <p:nvSpPr>
-          <p:cNvPr id="36" name="tint">
+          <p:cNvPr id="38" name="Rectangle 37">
             <a:extLst>
               <a:ext uri="{FF2B5EF4-FFF2-40B4-BE49-F238E27FC236}">
-                <a16:creationId xmlns:a16="http://schemas.microsoft.com/office/drawing/2014/main" id="{CE25830B-2829-4983-9DD8-DE9692B38D92}"/>
+                <a16:creationId xmlns:a16="http://schemas.microsoft.com/office/drawing/2014/main" id="{E335820B-3A29-42C5-AA8D-10ECA43CD985}"/>
               </a:ext>
               <a:ext uri="{C183D7F6-B498-43B3-948B-1728B52AA6E4}">
                 <adec:decorative xmlns:adec="http://schemas.microsoft.com/office/drawing/2017/decorative" val="1"/>
@@ -16013,17 +18851,312 @@
         </p:nvSpPr>
         <p:spPr>
           <a:xfrm>
-            <a:off x="1" y="0"/>
+            <a:off x="0" y="0"/>
+            <a:ext cx="12192000" cy="2284809"/>
+          </a:xfrm>
+          <a:prstGeom prst="rect">
+            <a:avLst/>
+          </a:prstGeom>
+          <a:ln>
+            <a:noFill/>
+          </a:ln>
+          <a:effectLst>
+            <a:outerShdw blurRad="254000" dist="127000" dir="5460000" sx="92000" sy="92000" algn="t" rotWithShape="0">
+              <a:srgbClr val="000000">
+                <a:alpha val="30000"/>
+              </a:srgbClr>
+            </a:outerShdw>
+          </a:effectLst>
+        </p:spPr>
+        <p:style>
+          <a:lnRef idx="2">
+            <a:schemeClr val="accent1">
+              <a:shade val="50000"/>
+            </a:schemeClr>
+          </a:lnRef>
+          <a:fillRef idx="1">
+            <a:schemeClr val="accent1"/>
+          </a:fillRef>
+          <a:effectRef idx="0">
+            <a:schemeClr val="accent1"/>
+          </a:effectRef>
+          <a:fontRef idx="minor">
+            <a:schemeClr val="lt1"/>
+          </a:fontRef>
+        </p:style>
+        <p:txBody>
+          <a:bodyPr rtlCol="0" anchor="ctr"/>
+          <a:lstStyle/>
+          <a:p>
+            <a:pPr algn="ctr"/>
+            <a:endParaRPr lang="en-US" dirty="0"/>
+          </a:p>
+        </p:txBody>
+      </p:sp>
+      <p:sp>
+        <p:nvSpPr>
+          <p:cNvPr id="2" name="Title 1">
+            <a:extLst>
+              <a:ext uri="{FF2B5EF4-FFF2-40B4-BE49-F238E27FC236}">
+                <a16:creationId xmlns:a16="http://schemas.microsoft.com/office/drawing/2014/main" id="{997555AD-1150-47B6-A225-FFD11F6DA85A}"/>
+              </a:ext>
+            </a:extLst>
+          </p:cNvPr>
+          <p:cNvSpPr>
+            <a:spLocks noGrp="1"/>
+          </p:cNvSpPr>
+          <p:nvPr>
+            <p:ph type="title"/>
+          </p:nvPr>
+        </p:nvSpPr>
+        <p:spPr>
+          <a:xfrm>
+            <a:off x="761801" y="858983"/>
+            <a:ext cx="9906799" cy="1161594"/>
+          </a:xfrm>
+        </p:spPr>
+        <p:txBody>
+          <a:bodyPr>
+            <a:normAutofit/>
+          </a:bodyPr>
+          <a:lstStyle/>
+          <a:p>
+            <a:r>
+              <a:rPr lang="en-US" dirty="0"/>
+              <a:t>Results</a:t>
+            </a:r>
+            <a:endParaRPr lang="en-GB" dirty="0"/>
+          </a:p>
+        </p:txBody>
+      </p:sp>
+      <p:pic>
+        <p:nvPicPr>
+          <p:cNvPr id="5" name="Picture 4" descr="Graphical user interface, application&#10;&#10;Description automatically generated">
+            <a:extLst>
+              <a:ext uri="{FF2B5EF4-FFF2-40B4-BE49-F238E27FC236}">
+                <a16:creationId xmlns:a16="http://schemas.microsoft.com/office/drawing/2014/main" id="{43189386-6587-4DF9-A75C-AAC349FE8C5C}"/>
+              </a:ext>
+            </a:extLst>
+          </p:cNvPr>
+          <p:cNvPicPr>
+            <a:picLocks noChangeAspect="1"/>
+          </p:cNvPicPr>
+          <p:nvPr/>
+        </p:nvPicPr>
+        <p:blipFill>
+          <a:blip r:embed="rId3">
+            <a:extLst>
+              <a:ext uri="{28A0092B-C50C-407E-A947-70E740481C1C}">
+                <a14:useLocalDpi xmlns:a14="http://schemas.microsoft.com/office/drawing/2010/main" val="0"/>
+              </a:ext>
+            </a:extLst>
+          </a:blip>
+          <a:stretch>
+            <a:fillRect/>
+          </a:stretch>
+        </p:blipFill>
+        <p:spPr>
+          <a:xfrm>
+            <a:off x="31018" y="2879560"/>
+            <a:ext cx="6587044" cy="3293522"/>
+          </a:xfrm>
+          <a:prstGeom prst="rect">
+            <a:avLst/>
+          </a:prstGeom>
+        </p:spPr>
+      </p:pic>
+      <p:sp>
+        <p:nvSpPr>
+          <p:cNvPr id="3" name="Content Placeholder 2">
+            <a:extLst>
+              <a:ext uri="{FF2B5EF4-FFF2-40B4-BE49-F238E27FC236}">
+                <a16:creationId xmlns:a16="http://schemas.microsoft.com/office/drawing/2014/main" id="{9A45326E-A46B-4162-B8AE-03E8F56A275F}"/>
+              </a:ext>
+            </a:extLst>
+          </p:cNvPr>
+          <p:cNvSpPr>
+            <a:spLocks noGrp="1"/>
+          </p:cNvSpPr>
+          <p:nvPr>
+            <p:ph idx="1"/>
+          </p:nvPr>
+        </p:nvSpPr>
+        <p:spPr>
+          <a:xfrm>
+            <a:off x="6649081" y="2638498"/>
+            <a:ext cx="4119258" cy="3601581"/>
+          </a:xfrm>
+        </p:spPr>
+        <p:txBody>
+          <a:bodyPr anchor="ctr">
+            <a:normAutofit/>
+          </a:bodyPr>
+          <a:lstStyle/>
+          <a:p>
+            <a:pPr marL="342900" indent="-342900">
+              <a:lnSpc>
+                <a:spcPct val="100000"/>
+              </a:lnSpc>
+              <a:buFont typeface="Courier New" panose="02070309020205020404" pitchFamily="49" charset="0"/>
+              <a:buChar char="o"/>
+            </a:pPr>
+            <a:r>
+              <a:rPr lang="en-GB" sz="2000"/>
+              <a:t>By saving a history of the evolution process can see how generations improve.</a:t>
+            </a:r>
+          </a:p>
+          <a:p>
+            <a:pPr marL="342900" indent="-342900">
+              <a:lnSpc>
+                <a:spcPct val="100000"/>
+              </a:lnSpc>
+              <a:buFont typeface="Courier New" panose="02070309020205020404" pitchFamily="49" charset="0"/>
+              <a:buChar char="o"/>
+            </a:pPr>
+            <a:r>
+              <a:rPr lang="en-GB" sz="2000"/>
+              <a:t>Looking at the mean value over time, we see it generally trends up</a:t>
+            </a:r>
+          </a:p>
+          <a:p>
+            <a:pPr marL="342900" indent="-342900">
+              <a:lnSpc>
+                <a:spcPct val="100000"/>
+              </a:lnSpc>
+              <a:buFont typeface="Courier New" panose="02070309020205020404" pitchFamily="49" charset="0"/>
+              <a:buChar char="o"/>
+            </a:pPr>
+            <a:r>
+              <a:rPr lang="en-GB" sz="2000"/>
+              <a:t>However some dips illustrate that the algorithm doesn’t prioritise any particular objective.</a:t>
+            </a:r>
+          </a:p>
+        </p:txBody>
+      </p:sp>
+      <p:cxnSp>
+        <p:nvCxnSpPr>
+          <p:cNvPr id="40" name="Straight Connector 39">
+            <a:extLst>
+              <a:ext uri="{FF2B5EF4-FFF2-40B4-BE49-F238E27FC236}">
+                <a16:creationId xmlns:a16="http://schemas.microsoft.com/office/drawing/2014/main" id="{E58B1629-F209-47B0-BA59-6BD937DBB08F}"/>
+              </a:ext>
+              <a:ext uri="{C183D7F6-B498-43B3-948B-1728B52AA6E4}">
+                <adec:decorative xmlns:adec="http://schemas.microsoft.com/office/drawing/2017/decorative" val="1"/>
+              </a:ext>
+            </a:extLst>
+          </p:cNvPr>
+          <p:cNvCxnSpPr>
+            <a:cxnSpLocks noGrp="1" noRot="1" noChangeAspect="1" noMove="1" noResize="1" noEditPoints="1" noAdjustHandles="1" noChangeArrowheads="1" noChangeShapeType="1"/>
+          </p:cNvCxnSpPr>
+          <p:nvPr>
+            <p:extLst>
+              <p:ext uri="{386F3935-93C4-4BCD-93E2-E3B085C9AB24}">
+                <p16:designElem xmlns:p16="http://schemas.microsoft.com/office/powerpoint/2015/main" val="1"/>
+              </p:ext>
+            </p:extLst>
+          </p:nvPr>
+        </p:nvCxnSpPr>
+        <p:spPr>
+          <a:xfrm>
+            <a:off x="11668155" y="5641010"/>
+            <a:ext cx="0" cy="599069"/>
+          </a:xfrm>
+          <a:prstGeom prst="line">
+            <a:avLst/>
+          </a:prstGeom>
+          <a:ln w="38100">
+            <a:solidFill>
+              <a:schemeClr val="tx1"/>
+            </a:solidFill>
+          </a:ln>
+        </p:spPr>
+        <p:style>
+          <a:lnRef idx="1">
+            <a:schemeClr val="accent1"/>
+          </a:lnRef>
+          <a:fillRef idx="0">
+            <a:schemeClr val="accent1"/>
+          </a:fillRef>
+          <a:effectRef idx="0">
+            <a:schemeClr val="accent1"/>
+          </a:effectRef>
+          <a:fontRef idx="minor">
+            <a:schemeClr val="tx1"/>
+          </a:fontRef>
+        </p:style>
+      </p:cxnSp>
+    </p:spTree>
+    <p:extLst>
+      <p:ext uri="{BB962C8B-B14F-4D97-AF65-F5344CB8AC3E}">
+        <p14:creationId xmlns:p14="http://schemas.microsoft.com/office/powerpoint/2010/main" val="2601069838"/>
+      </p:ext>
+    </p:extLst>
+  </p:cSld>
+  <p:clrMapOvr>
+    <a:masterClrMapping/>
+  </p:clrMapOvr>
+  <p:transition spd="slow">
+    <p:push dir="u"/>
+  </p:transition>
+</p:sld>
+</file>
+
+<file path=ppt/slides/slide16.xml><?xml version="1.0" encoding="utf-8"?>
+<p:sld xmlns:a="http://schemas.openxmlformats.org/drawingml/2006/main" xmlns:r="http://schemas.openxmlformats.org/officeDocument/2006/relationships" xmlns:p="http://schemas.openxmlformats.org/presentationml/2006/main">
+  <p:cSld>
+    <p:bg>
+      <p:bgPr>
+        <a:solidFill>
+          <a:schemeClr val="bg1"/>
+        </a:solidFill>
+        <a:effectLst/>
+      </p:bgPr>
+    </p:bg>
+    <p:spTree>
+      <p:nvGrpSpPr>
+        <p:cNvPr id="1" name=""/>
+        <p:cNvGrpSpPr/>
+        <p:nvPr/>
+      </p:nvGrpSpPr>
+      <p:grpSpPr>
+        <a:xfrm>
+          <a:off x="0" y="0"/>
+          <a:ext cx="0" cy="0"/>
+          <a:chOff x="0" y="0"/>
+          <a:chExt cx="0" cy="0"/>
+        </a:xfrm>
+      </p:grpSpPr>
+      <p:sp useBgFill="1">
+        <p:nvSpPr>
+          <p:cNvPr id="45" name="Slide Background">
+            <a:extLst>
+              <a:ext uri="{FF2B5EF4-FFF2-40B4-BE49-F238E27FC236}">
+                <a16:creationId xmlns:a16="http://schemas.microsoft.com/office/drawing/2014/main" id="{D558F092-B2A5-4913-977C-B26BDCC0D561}"/>
+              </a:ext>
+              <a:ext uri="{C183D7F6-B498-43B3-948B-1728B52AA6E4}">
+                <adec:decorative xmlns:adec="http://schemas.microsoft.com/office/drawing/2017/decorative" val="1"/>
+              </a:ext>
+            </a:extLst>
+          </p:cNvPr>
+          <p:cNvSpPr>
+            <a:spLocks noGrp="1" noRot="1" noChangeAspect="1" noMove="1" noResize="1" noEditPoints="1" noAdjustHandles="1" noChangeArrowheads="1" noChangeShapeType="1" noTextEdit="1"/>
+          </p:cNvSpPr>
+          <p:nvPr>
+            <p:extLst>
+              <p:ext uri="{386F3935-93C4-4BCD-93E2-E3B085C9AB24}">
+                <p16:designElem xmlns:p16="http://schemas.microsoft.com/office/powerpoint/2015/main" val="1"/>
+              </p:ext>
+            </p:extLst>
+          </p:nvPr>
+        </p:nvSpPr>
+        <p:spPr bwMode="white">
+          <a:xfrm>
+            <a:off x="0" y="0"/>
             <a:ext cx="12191999" cy="6858000"/>
           </a:xfrm>
           <a:prstGeom prst="rect">
             <a:avLst/>
           </a:prstGeom>
-          <a:solidFill>
-            <a:schemeClr val="bg2">
-              <a:alpha val="40000"/>
-            </a:schemeClr>
-          </a:solidFill>
           <a:ln>
             <a:noFill/>
           </a:ln>
@@ -16144,88 +19277,16 @@
           </a:lstStyle>
           <a:p>
             <a:pPr algn="ctr"/>
-            <a:endParaRPr lang="en-US" dirty="0"/>
+            <a:endParaRPr lang="en-US"/>
           </a:p>
         </p:txBody>
       </p:sp>
-      <p:pic>
-        <p:nvPicPr>
-          <p:cNvPr id="29" name="Picture 28" descr="Map&#10;&#10;Description automatically generated">
+      <p:sp useBgFill="1">
+        <p:nvSpPr>
+          <p:cNvPr id="47" name="Rectangle 46">
             <a:extLst>
               <a:ext uri="{FF2B5EF4-FFF2-40B4-BE49-F238E27FC236}">
-                <a16:creationId xmlns:a16="http://schemas.microsoft.com/office/drawing/2014/main" id="{B25E3DDA-8F41-4CA1-A1DC-49A5B0173EB4}"/>
-              </a:ext>
-            </a:extLst>
-          </p:cNvPr>
-          <p:cNvPicPr>
-            <a:picLocks noChangeAspect="1"/>
-          </p:cNvPicPr>
-          <p:nvPr/>
-        </p:nvPicPr>
-        <p:blipFill>
-          <a:blip r:embed="rId2">
-            <a:extLst>
-              <a:ext uri="{28A0092B-C50C-407E-A947-70E740481C1C}">
-                <a14:useLocalDpi xmlns:a14="http://schemas.microsoft.com/office/drawing/2010/main" val="0"/>
-              </a:ext>
-            </a:extLst>
-          </a:blip>
-          <a:stretch>
-            <a:fillRect/>
-          </a:stretch>
-        </p:blipFill>
-        <p:spPr>
-          <a:xfrm>
-            <a:off x="898006" y="739638"/>
-            <a:ext cx="4049525" cy="2632192"/>
-          </a:xfrm>
-          <a:prstGeom prst="rect">
-            <a:avLst/>
-          </a:prstGeom>
-        </p:spPr>
-      </p:pic>
-      <p:pic>
-        <p:nvPicPr>
-          <p:cNvPr id="27" name="Picture 26" descr="Map&#10;&#10;Description automatically generated">
-            <a:extLst>
-              <a:ext uri="{FF2B5EF4-FFF2-40B4-BE49-F238E27FC236}">
-                <a16:creationId xmlns:a16="http://schemas.microsoft.com/office/drawing/2014/main" id="{DCBC80EB-19C5-4829-AD22-25A959599DA9}"/>
-              </a:ext>
-            </a:extLst>
-          </p:cNvPr>
-          <p:cNvPicPr>
-            <a:picLocks noChangeAspect="1"/>
-          </p:cNvPicPr>
-          <p:nvPr/>
-        </p:nvPicPr>
-        <p:blipFill>
-          <a:blip r:embed="rId3">
-            <a:extLst>
-              <a:ext uri="{28A0092B-C50C-407E-A947-70E740481C1C}">
-                <a14:useLocalDpi xmlns:a14="http://schemas.microsoft.com/office/drawing/2010/main" val="0"/>
-              </a:ext>
-            </a:extLst>
-          </a:blip>
-          <a:stretch>
-            <a:fillRect/>
-          </a:stretch>
-        </p:blipFill>
-        <p:spPr>
-          <a:xfrm>
-            <a:off x="898006" y="3469572"/>
-            <a:ext cx="4049525" cy="2632192"/>
-          </a:xfrm>
-          <a:prstGeom prst="rect">
-            <a:avLst/>
-          </a:prstGeom>
-        </p:spPr>
-      </p:pic>
-      <p:sp useBgFill="1">
-        <p:nvSpPr>
-          <p:cNvPr id="38" name="Rectangle 37">
-            <a:extLst>
-              <a:ext uri="{FF2B5EF4-FFF2-40B4-BE49-F238E27FC236}">
-                <a16:creationId xmlns:a16="http://schemas.microsoft.com/office/drawing/2014/main" id="{43E8FEA2-54EE-4F84-B5DB-A055A7D805EE}"/>
+                <a16:creationId xmlns:a16="http://schemas.microsoft.com/office/drawing/2014/main" id="{E81BF4F6-F2CF-4984-9D14-D6966D92F99F}"/>
               </a:ext>
               <a:ext uri="{C183D7F6-B498-43B3-948B-1728B52AA6E4}">
                 <adec:decorative xmlns:adec="http://schemas.microsoft.com/office/drawing/2017/decorative" val="1"/>
@@ -16245,8 +19306,8 @@
         </p:nvSpPr>
         <p:spPr>
           <a:xfrm>
-            <a:off x="5719259" y="0"/>
-            <a:ext cx="6472741" cy="6858000"/>
+            <a:off x="-1" y="0"/>
+            <a:ext cx="12191999" cy="3371414"/>
           </a:xfrm>
           <a:prstGeom prst="rect">
             <a:avLst/>
@@ -16255,7 +19316,7 @@
             <a:noFill/>
           </a:ln>
           <a:effectLst>
-            <a:outerShdw blurRad="317500" dist="254000" dir="8580000" sx="90000" sy="90000" algn="t" rotWithShape="0">
+            <a:outerShdw blurRad="317500" dist="190500" dir="5460000" sx="92000" sy="92000" algn="t" rotWithShape="0">
               <a:srgbClr val="000000">
                 <a:alpha val="30000"/>
               </a:srgbClr>
@@ -16283,7 +19344,7 @@
           <a:lstStyle/>
           <a:p>
             <a:pPr algn="ctr"/>
-            <a:endParaRPr lang="en-US"/>
+            <a:endParaRPr lang="en-US" dirty="0"/>
           </a:p>
         </p:txBody>
       </p:sp>
@@ -16305,24 +19366,60 @@
         </p:nvSpPr>
         <p:spPr>
           <a:xfrm>
-            <a:off x="6257178" y="858983"/>
-            <a:ext cx="4429020" cy="2021378"/>
+            <a:off x="761801" y="956281"/>
+            <a:ext cx="4770319" cy="2010284"/>
           </a:xfrm>
         </p:spPr>
         <p:txBody>
-          <a:bodyPr>
+          <a:bodyPr anchor="b">
             <a:normAutofit/>
           </a:bodyPr>
           <a:lstStyle/>
           <a:p>
             <a:r>
-              <a:rPr lang="en-US" sz="4800" dirty="0"/>
+              <a:rPr lang="en-US"/>
               <a:t>“The Efficient Allocation”</a:t>
             </a:r>
-            <a:endParaRPr lang="en-GB" sz="4800" dirty="0"/>
+            <a:endParaRPr lang="en-GB"/>
           </a:p>
         </p:txBody>
       </p:sp>
+      <p:pic>
+        <p:nvPicPr>
+          <p:cNvPr id="5" name="Picture 4" descr="Map&#10;&#10;Description automatically generated">
+            <a:extLst>
+              <a:ext uri="{FF2B5EF4-FFF2-40B4-BE49-F238E27FC236}">
+                <a16:creationId xmlns:a16="http://schemas.microsoft.com/office/drawing/2014/main" id="{99D77EAF-E92F-4C59-937D-80F1DD0F7697}"/>
+              </a:ext>
+            </a:extLst>
+          </p:cNvPr>
+          <p:cNvPicPr>
+            <a:picLocks noChangeAspect="1"/>
+          </p:cNvPicPr>
+          <p:nvPr/>
+        </p:nvPicPr>
+        <p:blipFill>
+          <a:blip r:embed="rId2">
+            <a:extLst>
+              <a:ext uri="{28A0092B-C50C-407E-A947-70E740481C1C}">
+                <a14:useLocalDpi xmlns:a14="http://schemas.microsoft.com/office/drawing/2010/main" val="0"/>
+              </a:ext>
+            </a:extLst>
+          </a:blip>
+          <a:stretch>
+            <a:fillRect/>
+          </a:stretch>
+        </p:blipFill>
+        <p:spPr>
+          <a:xfrm>
+            <a:off x="6441082" y="294149"/>
+            <a:ext cx="4418128" cy="2871783"/>
+          </a:xfrm>
+          <a:prstGeom prst="rect">
+            <a:avLst/>
+          </a:prstGeom>
+        </p:spPr>
+      </p:pic>
       <p:sp>
         <p:nvSpPr>
           <p:cNvPr id="3" name="Content Placeholder 2">
@@ -16341,8 +19438,8 @@
         </p:nvSpPr>
         <p:spPr>
           <a:xfrm>
-            <a:off x="6257177" y="2770496"/>
-            <a:ext cx="5036815" cy="3469583"/>
+            <a:off x="761802" y="3566161"/>
+            <a:ext cx="4911905" cy="2551176"/>
           </a:xfrm>
         </p:spPr>
         <p:txBody>
@@ -16359,7 +19456,7 @@
               <a:buChar char="o"/>
             </a:pPr>
             <a:r>
-              <a:rPr lang="en-GB" sz="2000" dirty="0"/>
+              <a:rPr lang="en-GB" sz="1900"/>
               <a:t>After running a range of seeds we can examine performance and pick the “best”</a:t>
             </a:r>
           </a:p>
@@ -16372,7 +19469,7 @@
               <a:buChar char="o"/>
             </a:pPr>
             <a:r>
-              <a:rPr lang="en-GB" sz="2000" dirty="0"/>
+              <a:rPr lang="en-GB" sz="1900"/>
               <a:t>The found allocation is fairly sparse</a:t>
             </a:r>
           </a:p>
@@ -16385,7 +19482,7 @@
               <a:buChar char="o"/>
             </a:pPr>
             <a:r>
-              <a:rPr lang="en-GB" sz="2000" dirty="0"/>
+              <a:rPr lang="en-GB" sz="1900"/>
               <a:t>Most of the budget allocated to 3 or 4 locations</a:t>
             </a:r>
           </a:p>
@@ -16398,18 +19495,311 @@
               <a:buChar char="o"/>
             </a:pPr>
             <a:r>
-              <a:rPr lang="en-GB" sz="2000" dirty="0"/>
+              <a:rPr lang="en-GB" sz="1900"/>
               <a:t>Seems to have favoured coastal locations.</a:t>
             </a:r>
+          </a:p>
+        </p:txBody>
+      </p:sp>
+      <p:pic>
+        <p:nvPicPr>
+          <p:cNvPr id="7" name="Picture 6" descr="Map&#10;&#10;Description automatically generated">
+            <a:extLst>
+              <a:ext uri="{FF2B5EF4-FFF2-40B4-BE49-F238E27FC236}">
+                <a16:creationId xmlns:a16="http://schemas.microsoft.com/office/drawing/2014/main" id="{08C600D2-0EB7-4FBA-A377-6A62387AAB94}"/>
+              </a:ext>
+            </a:extLst>
+          </p:cNvPr>
+          <p:cNvPicPr>
+            <a:picLocks noChangeAspect="1"/>
+          </p:cNvPicPr>
+          <p:nvPr/>
+        </p:nvPicPr>
+        <p:blipFill>
+          <a:blip r:embed="rId3">
+            <a:extLst>
+              <a:ext uri="{28A0092B-C50C-407E-A947-70E740481C1C}">
+                <a14:useLocalDpi xmlns:a14="http://schemas.microsoft.com/office/drawing/2010/main" val="0"/>
+              </a:ext>
+            </a:extLst>
+          </a:blip>
+          <a:stretch>
+            <a:fillRect/>
+          </a:stretch>
+        </p:blipFill>
+        <p:spPr>
+          <a:xfrm>
+            <a:off x="6441082" y="3665563"/>
+            <a:ext cx="4418128" cy="2871783"/>
+          </a:xfrm>
+          <a:prstGeom prst="rect">
+            <a:avLst/>
+          </a:prstGeom>
+        </p:spPr>
+      </p:pic>
+      <p:cxnSp>
+        <p:nvCxnSpPr>
+          <p:cNvPr id="49" name="Straight Connector 48">
+            <a:extLst>
+              <a:ext uri="{FF2B5EF4-FFF2-40B4-BE49-F238E27FC236}">
+                <a16:creationId xmlns:a16="http://schemas.microsoft.com/office/drawing/2014/main" id="{4C0E7494-7780-4936-B767-2F5FCAB557F9}"/>
+              </a:ext>
+              <a:ext uri="{C183D7F6-B498-43B3-948B-1728B52AA6E4}">
+                <adec:decorative xmlns:adec="http://schemas.microsoft.com/office/drawing/2017/decorative" val="1"/>
+              </a:ext>
+            </a:extLst>
+          </p:cNvPr>
+          <p:cNvCxnSpPr>
+            <a:cxnSpLocks noGrp="1" noRot="1" noChangeAspect="1" noMove="1" noResize="1" noEditPoints="1" noAdjustHandles="1" noChangeArrowheads="1" noChangeShapeType="1"/>
+          </p:cNvCxnSpPr>
+          <p:nvPr>
+            <p:extLst>
+              <p:ext uri="{386F3935-93C4-4BCD-93E2-E3B085C9AB24}">
+                <p16:designElem xmlns:p16="http://schemas.microsoft.com/office/powerpoint/2015/main" val="1"/>
+              </p:ext>
+            </p:extLst>
+          </p:nvPr>
+        </p:nvCxnSpPr>
+        <p:spPr>
+          <a:xfrm>
+            <a:off x="11668155" y="5618908"/>
+            <a:ext cx="0" cy="599069"/>
+          </a:xfrm>
+          <a:prstGeom prst="line">
+            <a:avLst/>
+          </a:prstGeom>
+          <a:ln w="38100">
+            <a:solidFill>
+              <a:schemeClr val="tx1"/>
+            </a:solidFill>
+          </a:ln>
+        </p:spPr>
+        <p:style>
+          <a:lnRef idx="1">
+            <a:schemeClr val="accent1"/>
+          </a:lnRef>
+          <a:fillRef idx="0">
+            <a:schemeClr val="accent1"/>
+          </a:fillRef>
+          <a:effectRef idx="0">
+            <a:schemeClr val="accent1"/>
+          </a:effectRef>
+          <a:fontRef idx="minor">
+            <a:schemeClr val="tx1"/>
+          </a:fontRef>
+        </p:style>
+      </p:cxnSp>
+    </p:spTree>
+    <p:extLst>
+      <p:ext uri="{BB962C8B-B14F-4D97-AF65-F5344CB8AC3E}">
+        <p14:creationId xmlns:p14="http://schemas.microsoft.com/office/powerpoint/2010/main" val="3909123849"/>
+      </p:ext>
+    </p:extLst>
+  </p:cSld>
+  <p:clrMapOvr>
+    <a:masterClrMapping/>
+  </p:clrMapOvr>
+  <p:transition spd="slow">
+    <p:push dir="u"/>
+  </p:transition>
+</p:sld>
+</file>
+
+<file path=ppt/slides/slide17.xml><?xml version="1.0" encoding="utf-8"?>
+<p:sld xmlns:a="http://schemas.openxmlformats.org/drawingml/2006/main" xmlns:r="http://schemas.openxmlformats.org/officeDocument/2006/relationships" xmlns:p="http://schemas.openxmlformats.org/presentationml/2006/main">
+  <p:cSld>
+    <p:bg>
+      <p:bgPr>
+        <a:solidFill>
+          <a:schemeClr val="bg1"/>
+        </a:solidFill>
+        <a:effectLst/>
+      </p:bgPr>
+    </p:bg>
+    <p:spTree>
+      <p:nvGrpSpPr>
+        <p:cNvPr id="1" name=""/>
+        <p:cNvGrpSpPr/>
+        <p:nvPr/>
+      </p:nvGrpSpPr>
+      <p:grpSpPr>
+        <a:xfrm>
+          <a:off x="0" y="0"/>
+          <a:ext cx="0" cy="0"/>
+          <a:chOff x="0" y="0"/>
+          <a:chExt cx="0" cy="0"/>
+        </a:xfrm>
+      </p:grpSpPr>
+      <p:sp useBgFill="1">
+        <p:nvSpPr>
+          <p:cNvPr id="9" name="Slide Background">
+            <a:extLst>
+              <a:ext uri="{FF2B5EF4-FFF2-40B4-BE49-F238E27FC236}">
+                <a16:creationId xmlns:a16="http://schemas.microsoft.com/office/drawing/2014/main" id="{924D84CD-5280-4B52-B96E-8EDAA2B20C51}"/>
+              </a:ext>
+              <a:ext uri="{C183D7F6-B498-43B3-948B-1728B52AA6E4}">
+                <adec:decorative xmlns:adec="http://schemas.microsoft.com/office/drawing/2017/decorative" val="1"/>
+              </a:ext>
+            </a:extLst>
+          </p:cNvPr>
+          <p:cNvSpPr>
+            <a:spLocks noGrp="1" noRot="1" noChangeAspect="1" noMove="1" noResize="1" noEditPoints="1" noAdjustHandles="1" noChangeArrowheads="1" noChangeShapeType="1" noTextEdit="1"/>
+          </p:cNvSpPr>
+          <p:nvPr>
+            <p:extLst>
+              <p:ext uri="{386F3935-93C4-4BCD-93E2-E3B085C9AB24}">
+                <p16:designElem xmlns:p16="http://schemas.microsoft.com/office/powerpoint/2015/main" val="1"/>
+              </p:ext>
+            </p:extLst>
+          </p:nvPr>
+        </p:nvSpPr>
+        <p:spPr>
+          <a:xfrm>
+            <a:off x="0" y="0"/>
+            <a:ext cx="12192000" cy="6858000"/>
+          </a:xfrm>
+          <a:prstGeom prst="rect">
+            <a:avLst/>
+          </a:prstGeom>
+          <a:ln>
+            <a:noFill/>
+          </a:ln>
+        </p:spPr>
+        <p:style>
+          <a:lnRef idx="2">
+            <a:schemeClr val="accent1">
+              <a:shade val="50000"/>
+            </a:schemeClr>
+          </a:lnRef>
+          <a:fillRef idx="1">
+            <a:schemeClr val="accent1"/>
+          </a:fillRef>
+          <a:effectRef idx="0">
+            <a:schemeClr val="accent1"/>
+          </a:effectRef>
+          <a:fontRef idx="minor">
+            <a:schemeClr val="lt1"/>
+          </a:fontRef>
+        </p:style>
+        <p:txBody>
+          <a:bodyPr rtlCol="0" anchor="ctr"/>
+          <a:lstStyle/>
+          <a:p>
+            <a:pPr algn="ctr"/>
+            <a:endParaRPr lang="en-US"/>
+          </a:p>
+        </p:txBody>
+      </p:sp>
+      <p:sp useBgFill="1">
+        <p:nvSpPr>
+          <p:cNvPr id="11" name="Rectangle 10">
+            <a:extLst>
+              <a:ext uri="{FF2B5EF4-FFF2-40B4-BE49-F238E27FC236}">
+                <a16:creationId xmlns:a16="http://schemas.microsoft.com/office/drawing/2014/main" id="{603A6265-E10C-4B85-9C20-E75FCAF9CC63}"/>
+              </a:ext>
+              <a:ext uri="{C183D7F6-B498-43B3-948B-1728B52AA6E4}">
+                <adec:decorative xmlns:adec="http://schemas.microsoft.com/office/drawing/2017/decorative" val="1"/>
+              </a:ext>
+            </a:extLst>
+          </p:cNvPr>
+          <p:cNvSpPr>
+            <a:spLocks noGrp="1" noRot="1" noChangeAspect="1" noMove="1" noResize="1" noEditPoints="1" noAdjustHandles="1" noChangeArrowheads="1" noChangeShapeType="1" noTextEdit="1"/>
+          </p:cNvSpPr>
+          <p:nvPr>
+            <p:extLst>
+              <p:ext uri="{386F3935-93C4-4BCD-93E2-E3B085C9AB24}">
+                <p16:designElem xmlns:p16="http://schemas.microsoft.com/office/powerpoint/2015/main" val="1"/>
+              </p:ext>
+            </p:extLst>
+          </p:nvPr>
+        </p:nvSpPr>
+        <p:spPr>
+          <a:xfrm>
+            <a:off x="0" y="-1"/>
+            <a:ext cx="12192000" cy="1641378"/>
+          </a:xfrm>
+          <a:prstGeom prst="rect">
+            <a:avLst/>
+          </a:prstGeom>
+          <a:ln>
+            <a:noFill/>
+          </a:ln>
+          <a:effectLst>
+            <a:outerShdw blurRad="114300" dist="63500" dir="5460000" sx="95000" sy="95000" algn="t" rotWithShape="0">
+              <a:srgbClr val="000000">
+                <a:alpha val="20000"/>
+              </a:srgbClr>
+            </a:outerShdw>
+          </a:effectLst>
+        </p:spPr>
+        <p:style>
+          <a:lnRef idx="2">
+            <a:schemeClr val="accent1">
+              <a:shade val="50000"/>
+            </a:schemeClr>
+          </a:lnRef>
+          <a:fillRef idx="1">
+            <a:schemeClr val="accent1"/>
+          </a:fillRef>
+          <a:effectRef idx="0">
+            <a:schemeClr val="accent1"/>
+          </a:effectRef>
+          <a:fontRef idx="minor">
+            <a:schemeClr val="lt1"/>
+          </a:fontRef>
+        </p:style>
+        <p:txBody>
+          <a:bodyPr rtlCol="0" anchor="ctr"/>
+          <a:lstStyle/>
+          <a:p>
+            <a:pPr algn="ctr"/>
+            <a:endParaRPr lang="en-US" dirty="0"/>
+          </a:p>
+        </p:txBody>
+      </p:sp>
+      <p:sp>
+        <p:nvSpPr>
+          <p:cNvPr id="2" name="Title 1">
+            <a:extLst>
+              <a:ext uri="{FF2B5EF4-FFF2-40B4-BE49-F238E27FC236}">
+                <a16:creationId xmlns:a16="http://schemas.microsoft.com/office/drawing/2014/main" id="{93DEA1A0-62E7-45DA-A129-7D9A34C12947}"/>
+              </a:ext>
+            </a:extLst>
+          </p:cNvPr>
+          <p:cNvSpPr>
+            <a:spLocks noGrp="1"/>
+          </p:cNvSpPr>
+          <p:nvPr>
+            <p:ph type="title"/>
+          </p:nvPr>
+        </p:nvSpPr>
+        <p:spPr>
+          <a:xfrm>
+            <a:off x="761801" y="296712"/>
+            <a:ext cx="9906199" cy="1157242"/>
+          </a:xfrm>
+        </p:spPr>
+        <p:txBody>
+          <a:bodyPr>
+            <a:normAutofit/>
+          </a:bodyPr>
+          <a:lstStyle/>
+          <a:p>
+            <a:pPr algn="ctr"/>
+            <a:r>
+              <a:rPr lang="en-US"/>
+              <a:t>Future Extensions</a:t>
+            </a:r>
+            <a:endParaRPr lang="en-GB"/>
           </a:p>
         </p:txBody>
       </p:sp>
       <p:cxnSp>
         <p:nvCxnSpPr>
-          <p:cNvPr id="40" name="Straight Connector 39">
+          <p:cNvPr id="13" name="Straight Connector 12">
             <a:extLst>
               <a:ext uri="{FF2B5EF4-FFF2-40B4-BE49-F238E27FC236}">
-                <a16:creationId xmlns:a16="http://schemas.microsoft.com/office/drawing/2014/main" id="{E58B1629-F209-47B0-BA59-6BD937DBB08F}"/>
+                <a16:creationId xmlns:a16="http://schemas.microsoft.com/office/drawing/2014/main" id="{61FF92BA-874E-408A-BFAD-416A7FFE5976}"/>
               </a:ext>
               <a:ext uri="{C183D7F6-B498-43B3-948B-1728B52AA6E4}">
                 <adec:decorative xmlns:adec="http://schemas.microsoft.com/office/drawing/2017/decorative" val="1"/>
@@ -16456,108 +19846,37 @@
           </a:fontRef>
         </p:style>
       </p:cxnSp>
-    </p:spTree>
-    <p:extLst>
-      <p:ext uri="{BB962C8B-B14F-4D97-AF65-F5344CB8AC3E}">
-        <p14:creationId xmlns:p14="http://schemas.microsoft.com/office/powerpoint/2010/main" val="3909123849"/>
-      </p:ext>
-    </p:extLst>
-  </p:cSld>
-  <p:clrMapOvr>
-    <a:masterClrMapping/>
-  </p:clrMapOvr>
-</p:sld>
-</file>
-
-<file path=ppt/slides/slide17.xml><?xml version="1.0" encoding="utf-8"?>
-<p:sld xmlns:a="http://schemas.openxmlformats.org/drawingml/2006/main" xmlns:r="http://schemas.openxmlformats.org/officeDocument/2006/relationships" xmlns:p="http://schemas.openxmlformats.org/presentationml/2006/main">
-  <p:cSld>
-    <p:spTree>
-      <p:nvGrpSpPr>
-        <p:cNvPr id="1" name=""/>
-        <p:cNvGrpSpPr/>
-        <p:nvPr/>
-      </p:nvGrpSpPr>
-      <p:grpSpPr>
-        <a:xfrm>
-          <a:off x="0" y="0"/>
-          <a:ext cx="0" cy="0"/>
-          <a:chOff x="0" y="0"/>
-          <a:chExt cx="0" cy="0"/>
-        </a:xfrm>
-      </p:grpSpPr>
-      <p:sp>
-        <p:nvSpPr>
-          <p:cNvPr id="2" name="Title 1">
+      <p:graphicFrame>
+        <p:nvGraphicFramePr>
+          <p:cNvPr id="5" name="Content Placeholder 2">
             <a:extLst>
               <a:ext uri="{FF2B5EF4-FFF2-40B4-BE49-F238E27FC236}">
-                <a16:creationId xmlns:a16="http://schemas.microsoft.com/office/drawing/2014/main" id="{93DEA1A0-62E7-45DA-A129-7D9A34C12947}"/>
+                <a16:creationId xmlns:a16="http://schemas.microsoft.com/office/drawing/2014/main" id="{DD72F4E7-20F3-4F66-B185-1EA646D208FC}"/>
               </a:ext>
             </a:extLst>
           </p:cNvPr>
-          <p:cNvSpPr>
-            <a:spLocks noGrp="1"/>
-          </p:cNvSpPr>
-          <p:nvPr>
-            <p:ph type="title"/>
-          </p:nvPr>
-        </p:nvSpPr>
-        <p:spPr/>
-        <p:txBody>
-          <a:bodyPr/>
-          <a:lstStyle/>
-          <a:p>
-            <a:r>
-              <a:rPr lang="en-US" dirty="0"/>
-              <a:t>Future Extensions</a:t>
-            </a:r>
-            <a:endParaRPr lang="en-GB" dirty="0"/>
-          </a:p>
-        </p:txBody>
-      </p:sp>
-      <p:sp>
-        <p:nvSpPr>
-          <p:cNvPr id="3" name="Content Placeholder 2">
-            <a:extLst>
-              <a:ext uri="{FF2B5EF4-FFF2-40B4-BE49-F238E27FC236}">
-                <a16:creationId xmlns:a16="http://schemas.microsoft.com/office/drawing/2014/main" id="{03D80D7F-4C94-4674-AC72-67ACC6370EBF}"/>
-              </a:ext>
-            </a:extLst>
-          </p:cNvPr>
-          <p:cNvSpPr>
-            <a:spLocks noGrp="1"/>
-          </p:cNvSpPr>
+          <p:cNvGraphicFramePr>
+            <a:graphicFrameLocks noGrp="1"/>
+          </p:cNvGraphicFramePr>
           <p:nvPr>
             <p:ph idx="1"/>
+            <p:extLst>
+              <p:ext uri="{D42A27DB-BD31-4B8C-83A1-F6EECF244321}">
+                <p14:modId xmlns:p14="http://schemas.microsoft.com/office/powerpoint/2010/main" val="1941886025"/>
+              </p:ext>
+            </p:extLst>
           </p:nvPr>
-        </p:nvSpPr>
-        <p:spPr/>
-        <p:txBody>
-          <a:bodyPr/>
-          <a:lstStyle/>
-          <a:p>
-            <a:r>
-              <a:rPr lang="en-US" dirty="0"/>
-              <a:t>One of the main extensions I believe would be useful in future would be adjusting the current setup to be more general.</a:t>
-            </a:r>
-          </a:p>
-          <a:p>
-            <a:r>
-              <a:rPr lang="en-US" dirty="0"/>
-              <a:t>Currently we require a backlog of data for each location we want to predict for which can make it more complex to query the system for a new location.</a:t>
-            </a:r>
-          </a:p>
-          <a:p>
-            <a:endParaRPr lang="en-US" dirty="0"/>
-          </a:p>
-          <a:p>
-            <a:r>
-              <a:rPr lang="en-GB" dirty="0"/>
-              <a:t>I would also like to investigate extensions to the NSGA-II algorithm as increasing performance would make this much more scalable for larger location sets.</a:t>
-            </a:r>
-          </a:p>
-        </p:txBody>
-      </p:sp>
+        </p:nvGraphicFramePr>
+        <p:xfrm>
+          <a:off x="762000" y="1929788"/>
+          <a:ext cx="9906000" cy="4082075"/>
+        </p:xfrm>
+        <a:graphic>
+          <a:graphicData uri="http://schemas.openxmlformats.org/drawingml/2006/diagram">
+            <dgm:relIds xmlns:dgm="http://schemas.openxmlformats.org/drawingml/2006/diagram" xmlns:r="http://schemas.openxmlformats.org/officeDocument/2006/relationships" r:dm="rId3" r:lo="rId4" r:qs="rId5" r:cs="rId6"/>
+          </a:graphicData>
+        </a:graphic>
+      </p:graphicFrame>
     </p:spTree>
     <p:extLst>
       <p:ext uri="{BB962C8B-B14F-4D97-AF65-F5344CB8AC3E}">
@@ -16568,6 +19887,9 @@
   <p:clrMapOvr>
     <a:masterClrMapping/>
   </p:clrMapOvr>
+  <p:transition spd="slow">
+    <p:push dir="u"/>
+  </p:transition>
 </p:sld>
 </file>
 
@@ -16641,7 +19963,7 @@
         </p:spPr>
         <p:txBody>
           <a:bodyPr>
-            <a:normAutofit fontScale="92500"/>
+            <a:normAutofit/>
           </a:bodyPr>
           <a:lstStyle/>
           <a:p>
@@ -16660,8 +19982,8 @@
               <a:buChar char="o"/>
             </a:pPr>
             <a:r>
-              <a:rPr lang="en-US" sz="2800" dirty="0"/>
-              <a:t>However, many of the prevalent renewable energy sources (e.g. wind and solar) are reliant on an inconsistent factor, the weather.</a:t>
+              <a:rPr lang="en-GB" sz="2800" dirty="0"/>
+              <a:t>Many of the common renewable sources are dependent on weather as an energy source.</a:t>
             </a:r>
           </a:p>
           <a:p>
@@ -16671,20 +19993,9 @@
             </a:pPr>
             <a:r>
               <a:rPr lang="en-GB" sz="2800" dirty="0"/>
-              <a:t>In the UK, the average load factor per year of onshore wind is 26.46% in 2019, with performing better at 40.4% </a:t>
-            </a:r>
-            <a:r>
-              <a:rPr lang="en-GB" sz="2400" i="1" dirty="0"/>
-              <a:t>(</a:t>
-            </a:r>
-            <a:r>
-              <a:rPr lang="en-GB" sz="2400" i="1" dirty="0" err="1"/>
-              <a:t>Jaganmohan</a:t>
-            </a:r>
-            <a:r>
-              <a:rPr lang="en-GB" sz="2400" i="1" dirty="0"/>
-              <a:t>, 2019)</a:t>
-            </a:r>
+              <a:t>Therefore, the consistency and reliability of these sources is never certain.</a:t>
+            </a:r>
+            <a:endParaRPr lang="en-GB" sz="2400" i="1" dirty="0"/>
           </a:p>
         </p:txBody>
       </p:sp>
@@ -16763,6 +20074,9 @@
   <p:clrMapOvr>
     <a:masterClrMapping/>
   </p:clrMapOvr>
+  <p:transition spd="slow">
+    <p:push dir="u"/>
+  </p:transition>
 </p:sld>
 </file>
 
@@ -16971,8 +20285,8 @@
         </p:nvSpPr>
         <p:spPr>
           <a:xfrm>
-            <a:off x="5606552" y="858982"/>
-            <a:ext cx="4369757" cy="2129878"/>
+            <a:off x="5469394" y="797567"/>
+            <a:ext cx="6198761" cy="2129878"/>
           </a:xfrm>
         </p:spPr>
         <p:txBody>
@@ -17007,13 +20321,13 @@
         </p:nvSpPr>
         <p:spPr>
           <a:xfrm>
-            <a:off x="5606552" y="3467499"/>
-            <a:ext cx="5012796" cy="2544416"/>
+            <a:off x="5606551" y="3467498"/>
+            <a:ext cx="5537757" cy="3056131"/>
           </a:xfrm>
         </p:spPr>
         <p:txBody>
           <a:bodyPr>
-            <a:normAutofit fontScale="92500" lnSpcReduction="20000"/>
+            <a:normAutofit lnSpcReduction="10000"/>
           </a:bodyPr>
           <a:lstStyle/>
           <a:p>
@@ -17048,7 +20362,7 @@
                 <a:spcPct val="100000"/>
               </a:lnSpc>
             </a:pPr>
-            <a:endParaRPr lang="en-GB" sz="1800" dirty="0"/>
+            <a:endParaRPr lang="en-GB" sz="1600" dirty="0"/>
           </a:p>
           <a:p>
             <a:pPr>
@@ -17057,7 +20371,7 @@
               </a:lnSpc>
             </a:pPr>
             <a:r>
-              <a:rPr lang="en-GB" dirty="0"/>
+              <a:rPr lang="en-GB" sz="2400" dirty="0"/>
               <a:t>We will be proposing a system to tackle these issues by using AI techniques.</a:t>
             </a:r>
           </a:p>
@@ -17125,6 +20439,9 @@
   <p:clrMapOvr>
     <a:masterClrMapping/>
   </p:clrMapOvr>
+  <p:transition spd="slow">
+    <p:push dir="u"/>
+  </p:transition>
 </p:sld>
 </file>
 
@@ -17522,6 +20839,9 @@
   <p:clrMapOvr>
     <a:masterClrMapping/>
   </p:clrMapOvr>
+  <p:transition spd="slow">
+    <p:push dir="u"/>
+  </p:transition>
 </p:sld>
 </file>
 
@@ -17878,7 +21198,7 @@
               <a:buChar char="o"/>
             </a:pPr>
             <a:r>
-              <a:rPr lang="en-GB" sz="1700"/>
+              <a:rPr lang="en-GB" sz="2000" dirty="0"/>
               <a:t>Focus on allocation of Wind turbines</a:t>
             </a:r>
           </a:p>
@@ -17891,7 +21211,7 @@
               <a:buChar char="o"/>
             </a:pPr>
             <a:r>
-              <a:rPr lang="en-GB" sz="1700"/>
+              <a:rPr lang="en-GB" sz="2000" dirty="0"/>
               <a:t>Limit this to onshore wind farms due to data accessibility</a:t>
             </a:r>
           </a:p>
@@ -17904,7 +21224,7 @@
               <a:buChar char="o"/>
             </a:pPr>
             <a:r>
-              <a:rPr lang="en-GB" sz="1700"/>
+              <a:rPr lang="en-GB" sz="2000" dirty="0"/>
               <a:t>Initial locations sourced from pre-existing wind farms - reducing complexity </a:t>
             </a:r>
           </a:p>
@@ -17916,7 +21236,7 @@
               <a:buFont typeface="Courier New" panose="02070309020205020404" pitchFamily="49" charset="0"/>
               <a:buChar char="o"/>
             </a:pPr>
-            <a:endParaRPr lang="en-GB" sz="1700"/>
+            <a:endParaRPr lang="en-GB" dirty="0"/>
           </a:p>
         </p:txBody>
       </p:sp>
@@ -17982,6 +21302,9 @@
   <p:clrMapOvr>
     <a:masterClrMapping/>
   </p:clrMapOvr>
+  <p:transition spd="slow">
+    <p:push dir="u"/>
+  </p:transition>
 </p:sld>
 </file>
 
@@ -18352,6 +21675,9 @@
   <p:clrMapOvr>
     <a:masterClrMapping/>
   </p:clrMapOvr>
+  <p:transition spd="slow">
+    <p:push dir="u"/>
+  </p:transition>
 </p:sld>
 </file>
 
@@ -23755,6 +27081,9 @@
   <p:clrMapOvr>
     <a:masterClrMapping/>
   </p:clrMapOvr>
+  <p:transition spd="slow">
+    <p:push dir="u"/>
+  </p:transition>
 </p:sld>
 </file>
 
@@ -24100,6 +27429,9 @@
   <p:clrMapOvr>
     <a:masterClrMapping/>
   </p:clrMapOvr>
+  <p:transition spd="slow">
+    <p:push dir="u"/>
+  </p:transition>
 </p:sld>
 </file>
 
@@ -30701,6 +34033,9 @@
   <p:clrMapOvr>
     <a:masterClrMapping/>
   </p:clrMapOvr>
+  <p:transition spd="slow">
+    <p:push dir="u"/>
+  </p:transition>
 </p:sld>
 </file>
 
